--- a/Cifar10/TestResults.pptx
+++ b/Cifar10/TestResults.pptx
@@ -10,21 +10,19 @@
     <p:sldId id="257" r:id="rId4"/>
     <p:sldId id="270" r:id="rId5"/>
     <p:sldId id="277" r:id="rId6"/>
-    <p:sldId id="278" r:id="rId7"/>
-    <p:sldId id="258" r:id="rId8"/>
-    <p:sldId id="272" r:id="rId9"/>
-    <p:sldId id="260" r:id="rId10"/>
-    <p:sldId id="275" r:id="rId11"/>
-    <p:sldId id="274" r:id="rId12"/>
-    <p:sldId id="276" r:id="rId13"/>
-    <p:sldId id="261" r:id="rId14"/>
-    <p:sldId id="267" r:id="rId15"/>
-    <p:sldId id="268" r:id="rId16"/>
-    <p:sldId id="269" r:id="rId17"/>
-    <p:sldId id="262" r:id="rId18"/>
-    <p:sldId id="263" r:id="rId19"/>
-    <p:sldId id="265" r:id="rId20"/>
-    <p:sldId id="266" r:id="rId21"/>
+    <p:sldId id="258" r:id="rId7"/>
+    <p:sldId id="272" r:id="rId8"/>
+    <p:sldId id="260" r:id="rId9"/>
+    <p:sldId id="275" r:id="rId10"/>
+    <p:sldId id="274" r:id="rId11"/>
+    <p:sldId id="261" r:id="rId12"/>
+    <p:sldId id="279" r:id="rId13"/>
+    <p:sldId id="262" r:id="rId14"/>
+    <p:sldId id="280" r:id="rId15"/>
+    <p:sldId id="263" r:id="rId16"/>
+    <p:sldId id="266" r:id="rId17"/>
+    <p:sldId id="282" r:id="rId18"/>
+    <p:sldId id="281" r:id="rId19"/>
   </p:sldIdLst>
   <p:sldSz cx="12192000" cy="6858000"/>
   <p:notesSz cx="6858000" cy="9144000"/>
@@ -278,7 +276,7 @@
           <a:p>
             <a:fld id="{7D6B30A6-CDC2-4BFC-8644-0135E23227B7}" type="datetimeFigureOut">
               <a:rPr lang="zh-CN" altLang="en-US" smtClean="0"/>
-              <a:t>2020/5/3</a:t>
+              <a:t>2020/5/4</a:t>
             </a:fld>
             <a:endParaRPr lang="zh-CN" altLang="en-US"/>
           </a:p>
@@ -476,7 +474,7 @@
           <a:p>
             <a:fld id="{7D6B30A6-CDC2-4BFC-8644-0135E23227B7}" type="datetimeFigureOut">
               <a:rPr lang="zh-CN" altLang="en-US" smtClean="0"/>
-              <a:t>2020/5/3</a:t>
+              <a:t>2020/5/4</a:t>
             </a:fld>
             <a:endParaRPr lang="zh-CN" altLang="en-US"/>
           </a:p>
@@ -684,7 +682,7 @@
           <a:p>
             <a:fld id="{7D6B30A6-CDC2-4BFC-8644-0135E23227B7}" type="datetimeFigureOut">
               <a:rPr lang="zh-CN" altLang="en-US" smtClean="0"/>
-              <a:t>2020/5/3</a:t>
+              <a:t>2020/5/4</a:t>
             </a:fld>
             <a:endParaRPr lang="zh-CN" altLang="en-US"/>
           </a:p>
@@ -882,7 +880,7 @@
           <a:p>
             <a:fld id="{7D6B30A6-CDC2-4BFC-8644-0135E23227B7}" type="datetimeFigureOut">
               <a:rPr lang="zh-CN" altLang="en-US" smtClean="0"/>
-              <a:t>2020/5/3</a:t>
+              <a:t>2020/5/4</a:t>
             </a:fld>
             <a:endParaRPr lang="zh-CN" altLang="en-US"/>
           </a:p>
@@ -1157,7 +1155,7 @@
           <a:p>
             <a:fld id="{7D6B30A6-CDC2-4BFC-8644-0135E23227B7}" type="datetimeFigureOut">
               <a:rPr lang="zh-CN" altLang="en-US" smtClean="0"/>
-              <a:t>2020/5/3</a:t>
+              <a:t>2020/5/4</a:t>
             </a:fld>
             <a:endParaRPr lang="zh-CN" altLang="en-US"/>
           </a:p>
@@ -1422,7 +1420,7 @@
           <a:p>
             <a:fld id="{7D6B30A6-CDC2-4BFC-8644-0135E23227B7}" type="datetimeFigureOut">
               <a:rPr lang="zh-CN" altLang="en-US" smtClean="0"/>
-              <a:t>2020/5/3</a:t>
+              <a:t>2020/5/4</a:t>
             </a:fld>
             <a:endParaRPr lang="zh-CN" altLang="en-US"/>
           </a:p>
@@ -1834,7 +1832,7 @@
           <a:p>
             <a:fld id="{7D6B30A6-CDC2-4BFC-8644-0135E23227B7}" type="datetimeFigureOut">
               <a:rPr lang="zh-CN" altLang="en-US" smtClean="0"/>
-              <a:t>2020/5/3</a:t>
+              <a:t>2020/5/4</a:t>
             </a:fld>
             <a:endParaRPr lang="zh-CN" altLang="en-US"/>
           </a:p>
@@ -1975,7 +1973,7 @@
           <a:p>
             <a:fld id="{7D6B30A6-CDC2-4BFC-8644-0135E23227B7}" type="datetimeFigureOut">
               <a:rPr lang="zh-CN" altLang="en-US" smtClean="0"/>
-              <a:t>2020/5/3</a:t>
+              <a:t>2020/5/4</a:t>
             </a:fld>
             <a:endParaRPr lang="zh-CN" altLang="en-US"/>
           </a:p>
@@ -2088,7 +2086,7 @@
           <a:p>
             <a:fld id="{7D6B30A6-CDC2-4BFC-8644-0135E23227B7}" type="datetimeFigureOut">
               <a:rPr lang="zh-CN" altLang="en-US" smtClean="0"/>
-              <a:t>2020/5/3</a:t>
+              <a:t>2020/5/4</a:t>
             </a:fld>
             <a:endParaRPr lang="zh-CN" altLang="en-US"/>
           </a:p>
@@ -2399,7 +2397,7 @@
           <a:p>
             <a:fld id="{7D6B30A6-CDC2-4BFC-8644-0135E23227B7}" type="datetimeFigureOut">
               <a:rPr lang="zh-CN" altLang="en-US" smtClean="0"/>
-              <a:t>2020/5/3</a:t>
+              <a:t>2020/5/4</a:t>
             </a:fld>
             <a:endParaRPr lang="zh-CN" altLang="en-US"/>
           </a:p>
@@ -2687,7 +2685,7 @@
           <a:p>
             <a:fld id="{7D6B30A6-CDC2-4BFC-8644-0135E23227B7}" type="datetimeFigureOut">
               <a:rPr lang="zh-CN" altLang="en-US" smtClean="0"/>
-              <a:t>2020/5/3</a:t>
+              <a:t>2020/5/4</a:t>
             </a:fld>
             <a:endParaRPr lang="zh-CN" altLang="en-US"/>
           </a:p>
@@ -2928,7 +2926,7 @@
           <a:p>
             <a:fld id="{7D6B30A6-CDC2-4BFC-8644-0135E23227B7}" type="datetimeFigureOut">
               <a:rPr lang="zh-CN" altLang="en-US" smtClean="0"/>
-              <a:t>2020/5/3</a:t>
+              <a:t>2020/5/4</a:t>
             </a:fld>
             <a:endParaRPr lang="zh-CN" altLang="en-US"/>
           </a:p>
@@ -3452,7 +3450,7 @@
           <a:p>
             <a:r>
               <a:rPr lang="en-US" altLang="zh-CN" dirty="0"/>
-              <a:t>Bad node 1/3</a:t>
+              <a:t>Bad node 2/2</a:t>
             </a:r>
             <a:endParaRPr lang="zh-CN" altLang="en-US" dirty="0"/>
           </a:p>
@@ -3460,10 +3458,10 @@
       </p:sp>
       <p:pic>
         <p:nvPicPr>
-          <p:cNvPr id="9" name="图片 8" descr="截图里有图片&#10;&#10;描述已自动生成">
-            <a:extLst>
-              <a:ext uri="{FF2B5EF4-FFF2-40B4-BE49-F238E27FC236}">
-                <a16:creationId xmlns:a16="http://schemas.microsoft.com/office/drawing/2014/main" id="{CA5FD47E-CEF4-4209-8628-E1D7CED40DFF}"/>
+          <p:cNvPr id="4" name="图片 3" descr="图片包含 游戏机, 文字, 地图, 截图&#10;&#10;描述已自动生成">
+            <a:extLst>
+              <a:ext uri="{FF2B5EF4-FFF2-40B4-BE49-F238E27FC236}">
+                <a16:creationId xmlns:a16="http://schemas.microsoft.com/office/drawing/2014/main" id="{A7C97D75-CDA5-4B25-ACD7-2BD8AB1BC426}"/>
               </a:ext>
             </a:extLst>
           </p:cNvPr>
@@ -3487,7 +3485,7 @@
         <p:spPr>
           <a:xfrm>
             <a:off x="0" y="1690688"/>
-            <a:ext cx="12192000" cy="4324709"/>
+            <a:ext cx="12192000" cy="4370717"/>
           </a:xfrm>
           <a:prstGeom prst="rect">
             <a:avLst/>
@@ -3497,7 +3495,7 @@
     </p:spTree>
     <p:extLst>
       <p:ext uri="{BB962C8B-B14F-4D97-AF65-F5344CB8AC3E}">
-        <p14:creationId xmlns:p14="http://schemas.microsoft.com/office/powerpoint/2010/main" val="482722294"/>
+        <p14:creationId xmlns:p14="http://schemas.microsoft.com/office/powerpoint/2010/main" val="1241374216"/>
       </p:ext>
     </p:extLst>
   </p:cSld>
@@ -3529,7 +3527,7 @@
           <p:cNvPr id="2" name="标题 1">
             <a:extLst>
               <a:ext uri="{FF2B5EF4-FFF2-40B4-BE49-F238E27FC236}">
-                <a16:creationId xmlns:a16="http://schemas.microsoft.com/office/drawing/2014/main" id="{86024D0A-2059-4658-924A-C1ED2407772F}"/>
+                <a16:creationId xmlns:a16="http://schemas.microsoft.com/office/drawing/2014/main" id="{FDBDF9CE-045B-4932-BBDF-5C6982733BDC}"/>
               </a:ext>
             </a:extLst>
           </p:cNvPr>
@@ -3547,52 +3545,463 @@
           <a:p>
             <a:r>
               <a:rPr lang="en-US" altLang="zh-CN" dirty="0"/>
-              <a:t>Bad node 2/3</a:t>
+              <a:t>Data Dispersion</a:t>
             </a:r>
             <a:endParaRPr lang="zh-CN" altLang="en-US" dirty="0"/>
           </a:p>
         </p:txBody>
       </p:sp>
-      <p:pic>
-        <p:nvPicPr>
-          <p:cNvPr id="11" name="图片 10" descr="图片包含 游戏机, 文字, 地图, 截图&#10;&#10;描述已自动生成">
-            <a:extLst>
-              <a:ext uri="{FF2B5EF4-FFF2-40B4-BE49-F238E27FC236}">
-                <a16:creationId xmlns:a16="http://schemas.microsoft.com/office/drawing/2014/main" id="{3AE0B630-BF12-499B-8D5E-FD9C288476A8}"/>
-              </a:ext>
-            </a:extLst>
-          </p:cNvPr>
-          <p:cNvPicPr>
-            <a:picLocks noChangeAspect="1"/>
-          </p:cNvPicPr>
+      <p:sp>
+        <p:nvSpPr>
+          <p:cNvPr id="4" name="内容占位符 2">
+            <a:extLst>
+              <a:ext uri="{FF2B5EF4-FFF2-40B4-BE49-F238E27FC236}">
+                <a16:creationId xmlns:a16="http://schemas.microsoft.com/office/drawing/2014/main" id="{2C356662-19B9-45D4-9062-10CAA847693C}"/>
+              </a:ext>
+            </a:extLst>
+          </p:cNvPr>
+          <p:cNvSpPr>
+            <a:spLocks noGrp="1"/>
+          </p:cNvSpPr>
+          <p:nvPr>
+            <p:ph idx="1"/>
+          </p:nvPr>
+        </p:nvSpPr>
+        <p:spPr>
+          <a:xfrm>
+            <a:off x="838200" y="1825625"/>
+            <a:ext cx="3488703" cy="4351338"/>
+          </a:xfrm>
+        </p:spPr>
+        <p:txBody>
+          <a:bodyPr/>
+          <a:lstStyle/>
+          <a:p>
+            <a:r>
+              <a:rPr lang="en-US" altLang="zh-CN" dirty="0"/>
+              <a:t>4000 training data</a:t>
+            </a:r>
+          </a:p>
+          <a:p>
+            <a:r>
+              <a:rPr lang="en-US" altLang="zh-CN" dirty="0"/>
+              <a:t>10000 testing data</a:t>
+            </a:r>
+          </a:p>
+          <a:p>
+            <a:r>
+              <a:rPr lang="en-US" altLang="zh-CN" dirty="0"/>
+              <a:t>Early stop = 500</a:t>
+            </a:r>
+          </a:p>
+          <a:p>
+            <a:r>
+              <a:rPr lang="en-US" altLang="zh-CN" dirty="0"/>
+              <a:t>Local step = 1</a:t>
+            </a:r>
+          </a:p>
+        </p:txBody>
+      </p:sp>
+      <p:sp>
+        <p:nvSpPr>
+          <p:cNvPr id="5" name="矩形: 圆角 4">
+            <a:extLst>
+              <a:ext uri="{FF2B5EF4-FFF2-40B4-BE49-F238E27FC236}">
+                <a16:creationId xmlns:a16="http://schemas.microsoft.com/office/drawing/2014/main" id="{7852626E-88A3-4826-B82C-BA1D17B97684}"/>
+              </a:ext>
+            </a:extLst>
+          </p:cNvPr>
+          <p:cNvSpPr/>
           <p:nvPr/>
-        </p:nvPicPr>
-        <p:blipFill>
-          <a:blip r:embed="rId2">
-            <a:extLst>
-              <a:ext uri="{28A0092B-C50C-407E-A947-70E740481C1C}">
-                <a14:useLocalDpi xmlns:a14="http://schemas.microsoft.com/office/drawing/2010/main" val="0"/>
-              </a:ext>
-            </a:extLst>
-          </a:blip>
-          <a:stretch>
-            <a:fillRect/>
-          </a:stretch>
-        </p:blipFill>
-        <p:spPr>
-          <a:xfrm>
-            <a:off x="0" y="1690688"/>
-            <a:ext cx="12192000" cy="4324709"/>
-          </a:xfrm>
-          <a:prstGeom prst="rect">
+        </p:nvSpPr>
+        <p:spPr>
+          <a:xfrm>
+            <a:off x="8594103" y="2375556"/>
+            <a:ext cx="2652074" cy="669302"/>
+          </a:xfrm>
+          <a:prstGeom prst="roundRect">
             <a:avLst/>
           </a:prstGeom>
         </p:spPr>
-      </p:pic>
+        <p:style>
+          <a:lnRef idx="2">
+            <a:schemeClr val="accent1">
+              <a:shade val="50000"/>
+            </a:schemeClr>
+          </a:lnRef>
+          <a:fillRef idx="1">
+            <a:schemeClr val="accent1"/>
+          </a:fillRef>
+          <a:effectRef idx="0">
+            <a:schemeClr val="accent1"/>
+          </a:effectRef>
+          <a:fontRef idx="minor">
+            <a:schemeClr val="lt1"/>
+          </a:fontRef>
+        </p:style>
+        <p:txBody>
+          <a:bodyPr rtlCol="0" anchor="ctr"/>
+          <a:lstStyle/>
+          <a:p>
+            <a:pPr algn="ctr"/>
+            <a:r>
+              <a:rPr lang="en-US" altLang="zh-CN" sz="2800" dirty="0"/>
+              <a:t>Node Number</a:t>
+            </a:r>
+            <a:endParaRPr lang="zh-CN" altLang="en-US" sz="2800" dirty="0"/>
+          </a:p>
+        </p:txBody>
+      </p:sp>
+      <p:sp>
+        <p:nvSpPr>
+          <p:cNvPr id="6" name="矩形: 圆角 5">
+            <a:extLst>
+              <a:ext uri="{FF2B5EF4-FFF2-40B4-BE49-F238E27FC236}">
+                <a16:creationId xmlns:a16="http://schemas.microsoft.com/office/drawing/2014/main" id="{7E76EE64-F003-4269-8EB6-0DF242C2EBDC}"/>
+              </a:ext>
+            </a:extLst>
+          </p:cNvPr>
+          <p:cNvSpPr/>
+          <p:nvPr/>
+        </p:nvSpPr>
+        <p:spPr>
+          <a:xfrm>
+            <a:off x="6095999" y="2375556"/>
+            <a:ext cx="2185447" cy="669302"/>
+          </a:xfrm>
+          <a:prstGeom prst="roundRect">
+            <a:avLst/>
+          </a:prstGeom>
+        </p:spPr>
+        <p:style>
+          <a:lnRef idx="2">
+            <a:schemeClr val="accent1">
+              <a:shade val="50000"/>
+            </a:schemeClr>
+          </a:lnRef>
+          <a:fillRef idx="1">
+            <a:schemeClr val="accent1"/>
+          </a:fillRef>
+          <a:effectRef idx="0">
+            <a:schemeClr val="accent1"/>
+          </a:effectRef>
+          <a:fontRef idx="minor">
+            <a:schemeClr val="lt1"/>
+          </a:fontRef>
+        </p:style>
+        <p:txBody>
+          <a:bodyPr rtlCol="0" anchor="ctr"/>
+          <a:lstStyle/>
+          <a:p>
+            <a:pPr algn="ctr"/>
+            <a:r>
+              <a:rPr lang="en-US" altLang="zh-CN" sz="2800" dirty="0"/>
+              <a:t>If </a:t>
+            </a:r>
+            <a:r>
+              <a:rPr lang="en-US" altLang="zh-CN" sz="2800" dirty="0" err="1"/>
+              <a:t>iid</a:t>
+            </a:r>
+            <a:r>
+              <a:rPr lang="en-US" altLang="zh-CN" sz="2800" dirty="0"/>
+              <a:t>?</a:t>
+            </a:r>
+            <a:endParaRPr lang="zh-CN" altLang="en-US" sz="2800" dirty="0"/>
+          </a:p>
+        </p:txBody>
+      </p:sp>
+      <p:sp>
+        <p:nvSpPr>
+          <p:cNvPr id="7" name="矩形: 剪去对角 6">
+            <a:extLst>
+              <a:ext uri="{FF2B5EF4-FFF2-40B4-BE49-F238E27FC236}">
+                <a16:creationId xmlns:a16="http://schemas.microsoft.com/office/drawing/2014/main" id="{E678392B-B353-4D19-A2E1-F70452246773}"/>
+              </a:ext>
+            </a:extLst>
+          </p:cNvPr>
+          <p:cNvSpPr/>
+          <p:nvPr/>
+        </p:nvSpPr>
+        <p:spPr>
+          <a:xfrm>
+            <a:off x="6645108" y="3442209"/>
+            <a:ext cx="1075444" cy="575034"/>
+          </a:xfrm>
+          <a:prstGeom prst="snip2DiagRect">
+            <a:avLst/>
+          </a:prstGeom>
+        </p:spPr>
+        <p:style>
+          <a:lnRef idx="2">
+            <a:schemeClr val="accent1"/>
+          </a:lnRef>
+          <a:fillRef idx="1">
+            <a:schemeClr val="lt1"/>
+          </a:fillRef>
+          <a:effectRef idx="0">
+            <a:schemeClr val="accent1"/>
+          </a:effectRef>
+          <a:fontRef idx="minor">
+            <a:schemeClr val="dk1"/>
+          </a:fontRef>
+        </p:style>
+        <p:txBody>
+          <a:bodyPr rtlCol="0" anchor="ctr"/>
+          <a:lstStyle/>
+          <a:p>
+            <a:pPr algn="ctr"/>
+            <a:r>
+              <a:rPr lang="en-US" altLang="zh-CN" sz="2800" dirty="0"/>
+              <a:t>2</a:t>
+            </a:r>
+            <a:endParaRPr lang="zh-CN" altLang="en-US" sz="2800" dirty="0"/>
+          </a:p>
+        </p:txBody>
+      </p:sp>
+      <p:sp>
+        <p:nvSpPr>
+          <p:cNvPr id="8" name="矩形: 剪去对角 7">
+            <a:extLst>
+              <a:ext uri="{FF2B5EF4-FFF2-40B4-BE49-F238E27FC236}">
+                <a16:creationId xmlns:a16="http://schemas.microsoft.com/office/drawing/2014/main" id="{2C738EC7-EEA1-4BE5-926B-AA82C426063E}"/>
+              </a:ext>
+            </a:extLst>
+          </p:cNvPr>
+          <p:cNvSpPr/>
+          <p:nvPr/>
+        </p:nvSpPr>
+        <p:spPr>
+          <a:xfrm>
+            <a:off x="6645108" y="4245058"/>
+            <a:ext cx="1075444" cy="575034"/>
+          </a:xfrm>
+          <a:prstGeom prst="snip2DiagRect">
+            <a:avLst/>
+          </a:prstGeom>
+        </p:spPr>
+        <p:style>
+          <a:lnRef idx="2">
+            <a:schemeClr val="accent1"/>
+          </a:lnRef>
+          <a:fillRef idx="1">
+            <a:schemeClr val="lt1"/>
+          </a:fillRef>
+          <a:effectRef idx="0">
+            <a:schemeClr val="accent1"/>
+          </a:effectRef>
+          <a:fontRef idx="minor">
+            <a:schemeClr val="dk1"/>
+          </a:fontRef>
+        </p:style>
+        <p:txBody>
+          <a:bodyPr rtlCol="0" anchor="ctr"/>
+          <a:lstStyle/>
+          <a:p>
+            <a:pPr algn="ctr"/>
+            <a:r>
+              <a:rPr lang="en-US" altLang="zh-CN" sz="2800" dirty="0"/>
+              <a:t>5</a:t>
+            </a:r>
+            <a:endParaRPr lang="zh-CN" altLang="en-US" sz="2800" dirty="0"/>
+          </a:p>
+        </p:txBody>
+      </p:sp>
+      <p:sp>
+        <p:nvSpPr>
+          <p:cNvPr id="9" name="矩形: 剪去对角 8">
+            <a:extLst>
+              <a:ext uri="{FF2B5EF4-FFF2-40B4-BE49-F238E27FC236}">
+                <a16:creationId xmlns:a16="http://schemas.microsoft.com/office/drawing/2014/main" id="{87E82B66-9C79-495E-A4A9-8753F8DEB2EE}"/>
+              </a:ext>
+            </a:extLst>
+          </p:cNvPr>
+          <p:cNvSpPr/>
+          <p:nvPr/>
+        </p:nvSpPr>
+        <p:spPr>
+          <a:xfrm>
+            <a:off x="6645108" y="5047908"/>
+            <a:ext cx="1075444" cy="575034"/>
+          </a:xfrm>
+          <a:prstGeom prst="snip2DiagRect">
+            <a:avLst/>
+          </a:prstGeom>
+        </p:spPr>
+        <p:style>
+          <a:lnRef idx="2">
+            <a:schemeClr val="accent1"/>
+          </a:lnRef>
+          <a:fillRef idx="1">
+            <a:schemeClr val="lt1"/>
+          </a:fillRef>
+          <a:effectRef idx="0">
+            <a:schemeClr val="accent1"/>
+          </a:effectRef>
+          <a:fontRef idx="minor">
+            <a:schemeClr val="dk1"/>
+          </a:fontRef>
+        </p:style>
+        <p:txBody>
+          <a:bodyPr rtlCol="0" anchor="ctr"/>
+          <a:lstStyle/>
+          <a:p>
+            <a:pPr algn="ctr"/>
+            <a:r>
+              <a:rPr lang="en-US" altLang="zh-CN" sz="2800" dirty="0" err="1"/>
+              <a:t>iid</a:t>
+            </a:r>
+            <a:endParaRPr lang="zh-CN" altLang="en-US" sz="2800" dirty="0"/>
+          </a:p>
+        </p:txBody>
+      </p:sp>
+      <p:sp>
+        <p:nvSpPr>
+          <p:cNvPr id="10" name="矩形: 剪去对角 9">
+            <a:extLst>
+              <a:ext uri="{FF2B5EF4-FFF2-40B4-BE49-F238E27FC236}">
+                <a16:creationId xmlns:a16="http://schemas.microsoft.com/office/drawing/2014/main" id="{3735BF18-9AD2-4DEA-8878-57CE5589669B}"/>
+              </a:ext>
+            </a:extLst>
+          </p:cNvPr>
+          <p:cNvSpPr/>
+          <p:nvPr/>
+        </p:nvSpPr>
+        <p:spPr>
+          <a:xfrm>
+            <a:off x="9149104" y="3442209"/>
+            <a:ext cx="1075444" cy="575034"/>
+          </a:xfrm>
+          <a:prstGeom prst="snip2DiagRect">
+            <a:avLst/>
+          </a:prstGeom>
+        </p:spPr>
+        <p:style>
+          <a:lnRef idx="2">
+            <a:schemeClr val="accent1"/>
+          </a:lnRef>
+          <a:fillRef idx="1">
+            <a:schemeClr val="lt1"/>
+          </a:fillRef>
+          <a:effectRef idx="0">
+            <a:schemeClr val="accent1"/>
+          </a:effectRef>
+          <a:fontRef idx="minor">
+            <a:schemeClr val="dk1"/>
+          </a:fontRef>
+        </p:style>
+        <p:txBody>
+          <a:bodyPr rtlCol="0" anchor="ctr"/>
+          <a:lstStyle/>
+          <a:p>
+            <a:pPr algn="ctr"/>
+            <a:r>
+              <a:rPr lang="en-US" altLang="zh-CN" sz="2800" dirty="0"/>
+              <a:t>10</a:t>
+            </a:r>
+            <a:endParaRPr lang="zh-CN" altLang="en-US" sz="2800" dirty="0"/>
+          </a:p>
+        </p:txBody>
+      </p:sp>
+      <p:sp>
+        <p:nvSpPr>
+          <p:cNvPr id="11" name="矩形: 剪去对角 10">
+            <a:extLst>
+              <a:ext uri="{FF2B5EF4-FFF2-40B4-BE49-F238E27FC236}">
+                <a16:creationId xmlns:a16="http://schemas.microsoft.com/office/drawing/2014/main" id="{A5711216-33FE-4502-898C-06EAF37FEB30}"/>
+              </a:ext>
+            </a:extLst>
+          </p:cNvPr>
+          <p:cNvSpPr/>
+          <p:nvPr/>
+        </p:nvSpPr>
+        <p:spPr>
+          <a:xfrm>
+            <a:off x="9149104" y="4245058"/>
+            <a:ext cx="1075444" cy="575034"/>
+          </a:xfrm>
+          <a:prstGeom prst="snip2DiagRect">
+            <a:avLst/>
+          </a:prstGeom>
+        </p:spPr>
+        <p:style>
+          <a:lnRef idx="2">
+            <a:schemeClr val="accent1"/>
+          </a:lnRef>
+          <a:fillRef idx="1">
+            <a:schemeClr val="lt1"/>
+          </a:fillRef>
+          <a:effectRef idx="0">
+            <a:schemeClr val="accent1"/>
+          </a:effectRef>
+          <a:fontRef idx="minor">
+            <a:schemeClr val="dk1"/>
+          </a:fontRef>
+        </p:style>
+        <p:txBody>
+          <a:bodyPr rtlCol="0" anchor="ctr"/>
+          <a:lstStyle/>
+          <a:p>
+            <a:pPr algn="ctr"/>
+            <a:r>
+              <a:rPr lang="en-US" altLang="zh-CN" sz="2800" dirty="0"/>
+              <a:t>40</a:t>
+            </a:r>
+            <a:endParaRPr lang="zh-CN" altLang="en-US" sz="2800" dirty="0"/>
+          </a:p>
+        </p:txBody>
+      </p:sp>
+      <p:sp>
+        <p:nvSpPr>
+          <p:cNvPr id="12" name="矩形: 剪去对角 11">
+            <a:extLst>
+              <a:ext uri="{FF2B5EF4-FFF2-40B4-BE49-F238E27FC236}">
+                <a16:creationId xmlns:a16="http://schemas.microsoft.com/office/drawing/2014/main" id="{2C441F24-107B-4451-BB68-0EB7DA90E4E8}"/>
+              </a:ext>
+            </a:extLst>
+          </p:cNvPr>
+          <p:cNvSpPr/>
+          <p:nvPr/>
+        </p:nvSpPr>
+        <p:spPr>
+          <a:xfrm>
+            <a:off x="9149104" y="5052475"/>
+            <a:ext cx="1075444" cy="575034"/>
+          </a:xfrm>
+          <a:prstGeom prst="snip2DiagRect">
+            <a:avLst/>
+          </a:prstGeom>
+        </p:spPr>
+        <p:style>
+          <a:lnRef idx="2">
+            <a:schemeClr val="accent1"/>
+          </a:lnRef>
+          <a:fillRef idx="1">
+            <a:schemeClr val="lt1"/>
+          </a:fillRef>
+          <a:effectRef idx="0">
+            <a:schemeClr val="accent1"/>
+          </a:effectRef>
+          <a:fontRef idx="minor">
+            <a:schemeClr val="dk1"/>
+          </a:fontRef>
+        </p:style>
+        <p:txBody>
+          <a:bodyPr rtlCol="0" anchor="ctr"/>
+          <a:lstStyle/>
+          <a:p>
+            <a:pPr algn="ctr"/>
+            <a:r>
+              <a:rPr lang="en-US" altLang="zh-CN" sz="2800" dirty="0"/>
+              <a:t>80</a:t>
+            </a:r>
+            <a:endParaRPr lang="zh-CN" altLang="en-US" sz="2800" dirty="0"/>
+          </a:p>
+        </p:txBody>
+      </p:sp>
     </p:spTree>
     <p:extLst>
       <p:ext uri="{BB962C8B-B14F-4D97-AF65-F5344CB8AC3E}">
-        <p14:creationId xmlns:p14="http://schemas.microsoft.com/office/powerpoint/2010/main" val="1241374216"/>
+        <p14:creationId xmlns:p14="http://schemas.microsoft.com/office/powerpoint/2010/main" val="3844753745"/>
       </p:ext>
     </p:extLst>
   </p:cSld>
@@ -3624,7 +4033,7 @@
           <p:cNvPr id="2" name="标题 1">
             <a:extLst>
               <a:ext uri="{FF2B5EF4-FFF2-40B4-BE49-F238E27FC236}">
-                <a16:creationId xmlns:a16="http://schemas.microsoft.com/office/drawing/2014/main" id="{86024D0A-2059-4658-924A-C1ED2407772F}"/>
+                <a16:creationId xmlns:a16="http://schemas.microsoft.com/office/drawing/2014/main" id="{2DE457B0-39C5-4908-A55D-6DDDD056A976}"/>
               </a:ext>
             </a:extLst>
           </p:cNvPr>
@@ -3642,63 +4051,41 @@
           <a:p>
             <a:r>
               <a:rPr lang="en-US" altLang="zh-CN" dirty="0"/>
-              <a:t>Bad node 3/3</a:t>
+              <a:t>Data Dispersion 1/</a:t>
             </a:r>
             <a:endParaRPr lang="zh-CN" altLang="en-US" dirty="0"/>
           </a:p>
         </p:txBody>
       </p:sp>
-      <p:pic>
-        <p:nvPicPr>
-          <p:cNvPr id="5124" name="Picture 4">
-            <a:extLst>
-              <a:ext uri="{FF2B5EF4-FFF2-40B4-BE49-F238E27FC236}">
-                <a16:creationId xmlns:a16="http://schemas.microsoft.com/office/drawing/2014/main" id="{FEF0CC26-8D6D-4F4D-9457-46E1ECE8183E}"/>
-              </a:ext>
-            </a:extLst>
-          </p:cNvPr>
-          <p:cNvPicPr>
-            <a:picLocks noChangeAspect="1" noChangeArrowheads="1"/>
-          </p:cNvPicPr>
-          <p:nvPr/>
-        </p:nvPicPr>
-        <p:blipFill>
-          <a:blip r:embed="rId2">
-            <a:extLst>
-              <a:ext uri="{28A0092B-C50C-407E-A947-70E740481C1C}">
-                <a14:useLocalDpi xmlns:a14="http://schemas.microsoft.com/office/drawing/2010/main" val="0"/>
-              </a:ext>
-            </a:extLst>
-          </a:blip>
-          <a:srcRect/>
-          <a:stretch>
-            <a:fillRect/>
-          </a:stretch>
-        </p:blipFill>
-        <p:spPr bwMode="auto">
-          <a:xfrm>
-            <a:off x="53821" y="1690688"/>
-            <a:ext cx="12138179" cy="4253453"/>
-          </a:xfrm>
-          <a:prstGeom prst="rect">
-            <a:avLst/>
-          </a:prstGeom>
-          <a:noFill/>
-          <a:extLst>
-            <a:ext uri="{909E8E84-426E-40DD-AFC4-6F175D3DCCD1}">
-              <a14:hiddenFill xmlns:a14="http://schemas.microsoft.com/office/drawing/2010/main">
-                <a:solidFill>
-                  <a:srgbClr val="FFFFFF"/>
-                </a:solidFill>
-              </a14:hiddenFill>
-            </a:ext>
-          </a:extLst>
-        </p:spPr>
-      </p:pic>
+      <p:sp>
+        <p:nvSpPr>
+          <p:cNvPr id="3" name="内容占位符 2">
+            <a:extLst>
+              <a:ext uri="{FF2B5EF4-FFF2-40B4-BE49-F238E27FC236}">
+                <a16:creationId xmlns:a16="http://schemas.microsoft.com/office/drawing/2014/main" id="{878D552A-D4F8-43DB-88E6-00E828392D47}"/>
+              </a:ext>
+            </a:extLst>
+          </p:cNvPr>
+          <p:cNvSpPr>
+            <a:spLocks noGrp="1"/>
+          </p:cNvSpPr>
+          <p:nvPr>
+            <p:ph idx="1"/>
+          </p:nvPr>
+        </p:nvSpPr>
+        <p:spPr/>
+        <p:txBody>
+          <a:bodyPr/>
+          <a:lstStyle/>
+          <a:p>
+            <a:endParaRPr lang="zh-CN" altLang="en-US"/>
+          </a:p>
+        </p:txBody>
+      </p:sp>
     </p:spTree>
     <p:extLst>
       <p:ext uri="{BB962C8B-B14F-4D97-AF65-F5344CB8AC3E}">
-        <p14:creationId xmlns:p14="http://schemas.microsoft.com/office/powerpoint/2010/main" val="290934229"/>
+        <p14:creationId xmlns:p14="http://schemas.microsoft.com/office/powerpoint/2010/main" val="4041249589"/>
       </p:ext>
     </p:extLst>
   </p:cSld>
@@ -3741,14 +4128,19 @@
             <p:ph type="title"/>
           </p:nvPr>
         </p:nvSpPr>
-        <p:spPr/>
+        <p:spPr>
+          <a:xfrm>
+            <a:off x="838200" y="365125"/>
+            <a:ext cx="10515600" cy="1325563"/>
+          </a:xfrm>
+        </p:spPr>
         <p:txBody>
           <a:bodyPr/>
           <a:lstStyle/>
           <a:p>
             <a:r>
               <a:rPr lang="en-US" altLang="zh-CN" dirty="0"/>
-              <a:t>Data Dispersion</a:t>
+              <a:t>Share data</a:t>
             </a:r>
             <a:endParaRPr lang="zh-CN" altLang="en-US" dirty="0"/>
           </a:p>
@@ -3756,61 +4148,10 @@
       </p:sp>
       <p:sp>
         <p:nvSpPr>
-          <p:cNvPr id="4" name="内容占位符 2">
-            <a:extLst>
-              <a:ext uri="{FF2B5EF4-FFF2-40B4-BE49-F238E27FC236}">
-                <a16:creationId xmlns:a16="http://schemas.microsoft.com/office/drawing/2014/main" id="{2C356662-19B9-45D4-9062-10CAA847693C}"/>
-              </a:ext>
-            </a:extLst>
-          </p:cNvPr>
-          <p:cNvSpPr>
-            <a:spLocks noGrp="1"/>
-          </p:cNvSpPr>
-          <p:nvPr>
-            <p:ph idx="1"/>
-          </p:nvPr>
-        </p:nvSpPr>
-        <p:spPr>
-          <a:xfrm>
-            <a:off x="838200" y="1825625"/>
-            <a:ext cx="3488703" cy="4351338"/>
-          </a:xfrm>
-        </p:spPr>
-        <p:txBody>
-          <a:bodyPr/>
-          <a:lstStyle/>
-          <a:p>
-            <a:r>
-              <a:rPr lang="en-US" altLang="zh-CN" dirty="0"/>
-              <a:t>4000 training data</a:t>
-            </a:r>
-          </a:p>
-          <a:p>
-            <a:r>
-              <a:rPr lang="en-US" altLang="zh-CN" dirty="0"/>
-              <a:t>10000 testing data</a:t>
-            </a:r>
-          </a:p>
-          <a:p>
-            <a:r>
-              <a:rPr lang="en-US" altLang="zh-CN" dirty="0"/>
-              <a:t>Early stop = 500</a:t>
-            </a:r>
-          </a:p>
-          <a:p>
-            <a:r>
-              <a:rPr lang="en-US" altLang="zh-CN" dirty="0"/>
-              <a:t>Local step = 1</a:t>
-            </a:r>
-          </a:p>
-        </p:txBody>
-      </p:sp>
-      <p:sp>
-        <p:nvSpPr>
-          <p:cNvPr id="5" name="矩形: 圆角 4">
-            <a:extLst>
-              <a:ext uri="{FF2B5EF4-FFF2-40B4-BE49-F238E27FC236}">
-                <a16:creationId xmlns:a16="http://schemas.microsoft.com/office/drawing/2014/main" id="{7852626E-88A3-4826-B82C-BA1D17B97684}"/>
+          <p:cNvPr id="14" name="矩形: 剪去对角 13">
+            <a:extLst>
+              <a:ext uri="{FF2B5EF4-FFF2-40B4-BE49-F238E27FC236}">
+                <a16:creationId xmlns:a16="http://schemas.microsoft.com/office/drawing/2014/main" id="{3E638F6C-32BE-40C6-B744-2348D5177696}"/>
               </a:ext>
             </a:extLst>
           </p:cNvPr>
@@ -3819,8 +4160,112 @@
         </p:nvSpPr>
         <p:spPr>
           <a:xfrm>
-            <a:off x="8594103" y="2375556"/>
-            <a:ext cx="2652074" cy="669302"/>
+            <a:off x="5497288" y="2575583"/>
+            <a:ext cx="1922286" cy="1054376"/>
+          </a:xfrm>
+          <a:prstGeom prst="snip2DiagRect">
+            <a:avLst/>
+          </a:prstGeom>
+        </p:spPr>
+        <p:style>
+          <a:lnRef idx="2">
+            <a:schemeClr val="accent1"/>
+          </a:lnRef>
+          <a:fillRef idx="1">
+            <a:schemeClr val="lt1"/>
+          </a:fillRef>
+          <a:effectRef idx="0">
+            <a:schemeClr val="accent1"/>
+          </a:effectRef>
+          <a:fontRef idx="minor">
+            <a:schemeClr val="dk1"/>
+          </a:fontRef>
+        </p:style>
+        <p:txBody>
+          <a:bodyPr rtlCol="0" anchor="ctr"/>
+          <a:lstStyle/>
+          <a:p>
+            <a:pPr algn="ctr"/>
+            <a:r>
+              <a:rPr lang="en-US" altLang="zh-CN" sz="2800" dirty="0"/>
+              <a:t>Set local epoch </a:t>
+            </a:r>
+            <a:r>
+              <a:rPr lang="en-US" altLang="zh-CN" sz="2800" dirty="0" err="1"/>
+              <a:t>iid</a:t>
+            </a:r>
+            <a:endParaRPr lang="zh-CN" altLang="en-US" sz="2800" dirty="0"/>
+          </a:p>
+        </p:txBody>
+      </p:sp>
+      <p:sp>
+        <p:nvSpPr>
+          <p:cNvPr id="15" name="矩形: 剪去对角 14">
+            <a:extLst>
+              <a:ext uri="{FF2B5EF4-FFF2-40B4-BE49-F238E27FC236}">
+                <a16:creationId xmlns:a16="http://schemas.microsoft.com/office/drawing/2014/main" id="{AB9D54BA-6241-452D-BB88-3F78E91FAE1B}"/>
+              </a:ext>
+            </a:extLst>
+          </p:cNvPr>
+          <p:cNvSpPr/>
+          <p:nvPr/>
+        </p:nvSpPr>
+        <p:spPr>
+          <a:xfrm>
+            <a:off x="5497288" y="3905620"/>
+            <a:ext cx="1922286" cy="1305045"/>
+          </a:xfrm>
+          <a:prstGeom prst="snip2DiagRect">
+            <a:avLst/>
+          </a:prstGeom>
+        </p:spPr>
+        <p:style>
+          <a:lnRef idx="2">
+            <a:schemeClr val="accent1"/>
+          </a:lnRef>
+          <a:fillRef idx="1">
+            <a:schemeClr val="lt1"/>
+          </a:fillRef>
+          <a:effectRef idx="0">
+            <a:schemeClr val="accent1"/>
+          </a:effectRef>
+          <a:fontRef idx="minor">
+            <a:schemeClr val="dk1"/>
+          </a:fontRef>
+        </p:style>
+        <p:txBody>
+          <a:bodyPr rtlCol="0" anchor="ctr"/>
+          <a:lstStyle/>
+          <a:p>
+            <a:pPr algn="ctr"/>
+            <a:r>
+              <a:rPr lang="en-US" altLang="zh-CN" sz="2800" dirty="0"/>
+              <a:t>Not set local epoch </a:t>
+            </a:r>
+            <a:r>
+              <a:rPr lang="en-US" altLang="zh-CN" sz="2800" dirty="0" err="1"/>
+              <a:t>iid</a:t>
+            </a:r>
+            <a:endParaRPr lang="zh-CN" altLang="en-US" sz="2800" dirty="0"/>
+          </a:p>
+        </p:txBody>
+      </p:sp>
+      <p:sp>
+        <p:nvSpPr>
+          <p:cNvPr id="16" name="矩形: 圆角 15">
+            <a:extLst>
+              <a:ext uri="{FF2B5EF4-FFF2-40B4-BE49-F238E27FC236}">
+                <a16:creationId xmlns:a16="http://schemas.microsoft.com/office/drawing/2014/main" id="{F77A4BDE-4A2C-4FB7-B040-5B7884896C5D}"/>
+              </a:ext>
+            </a:extLst>
+          </p:cNvPr>
+          <p:cNvSpPr/>
+          <p:nvPr/>
+        </p:nvSpPr>
+        <p:spPr>
+          <a:xfrm>
+            <a:off x="9816573" y="2109248"/>
+            <a:ext cx="1630445" cy="669302"/>
           </a:xfrm>
           <a:prstGeom prst="roundRect">
             <a:avLst/>
@@ -3849,7 +4294,7 @@
             <a:pPr algn="ctr"/>
             <a:r>
               <a:rPr lang="en-US" altLang="zh-CN" sz="2800" dirty="0"/>
-              <a:t>Node Number</a:t>
+              <a:t>Share</a:t>
             </a:r>
             <a:endParaRPr lang="zh-CN" altLang="en-US" sz="2800" dirty="0"/>
           </a:p>
@@ -3857,10 +4302,10 @@
       </p:sp>
       <p:sp>
         <p:nvSpPr>
-          <p:cNvPr id="6" name="矩形: 圆角 5">
-            <a:extLst>
-              <a:ext uri="{FF2B5EF4-FFF2-40B4-BE49-F238E27FC236}">
-                <a16:creationId xmlns:a16="http://schemas.microsoft.com/office/drawing/2014/main" id="{7E76EE64-F003-4269-8EB6-0DF242C2EBDC}"/>
+          <p:cNvPr id="21" name="矩形: 剪去对角 20">
+            <a:extLst>
+              <a:ext uri="{FF2B5EF4-FFF2-40B4-BE49-F238E27FC236}">
+                <a16:creationId xmlns:a16="http://schemas.microsoft.com/office/drawing/2014/main" id="{C40624E6-4BF1-4C83-9F3C-5BD583F04DF9}"/>
               </a:ext>
             </a:extLst>
           </p:cNvPr>
@@ -3869,8 +4314,152 @@
         </p:nvSpPr>
         <p:spPr>
           <a:xfrm>
-            <a:off x="6095999" y="2375556"/>
-            <a:ext cx="2185447" cy="669302"/>
+            <a:off x="10111353" y="3175901"/>
+            <a:ext cx="1075444" cy="575034"/>
+          </a:xfrm>
+          <a:prstGeom prst="snip2DiagRect">
+            <a:avLst/>
+          </a:prstGeom>
+        </p:spPr>
+        <p:style>
+          <a:lnRef idx="2">
+            <a:schemeClr val="accent1"/>
+          </a:lnRef>
+          <a:fillRef idx="1">
+            <a:schemeClr val="lt1"/>
+          </a:fillRef>
+          <a:effectRef idx="0">
+            <a:schemeClr val="accent1"/>
+          </a:effectRef>
+          <a:fontRef idx="minor">
+            <a:schemeClr val="dk1"/>
+          </a:fontRef>
+        </p:style>
+        <p:txBody>
+          <a:bodyPr rtlCol="0" anchor="ctr"/>
+          <a:lstStyle/>
+          <a:p>
+            <a:pPr algn="ctr"/>
+            <a:r>
+              <a:rPr lang="en-US" altLang="zh-CN" sz="2800" dirty="0"/>
+              <a:t>100</a:t>
+            </a:r>
+            <a:endParaRPr lang="zh-CN" altLang="en-US" sz="2800" dirty="0"/>
+          </a:p>
+        </p:txBody>
+      </p:sp>
+      <p:sp>
+        <p:nvSpPr>
+          <p:cNvPr id="22" name="矩形: 剪去对角 21">
+            <a:extLst>
+              <a:ext uri="{FF2B5EF4-FFF2-40B4-BE49-F238E27FC236}">
+                <a16:creationId xmlns:a16="http://schemas.microsoft.com/office/drawing/2014/main" id="{20BEE9A9-1D81-4B97-8049-0A7504581AD8}"/>
+              </a:ext>
+            </a:extLst>
+          </p:cNvPr>
+          <p:cNvSpPr/>
+          <p:nvPr/>
+        </p:nvSpPr>
+        <p:spPr>
+          <a:xfrm>
+            <a:off x="10111353" y="3978750"/>
+            <a:ext cx="1075444" cy="575034"/>
+          </a:xfrm>
+          <a:prstGeom prst="snip2DiagRect">
+            <a:avLst/>
+          </a:prstGeom>
+        </p:spPr>
+        <p:style>
+          <a:lnRef idx="2">
+            <a:schemeClr val="accent1"/>
+          </a:lnRef>
+          <a:fillRef idx="1">
+            <a:schemeClr val="lt1"/>
+          </a:fillRef>
+          <a:effectRef idx="0">
+            <a:schemeClr val="accent1"/>
+          </a:effectRef>
+          <a:fontRef idx="minor">
+            <a:schemeClr val="dk1"/>
+          </a:fontRef>
+        </p:style>
+        <p:txBody>
+          <a:bodyPr rtlCol="0" anchor="ctr"/>
+          <a:lstStyle/>
+          <a:p>
+            <a:pPr algn="ctr"/>
+            <a:r>
+              <a:rPr lang="en-US" altLang="zh-CN" sz="2800" dirty="0"/>
+              <a:t>400</a:t>
+            </a:r>
+            <a:endParaRPr lang="zh-CN" altLang="en-US" sz="2800" dirty="0"/>
+          </a:p>
+        </p:txBody>
+      </p:sp>
+      <p:sp>
+        <p:nvSpPr>
+          <p:cNvPr id="23" name="矩形: 剪去对角 22">
+            <a:extLst>
+              <a:ext uri="{FF2B5EF4-FFF2-40B4-BE49-F238E27FC236}">
+                <a16:creationId xmlns:a16="http://schemas.microsoft.com/office/drawing/2014/main" id="{F67BD3EA-7C76-4540-8C1E-1FCD768C99E3}"/>
+              </a:ext>
+            </a:extLst>
+          </p:cNvPr>
+          <p:cNvSpPr/>
+          <p:nvPr/>
+        </p:nvSpPr>
+        <p:spPr>
+          <a:xfrm>
+            <a:off x="10111353" y="4786167"/>
+            <a:ext cx="1075444" cy="575034"/>
+          </a:xfrm>
+          <a:prstGeom prst="snip2DiagRect">
+            <a:avLst/>
+          </a:prstGeom>
+        </p:spPr>
+        <p:style>
+          <a:lnRef idx="2">
+            <a:schemeClr val="accent1"/>
+          </a:lnRef>
+          <a:fillRef idx="1">
+            <a:schemeClr val="lt1"/>
+          </a:fillRef>
+          <a:effectRef idx="0">
+            <a:schemeClr val="accent1"/>
+          </a:effectRef>
+          <a:fontRef idx="minor">
+            <a:schemeClr val="dk1"/>
+          </a:fontRef>
+        </p:style>
+        <p:txBody>
+          <a:bodyPr rtlCol="0" anchor="ctr"/>
+          <a:lstStyle/>
+          <a:p>
+            <a:pPr algn="ctr"/>
+            <a:r>
+              <a:rPr lang="en-US" altLang="zh-CN" sz="2800" dirty="0"/>
+              <a:t>800</a:t>
+            </a:r>
+            <a:endParaRPr lang="zh-CN" altLang="en-US" sz="2800" dirty="0"/>
+          </a:p>
+        </p:txBody>
+      </p:sp>
+      <p:sp>
+        <p:nvSpPr>
+          <p:cNvPr id="24" name="矩形: 圆角 23">
+            <a:extLst>
+              <a:ext uri="{FF2B5EF4-FFF2-40B4-BE49-F238E27FC236}">
+                <a16:creationId xmlns:a16="http://schemas.microsoft.com/office/drawing/2014/main" id="{1E73C9A8-71E9-4C93-86B0-2323DA95204F}"/>
+              </a:ext>
+            </a:extLst>
+          </p:cNvPr>
+          <p:cNvSpPr/>
+          <p:nvPr/>
+        </p:nvSpPr>
+        <p:spPr>
+          <a:xfrm>
+            <a:off x="7865099" y="2109248"/>
+            <a:ext cx="1737675" cy="669302"/>
           </a:xfrm>
           <a:prstGeom prst="roundRect">
             <a:avLst/>
@@ -3915,10 +4504,10 @@
       </p:sp>
       <p:sp>
         <p:nvSpPr>
-          <p:cNvPr id="7" name="矩形: 剪去对角 6">
-            <a:extLst>
-              <a:ext uri="{FF2B5EF4-FFF2-40B4-BE49-F238E27FC236}">
-                <a16:creationId xmlns:a16="http://schemas.microsoft.com/office/drawing/2014/main" id="{E678392B-B353-4D19-A2E1-F70452246773}"/>
+          <p:cNvPr id="25" name="矩形: 剪去对角 24">
+            <a:extLst>
+              <a:ext uri="{FF2B5EF4-FFF2-40B4-BE49-F238E27FC236}">
+                <a16:creationId xmlns:a16="http://schemas.microsoft.com/office/drawing/2014/main" id="{388376CB-4CDA-4194-B873-E9EF858B6F38}"/>
               </a:ext>
             </a:extLst>
           </p:cNvPr>
@@ -3927,7 +4516,7 @@
         </p:nvSpPr>
         <p:spPr>
           <a:xfrm>
-            <a:off x="6645108" y="3442209"/>
+            <a:off x="8207602" y="3175901"/>
             <a:ext cx="1075444" cy="575034"/>
           </a:xfrm>
           <a:prstGeom prst="snip2DiagRect">
@@ -3954,19 +4543,19 @@
           <a:p>
             <a:pPr algn="ctr"/>
             <a:r>
-              <a:rPr lang="en-US" altLang="zh-CN" sz="2800" dirty="0"/>
-              <a:t>2</a:t>
-            </a:r>
-            <a:endParaRPr lang="zh-CN" altLang="en-US" sz="2800" dirty="0"/>
-          </a:p>
-        </p:txBody>
-      </p:sp>
-      <p:sp>
-        <p:nvSpPr>
-          <p:cNvPr id="8" name="矩形: 剪去对角 7">
-            <a:extLst>
-              <a:ext uri="{FF2B5EF4-FFF2-40B4-BE49-F238E27FC236}">
-                <a16:creationId xmlns:a16="http://schemas.microsoft.com/office/drawing/2014/main" id="{2C738EC7-EEA1-4BE5-926B-AA82C426063E}"/>
+              <a:rPr lang="en-US" altLang="zh-CN" sz="2800" b="1" dirty="0"/>
+              <a:t>1</a:t>
+            </a:r>
+            <a:endParaRPr lang="zh-CN" altLang="en-US" sz="2800" b="1" dirty="0"/>
+          </a:p>
+        </p:txBody>
+      </p:sp>
+      <p:sp>
+        <p:nvSpPr>
+          <p:cNvPr id="26" name="矩形: 剪去对角 25">
+            <a:extLst>
+              <a:ext uri="{FF2B5EF4-FFF2-40B4-BE49-F238E27FC236}">
+                <a16:creationId xmlns:a16="http://schemas.microsoft.com/office/drawing/2014/main" id="{52C01889-ABA6-4F15-BFBA-8D00E00209A6}"/>
               </a:ext>
             </a:extLst>
           </p:cNvPr>
@@ -3975,7 +4564,7 @@
         </p:nvSpPr>
         <p:spPr>
           <a:xfrm>
-            <a:off x="6645108" y="4245058"/>
+            <a:off x="8207602" y="3978750"/>
             <a:ext cx="1075444" cy="575034"/>
           </a:xfrm>
           <a:prstGeom prst="snip2DiagRect">
@@ -4002,54 +4591,6 @@
           <a:p>
             <a:pPr algn="ctr"/>
             <a:r>
-              <a:rPr lang="en-US" altLang="zh-CN" sz="2800" dirty="0"/>
-              <a:t>5</a:t>
-            </a:r>
-            <a:endParaRPr lang="zh-CN" altLang="en-US" sz="2800" dirty="0"/>
-          </a:p>
-        </p:txBody>
-      </p:sp>
-      <p:sp>
-        <p:nvSpPr>
-          <p:cNvPr id="9" name="矩形: 剪去对角 8">
-            <a:extLst>
-              <a:ext uri="{FF2B5EF4-FFF2-40B4-BE49-F238E27FC236}">
-                <a16:creationId xmlns:a16="http://schemas.microsoft.com/office/drawing/2014/main" id="{87E82B66-9C79-495E-A4A9-8753F8DEB2EE}"/>
-              </a:ext>
-            </a:extLst>
-          </p:cNvPr>
-          <p:cNvSpPr/>
-          <p:nvPr/>
-        </p:nvSpPr>
-        <p:spPr>
-          <a:xfrm>
-            <a:off x="6645108" y="5047908"/>
-            <a:ext cx="1075444" cy="575034"/>
-          </a:xfrm>
-          <a:prstGeom prst="snip2DiagRect">
-            <a:avLst/>
-          </a:prstGeom>
-        </p:spPr>
-        <p:style>
-          <a:lnRef idx="2">
-            <a:schemeClr val="accent1"/>
-          </a:lnRef>
-          <a:fillRef idx="1">
-            <a:schemeClr val="lt1"/>
-          </a:fillRef>
-          <a:effectRef idx="0">
-            <a:schemeClr val="accent1"/>
-          </a:effectRef>
-          <a:fontRef idx="minor">
-            <a:schemeClr val="dk1"/>
-          </a:fontRef>
-        </p:style>
-        <p:txBody>
-          <a:bodyPr rtlCol="0" anchor="ctr"/>
-          <a:lstStyle/>
-          <a:p>
-            <a:pPr algn="ctr"/>
-            <a:r>
               <a:rPr lang="en-US" altLang="zh-CN" sz="2800" dirty="0" err="1"/>
               <a:t>iid</a:t>
             </a:r>
@@ -4059,152 +4600,65 @@
       </p:sp>
       <p:sp>
         <p:nvSpPr>
-          <p:cNvPr id="10" name="矩形: 剪去对角 9">
-            <a:extLst>
-              <a:ext uri="{FF2B5EF4-FFF2-40B4-BE49-F238E27FC236}">
-                <a16:creationId xmlns:a16="http://schemas.microsoft.com/office/drawing/2014/main" id="{3735BF18-9AD2-4DEA-8878-57CE5589669B}"/>
-              </a:ext>
-            </a:extLst>
-          </p:cNvPr>
-          <p:cNvSpPr/>
-          <p:nvPr/>
-        </p:nvSpPr>
-        <p:spPr>
-          <a:xfrm>
-            <a:off x="9149104" y="3442209"/>
-            <a:ext cx="1075444" cy="575034"/>
-          </a:xfrm>
-          <a:prstGeom prst="snip2DiagRect">
-            <a:avLst/>
-          </a:prstGeom>
-        </p:spPr>
-        <p:style>
-          <a:lnRef idx="2">
-            <a:schemeClr val="accent1"/>
-          </a:lnRef>
-          <a:fillRef idx="1">
-            <a:schemeClr val="lt1"/>
-          </a:fillRef>
-          <a:effectRef idx="0">
-            <a:schemeClr val="accent1"/>
-          </a:effectRef>
-          <a:fontRef idx="minor">
-            <a:schemeClr val="dk1"/>
-          </a:fontRef>
-        </p:style>
-        <p:txBody>
-          <a:bodyPr rtlCol="0" anchor="ctr"/>
-          <a:lstStyle/>
-          <a:p>
-            <a:pPr algn="ctr"/>
-            <a:r>
-              <a:rPr lang="en-US" altLang="zh-CN" sz="2800" dirty="0"/>
-              <a:t>10</a:t>
-            </a:r>
-            <a:endParaRPr lang="zh-CN" altLang="en-US" sz="2800" dirty="0"/>
-          </a:p>
-        </p:txBody>
-      </p:sp>
-      <p:sp>
-        <p:nvSpPr>
-          <p:cNvPr id="11" name="矩形: 剪去对角 10">
-            <a:extLst>
-              <a:ext uri="{FF2B5EF4-FFF2-40B4-BE49-F238E27FC236}">
-                <a16:creationId xmlns:a16="http://schemas.microsoft.com/office/drawing/2014/main" id="{A5711216-33FE-4502-898C-06EAF37FEB30}"/>
-              </a:ext>
-            </a:extLst>
-          </p:cNvPr>
-          <p:cNvSpPr/>
-          <p:nvPr/>
-        </p:nvSpPr>
-        <p:spPr>
-          <a:xfrm>
-            <a:off x="9149104" y="4245058"/>
-            <a:ext cx="1075444" cy="575034"/>
-          </a:xfrm>
-          <a:prstGeom prst="snip2DiagRect">
-            <a:avLst/>
-          </a:prstGeom>
-        </p:spPr>
-        <p:style>
-          <a:lnRef idx="2">
-            <a:schemeClr val="accent1"/>
-          </a:lnRef>
-          <a:fillRef idx="1">
-            <a:schemeClr val="lt1"/>
-          </a:fillRef>
-          <a:effectRef idx="0">
-            <a:schemeClr val="accent1"/>
-          </a:effectRef>
-          <a:fontRef idx="minor">
-            <a:schemeClr val="dk1"/>
-          </a:fontRef>
-        </p:style>
-        <p:txBody>
-          <a:bodyPr rtlCol="0" anchor="ctr"/>
-          <a:lstStyle/>
-          <a:p>
-            <a:pPr algn="ctr"/>
-            <a:r>
-              <a:rPr lang="en-US" altLang="zh-CN" sz="2800" dirty="0"/>
-              <a:t>40</a:t>
-            </a:r>
-            <a:endParaRPr lang="zh-CN" altLang="en-US" sz="2800" dirty="0"/>
-          </a:p>
-        </p:txBody>
-      </p:sp>
-      <p:sp>
-        <p:nvSpPr>
-          <p:cNvPr id="12" name="矩形: 剪去对角 11">
-            <a:extLst>
-              <a:ext uri="{FF2B5EF4-FFF2-40B4-BE49-F238E27FC236}">
-                <a16:creationId xmlns:a16="http://schemas.microsoft.com/office/drawing/2014/main" id="{2C441F24-107B-4451-BB68-0EB7DA90E4E8}"/>
-              </a:ext>
-            </a:extLst>
-          </p:cNvPr>
-          <p:cNvSpPr/>
-          <p:nvPr/>
-        </p:nvSpPr>
-        <p:spPr>
-          <a:xfrm>
-            <a:off x="9149104" y="5052475"/>
-            <a:ext cx="1075444" cy="575034"/>
-          </a:xfrm>
-          <a:prstGeom prst="snip2DiagRect">
-            <a:avLst/>
-          </a:prstGeom>
-        </p:spPr>
-        <p:style>
-          <a:lnRef idx="2">
-            <a:schemeClr val="accent1"/>
-          </a:lnRef>
-          <a:fillRef idx="1">
-            <a:schemeClr val="lt1"/>
-          </a:fillRef>
-          <a:effectRef idx="0">
-            <a:schemeClr val="accent1"/>
-          </a:effectRef>
-          <a:fontRef idx="minor">
-            <a:schemeClr val="dk1"/>
-          </a:fontRef>
-        </p:style>
-        <p:txBody>
-          <a:bodyPr rtlCol="0" anchor="ctr"/>
-          <a:lstStyle/>
-          <a:p>
-            <a:pPr algn="ctr"/>
-            <a:r>
-              <a:rPr lang="en-US" altLang="zh-CN" sz="2800" dirty="0"/>
-              <a:t>80</a:t>
-            </a:r>
-            <a:endParaRPr lang="zh-CN" altLang="en-US" sz="2800" dirty="0"/>
+          <p:cNvPr id="18" name="内容占位符 2">
+            <a:extLst>
+              <a:ext uri="{FF2B5EF4-FFF2-40B4-BE49-F238E27FC236}">
+                <a16:creationId xmlns:a16="http://schemas.microsoft.com/office/drawing/2014/main" id="{56C950D2-8D9B-45FC-8E96-24C8D6C0E423}"/>
+              </a:ext>
+            </a:extLst>
+          </p:cNvPr>
+          <p:cNvSpPr>
+            <a:spLocks noGrp="1"/>
+          </p:cNvSpPr>
+          <p:nvPr>
+            <p:ph idx="1"/>
+          </p:nvPr>
+        </p:nvSpPr>
+        <p:spPr>
+          <a:xfrm>
+            <a:off x="838200" y="1825625"/>
+            <a:ext cx="3488703" cy="4351338"/>
+          </a:xfrm>
+        </p:spPr>
+        <p:txBody>
+          <a:bodyPr/>
+          <a:lstStyle/>
+          <a:p>
+            <a:r>
+              <a:rPr lang="en-US" altLang="zh-CN" dirty="0"/>
+              <a:t>40 worker nodes</a:t>
+            </a:r>
+          </a:p>
+          <a:p>
+            <a:r>
+              <a:rPr lang="en-US" altLang="zh-CN" dirty="0"/>
+              <a:t>4000 training data</a:t>
+            </a:r>
+          </a:p>
+          <a:p>
+            <a:r>
+              <a:rPr lang="en-US" altLang="zh-CN" dirty="0"/>
+              <a:t>10000 testing data</a:t>
+            </a:r>
+          </a:p>
+          <a:p>
+            <a:r>
+              <a:rPr lang="en-US" altLang="zh-CN" dirty="0"/>
+              <a:t>Early stop = 500</a:t>
+            </a:r>
+          </a:p>
+          <a:p>
+            <a:r>
+              <a:rPr lang="en-US" altLang="zh-CN" dirty="0"/>
+              <a:t>Local step = 1</a:t>
+            </a:r>
           </a:p>
         </p:txBody>
       </p:sp>
     </p:spTree>
     <p:extLst>
       <p:ext uri="{BB962C8B-B14F-4D97-AF65-F5344CB8AC3E}">
-        <p14:creationId xmlns:p14="http://schemas.microsoft.com/office/powerpoint/2010/main" val="3844753745"/>
+        <p14:creationId xmlns:p14="http://schemas.microsoft.com/office/powerpoint/2010/main" val="4234437779"/>
       </p:ext>
     </p:extLst>
   </p:cSld>
@@ -4236,7 +4690,7 @@
           <p:cNvPr id="2" name="标题 1">
             <a:extLst>
               <a:ext uri="{FF2B5EF4-FFF2-40B4-BE49-F238E27FC236}">
-                <a16:creationId xmlns:a16="http://schemas.microsoft.com/office/drawing/2014/main" id="{134CCFB4-3AFC-4343-B908-1BA47299443C}"/>
+                <a16:creationId xmlns:a16="http://schemas.microsoft.com/office/drawing/2014/main" id="{2D11BB3A-A2C8-41D7-AAF7-824B7B5CEF02}"/>
               </a:ext>
             </a:extLst>
           </p:cNvPr>
@@ -4254,63 +4708,41 @@
           <a:p>
             <a:r>
               <a:rPr lang="en-US" altLang="zh-CN" dirty="0"/>
-              <a:t>Data Dispersion 1/3</a:t>
+              <a:t>Share data1 1/</a:t>
             </a:r>
             <a:endParaRPr lang="zh-CN" altLang="en-US" dirty="0"/>
           </a:p>
         </p:txBody>
       </p:sp>
-      <p:pic>
-        <p:nvPicPr>
-          <p:cNvPr id="1028" name="Picture 4">
-            <a:extLst>
-              <a:ext uri="{FF2B5EF4-FFF2-40B4-BE49-F238E27FC236}">
-                <a16:creationId xmlns:a16="http://schemas.microsoft.com/office/drawing/2014/main" id="{968A4641-9F95-46E6-A3F7-8B1D74C9EF7F}"/>
-              </a:ext>
-            </a:extLst>
-          </p:cNvPr>
-          <p:cNvPicPr>
-            <a:picLocks noChangeAspect="1" noChangeArrowheads="1"/>
-          </p:cNvPicPr>
-          <p:nvPr/>
-        </p:nvPicPr>
-        <p:blipFill>
-          <a:blip r:embed="rId2">
-            <a:extLst>
-              <a:ext uri="{28A0092B-C50C-407E-A947-70E740481C1C}">
-                <a14:useLocalDpi xmlns:a14="http://schemas.microsoft.com/office/drawing/2010/main" val="0"/>
-              </a:ext>
-            </a:extLst>
-          </a:blip>
-          <a:srcRect/>
-          <a:stretch>
-            <a:fillRect/>
-          </a:stretch>
-        </p:blipFill>
-        <p:spPr bwMode="auto">
-          <a:xfrm>
-            <a:off x="3088" y="1690688"/>
-            <a:ext cx="12188912" cy="4323614"/>
-          </a:xfrm>
-          <a:prstGeom prst="rect">
-            <a:avLst/>
-          </a:prstGeom>
-          <a:noFill/>
-          <a:extLst>
-            <a:ext uri="{909E8E84-426E-40DD-AFC4-6F175D3DCCD1}">
-              <a14:hiddenFill xmlns:a14="http://schemas.microsoft.com/office/drawing/2010/main">
-                <a:solidFill>
-                  <a:srgbClr val="FFFFFF"/>
-                </a:solidFill>
-              </a14:hiddenFill>
-            </a:ext>
-          </a:extLst>
-        </p:spPr>
-      </p:pic>
+      <p:sp>
+        <p:nvSpPr>
+          <p:cNvPr id="3" name="内容占位符 2">
+            <a:extLst>
+              <a:ext uri="{FF2B5EF4-FFF2-40B4-BE49-F238E27FC236}">
+                <a16:creationId xmlns:a16="http://schemas.microsoft.com/office/drawing/2014/main" id="{F67BA83A-DC2E-43C8-815B-0C64D481F405}"/>
+              </a:ext>
+            </a:extLst>
+          </p:cNvPr>
+          <p:cNvSpPr>
+            <a:spLocks noGrp="1"/>
+          </p:cNvSpPr>
+          <p:nvPr>
+            <p:ph idx="1"/>
+          </p:nvPr>
+        </p:nvSpPr>
+        <p:spPr/>
+        <p:txBody>
+          <a:bodyPr/>
+          <a:lstStyle/>
+          <a:p>
+            <a:endParaRPr lang="zh-CN" altLang="en-US"/>
+          </a:p>
+        </p:txBody>
+      </p:sp>
     </p:spTree>
     <p:extLst>
       <p:ext uri="{BB962C8B-B14F-4D97-AF65-F5344CB8AC3E}">
-        <p14:creationId xmlns:p14="http://schemas.microsoft.com/office/powerpoint/2010/main" val="4117650830"/>
+        <p14:creationId xmlns:p14="http://schemas.microsoft.com/office/powerpoint/2010/main" val="3879912538"/>
       </p:ext>
     </p:extLst>
   </p:cSld>
@@ -4342,7 +4774,7 @@
           <p:cNvPr id="2" name="标题 1">
             <a:extLst>
               <a:ext uri="{FF2B5EF4-FFF2-40B4-BE49-F238E27FC236}">
-                <a16:creationId xmlns:a16="http://schemas.microsoft.com/office/drawing/2014/main" id="{134CCFB4-3AFC-4343-B908-1BA47299443C}"/>
+                <a16:creationId xmlns:a16="http://schemas.microsoft.com/office/drawing/2014/main" id="{FDBDF9CE-045B-4932-BBDF-5C6982733BDC}"/>
               </a:ext>
             </a:extLst>
           </p:cNvPr>
@@ -4360,52 +4792,663 @@
           <a:p>
             <a:r>
               <a:rPr lang="en-US" altLang="zh-CN" dirty="0"/>
-              <a:t>Data Dispersion 2/3</a:t>
+              <a:t>Delayed Update</a:t>
             </a:r>
             <a:endParaRPr lang="zh-CN" altLang="en-US" dirty="0"/>
           </a:p>
         </p:txBody>
       </p:sp>
-      <p:pic>
-        <p:nvPicPr>
-          <p:cNvPr id="8" name="图片 7" descr="手机屏幕截图&#10;&#10;描述已自动生成">
-            <a:extLst>
-              <a:ext uri="{FF2B5EF4-FFF2-40B4-BE49-F238E27FC236}">
-                <a16:creationId xmlns:a16="http://schemas.microsoft.com/office/drawing/2014/main" id="{1178D21B-EC04-4B46-9E3C-EEA6004AC01D}"/>
-              </a:ext>
-            </a:extLst>
-          </p:cNvPr>
-          <p:cNvPicPr>
-            <a:picLocks noChangeAspect="1"/>
-          </p:cNvPicPr>
+      <p:sp>
+        <p:nvSpPr>
+          <p:cNvPr id="4" name="内容占位符 2">
+            <a:extLst>
+              <a:ext uri="{FF2B5EF4-FFF2-40B4-BE49-F238E27FC236}">
+                <a16:creationId xmlns:a16="http://schemas.microsoft.com/office/drawing/2014/main" id="{C3C4E09F-7D67-4FDD-BA22-4228F3AD6322}"/>
+              </a:ext>
+            </a:extLst>
+          </p:cNvPr>
+          <p:cNvSpPr>
+            <a:spLocks noGrp="1"/>
+          </p:cNvSpPr>
+          <p:nvPr>
+            <p:ph idx="1"/>
+          </p:nvPr>
+        </p:nvSpPr>
+        <p:spPr>
+          <a:xfrm>
+            <a:off x="838200" y="1825625"/>
+            <a:ext cx="3488703" cy="4351338"/>
+          </a:xfrm>
+        </p:spPr>
+        <p:txBody>
+          <a:bodyPr/>
+          <a:lstStyle/>
+          <a:p>
+            <a:r>
+              <a:rPr lang="en-US" altLang="zh-CN" dirty="0"/>
+              <a:t>40 worker nodes</a:t>
+            </a:r>
+          </a:p>
+          <a:p>
+            <a:r>
+              <a:rPr lang="en-US" altLang="zh-CN" dirty="0"/>
+              <a:t>4000 training data</a:t>
+            </a:r>
+          </a:p>
+          <a:p>
+            <a:r>
+              <a:rPr lang="en-US" altLang="zh-CN" dirty="0"/>
+              <a:t>10000 testing data</a:t>
+            </a:r>
+          </a:p>
+          <a:p>
+            <a:r>
+              <a:rPr lang="en-US" altLang="zh-CN" dirty="0"/>
+              <a:t>Early stop = 500</a:t>
+            </a:r>
+          </a:p>
+          <a:p>
+            <a:r>
+              <a:rPr lang="en-US" altLang="zh-CN" dirty="0"/>
+              <a:t>Local step = 1</a:t>
+            </a:r>
+          </a:p>
+        </p:txBody>
+      </p:sp>
+      <p:sp>
+        <p:nvSpPr>
+          <p:cNvPr id="5" name="矩形: 圆角 4">
+            <a:extLst>
+              <a:ext uri="{FF2B5EF4-FFF2-40B4-BE49-F238E27FC236}">
+                <a16:creationId xmlns:a16="http://schemas.microsoft.com/office/drawing/2014/main" id="{868D413E-6E22-4398-852A-3CAE5A7CAE3A}"/>
+              </a:ext>
+            </a:extLst>
+          </p:cNvPr>
+          <p:cNvSpPr/>
           <p:nvPr/>
-        </p:nvPicPr>
-        <p:blipFill>
-          <a:blip r:embed="rId2">
-            <a:extLst>
-              <a:ext uri="{28A0092B-C50C-407E-A947-70E740481C1C}">
-                <a14:useLocalDpi xmlns:a14="http://schemas.microsoft.com/office/drawing/2010/main" val="0"/>
-              </a:ext>
-            </a:extLst>
-          </a:blip>
-          <a:stretch>
-            <a:fillRect/>
-          </a:stretch>
-        </p:blipFill>
-        <p:spPr>
-          <a:xfrm>
-            <a:off x="0" y="1690688"/>
-            <a:ext cx="12192000" cy="4324709"/>
-          </a:xfrm>
-          <a:prstGeom prst="rect">
+        </p:nvSpPr>
+        <p:spPr>
+          <a:xfrm>
+            <a:off x="4454953" y="2344278"/>
+            <a:ext cx="1718822" cy="669302"/>
+          </a:xfrm>
+          <a:prstGeom prst="roundRect">
             <a:avLst/>
           </a:prstGeom>
         </p:spPr>
-      </p:pic>
+        <p:style>
+          <a:lnRef idx="2">
+            <a:schemeClr val="accent1">
+              <a:shade val="50000"/>
+            </a:schemeClr>
+          </a:lnRef>
+          <a:fillRef idx="1">
+            <a:schemeClr val="accent1"/>
+          </a:fillRef>
+          <a:effectRef idx="0">
+            <a:schemeClr val="accent1"/>
+          </a:effectRef>
+          <a:fontRef idx="minor">
+            <a:schemeClr val="lt1"/>
+          </a:fontRef>
+        </p:style>
+        <p:txBody>
+          <a:bodyPr rtlCol="0" anchor="ctr"/>
+          <a:lstStyle/>
+          <a:p>
+            <a:pPr algn="ctr"/>
+            <a:r>
+              <a:rPr lang="en-US" altLang="zh-CN" sz="2800" dirty="0"/>
+              <a:t>If </a:t>
+            </a:r>
+            <a:r>
+              <a:rPr lang="en-US" altLang="zh-CN" sz="2800" dirty="0" err="1"/>
+              <a:t>iid</a:t>
+            </a:r>
+            <a:r>
+              <a:rPr lang="en-US" altLang="zh-CN" sz="2800" dirty="0"/>
+              <a:t>?</a:t>
+            </a:r>
+            <a:endParaRPr lang="zh-CN" altLang="en-US" sz="2800" dirty="0"/>
+          </a:p>
+        </p:txBody>
+      </p:sp>
+      <p:sp>
+        <p:nvSpPr>
+          <p:cNvPr id="6" name="矩形: 剪去对角 5">
+            <a:extLst>
+              <a:ext uri="{FF2B5EF4-FFF2-40B4-BE49-F238E27FC236}">
+                <a16:creationId xmlns:a16="http://schemas.microsoft.com/office/drawing/2014/main" id="{04AFBB55-D737-4A30-8406-FDD002372014}"/>
+              </a:ext>
+            </a:extLst>
+          </p:cNvPr>
+          <p:cNvSpPr/>
+          <p:nvPr/>
+        </p:nvSpPr>
+        <p:spPr>
+          <a:xfrm>
+            <a:off x="4788028" y="3432782"/>
+            <a:ext cx="1075444" cy="575034"/>
+          </a:xfrm>
+          <a:prstGeom prst="snip2DiagRect">
+            <a:avLst/>
+          </a:prstGeom>
+        </p:spPr>
+        <p:style>
+          <a:lnRef idx="2">
+            <a:schemeClr val="accent1"/>
+          </a:lnRef>
+          <a:fillRef idx="1">
+            <a:schemeClr val="lt1"/>
+          </a:fillRef>
+          <a:effectRef idx="0">
+            <a:schemeClr val="accent1"/>
+          </a:effectRef>
+          <a:fontRef idx="minor">
+            <a:schemeClr val="dk1"/>
+          </a:fontRef>
+        </p:style>
+        <p:txBody>
+          <a:bodyPr rtlCol="0" anchor="ctr"/>
+          <a:lstStyle/>
+          <a:p>
+            <a:pPr algn="ctr"/>
+            <a:r>
+              <a:rPr lang="en-US" altLang="zh-CN" sz="2800" dirty="0"/>
+              <a:t>2</a:t>
+            </a:r>
+            <a:endParaRPr lang="zh-CN" altLang="en-US" sz="2800" dirty="0"/>
+          </a:p>
+        </p:txBody>
+      </p:sp>
+      <p:sp>
+        <p:nvSpPr>
+          <p:cNvPr id="7" name="矩形: 剪去对角 6">
+            <a:extLst>
+              <a:ext uri="{FF2B5EF4-FFF2-40B4-BE49-F238E27FC236}">
+                <a16:creationId xmlns:a16="http://schemas.microsoft.com/office/drawing/2014/main" id="{12454626-78AE-40E3-9B45-E4B0B4C84560}"/>
+              </a:ext>
+            </a:extLst>
+          </p:cNvPr>
+          <p:cNvSpPr/>
+          <p:nvPr/>
+        </p:nvSpPr>
+        <p:spPr>
+          <a:xfrm>
+            <a:off x="4788028" y="4235631"/>
+            <a:ext cx="1075444" cy="575034"/>
+          </a:xfrm>
+          <a:prstGeom prst="snip2DiagRect">
+            <a:avLst/>
+          </a:prstGeom>
+        </p:spPr>
+        <p:style>
+          <a:lnRef idx="2">
+            <a:schemeClr val="accent1"/>
+          </a:lnRef>
+          <a:fillRef idx="1">
+            <a:schemeClr val="lt1"/>
+          </a:fillRef>
+          <a:effectRef idx="0">
+            <a:schemeClr val="accent1"/>
+          </a:effectRef>
+          <a:fontRef idx="minor">
+            <a:schemeClr val="dk1"/>
+          </a:fontRef>
+        </p:style>
+        <p:txBody>
+          <a:bodyPr rtlCol="0" anchor="ctr"/>
+          <a:lstStyle/>
+          <a:p>
+            <a:pPr algn="ctr"/>
+            <a:r>
+              <a:rPr lang="en-US" altLang="zh-CN" sz="2800" dirty="0"/>
+              <a:t>5</a:t>
+            </a:r>
+            <a:endParaRPr lang="zh-CN" altLang="en-US" sz="2800" dirty="0"/>
+          </a:p>
+        </p:txBody>
+      </p:sp>
+      <p:sp>
+        <p:nvSpPr>
+          <p:cNvPr id="8" name="矩形: 剪去对角 7">
+            <a:extLst>
+              <a:ext uri="{FF2B5EF4-FFF2-40B4-BE49-F238E27FC236}">
+                <a16:creationId xmlns:a16="http://schemas.microsoft.com/office/drawing/2014/main" id="{538CD5B3-6E2D-40E9-A95B-B08ACAB4BE2F}"/>
+              </a:ext>
+            </a:extLst>
+          </p:cNvPr>
+          <p:cNvSpPr/>
+          <p:nvPr/>
+        </p:nvSpPr>
+        <p:spPr>
+          <a:xfrm>
+            <a:off x="4788028" y="5038481"/>
+            <a:ext cx="1075444" cy="575034"/>
+          </a:xfrm>
+          <a:prstGeom prst="snip2DiagRect">
+            <a:avLst/>
+          </a:prstGeom>
+        </p:spPr>
+        <p:style>
+          <a:lnRef idx="2">
+            <a:schemeClr val="accent1"/>
+          </a:lnRef>
+          <a:fillRef idx="1">
+            <a:schemeClr val="lt1"/>
+          </a:fillRef>
+          <a:effectRef idx="0">
+            <a:schemeClr val="accent1"/>
+          </a:effectRef>
+          <a:fontRef idx="minor">
+            <a:schemeClr val="dk1"/>
+          </a:fontRef>
+        </p:style>
+        <p:txBody>
+          <a:bodyPr rtlCol="0" anchor="ctr"/>
+          <a:lstStyle/>
+          <a:p>
+            <a:pPr algn="ctr"/>
+            <a:r>
+              <a:rPr lang="en-US" altLang="zh-CN" sz="2800" dirty="0" err="1"/>
+              <a:t>iid</a:t>
+            </a:r>
+            <a:endParaRPr lang="zh-CN" altLang="en-US" sz="2800" dirty="0"/>
+          </a:p>
+        </p:txBody>
+      </p:sp>
+      <p:sp>
+        <p:nvSpPr>
+          <p:cNvPr id="9" name="矩形: 圆角 8">
+            <a:extLst>
+              <a:ext uri="{FF2B5EF4-FFF2-40B4-BE49-F238E27FC236}">
+                <a16:creationId xmlns:a16="http://schemas.microsoft.com/office/drawing/2014/main" id="{B8879A69-5B42-4C9E-8210-C28B970C2325}"/>
+              </a:ext>
+            </a:extLst>
+          </p:cNvPr>
+          <p:cNvSpPr/>
+          <p:nvPr/>
+        </p:nvSpPr>
+        <p:spPr>
+          <a:xfrm>
+            <a:off x="6634116" y="1928858"/>
+            <a:ext cx="2170520" cy="1084722"/>
+          </a:xfrm>
+          <a:prstGeom prst="roundRect">
+            <a:avLst/>
+          </a:prstGeom>
+        </p:spPr>
+        <p:style>
+          <a:lnRef idx="2">
+            <a:schemeClr val="accent1">
+              <a:shade val="50000"/>
+            </a:schemeClr>
+          </a:lnRef>
+          <a:fillRef idx="1">
+            <a:schemeClr val="accent1"/>
+          </a:fillRef>
+          <a:effectRef idx="0">
+            <a:schemeClr val="accent1"/>
+          </a:effectRef>
+          <a:fontRef idx="minor">
+            <a:schemeClr val="lt1"/>
+          </a:fontRef>
+        </p:style>
+        <p:txBody>
+          <a:bodyPr rtlCol="0" anchor="ctr"/>
+          <a:lstStyle/>
+          <a:p>
+            <a:pPr algn="ctr"/>
+            <a:r>
+              <a:rPr lang="en-US" altLang="zh-CN" sz="2800" dirty="0"/>
+              <a:t>Delay Proportion</a:t>
+            </a:r>
+            <a:endParaRPr lang="zh-CN" altLang="en-US" sz="2800" dirty="0"/>
+          </a:p>
+        </p:txBody>
+      </p:sp>
+      <p:sp>
+        <p:nvSpPr>
+          <p:cNvPr id="10" name="矩形: 圆角 9">
+            <a:extLst>
+              <a:ext uri="{FF2B5EF4-FFF2-40B4-BE49-F238E27FC236}">
+                <a16:creationId xmlns:a16="http://schemas.microsoft.com/office/drawing/2014/main" id="{CA16E15D-C82B-40E3-BCA1-0B982FEB0A8E}"/>
+              </a:ext>
+            </a:extLst>
+          </p:cNvPr>
+          <p:cNvSpPr/>
+          <p:nvPr/>
+        </p:nvSpPr>
+        <p:spPr>
+          <a:xfrm>
+            <a:off x="9183280" y="1928858"/>
+            <a:ext cx="2170520" cy="1084722"/>
+          </a:xfrm>
+          <a:prstGeom prst="roundRect">
+            <a:avLst/>
+          </a:prstGeom>
+        </p:spPr>
+        <p:style>
+          <a:lnRef idx="2">
+            <a:schemeClr val="accent1">
+              <a:shade val="50000"/>
+            </a:schemeClr>
+          </a:lnRef>
+          <a:fillRef idx="1">
+            <a:schemeClr val="accent1"/>
+          </a:fillRef>
+          <a:effectRef idx="0">
+            <a:schemeClr val="accent1"/>
+          </a:effectRef>
+          <a:fontRef idx="minor">
+            <a:schemeClr val="lt1"/>
+          </a:fontRef>
+        </p:style>
+        <p:txBody>
+          <a:bodyPr rtlCol="0" anchor="ctr"/>
+          <a:lstStyle/>
+          <a:p>
+            <a:pPr algn="ctr"/>
+            <a:r>
+              <a:rPr lang="en-US" altLang="zh-CN" sz="2800" dirty="0"/>
+              <a:t>Delay Speed</a:t>
+            </a:r>
+            <a:endParaRPr lang="zh-CN" altLang="en-US" sz="2800" dirty="0"/>
+          </a:p>
+        </p:txBody>
+      </p:sp>
+      <p:sp>
+        <p:nvSpPr>
+          <p:cNvPr id="11" name="矩形: 剪去对角 10">
+            <a:extLst>
+              <a:ext uri="{FF2B5EF4-FFF2-40B4-BE49-F238E27FC236}">
+                <a16:creationId xmlns:a16="http://schemas.microsoft.com/office/drawing/2014/main" id="{D2E72A95-5CD2-4D55-A7F1-B46420C741BE}"/>
+              </a:ext>
+            </a:extLst>
+          </p:cNvPr>
+          <p:cNvSpPr/>
+          <p:nvPr/>
+        </p:nvSpPr>
+        <p:spPr>
+          <a:xfrm>
+            <a:off x="7221714" y="3429000"/>
+            <a:ext cx="1075444" cy="575034"/>
+          </a:xfrm>
+          <a:prstGeom prst="snip2DiagRect">
+            <a:avLst/>
+          </a:prstGeom>
+        </p:spPr>
+        <p:style>
+          <a:lnRef idx="2">
+            <a:schemeClr val="accent1"/>
+          </a:lnRef>
+          <a:fillRef idx="1">
+            <a:schemeClr val="lt1"/>
+          </a:fillRef>
+          <a:effectRef idx="0">
+            <a:schemeClr val="accent1"/>
+          </a:effectRef>
+          <a:fontRef idx="minor">
+            <a:schemeClr val="dk1"/>
+          </a:fontRef>
+        </p:style>
+        <p:txBody>
+          <a:bodyPr rtlCol="0" anchor="ctr"/>
+          <a:lstStyle/>
+          <a:p>
+            <a:pPr algn="ctr"/>
+            <a:r>
+              <a:rPr lang="en-US" altLang="zh-CN" sz="2800" dirty="0"/>
+              <a:t>20%</a:t>
+            </a:r>
+            <a:endParaRPr lang="zh-CN" altLang="en-US" sz="2800" dirty="0"/>
+          </a:p>
+        </p:txBody>
+      </p:sp>
+      <p:sp>
+        <p:nvSpPr>
+          <p:cNvPr id="12" name="矩形: 剪去对角 11">
+            <a:extLst>
+              <a:ext uri="{FF2B5EF4-FFF2-40B4-BE49-F238E27FC236}">
+                <a16:creationId xmlns:a16="http://schemas.microsoft.com/office/drawing/2014/main" id="{C8E1A706-25AD-4962-ADE6-78A2503BE983}"/>
+              </a:ext>
+            </a:extLst>
+          </p:cNvPr>
+          <p:cNvSpPr/>
+          <p:nvPr/>
+        </p:nvSpPr>
+        <p:spPr>
+          <a:xfrm>
+            <a:off x="7221714" y="4231849"/>
+            <a:ext cx="1075444" cy="575034"/>
+          </a:xfrm>
+          <a:prstGeom prst="snip2DiagRect">
+            <a:avLst/>
+          </a:prstGeom>
+        </p:spPr>
+        <p:style>
+          <a:lnRef idx="2">
+            <a:schemeClr val="accent1"/>
+          </a:lnRef>
+          <a:fillRef idx="1">
+            <a:schemeClr val="lt1"/>
+          </a:fillRef>
+          <a:effectRef idx="0">
+            <a:schemeClr val="accent1"/>
+          </a:effectRef>
+          <a:fontRef idx="minor">
+            <a:schemeClr val="dk1"/>
+          </a:fontRef>
+        </p:style>
+        <p:txBody>
+          <a:bodyPr rtlCol="0" anchor="ctr"/>
+          <a:lstStyle/>
+          <a:p>
+            <a:pPr algn="ctr"/>
+            <a:r>
+              <a:rPr lang="en-US" altLang="zh-CN" sz="2800" dirty="0"/>
+              <a:t>50%</a:t>
+            </a:r>
+            <a:endParaRPr lang="zh-CN" altLang="en-US" sz="2800" dirty="0"/>
+          </a:p>
+        </p:txBody>
+      </p:sp>
+      <p:sp>
+        <p:nvSpPr>
+          <p:cNvPr id="13" name="矩形: 剪去对角 12">
+            <a:extLst>
+              <a:ext uri="{FF2B5EF4-FFF2-40B4-BE49-F238E27FC236}">
+                <a16:creationId xmlns:a16="http://schemas.microsoft.com/office/drawing/2014/main" id="{40C9B294-F06F-48AA-83F4-C784638C1AE7}"/>
+              </a:ext>
+            </a:extLst>
+          </p:cNvPr>
+          <p:cNvSpPr/>
+          <p:nvPr/>
+        </p:nvSpPr>
+        <p:spPr>
+          <a:xfrm>
+            <a:off x="7221714" y="5034699"/>
+            <a:ext cx="1075444" cy="575034"/>
+          </a:xfrm>
+          <a:prstGeom prst="snip2DiagRect">
+            <a:avLst/>
+          </a:prstGeom>
+        </p:spPr>
+        <p:style>
+          <a:lnRef idx="2">
+            <a:schemeClr val="accent1"/>
+          </a:lnRef>
+          <a:fillRef idx="1">
+            <a:schemeClr val="lt1"/>
+          </a:fillRef>
+          <a:effectRef idx="0">
+            <a:schemeClr val="accent1"/>
+          </a:effectRef>
+          <a:fontRef idx="minor">
+            <a:schemeClr val="dk1"/>
+          </a:fontRef>
+        </p:style>
+        <p:txBody>
+          <a:bodyPr rtlCol="0" anchor="ctr"/>
+          <a:lstStyle/>
+          <a:p>
+            <a:pPr algn="ctr"/>
+            <a:r>
+              <a:rPr lang="en-US" altLang="zh-CN" sz="2800" dirty="0"/>
+              <a:t>80%</a:t>
+            </a:r>
+            <a:endParaRPr lang="zh-CN" altLang="en-US" sz="2800" dirty="0"/>
+          </a:p>
+        </p:txBody>
+      </p:sp>
+      <p:sp>
+        <p:nvSpPr>
+          <p:cNvPr id="14" name="矩形: 剪去对角 13">
+            <a:extLst>
+              <a:ext uri="{FF2B5EF4-FFF2-40B4-BE49-F238E27FC236}">
+                <a16:creationId xmlns:a16="http://schemas.microsoft.com/office/drawing/2014/main" id="{0865B9C5-3540-4A97-B2E1-A3C163F414D0}"/>
+              </a:ext>
+            </a:extLst>
+          </p:cNvPr>
+          <p:cNvSpPr/>
+          <p:nvPr/>
+        </p:nvSpPr>
+        <p:spPr>
+          <a:xfrm>
+            <a:off x="9655400" y="3429000"/>
+            <a:ext cx="1075444" cy="575034"/>
+          </a:xfrm>
+          <a:prstGeom prst="snip2DiagRect">
+            <a:avLst/>
+          </a:prstGeom>
+        </p:spPr>
+        <p:style>
+          <a:lnRef idx="2">
+            <a:schemeClr val="accent1"/>
+          </a:lnRef>
+          <a:fillRef idx="1">
+            <a:schemeClr val="lt1"/>
+          </a:fillRef>
+          <a:effectRef idx="0">
+            <a:schemeClr val="accent1"/>
+          </a:effectRef>
+          <a:fontRef idx="minor">
+            <a:schemeClr val="dk1"/>
+          </a:fontRef>
+        </p:style>
+        <p:txBody>
+          <a:bodyPr rtlCol="0" anchor="ctr"/>
+          <a:lstStyle/>
+          <a:p>
+            <a:pPr algn="ctr"/>
+            <a:r>
+              <a:rPr lang="en-US" altLang="zh-CN" sz="2800" dirty="0"/>
+              <a:t>3</a:t>
+            </a:r>
+            <a:endParaRPr lang="zh-CN" altLang="en-US" sz="2800" dirty="0"/>
+          </a:p>
+        </p:txBody>
+      </p:sp>
+      <p:sp>
+        <p:nvSpPr>
+          <p:cNvPr id="15" name="矩形: 剪去对角 14">
+            <a:extLst>
+              <a:ext uri="{FF2B5EF4-FFF2-40B4-BE49-F238E27FC236}">
+                <a16:creationId xmlns:a16="http://schemas.microsoft.com/office/drawing/2014/main" id="{AB262FBE-A8F8-4379-8E2D-4BF82FE8CD99}"/>
+              </a:ext>
+            </a:extLst>
+          </p:cNvPr>
+          <p:cNvSpPr/>
+          <p:nvPr/>
+        </p:nvSpPr>
+        <p:spPr>
+          <a:xfrm>
+            <a:off x="9655400" y="4231849"/>
+            <a:ext cx="1075444" cy="575034"/>
+          </a:xfrm>
+          <a:prstGeom prst="snip2DiagRect">
+            <a:avLst/>
+          </a:prstGeom>
+        </p:spPr>
+        <p:style>
+          <a:lnRef idx="2">
+            <a:schemeClr val="accent1"/>
+          </a:lnRef>
+          <a:fillRef idx="1">
+            <a:schemeClr val="lt1"/>
+          </a:fillRef>
+          <a:effectRef idx="0">
+            <a:schemeClr val="accent1"/>
+          </a:effectRef>
+          <a:fontRef idx="minor">
+            <a:schemeClr val="dk1"/>
+          </a:fontRef>
+        </p:style>
+        <p:txBody>
+          <a:bodyPr rtlCol="0" anchor="ctr"/>
+          <a:lstStyle/>
+          <a:p>
+            <a:pPr algn="ctr"/>
+            <a:r>
+              <a:rPr lang="en-US" altLang="zh-CN" sz="2800" dirty="0"/>
+              <a:t>12</a:t>
+            </a:r>
+            <a:endParaRPr lang="zh-CN" altLang="en-US" sz="2800" dirty="0"/>
+          </a:p>
+        </p:txBody>
+      </p:sp>
+      <p:sp>
+        <p:nvSpPr>
+          <p:cNvPr id="16" name="矩形: 剪去对角 15">
+            <a:extLst>
+              <a:ext uri="{FF2B5EF4-FFF2-40B4-BE49-F238E27FC236}">
+                <a16:creationId xmlns:a16="http://schemas.microsoft.com/office/drawing/2014/main" id="{0E9B05BB-7327-4FF9-9B25-F601DA032445}"/>
+              </a:ext>
+            </a:extLst>
+          </p:cNvPr>
+          <p:cNvSpPr/>
+          <p:nvPr/>
+        </p:nvSpPr>
+        <p:spPr>
+          <a:xfrm>
+            <a:off x="9655400" y="5034699"/>
+            <a:ext cx="1075444" cy="575034"/>
+          </a:xfrm>
+          <a:prstGeom prst="snip2DiagRect">
+            <a:avLst/>
+          </a:prstGeom>
+        </p:spPr>
+        <p:style>
+          <a:lnRef idx="2">
+            <a:schemeClr val="accent1"/>
+          </a:lnRef>
+          <a:fillRef idx="1">
+            <a:schemeClr val="lt1"/>
+          </a:fillRef>
+          <a:effectRef idx="0">
+            <a:schemeClr val="accent1"/>
+          </a:effectRef>
+          <a:fontRef idx="minor">
+            <a:schemeClr val="dk1"/>
+          </a:fontRef>
+        </p:style>
+        <p:txBody>
+          <a:bodyPr rtlCol="0" anchor="ctr"/>
+          <a:lstStyle/>
+          <a:p>
+            <a:pPr algn="ctr"/>
+            <a:r>
+              <a:rPr lang="en-US" altLang="zh-CN" sz="2800" dirty="0"/>
+              <a:t>30</a:t>
+            </a:r>
+            <a:endParaRPr lang="zh-CN" altLang="en-US" sz="2800" dirty="0"/>
+          </a:p>
+        </p:txBody>
+      </p:sp>
     </p:spTree>
     <p:extLst>
       <p:ext uri="{BB962C8B-B14F-4D97-AF65-F5344CB8AC3E}">
-        <p14:creationId xmlns:p14="http://schemas.microsoft.com/office/powerpoint/2010/main" val="1342156521"/>
+        <p14:creationId xmlns:p14="http://schemas.microsoft.com/office/powerpoint/2010/main" val="2650658434"/>
       </p:ext>
     </p:extLst>
   </p:cSld>
@@ -4437,7 +5480,7 @@
           <p:cNvPr id="2" name="标题 1">
             <a:extLst>
               <a:ext uri="{FF2B5EF4-FFF2-40B4-BE49-F238E27FC236}">
-                <a16:creationId xmlns:a16="http://schemas.microsoft.com/office/drawing/2014/main" id="{134CCFB4-3AFC-4343-B908-1BA47299443C}"/>
+                <a16:creationId xmlns:a16="http://schemas.microsoft.com/office/drawing/2014/main" id="{FDBDF9CE-045B-4932-BBDF-5C6982733BDC}"/>
               </a:ext>
             </a:extLst>
           </p:cNvPr>
@@ -4455,7 +5498,7 @@
           <a:p>
             <a:r>
               <a:rPr lang="en-US" altLang="zh-CN" dirty="0"/>
-              <a:t>Data Dispersion 3/3</a:t>
+              <a:t>Delayed Update1 1/2</a:t>
             </a:r>
             <a:endParaRPr lang="zh-CN" altLang="en-US" dirty="0"/>
           </a:p>
@@ -4463,10 +5506,10 @@
       </p:sp>
       <p:pic>
         <p:nvPicPr>
-          <p:cNvPr id="9" name="图片 8" descr="手机屏幕截图&#10;&#10;描述已自动生成">
-            <a:extLst>
-              <a:ext uri="{FF2B5EF4-FFF2-40B4-BE49-F238E27FC236}">
-                <a16:creationId xmlns:a16="http://schemas.microsoft.com/office/drawing/2014/main" id="{CF8E734B-F862-4D61-81AA-F130BB54052A}"/>
+          <p:cNvPr id="6" name="图片 5" descr="手机屏幕截图&#10;&#10;描述已自动生成">
+            <a:extLst>
+              <a:ext uri="{FF2B5EF4-FFF2-40B4-BE49-F238E27FC236}">
+                <a16:creationId xmlns:a16="http://schemas.microsoft.com/office/drawing/2014/main" id="{775A995D-17A8-4A89-BB47-2547865083BD}"/>
               </a:ext>
             </a:extLst>
           </p:cNvPr>
@@ -4490,7 +5533,7 @@
         <p:spPr>
           <a:xfrm>
             <a:off x="0" y="1690688"/>
-            <a:ext cx="12192000" cy="4283676"/>
+            <a:ext cx="12192000" cy="4370717"/>
           </a:xfrm>
           <a:prstGeom prst="rect">
             <a:avLst/>
@@ -4500,7 +5543,7 @@
     </p:spTree>
     <p:extLst>
       <p:ext uri="{BB962C8B-B14F-4D97-AF65-F5344CB8AC3E}">
-        <p14:creationId xmlns:p14="http://schemas.microsoft.com/office/powerpoint/2010/main" val="534557060"/>
+        <p14:creationId xmlns:p14="http://schemas.microsoft.com/office/powerpoint/2010/main" val="238331857"/>
       </p:ext>
     </p:extLst>
   </p:cSld>
@@ -4543,807 +5586,59 @@
             <p:ph type="title"/>
           </p:nvPr>
         </p:nvSpPr>
-        <p:spPr>
-          <a:xfrm>
-            <a:off x="838200" y="365125"/>
-            <a:ext cx="10515600" cy="1325563"/>
-          </a:xfrm>
-        </p:spPr>
+        <p:spPr/>
         <p:txBody>
           <a:bodyPr/>
           <a:lstStyle/>
           <a:p>
             <a:r>
               <a:rPr lang="en-US" altLang="zh-CN" dirty="0"/>
-              <a:t>Share data</a:t>
+              <a:t>Delayed Update1 2/2</a:t>
             </a:r>
             <a:endParaRPr lang="zh-CN" altLang="en-US" dirty="0"/>
           </a:p>
         </p:txBody>
       </p:sp>
-      <p:sp>
-        <p:nvSpPr>
-          <p:cNvPr id="4" name="内容占位符 2">
-            <a:extLst>
-              <a:ext uri="{FF2B5EF4-FFF2-40B4-BE49-F238E27FC236}">
-                <a16:creationId xmlns:a16="http://schemas.microsoft.com/office/drawing/2014/main" id="{22B6004B-FABB-49B5-A034-2AFAECCFA0F5}"/>
-              </a:ext>
-            </a:extLst>
-          </p:cNvPr>
-          <p:cNvSpPr>
-            <a:spLocks noGrp="1"/>
-          </p:cNvSpPr>
-          <p:nvPr>
-            <p:ph idx="1"/>
-          </p:nvPr>
-        </p:nvSpPr>
-        <p:spPr>
-          <a:xfrm>
-            <a:off x="838200" y="1825625"/>
-            <a:ext cx="3205899" cy="1054376"/>
-          </a:xfrm>
-        </p:spPr>
-        <p:txBody>
-          <a:bodyPr/>
-          <a:lstStyle/>
-          <a:p>
-            <a:r>
-              <a:rPr lang="en-US" altLang="zh-CN" dirty="0"/>
-              <a:t>Early stop = 500</a:t>
-            </a:r>
-          </a:p>
-          <a:p>
-            <a:r>
-              <a:rPr lang="en-US" altLang="zh-CN" dirty="0"/>
-              <a:t>Local step = 1</a:t>
-            </a:r>
-          </a:p>
-        </p:txBody>
-      </p:sp>
-      <p:sp>
-        <p:nvSpPr>
-          <p:cNvPr id="14" name="矩形: 剪去对角 13">
-            <a:extLst>
-              <a:ext uri="{FF2B5EF4-FFF2-40B4-BE49-F238E27FC236}">
-                <a16:creationId xmlns:a16="http://schemas.microsoft.com/office/drawing/2014/main" id="{3E638F6C-32BE-40C6-B744-2348D5177696}"/>
-              </a:ext>
-            </a:extLst>
-          </p:cNvPr>
-          <p:cNvSpPr/>
+      <p:pic>
+        <p:nvPicPr>
+          <p:cNvPr id="6" name="图片 5" descr="手机屏幕截图&#10;&#10;描述已自动生成">
+            <a:extLst>
+              <a:ext uri="{FF2B5EF4-FFF2-40B4-BE49-F238E27FC236}">
+                <a16:creationId xmlns:a16="http://schemas.microsoft.com/office/drawing/2014/main" id="{CBBA7258-5979-447B-BBFF-CA1A76998E28}"/>
+              </a:ext>
+            </a:extLst>
+          </p:cNvPr>
+          <p:cNvPicPr>
+            <a:picLocks noChangeAspect="1"/>
+          </p:cNvPicPr>
           <p:nvPr/>
-        </p:nvSpPr>
-        <p:spPr>
-          <a:xfrm>
-            <a:off x="1252976" y="3267598"/>
-            <a:ext cx="1922286" cy="1054376"/>
-          </a:xfrm>
-          <a:prstGeom prst="snip2DiagRect">
+        </p:nvPicPr>
+        <p:blipFill>
+          <a:blip r:embed="rId2">
+            <a:extLst>
+              <a:ext uri="{28A0092B-C50C-407E-A947-70E740481C1C}">
+                <a14:useLocalDpi xmlns:a14="http://schemas.microsoft.com/office/drawing/2010/main" val="0"/>
+              </a:ext>
+            </a:extLst>
+          </a:blip>
+          <a:stretch>
+            <a:fillRect/>
+          </a:stretch>
+        </p:blipFill>
+        <p:spPr>
+          <a:xfrm>
+            <a:off x="0" y="1690688"/>
+            <a:ext cx="12192000" cy="4324709"/>
+          </a:xfrm>
+          <a:prstGeom prst="rect">
             <a:avLst/>
           </a:prstGeom>
         </p:spPr>
-        <p:style>
-          <a:lnRef idx="2">
-            <a:schemeClr val="accent1"/>
-          </a:lnRef>
-          <a:fillRef idx="1">
-            <a:schemeClr val="lt1"/>
-          </a:fillRef>
-          <a:effectRef idx="0">
-            <a:schemeClr val="accent1"/>
-          </a:effectRef>
-          <a:fontRef idx="minor">
-            <a:schemeClr val="dk1"/>
-          </a:fontRef>
-        </p:style>
-        <p:txBody>
-          <a:bodyPr rtlCol="0" anchor="ctr"/>
-          <a:lstStyle/>
-          <a:p>
-            <a:pPr algn="ctr"/>
-            <a:r>
-              <a:rPr lang="en-US" altLang="zh-CN" sz="2800"/>
-              <a:t>Set local epo iid</a:t>
-            </a:r>
-            <a:endParaRPr lang="zh-CN" altLang="en-US" sz="2800" dirty="0"/>
-          </a:p>
-        </p:txBody>
-      </p:sp>
-      <p:sp>
-        <p:nvSpPr>
-          <p:cNvPr id="15" name="矩形: 剪去对角 14">
-            <a:extLst>
-              <a:ext uri="{FF2B5EF4-FFF2-40B4-BE49-F238E27FC236}">
-                <a16:creationId xmlns:a16="http://schemas.microsoft.com/office/drawing/2014/main" id="{AB9D54BA-6241-452D-BB88-3F78E91FAE1B}"/>
-              </a:ext>
-            </a:extLst>
-          </p:cNvPr>
-          <p:cNvSpPr/>
-          <p:nvPr/>
-        </p:nvSpPr>
-        <p:spPr>
-          <a:xfrm>
-            <a:off x="1252976" y="4597635"/>
-            <a:ext cx="1922286" cy="1305045"/>
-          </a:xfrm>
-          <a:prstGeom prst="snip2DiagRect">
-            <a:avLst/>
-          </a:prstGeom>
-        </p:spPr>
-        <p:style>
-          <a:lnRef idx="2">
-            <a:schemeClr val="accent1"/>
-          </a:lnRef>
-          <a:fillRef idx="1">
-            <a:schemeClr val="lt1"/>
-          </a:fillRef>
-          <a:effectRef idx="0">
-            <a:schemeClr val="accent1"/>
-          </a:effectRef>
-          <a:fontRef idx="minor">
-            <a:schemeClr val="dk1"/>
-          </a:fontRef>
-        </p:style>
-        <p:txBody>
-          <a:bodyPr rtlCol="0" anchor="ctr"/>
-          <a:lstStyle/>
-          <a:p>
-            <a:pPr algn="ctr"/>
-            <a:r>
-              <a:rPr lang="en-US" altLang="zh-CN" sz="2800" b="1" dirty="0"/>
-              <a:t>Didn’t set local epoch </a:t>
-            </a:r>
-            <a:r>
-              <a:rPr lang="en-US" altLang="zh-CN" sz="2800" b="1" dirty="0" err="1"/>
-              <a:t>iid</a:t>
-            </a:r>
-            <a:endParaRPr lang="zh-CN" altLang="en-US" sz="2800" b="1" dirty="0"/>
-          </a:p>
-        </p:txBody>
-      </p:sp>
-      <p:sp>
-        <p:nvSpPr>
-          <p:cNvPr id="16" name="矩形: 圆角 15">
-            <a:extLst>
-              <a:ext uri="{FF2B5EF4-FFF2-40B4-BE49-F238E27FC236}">
-                <a16:creationId xmlns:a16="http://schemas.microsoft.com/office/drawing/2014/main" id="{F77A4BDE-4A2C-4FB7-B040-5B7884896C5D}"/>
-              </a:ext>
-            </a:extLst>
-          </p:cNvPr>
-          <p:cNvSpPr/>
-          <p:nvPr/>
-        </p:nvSpPr>
-        <p:spPr>
-          <a:xfrm>
-            <a:off x="5543035" y="2680287"/>
-            <a:ext cx="1630445" cy="669302"/>
-          </a:xfrm>
-          <a:prstGeom prst="roundRect">
-            <a:avLst/>
-          </a:prstGeom>
-        </p:spPr>
-        <p:style>
-          <a:lnRef idx="2">
-            <a:schemeClr val="accent1">
-              <a:shade val="50000"/>
-            </a:schemeClr>
-          </a:lnRef>
-          <a:fillRef idx="1">
-            <a:schemeClr val="accent1"/>
-          </a:fillRef>
-          <a:effectRef idx="0">
-            <a:schemeClr val="accent1"/>
-          </a:effectRef>
-          <a:fontRef idx="minor">
-            <a:schemeClr val="lt1"/>
-          </a:fontRef>
-        </p:style>
-        <p:txBody>
-          <a:bodyPr rtlCol="0" anchor="ctr"/>
-          <a:lstStyle/>
-          <a:p>
-            <a:pPr algn="ctr"/>
-            <a:r>
-              <a:rPr lang="en-US" altLang="zh-CN" sz="2800" dirty="0"/>
-              <a:t>Share</a:t>
-            </a:r>
-            <a:endParaRPr lang="zh-CN" altLang="en-US" sz="2800" dirty="0"/>
-          </a:p>
-        </p:txBody>
-      </p:sp>
-      <p:sp>
-        <p:nvSpPr>
-          <p:cNvPr id="21" name="矩形: 剪去对角 20">
-            <a:extLst>
-              <a:ext uri="{FF2B5EF4-FFF2-40B4-BE49-F238E27FC236}">
-                <a16:creationId xmlns:a16="http://schemas.microsoft.com/office/drawing/2014/main" id="{C40624E6-4BF1-4C83-9F3C-5BD583F04DF9}"/>
-              </a:ext>
-            </a:extLst>
-          </p:cNvPr>
-          <p:cNvSpPr/>
-          <p:nvPr/>
-        </p:nvSpPr>
-        <p:spPr>
-          <a:xfrm>
-            <a:off x="5837815" y="3746940"/>
-            <a:ext cx="1075444" cy="575034"/>
-          </a:xfrm>
-          <a:prstGeom prst="snip2DiagRect">
-            <a:avLst/>
-          </a:prstGeom>
-        </p:spPr>
-        <p:style>
-          <a:lnRef idx="2">
-            <a:schemeClr val="accent1"/>
-          </a:lnRef>
-          <a:fillRef idx="1">
-            <a:schemeClr val="lt1"/>
-          </a:fillRef>
-          <a:effectRef idx="0">
-            <a:schemeClr val="accent1"/>
-          </a:effectRef>
-          <a:fontRef idx="minor">
-            <a:schemeClr val="dk1"/>
-          </a:fontRef>
-        </p:style>
-        <p:txBody>
-          <a:bodyPr rtlCol="0" anchor="ctr"/>
-          <a:lstStyle/>
-          <a:p>
-            <a:pPr algn="ctr"/>
-            <a:r>
-              <a:rPr lang="en-US" altLang="zh-CN" sz="2800" dirty="0"/>
-              <a:t>100</a:t>
-            </a:r>
-            <a:endParaRPr lang="zh-CN" altLang="en-US" sz="2800" dirty="0"/>
-          </a:p>
-        </p:txBody>
-      </p:sp>
-      <p:sp>
-        <p:nvSpPr>
-          <p:cNvPr id="22" name="矩形: 剪去对角 21">
-            <a:extLst>
-              <a:ext uri="{FF2B5EF4-FFF2-40B4-BE49-F238E27FC236}">
-                <a16:creationId xmlns:a16="http://schemas.microsoft.com/office/drawing/2014/main" id="{20BEE9A9-1D81-4B97-8049-0A7504581AD8}"/>
-              </a:ext>
-            </a:extLst>
-          </p:cNvPr>
-          <p:cNvSpPr/>
-          <p:nvPr/>
-        </p:nvSpPr>
-        <p:spPr>
-          <a:xfrm>
-            <a:off x="5837815" y="4549789"/>
-            <a:ext cx="1075444" cy="575034"/>
-          </a:xfrm>
-          <a:prstGeom prst="snip2DiagRect">
-            <a:avLst/>
-          </a:prstGeom>
-        </p:spPr>
-        <p:style>
-          <a:lnRef idx="2">
-            <a:schemeClr val="accent1"/>
-          </a:lnRef>
-          <a:fillRef idx="1">
-            <a:schemeClr val="lt1"/>
-          </a:fillRef>
-          <a:effectRef idx="0">
-            <a:schemeClr val="accent1"/>
-          </a:effectRef>
-          <a:fontRef idx="minor">
-            <a:schemeClr val="dk1"/>
-          </a:fontRef>
-        </p:style>
-        <p:txBody>
-          <a:bodyPr rtlCol="0" anchor="ctr"/>
-          <a:lstStyle/>
-          <a:p>
-            <a:pPr algn="ctr"/>
-            <a:r>
-              <a:rPr lang="en-US" altLang="zh-CN" sz="2800" dirty="0"/>
-              <a:t>400</a:t>
-            </a:r>
-            <a:endParaRPr lang="zh-CN" altLang="en-US" sz="2800" dirty="0"/>
-          </a:p>
-        </p:txBody>
-      </p:sp>
-      <p:sp>
-        <p:nvSpPr>
-          <p:cNvPr id="23" name="矩形: 剪去对角 22">
-            <a:extLst>
-              <a:ext uri="{FF2B5EF4-FFF2-40B4-BE49-F238E27FC236}">
-                <a16:creationId xmlns:a16="http://schemas.microsoft.com/office/drawing/2014/main" id="{F67BD3EA-7C76-4540-8C1E-1FCD768C99E3}"/>
-              </a:ext>
-            </a:extLst>
-          </p:cNvPr>
-          <p:cNvSpPr/>
-          <p:nvPr/>
-        </p:nvSpPr>
-        <p:spPr>
-          <a:xfrm>
-            <a:off x="5837815" y="5357206"/>
-            <a:ext cx="1075444" cy="575034"/>
-          </a:xfrm>
-          <a:prstGeom prst="snip2DiagRect">
-            <a:avLst/>
-          </a:prstGeom>
-        </p:spPr>
-        <p:style>
-          <a:lnRef idx="2">
-            <a:schemeClr val="accent1"/>
-          </a:lnRef>
-          <a:fillRef idx="1">
-            <a:schemeClr val="lt1"/>
-          </a:fillRef>
-          <a:effectRef idx="0">
-            <a:schemeClr val="accent1"/>
-          </a:effectRef>
-          <a:fontRef idx="minor">
-            <a:schemeClr val="dk1"/>
-          </a:fontRef>
-        </p:style>
-        <p:txBody>
-          <a:bodyPr rtlCol="0" anchor="ctr"/>
-          <a:lstStyle/>
-          <a:p>
-            <a:pPr algn="ctr"/>
-            <a:r>
-              <a:rPr lang="en-US" altLang="zh-CN" sz="2800" dirty="0"/>
-              <a:t>800</a:t>
-            </a:r>
-            <a:endParaRPr lang="zh-CN" altLang="en-US" sz="2800" dirty="0"/>
-          </a:p>
-        </p:txBody>
-      </p:sp>
-      <p:sp>
-        <p:nvSpPr>
-          <p:cNvPr id="24" name="矩形: 圆角 23">
-            <a:extLst>
-              <a:ext uri="{FF2B5EF4-FFF2-40B4-BE49-F238E27FC236}">
-                <a16:creationId xmlns:a16="http://schemas.microsoft.com/office/drawing/2014/main" id="{1E73C9A8-71E9-4C93-86B0-2323DA95204F}"/>
-              </a:ext>
-            </a:extLst>
-          </p:cNvPr>
-          <p:cNvSpPr/>
-          <p:nvPr/>
-        </p:nvSpPr>
-        <p:spPr>
-          <a:xfrm>
-            <a:off x="3591561" y="2680287"/>
-            <a:ext cx="1737675" cy="669302"/>
-          </a:xfrm>
-          <a:prstGeom prst="roundRect">
-            <a:avLst/>
-          </a:prstGeom>
-        </p:spPr>
-        <p:style>
-          <a:lnRef idx="2">
-            <a:schemeClr val="accent1">
-              <a:shade val="50000"/>
-            </a:schemeClr>
-          </a:lnRef>
-          <a:fillRef idx="1">
-            <a:schemeClr val="accent1"/>
-          </a:fillRef>
-          <a:effectRef idx="0">
-            <a:schemeClr val="accent1"/>
-          </a:effectRef>
-          <a:fontRef idx="minor">
-            <a:schemeClr val="lt1"/>
-          </a:fontRef>
-        </p:style>
-        <p:txBody>
-          <a:bodyPr rtlCol="0" anchor="ctr"/>
-          <a:lstStyle/>
-          <a:p>
-            <a:pPr algn="ctr"/>
-            <a:r>
-              <a:rPr lang="en-US" altLang="zh-CN" sz="2800" dirty="0"/>
-              <a:t>If </a:t>
-            </a:r>
-            <a:r>
-              <a:rPr lang="en-US" altLang="zh-CN" sz="2800" dirty="0" err="1"/>
-              <a:t>iid</a:t>
-            </a:r>
-            <a:r>
-              <a:rPr lang="en-US" altLang="zh-CN" sz="2800" dirty="0"/>
-              <a:t>?</a:t>
-            </a:r>
-            <a:endParaRPr lang="zh-CN" altLang="en-US" sz="2800" dirty="0"/>
-          </a:p>
-        </p:txBody>
-      </p:sp>
-      <p:sp>
-        <p:nvSpPr>
-          <p:cNvPr id="25" name="矩形: 剪去对角 24">
-            <a:extLst>
-              <a:ext uri="{FF2B5EF4-FFF2-40B4-BE49-F238E27FC236}">
-                <a16:creationId xmlns:a16="http://schemas.microsoft.com/office/drawing/2014/main" id="{388376CB-4CDA-4194-B873-E9EF858B6F38}"/>
-              </a:ext>
-            </a:extLst>
-          </p:cNvPr>
-          <p:cNvSpPr/>
-          <p:nvPr/>
-        </p:nvSpPr>
-        <p:spPr>
-          <a:xfrm>
-            <a:off x="3934064" y="3746940"/>
-            <a:ext cx="1075444" cy="575034"/>
-          </a:xfrm>
-          <a:prstGeom prst="snip2DiagRect">
-            <a:avLst/>
-          </a:prstGeom>
-        </p:spPr>
-        <p:style>
-          <a:lnRef idx="2">
-            <a:schemeClr val="accent1"/>
-          </a:lnRef>
-          <a:fillRef idx="1">
-            <a:schemeClr val="lt1"/>
-          </a:fillRef>
-          <a:effectRef idx="0">
-            <a:schemeClr val="accent1"/>
-          </a:effectRef>
-          <a:fontRef idx="minor">
-            <a:schemeClr val="dk1"/>
-          </a:fontRef>
-        </p:style>
-        <p:txBody>
-          <a:bodyPr rtlCol="0" anchor="ctr"/>
-          <a:lstStyle/>
-          <a:p>
-            <a:pPr algn="ctr"/>
-            <a:r>
-              <a:rPr lang="en-US" altLang="zh-CN" sz="2800" b="1" dirty="0"/>
-              <a:t>1</a:t>
-            </a:r>
-            <a:endParaRPr lang="zh-CN" altLang="en-US" sz="2800" b="1" dirty="0"/>
-          </a:p>
-        </p:txBody>
-      </p:sp>
-      <p:sp>
-        <p:nvSpPr>
-          <p:cNvPr id="26" name="矩形: 剪去对角 25">
-            <a:extLst>
-              <a:ext uri="{FF2B5EF4-FFF2-40B4-BE49-F238E27FC236}">
-                <a16:creationId xmlns:a16="http://schemas.microsoft.com/office/drawing/2014/main" id="{52C01889-ABA6-4F15-BFBA-8D00E00209A6}"/>
-              </a:ext>
-            </a:extLst>
-          </p:cNvPr>
-          <p:cNvSpPr/>
-          <p:nvPr/>
-        </p:nvSpPr>
-        <p:spPr>
-          <a:xfrm>
-            <a:off x="3934064" y="4549789"/>
-            <a:ext cx="1075444" cy="575034"/>
-          </a:xfrm>
-          <a:prstGeom prst="snip2DiagRect">
-            <a:avLst/>
-          </a:prstGeom>
-        </p:spPr>
-        <p:style>
-          <a:lnRef idx="2">
-            <a:schemeClr val="accent1"/>
-          </a:lnRef>
-          <a:fillRef idx="1">
-            <a:schemeClr val="lt1"/>
-          </a:fillRef>
-          <a:effectRef idx="0">
-            <a:schemeClr val="accent1"/>
-          </a:effectRef>
-          <a:fontRef idx="minor">
-            <a:schemeClr val="dk1"/>
-          </a:fontRef>
-        </p:style>
-        <p:txBody>
-          <a:bodyPr rtlCol="0" anchor="ctr"/>
-          <a:lstStyle/>
-          <a:p>
-            <a:pPr algn="ctr"/>
-            <a:r>
-              <a:rPr lang="en-US" altLang="zh-CN" sz="2800" dirty="0" err="1"/>
-              <a:t>iid</a:t>
-            </a:r>
-            <a:endParaRPr lang="zh-CN" altLang="en-US" sz="2800" dirty="0"/>
-          </a:p>
-        </p:txBody>
-      </p:sp>
-      <p:sp>
-        <p:nvSpPr>
-          <p:cNvPr id="27" name="矩形: 圆角 26">
-            <a:extLst>
-              <a:ext uri="{FF2B5EF4-FFF2-40B4-BE49-F238E27FC236}">
-                <a16:creationId xmlns:a16="http://schemas.microsoft.com/office/drawing/2014/main" id="{7B013D32-9929-480E-BC0A-28C3D99E2A9F}"/>
-              </a:ext>
-            </a:extLst>
-          </p:cNvPr>
-          <p:cNvSpPr/>
-          <p:nvPr/>
-        </p:nvSpPr>
-        <p:spPr>
-          <a:xfrm>
-            <a:off x="7387279" y="2686538"/>
-            <a:ext cx="1630445" cy="669302"/>
-          </a:xfrm>
-          <a:prstGeom prst="roundRect">
-            <a:avLst/>
-          </a:prstGeom>
-        </p:spPr>
-        <p:style>
-          <a:lnRef idx="2">
-            <a:schemeClr val="accent1">
-              <a:shade val="50000"/>
-            </a:schemeClr>
-          </a:lnRef>
-          <a:fillRef idx="1">
-            <a:schemeClr val="accent1"/>
-          </a:fillRef>
-          <a:effectRef idx="0">
-            <a:schemeClr val="accent1"/>
-          </a:effectRef>
-          <a:fontRef idx="minor">
-            <a:schemeClr val="lt1"/>
-          </a:fontRef>
-        </p:style>
-        <p:txBody>
-          <a:bodyPr rtlCol="0" anchor="ctr"/>
-          <a:lstStyle/>
-          <a:p>
-            <a:pPr algn="ctr"/>
-            <a:r>
-              <a:rPr lang="en-US" altLang="zh-CN" sz="2800" dirty="0"/>
-              <a:t>Node</a:t>
-            </a:r>
-            <a:endParaRPr lang="zh-CN" altLang="en-US" sz="2800" dirty="0"/>
-          </a:p>
-        </p:txBody>
-      </p:sp>
-      <p:sp>
-        <p:nvSpPr>
-          <p:cNvPr id="28" name="矩形: 剪去对角 27">
-            <a:extLst>
-              <a:ext uri="{FF2B5EF4-FFF2-40B4-BE49-F238E27FC236}">
-                <a16:creationId xmlns:a16="http://schemas.microsoft.com/office/drawing/2014/main" id="{BFBD2891-AD96-42A8-8743-A21C43981F66}"/>
-              </a:ext>
-            </a:extLst>
-          </p:cNvPr>
-          <p:cNvSpPr/>
-          <p:nvPr/>
-        </p:nvSpPr>
-        <p:spPr>
-          <a:xfrm>
-            <a:off x="7682059" y="3753191"/>
-            <a:ext cx="1075444" cy="575034"/>
-          </a:xfrm>
-          <a:prstGeom prst="snip2DiagRect">
-            <a:avLst/>
-          </a:prstGeom>
-        </p:spPr>
-        <p:style>
-          <a:lnRef idx="2">
-            <a:schemeClr val="accent1"/>
-          </a:lnRef>
-          <a:fillRef idx="1">
-            <a:schemeClr val="lt1"/>
-          </a:fillRef>
-          <a:effectRef idx="0">
-            <a:schemeClr val="accent1"/>
-          </a:effectRef>
-          <a:fontRef idx="minor">
-            <a:schemeClr val="dk1"/>
-          </a:fontRef>
-        </p:style>
-        <p:txBody>
-          <a:bodyPr rtlCol="0" anchor="ctr"/>
-          <a:lstStyle/>
-          <a:p>
-            <a:pPr algn="ctr"/>
-            <a:r>
-              <a:rPr lang="en-US" altLang="zh-CN" sz="2800" b="1" dirty="0"/>
-              <a:t>10</a:t>
-            </a:r>
-            <a:endParaRPr lang="zh-CN" altLang="en-US" sz="2800" b="1" dirty="0"/>
-          </a:p>
-        </p:txBody>
-      </p:sp>
-      <p:sp>
-        <p:nvSpPr>
-          <p:cNvPr id="29" name="矩形: 剪去对角 28">
-            <a:extLst>
-              <a:ext uri="{FF2B5EF4-FFF2-40B4-BE49-F238E27FC236}">
-                <a16:creationId xmlns:a16="http://schemas.microsoft.com/office/drawing/2014/main" id="{59FFEB66-64CD-444B-9B4E-5878D945A55E}"/>
-              </a:ext>
-            </a:extLst>
-          </p:cNvPr>
-          <p:cNvSpPr/>
-          <p:nvPr/>
-        </p:nvSpPr>
-        <p:spPr>
-          <a:xfrm>
-            <a:off x="7682059" y="4556040"/>
-            <a:ext cx="1075444" cy="575034"/>
-          </a:xfrm>
-          <a:prstGeom prst="snip2DiagRect">
-            <a:avLst/>
-          </a:prstGeom>
-        </p:spPr>
-        <p:style>
-          <a:lnRef idx="2">
-            <a:schemeClr val="accent1"/>
-          </a:lnRef>
-          <a:fillRef idx="1">
-            <a:schemeClr val="lt1"/>
-          </a:fillRef>
-          <a:effectRef idx="0">
-            <a:schemeClr val="accent1"/>
-          </a:effectRef>
-          <a:fontRef idx="minor">
-            <a:schemeClr val="dk1"/>
-          </a:fontRef>
-        </p:style>
-        <p:txBody>
-          <a:bodyPr rtlCol="0" anchor="ctr"/>
-          <a:lstStyle/>
-          <a:p>
-            <a:pPr algn="ctr"/>
-            <a:r>
-              <a:rPr lang="en-US" altLang="zh-CN" sz="2800" dirty="0"/>
-              <a:t>40</a:t>
-            </a:r>
-            <a:endParaRPr lang="zh-CN" altLang="en-US" sz="2800" dirty="0"/>
-          </a:p>
-        </p:txBody>
-      </p:sp>
-      <p:sp>
-        <p:nvSpPr>
-          <p:cNvPr id="30" name="矩形: 圆角 29">
-            <a:extLst>
-              <a:ext uri="{FF2B5EF4-FFF2-40B4-BE49-F238E27FC236}">
-                <a16:creationId xmlns:a16="http://schemas.microsoft.com/office/drawing/2014/main" id="{662EF608-A1BE-440A-829A-0D8402EE8920}"/>
-              </a:ext>
-            </a:extLst>
-          </p:cNvPr>
-          <p:cNvSpPr/>
-          <p:nvPr/>
-        </p:nvSpPr>
-        <p:spPr>
-          <a:xfrm>
-            <a:off x="9295322" y="2680287"/>
-            <a:ext cx="2384488" cy="669302"/>
-          </a:xfrm>
-          <a:prstGeom prst="roundRect">
-            <a:avLst/>
-          </a:prstGeom>
-        </p:spPr>
-        <p:style>
-          <a:lnRef idx="2">
-            <a:schemeClr val="accent1">
-              <a:shade val="50000"/>
-            </a:schemeClr>
-          </a:lnRef>
-          <a:fillRef idx="1">
-            <a:schemeClr val="accent1"/>
-          </a:fillRef>
-          <a:effectRef idx="0">
-            <a:schemeClr val="accent1"/>
-          </a:effectRef>
-          <a:fontRef idx="minor">
-            <a:schemeClr val="lt1"/>
-          </a:fontRef>
-        </p:style>
-        <p:txBody>
-          <a:bodyPr rtlCol="0" anchor="ctr"/>
-          <a:lstStyle/>
-          <a:p>
-            <a:pPr algn="ctr"/>
-            <a:r>
-              <a:rPr lang="en-US" altLang="zh-CN" sz="2800" dirty="0"/>
-              <a:t>Training data</a:t>
-            </a:r>
-            <a:endParaRPr lang="zh-CN" altLang="en-US" sz="2800" dirty="0"/>
-          </a:p>
-        </p:txBody>
-      </p:sp>
-      <p:sp>
-        <p:nvSpPr>
-          <p:cNvPr id="31" name="矩形: 剪去对角 30">
-            <a:extLst>
-              <a:ext uri="{FF2B5EF4-FFF2-40B4-BE49-F238E27FC236}">
-                <a16:creationId xmlns:a16="http://schemas.microsoft.com/office/drawing/2014/main" id="{84D05848-6AEF-4050-9191-42B1FB130F3A}"/>
-              </a:ext>
-            </a:extLst>
-          </p:cNvPr>
-          <p:cNvSpPr/>
-          <p:nvPr/>
-        </p:nvSpPr>
-        <p:spPr>
-          <a:xfrm>
-            <a:off x="9590101" y="3746940"/>
-            <a:ext cx="1392125" cy="523221"/>
-          </a:xfrm>
-          <a:prstGeom prst="snip2DiagRect">
-            <a:avLst/>
-          </a:prstGeom>
-        </p:spPr>
-        <p:style>
-          <a:lnRef idx="2">
-            <a:schemeClr val="accent1"/>
-          </a:lnRef>
-          <a:fillRef idx="1">
-            <a:schemeClr val="lt1"/>
-          </a:fillRef>
-          <a:effectRef idx="0">
-            <a:schemeClr val="accent1"/>
-          </a:effectRef>
-          <a:fontRef idx="minor">
-            <a:schemeClr val="dk1"/>
-          </a:fontRef>
-        </p:style>
-        <p:txBody>
-          <a:bodyPr rtlCol="0" anchor="ctr"/>
-          <a:lstStyle/>
-          <a:p>
-            <a:pPr algn="ctr"/>
-            <a:r>
-              <a:rPr lang="en-US" altLang="zh-CN" sz="2800" b="1" dirty="0"/>
-              <a:t>4000</a:t>
-            </a:r>
-            <a:endParaRPr lang="zh-CN" altLang="en-US" sz="2800" b="1" dirty="0"/>
-          </a:p>
-        </p:txBody>
-      </p:sp>
-      <p:sp>
-        <p:nvSpPr>
-          <p:cNvPr id="32" name="矩形: 剪去对角 31">
-            <a:extLst>
-              <a:ext uri="{FF2B5EF4-FFF2-40B4-BE49-F238E27FC236}">
-                <a16:creationId xmlns:a16="http://schemas.microsoft.com/office/drawing/2014/main" id="{23023099-9635-4C14-B264-05EA4A97469D}"/>
-              </a:ext>
-            </a:extLst>
-          </p:cNvPr>
-          <p:cNvSpPr/>
-          <p:nvPr/>
-        </p:nvSpPr>
-        <p:spPr>
-          <a:xfrm>
-            <a:off x="9590102" y="4549789"/>
-            <a:ext cx="1392124" cy="575034"/>
-          </a:xfrm>
-          <a:prstGeom prst="snip2DiagRect">
-            <a:avLst/>
-          </a:prstGeom>
-        </p:spPr>
-        <p:style>
-          <a:lnRef idx="2">
-            <a:schemeClr val="accent1"/>
-          </a:lnRef>
-          <a:fillRef idx="1">
-            <a:schemeClr val="lt1"/>
-          </a:fillRef>
-          <a:effectRef idx="0">
-            <a:schemeClr val="accent1"/>
-          </a:effectRef>
-          <a:fontRef idx="minor">
-            <a:schemeClr val="dk1"/>
-          </a:fontRef>
-        </p:style>
-        <p:txBody>
-          <a:bodyPr rtlCol="0" anchor="ctr"/>
-          <a:lstStyle/>
-          <a:p>
-            <a:pPr algn="ctr"/>
-            <a:r>
-              <a:rPr lang="en-US" altLang="zh-CN" sz="2800" dirty="0"/>
-              <a:t>8000</a:t>
-            </a:r>
-            <a:endParaRPr lang="zh-CN" altLang="en-US" sz="2800" dirty="0"/>
-          </a:p>
-        </p:txBody>
-      </p:sp>
+      </p:pic>
     </p:spTree>
     <p:extLst>
       <p:ext uri="{BB962C8B-B14F-4D97-AF65-F5344CB8AC3E}">
-        <p14:creationId xmlns:p14="http://schemas.microsoft.com/office/powerpoint/2010/main" val="4234437779"/>
+        <p14:creationId xmlns:p14="http://schemas.microsoft.com/office/powerpoint/2010/main" val="1138602258"/>
       </p:ext>
     </p:extLst>
   </p:cSld>
@@ -5393,743 +5688,16 @@
           <a:p>
             <a:r>
               <a:rPr lang="en-US" altLang="zh-CN" dirty="0"/>
-              <a:t>Delayed Update</a:t>
+              <a:t>Delayed Update2 1/</a:t>
             </a:r>
             <a:endParaRPr lang="zh-CN" altLang="en-US" dirty="0"/>
-          </a:p>
-        </p:txBody>
-      </p:sp>
-      <p:sp>
-        <p:nvSpPr>
-          <p:cNvPr id="4" name="内容占位符 2">
-            <a:extLst>
-              <a:ext uri="{FF2B5EF4-FFF2-40B4-BE49-F238E27FC236}">
-                <a16:creationId xmlns:a16="http://schemas.microsoft.com/office/drawing/2014/main" id="{C3C4E09F-7D67-4FDD-BA22-4228F3AD6322}"/>
-              </a:ext>
-            </a:extLst>
-          </p:cNvPr>
-          <p:cNvSpPr>
-            <a:spLocks noGrp="1"/>
-          </p:cNvSpPr>
-          <p:nvPr>
-            <p:ph idx="1"/>
-          </p:nvPr>
-        </p:nvSpPr>
-        <p:spPr>
-          <a:xfrm>
-            <a:off x="838200" y="1825625"/>
-            <a:ext cx="3488703" cy="4351338"/>
-          </a:xfrm>
-        </p:spPr>
-        <p:txBody>
-          <a:bodyPr/>
-          <a:lstStyle/>
-          <a:p>
-            <a:r>
-              <a:rPr lang="en-US" altLang="zh-CN" dirty="0"/>
-              <a:t>40 worker nodes</a:t>
-            </a:r>
-          </a:p>
-          <a:p>
-            <a:r>
-              <a:rPr lang="en-US" altLang="zh-CN" dirty="0"/>
-              <a:t>4000 training data</a:t>
-            </a:r>
-          </a:p>
-          <a:p>
-            <a:r>
-              <a:rPr lang="en-US" altLang="zh-CN" dirty="0"/>
-              <a:t>10000 testing data</a:t>
-            </a:r>
-          </a:p>
-          <a:p>
-            <a:r>
-              <a:rPr lang="en-US" altLang="zh-CN" dirty="0"/>
-              <a:t>Early stop = 500</a:t>
-            </a:r>
-          </a:p>
-          <a:p>
-            <a:r>
-              <a:rPr lang="en-US" altLang="zh-CN" dirty="0"/>
-              <a:t>Local step = 1</a:t>
-            </a:r>
-          </a:p>
-        </p:txBody>
-      </p:sp>
-      <p:sp>
-        <p:nvSpPr>
-          <p:cNvPr id="5" name="矩形: 圆角 4">
-            <a:extLst>
-              <a:ext uri="{FF2B5EF4-FFF2-40B4-BE49-F238E27FC236}">
-                <a16:creationId xmlns:a16="http://schemas.microsoft.com/office/drawing/2014/main" id="{868D413E-6E22-4398-852A-3CAE5A7CAE3A}"/>
-              </a:ext>
-            </a:extLst>
-          </p:cNvPr>
-          <p:cNvSpPr/>
-          <p:nvPr/>
-        </p:nvSpPr>
-        <p:spPr>
-          <a:xfrm>
-            <a:off x="4454953" y="2344278"/>
-            <a:ext cx="1718822" cy="669302"/>
-          </a:xfrm>
-          <a:prstGeom prst="roundRect">
-            <a:avLst/>
-          </a:prstGeom>
-        </p:spPr>
-        <p:style>
-          <a:lnRef idx="2">
-            <a:schemeClr val="accent1">
-              <a:shade val="50000"/>
-            </a:schemeClr>
-          </a:lnRef>
-          <a:fillRef idx="1">
-            <a:schemeClr val="accent1"/>
-          </a:fillRef>
-          <a:effectRef idx="0">
-            <a:schemeClr val="accent1"/>
-          </a:effectRef>
-          <a:fontRef idx="minor">
-            <a:schemeClr val="lt1"/>
-          </a:fontRef>
-        </p:style>
-        <p:txBody>
-          <a:bodyPr rtlCol="0" anchor="ctr"/>
-          <a:lstStyle/>
-          <a:p>
-            <a:pPr algn="ctr"/>
-            <a:r>
-              <a:rPr lang="en-US" altLang="zh-CN" sz="2800" dirty="0"/>
-              <a:t>If </a:t>
-            </a:r>
-            <a:r>
-              <a:rPr lang="en-US" altLang="zh-CN" sz="2800" dirty="0" err="1"/>
-              <a:t>iid</a:t>
-            </a:r>
-            <a:r>
-              <a:rPr lang="en-US" altLang="zh-CN" sz="2800" dirty="0"/>
-              <a:t>?</a:t>
-            </a:r>
-            <a:endParaRPr lang="zh-CN" altLang="en-US" sz="2800" dirty="0"/>
-          </a:p>
-        </p:txBody>
-      </p:sp>
-      <p:sp>
-        <p:nvSpPr>
-          <p:cNvPr id="6" name="矩形: 剪去对角 5">
-            <a:extLst>
-              <a:ext uri="{FF2B5EF4-FFF2-40B4-BE49-F238E27FC236}">
-                <a16:creationId xmlns:a16="http://schemas.microsoft.com/office/drawing/2014/main" id="{04AFBB55-D737-4A30-8406-FDD002372014}"/>
-              </a:ext>
-            </a:extLst>
-          </p:cNvPr>
-          <p:cNvSpPr/>
-          <p:nvPr/>
-        </p:nvSpPr>
-        <p:spPr>
-          <a:xfrm>
-            <a:off x="4788028" y="3432782"/>
-            <a:ext cx="1075444" cy="575034"/>
-          </a:xfrm>
-          <a:prstGeom prst="snip2DiagRect">
-            <a:avLst/>
-          </a:prstGeom>
-        </p:spPr>
-        <p:style>
-          <a:lnRef idx="2">
-            <a:schemeClr val="accent1"/>
-          </a:lnRef>
-          <a:fillRef idx="1">
-            <a:schemeClr val="lt1"/>
-          </a:fillRef>
-          <a:effectRef idx="0">
-            <a:schemeClr val="accent1"/>
-          </a:effectRef>
-          <a:fontRef idx="minor">
-            <a:schemeClr val="dk1"/>
-          </a:fontRef>
-        </p:style>
-        <p:txBody>
-          <a:bodyPr rtlCol="0" anchor="ctr"/>
-          <a:lstStyle/>
-          <a:p>
-            <a:pPr algn="ctr"/>
-            <a:r>
-              <a:rPr lang="en-US" altLang="zh-CN" sz="2800" dirty="0"/>
-              <a:t>2</a:t>
-            </a:r>
-            <a:endParaRPr lang="zh-CN" altLang="en-US" sz="2800" dirty="0"/>
-          </a:p>
-        </p:txBody>
-      </p:sp>
-      <p:sp>
-        <p:nvSpPr>
-          <p:cNvPr id="7" name="矩形: 剪去对角 6">
-            <a:extLst>
-              <a:ext uri="{FF2B5EF4-FFF2-40B4-BE49-F238E27FC236}">
-                <a16:creationId xmlns:a16="http://schemas.microsoft.com/office/drawing/2014/main" id="{12454626-78AE-40E3-9B45-E4B0B4C84560}"/>
-              </a:ext>
-            </a:extLst>
-          </p:cNvPr>
-          <p:cNvSpPr/>
-          <p:nvPr/>
-        </p:nvSpPr>
-        <p:spPr>
-          <a:xfrm>
-            <a:off x="4788028" y="4235631"/>
-            <a:ext cx="1075444" cy="575034"/>
-          </a:xfrm>
-          <a:prstGeom prst="snip2DiagRect">
-            <a:avLst/>
-          </a:prstGeom>
-        </p:spPr>
-        <p:style>
-          <a:lnRef idx="2">
-            <a:schemeClr val="accent1"/>
-          </a:lnRef>
-          <a:fillRef idx="1">
-            <a:schemeClr val="lt1"/>
-          </a:fillRef>
-          <a:effectRef idx="0">
-            <a:schemeClr val="accent1"/>
-          </a:effectRef>
-          <a:fontRef idx="minor">
-            <a:schemeClr val="dk1"/>
-          </a:fontRef>
-        </p:style>
-        <p:txBody>
-          <a:bodyPr rtlCol="0" anchor="ctr"/>
-          <a:lstStyle/>
-          <a:p>
-            <a:pPr algn="ctr"/>
-            <a:r>
-              <a:rPr lang="en-US" altLang="zh-CN" sz="2800" dirty="0"/>
-              <a:t>5</a:t>
-            </a:r>
-            <a:endParaRPr lang="zh-CN" altLang="en-US" sz="2800" dirty="0"/>
-          </a:p>
-        </p:txBody>
-      </p:sp>
-      <p:sp>
-        <p:nvSpPr>
-          <p:cNvPr id="8" name="矩形: 剪去对角 7">
-            <a:extLst>
-              <a:ext uri="{FF2B5EF4-FFF2-40B4-BE49-F238E27FC236}">
-                <a16:creationId xmlns:a16="http://schemas.microsoft.com/office/drawing/2014/main" id="{538CD5B3-6E2D-40E9-A95B-B08ACAB4BE2F}"/>
-              </a:ext>
-            </a:extLst>
-          </p:cNvPr>
-          <p:cNvSpPr/>
-          <p:nvPr/>
-        </p:nvSpPr>
-        <p:spPr>
-          <a:xfrm>
-            <a:off x="4788028" y="5038481"/>
-            <a:ext cx="1075444" cy="575034"/>
-          </a:xfrm>
-          <a:prstGeom prst="snip2DiagRect">
-            <a:avLst/>
-          </a:prstGeom>
-        </p:spPr>
-        <p:style>
-          <a:lnRef idx="2">
-            <a:schemeClr val="accent1"/>
-          </a:lnRef>
-          <a:fillRef idx="1">
-            <a:schemeClr val="lt1"/>
-          </a:fillRef>
-          <a:effectRef idx="0">
-            <a:schemeClr val="accent1"/>
-          </a:effectRef>
-          <a:fontRef idx="minor">
-            <a:schemeClr val="dk1"/>
-          </a:fontRef>
-        </p:style>
-        <p:txBody>
-          <a:bodyPr rtlCol="0" anchor="ctr"/>
-          <a:lstStyle/>
-          <a:p>
-            <a:pPr algn="ctr"/>
-            <a:r>
-              <a:rPr lang="en-US" altLang="zh-CN" sz="2800" dirty="0" err="1"/>
-              <a:t>iid</a:t>
-            </a:r>
-            <a:endParaRPr lang="zh-CN" altLang="en-US" sz="2800" dirty="0"/>
-          </a:p>
-        </p:txBody>
-      </p:sp>
-      <p:sp>
-        <p:nvSpPr>
-          <p:cNvPr id="9" name="矩形: 圆角 8">
-            <a:extLst>
-              <a:ext uri="{FF2B5EF4-FFF2-40B4-BE49-F238E27FC236}">
-                <a16:creationId xmlns:a16="http://schemas.microsoft.com/office/drawing/2014/main" id="{B8879A69-5B42-4C9E-8210-C28B970C2325}"/>
-              </a:ext>
-            </a:extLst>
-          </p:cNvPr>
-          <p:cNvSpPr/>
-          <p:nvPr/>
-        </p:nvSpPr>
-        <p:spPr>
-          <a:xfrm>
-            <a:off x="6634116" y="1928858"/>
-            <a:ext cx="2170520" cy="1084722"/>
-          </a:xfrm>
-          <a:prstGeom prst="roundRect">
-            <a:avLst/>
-          </a:prstGeom>
-        </p:spPr>
-        <p:style>
-          <a:lnRef idx="2">
-            <a:schemeClr val="accent1">
-              <a:shade val="50000"/>
-            </a:schemeClr>
-          </a:lnRef>
-          <a:fillRef idx="1">
-            <a:schemeClr val="accent1"/>
-          </a:fillRef>
-          <a:effectRef idx="0">
-            <a:schemeClr val="accent1"/>
-          </a:effectRef>
-          <a:fontRef idx="minor">
-            <a:schemeClr val="lt1"/>
-          </a:fontRef>
-        </p:style>
-        <p:txBody>
-          <a:bodyPr rtlCol="0" anchor="ctr"/>
-          <a:lstStyle/>
-          <a:p>
-            <a:pPr algn="ctr"/>
-            <a:r>
-              <a:rPr lang="en-US" altLang="zh-CN" sz="2800" dirty="0"/>
-              <a:t>Delay Proportion</a:t>
-            </a:r>
-            <a:endParaRPr lang="zh-CN" altLang="en-US" sz="2800" dirty="0"/>
-          </a:p>
-        </p:txBody>
-      </p:sp>
-      <p:sp>
-        <p:nvSpPr>
-          <p:cNvPr id="10" name="矩形: 圆角 9">
-            <a:extLst>
-              <a:ext uri="{FF2B5EF4-FFF2-40B4-BE49-F238E27FC236}">
-                <a16:creationId xmlns:a16="http://schemas.microsoft.com/office/drawing/2014/main" id="{CA16E15D-C82B-40E3-BCA1-0B982FEB0A8E}"/>
-              </a:ext>
-            </a:extLst>
-          </p:cNvPr>
-          <p:cNvSpPr/>
-          <p:nvPr/>
-        </p:nvSpPr>
-        <p:spPr>
-          <a:xfrm>
-            <a:off x="9183280" y="1928858"/>
-            <a:ext cx="2170520" cy="1084722"/>
-          </a:xfrm>
-          <a:prstGeom prst="roundRect">
-            <a:avLst/>
-          </a:prstGeom>
-        </p:spPr>
-        <p:style>
-          <a:lnRef idx="2">
-            <a:schemeClr val="accent1">
-              <a:shade val="50000"/>
-            </a:schemeClr>
-          </a:lnRef>
-          <a:fillRef idx="1">
-            <a:schemeClr val="accent1"/>
-          </a:fillRef>
-          <a:effectRef idx="0">
-            <a:schemeClr val="accent1"/>
-          </a:effectRef>
-          <a:fontRef idx="minor">
-            <a:schemeClr val="lt1"/>
-          </a:fontRef>
-        </p:style>
-        <p:txBody>
-          <a:bodyPr rtlCol="0" anchor="ctr"/>
-          <a:lstStyle/>
-          <a:p>
-            <a:pPr algn="ctr"/>
-            <a:r>
-              <a:rPr lang="en-US" altLang="zh-CN" sz="2800" dirty="0"/>
-              <a:t>Delay Speed</a:t>
-            </a:r>
-            <a:endParaRPr lang="zh-CN" altLang="en-US" sz="2800" dirty="0"/>
-          </a:p>
-        </p:txBody>
-      </p:sp>
-      <p:sp>
-        <p:nvSpPr>
-          <p:cNvPr id="11" name="矩形: 剪去对角 10">
-            <a:extLst>
-              <a:ext uri="{FF2B5EF4-FFF2-40B4-BE49-F238E27FC236}">
-                <a16:creationId xmlns:a16="http://schemas.microsoft.com/office/drawing/2014/main" id="{D2E72A95-5CD2-4D55-A7F1-B46420C741BE}"/>
-              </a:ext>
-            </a:extLst>
-          </p:cNvPr>
-          <p:cNvSpPr/>
-          <p:nvPr/>
-        </p:nvSpPr>
-        <p:spPr>
-          <a:xfrm>
-            <a:off x="7221714" y="3429000"/>
-            <a:ext cx="1075444" cy="575034"/>
-          </a:xfrm>
-          <a:prstGeom prst="snip2DiagRect">
-            <a:avLst/>
-          </a:prstGeom>
-        </p:spPr>
-        <p:style>
-          <a:lnRef idx="2">
-            <a:schemeClr val="accent1"/>
-          </a:lnRef>
-          <a:fillRef idx="1">
-            <a:schemeClr val="lt1"/>
-          </a:fillRef>
-          <a:effectRef idx="0">
-            <a:schemeClr val="accent1"/>
-          </a:effectRef>
-          <a:fontRef idx="minor">
-            <a:schemeClr val="dk1"/>
-          </a:fontRef>
-        </p:style>
-        <p:txBody>
-          <a:bodyPr rtlCol="0" anchor="ctr"/>
-          <a:lstStyle/>
-          <a:p>
-            <a:pPr algn="ctr"/>
-            <a:r>
-              <a:rPr lang="en-US" altLang="zh-CN" sz="2800" dirty="0"/>
-              <a:t>20%</a:t>
-            </a:r>
-            <a:endParaRPr lang="zh-CN" altLang="en-US" sz="2800" dirty="0"/>
-          </a:p>
-        </p:txBody>
-      </p:sp>
-      <p:sp>
-        <p:nvSpPr>
-          <p:cNvPr id="12" name="矩形: 剪去对角 11">
-            <a:extLst>
-              <a:ext uri="{FF2B5EF4-FFF2-40B4-BE49-F238E27FC236}">
-                <a16:creationId xmlns:a16="http://schemas.microsoft.com/office/drawing/2014/main" id="{C8E1A706-25AD-4962-ADE6-78A2503BE983}"/>
-              </a:ext>
-            </a:extLst>
-          </p:cNvPr>
-          <p:cNvSpPr/>
-          <p:nvPr/>
-        </p:nvSpPr>
-        <p:spPr>
-          <a:xfrm>
-            <a:off x="7221714" y="4231849"/>
-            <a:ext cx="1075444" cy="575034"/>
-          </a:xfrm>
-          <a:prstGeom prst="snip2DiagRect">
-            <a:avLst/>
-          </a:prstGeom>
-        </p:spPr>
-        <p:style>
-          <a:lnRef idx="2">
-            <a:schemeClr val="accent1"/>
-          </a:lnRef>
-          <a:fillRef idx="1">
-            <a:schemeClr val="lt1"/>
-          </a:fillRef>
-          <a:effectRef idx="0">
-            <a:schemeClr val="accent1"/>
-          </a:effectRef>
-          <a:fontRef idx="minor">
-            <a:schemeClr val="dk1"/>
-          </a:fontRef>
-        </p:style>
-        <p:txBody>
-          <a:bodyPr rtlCol="0" anchor="ctr"/>
-          <a:lstStyle/>
-          <a:p>
-            <a:pPr algn="ctr"/>
-            <a:r>
-              <a:rPr lang="en-US" altLang="zh-CN" sz="2800" dirty="0"/>
-              <a:t>50%</a:t>
-            </a:r>
-            <a:endParaRPr lang="zh-CN" altLang="en-US" sz="2800" dirty="0"/>
-          </a:p>
-        </p:txBody>
-      </p:sp>
-      <p:sp>
-        <p:nvSpPr>
-          <p:cNvPr id="13" name="矩形: 剪去对角 12">
-            <a:extLst>
-              <a:ext uri="{FF2B5EF4-FFF2-40B4-BE49-F238E27FC236}">
-                <a16:creationId xmlns:a16="http://schemas.microsoft.com/office/drawing/2014/main" id="{40C9B294-F06F-48AA-83F4-C784638C1AE7}"/>
-              </a:ext>
-            </a:extLst>
-          </p:cNvPr>
-          <p:cNvSpPr/>
-          <p:nvPr/>
-        </p:nvSpPr>
-        <p:spPr>
-          <a:xfrm>
-            <a:off x="7221714" y="5034699"/>
-            <a:ext cx="1075444" cy="575034"/>
-          </a:xfrm>
-          <a:prstGeom prst="snip2DiagRect">
-            <a:avLst/>
-          </a:prstGeom>
-        </p:spPr>
-        <p:style>
-          <a:lnRef idx="2">
-            <a:schemeClr val="accent1"/>
-          </a:lnRef>
-          <a:fillRef idx="1">
-            <a:schemeClr val="lt1"/>
-          </a:fillRef>
-          <a:effectRef idx="0">
-            <a:schemeClr val="accent1"/>
-          </a:effectRef>
-          <a:fontRef idx="minor">
-            <a:schemeClr val="dk1"/>
-          </a:fontRef>
-        </p:style>
-        <p:txBody>
-          <a:bodyPr rtlCol="0" anchor="ctr"/>
-          <a:lstStyle/>
-          <a:p>
-            <a:pPr algn="ctr"/>
-            <a:r>
-              <a:rPr lang="en-US" altLang="zh-CN" sz="2800" dirty="0"/>
-              <a:t>80%</a:t>
-            </a:r>
-            <a:endParaRPr lang="zh-CN" altLang="en-US" sz="2800" dirty="0"/>
-          </a:p>
-        </p:txBody>
-      </p:sp>
-      <p:sp>
-        <p:nvSpPr>
-          <p:cNvPr id="14" name="矩形: 剪去对角 13">
-            <a:extLst>
-              <a:ext uri="{FF2B5EF4-FFF2-40B4-BE49-F238E27FC236}">
-                <a16:creationId xmlns:a16="http://schemas.microsoft.com/office/drawing/2014/main" id="{0865B9C5-3540-4A97-B2E1-A3C163F414D0}"/>
-              </a:ext>
-            </a:extLst>
-          </p:cNvPr>
-          <p:cNvSpPr/>
-          <p:nvPr/>
-        </p:nvSpPr>
-        <p:spPr>
-          <a:xfrm>
-            <a:off x="9655400" y="3429000"/>
-            <a:ext cx="1075444" cy="575034"/>
-          </a:xfrm>
-          <a:prstGeom prst="snip2DiagRect">
-            <a:avLst/>
-          </a:prstGeom>
-        </p:spPr>
-        <p:style>
-          <a:lnRef idx="2">
-            <a:schemeClr val="accent1"/>
-          </a:lnRef>
-          <a:fillRef idx="1">
-            <a:schemeClr val="lt1"/>
-          </a:fillRef>
-          <a:effectRef idx="0">
-            <a:schemeClr val="accent1"/>
-          </a:effectRef>
-          <a:fontRef idx="minor">
-            <a:schemeClr val="dk1"/>
-          </a:fontRef>
-        </p:style>
-        <p:txBody>
-          <a:bodyPr rtlCol="0" anchor="ctr"/>
-          <a:lstStyle/>
-          <a:p>
-            <a:pPr algn="ctr"/>
-            <a:r>
-              <a:rPr lang="en-US" altLang="zh-CN" sz="2800" dirty="0"/>
-              <a:t>3</a:t>
-            </a:r>
-            <a:endParaRPr lang="zh-CN" altLang="en-US" sz="2800" dirty="0"/>
-          </a:p>
-        </p:txBody>
-      </p:sp>
-      <p:sp>
-        <p:nvSpPr>
-          <p:cNvPr id="15" name="矩形: 剪去对角 14">
-            <a:extLst>
-              <a:ext uri="{FF2B5EF4-FFF2-40B4-BE49-F238E27FC236}">
-                <a16:creationId xmlns:a16="http://schemas.microsoft.com/office/drawing/2014/main" id="{AB262FBE-A8F8-4379-8E2D-4BF82FE8CD99}"/>
-              </a:ext>
-            </a:extLst>
-          </p:cNvPr>
-          <p:cNvSpPr/>
-          <p:nvPr/>
-        </p:nvSpPr>
-        <p:spPr>
-          <a:xfrm>
-            <a:off x="9655400" y="4231849"/>
-            <a:ext cx="1075444" cy="575034"/>
-          </a:xfrm>
-          <a:prstGeom prst="snip2DiagRect">
-            <a:avLst/>
-          </a:prstGeom>
-        </p:spPr>
-        <p:style>
-          <a:lnRef idx="2">
-            <a:schemeClr val="accent1"/>
-          </a:lnRef>
-          <a:fillRef idx="1">
-            <a:schemeClr val="lt1"/>
-          </a:fillRef>
-          <a:effectRef idx="0">
-            <a:schemeClr val="accent1"/>
-          </a:effectRef>
-          <a:fontRef idx="minor">
-            <a:schemeClr val="dk1"/>
-          </a:fontRef>
-        </p:style>
-        <p:txBody>
-          <a:bodyPr rtlCol="0" anchor="ctr"/>
-          <a:lstStyle/>
-          <a:p>
-            <a:pPr algn="ctr"/>
-            <a:r>
-              <a:rPr lang="en-US" altLang="zh-CN" sz="2800" dirty="0"/>
-              <a:t>12</a:t>
-            </a:r>
-            <a:endParaRPr lang="zh-CN" altLang="en-US" sz="2800" dirty="0"/>
-          </a:p>
-        </p:txBody>
-      </p:sp>
-      <p:sp>
-        <p:nvSpPr>
-          <p:cNvPr id="16" name="矩形: 剪去对角 15">
-            <a:extLst>
-              <a:ext uri="{FF2B5EF4-FFF2-40B4-BE49-F238E27FC236}">
-                <a16:creationId xmlns:a16="http://schemas.microsoft.com/office/drawing/2014/main" id="{0E9B05BB-7327-4FF9-9B25-F601DA032445}"/>
-              </a:ext>
-            </a:extLst>
-          </p:cNvPr>
-          <p:cNvSpPr/>
-          <p:nvPr/>
-        </p:nvSpPr>
-        <p:spPr>
-          <a:xfrm>
-            <a:off x="9655400" y="5034699"/>
-            <a:ext cx="1075444" cy="575034"/>
-          </a:xfrm>
-          <a:prstGeom prst="snip2DiagRect">
-            <a:avLst/>
-          </a:prstGeom>
-        </p:spPr>
-        <p:style>
-          <a:lnRef idx="2">
-            <a:schemeClr val="accent1"/>
-          </a:lnRef>
-          <a:fillRef idx="1">
-            <a:schemeClr val="lt1"/>
-          </a:fillRef>
-          <a:effectRef idx="0">
-            <a:schemeClr val="accent1"/>
-          </a:effectRef>
-          <a:fontRef idx="minor">
-            <a:schemeClr val="dk1"/>
-          </a:fontRef>
-        </p:style>
-        <p:txBody>
-          <a:bodyPr rtlCol="0" anchor="ctr"/>
-          <a:lstStyle/>
-          <a:p>
-            <a:pPr algn="ctr"/>
-            <a:r>
-              <a:rPr lang="en-US" altLang="zh-CN" sz="2800" dirty="0"/>
-              <a:t>30</a:t>
-            </a:r>
-            <a:endParaRPr lang="zh-CN" altLang="en-US" sz="2800" dirty="0"/>
           </a:p>
         </p:txBody>
       </p:sp>
     </p:spTree>
     <p:extLst>
       <p:ext uri="{BB962C8B-B14F-4D97-AF65-F5344CB8AC3E}">
-        <p14:creationId xmlns:p14="http://schemas.microsoft.com/office/powerpoint/2010/main" val="2650658434"/>
-      </p:ext>
-    </p:extLst>
-  </p:cSld>
-  <p:clrMapOvr>
-    <a:masterClrMapping/>
-  </p:clrMapOvr>
-</p:sld>
-</file>
-
-<file path=ppt/slides/slide19.xml><?xml version="1.0" encoding="utf-8"?>
-<p:sld xmlns:a="http://schemas.openxmlformats.org/drawingml/2006/main" xmlns:r="http://schemas.openxmlformats.org/officeDocument/2006/relationships" xmlns:p="http://schemas.openxmlformats.org/presentationml/2006/main">
-  <p:cSld>
-    <p:spTree>
-      <p:nvGrpSpPr>
-        <p:cNvPr id="1" name=""/>
-        <p:cNvGrpSpPr/>
-        <p:nvPr/>
-      </p:nvGrpSpPr>
-      <p:grpSpPr>
-        <a:xfrm>
-          <a:off x="0" y="0"/>
-          <a:ext cx="0" cy="0"/>
-          <a:chOff x="0" y="0"/>
-          <a:chExt cx="0" cy="0"/>
-        </a:xfrm>
-      </p:grpSpPr>
-      <p:sp>
-        <p:nvSpPr>
-          <p:cNvPr id="2" name="标题 1">
-            <a:extLst>
-              <a:ext uri="{FF2B5EF4-FFF2-40B4-BE49-F238E27FC236}">
-                <a16:creationId xmlns:a16="http://schemas.microsoft.com/office/drawing/2014/main" id="{FDBDF9CE-045B-4932-BBDF-5C6982733BDC}"/>
-              </a:ext>
-            </a:extLst>
-          </p:cNvPr>
-          <p:cNvSpPr>
-            <a:spLocks noGrp="1"/>
-          </p:cNvSpPr>
-          <p:nvPr>
-            <p:ph type="title"/>
-          </p:nvPr>
-        </p:nvSpPr>
-        <p:spPr/>
-        <p:txBody>
-          <a:bodyPr/>
-          <a:lstStyle/>
-          <a:p>
-            <a:endParaRPr lang="zh-CN" altLang="en-US"/>
-          </a:p>
-        </p:txBody>
-      </p:sp>
-      <p:sp>
-        <p:nvSpPr>
-          <p:cNvPr id="3" name="内容占位符 2">
-            <a:extLst>
-              <a:ext uri="{FF2B5EF4-FFF2-40B4-BE49-F238E27FC236}">
-                <a16:creationId xmlns:a16="http://schemas.microsoft.com/office/drawing/2014/main" id="{F1450C29-D857-46FA-8467-2F45E5945D4D}"/>
-              </a:ext>
-            </a:extLst>
-          </p:cNvPr>
-          <p:cNvSpPr>
-            <a:spLocks noGrp="1"/>
-          </p:cNvSpPr>
-          <p:nvPr>
-            <p:ph idx="1"/>
-          </p:nvPr>
-        </p:nvSpPr>
-        <p:spPr/>
-        <p:txBody>
-          <a:bodyPr/>
-          <a:lstStyle/>
-          <a:p>
-            <a:endParaRPr lang="zh-CN" altLang="en-US"/>
-          </a:p>
-        </p:txBody>
-      </p:sp>
-    </p:spTree>
-    <p:extLst>
-      <p:ext uri="{BB962C8B-B14F-4D97-AF65-F5344CB8AC3E}">
-        <p14:creationId xmlns:p14="http://schemas.microsoft.com/office/powerpoint/2010/main" val="2899376733"/>
+        <p14:creationId xmlns:p14="http://schemas.microsoft.com/office/powerpoint/2010/main" val="4056667734"/>
       </p:ext>
     </p:extLst>
   </p:cSld>
@@ -6185,115 +5753,46 @@
           </a:p>
         </p:txBody>
       </p:sp>
-      <p:sp>
-        <p:nvSpPr>
-          <p:cNvPr id="3" name="内容占位符 2">
-            <a:extLst>
-              <a:ext uri="{FF2B5EF4-FFF2-40B4-BE49-F238E27FC236}">
-                <a16:creationId xmlns:a16="http://schemas.microsoft.com/office/drawing/2014/main" id="{F1450C29-D857-46FA-8467-2F45E5945D4D}"/>
-              </a:ext>
-            </a:extLst>
-          </p:cNvPr>
-          <p:cNvSpPr>
-            <a:spLocks noGrp="1"/>
-          </p:cNvSpPr>
-          <p:nvPr>
-            <p:ph idx="1"/>
-          </p:nvPr>
-        </p:nvSpPr>
-        <p:spPr/>
-        <p:txBody>
-          <a:bodyPr/>
-          <a:lstStyle/>
-          <a:p>
-            <a:endParaRPr lang="zh-CN" altLang="en-US"/>
-          </a:p>
-        </p:txBody>
-      </p:sp>
+      <p:pic>
+        <p:nvPicPr>
+          <p:cNvPr id="4" name="图片 3" descr="截图里有图片&#10;&#10;描述已自动生成">
+            <a:extLst>
+              <a:ext uri="{FF2B5EF4-FFF2-40B4-BE49-F238E27FC236}">
+                <a16:creationId xmlns:a16="http://schemas.microsoft.com/office/drawing/2014/main" id="{0480443C-C8DC-4D69-AC05-5CFFE7471883}"/>
+              </a:ext>
+            </a:extLst>
+          </p:cNvPr>
+          <p:cNvPicPr>
+            <a:picLocks noChangeAspect="1"/>
+          </p:cNvPicPr>
+          <p:nvPr/>
+        </p:nvPicPr>
+        <p:blipFill>
+          <a:blip r:embed="rId2">
+            <a:extLst>
+              <a:ext uri="{28A0092B-C50C-407E-A947-70E740481C1C}">
+                <a14:useLocalDpi xmlns:a14="http://schemas.microsoft.com/office/drawing/2010/main" val="0"/>
+              </a:ext>
+            </a:extLst>
+          </a:blip>
+          <a:stretch>
+            <a:fillRect/>
+          </a:stretch>
+        </p:blipFill>
+        <p:spPr>
+          <a:xfrm>
+            <a:off x="838200" y="1479106"/>
+            <a:ext cx="9036911" cy="4662742"/>
+          </a:xfrm>
+          <a:prstGeom prst="rect">
+            <a:avLst/>
+          </a:prstGeom>
+        </p:spPr>
+      </p:pic>
     </p:spTree>
     <p:extLst>
       <p:ext uri="{BB962C8B-B14F-4D97-AF65-F5344CB8AC3E}">
         <p14:creationId xmlns:p14="http://schemas.microsoft.com/office/powerpoint/2010/main" val="2372598020"/>
-      </p:ext>
-    </p:extLst>
-  </p:cSld>
-  <p:clrMapOvr>
-    <a:masterClrMapping/>
-  </p:clrMapOvr>
-</p:sld>
-</file>
-
-<file path=ppt/slides/slide20.xml><?xml version="1.0" encoding="utf-8"?>
-<p:sld xmlns:a="http://schemas.openxmlformats.org/drawingml/2006/main" xmlns:r="http://schemas.openxmlformats.org/officeDocument/2006/relationships" xmlns:p="http://schemas.openxmlformats.org/presentationml/2006/main">
-  <p:cSld>
-    <p:spTree>
-      <p:nvGrpSpPr>
-        <p:cNvPr id="1" name=""/>
-        <p:cNvGrpSpPr/>
-        <p:nvPr/>
-      </p:nvGrpSpPr>
-      <p:grpSpPr>
-        <a:xfrm>
-          <a:off x="0" y="0"/>
-          <a:ext cx="0" cy="0"/>
-          <a:chOff x="0" y="0"/>
-          <a:chExt cx="0" cy="0"/>
-        </a:xfrm>
-      </p:grpSpPr>
-      <p:sp>
-        <p:nvSpPr>
-          <p:cNvPr id="2" name="标题 1">
-            <a:extLst>
-              <a:ext uri="{FF2B5EF4-FFF2-40B4-BE49-F238E27FC236}">
-                <a16:creationId xmlns:a16="http://schemas.microsoft.com/office/drawing/2014/main" id="{FDBDF9CE-045B-4932-BBDF-5C6982733BDC}"/>
-              </a:ext>
-            </a:extLst>
-          </p:cNvPr>
-          <p:cNvSpPr>
-            <a:spLocks noGrp="1"/>
-          </p:cNvSpPr>
-          <p:nvPr>
-            <p:ph type="title"/>
-          </p:nvPr>
-        </p:nvSpPr>
-        <p:spPr/>
-        <p:txBody>
-          <a:bodyPr/>
-          <a:lstStyle/>
-          <a:p>
-            <a:endParaRPr lang="zh-CN" altLang="en-US"/>
-          </a:p>
-        </p:txBody>
-      </p:sp>
-      <p:sp>
-        <p:nvSpPr>
-          <p:cNvPr id="3" name="内容占位符 2">
-            <a:extLst>
-              <a:ext uri="{FF2B5EF4-FFF2-40B4-BE49-F238E27FC236}">
-                <a16:creationId xmlns:a16="http://schemas.microsoft.com/office/drawing/2014/main" id="{F1450C29-D857-46FA-8467-2F45E5945D4D}"/>
-              </a:ext>
-            </a:extLst>
-          </p:cNvPr>
-          <p:cNvSpPr>
-            <a:spLocks noGrp="1"/>
-          </p:cNvSpPr>
-          <p:nvPr>
-            <p:ph idx="1"/>
-          </p:nvPr>
-        </p:nvSpPr>
-        <p:spPr/>
-        <p:txBody>
-          <a:bodyPr/>
-          <a:lstStyle/>
-          <a:p>
-            <a:endParaRPr lang="zh-CN" altLang="en-US"/>
-          </a:p>
-        </p:txBody>
-      </p:sp>
-    </p:spTree>
-    <p:extLst>
-      <p:ext uri="{BB962C8B-B14F-4D97-AF65-F5344CB8AC3E}">
-        <p14:creationId xmlns:p14="http://schemas.microsoft.com/office/powerpoint/2010/main" val="238331857"/>
       </p:ext>
     </p:extLst>
   </p:cSld>
@@ -6801,7 +6300,7 @@
           <a:p>
             <a:r>
               <a:rPr lang="en-US" altLang="zh-CN" dirty="0"/>
-              <a:t>Local steps 1/3</a:t>
+              <a:t>Local steps 1/2</a:t>
             </a:r>
             <a:endParaRPr lang="zh-CN" altLang="en-US" dirty="0"/>
           </a:p>
@@ -6809,10 +6308,10 @@
       </p:sp>
       <p:pic>
         <p:nvPicPr>
-          <p:cNvPr id="7" name="图片 6">
-            <a:extLst>
-              <a:ext uri="{FF2B5EF4-FFF2-40B4-BE49-F238E27FC236}">
-                <a16:creationId xmlns:a16="http://schemas.microsoft.com/office/drawing/2014/main" id="{AE80582D-5CA6-4EF4-A15E-B0AA9C43DED0}"/>
+          <p:cNvPr id="4" name="图片 3" descr="手机屏幕截图&#10;&#10;描述已自动生成">
+            <a:extLst>
+              <a:ext uri="{FF2B5EF4-FFF2-40B4-BE49-F238E27FC236}">
+                <a16:creationId xmlns:a16="http://schemas.microsoft.com/office/drawing/2014/main" id="{5D6C4DC2-EC74-45A8-A90D-5F06DE65F7D6}"/>
               </a:ext>
             </a:extLst>
           </p:cNvPr>
@@ -6836,7 +6335,7 @@
         <p:spPr>
           <a:xfrm>
             <a:off x="0" y="1690688"/>
-            <a:ext cx="12192000" cy="4324709"/>
+            <a:ext cx="12192000" cy="4370717"/>
           </a:xfrm>
           <a:prstGeom prst="rect">
             <a:avLst/>
@@ -6896,7 +6395,7 @@
           <a:p>
             <a:r>
               <a:rPr lang="en-US" altLang="zh-CN" dirty="0"/>
-              <a:t>Local steps 2/3</a:t>
+              <a:t>Local steps 2/2</a:t>
             </a:r>
             <a:endParaRPr lang="zh-CN" altLang="en-US" dirty="0"/>
           </a:p>
@@ -6904,10 +6403,10 @@
       </p:sp>
       <p:pic>
         <p:nvPicPr>
-          <p:cNvPr id="4" name="图片 3" descr="手机屏幕截图&#10;&#10;描述已自动生成">
-            <a:extLst>
-              <a:ext uri="{FF2B5EF4-FFF2-40B4-BE49-F238E27FC236}">
-                <a16:creationId xmlns:a16="http://schemas.microsoft.com/office/drawing/2014/main" id="{285B6ADF-4FEB-4FE3-999D-156070B3B1FE}"/>
+          <p:cNvPr id="7" name="图片 6" descr="手机屏幕截图&#10;&#10;描述已自动生成">
+            <a:extLst>
+              <a:ext uri="{FF2B5EF4-FFF2-40B4-BE49-F238E27FC236}">
+                <a16:creationId xmlns:a16="http://schemas.microsoft.com/office/drawing/2014/main" id="{55C2789E-5C8C-4493-AC51-E434DCE9E7DB}"/>
               </a:ext>
             </a:extLst>
           </p:cNvPr>
@@ -6973,7 +6472,7 @@
           <p:cNvPr id="2" name="标题 1">
             <a:extLst>
               <a:ext uri="{FF2B5EF4-FFF2-40B4-BE49-F238E27FC236}">
-                <a16:creationId xmlns:a16="http://schemas.microsoft.com/office/drawing/2014/main" id="{D15922FB-169F-42B0-B56F-4A33AF7AFCF8}"/>
+                <a16:creationId xmlns:a16="http://schemas.microsoft.com/office/drawing/2014/main" id="{FDBDF9CE-045B-4932-BBDF-5C6982733BDC}"/>
               </a:ext>
             </a:extLst>
           </p:cNvPr>
@@ -6984,14 +6483,19 @@
             <p:ph type="title"/>
           </p:nvPr>
         </p:nvSpPr>
-        <p:spPr/>
+        <p:spPr>
+          <a:xfrm>
+            <a:off x="838200" y="365125"/>
+            <a:ext cx="10515600" cy="1325563"/>
+          </a:xfrm>
+        </p:spPr>
         <p:txBody>
           <a:bodyPr/>
           <a:lstStyle/>
           <a:p>
             <a:r>
               <a:rPr lang="en-US" altLang="zh-CN" dirty="0"/>
-              <a:t>Local steps 2/3</a:t>
+              <a:t>Evaluate methods</a:t>
             </a:r>
             <a:endParaRPr lang="zh-CN" altLang="en-US" dirty="0"/>
           </a:p>
@@ -6999,88 +6503,475 @@
       </p:sp>
       <p:sp>
         <p:nvSpPr>
-          <p:cNvPr id="3" name="文本框 2">
-            <a:extLst>
-              <a:ext uri="{FF2B5EF4-FFF2-40B4-BE49-F238E27FC236}">
-                <a16:creationId xmlns:a16="http://schemas.microsoft.com/office/drawing/2014/main" id="{1FB648BC-60ED-4D44-A07F-4DB544CA042A}"/>
-              </a:ext>
-            </a:extLst>
-          </p:cNvPr>
-          <p:cNvSpPr txBox="1"/>
+          <p:cNvPr id="3" name="内容占位符 2">
+            <a:extLst>
+              <a:ext uri="{FF2B5EF4-FFF2-40B4-BE49-F238E27FC236}">
+                <a16:creationId xmlns:a16="http://schemas.microsoft.com/office/drawing/2014/main" id="{F1450C29-D857-46FA-8467-2F45E5945D4D}"/>
+              </a:ext>
+            </a:extLst>
+          </p:cNvPr>
+          <p:cNvSpPr>
+            <a:spLocks noGrp="1"/>
+          </p:cNvSpPr>
+          <p:nvPr>
+            <p:ph idx="1"/>
+          </p:nvPr>
+        </p:nvSpPr>
+        <p:spPr>
+          <a:xfrm>
+            <a:off x="838200" y="1825625"/>
+            <a:ext cx="3488703" cy="4351338"/>
+          </a:xfrm>
+        </p:spPr>
+        <p:txBody>
+          <a:bodyPr/>
+          <a:lstStyle/>
+          <a:p>
+            <a:r>
+              <a:rPr lang="en-US" altLang="zh-CN" dirty="0"/>
+              <a:t>10 worker nodes</a:t>
+            </a:r>
+          </a:p>
+          <a:p>
+            <a:r>
+              <a:rPr lang="en-US" altLang="zh-CN" dirty="0"/>
+              <a:t>4000 training data</a:t>
+            </a:r>
+          </a:p>
+          <a:p>
+            <a:r>
+              <a:rPr lang="en-US" altLang="zh-CN" dirty="0"/>
+              <a:t>10000 testing data</a:t>
+            </a:r>
+          </a:p>
+          <a:p>
+            <a:r>
+              <a:rPr lang="en-US" altLang="zh-CN" dirty="0"/>
+              <a:t>Early stop = 500</a:t>
+            </a:r>
+          </a:p>
+          <a:p>
+            <a:r>
+              <a:rPr lang="en-US" altLang="zh-CN" dirty="0"/>
+              <a:t>Local step = 1</a:t>
+            </a:r>
+          </a:p>
+        </p:txBody>
+      </p:sp>
+      <p:sp>
+        <p:nvSpPr>
+          <p:cNvPr id="5" name="矩形: 圆角 4">
+            <a:extLst>
+              <a:ext uri="{FF2B5EF4-FFF2-40B4-BE49-F238E27FC236}">
+                <a16:creationId xmlns:a16="http://schemas.microsoft.com/office/drawing/2014/main" id="{996E3386-A65C-4825-8D85-4890CD7BB2C4}"/>
+              </a:ext>
+            </a:extLst>
+          </p:cNvPr>
+          <p:cNvSpPr/>
           <p:nvPr/>
         </p:nvSpPr>
         <p:spPr>
           <a:xfrm>
-            <a:off x="4732256" y="6400800"/>
-            <a:ext cx="4647414" cy="369332"/>
-          </a:xfrm>
-          <a:prstGeom prst="rect">
+            <a:off x="7585435" y="1913643"/>
+            <a:ext cx="2185447" cy="669302"/>
+          </a:xfrm>
+          <a:prstGeom prst="roundRect">
             <a:avLst/>
           </a:prstGeom>
-          <a:noFill/>
-        </p:spPr>
-        <p:txBody>
-          <a:bodyPr wrap="square" rtlCol="0">
-            <a:spAutoFit/>
-          </a:bodyPr>
-          <a:lstStyle/>
-          <a:p>
-            <a:r>
-              <a:rPr lang="en-US" altLang="zh-CN" dirty="0"/>
-              <a:t>Variance from the 10</a:t>
-            </a:r>
-            <a:r>
-              <a:rPr lang="en-US" altLang="zh-CN" baseline="30000" dirty="0"/>
-              <a:t>th</a:t>
-            </a:r>
-            <a:r>
-              <a:rPr lang="en-US" altLang="zh-CN" dirty="0"/>
-              <a:t> window on</a:t>
-            </a:r>
-            <a:endParaRPr lang="zh-CN" altLang="en-US" dirty="0"/>
-          </a:p>
-        </p:txBody>
-      </p:sp>
-      <p:pic>
-        <p:nvPicPr>
-          <p:cNvPr id="5" name="图片 4" descr="手机屏幕截图&#10;&#10;描述已自动生成">
-            <a:extLst>
-              <a:ext uri="{FF2B5EF4-FFF2-40B4-BE49-F238E27FC236}">
-                <a16:creationId xmlns:a16="http://schemas.microsoft.com/office/drawing/2014/main" id="{AA956258-23EB-4E43-BBD5-04B40BCA1BEC}"/>
-              </a:ext>
-            </a:extLst>
-          </p:cNvPr>
-          <p:cNvPicPr>
-            <a:picLocks noChangeAspect="1"/>
-          </p:cNvPicPr>
+        </p:spPr>
+        <p:style>
+          <a:lnRef idx="2">
+            <a:schemeClr val="accent1">
+              <a:shade val="50000"/>
+            </a:schemeClr>
+          </a:lnRef>
+          <a:fillRef idx="1">
+            <a:schemeClr val="accent1"/>
+          </a:fillRef>
+          <a:effectRef idx="0">
+            <a:schemeClr val="accent1"/>
+          </a:effectRef>
+          <a:fontRef idx="minor">
+            <a:schemeClr val="lt1"/>
+          </a:fontRef>
+        </p:style>
+        <p:txBody>
+          <a:bodyPr rtlCol="0" anchor="ctr"/>
+          <a:lstStyle/>
+          <a:p>
+            <a:pPr algn="ctr"/>
+            <a:r>
+              <a:rPr lang="en-US" altLang="zh-CN" sz="2800" dirty="0"/>
+              <a:t>Evaluate</a:t>
+            </a:r>
+            <a:endParaRPr lang="zh-CN" altLang="en-US" sz="2800" dirty="0"/>
+          </a:p>
+        </p:txBody>
+      </p:sp>
+      <p:sp>
+        <p:nvSpPr>
+          <p:cNvPr id="6" name="矩形: 圆角 5">
+            <a:extLst>
+              <a:ext uri="{FF2B5EF4-FFF2-40B4-BE49-F238E27FC236}">
+                <a16:creationId xmlns:a16="http://schemas.microsoft.com/office/drawing/2014/main" id="{3B2CBE93-8119-43E3-AEDA-6DF38C068839}"/>
+              </a:ext>
+            </a:extLst>
+          </p:cNvPr>
+          <p:cNvSpPr/>
           <p:nvPr/>
-        </p:nvPicPr>
-        <p:blipFill>
-          <a:blip r:embed="rId2">
-            <a:extLst>
-              <a:ext uri="{28A0092B-C50C-407E-A947-70E740481C1C}">
-                <a14:useLocalDpi xmlns:a14="http://schemas.microsoft.com/office/drawing/2010/main" val="0"/>
-              </a:ext>
-            </a:extLst>
-          </a:blip>
-          <a:stretch>
-            <a:fillRect/>
-          </a:stretch>
-        </p:blipFill>
-        <p:spPr>
-          <a:xfrm>
-            <a:off x="0" y="1690688"/>
-            <a:ext cx="12192000" cy="4248556"/>
-          </a:xfrm>
-          <a:prstGeom prst="rect">
+        </p:nvSpPr>
+        <p:spPr>
+          <a:xfrm>
+            <a:off x="5087331" y="1913643"/>
+            <a:ext cx="2185447" cy="669302"/>
+          </a:xfrm>
+          <a:prstGeom prst="roundRect">
             <a:avLst/>
           </a:prstGeom>
         </p:spPr>
-      </p:pic>
+        <p:style>
+          <a:lnRef idx="2">
+            <a:schemeClr val="accent1">
+              <a:shade val="50000"/>
+            </a:schemeClr>
+          </a:lnRef>
+          <a:fillRef idx="1">
+            <a:schemeClr val="accent1"/>
+          </a:fillRef>
+          <a:effectRef idx="0">
+            <a:schemeClr val="accent1"/>
+          </a:effectRef>
+          <a:fontRef idx="minor">
+            <a:schemeClr val="lt1"/>
+          </a:fontRef>
+        </p:style>
+        <p:txBody>
+          <a:bodyPr rtlCol="0" anchor="ctr"/>
+          <a:lstStyle/>
+          <a:p>
+            <a:pPr algn="ctr"/>
+            <a:r>
+              <a:rPr lang="en-US" altLang="zh-CN" sz="2800" dirty="0"/>
+              <a:t>If </a:t>
+            </a:r>
+            <a:r>
+              <a:rPr lang="en-US" altLang="zh-CN" sz="2800" dirty="0" err="1"/>
+              <a:t>iid</a:t>
+            </a:r>
+            <a:r>
+              <a:rPr lang="en-US" altLang="zh-CN" sz="2800" dirty="0"/>
+              <a:t>?</a:t>
+            </a:r>
+            <a:endParaRPr lang="zh-CN" altLang="en-US" sz="2800" dirty="0"/>
+          </a:p>
+        </p:txBody>
+      </p:sp>
+      <p:sp>
+        <p:nvSpPr>
+          <p:cNvPr id="7" name="矩形: 剪去对角 6">
+            <a:extLst>
+              <a:ext uri="{FF2B5EF4-FFF2-40B4-BE49-F238E27FC236}">
+                <a16:creationId xmlns:a16="http://schemas.microsoft.com/office/drawing/2014/main" id="{35F10668-2383-4708-B682-F98E48B383F6}"/>
+              </a:ext>
+            </a:extLst>
+          </p:cNvPr>
+          <p:cNvSpPr/>
+          <p:nvPr/>
+        </p:nvSpPr>
+        <p:spPr>
+          <a:xfrm>
+            <a:off x="5636440" y="2980296"/>
+            <a:ext cx="1075444" cy="575034"/>
+          </a:xfrm>
+          <a:prstGeom prst="snip2DiagRect">
+            <a:avLst/>
+          </a:prstGeom>
+        </p:spPr>
+        <p:style>
+          <a:lnRef idx="2">
+            <a:schemeClr val="accent1"/>
+          </a:lnRef>
+          <a:fillRef idx="1">
+            <a:schemeClr val="lt1"/>
+          </a:fillRef>
+          <a:effectRef idx="0">
+            <a:schemeClr val="accent1"/>
+          </a:effectRef>
+          <a:fontRef idx="minor">
+            <a:schemeClr val="dk1"/>
+          </a:fontRef>
+        </p:style>
+        <p:txBody>
+          <a:bodyPr rtlCol="0" anchor="ctr"/>
+          <a:lstStyle/>
+          <a:p>
+            <a:pPr algn="ctr"/>
+            <a:r>
+              <a:rPr lang="en-US" altLang="zh-CN" sz="2800" dirty="0"/>
+              <a:t>2</a:t>
+            </a:r>
+            <a:endParaRPr lang="zh-CN" altLang="en-US" sz="2800" dirty="0"/>
+          </a:p>
+        </p:txBody>
+      </p:sp>
+      <p:sp>
+        <p:nvSpPr>
+          <p:cNvPr id="8" name="矩形: 剪去对角 7">
+            <a:extLst>
+              <a:ext uri="{FF2B5EF4-FFF2-40B4-BE49-F238E27FC236}">
+                <a16:creationId xmlns:a16="http://schemas.microsoft.com/office/drawing/2014/main" id="{9C38B94B-50DB-4599-9E48-E70566385DFC}"/>
+              </a:ext>
+            </a:extLst>
+          </p:cNvPr>
+          <p:cNvSpPr/>
+          <p:nvPr/>
+        </p:nvSpPr>
+        <p:spPr>
+          <a:xfrm>
+            <a:off x="5636440" y="3783145"/>
+            <a:ext cx="1075444" cy="575034"/>
+          </a:xfrm>
+          <a:prstGeom prst="snip2DiagRect">
+            <a:avLst/>
+          </a:prstGeom>
+        </p:spPr>
+        <p:style>
+          <a:lnRef idx="2">
+            <a:schemeClr val="accent1"/>
+          </a:lnRef>
+          <a:fillRef idx="1">
+            <a:schemeClr val="lt1"/>
+          </a:fillRef>
+          <a:effectRef idx="0">
+            <a:schemeClr val="accent1"/>
+          </a:effectRef>
+          <a:fontRef idx="minor">
+            <a:schemeClr val="dk1"/>
+          </a:fontRef>
+        </p:style>
+        <p:txBody>
+          <a:bodyPr rtlCol="0" anchor="ctr"/>
+          <a:lstStyle/>
+          <a:p>
+            <a:pPr algn="ctr"/>
+            <a:r>
+              <a:rPr lang="en-US" altLang="zh-CN" sz="2800" dirty="0"/>
+              <a:t>5</a:t>
+            </a:r>
+            <a:endParaRPr lang="zh-CN" altLang="en-US" sz="2800" dirty="0"/>
+          </a:p>
+        </p:txBody>
+      </p:sp>
+      <p:sp>
+        <p:nvSpPr>
+          <p:cNvPr id="9" name="矩形: 剪去对角 8">
+            <a:extLst>
+              <a:ext uri="{FF2B5EF4-FFF2-40B4-BE49-F238E27FC236}">
+                <a16:creationId xmlns:a16="http://schemas.microsoft.com/office/drawing/2014/main" id="{B9BA5710-385D-4777-909C-AD9CF504F2D4}"/>
+              </a:ext>
+            </a:extLst>
+          </p:cNvPr>
+          <p:cNvSpPr/>
+          <p:nvPr/>
+        </p:nvSpPr>
+        <p:spPr>
+          <a:xfrm>
+            <a:off x="5636440" y="4585995"/>
+            <a:ext cx="1075444" cy="575034"/>
+          </a:xfrm>
+          <a:prstGeom prst="snip2DiagRect">
+            <a:avLst/>
+          </a:prstGeom>
+        </p:spPr>
+        <p:style>
+          <a:lnRef idx="2">
+            <a:schemeClr val="accent1"/>
+          </a:lnRef>
+          <a:fillRef idx="1">
+            <a:schemeClr val="lt1"/>
+          </a:fillRef>
+          <a:effectRef idx="0">
+            <a:schemeClr val="accent1"/>
+          </a:effectRef>
+          <a:fontRef idx="minor">
+            <a:schemeClr val="dk1"/>
+          </a:fontRef>
+        </p:style>
+        <p:txBody>
+          <a:bodyPr rtlCol="0" anchor="ctr"/>
+          <a:lstStyle/>
+          <a:p>
+            <a:pPr algn="ctr"/>
+            <a:r>
+              <a:rPr lang="en-US" altLang="zh-CN" sz="2800" dirty="0" err="1"/>
+              <a:t>iid</a:t>
+            </a:r>
+            <a:endParaRPr lang="zh-CN" altLang="en-US" sz="2800" dirty="0"/>
+          </a:p>
+        </p:txBody>
+      </p:sp>
+      <p:sp>
+        <p:nvSpPr>
+          <p:cNvPr id="10" name="矩形: 剪去对角 9">
+            <a:extLst>
+              <a:ext uri="{FF2B5EF4-FFF2-40B4-BE49-F238E27FC236}">
+                <a16:creationId xmlns:a16="http://schemas.microsoft.com/office/drawing/2014/main" id="{F93E1A87-E238-4217-A635-767346535398}"/>
+              </a:ext>
+            </a:extLst>
+          </p:cNvPr>
+          <p:cNvSpPr/>
+          <p:nvPr/>
+        </p:nvSpPr>
+        <p:spPr>
+          <a:xfrm>
+            <a:off x="7585435" y="2980296"/>
+            <a:ext cx="2111214" cy="575034"/>
+          </a:xfrm>
+          <a:prstGeom prst="snip2DiagRect">
+            <a:avLst/>
+          </a:prstGeom>
+        </p:spPr>
+        <p:style>
+          <a:lnRef idx="2">
+            <a:schemeClr val="accent1"/>
+          </a:lnRef>
+          <a:fillRef idx="1">
+            <a:schemeClr val="lt1"/>
+          </a:fillRef>
+          <a:effectRef idx="0">
+            <a:schemeClr val="accent1"/>
+          </a:effectRef>
+          <a:fontRef idx="minor">
+            <a:schemeClr val="dk1"/>
+          </a:fontRef>
+        </p:style>
+        <p:txBody>
+          <a:bodyPr rtlCol="0" anchor="ctr"/>
+          <a:lstStyle/>
+          <a:p>
+            <a:pPr algn="ctr"/>
+            <a:r>
+              <a:rPr lang="en-US" altLang="zh-CN" sz="2800" dirty="0"/>
+              <a:t>Central</a:t>
+            </a:r>
+            <a:endParaRPr lang="zh-CN" altLang="en-US" sz="2800" dirty="0"/>
+          </a:p>
+        </p:txBody>
+      </p:sp>
+      <p:sp>
+        <p:nvSpPr>
+          <p:cNvPr id="12" name="矩形: 剪去对角 11">
+            <a:extLst>
+              <a:ext uri="{FF2B5EF4-FFF2-40B4-BE49-F238E27FC236}">
+                <a16:creationId xmlns:a16="http://schemas.microsoft.com/office/drawing/2014/main" id="{2585EF06-8BBC-4818-87AB-FAA8BA4E0406}"/>
+              </a:ext>
+            </a:extLst>
+          </p:cNvPr>
+          <p:cNvSpPr/>
+          <p:nvPr/>
+        </p:nvSpPr>
+        <p:spPr>
+          <a:xfrm>
+            <a:off x="7585434" y="3783145"/>
+            <a:ext cx="3597897" cy="802850"/>
+          </a:xfrm>
+          <a:prstGeom prst="snip2DiagRect">
+            <a:avLst/>
+          </a:prstGeom>
+        </p:spPr>
+        <p:style>
+          <a:lnRef idx="2">
+            <a:schemeClr val="accent1"/>
+          </a:lnRef>
+          <a:fillRef idx="1">
+            <a:schemeClr val="lt1"/>
+          </a:fillRef>
+          <a:effectRef idx="0">
+            <a:schemeClr val="accent1"/>
+          </a:effectRef>
+          <a:fontRef idx="minor">
+            <a:schemeClr val="dk1"/>
+          </a:fontRef>
+        </p:style>
+        <p:txBody>
+          <a:bodyPr rtlCol="0" anchor="ctr"/>
+          <a:lstStyle/>
+          <a:p>
+            <a:pPr algn="ctr"/>
+            <a:r>
+              <a:rPr lang="en-US" altLang="zh-CN" sz="2400" dirty="0"/>
+              <a:t>Node – this epoch</a:t>
+            </a:r>
+          </a:p>
+          <a:p>
+            <a:pPr algn="ctr"/>
+            <a:r>
+              <a:rPr lang="en-US" altLang="zh-CN" sz="2400" dirty="0"/>
+              <a:t>(before average model)</a:t>
+            </a:r>
+            <a:endParaRPr lang="zh-CN" altLang="en-US" sz="2400" dirty="0"/>
+          </a:p>
+        </p:txBody>
+      </p:sp>
+      <p:sp>
+        <p:nvSpPr>
+          <p:cNvPr id="13" name="矩形: 剪去对角 12">
+            <a:extLst>
+              <a:ext uri="{FF2B5EF4-FFF2-40B4-BE49-F238E27FC236}">
+                <a16:creationId xmlns:a16="http://schemas.microsoft.com/office/drawing/2014/main" id="{7B38DE94-9CA6-487C-B25A-DB89C409F65E}"/>
+              </a:ext>
+            </a:extLst>
+          </p:cNvPr>
+          <p:cNvSpPr/>
+          <p:nvPr/>
+        </p:nvSpPr>
+        <p:spPr>
+          <a:xfrm>
+            <a:off x="7585434" y="4813810"/>
+            <a:ext cx="3597897" cy="802850"/>
+          </a:xfrm>
+          <a:prstGeom prst="snip2DiagRect">
+            <a:avLst/>
+          </a:prstGeom>
+        </p:spPr>
+        <p:style>
+          <a:lnRef idx="2">
+            <a:schemeClr val="accent1"/>
+          </a:lnRef>
+          <a:fillRef idx="1">
+            <a:schemeClr val="lt1"/>
+          </a:fillRef>
+          <a:effectRef idx="0">
+            <a:schemeClr val="accent1"/>
+          </a:effectRef>
+          <a:fontRef idx="minor">
+            <a:schemeClr val="dk1"/>
+          </a:fontRef>
+        </p:style>
+        <p:txBody>
+          <a:bodyPr rtlCol="0" anchor="ctr"/>
+          <a:lstStyle/>
+          <a:p>
+            <a:pPr algn="ctr"/>
+            <a:r>
+              <a:rPr lang="en-US" altLang="zh-CN" sz="2400" dirty="0"/>
+              <a:t>Node – last epoch</a:t>
+            </a:r>
+          </a:p>
+          <a:p>
+            <a:pPr algn="ctr"/>
+            <a:r>
+              <a:rPr lang="en-US" altLang="zh-CN" sz="2400" dirty="0"/>
+              <a:t>(after average model)</a:t>
+            </a:r>
+            <a:endParaRPr lang="zh-CN" altLang="en-US" sz="2400" dirty="0"/>
+          </a:p>
+        </p:txBody>
+      </p:sp>
     </p:spTree>
     <p:extLst>
       <p:ext uri="{BB962C8B-B14F-4D97-AF65-F5344CB8AC3E}">
-        <p14:creationId xmlns:p14="http://schemas.microsoft.com/office/powerpoint/2010/main" val="1214812811"/>
+        <p14:creationId xmlns:p14="http://schemas.microsoft.com/office/powerpoint/2010/main" val="1456233125"/>
       </p:ext>
     </p:extLst>
   </p:cSld>
@@ -7112,7 +7003,7 @@
           <p:cNvPr id="2" name="标题 1">
             <a:extLst>
               <a:ext uri="{FF2B5EF4-FFF2-40B4-BE49-F238E27FC236}">
-                <a16:creationId xmlns:a16="http://schemas.microsoft.com/office/drawing/2014/main" id="{FDBDF9CE-045B-4932-BBDF-5C6982733BDC}"/>
+                <a16:creationId xmlns:a16="http://schemas.microsoft.com/office/drawing/2014/main" id="{B9F4BB03-6ADB-4866-846C-AA16BF9B2096}"/>
               </a:ext>
             </a:extLst>
           </p:cNvPr>
@@ -7123,495 +7014,70 @@
             <p:ph type="title"/>
           </p:nvPr>
         </p:nvSpPr>
-        <p:spPr>
-          <a:xfrm>
-            <a:off x="838200" y="365125"/>
-            <a:ext cx="10515600" cy="1325563"/>
-          </a:xfrm>
-        </p:spPr>
+        <p:spPr/>
         <p:txBody>
           <a:bodyPr/>
           <a:lstStyle/>
           <a:p>
             <a:r>
               <a:rPr lang="en-US" altLang="zh-CN" dirty="0"/>
-              <a:t>Evaluate methods</a:t>
+              <a:t>Evaluate methods 1/1</a:t>
             </a:r>
             <a:endParaRPr lang="zh-CN" altLang="en-US" dirty="0"/>
           </a:p>
         </p:txBody>
       </p:sp>
-      <p:sp>
-        <p:nvSpPr>
-          <p:cNvPr id="3" name="内容占位符 2">
-            <a:extLst>
-              <a:ext uri="{FF2B5EF4-FFF2-40B4-BE49-F238E27FC236}">
-                <a16:creationId xmlns:a16="http://schemas.microsoft.com/office/drawing/2014/main" id="{F1450C29-D857-46FA-8467-2F45E5945D4D}"/>
-              </a:ext>
-            </a:extLst>
-          </p:cNvPr>
-          <p:cNvSpPr>
-            <a:spLocks noGrp="1"/>
-          </p:cNvSpPr>
-          <p:nvPr>
-            <p:ph idx="1"/>
-          </p:nvPr>
-        </p:nvSpPr>
-        <p:spPr>
-          <a:xfrm>
-            <a:off x="838200" y="1825625"/>
-            <a:ext cx="3488703" cy="4351338"/>
-          </a:xfrm>
-        </p:spPr>
-        <p:txBody>
-          <a:bodyPr/>
-          <a:lstStyle/>
-          <a:p>
-            <a:r>
-              <a:rPr lang="en-US" altLang="zh-CN" dirty="0"/>
-              <a:t>10 worker nodes</a:t>
-            </a:r>
-          </a:p>
-          <a:p>
-            <a:r>
-              <a:rPr lang="en-US" altLang="zh-CN" dirty="0"/>
-              <a:t>4000 training data</a:t>
-            </a:r>
-          </a:p>
-          <a:p>
-            <a:r>
-              <a:rPr lang="en-US" altLang="zh-CN" dirty="0"/>
-              <a:t>10000 testing data</a:t>
-            </a:r>
-          </a:p>
-          <a:p>
-            <a:r>
-              <a:rPr lang="en-US" altLang="zh-CN" dirty="0"/>
-              <a:t>Early stop = 500</a:t>
-            </a:r>
-          </a:p>
-          <a:p>
-            <a:r>
-              <a:rPr lang="en-US" altLang="zh-CN" dirty="0"/>
-              <a:t>Local step = 1</a:t>
-            </a:r>
-          </a:p>
-        </p:txBody>
-      </p:sp>
-      <p:sp>
-        <p:nvSpPr>
-          <p:cNvPr id="5" name="矩形: 圆角 4">
-            <a:extLst>
-              <a:ext uri="{FF2B5EF4-FFF2-40B4-BE49-F238E27FC236}">
-                <a16:creationId xmlns:a16="http://schemas.microsoft.com/office/drawing/2014/main" id="{996E3386-A65C-4825-8D85-4890CD7BB2C4}"/>
-              </a:ext>
-            </a:extLst>
-          </p:cNvPr>
-          <p:cNvSpPr/>
+      <p:pic>
+        <p:nvPicPr>
+          <p:cNvPr id="1026" name="Picture 2">
+            <a:extLst>
+              <a:ext uri="{FF2B5EF4-FFF2-40B4-BE49-F238E27FC236}">
+                <a16:creationId xmlns:a16="http://schemas.microsoft.com/office/drawing/2014/main" id="{5E1627DC-66ED-4DA3-AD93-C29C3D2BB488}"/>
+              </a:ext>
+            </a:extLst>
+          </p:cNvPr>
+          <p:cNvPicPr>
+            <a:picLocks noChangeAspect="1" noChangeArrowheads="1"/>
+          </p:cNvPicPr>
           <p:nvPr/>
-        </p:nvSpPr>
-        <p:spPr>
-          <a:xfrm>
-            <a:off x="7585435" y="1913643"/>
-            <a:ext cx="2185447" cy="669302"/>
-          </a:xfrm>
-          <a:prstGeom prst="roundRect">
+        </p:nvPicPr>
+        <p:blipFill>
+          <a:blip r:embed="rId2">
+            <a:extLst>
+              <a:ext uri="{28A0092B-C50C-407E-A947-70E740481C1C}">
+                <a14:useLocalDpi xmlns:a14="http://schemas.microsoft.com/office/drawing/2010/main" val="0"/>
+              </a:ext>
+            </a:extLst>
+          </a:blip>
+          <a:srcRect/>
+          <a:stretch>
+            <a:fillRect/>
+          </a:stretch>
+        </p:blipFill>
+        <p:spPr bwMode="auto">
+          <a:xfrm>
+            <a:off x="-1440" y="1690688"/>
+            <a:ext cx="12193440" cy="4338490"/>
+          </a:xfrm>
+          <a:prstGeom prst="rect">
             <a:avLst/>
           </a:prstGeom>
-        </p:spPr>
-        <p:style>
-          <a:lnRef idx="2">
-            <a:schemeClr val="accent1">
-              <a:shade val="50000"/>
-            </a:schemeClr>
-          </a:lnRef>
-          <a:fillRef idx="1">
-            <a:schemeClr val="accent1"/>
-          </a:fillRef>
-          <a:effectRef idx="0">
-            <a:schemeClr val="accent1"/>
-          </a:effectRef>
-          <a:fontRef idx="minor">
-            <a:schemeClr val="lt1"/>
-          </a:fontRef>
-        </p:style>
-        <p:txBody>
-          <a:bodyPr rtlCol="0" anchor="ctr"/>
-          <a:lstStyle/>
-          <a:p>
-            <a:pPr algn="ctr"/>
-            <a:r>
-              <a:rPr lang="en-US" altLang="zh-CN" sz="2800" dirty="0"/>
-              <a:t>Evaluate</a:t>
-            </a:r>
-            <a:endParaRPr lang="zh-CN" altLang="en-US" sz="2800" dirty="0"/>
-          </a:p>
-        </p:txBody>
-      </p:sp>
-      <p:sp>
-        <p:nvSpPr>
-          <p:cNvPr id="6" name="矩形: 圆角 5">
-            <a:extLst>
-              <a:ext uri="{FF2B5EF4-FFF2-40B4-BE49-F238E27FC236}">
-                <a16:creationId xmlns:a16="http://schemas.microsoft.com/office/drawing/2014/main" id="{3B2CBE93-8119-43E3-AEDA-6DF38C068839}"/>
-              </a:ext>
-            </a:extLst>
-          </p:cNvPr>
-          <p:cNvSpPr/>
-          <p:nvPr/>
-        </p:nvSpPr>
-        <p:spPr>
-          <a:xfrm>
-            <a:off x="5087331" y="1913643"/>
-            <a:ext cx="2185447" cy="669302"/>
-          </a:xfrm>
-          <a:prstGeom prst="roundRect">
-            <a:avLst/>
-          </a:prstGeom>
-        </p:spPr>
-        <p:style>
-          <a:lnRef idx="2">
-            <a:schemeClr val="accent1">
-              <a:shade val="50000"/>
-            </a:schemeClr>
-          </a:lnRef>
-          <a:fillRef idx="1">
-            <a:schemeClr val="accent1"/>
-          </a:fillRef>
-          <a:effectRef idx="0">
-            <a:schemeClr val="accent1"/>
-          </a:effectRef>
-          <a:fontRef idx="minor">
-            <a:schemeClr val="lt1"/>
-          </a:fontRef>
-        </p:style>
-        <p:txBody>
-          <a:bodyPr rtlCol="0" anchor="ctr"/>
-          <a:lstStyle/>
-          <a:p>
-            <a:pPr algn="ctr"/>
-            <a:r>
-              <a:rPr lang="en-US" altLang="zh-CN" sz="2800" dirty="0"/>
-              <a:t>If </a:t>
-            </a:r>
-            <a:r>
-              <a:rPr lang="en-US" altLang="zh-CN" sz="2800" dirty="0" err="1"/>
-              <a:t>iid</a:t>
-            </a:r>
-            <a:r>
-              <a:rPr lang="en-US" altLang="zh-CN" sz="2800" dirty="0"/>
-              <a:t>?</a:t>
-            </a:r>
-            <a:endParaRPr lang="zh-CN" altLang="en-US" sz="2800" dirty="0"/>
-          </a:p>
-        </p:txBody>
-      </p:sp>
-      <p:sp>
-        <p:nvSpPr>
-          <p:cNvPr id="7" name="矩形: 剪去对角 6">
-            <a:extLst>
-              <a:ext uri="{FF2B5EF4-FFF2-40B4-BE49-F238E27FC236}">
-                <a16:creationId xmlns:a16="http://schemas.microsoft.com/office/drawing/2014/main" id="{35F10668-2383-4708-B682-F98E48B383F6}"/>
-              </a:ext>
-            </a:extLst>
-          </p:cNvPr>
-          <p:cNvSpPr/>
-          <p:nvPr/>
-        </p:nvSpPr>
-        <p:spPr>
-          <a:xfrm>
-            <a:off x="5636440" y="2980296"/>
-            <a:ext cx="1075444" cy="575034"/>
-          </a:xfrm>
-          <a:prstGeom prst="snip2DiagRect">
-            <a:avLst/>
-          </a:prstGeom>
-        </p:spPr>
-        <p:style>
-          <a:lnRef idx="2">
-            <a:schemeClr val="accent1"/>
-          </a:lnRef>
-          <a:fillRef idx="1">
-            <a:schemeClr val="lt1"/>
-          </a:fillRef>
-          <a:effectRef idx="0">
-            <a:schemeClr val="accent1"/>
-          </a:effectRef>
-          <a:fontRef idx="minor">
-            <a:schemeClr val="dk1"/>
-          </a:fontRef>
-        </p:style>
-        <p:txBody>
-          <a:bodyPr rtlCol="0" anchor="ctr"/>
-          <a:lstStyle/>
-          <a:p>
-            <a:pPr algn="ctr"/>
-            <a:r>
-              <a:rPr lang="en-US" altLang="zh-CN" sz="2800" dirty="0"/>
-              <a:t>2</a:t>
-            </a:r>
-            <a:endParaRPr lang="zh-CN" altLang="en-US" sz="2800" dirty="0"/>
-          </a:p>
-        </p:txBody>
-      </p:sp>
-      <p:sp>
-        <p:nvSpPr>
-          <p:cNvPr id="8" name="矩形: 剪去对角 7">
-            <a:extLst>
-              <a:ext uri="{FF2B5EF4-FFF2-40B4-BE49-F238E27FC236}">
-                <a16:creationId xmlns:a16="http://schemas.microsoft.com/office/drawing/2014/main" id="{9C38B94B-50DB-4599-9E48-E70566385DFC}"/>
-              </a:ext>
-            </a:extLst>
-          </p:cNvPr>
-          <p:cNvSpPr/>
-          <p:nvPr/>
-        </p:nvSpPr>
-        <p:spPr>
-          <a:xfrm>
-            <a:off x="5636440" y="3783145"/>
-            <a:ext cx="1075444" cy="575034"/>
-          </a:xfrm>
-          <a:prstGeom prst="snip2DiagRect">
-            <a:avLst/>
-          </a:prstGeom>
-        </p:spPr>
-        <p:style>
-          <a:lnRef idx="2">
-            <a:schemeClr val="accent1"/>
-          </a:lnRef>
-          <a:fillRef idx="1">
-            <a:schemeClr val="lt1"/>
-          </a:fillRef>
-          <a:effectRef idx="0">
-            <a:schemeClr val="accent1"/>
-          </a:effectRef>
-          <a:fontRef idx="minor">
-            <a:schemeClr val="dk1"/>
-          </a:fontRef>
-        </p:style>
-        <p:txBody>
-          <a:bodyPr rtlCol="0" anchor="ctr"/>
-          <a:lstStyle/>
-          <a:p>
-            <a:pPr algn="ctr"/>
-            <a:r>
-              <a:rPr lang="en-US" altLang="zh-CN" sz="2800" dirty="0"/>
-              <a:t>5</a:t>
-            </a:r>
-            <a:endParaRPr lang="zh-CN" altLang="en-US" sz="2800" dirty="0"/>
-          </a:p>
-        </p:txBody>
-      </p:sp>
-      <p:sp>
-        <p:nvSpPr>
-          <p:cNvPr id="9" name="矩形: 剪去对角 8">
-            <a:extLst>
-              <a:ext uri="{FF2B5EF4-FFF2-40B4-BE49-F238E27FC236}">
-                <a16:creationId xmlns:a16="http://schemas.microsoft.com/office/drawing/2014/main" id="{B9BA5710-385D-4777-909C-AD9CF504F2D4}"/>
-              </a:ext>
-            </a:extLst>
-          </p:cNvPr>
-          <p:cNvSpPr/>
-          <p:nvPr/>
-        </p:nvSpPr>
-        <p:spPr>
-          <a:xfrm>
-            <a:off x="5636440" y="4585995"/>
-            <a:ext cx="1075444" cy="575034"/>
-          </a:xfrm>
-          <a:prstGeom prst="snip2DiagRect">
-            <a:avLst/>
-          </a:prstGeom>
-        </p:spPr>
-        <p:style>
-          <a:lnRef idx="2">
-            <a:schemeClr val="accent1"/>
-          </a:lnRef>
-          <a:fillRef idx="1">
-            <a:schemeClr val="lt1"/>
-          </a:fillRef>
-          <a:effectRef idx="0">
-            <a:schemeClr val="accent1"/>
-          </a:effectRef>
-          <a:fontRef idx="minor">
-            <a:schemeClr val="dk1"/>
-          </a:fontRef>
-        </p:style>
-        <p:txBody>
-          <a:bodyPr rtlCol="0" anchor="ctr"/>
-          <a:lstStyle/>
-          <a:p>
-            <a:pPr algn="ctr"/>
-            <a:r>
-              <a:rPr lang="en-US" altLang="zh-CN" sz="2800" dirty="0" err="1"/>
-              <a:t>iid</a:t>
-            </a:r>
-            <a:endParaRPr lang="zh-CN" altLang="en-US" sz="2800" dirty="0"/>
-          </a:p>
-        </p:txBody>
-      </p:sp>
-      <p:sp>
-        <p:nvSpPr>
-          <p:cNvPr id="10" name="矩形: 剪去对角 9">
-            <a:extLst>
-              <a:ext uri="{FF2B5EF4-FFF2-40B4-BE49-F238E27FC236}">
-                <a16:creationId xmlns:a16="http://schemas.microsoft.com/office/drawing/2014/main" id="{F93E1A87-E238-4217-A635-767346535398}"/>
-              </a:ext>
-            </a:extLst>
-          </p:cNvPr>
-          <p:cNvSpPr/>
-          <p:nvPr/>
-        </p:nvSpPr>
-        <p:spPr>
-          <a:xfrm>
-            <a:off x="7585435" y="2980296"/>
-            <a:ext cx="2111214" cy="575034"/>
-          </a:xfrm>
-          <a:prstGeom prst="snip2DiagRect">
-            <a:avLst/>
-          </a:prstGeom>
-        </p:spPr>
-        <p:style>
-          <a:lnRef idx="2">
-            <a:schemeClr val="accent1"/>
-          </a:lnRef>
-          <a:fillRef idx="1">
-            <a:schemeClr val="lt1"/>
-          </a:fillRef>
-          <a:effectRef idx="0">
-            <a:schemeClr val="accent1"/>
-          </a:effectRef>
-          <a:fontRef idx="minor">
-            <a:schemeClr val="dk1"/>
-          </a:fontRef>
-        </p:style>
-        <p:txBody>
-          <a:bodyPr rtlCol="0" anchor="ctr"/>
-          <a:lstStyle/>
-          <a:p>
-            <a:pPr algn="ctr"/>
-            <a:r>
-              <a:rPr lang="en-US" altLang="zh-CN" sz="2800" dirty="0"/>
-              <a:t>Central</a:t>
-            </a:r>
-            <a:endParaRPr lang="zh-CN" altLang="en-US" sz="2800" dirty="0"/>
-          </a:p>
-        </p:txBody>
-      </p:sp>
-      <p:sp>
-        <p:nvSpPr>
-          <p:cNvPr id="12" name="矩形: 剪去对角 11">
-            <a:extLst>
-              <a:ext uri="{FF2B5EF4-FFF2-40B4-BE49-F238E27FC236}">
-                <a16:creationId xmlns:a16="http://schemas.microsoft.com/office/drawing/2014/main" id="{2585EF06-8BBC-4818-87AB-FAA8BA4E0406}"/>
-              </a:ext>
-            </a:extLst>
-          </p:cNvPr>
-          <p:cNvSpPr/>
-          <p:nvPr/>
-        </p:nvSpPr>
-        <p:spPr>
-          <a:xfrm>
-            <a:off x="7585434" y="3783145"/>
-            <a:ext cx="3597897" cy="802850"/>
-          </a:xfrm>
-          <a:prstGeom prst="snip2DiagRect">
-            <a:avLst/>
-          </a:prstGeom>
-        </p:spPr>
-        <p:style>
-          <a:lnRef idx="2">
-            <a:schemeClr val="accent1"/>
-          </a:lnRef>
-          <a:fillRef idx="1">
-            <a:schemeClr val="lt1"/>
-          </a:fillRef>
-          <a:effectRef idx="0">
-            <a:schemeClr val="accent1"/>
-          </a:effectRef>
-          <a:fontRef idx="minor">
-            <a:schemeClr val="dk1"/>
-          </a:fontRef>
-        </p:style>
-        <p:txBody>
-          <a:bodyPr rtlCol="0" anchor="ctr"/>
-          <a:lstStyle/>
-          <a:p>
-            <a:pPr algn="ctr"/>
-            <a:r>
-              <a:rPr lang="en-US" altLang="zh-CN" sz="2400" dirty="0"/>
-              <a:t>Node – this epoch</a:t>
-            </a:r>
-          </a:p>
-          <a:p>
-            <a:pPr algn="ctr"/>
-            <a:r>
-              <a:rPr lang="en-US" altLang="zh-CN" sz="2400" dirty="0"/>
-              <a:t>(before average model)</a:t>
-            </a:r>
-            <a:endParaRPr lang="zh-CN" altLang="en-US" sz="2400" dirty="0"/>
-          </a:p>
-        </p:txBody>
-      </p:sp>
-      <p:sp>
-        <p:nvSpPr>
-          <p:cNvPr id="13" name="矩形: 剪去对角 12">
-            <a:extLst>
-              <a:ext uri="{FF2B5EF4-FFF2-40B4-BE49-F238E27FC236}">
-                <a16:creationId xmlns:a16="http://schemas.microsoft.com/office/drawing/2014/main" id="{7B38DE94-9CA6-487C-B25A-DB89C409F65E}"/>
-              </a:ext>
-            </a:extLst>
-          </p:cNvPr>
-          <p:cNvSpPr/>
-          <p:nvPr/>
-        </p:nvSpPr>
-        <p:spPr>
-          <a:xfrm>
-            <a:off x="7585434" y="4813810"/>
-            <a:ext cx="3597897" cy="802850"/>
-          </a:xfrm>
-          <a:prstGeom prst="snip2DiagRect">
-            <a:avLst/>
-          </a:prstGeom>
-        </p:spPr>
-        <p:style>
-          <a:lnRef idx="2">
-            <a:schemeClr val="accent1"/>
-          </a:lnRef>
-          <a:fillRef idx="1">
-            <a:schemeClr val="lt1"/>
-          </a:fillRef>
-          <a:effectRef idx="0">
-            <a:schemeClr val="accent1"/>
-          </a:effectRef>
-          <a:fontRef idx="minor">
-            <a:schemeClr val="dk1"/>
-          </a:fontRef>
-        </p:style>
-        <p:txBody>
-          <a:bodyPr rtlCol="0" anchor="ctr"/>
-          <a:lstStyle/>
-          <a:p>
-            <a:pPr algn="ctr"/>
-            <a:r>
-              <a:rPr lang="en-US" altLang="zh-CN" sz="2400" dirty="0"/>
-              <a:t>Node – last epoch</a:t>
-            </a:r>
-          </a:p>
-          <a:p>
-            <a:pPr algn="ctr"/>
-            <a:r>
-              <a:rPr lang="en-US" altLang="zh-CN" sz="2400" dirty="0"/>
-              <a:t>(after average model)</a:t>
-            </a:r>
-            <a:endParaRPr lang="zh-CN" altLang="en-US" sz="2400" dirty="0"/>
-          </a:p>
-        </p:txBody>
-      </p:sp>
+          <a:noFill/>
+          <a:extLst>
+            <a:ext uri="{909E8E84-426E-40DD-AFC4-6F175D3DCCD1}">
+              <a14:hiddenFill xmlns:a14="http://schemas.microsoft.com/office/drawing/2010/main">
+                <a:solidFill>
+                  <a:srgbClr val="FFFFFF"/>
+                </a:solidFill>
+              </a14:hiddenFill>
+            </a:ext>
+          </a:extLst>
+        </p:spPr>
+      </p:pic>
     </p:spTree>
     <p:extLst>
       <p:ext uri="{BB962C8B-B14F-4D97-AF65-F5344CB8AC3E}">
-        <p14:creationId xmlns:p14="http://schemas.microsoft.com/office/powerpoint/2010/main" val="1456233125"/>
+        <p14:creationId xmlns:p14="http://schemas.microsoft.com/office/powerpoint/2010/main" val="2790151684"/>
       </p:ext>
     </p:extLst>
   </p:cSld>
@@ -7643,7 +7109,7 @@
           <p:cNvPr id="2" name="标题 1">
             <a:extLst>
               <a:ext uri="{FF2B5EF4-FFF2-40B4-BE49-F238E27FC236}">
-                <a16:creationId xmlns:a16="http://schemas.microsoft.com/office/drawing/2014/main" id="{B9F4BB03-6ADB-4866-846C-AA16BF9B2096}"/>
+                <a16:creationId xmlns:a16="http://schemas.microsoft.com/office/drawing/2014/main" id="{FDBDF9CE-045B-4932-BBDF-5C6982733BDC}"/>
               </a:ext>
             </a:extLst>
           </p:cNvPr>
@@ -7661,52 +7127,427 @@
           <a:p>
             <a:r>
               <a:rPr lang="en-US" altLang="zh-CN" dirty="0"/>
-              <a:t>Evaluate methods 1/1</a:t>
+              <a:t>Bad node (return randomized weights)</a:t>
             </a:r>
             <a:endParaRPr lang="zh-CN" altLang="en-US" dirty="0"/>
           </a:p>
         </p:txBody>
       </p:sp>
-      <p:pic>
-        <p:nvPicPr>
-          <p:cNvPr id="5" name="图片 4" descr="手机截图图社交软件的信息&#10;&#10;描述已自动生成">
-            <a:extLst>
-              <a:ext uri="{FF2B5EF4-FFF2-40B4-BE49-F238E27FC236}">
-                <a16:creationId xmlns:a16="http://schemas.microsoft.com/office/drawing/2014/main" id="{68FCAF03-3587-4CF6-963A-59C645A31394}"/>
-              </a:ext>
-            </a:extLst>
-          </p:cNvPr>
-          <p:cNvPicPr>
-            <a:picLocks noChangeAspect="1"/>
-          </p:cNvPicPr>
+      <p:sp>
+        <p:nvSpPr>
+          <p:cNvPr id="4" name="内容占位符 2">
+            <a:extLst>
+              <a:ext uri="{FF2B5EF4-FFF2-40B4-BE49-F238E27FC236}">
+                <a16:creationId xmlns:a16="http://schemas.microsoft.com/office/drawing/2014/main" id="{DA7F61BA-6C80-407C-A979-9C123EF0FF1F}"/>
+              </a:ext>
+            </a:extLst>
+          </p:cNvPr>
+          <p:cNvSpPr>
+            <a:spLocks noGrp="1"/>
+          </p:cNvSpPr>
+          <p:nvPr>
+            <p:ph idx="1"/>
+          </p:nvPr>
+        </p:nvSpPr>
+        <p:spPr>
+          <a:xfrm>
+            <a:off x="838200" y="1825625"/>
+            <a:ext cx="3488703" cy="4351338"/>
+          </a:xfrm>
+        </p:spPr>
+        <p:txBody>
+          <a:bodyPr/>
+          <a:lstStyle/>
+          <a:p>
+            <a:r>
+              <a:rPr lang="en-US" altLang="zh-CN" dirty="0"/>
+              <a:t>10 worker nodes</a:t>
+            </a:r>
+          </a:p>
+          <a:p>
+            <a:r>
+              <a:rPr lang="en-US" altLang="zh-CN" dirty="0"/>
+              <a:t>4000 training data</a:t>
+            </a:r>
+          </a:p>
+          <a:p>
+            <a:r>
+              <a:rPr lang="en-US" altLang="zh-CN" dirty="0"/>
+              <a:t>10000 testing data</a:t>
+            </a:r>
+          </a:p>
+          <a:p>
+            <a:r>
+              <a:rPr lang="en-US" altLang="zh-CN" dirty="0"/>
+              <a:t>Early stop = 500</a:t>
+            </a:r>
+          </a:p>
+          <a:p>
+            <a:r>
+              <a:rPr lang="en-US" altLang="zh-CN" dirty="0"/>
+              <a:t>Local step = 1</a:t>
+            </a:r>
+          </a:p>
+          <a:p>
+            <a:r>
+              <a:rPr lang="en-US" altLang="zh-CN" dirty="0"/>
+              <a:t>Bad node: 1</a:t>
+            </a:r>
+          </a:p>
+        </p:txBody>
+      </p:sp>
+      <p:sp>
+        <p:nvSpPr>
+          <p:cNvPr id="5" name="矩形: 圆角 4">
+            <a:extLst>
+              <a:ext uri="{FF2B5EF4-FFF2-40B4-BE49-F238E27FC236}">
+                <a16:creationId xmlns:a16="http://schemas.microsoft.com/office/drawing/2014/main" id="{2C0C6171-A32D-47D7-B5B1-498F0EE23EA3}"/>
+              </a:ext>
+            </a:extLst>
+          </p:cNvPr>
+          <p:cNvSpPr/>
           <p:nvPr/>
-        </p:nvPicPr>
-        <p:blipFill>
-          <a:blip r:embed="rId2">
-            <a:extLst>
-              <a:ext uri="{28A0092B-C50C-407E-A947-70E740481C1C}">
-                <a14:useLocalDpi xmlns:a14="http://schemas.microsoft.com/office/drawing/2010/main" val="0"/>
-              </a:ext>
-            </a:extLst>
-          </a:blip>
-          <a:stretch>
-            <a:fillRect/>
-          </a:stretch>
-        </p:blipFill>
-        <p:spPr>
-          <a:xfrm>
-            <a:off x="0" y="1690688"/>
-            <a:ext cx="12192000" cy="4292314"/>
-          </a:xfrm>
-          <a:prstGeom prst="rect">
+        </p:nvSpPr>
+        <p:spPr>
+          <a:xfrm>
+            <a:off x="8594103" y="2375556"/>
+            <a:ext cx="2185447" cy="669302"/>
+          </a:xfrm>
+          <a:prstGeom prst="roundRect">
             <a:avLst/>
           </a:prstGeom>
         </p:spPr>
-      </p:pic>
+        <p:style>
+          <a:lnRef idx="2">
+            <a:schemeClr val="accent1">
+              <a:shade val="50000"/>
+            </a:schemeClr>
+          </a:lnRef>
+          <a:fillRef idx="1">
+            <a:schemeClr val="accent1"/>
+          </a:fillRef>
+          <a:effectRef idx="0">
+            <a:schemeClr val="accent1"/>
+          </a:effectRef>
+          <a:fontRef idx="minor">
+            <a:schemeClr val="lt1"/>
+          </a:fontRef>
+        </p:style>
+        <p:txBody>
+          <a:bodyPr rtlCol="0" anchor="ctr"/>
+          <a:lstStyle/>
+          <a:p>
+            <a:pPr algn="ctr"/>
+            <a:r>
+              <a:rPr lang="en-US" altLang="zh-CN" sz="2800" dirty="0"/>
+              <a:t>Node Size</a:t>
+            </a:r>
+            <a:endParaRPr lang="zh-CN" altLang="en-US" sz="2800" dirty="0"/>
+          </a:p>
+        </p:txBody>
+      </p:sp>
+      <p:sp>
+        <p:nvSpPr>
+          <p:cNvPr id="6" name="矩形: 圆角 5">
+            <a:extLst>
+              <a:ext uri="{FF2B5EF4-FFF2-40B4-BE49-F238E27FC236}">
+                <a16:creationId xmlns:a16="http://schemas.microsoft.com/office/drawing/2014/main" id="{3BA7398F-9500-4725-82C8-D19801691190}"/>
+              </a:ext>
+            </a:extLst>
+          </p:cNvPr>
+          <p:cNvSpPr/>
+          <p:nvPr/>
+        </p:nvSpPr>
+        <p:spPr>
+          <a:xfrm>
+            <a:off x="6095999" y="2375556"/>
+            <a:ext cx="2185447" cy="669302"/>
+          </a:xfrm>
+          <a:prstGeom prst="roundRect">
+            <a:avLst/>
+          </a:prstGeom>
+        </p:spPr>
+        <p:style>
+          <a:lnRef idx="2">
+            <a:schemeClr val="accent1">
+              <a:shade val="50000"/>
+            </a:schemeClr>
+          </a:lnRef>
+          <a:fillRef idx="1">
+            <a:schemeClr val="accent1"/>
+          </a:fillRef>
+          <a:effectRef idx="0">
+            <a:schemeClr val="accent1"/>
+          </a:effectRef>
+          <a:fontRef idx="minor">
+            <a:schemeClr val="lt1"/>
+          </a:fontRef>
+        </p:style>
+        <p:txBody>
+          <a:bodyPr rtlCol="0" anchor="ctr"/>
+          <a:lstStyle/>
+          <a:p>
+            <a:pPr algn="ctr"/>
+            <a:r>
+              <a:rPr lang="en-US" altLang="zh-CN" sz="2800" dirty="0"/>
+              <a:t>If </a:t>
+            </a:r>
+            <a:r>
+              <a:rPr lang="en-US" altLang="zh-CN" sz="2800" dirty="0" err="1"/>
+              <a:t>iid</a:t>
+            </a:r>
+            <a:r>
+              <a:rPr lang="en-US" altLang="zh-CN" sz="2800" dirty="0"/>
+              <a:t>?</a:t>
+            </a:r>
+            <a:endParaRPr lang="zh-CN" altLang="en-US" sz="2800" dirty="0"/>
+          </a:p>
+        </p:txBody>
+      </p:sp>
+      <p:sp>
+        <p:nvSpPr>
+          <p:cNvPr id="7" name="矩形: 剪去对角 6">
+            <a:extLst>
+              <a:ext uri="{FF2B5EF4-FFF2-40B4-BE49-F238E27FC236}">
+                <a16:creationId xmlns:a16="http://schemas.microsoft.com/office/drawing/2014/main" id="{B4213758-A28F-4E10-BB26-380F54E5EC1D}"/>
+              </a:ext>
+            </a:extLst>
+          </p:cNvPr>
+          <p:cNvSpPr/>
+          <p:nvPr/>
+        </p:nvSpPr>
+        <p:spPr>
+          <a:xfrm>
+            <a:off x="6645108" y="3442209"/>
+            <a:ext cx="1075444" cy="575034"/>
+          </a:xfrm>
+          <a:prstGeom prst="snip2DiagRect">
+            <a:avLst/>
+          </a:prstGeom>
+        </p:spPr>
+        <p:style>
+          <a:lnRef idx="2">
+            <a:schemeClr val="accent1"/>
+          </a:lnRef>
+          <a:fillRef idx="1">
+            <a:schemeClr val="lt1"/>
+          </a:fillRef>
+          <a:effectRef idx="0">
+            <a:schemeClr val="accent1"/>
+          </a:effectRef>
+          <a:fontRef idx="minor">
+            <a:schemeClr val="dk1"/>
+          </a:fontRef>
+        </p:style>
+        <p:txBody>
+          <a:bodyPr rtlCol="0" anchor="ctr"/>
+          <a:lstStyle/>
+          <a:p>
+            <a:pPr algn="ctr"/>
+            <a:r>
+              <a:rPr lang="en-US" altLang="zh-CN" sz="2800" dirty="0"/>
+              <a:t>2</a:t>
+            </a:r>
+            <a:endParaRPr lang="zh-CN" altLang="en-US" sz="2800" dirty="0"/>
+          </a:p>
+        </p:txBody>
+      </p:sp>
+      <p:sp>
+        <p:nvSpPr>
+          <p:cNvPr id="8" name="矩形: 剪去对角 7">
+            <a:extLst>
+              <a:ext uri="{FF2B5EF4-FFF2-40B4-BE49-F238E27FC236}">
+                <a16:creationId xmlns:a16="http://schemas.microsoft.com/office/drawing/2014/main" id="{318B6878-E18C-49C0-A824-55A2A9675CCE}"/>
+              </a:ext>
+            </a:extLst>
+          </p:cNvPr>
+          <p:cNvSpPr/>
+          <p:nvPr/>
+        </p:nvSpPr>
+        <p:spPr>
+          <a:xfrm>
+            <a:off x="6645108" y="4245058"/>
+            <a:ext cx="1075444" cy="575034"/>
+          </a:xfrm>
+          <a:prstGeom prst="snip2DiagRect">
+            <a:avLst/>
+          </a:prstGeom>
+        </p:spPr>
+        <p:style>
+          <a:lnRef idx="2">
+            <a:schemeClr val="accent1"/>
+          </a:lnRef>
+          <a:fillRef idx="1">
+            <a:schemeClr val="lt1"/>
+          </a:fillRef>
+          <a:effectRef idx="0">
+            <a:schemeClr val="accent1"/>
+          </a:effectRef>
+          <a:fontRef idx="minor">
+            <a:schemeClr val="dk1"/>
+          </a:fontRef>
+        </p:style>
+        <p:txBody>
+          <a:bodyPr rtlCol="0" anchor="ctr"/>
+          <a:lstStyle/>
+          <a:p>
+            <a:pPr algn="ctr"/>
+            <a:r>
+              <a:rPr lang="en-US" altLang="zh-CN" sz="2800" dirty="0"/>
+              <a:t>5</a:t>
+            </a:r>
+            <a:endParaRPr lang="zh-CN" altLang="en-US" sz="2800" dirty="0"/>
+          </a:p>
+        </p:txBody>
+      </p:sp>
+      <p:sp>
+        <p:nvSpPr>
+          <p:cNvPr id="9" name="矩形: 剪去对角 8">
+            <a:extLst>
+              <a:ext uri="{FF2B5EF4-FFF2-40B4-BE49-F238E27FC236}">
+                <a16:creationId xmlns:a16="http://schemas.microsoft.com/office/drawing/2014/main" id="{8F0ED510-AE87-403B-B060-624ACFFA4582}"/>
+              </a:ext>
+            </a:extLst>
+          </p:cNvPr>
+          <p:cNvSpPr/>
+          <p:nvPr/>
+        </p:nvSpPr>
+        <p:spPr>
+          <a:xfrm>
+            <a:off x="6645108" y="5047908"/>
+            <a:ext cx="1075444" cy="575034"/>
+          </a:xfrm>
+          <a:prstGeom prst="snip2DiagRect">
+            <a:avLst/>
+          </a:prstGeom>
+        </p:spPr>
+        <p:style>
+          <a:lnRef idx="2">
+            <a:schemeClr val="accent1"/>
+          </a:lnRef>
+          <a:fillRef idx="1">
+            <a:schemeClr val="lt1"/>
+          </a:fillRef>
+          <a:effectRef idx="0">
+            <a:schemeClr val="accent1"/>
+          </a:effectRef>
+          <a:fontRef idx="minor">
+            <a:schemeClr val="dk1"/>
+          </a:fontRef>
+        </p:style>
+        <p:txBody>
+          <a:bodyPr rtlCol="0" anchor="ctr"/>
+          <a:lstStyle/>
+          <a:p>
+            <a:pPr algn="ctr"/>
+            <a:r>
+              <a:rPr lang="en-US" altLang="zh-CN" sz="2800" dirty="0" err="1"/>
+              <a:t>iid</a:t>
+            </a:r>
+            <a:endParaRPr lang="zh-CN" altLang="en-US" sz="2800" dirty="0"/>
+          </a:p>
+        </p:txBody>
+      </p:sp>
+      <p:sp>
+        <p:nvSpPr>
+          <p:cNvPr id="10" name="矩形: 剪去对角 9">
+            <a:extLst>
+              <a:ext uri="{FF2B5EF4-FFF2-40B4-BE49-F238E27FC236}">
+                <a16:creationId xmlns:a16="http://schemas.microsoft.com/office/drawing/2014/main" id="{B658D814-820B-48E6-ADD5-F7800C136344}"/>
+              </a:ext>
+            </a:extLst>
+          </p:cNvPr>
+          <p:cNvSpPr/>
+          <p:nvPr/>
+        </p:nvSpPr>
+        <p:spPr>
+          <a:xfrm>
+            <a:off x="9149104" y="3442209"/>
+            <a:ext cx="1075444" cy="575034"/>
+          </a:xfrm>
+          <a:prstGeom prst="snip2DiagRect">
+            <a:avLst/>
+          </a:prstGeom>
+        </p:spPr>
+        <p:style>
+          <a:lnRef idx="2">
+            <a:schemeClr val="accent1"/>
+          </a:lnRef>
+          <a:fillRef idx="1">
+            <a:schemeClr val="lt1"/>
+          </a:fillRef>
+          <a:effectRef idx="0">
+            <a:schemeClr val="accent1"/>
+          </a:effectRef>
+          <a:fontRef idx="minor">
+            <a:schemeClr val="dk1"/>
+          </a:fontRef>
+        </p:style>
+        <p:txBody>
+          <a:bodyPr rtlCol="0" anchor="ctr"/>
+          <a:lstStyle/>
+          <a:p>
+            <a:pPr algn="ctr"/>
+            <a:r>
+              <a:rPr lang="en-US" altLang="zh-CN" sz="2800" dirty="0"/>
+              <a:t>40</a:t>
+            </a:r>
+            <a:endParaRPr lang="zh-CN" altLang="en-US" sz="2800" dirty="0"/>
+          </a:p>
+        </p:txBody>
+      </p:sp>
+      <p:sp>
+        <p:nvSpPr>
+          <p:cNvPr id="11" name="矩形: 剪去对角 10">
+            <a:extLst>
+              <a:ext uri="{FF2B5EF4-FFF2-40B4-BE49-F238E27FC236}">
+                <a16:creationId xmlns:a16="http://schemas.microsoft.com/office/drawing/2014/main" id="{2CF787D8-169E-4FB3-BBA6-300A1006AEC9}"/>
+              </a:ext>
+            </a:extLst>
+          </p:cNvPr>
+          <p:cNvSpPr/>
+          <p:nvPr/>
+        </p:nvSpPr>
+        <p:spPr>
+          <a:xfrm>
+            <a:off x="9149104" y="4245058"/>
+            <a:ext cx="1075444" cy="575034"/>
+          </a:xfrm>
+          <a:prstGeom prst="snip2DiagRect">
+            <a:avLst/>
+          </a:prstGeom>
+        </p:spPr>
+        <p:style>
+          <a:lnRef idx="2">
+            <a:schemeClr val="accent1"/>
+          </a:lnRef>
+          <a:fillRef idx="1">
+            <a:schemeClr val="lt1"/>
+          </a:fillRef>
+          <a:effectRef idx="0">
+            <a:schemeClr val="accent1"/>
+          </a:effectRef>
+          <a:fontRef idx="minor">
+            <a:schemeClr val="dk1"/>
+          </a:fontRef>
+        </p:style>
+        <p:txBody>
+          <a:bodyPr rtlCol="0" anchor="ctr"/>
+          <a:lstStyle/>
+          <a:p>
+            <a:pPr algn="ctr"/>
+            <a:r>
+              <a:rPr lang="en-US" altLang="zh-CN" sz="2800" dirty="0"/>
+              <a:t>400</a:t>
+            </a:r>
+            <a:endParaRPr lang="zh-CN" altLang="en-US" sz="2800" dirty="0"/>
+          </a:p>
+        </p:txBody>
+      </p:sp>
     </p:spTree>
     <p:extLst>
       <p:ext uri="{BB962C8B-B14F-4D97-AF65-F5344CB8AC3E}">
-        <p14:creationId xmlns:p14="http://schemas.microsoft.com/office/powerpoint/2010/main" val="2790151684"/>
+        <p14:creationId xmlns:p14="http://schemas.microsoft.com/office/powerpoint/2010/main" val="1996882241"/>
       </p:ext>
     </p:extLst>
   </p:cSld>
@@ -7738,7 +7579,7 @@
           <p:cNvPr id="2" name="标题 1">
             <a:extLst>
               <a:ext uri="{FF2B5EF4-FFF2-40B4-BE49-F238E27FC236}">
-                <a16:creationId xmlns:a16="http://schemas.microsoft.com/office/drawing/2014/main" id="{FDBDF9CE-045B-4932-BBDF-5C6982733BDC}"/>
+                <a16:creationId xmlns:a16="http://schemas.microsoft.com/office/drawing/2014/main" id="{86024D0A-2059-4658-924A-C1ED2407772F}"/>
               </a:ext>
             </a:extLst>
           </p:cNvPr>
@@ -7756,427 +7597,52 @@
           <a:p>
             <a:r>
               <a:rPr lang="en-US" altLang="zh-CN" dirty="0"/>
-              <a:t>Bad node (return randomized weights)</a:t>
+              <a:t>Bad node 1/2</a:t>
             </a:r>
             <a:endParaRPr lang="zh-CN" altLang="en-US" dirty="0"/>
           </a:p>
         </p:txBody>
       </p:sp>
-      <p:sp>
-        <p:nvSpPr>
-          <p:cNvPr id="4" name="内容占位符 2">
-            <a:extLst>
-              <a:ext uri="{FF2B5EF4-FFF2-40B4-BE49-F238E27FC236}">
-                <a16:creationId xmlns:a16="http://schemas.microsoft.com/office/drawing/2014/main" id="{DA7F61BA-6C80-407C-A979-9C123EF0FF1F}"/>
-              </a:ext>
-            </a:extLst>
-          </p:cNvPr>
-          <p:cNvSpPr>
-            <a:spLocks noGrp="1"/>
-          </p:cNvSpPr>
-          <p:nvPr>
-            <p:ph idx="1"/>
-          </p:nvPr>
-        </p:nvSpPr>
-        <p:spPr>
-          <a:xfrm>
-            <a:off x="838200" y="1825625"/>
-            <a:ext cx="3488703" cy="4351338"/>
-          </a:xfrm>
-        </p:spPr>
-        <p:txBody>
-          <a:bodyPr/>
-          <a:lstStyle/>
-          <a:p>
-            <a:r>
-              <a:rPr lang="en-US" altLang="zh-CN" dirty="0"/>
-              <a:t>10 worker nodes</a:t>
-            </a:r>
-          </a:p>
-          <a:p>
-            <a:r>
-              <a:rPr lang="en-US" altLang="zh-CN" dirty="0"/>
-              <a:t>4000 training data</a:t>
-            </a:r>
-          </a:p>
-          <a:p>
-            <a:r>
-              <a:rPr lang="en-US" altLang="zh-CN" dirty="0"/>
-              <a:t>10000 testing data</a:t>
-            </a:r>
-          </a:p>
-          <a:p>
-            <a:r>
-              <a:rPr lang="en-US" altLang="zh-CN" dirty="0"/>
-              <a:t>Early stop = 500</a:t>
-            </a:r>
-          </a:p>
-          <a:p>
-            <a:r>
-              <a:rPr lang="en-US" altLang="zh-CN" dirty="0"/>
-              <a:t>Local step = 1</a:t>
-            </a:r>
-          </a:p>
-          <a:p>
-            <a:r>
-              <a:rPr lang="en-US" altLang="zh-CN" dirty="0"/>
-              <a:t>Bad node: 1</a:t>
-            </a:r>
-          </a:p>
-        </p:txBody>
-      </p:sp>
-      <p:sp>
-        <p:nvSpPr>
-          <p:cNvPr id="5" name="矩形: 圆角 4">
-            <a:extLst>
-              <a:ext uri="{FF2B5EF4-FFF2-40B4-BE49-F238E27FC236}">
-                <a16:creationId xmlns:a16="http://schemas.microsoft.com/office/drawing/2014/main" id="{2C0C6171-A32D-47D7-B5B1-498F0EE23EA3}"/>
-              </a:ext>
-            </a:extLst>
-          </p:cNvPr>
-          <p:cNvSpPr/>
+      <p:pic>
+        <p:nvPicPr>
+          <p:cNvPr id="4" name="图片 3" descr="社交网络的手机截图&#10;&#10;描述已自动生成">
+            <a:extLst>
+              <a:ext uri="{FF2B5EF4-FFF2-40B4-BE49-F238E27FC236}">
+                <a16:creationId xmlns:a16="http://schemas.microsoft.com/office/drawing/2014/main" id="{D38049F9-9BE6-4FBA-8790-A4F229BADE13}"/>
+              </a:ext>
+            </a:extLst>
+          </p:cNvPr>
+          <p:cNvPicPr>
+            <a:picLocks noChangeAspect="1"/>
+          </p:cNvPicPr>
           <p:nvPr/>
-        </p:nvSpPr>
-        <p:spPr>
-          <a:xfrm>
-            <a:off x="8594103" y="2375556"/>
-            <a:ext cx="2185447" cy="669302"/>
-          </a:xfrm>
-          <a:prstGeom prst="roundRect">
+        </p:nvPicPr>
+        <p:blipFill>
+          <a:blip r:embed="rId2">
+            <a:extLst>
+              <a:ext uri="{28A0092B-C50C-407E-A947-70E740481C1C}">
+                <a14:useLocalDpi xmlns:a14="http://schemas.microsoft.com/office/drawing/2010/main" val="0"/>
+              </a:ext>
+            </a:extLst>
+          </a:blip>
+          <a:stretch>
+            <a:fillRect/>
+          </a:stretch>
+        </p:blipFill>
+        <p:spPr>
+          <a:xfrm>
+            <a:off x="0" y="1690688"/>
+            <a:ext cx="12192000" cy="4370717"/>
+          </a:xfrm>
+          <a:prstGeom prst="rect">
             <a:avLst/>
           </a:prstGeom>
         </p:spPr>
-        <p:style>
-          <a:lnRef idx="2">
-            <a:schemeClr val="accent1">
-              <a:shade val="50000"/>
-            </a:schemeClr>
-          </a:lnRef>
-          <a:fillRef idx="1">
-            <a:schemeClr val="accent1"/>
-          </a:fillRef>
-          <a:effectRef idx="0">
-            <a:schemeClr val="accent1"/>
-          </a:effectRef>
-          <a:fontRef idx="minor">
-            <a:schemeClr val="lt1"/>
-          </a:fontRef>
-        </p:style>
-        <p:txBody>
-          <a:bodyPr rtlCol="0" anchor="ctr"/>
-          <a:lstStyle/>
-          <a:p>
-            <a:pPr algn="ctr"/>
-            <a:r>
-              <a:rPr lang="en-US" altLang="zh-CN" sz="2800" dirty="0"/>
-              <a:t>Node Size</a:t>
-            </a:r>
-            <a:endParaRPr lang="zh-CN" altLang="en-US" sz="2800" dirty="0"/>
-          </a:p>
-        </p:txBody>
-      </p:sp>
-      <p:sp>
-        <p:nvSpPr>
-          <p:cNvPr id="6" name="矩形: 圆角 5">
-            <a:extLst>
-              <a:ext uri="{FF2B5EF4-FFF2-40B4-BE49-F238E27FC236}">
-                <a16:creationId xmlns:a16="http://schemas.microsoft.com/office/drawing/2014/main" id="{3BA7398F-9500-4725-82C8-D19801691190}"/>
-              </a:ext>
-            </a:extLst>
-          </p:cNvPr>
-          <p:cNvSpPr/>
-          <p:nvPr/>
-        </p:nvSpPr>
-        <p:spPr>
-          <a:xfrm>
-            <a:off x="6095999" y="2375556"/>
-            <a:ext cx="2185447" cy="669302"/>
-          </a:xfrm>
-          <a:prstGeom prst="roundRect">
-            <a:avLst/>
-          </a:prstGeom>
-        </p:spPr>
-        <p:style>
-          <a:lnRef idx="2">
-            <a:schemeClr val="accent1">
-              <a:shade val="50000"/>
-            </a:schemeClr>
-          </a:lnRef>
-          <a:fillRef idx="1">
-            <a:schemeClr val="accent1"/>
-          </a:fillRef>
-          <a:effectRef idx="0">
-            <a:schemeClr val="accent1"/>
-          </a:effectRef>
-          <a:fontRef idx="minor">
-            <a:schemeClr val="lt1"/>
-          </a:fontRef>
-        </p:style>
-        <p:txBody>
-          <a:bodyPr rtlCol="0" anchor="ctr"/>
-          <a:lstStyle/>
-          <a:p>
-            <a:pPr algn="ctr"/>
-            <a:r>
-              <a:rPr lang="en-US" altLang="zh-CN" sz="2800" dirty="0"/>
-              <a:t>If </a:t>
-            </a:r>
-            <a:r>
-              <a:rPr lang="en-US" altLang="zh-CN" sz="2800" dirty="0" err="1"/>
-              <a:t>iid</a:t>
-            </a:r>
-            <a:r>
-              <a:rPr lang="en-US" altLang="zh-CN" sz="2800" dirty="0"/>
-              <a:t>?</a:t>
-            </a:r>
-            <a:endParaRPr lang="zh-CN" altLang="en-US" sz="2800" dirty="0"/>
-          </a:p>
-        </p:txBody>
-      </p:sp>
-      <p:sp>
-        <p:nvSpPr>
-          <p:cNvPr id="7" name="矩形: 剪去对角 6">
-            <a:extLst>
-              <a:ext uri="{FF2B5EF4-FFF2-40B4-BE49-F238E27FC236}">
-                <a16:creationId xmlns:a16="http://schemas.microsoft.com/office/drawing/2014/main" id="{B4213758-A28F-4E10-BB26-380F54E5EC1D}"/>
-              </a:ext>
-            </a:extLst>
-          </p:cNvPr>
-          <p:cNvSpPr/>
-          <p:nvPr/>
-        </p:nvSpPr>
-        <p:spPr>
-          <a:xfrm>
-            <a:off x="6645108" y="3442209"/>
-            <a:ext cx="1075444" cy="575034"/>
-          </a:xfrm>
-          <a:prstGeom prst="snip2DiagRect">
-            <a:avLst/>
-          </a:prstGeom>
-        </p:spPr>
-        <p:style>
-          <a:lnRef idx="2">
-            <a:schemeClr val="accent1"/>
-          </a:lnRef>
-          <a:fillRef idx="1">
-            <a:schemeClr val="lt1"/>
-          </a:fillRef>
-          <a:effectRef idx="0">
-            <a:schemeClr val="accent1"/>
-          </a:effectRef>
-          <a:fontRef idx="minor">
-            <a:schemeClr val="dk1"/>
-          </a:fontRef>
-        </p:style>
-        <p:txBody>
-          <a:bodyPr rtlCol="0" anchor="ctr"/>
-          <a:lstStyle/>
-          <a:p>
-            <a:pPr algn="ctr"/>
-            <a:r>
-              <a:rPr lang="en-US" altLang="zh-CN" sz="2800" dirty="0"/>
-              <a:t>2</a:t>
-            </a:r>
-            <a:endParaRPr lang="zh-CN" altLang="en-US" sz="2800" dirty="0"/>
-          </a:p>
-        </p:txBody>
-      </p:sp>
-      <p:sp>
-        <p:nvSpPr>
-          <p:cNvPr id="8" name="矩形: 剪去对角 7">
-            <a:extLst>
-              <a:ext uri="{FF2B5EF4-FFF2-40B4-BE49-F238E27FC236}">
-                <a16:creationId xmlns:a16="http://schemas.microsoft.com/office/drawing/2014/main" id="{318B6878-E18C-49C0-A824-55A2A9675CCE}"/>
-              </a:ext>
-            </a:extLst>
-          </p:cNvPr>
-          <p:cNvSpPr/>
-          <p:nvPr/>
-        </p:nvSpPr>
-        <p:spPr>
-          <a:xfrm>
-            <a:off x="6645108" y="4245058"/>
-            <a:ext cx="1075444" cy="575034"/>
-          </a:xfrm>
-          <a:prstGeom prst="snip2DiagRect">
-            <a:avLst/>
-          </a:prstGeom>
-        </p:spPr>
-        <p:style>
-          <a:lnRef idx="2">
-            <a:schemeClr val="accent1"/>
-          </a:lnRef>
-          <a:fillRef idx="1">
-            <a:schemeClr val="lt1"/>
-          </a:fillRef>
-          <a:effectRef idx="0">
-            <a:schemeClr val="accent1"/>
-          </a:effectRef>
-          <a:fontRef idx="minor">
-            <a:schemeClr val="dk1"/>
-          </a:fontRef>
-        </p:style>
-        <p:txBody>
-          <a:bodyPr rtlCol="0" anchor="ctr"/>
-          <a:lstStyle/>
-          <a:p>
-            <a:pPr algn="ctr"/>
-            <a:r>
-              <a:rPr lang="en-US" altLang="zh-CN" sz="2800" dirty="0"/>
-              <a:t>5</a:t>
-            </a:r>
-            <a:endParaRPr lang="zh-CN" altLang="en-US" sz="2800" dirty="0"/>
-          </a:p>
-        </p:txBody>
-      </p:sp>
-      <p:sp>
-        <p:nvSpPr>
-          <p:cNvPr id="9" name="矩形: 剪去对角 8">
-            <a:extLst>
-              <a:ext uri="{FF2B5EF4-FFF2-40B4-BE49-F238E27FC236}">
-                <a16:creationId xmlns:a16="http://schemas.microsoft.com/office/drawing/2014/main" id="{8F0ED510-AE87-403B-B060-624ACFFA4582}"/>
-              </a:ext>
-            </a:extLst>
-          </p:cNvPr>
-          <p:cNvSpPr/>
-          <p:nvPr/>
-        </p:nvSpPr>
-        <p:spPr>
-          <a:xfrm>
-            <a:off x="6645108" y="5047908"/>
-            <a:ext cx="1075444" cy="575034"/>
-          </a:xfrm>
-          <a:prstGeom prst="snip2DiagRect">
-            <a:avLst/>
-          </a:prstGeom>
-        </p:spPr>
-        <p:style>
-          <a:lnRef idx="2">
-            <a:schemeClr val="accent1"/>
-          </a:lnRef>
-          <a:fillRef idx="1">
-            <a:schemeClr val="lt1"/>
-          </a:fillRef>
-          <a:effectRef idx="0">
-            <a:schemeClr val="accent1"/>
-          </a:effectRef>
-          <a:fontRef idx="minor">
-            <a:schemeClr val="dk1"/>
-          </a:fontRef>
-        </p:style>
-        <p:txBody>
-          <a:bodyPr rtlCol="0" anchor="ctr"/>
-          <a:lstStyle/>
-          <a:p>
-            <a:pPr algn="ctr"/>
-            <a:r>
-              <a:rPr lang="en-US" altLang="zh-CN" sz="2800" dirty="0" err="1"/>
-              <a:t>iid</a:t>
-            </a:r>
-            <a:endParaRPr lang="zh-CN" altLang="en-US" sz="2800" dirty="0"/>
-          </a:p>
-        </p:txBody>
-      </p:sp>
-      <p:sp>
-        <p:nvSpPr>
-          <p:cNvPr id="10" name="矩形: 剪去对角 9">
-            <a:extLst>
-              <a:ext uri="{FF2B5EF4-FFF2-40B4-BE49-F238E27FC236}">
-                <a16:creationId xmlns:a16="http://schemas.microsoft.com/office/drawing/2014/main" id="{B658D814-820B-48E6-ADD5-F7800C136344}"/>
-              </a:ext>
-            </a:extLst>
-          </p:cNvPr>
-          <p:cNvSpPr/>
-          <p:nvPr/>
-        </p:nvSpPr>
-        <p:spPr>
-          <a:xfrm>
-            <a:off x="9149104" y="3442209"/>
-            <a:ext cx="1075444" cy="575034"/>
-          </a:xfrm>
-          <a:prstGeom prst="snip2DiagRect">
-            <a:avLst/>
-          </a:prstGeom>
-        </p:spPr>
-        <p:style>
-          <a:lnRef idx="2">
-            <a:schemeClr val="accent1"/>
-          </a:lnRef>
-          <a:fillRef idx="1">
-            <a:schemeClr val="lt1"/>
-          </a:fillRef>
-          <a:effectRef idx="0">
-            <a:schemeClr val="accent1"/>
-          </a:effectRef>
-          <a:fontRef idx="minor">
-            <a:schemeClr val="dk1"/>
-          </a:fontRef>
-        </p:style>
-        <p:txBody>
-          <a:bodyPr rtlCol="0" anchor="ctr"/>
-          <a:lstStyle/>
-          <a:p>
-            <a:pPr algn="ctr"/>
-            <a:r>
-              <a:rPr lang="en-US" altLang="zh-CN" sz="2800" dirty="0"/>
-              <a:t>40</a:t>
-            </a:r>
-            <a:endParaRPr lang="zh-CN" altLang="en-US" sz="2800" dirty="0"/>
-          </a:p>
-        </p:txBody>
-      </p:sp>
-      <p:sp>
-        <p:nvSpPr>
-          <p:cNvPr id="11" name="矩形: 剪去对角 10">
-            <a:extLst>
-              <a:ext uri="{FF2B5EF4-FFF2-40B4-BE49-F238E27FC236}">
-                <a16:creationId xmlns:a16="http://schemas.microsoft.com/office/drawing/2014/main" id="{2CF787D8-169E-4FB3-BBA6-300A1006AEC9}"/>
-              </a:ext>
-            </a:extLst>
-          </p:cNvPr>
-          <p:cNvSpPr/>
-          <p:nvPr/>
-        </p:nvSpPr>
-        <p:spPr>
-          <a:xfrm>
-            <a:off x="9149104" y="4245058"/>
-            <a:ext cx="1075444" cy="575034"/>
-          </a:xfrm>
-          <a:prstGeom prst="snip2DiagRect">
-            <a:avLst/>
-          </a:prstGeom>
-        </p:spPr>
-        <p:style>
-          <a:lnRef idx="2">
-            <a:schemeClr val="accent1"/>
-          </a:lnRef>
-          <a:fillRef idx="1">
-            <a:schemeClr val="lt1"/>
-          </a:fillRef>
-          <a:effectRef idx="0">
-            <a:schemeClr val="accent1"/>
-          </a:effectRef>
-          <a:fontRef idx="minor">
-            <a:schemeClr val="dk1"/>
-          </a:fontRef>
-        </p:style>
-        <p:txBody>
-          <a:bodyPr rtlCol="0" anchor="ctr"/>
-          <a:lstStyle/>
-          <a:p>
-            <a:pPr algn="ctr"/>
-            <a:r>
-              <a:rPr lang="en-US" altLang="zh-CN" sz="2800" dirty="0"/>
-              <a:t>400</a:t>
-            </a:r>
-            <a:endParaRPr lang="zh-CN" altLang="en-US" sz="2800" dirty="0"/>
-          </a:p>
-        </p:txBody>
-      </p:sp>
+      </p:pic>
     </p:spTree>
     <p:extLst>
       <p:ext uri="{BB962C8B-B14F-4D97-AF65-F5344CB8AC3E}">
-        <p14:creationId xmlns:p14="http://schemas.microsoft.com/office/powerpoint/2010/main" val="1996882241"/>
+        <p14:creationId xmlns:p14="http://schemas.microsoft.com/office/powerpoint/2010/main" val="482722294"/>
       </p:ext>
     </p:extLst>
   </p:cSld>

--- a/Cifar10/TestResults.pptx
+++ b/Cifar10/TestResults.pptx
@@ -4,25 +4,37 @@
   <p:sldMasterIdLst>
     <p:sldMasterId id="2147483648" r:id="rId1"/>
   </p:sldMasterIdLst>
+  <p:notesMasterIdLst>
+    <p:notesMasterId r:id="rId29"/>
+  </p:notesMasterIdLst>
   <p:sldIdLst>
     <p:sldId id="256" r:id="rId2"/>
-    <p:sldId id="259" r:id="rId3"/>
-    <p:sldId id="257" r:id="rId4"/>
-    <p:sldId id="270" r:id="rId5"/>
-    <p:sldId id="277" r:id="rId6"/>
-    <p:sldId id="258" r:id="rId7"/>
-    <p:sldId id="272" r:id="rId8"/>
-    <p:sldId id="260" r:id="rId9"/>
-    <p:sldId id="275" r:id="rId10"/>
-    <p:sldId id="274" r:id="rId11"/>
-    <p:sldId id="261" r:id="rId12"/>
-    <p:sldId id="279" r:id="rId13"/>
-    <p:sldId id="262" r:id="rId14"/>
-    <p:sldId id="280" r:id="rId15"/>
-    <p:sldId id="263" r:id="rId16"/>
-    <p:sldId id="266" r:id="rId17"/>
-    <p:sldId id="282" r:id="rId18"/>
-    <p:sldId id="281" r:id="rId19"/>
+    <p:sldId id="293" r:id="rId3"/>
+    <p:sldId id="259" r:id="rId4"/>
+    <p:sldId id="257" r:id="rId5"/>
+    <p:sldId id="270" r:id="rId6"/>
+    <p:sldId id="277" r:id="rId7"/>
+    <p:sldId id="258" r:id="rId8"/>
+    <p:sldId id="272" r:id="rId9"/>
+    <p:sldId id="260" r:id="rId10"/>
+    <p:sldId id="275" r:id="rId11"/>
+    <p:sldId id="274" r:id="rId12"/>
+    <p:sldId id="261" r:id="rId13"/>
+    <p:sldId id="279" r:id="rId14"/>
+    <p:sldId id="262" r:id="rId15"/>
+    <p:sldId id="280" r:id="rId16"/>
+    <p:sldId id="263" r:id="rId17"/>
+    <p:sldId id="266" r:id="rId18"/>
+    <p:sldId id="282" r:id="rId19"/>
+    <p:sldId id="281" r:id="rId20"/>
+    <p:sldId id="286" r:id="rId21"/>
+    <p:sldId id="287" r:id="rId22"/>
+    <p:sldId id="285" r:id="rId23"/>
+    <p:sldId id="288" r:id="rId24"/>
+    <p:sldId id="291" r:id="rId25"/>
+    <p:sldId id="289" r:id="rId26"/>
+    <p:sldId id="292" r:id="rId27"/>
+    <p:sldId id="283" r:id="rId28"/>
   </p:sldIdLst>
   <p:sldSz cx="12192000" cy="6858000"/>
   <p:notesSz cx="6858000" cy="9144000"/>
@@ -127,6 +139,553 @@
     </p:ext>
   </p:extLst>
 </p:presentation>
+</file>
+
+<file path=ppt/notesMasters/notesMaster1.xml><?xml version="1.0" encoding="utf-8"?>
+<p:notesMaster xmlns:a="http://schemas.openxmlformats.org/drawingml/2006/main" xmlns:r="http://schemas.openxmlformats.org/officeDocument/2006/relationships" xmlns:p="http://schemas.openxmlformats.org/presentationml/2006/main">
+  <p:cSld>
+    <p:bg>
+      <p:bgRef idx="1001">
+        <a:schemeClr val="bg1"/>
+      </p:bgRef>
+    </p:bg>
+    <p:spTree>
+      <p:nvGrpSpPr>
+        <p:cNvPr id="1" name=""/>
+        <p:cNvGrpSpPr/>
+        <p:nvPr/>
+      </p:nvGrpSpPr>
+      <p:grpSpPr>
+        <a:xfrm>
+          <a:off x="0" y="0"/>
+          <a:ext cx="0" cy="0"/>
+          <a:chOff x="0" y="0"/>
+          <a:chExt cx="0" cy="0"/>
+        </a:xfrm>
+      </p:grpSpPr>
+      <p:sp>
+        <p:nvSpPr>
+          <p:cNvPr id="2" name="页眉占位符 1"/>
+          <p:cNvSpPr>
+            <a:spLocks noGrp="1"/>
+          </p:cNvSpPr>
+          <p:nvPr>
+            <p:ph type="hdr" sz="quarter"/>
+          </p:nvPr>
+        </p:nvSpPr>
+        <p:spPr>
+          <a:xfrm>
+            <a:off x="0" y="0"/>
+            <a:ext cx="2971800" cy="458788"/>
+          </a:xfrm>
+          <a:prstGeom prst="rect">
+            <a:avLst/>
+          </a:prstGeom>
+        </p:spPr>
+        <p:txBody>
+          <a:bodyPr vert="horz" lIns="91440" tIns="45720" rIns="91440" bIns="45720" rtlCol="0"/>
+          <a:lstStyle>
+            <a:lvl1pPr algn="l">
+              <a:defRPr sz="1200"/>
+            </a:lvl1pPr>
+          </a:lstStyle>
+          <a:p>
+            <a:endParaRPr lang="zh-CN" altLang="en-US"/>
+          </a:p>
+        </p:txBody>
+      </p:sp>
+      <p:sp>
+        <p:nvSpPr>
+          <p:cNvPr id="3" name="日期占位符 2"/>
+          <p:cNvSpPr>
+            <a:spLocks noGrp="1"/>
+          </p:cNvSpPr>
+          <p:nvPr>
+            <p:ph type="dt" idx="1"/>
+          </p:nvPr>
+        </p:nvSpPr>
+        <p:spPr>
+          <a:xfrm>
+            <a:off x="3884613" y="0"/>
+            <a:ext cx="2971800" cy="458788"/>
+          </a:xfrm>
+          <a:prstGeom prst="rect">
+            <a:avLst/>
+          </a:prstGeom>
+        </p:spPr>
+        <p:txBody>
+          <a:bodyPr vert="horz" lIns="91440" tIns="45720" rIns="91440" bIns="45720" rtlCol="0"/>
+          <a:lstStyle>
+            <a:lvl1pPr algn="r">
+              <a:defRPr sz="1200"/>
+            </a:lvl1pPr>
+          </a:lstStyle>
+          <a:p>
+            <a:fld id="{50C6A5AE-AC47-4011-81CD-01C98B10AD8D}" type="datetimeFigureOut">
+              <a:rPr lang="zh-CN" altLang="en-US" smtClean="0"/>
+              <a:t>2020/5/4</a:t>
+            </a:fld>
+            <a:endParaRPr lang="zh-CN" altLang="en-US"/>
+          </a:p>
+        </p:txBody>
+      </p:sp>
+      <p:sp>
+        <p:nvSpPr>
+          <p:cNvPr id="4" name="幻灯片图像占位符 3"/>
+          <p:cNvSpPr>
+            <a:spLocks noGrp="1" noRot="1" noChangeAspect="1"/>
+          </p:cNvSpPr>
+          <p:nvPr>
+            <p:ph type="sldImg" idx="2"/>
+          </p:nvPr>
+        </p:nvSpPr>
+        <p:spPr>
+          <a:xfrm>
+            <a:off x="685800" y="1143000"/>
+            <a:ext cx="5486400" cy="3086100"/>
+          </a:xfrm>
+          <a:prstGeom prst="rect">
+            <a:avLst/>
+          </a:prstGeom>
+          <a:noFill/>
+          <a:ln w="12700">
+            <a:solidFill>
+              <a:prstClr val="black"/>
+            </a:solidFill>
+          </a:ln>
+        </p:spPr>
+        <p:txBody>
+          <a:bodyPr vert="horz" lIns="91440" tIns="45720" rIns="91440" bIns="45720" rtlCol="0" anchor="ctr"/>
+          <a:lstStyle/>
+          <a:p>
+            <a:endParaRPr lang="zh-CN" altLang="en-US"/>
+          </a:p>
+        </p:txBody>
+      </p:sp>
+      <p:sp>
+        <p:nvSpPr>
+          <p:cNvPr id="5" name="备注占位符 4"/>
+          <p:cNvSpPr>
+            <a:spLocks noGrp="1"/>
+          </p:cNvSpPr>
+          <p:nvPr>
+            <p:ph type="body" sz="quarter" idx="3"/>
+          </p:nvPr>
+        </p:nvSpPr>
+        <p:spPr>
+          <a:xfrm>
+            <a:off x="685800" y="4400550"/>
+            <a:ext cx="5486400" cy="3600450"/>
+          </a:xfrm>
+          <a:prstGeom prst="rect">
+            <a:avLst/>
+          </a:prstGeom>
+        </p:spPr>
+        <p:txBody>
+          <a:bodyPr vert="horz" lIns="91440" tIns="45720" rIns="91440" bIns="45720" rtlCol="0"/>
+          <a:lstStyle/>
+          <a:p>
+            <a:pPr lvl="0"/>
+            <a:r>
+              <a:rPr lang="zh-CN" altLang="en-US"/>
+              <a:t>单击此处编辑母版文本样式</a:t>
+            </a:r>
+          </a:p>
+          <a:p>
+            <a:pPr lvl="1"/>
+            <a:r>
+              <a:rPr lang="zh-CN" altLang="en-US"/>
+              <a:t>二级</a:t>
+            </a:r>
+          </a:p>
+          <a:p>
+            <a:pPr lvl="2"/>
+            <a:r>
+              <a:rPr lang="zh-CN" altLang="en-US"/>
+              <a:t>三级</a:t>
+            </a:r>
+          </a:p>
+          <a:p>
+            <a:pPr lvl="3"/>
+            <a:r>
+              <a:rPr lang="zh-CN" altLang="en-US"/>
+              <a:t>四级</a:t>
+            </a:r>
+          </a:p>
+          <a:p>
+            <a:pPr lvl="4"/>
+            <a:r>
+              <a:rPr lang="zh-CN" altLang="en-US"/>
+              <a:t>五级</a:t>
+            </a:r>
+          </a:p>
+        </p:txBody>
+      </p:sp>
+      <p:sp>
+        <p:nvSpPr>
+          <p:cNvPr id="6" name="页脚占位符 5"/>
+          <p:cNvSpPr>
+            <a:spLocks noGrp="1"/>
+          </p:cNvSpPr>
+          <p:nvPr>
+            <p:ph type="ftr" sz="quarter" idx="4"/>
+          </p:nvPr>
+        </p:nvSpPr>
+        <p:spPr>
+          <a:xfrm>
+            <a:off x="0" y="8685213"/>
+            <a:ext cx="2971800" cy="458787"/>
+          </a:xfrm>
+          <a:prstGeom prst="rect">
+            <a:avLst/>
+          </a:prstGeom>
+        </p:spPr>
+        <p:txBody>
+          <a:bodyPr vert="horz" lIns="91440" tIns="45720" rIns="91440" bIns="45720" rtlCol="0" anchor="b"/>
+          <a:lstStyle>
+            <a:lvl1pPr algn="l">
+              <a:defRPr sz="1200"/>
+            </a:lvl1pPr>
+          </a:lstStyle>
+          <a:p>
+            <a:endParaRPr lang="zh-CN" altLang="en-US"/>
+          </a:p>
+        </p:txBody>
+      </p:sp>
+      <p:sp>
+        <p:nvSpPr>
+          <p:cNvPr id="7" name="灯片编号占位符 6"/>
+          <p:cNvSpPr>
+            <a:spLocks noGrp="1"/>
+          </p:cNvSpPr>
+          <p:nvPr>
+            <p:ph type="sldNum" sz="quarter" idx="5"/>
+          </p:nvPr>
+        </p:nvSpPr>
+        <p:spPr>
+          <a:xfrm>
+            <a:off x="3884613" y="8685213"/>
+            <a:ext cx="2971800" cy="458787"/>
+          </a:xfrm>
+          <a:prstGeom prst="rect">
+            <a:avLst/>
+          </a:prstGeom>
+        </p:spPr>
+        <p:txBody>
+          <a:bodyPr vert="horz" lIns="91440" tIns="45720" rIns="91440" bIns="45720" rtlCol="0" anchor="b"/>
+          <a:lstStyle>
+            <a:lvl1pPr algn="r">
+              <a:defRPr sz="1200"/>
+            </a:lvl1pPr>
+          </a:lstStyle>
+          <a:p>
+            <a:fld id="{8454D21D-5965-4AFE-A4CD-8D0F7C8AAB39}" type="slidenum">
+              <a:rPr lang="zh-CN" altLang="en-US" smtClean="0"/>
+              <a:t>‹#›</a:t>
+            </a:fld>
+            <a:endParaRPr lang="zh-CN" altLang="en-US"/>
+          </a:p>
+        </p:txBody>
+      </p:sp>
+    </p:spTree>
+    <p:extLst>
+      <p:ext uri="{BB962C8B-B14F-4D97-AF65-F5344CB8AC3E}">
+        <p14:creationId xmlns:p14="http://schemas.microsoft.com/office/powerpoint/2010/main" val="1888751499"/>
+      </p:ext>
+    </p:extLst>
+  </p:cSld>
+  <p:clrMap bg1="lt1" tx1="dk1" bg2="lt2" tx2="dk2" accent1="accent1" accent2="accent2" accent3="accent3" accent4="accent4" accent5="accent5" accent6="accent6" hlink="hlink" folHlink="folHlink"/>
+  <p:notesStyle>
+    <a:lvl1pPr marL="0" algn="l" defTabSz="914400" rtl="0" eaLnBrk="1" latinLnBrk="0" hangingPunct="1">
+      <a:defRPr sz="1200" kern="1200">
+        <a:solidFill>
+          <a:schemeClr val="tx1"/>
+        </a:solidFill>
+        <a:latin typeface="+mn-lt"/>
+        <a:ea typeface="+mn-ea"/>
+        <a:cs typeface="+mn-cs"/>
+      </a:defRPr>
+    </a:lvl1pPr>
+    <a:lvl2pPr marL="457200" algn="l" defTabSz="914400" rtl="0" eaLnBrk="1" latinLnBrk="0" hangingPunct="1">
+      <a:defRPr sz="1200" kern="1200">
+        <a:solidFill>
+          <a:schemeClr val="tx1"/>
+        </a:solidFill>
+        <a:latin typeface="+mn-lt"/>
+        <a:ea typeface="+mn-ea"/>
+        <a:cs typeface="+mn-cs"/>
+      </a:defRPr>
+    </a:lvl2pPr>
+    <a:lvl3pPr marL="914400" algn="l" defTabSz="914400" rtl="0" eaLnBrk="1" latinLnBrk="0" hangingPunct="1">
+      <a:defRPr sz="1200" kern="1200">
+        <a:solidFill>
+          <a:schemeClr val="tx1"/>
+        </a:solidFill>
+        <a:latin typeface="+mn-lt"/>
+        <a:ea typeface="+mn-ea"/>
+        <a:cs typeface="+mn-cs"/>
+      </a:defRPr>
+    </a:lvl3pPr>
+    <a:lvl4pPr marL="1371600" algn="l" defTabSz="914400" rtl="0" eaLnBrk="1" latinLnBrk="0" hangingPunct="1">
+      <a:defRPr sz="1200" kern="1200">
+        <a:solidFill>
+          <a:schemeClr val="tx1"/>
+        </a:solidFill>
+        <a:latin typeface="+mn-lt"/>
+        <a:ea typeface="+mn-ea"/>
+        <a:cs typeface="+mn-cs"/>
+      </a:defRPr>
+    </a:lvl4pPr>
+    <a:lvl5pPr marL="1828800" algn="l" defTabSz="914400" rtl="0" eaLnBrk="1" latinLnBrk="0" hangingPunct="1">
+      <a:defRPr sz="1200" kern="1200">
+        <a:solidFill>
+          <a:schemeClr val="tx1"/>
+        </a:solidFill>
+        <a:latin typeface="+mn-lt"/>
+        <a:ea typeface="+mn-ea"/>
+        <a:cs typeface="+mn-cs"/>
+      </a:defRPr>
+    </a:lvl5pPr>
+    <a:lvl6pPr marL="2286000" algn="l" defTabSz="914400" rtl="0" eaLnBrk="1" latinLnBrk="0" hangingPunct="1">
+      <a:defRPr sz="1200" kern="1200">
+        <a:solidFill>
+          <a:schemeClr val="tx1"/>
+        </a:solidFill>
+        <a:latin typeface="+mn-lt"/>
+        <a:ea typeface="+mn-ea"/>
+        <a:cs typeface="+mn-cs"/>
+      </a:defRPr>
+    </a:lvl6pPr>
+    <a:lvl7pPr marL="2743200" algn="l" defTabSz="914400" rtl="0" eaLnBrk="1" latinLnBrk="0" hangingPunct="1">
+      <a:defRPr sz="1200" kern="1200">
+        <a:solidFill>
+          <a:schemeClr val="tx1"/>
+        </a:solidFill>
+        <a:latin typeface="+mn-lt"/>
+        <a:ea typeface="+mn-ea"/>
+        <a:cs typeface="+mn-cs"/>
+      </a:defRPr>
+    </a:lvl7pPr>
+    <a:lvl8pPr marL="3200400" algn="l" defTabSz="914400" rtl="0" eaLnBrk="1" latinLnBrk="0" hangingPunct="1">
+      <a:defRPr sz="1200" kern="1200">
+        <a:solidFill>
+          <a:schemeClr val="tx1"/>
+        </a:solidFill>
+        <a:latin typeface="+mn-lt"/>
+        <a:ea typeface="+mn-ea"/>
+        <a:cs typeface="+mn-cs"/>
+      </a:defRPr>
+    </a:lvl8pPr>
+    <a:lvl9pPr marL="3657600" algn="l" defTabSz="914400" rtl="0" eaLnBrk="1" latinLnBrk="0" hangingPunct="1">
+      <a:defRPr sz="1200" kern="1200">
+        <a:solidFill>
+          <a:schemeClr val="tx1"/>
+        </a:solidFill>
+        <a:latin typeface="+mn-lt"/>
+        <a:ea typeface="+mn-ea"/>
+        <a:cs typeface="+mn-cs"/>
+      </a:defRPr>
+    </a:lvl9pPr>
+  </p:notesStyle>
+</p:notesMaster>
+</file>
+
+<file path=ppt/notesSlides/notesSlide1.xml><?xml version="1.0" encoding="utf-8"?>
+<p:notes xmlns:a="http://schemas.openxmlformats.org/drawingml/2006/main" xmlns:r="http://schemas.openxmlformats.org/officeDocument/2006/relationships" xmlns:p="http://schemas.openxmlformats.org/presentationml/2006/main">
+  <p:cSld>
+    <p:spTree>
+      <p:nvGrpSpPr>
+        <p:cNvPr id="1" name=""/>
+        <p:cNvGrpSpPr/>
+        <p:nvPr/>
+      </p:nvGrpSpPr>
+      <p:grpSpPr>
+        <a:xfrm>
+          <a:off x="0" y="0"/>
+          <a:ext cx="0" cy="0"/>
+          <a:chOff x="0" y="0"/>
+          <a:chExt cx="0" cy="0"/>
+        </a:xfrm>
+      </p:grpSpPr>
+      <p:sp>
+        <p:nvSpPr>
+          <p:cNvPr id="2" name="幻灯片图像占位符 1"/>
+          <p:cNvSpPr>
+            <a:spLocks noGrp="1" noRot="1" noChangeAspect="1"/>
+          </p:cNvSpPr>
+          <p:nvPr>
+            <p:ph type="sldImg"/>
+          </p:nvPr>
+        </p:nvSpPr>
+        <p:spPr/>
+      </p:sp>
+      <p:sp>
+        <p:nvSpPr>
+          <p:cNvPr id="3" name="备注占位符 2"/>
+          <p:cNvSpPr>
+            <a:spLocks noGrp="1"/>
+          </p:cNvSpPr>
+          <p:nvPr>
+            <p:ph type="body" idx="1"/>
+          </p:nvPr>
+        </p:nvSpPr>
+        <p:spPr/>
+        <p:txBody>
+          <a:bodyPr/>
+          <a:lstStyle/>
+          <a:p>
+            <a:r>
+              <a:rPr lang="en-US" altLang="zh-CN" dirty="0"/>
+              <a:t>3 </a:t>
+            </a:r>
+            <a:r>
+              <a:rPr lang="en-US" altLang="zh-CN" dirty="0" err="1"/>
+              <a:t>v.s</a:t>
+            </a:r>
+            <a:r>
+              <a:rPr lang="en-US" altLang="zh-CN" dirty="0"/>
+              <a:t>. 12</a:t>
+            </a:r>
+            <a:endParaRPr lang="zh-CN" altLang="en-US" dirty="0"/>
+          </a:p>
+        </p:txBody>
+      </p:sp>
+      <p:sp>
+        <p:nvSpPr>
+          <p:cNvPr id="4" name="灯片编号占位符 3"/>
+          <p:cNvSpPr>
+            <a:spLocks noGrp="1"/>
+          </p:cNvSpPr>
+          <p:nvPr>
+            <p:ph type="sldNum" sz="quarter" idx="5"/>
+          </p:nvPr>
+        </p:nvSpPr>
+        <p:spPr/>
+        <p:txBody>
+          <a:bodyPr/>
+          <a:lstStyle/>
+          <a:p>
+            <a:fld id="{8454D21D-5965-4AFE-A4CD-8D0F7C8AAB39}" type="slidenum">
+              <a:rPr lang="zh-CN" altLang="en-US" smtClean="0"/>
+              <a:t>24</a:t>
+            </a:fld>
+            <a:endParaRPr lang="zh-CN" altLang="en-US"/>
+          </a:p>
+        </p:txBody>
+      </p:sp>
+    </p:spTree>
+    <p:extLst>
+      <p:ext uri="{BB962C8B-B14F-4D97-AF65-F5344CB8AC3E}">
+        <p14:creationId xmlns:p14="http://schemas.microsoft.com/office/powerpoint/2010/main" val="869987425"/>
+      </p:ext>
+    </p:extLst>
+  </p:cSld>
+  <p:clrMapOvr>
+    <a:masterClrMapping/>
+  </p:clrMapOvr>
+</p:notes>
+</file>
+
+<file path=ppt/notesSlides/notesSlide2.xml><?xml version="1.0" encoding="utf-8"?>
+<p:notes xmlns:a="http://schemas.openxmlformats.org/drawingml/2006/main" xmlns:r="http://schemas.openxmlformats.org/officeDocument/2006/relationships" xmlns:p="http://schemas.openxmlformats.org/presentationml/2006/main">
+  <p:cSld>
+    <p:spTree>
+      <p:nvGrpSpPr>
+        <p:cNvPr id="1" name=""/>
+        <p:cNvGrpSpPr/>
+        <p:nvPr/>
+      </p:nvGrpSpPr>
+      <p:grpSpPr>
+        <a:xfrm>
+          <a:off x="0" y="0"/>
+          <a:ext cx="0" cy="0"/>
+          <a:chOff x="0" y="0"/>
+          <a:chExt cx="0" cy="0"/>
+        </a:xfrm>
+      </p:grpSpPr>
+      <p:sp>
+        <p:nvSpPr>
+          <p:cNvPr id="2" name="幻灯片图像占位符 1"/>
+          <p:cNvSpPr>
+            <a:spLocks noGrp="1" noRot="1" noChangeAspect="1"/>
+          </p:cNvSpPr>
+          <p:nvPr>
+            <p:ph type="sldImg"/>
+          </p:nvPr>
+        </p:nvSpPr>
+        <p:spPr/>
+      </p:sp>
+      <p:sp>
+        <p:nvSpPr>
+          <p:cNvPr id="3" name="备注占位符 2"/>
+          <p:cNvSpPr>
+            <a:spLocks noGrp="1"/>
+          </p:cNvSpPr>
+          <p:nvPr>
+            <p:ph type="body" idx="1"/>
+          </p:nvPr>
+        </p:nvSpPr>
+        <p:spPr/>
+        <p:txBody>
+          <a:bodyPr/>
+          <a:lstStyle/>
+          <a:p>
+            <a:r>
+              <a:rPr lang="en-US" altLang="zh-CN" dirty="0"/>
+              <a:t>30 </a:t>
+            </a:r>
+            <a:r>
+              <a:rPr lang="en-US" altLang="zh-CN" dirty="0" err="1"/>
+              <a:t>v.s</a:t>
+            </a:r>
+            <a:r>
+              <a:rPr lang="en-US" altLang="zh-CN" dirty="0"/>
+              <a:t>. 12</a:t>
+            </a:r>
+          </a:p>
+          <a:p>
+            <a:r>
+              <a:rPr lang="en-US" altLang="zh-CN" dirty="0"/>
+              <a:t>Speed 30 less often affected? 5c+10c is fast so this effect can be covered, but 2c is slow so it’s obvious?</a:t>
+            </a:r>
+            <a:endParaRPr lang="zh-CN" altLang="en-US" dirty="0"/>
+          </a:p>
+        </p:txBody>
+      </p:sp>
+      <p:sp>
+        <p:nvSpPr>
+          <p:cNvPr id="4" name="灯片编号占位符 3"/>
+          <p:cNvSpPr>
+            <a:spLocks noGrp="1"/>
+          </p:cNvSpPr>
+          <p:nvPr>
+            <p:ph type="sldNum" sz="quarter" idx="5"/>
+          </p:nvPr>
+        </p:nvSpPr>
+        <p:spPr/>
+        <p:txBody>
+          <a:bodyPr/>
+          <a:lstStyle/>
+          <a:p>
+            <a:fld id="{8454D21D-5965-4AFE-A4CD-8D0F7C8AAB39}" type="slidenum">
+              <a:rPr lang="zh-CN" altLang="en-US" smtClean="0"/>
+              <a:t>25</a:t>
+            </a:fld>
+            <a:endParaRPr lang="zh-CN" altLang="en-US"/>
+          </a:p>
+        </p:txBody>
+      </p:sp>
+    </p:spTree>
+    <p:extLst>
+      <p:ext uri="{BB962C8B-B14F-4D97-AF65-F5344CB8AC3E}">
+        <p14:creationId xmlns:p14="http://schemas.microsoft.com/office/powerpoint/2010/main" val="3371427370"/>
+      </p:ext>
+    </p:extLst>
+  </p:cSld>
+  <p:clrMapOvr>
+    <a:masterClrMapping/>
+  </p:clrMapOvr>
+</p:notes>
 </file>
 
 <file path=ppt/slideLayouts/slideLayout1.xml><?xml version="1.0" encoding="utf-8"?>
@@ -3450,7 +4009,7 @@
           <a:p>
             <a:r>
               <a:rPr lang="en-US" altLang="zh-CN" dirty="0"/>
-              <a:t>Bad node 2/2</a:t>
+              <a:t>Bad node 1/2</a:t>
             </a:r>
             <a:endParaRPr lang="zh-CN" altLang="en-US" dirty="0"/>
           </a:p>
@@ -3458,10 +4017,10 @@
       </p:sp>
       <p:pic>
         <p:nvPicPr>
-          <p:cNvPr id="4" name="图片 3" descr="图片包含 游戏机, 文字, 地图, 截图&#10;&#10;描述已自动生成">
-            <a:extLst>
-              <a:ext uri="{FF2B5EF4-FFF2-40B4-BE49-F238E27FC236}">
-                <a16:creationId xmlns:a16="http://schemas.microsoft.com/office/drawing/2014/main" id="{A7C97D75-CDA5-4B25-ACD7-2BD8AB1BC426}"/>
+          <p:cNvPr id="4" name="图片 3" descr="社交网络的手机截图&#10;&#10;描述已自动生成">
+            <a:extLst>
+              <a:ext uri="{FF2B5EF4-FFF2-40B4-BE49-F238E27FC236}">
+                <a16:creationId xmlns:a16="http://schemas.microsoft.com/office/drawing/2014/main" id="{D38049F9-9BE6-4FBA-8790-A4F229BADE13}"/>
               </a:ext>
             </a:extLst>
           </p:cNvPr>
@@ -3495,7 +4054,7 @@
     </p:spTree>
     <p:extLst>
       <p:ext uri="{BB962C8B-B14F-4D97-AF65-F5344CB8AC3E}">
-        <p14:creationId xmlns:p14="http://schemas.microsoft.com/office/powerpoint/2010/main" val="1241374216"/>
+        <p14:creationId xmlns:p14="http://schemas.microsoft.com/office/powerpoint/2010/main" val="482722294"/>
       </p:ext>
     </p:extLst>
   </p:cSld>
@@ -3527,7 +4086,7 @@
           <p:cNvPr id="2" name="标题 1">
             <a:extLst>
               <a:ext uri="{FF2B5EF4-FFF2-40B4-BE49-F238E27FC236}">
-                <a16:creationId xmlns:a16="http://schemas.microsoft.com/office/drawing/2014/main" id="{FDBDF9CE-045B-4932-BBDF-5C6982733BDC}"/>
+                <a16:creationId xmlns:a16="http://schemas.microsoft.com/office/drawing/2014/main" id="{86024D0A-2059-4658-924A-C1ED2407772F}"/>
               </a:ext>
             </a:extLst>
           </p:cNvPr>
@@ -3545,463 +4104,52 @@
           <a:p>
             <a:r>
               <a:rPr lang="en-US" altLang="zh-CN" dirty="0"/>
-              <a:t>Data Dispersion</a:t>
+              <a:t>Bad node 2/2</a:t>
             </a:r>
             <a:endParaRPr lang="zh-CN" altLang="en-US" dirty="0"/>
           </a:p>
         </p:txBody>
       </p:sp>
-      <p:sp>
-        <p:nvSpPr>
-          <p:cNvPr id="4" name="内容占位符 2">
-            <a:extLst>
-              <a:ext uri="{FF2B5EF4-FFF2-40B4-BE49-F238E27FC236}">
-                <a16:creationId xmlns:a16="http://schemas.microsoft.com/office/drawing/2014/main" id="{2C356662-19B9-45D4-9062-10CAA847693C}"/>
-              </a:ext>
-            </a:extLst>
-          </p:cNvPr>
-          <p:cNvSpPr>
-            <a:spLocks noGrp="1"/>
-          </p:cNvSpPr>
-          <p:nvPr>
-            <p:ph idx="1"/>
-          </p:nvPr>
-        </p:nvSpPr>
-        <p:spPr>
-          <a:xfrm>
-            <a:off x="838200" y="1825625"/>
-            <a:ext cx="3488703" cy="4351338"/>
-          </a:xfrm>
-        </p:spPr>
-        <p:txBody>
-          <a:bodyPr/>
-          <a:lstStyle/>
-          <a:p>
-            <a:r>
-              <a:rPr lang="en-US" altLang="zh-CN" dirty="0"/>
-              <a:t>4000 training data</a:t>
-            </a:r>
-          </a:p>
-          <a:p>
-            <a:r>
-              <a:rPr lang="en-US" altLang="zh-CN" dirty="0"/>
-              <a:t>10000 testing data</a:t>
-            </a:r>
-          </a:p>
-          <a:p>
-            <a:r>
-              <a:rPr lang="en-US" altLang="zh-CN" dirty="0"/>
-              <a:t>Early stop = 500</a:t>
-            </a:r>
-          </a:p>
-          <a:p>
-            <a:r>
-              <a:rPr lang="en-US" altLang="zh-CN" dirty="0"/>
-              <a:t>Local step = 1</a:t>
-            </a:r>
-          </a:p>
-        </p:txBody>
-      </p:sp>
-      <p:sp>
-        <p:nvSpPr>
-          <p:cNvPr id="5" name="矩形: 圆角 4">
-            <a:extLst>
-              <a:ext uri="{FF2B5EF4-FFF2-40B4-BE49-F238E27FC236}">
-                <a16:creationId xmlns:a16="http://schemas.microsoft.com/office/drawing/2014/main" id="{7852626E-88A3-4826-B82C-BA1D17B97684}"/>
-              </a:ext>
-            </a:extLst>
-          </p:cNvPr>
-          <p:cNvSpPr/>
+      <p:pic>
+        <p:nvPicPr>
+          <p:cNvPr id="4" name="图片 3" descr="图片包含 游戏机, 文字, 地图, 截图&#10;&#10;描述已自动生成">
+            <a:extLst>
+              <a:ext uri="{FF2B5EF4-FFF2-40B4-BE49-F238E27FC236}">
+                <a16:creationId xmlns:a16="http://schemas.microsoft.com/office/drawing/2014/main" id="{A7C97D75-CDA5-4B25-ACD7-2BD8AB1BC426}"/>
+              </a:ext>
+            </a:extLst>
+          </p:cNvPr>
+          <p:cNvPicPr>
+            <a:picLocks noChangeAspect="1"/>
+          </p:cNvPicPr>
           <p:nvPr/>
-        </p:nvSpPr>
-        <p:spPr>
-          <a:xfrm>
-            <a:off x="8594103" y="2375556"/>
-            <a:ext cx="2652074" cy="669302"/>
-          </a:xfrm>
-          <a:prstGeom prst="roundRect">
+        </p:nvPicPr>
+        <p:blipFill>
+          <a:blip r:embed="rId2">
+            <a:extLst>
+              <a:ext uri="{28A0092B-C50C-407E-A947-70E740481C1C}">
+                <a14:useLocalDpi xmlns:a14="http://schemas.microsoft.com/office/drawing/2010/main" val="0"/>
+              </a:ext>
+            </a:extLst>
+          </a:blip>
+          <a:stretch>
+            <a:fillRect/>
+          </a:stretch>
+        </p:blipFill>
+        <p:spPr>
+          <a:xfrm>
+            <a:off x="0" y="1690688"/>
+            <a:ext cx="12192000" cy="4370717"/>
+          </a:xfrm>
+          <a:prstGeom prst="rect">
             <a:avLst/>
           </a:prstGeom>
         </p:spPr>
-        <p:style>
-          <a:lnRef idx="2">
-            <a:schemeClr val="accent1">
-              <a:shade val="50000"/>
-            </a:schemeClr>
-          </a:lnRef>
-          <a:fillRef idx="1">
-            <a:schemeClr val="accent1"/>
-          </a:fillRef>
-          <a:effectRef idx="0">
-            <a:schemeClr val="accent1"/>
-          </a:effectRef>
-          <a:fontRef idx="minor">
-            <a:schemeClr val="lt1"/>
-          </a:fontRef>
-        </p:style>
-        <p:txBody>
-          <a:bodyPr rtlCol="0" anchor="ctr"/>
-          <a:lstStyle/>
-          <a:p>
-            <a:pPr algn="ctr"/>
-            <a:r>
-              <a:rPr lang="en-US" altLang="zh-CN" sz="2800" dirty="0"/>
-              <a:t>Node Number</a:t>
-            </a:r>
-            <a:endParaRPr lang="zh-CN" altLang="en-US" sz="2800" dirty="0"/>
-          </a:p>
-        </p:txBody>
-      </p:sp>
-      <p:sp>
-        <p:nvSpPr>
-          <p:cNvPr id="6" name="矩形: 圆角 5">
-            <a:extLst>
-              <a:ext uri="{FF2B5EF4-FFF2-40B4-BE49-F238E27FC236}">
-                <a16:creationId xmlns:a16="http://schemas.microsoft.com/office/drawing/2014/main" id="{7E76EE64-F003-4269-8EB6-0DF242C2EBDC}"/>
-              </a:ext>
-            </a:extLst>
-          </p:cNvPr>
-          <p:cNvSpPr/>
-          <p:nvPr/>
-        </p:nvSpPr>
-        <p:spPr>
-          <a:xfrm>
-            <a:off x="6095999" y="2375556"/>
-            <a:ext cx="2185447" cy="669302"/>
-          </a:xfrm>
-          <a:prstGeom prst="roundRect">
-            <a:avLst/>
-          </a:prstGeom>
-        </p:spPr>
-        <p:style>
-          <a:lnRef idx="2">
-            <a:schemeClr val="accent1">
-              <a:shade val="50000"/>
-            </a:schemeClr>
-          </a:lnRef>
-          <a:fillRef idx="1">
-            <a:schemeClr val="accent1"/>
-          </a:fillRef>
-          <a:effectRef idx="0">
-            <a:schemeClr val="accent1"/>
-          </a:effectRef>
-          <a:fontRef idx="minor">
-            <a:schemeClr val="lt1"/>
-          </a:fontRef>
-        </p:style>
-        <p:txBody>
-          <a:bodyPr rtlCol="0" anchor="ctr"/>
-          <a:lstStyle/>
-          <a:p>
-            <a:pPr algn="ctr"/>
-            <a:r>
-              <a:rPr lang="en-US" altLang="zh-CN" sz="2800" dirty="0"/>
-              <a:t>If </a:t>
-            </a:r>
-            <a:r>
-              <a:rPr lang="en-US" altLang="zh-CN" sz="2800" dirty="0" err="1"/>
-              <a:t>iid</a:t>
-            </a:r>
-            <a:r>
-              <a:rPr lang="en-US" altLang="zh-CN" sz="2800" dirty="0"/>
-              <a:t>?</a:t>
-            </a:r>
-            <a:endParaRPr lang="zh-CN" altLang="en-US" sz="2800" dirty="0"/>
-          </a:p>
-        </p:txBody>
-      </p:sp>
-      <p:sp>
-        <p:nvSpPr>
-          <p:cNvPr id="7" name="矩形: 剪去对角 6">
-            <a:extLst>
-              <a:ext uri="{FF2B5EF4-FFF2-40B4-BE49-F238E27FC236}">
-                <a16:creationId xmlns:a16="http://schemas.microsoft.com/office/drawing/2014/main" id="{E678392B-B353-4D19-A2E1-F70452246773}"/>
-              </a:ext>
-            </a:extLst>
-          </p:cNvPr>
-          <p:cNvSpPr/>
-          <p:nvPr/>
-        </p:nvSpPr>
-        <p:spPr>
-          <a:xfrm>
-            <a:off x="6645108" y="3442209"/>
-            <a:ext cx="1075444" cy="575034"/>
-          </a:xfrm>
-          <a:prstGeom prst="snip2DiagRect">
-            <a:avLst/>
-          </a:prstGeom>
-        </p:spPr>
-        <p:style>
-          <a:lnRef idx="2">
-            <a:schemeClr val="accent1"/>
-          </a:lnRef>
-          <a:fillRef idx="1">
-            <a:schemeClr val="lt1"/>
-          </a:fillRef>
-          <a:effectRef idx="0">
-            <a:schemeClr val="accent1"/>
-          </a:effectRef>
-          <a:fontRef idx="minor">
-            <a:schemeClr val="dk1"/>
-          </a:fontRef>
-        </p:style>
-        <p:txBody>
-          <a:bodyPr rtlCol="0" anchor="ctr"/>
-          <a:lstStyle/>
-          <a:p>
-            <a:pPr algn="ctr"/>
-            <a:r>
-              <a:rPr lang="en-US" altLang="zh-CN" sz="2800" dirty="0"/>
-              <a:t>2</a:t>
-            </a:r>
-            <a:endParaRPr lang="zh-CN" altLang="en-US" sz="2800" dirty="0"/>
-          </a:p>
-        </p:txBody>
-      </p:sp>
-      <p:sp>
-        <p:nvSpPr>
-          <p:cNvPr id="8" name="矩形: 剪去对角 7">
-            <a:extLst>
-              <a:ext uri="{FF2B5EF4-FFF2-40B4-BE49-F238E27FC236}">
-                <a16:creationId xmlns:a16="http://schemas.microsoft.com/office/drawing/2014/main" id="{2C738EC7-EEA1-4BE5-926B-AA82C426063E}"/>
-              </a:ext>
-            </a:extLst>
-          </p:cNvPr>
-          <p:cNvSpPr/>
-          <p:nvPr/>
-        </p:nvSpPr>
-        <p:spPr>
-          <a:xfrm>
-            <a:off x="6645108" y="4245058"/>
-            <a:ext cx="1075444" cy="575034"/>
-          </a:xfrm>
-          <a:prstGeom prst="snip2DiagRect">
-            <a:avLst/>
-          </a:prstGeom>
-        </p:spPr>
-        <p:style>
-          <a:lnRef idx="2">
-            <a:schemeClr val="accent1"/>
-          </a:lnRef>
-          <a:fillRef idx="1">
-            <a:schemeClr val="lt1"/>
-          </a:fillRef>
-          <a:effectRef idx="0">
-            <a:schemeClr val="accent1"/>
-          </a:effectRef>
-          <a:fontRef idx="minor">
-            <a:schemeClr val="dk1"/>
-          </a:fontRef>
-        </p:style>
-        <p:txBody>
-          <a:bodyPr rtlCol="0" anchor="ctr"/>
-          <a:lstStyle/>
-          <a:p>
-            <a:pPr algn="ctr"/>
-            <a:r>
-              <a:rPr lang="en-US" altLang="zh-CN" sz="2800" dirty="0"/>
-              <a:t>5</a:t>
-            </a:r>
-            <a:endParaRPr lang="zh-CN" altLang="en-US" sz="2800" dirty="0"/>
-          </a:p>
-        </p:txBody>
-      </p:sp>
-      <p:sp>
-        <p:nvSpPr>
-          <p:cNvPr id="9" name="矩形: 剪去对角 8">
-            <a:extLst>
-              <a:ext uri="{FF2B5EF4-FFF2-40B4-BE49-F238E27FC236}">
-                <a16:creationId xmlns:a16="http://schemas.microsoft.com/office/drawing/2014/main" id="{87E82B66-9C79-495E-A4A9-8753F8DEB2EE}"/>
-              </a:ext>
-            </a:extLst>
-          </p:cNvPr>
-          <p:cNvSpPr/>
-          <p:nvPr/>
-        </p:nvSpPr>
-        <p:spPr>
-          <a:xfrm>
-            <a:off x="6645108" y="5047908"/>
-            <a:ext cx="1075444" cy="575034"/>
-          </a:xfrm>
-          <a:prstGeom prst="snip2DiagRect">
-            <a:avLst/>
-          </a:prstGeom>
-        </p:spPr>
-        <p:style>
-          <a:lnRef idx="2">
-            <a:schemeClr val="accent1"/>
-          </a:lnRef>
-          <a:fillRef idx="1">
-            <a:schemeClr val="lt1"/>
-          </a:fillRef>
-          <a:effectRef idx="0">
-            <a:schemeClr val="accent1"/>
-          </a:effectRef>
-          <a:fontRef idx="minor">
-            <a:schemeClr val="dk1"/>
-          </a:fontRef>
-        </p:style>
-        <p:txBody>
-          <a:bodyPr rtlCol="0" anchor="ctr"/>
-          <a:lstStyle/>
-          <a:p>
-            <a:pPr algn="ctr"/>
-            <a:r>
-              <a:rPr lang="en-US" altLang="zh-CN" sz="2800" dirty="0" err="1"/>
-              <a:t>iid</a:t>
-            </a:r>
-            <a:endParaRPr lang="zh-CN" altLang="en-US" sz="2800" dirty="0"/>
-          </a:p>
-        </p:txBody>
-      </p:sp>
-      <p:sp>
-        <p:nvSpPr>
-          <p:cNvPr id="10" name="矩形: 剪去对角 9">
-            <a:extLst>
-              <a:ext uri="{FF2B5EF4-FFF2-40B4-BE49-F238E27FC236}">
-                <a16:creationId xmlns:a16="http://schemas.microsoft.com/office/drawing/2014/main" id="{3735BF18-9AD2-4DEA-8878-57CE5589669B}"/>
-              </a:ext>
-            </a:extLst>
-          </p:cNvPr>
-          <p:cNvSpPr/>
-          <p:nvPr/>
-        </p:nvSpPr>
-        <p:spPr>
-          <a:xfrm>
-            <a:off x="9149104" y="3442209"/>
-            <a:ext cx="1075444" cy="575034"/>
-          </a:xfrm>
-          <a:prstGeom prst="snip2DiagRect">
-            <a:avLst/>
-          </a:prstGeom>
-        </p:spPr>
-        <p:style>
-          <a:lnRef idx="2">
-            <a:schemeClr val="accent1"/>
-          </a:lnRef>
-          <a:fillRef idx="1">
-            <a:schemeClr val="lt1"/>
-          </a:fillRef>
-          <a:effectRef idx="0">
-            <a:schemeClr val="accent1"/>
-          </a:effectRef>
-          <a:fontRef idx="minor">
-            <a:schemeClr val="dk1"/>
-          </a:fontRef>
-        </p:style>
-        <p:txBody>
-          <a:bodyPr rtlCol="0" anchor="ctr"/>
-          <a:lstStyle/>
-          <a:p>
-            <a:pPr algn="ctr"/>
-            <a:r>
-              <a:rPr lang="en-US" altLang="zh-CN" sz="2800" dirty="0"/>
-              <a:t>10</a:t>
-            </a:r>
-            <a:endParaRPr lang="zh-CN" altLang="en-US" sz="2800" dirty="0"/>
-          </a:p>
-        </p:txBody>
-      </p:sp>
-      <p:sp>
-        <p:nvSpPr>
-          <p:cNvPr id="11" name="矩形: 剪去对角 10">
-            <a:extLst>
-              <a:ext uri="{FF2B5EF4-FFF2-40B4-BE49-F238E27FC236}">
-                <a16:creationId xmlns:a16="http://schemas.microsoft.com/office/drawing/2014/main" id="{A5711216-33FE-4502-898C-06EAF37FEB30}"/>
-              </a:ext>
-            </a:extLst>
-          </p:cNvPr>
-          <p:cNvSpPr/>
-          <p:nvPr/>
-        </p:nvSpPr>
-        <p:spPr>
-          <a:xfrm>
-            <a:off x="9149104" y="4245058"/>
-            <a:ext cx="1075444" cy="575034"/>
-          </a:xfrm>
-          <a:prstGeom prst="snip2DiagRect">
-            <a:avLst/>
-          </a:prstGeom>
-        </p:spPr>
-        <p:style>
-          <a:lnRef idx="2">
-            <a:schemeClr val="accent1"/>
-          </a:lnRef>
-          <a:fillRef idx="1">
-            <a:schemeClr val="lt1"/>
-          </a:fillRef>
-          <a:effectRef idx="0">
-            <a:schemeClr val="accent1"/>
-          </a:effectRef>
-          <a:fontRef idx="minor">
-            <a:schemeClr val="dk1"/>
-          </a:fontRef>
-        </p:style>
-        <p:txBody>
-          <a:bodyPr rtlCol="0" anchor="ctr"/>
-          <a:lstStyle/>
-          <a:p>
-            <a:pPr algn="ctr"/>
-            <a:r>
-              <a:rPr lang="en-US" altLang="zh-CN" sz="2800" dirty="0"/>
-              <a:t>40</a:t>
-            </a:r>
-            <a:endParaRPr lang="zh-CN" altLang="en-US" sz="2800" dirty="0"/>
-          </a:p>
-        </p:txBody>
-      </p:sp>
-      <p:sp>
-        <p:nvSpPr>
-          <p:cNvPr id="12" name="矩形: 剪去对角 11">
-            <a:extLst>
-              <a:ext uri="{FF2B5EF4-FFF2-40B4-BE49-F238E27FC236}">
-                <a16:creationId xmlns:a16="http://schemas.microsoft.com/office/drawing/2014/main" id="{2C441F24-107B-4451-BB68-0EB7DA90E4E8}"/>
-              </a:ext>
-            </a:extLst>
-          </p:cNvPr>
-          <p:cNvSpPr/>
-          <p:nvPr/>
-        </p:nvSpPr>
-        <p:spPr>
-          <a:xfrm>
-            <a:off x="9149104" y="5052475"/>
-            <a:ext cx="1075444" cy="575034"/>
-          </a:xfrm>
-          <a:prstGeom prst="snip2DiagRect">
-            <a:avLst/>
-          </a:prstGeom>
-        </p:spPr>
-        <p:style>
-          <a:lnRef idx="2">
-            <a:schemeClr val="accent1"/>
-          </a:lnRef>
-          <a:fillRef idx="1">
-            <a:schemeClr val="lt1"/>
-          </a:fillRef>
-          <a:effectRef idx="0">
-            <a:schemeClr val="accent1"/>
-          </a:effectRef>
-          <a:fontRef idx="minor">
-            <a:schemeClr val="dk1"/>
-          </a:fontRef>
-        </p:style>
-        <p:txBody>
-          <a:bodyPr rtlCol="0" anchor="ctr"/>
-          <a:lstStyle/>
-          <a:p>
-            <a:pPr algn="ctr"/>
-            <a:r>
-              <a:rPr lang="en-US" altLang="zh-CN" sz="2800" dirty="0"/>
-              <a:t>80</a:t>
-            </a:r>
-            <a:endParaRPr lang="zh-CN" altLang="en-US" sz="2800" dirty="0"/>
-          </a:p>
-        </p:txBody>
-      </p:sp>
+      </p:pic>
     </p:spTree>
     <p:extLst>
       <p:ext uri="{BB962C8B-B14F-4D97-AF65-F5344CB8AC3E}">
-        <p14:creationId xmlns:p14="http://schemas.microsoft.com/office/powerpoint/2010/main" val="3844753745"/>
+        <p14:creationId xmlns:p14="http://schemas.microsoft.com/office/powerpoint/2010/main" val="1241374216"/>
       </p:ext>
     </p:extLst>
   </p:cSld>
@@ -4033,7 +4181,7 @@
           <p:cNvPr id="2" name="标题 1">
             <a:extLst>
               <a:ext uri="{FF2B5EF4-FFF2-40B4-BE49-F238E27FC236}">
-                <a16:creationId xmlns:a16="http://schemas.microsoft.com/office/drawing/2014/main" id="{2DE457B0-39C5-4908-A55D-6DDDD056A976}"/>
+                <a16:creationId xmlns:a16="http://schemas.microsoft.com/office/drawing/2014/main" id="{FDBDF9CE-045B-4932-BBDF-5C6982733BDC}"/>
               </a:ext>
             </a:extLst>
           </p:cNvPr>
@@ -4051,7 +4199,7 @@
           <a:p>
             <a:r>
               <a:rPr lang="en-US" altLang="zh-CN" dirty="0"/>
-              <a:t>Data Dispersion 1/</a:t>
+              <a:t>Data Dispersion</a:t>
             </a:r>
             <a:endParaRPr lang="zh-CN" altLang="en-US" dirty="0"/>
           </a:p>
@@ -4059,10 +4207,10 @@
       </p:sp>
       <p:sp>
         <p:nvSpPr>
-          <p:cNvPr id="3" name="内容占位符 2">
-            <a:extLst>
-              <a:ext uri="{FF2B5EF4-FFF2-40B4-BE49-F238E27FC236}">
-                <a16:creationId xmlns:a16="http://schemas.microsoft.com/office/drawing/2014/main" id="{878D552A-D4F8-43DB-88E6-00E828392D47}"/>
+          <p:cNvPr id="4" name="内容占位符 2">
+            <a:extLst>
+              <a:ext uri="{FF2B5EF4-FFF2-40B4-BE49-F238E27FC236}">
+                <a16:creationId xmlns:a16="http://schemas.microsoft.com/office/drawing/2014/main" id="{2C356662-19B9-45D4-9062-10CAA847693C}"/>
               </a:ext>
             </a:extLst>
           </p:cNvPr>
@@ -4073,19 +4221,393 @@
             <p:ph idx="1"/>
           </p:nvPr>
         </p:nvSpPr>
-        <p:spPr/>
+        <p:spPr>
+          <a:xfrm>
+            <a:off x="838200" y="1825625"/>
+            <a:ext cx="3488703" cy="4351338"/>
+          </a:xfrm>
+        </p:spPr>
         <p:txBody>
           <a:bodyPr/>
           <a:lstStyle/>
           <a:p>
-            <a:endParaRPr lang="zh-CN" altLang="en-US"/>
+            <a:r>
+              <a:rPr lang="en-US" altLang="zh-CN" dirty="0"/>
+              <a:t>4000 training data</a:t>
+            </a:r>
+          </a:p>
+          <a:p>
+            <a:r>
+              <a:rPr lang="en-US" altLang="zh-CN" dirty="0"/>
+              <a:t>10000 testing data</a:t>
+            </a:r>
+          </a:p>
+          <a:p>
+            <a:r>
+              <a:rPr lang="en-US" altLang="zh-CN" dirty="0"/>
+              <a:t>Early stop = 500</a:t>
+            </a:r>
+          </a:p>
+          <a:p>
+            <a:r>
+              <a:rPr lang="en-US" altLang="zh-CN" dirty="0"/>
+              <a:t>Local step = 1</a:t>
+            </a:r>
+          </a:p>
+        </p:txBody>
+      </p:sp>
+      <p:sp>
+        <p:nvSpPr>
+          <p:cNvPr id="5" name="矩形: 圆角 4">
+            <a:extLst>
+              <a:ext uri="{FF2B5EF4-FFF2-40B4-BE49-F238E27FC236}">
+                <a16:creationId xmlns:a16="http://schemas.microsoft.com/office/drawing/2014/main" id="{7852626E-88A3-4826-B82C-BA1D17B97684}"/>
+              </a:ext>
+            </a:extLst>
+          </p:cNvPr>
+          <p:cNvSpPr/>
+          <p:nvPr/>
+        </p:nvSpPr>
+        <p:spPr>
+          <a:xfrm>
+            <a:off x="8594103" y="2375556"/>
+            <a:ext cx="2652074" cy="669302"/>
+          </a:xfrm>
+          <a:prstGeom prst="roundRect">
+            <a:avLst/>
+          </a:prstGeom>
+        </p:spPr>
+        <p:style>
+          <a:lnRef idx="2">
+            <a:schemeClr val="accent1">
+              <a:shade val="50000"/>
+            </a:schemeClr>
+          </a:lnRef>
+          <a:fillRef idx="1">
+            <a:schemeClr val="accent1"/>
+          </a:fillRef>
+          <a:effectRef idx="0">
+            <a:schemeClr val="accent1"/>
+          </a:effectRef>
+          <a:fontRef idx="minor">
+            <a:schemeClr val="lt1"/>
+          </a:fontRef>
+        </p:style>
+        <p:txBody>
+          <a:bodyPr rtlCol="0" anchor="ctr"/>
+          <a:lstStyle/>
+          <a:p>
+            <a:pPr algn="ctr"/>
+            <a:r>
+              <a:rPr lang="en-US" altLang="zh-CN" sz="2800" dirty="0"/>
+              <a:t>Node Number</a:t>
+            </a:r>
+            <a:endParaRPr lang="zh-CN" altLang="en-US" sz="2800" dirty="0"/>
+          </a:p>
+        </p:txBody>
+      </p:sp>
+      <p:sp>
+        <p:nvSpPr>
+          <p:cNvPr id="6" name="矩形: 圆角 5">
+            <a:extLst>
+              <a:ext uri="{FF2B5EF4-FFF2-40B4-BE49-F238E27FC236}">
+                <a16:creationId xmlns:a16="http://schemas.microsoft.com/office/drawing/2014/main" id="{7E76EE64-F003-4269-8EB6-0DF242C2EBDC}"/>
+              </a:ext>
+            </a:extLst>
+          </p:cNvPr>
+          <p:cNvSpPr/>
+          <p:nvPr/>
+        </p:nvSpPr>
+        <p:spPr>
+          <a:xfrm>
+            <a:off x="6095999" y="2375556"/>
+            <a:ext cx="2185447" cy="669302"/>
+          </a:xfrm>
+          <a:prstGeom prst="roundRect">
+            <a:avLst/>
+          </a:prstGeom>
+        </p:spPr>
+        <p:style>
+          <a:lnRef idx="2">
+            <a:schemeClr val="accent1">
+              <a:shade val="50000"/>
+            </a:schemeClr>
+          </a:lnRef>
+          <a:fillRef idx="1">
+            <a:schemeClr val="accent1"/>
+          </a:fillRef>
+          <a:effectRef idx="0">
+            <a:schemeClr val="accent1"/>
+          </a:effectRef>
+          <a:fontRef idx="minor">
+            <a:schemeClr val="lt1"/>
+          </a:fontRef>
+        </p:style>
+        <p:txBody>
+          <a:bodyPr rtlCol="0" anchor="ctr"/>
+          <a:lstStyle/>
+          <a:p>
+            <a:pPr algn="ctr"/>
+            <a:r>
+              <a:rPr lang="en-US" altLang="zh-CN" sz="2800" dirty="0"/>
+              <a:t>If </a:t>
+            </a:r>
+            <a:r>
+              <a:rPr lang="en-US" altLang="zh-CN" sz="2800" dirty="0" err="1"/>
+              <a:t>iid</a:t>
+            </a:r>
+            <a:r>
+              <a:rPr lang="en-US" altLang="zh-CN" sz="2800" dirty="0"/>
+              <a:t>?</a:t>
+            </a:r>
+            <a:endParaRPr lang="zh-CN" altLang="en-US" sz="2800" dirty="0"/>
+          </a:p>
+        </p:txBody>
+      </p:sp>
+      <p:sp>
+        <p:nvSpPr>
+          <p:cNvPr id="7" name="矩形: 剪去对角 6">
+            <a:extLst>
+              <a:ext uri="{FF2B5EF4-FFF2-40B4-BE49-F238E27FC236}">
+                <a16:creationId xmlns:a16="http://schemas.microsoft.com/office/drawing/2014/main" id="{E678392B-B353-4D19-A2E1-F70452246773}"/>
+              </a:ext>
+            </a:extLst>
+          </p:cNvPr>
+          <p:cNvSpPr/>
+          <p:nvPr/>
+        </p:nvSpPr>
+        <p:spPr>
+          <a:xfrm>
+            <a:off x="6645108" y="3442209"/>
+            <a:ext cx="1075444" cy="575034"/>
+          </a:xfrm>
+          <a:prstGeom prst="snip2DiagRect">
+            <a:avLst/>
+          </a:prstGeom>
+        </p:spPr>
+        <p:style>
+          <a:lnRef idx="2">
+            <a:schemeClr val="accent1"/>
+          </a:lnRef>
+          <a:fillRef idx="1">
+            <a:schemeClr val="lt1"/>
+          </a:fillRef>
+          <a:effectRef idx="0">
+            <a:schemeClr val="accent1"/>
+          </a:effectRef>
+          <a:fontRef idx="minor">
+            <a:schemeClr val="dk1"/>
+          </a:fontRef>
+        </p:style>
+        <p:txBody>
+          <a:bodyPr rtlCol="0" anchor="ctr"/>
+          <a:lstStyle/>
+          <a:p>
+            <a:pPr algn="ctr"/>
+            <a:r>
+              <a:rPr lang="en-US" altLang="zh-CN" sz="2800" dirty="0"/>
+              <a:t>2</a:t>
+            </a:r>
+            <a:endParaRPr lang="zh-CN" altLang="en-US" sz="2800" dirty="0"/>
+          </a:p>
+        </p:txBody>
+      </p:sp>
+      <p:sp>
+        <p:nvSpPr>
+          <p:cNvPr id="8" name="矩形: 剪去对角 7">
+            <a:extLst>
+              <a:ext uri="{FF2B5EF4-FFF2-40B4-BE49-F238E27FC236}">
+                <a16:creationId xmlns:a16="http://schemas.microsoft.com/office/drawing/2014/main" id="{2C738EC7-EEA1-4BE5-926B-AA82C426063E}"/>
+              </a:ext>
+            </a:extLst>
+          </p:cNvPr>
+          <p:cNvSpPr/>
+          <p:nvPr/>
+        </p:nvSpPr>
+        <p:spPr>
+          <a:xfrm>
+            <a:off x="6645108" y="4245058"/>
+            <a:ext cx="1075444" cy="575034"/>
+          </a:xfrm>
+          <a:prstGeom prst="snip2DiagRect">
+            <a:avLst/>
+          </a:prstGeom>
+        </p:spPr>
+        <p:style>
+          <a:lnRef idx="2">
+            <a:schemeClr val="accent1"/>
+          </a:lnRef>
+          <a:fillRef idx="1">
+            <a:schemeClr val="lt1"/>
+          </a:fillRef>
+          <a:effectRef idx="0">
+            <a:schemeClr val="accent1"/>
+          </a:effectRef>
+          <a:fontRef idx="minor">
+            <a:schemeClr val="dk1"/>
+          </a:fontRef>
+        </p:style>
+        <p:txBody>
+          <a:bodyPr rtlCol="0" anchor="ctr"/>
+          <a:lstStyle/>
+          <a:p>
+            <a:pPr algn="ctr"/>
+            <a:r>
+              <a:rPr lang="en-US" altLang="zh-CN" sz="2800" dirty="0"/>
+              <a:t>5</a:t>
+            </a:r>
+            <a:endParaRPr lang="zh-CN" altLang="en-US" sz="2800" dirty="0"/>
+          </a:p>
+        </p:txBody>
+      </p:sp>
+      <p:sp>
+        <p:nvSpPr>
+          <p:cNvPr id="9" name="矩形: 剪去对角 8">
+            <a:extLst>
+              <a:ext uri="{FF2B5EF4-FFF2-40B4-BE49-F238E27FC236}">
+                <a16:creationId xmlns:a16="http://schemas.microsoft.com/office/drawing/2014/main" id="{87E82B66-9C79-495E-A4A9-8753F8DEB2EE}"/>
+              </a:ext>
+            </a:extLst>
+          </p:cNvPr>
+          <p:cNvSpPr/>
+          <p:nvPr/>
+        </p:nvSpPr>
+        <p:spPr>
+          <a:xfrm>
+            <a:off x="6645108" y="5047908"/>
+            <a:ext cx="1075444" cy="575034"/>
+          </a:xfrm>
+          <a:prstGeom prst="snip2DiagRect">
+            <a:avLst/>
+          </a:prstGeom>
+        </p:spPr>
+        <p:style>
+          <a:lnRef idx="2">
+            <a:schemeClr val="accent1"/>
+          </a:lnRef>
+          <a:fillRef idx="1">
+            <a:schemeClr val="lt1"/>
+          </a:fillRef>
+          <a:effectRef idx="0">
+            <a:schemeClr val="accent1"/>
+          </a:effectRef>
+          <a:fontRef idx="minor">
+            <a:schemeClr val="dk1"/>
+          </a:fontRef>
+        </p:style>
+        <p:txBody>
+          <a:bodyPr rtlCol="0" anchor="ctr"/>
+          <a:lstStyle/>
+          <a:p>
+            <a:pPr algn="ctr"/>
+            <a:r>
+              <a:rPr lang="en-US" altLang="zh-CN" sz="2800" dirty="0" err="1"/>
+              <a:t>iid</a:t>
+            </a:r>
+            <a:endParaRPr lang="zh-CN" altLang="en-US" sz="2800" dirty="0"/>
+          </a:p>
+        </p:txBody>
+      </p:sp>
+      <p:sp>
+        <p:nvSpPr>
+          <p:cNvPr id="10" name="矩形: 剪去对角 9">
+            <a:extLst>
+              <a:ext uri="{FF2B5EF4-FFF2-40B4-BE49-F238E27FC236}">
+                <a16:creationId xmlns:a16="http://schemas.microsoft.com/office/drawing/2014/main" id="{3735BF18-9AD2-4DEA-8878-57CE5589669B}"/>
+              </a:ext>
+            </a:extLst>
+          </p:cNvPr>
+          <p:cNvSpPr/>
+          <p:nvPr/>
+        </p:nvSpPr>
+        <p:spPr>
+          <a:xfrm>
+            <a:off x="9149104" y="3442209"/>
+            <a:ext cx="1075444" cy="575034"/>
+          </a:xfrm>
+          <a:prstGeom prst="snip2DiagRect">
+            <a:avLst/>
+          </a:prstGeom>
+        </p:spPr>
+        <p:style>
+          <a:lnRef idx="2">
+            <a:schemeClr val="accent1"/>
+          </a:lnRef>
+          <a:fillRef idx="1">
+            <a:schemeClr val="lt1"/>
+          </a:fillRef>
+          <a:effectRef idx="0">
+            <a:schemeClr val="accent1"/>
+          </a:effectRef>
+          <a:fontRef idx="minor">
+            <a:schemeClr val="dk1"/>
+          </a:fontRef>
+        </p:style>
+        <p:txBody>
+          <a:bodyPr rtlCol="0" anchor="ctr"/>
+          <a:lstStyle/>
+          <a:p>
+            <a:pPr algn="ctr"/>
+            <a:r>
+              <a:rPr lang="en-US" altLang="zh-CN" sz="2800" dirty="0"/>
+              <a:t>10</a:t>
+            </a:r>
+            <a:endParaRPr lang="zh-CN" altLang="en-US" sz="2800" dirty="0"/>
+          </a:p>
+        </p:txBody>
+      </p:sp>
+      <p:sp>
+        <p:nvSpPr>
+          <p:cNvPr id="11" name="矩形: 剪去对角 10">
+            <a:extLst>
+              <a:ext uri="{FF2B5EF4-FFF2-40B4-BE49-F238E27FC236}">
+                <a16:creationId xmlns:a16="http://schemas.microsoft.com/office/drawing/2014/main" id="{A5711216-33FE-4502-898C-06EAF37FEB30}"/>
+              </a:ext>
+            </a:extLst>
+          </p:cNvPr>
+          <p:cNvSpPr/>
+          <p:nvPr/>
+        </p:nvSpPr>
+        <p:spPr>
+          <a:xfrm>
+            <a:off x="9149104" y="4245058"/>
+            <a:ext cx="1075444" cy="575034"/>
+          </a:xfrm>
+          <a:prstGeom prst="snip2DiagRect">
+            <a:avLst/>
+          </a:prstGeom>
+        </p:spPr>
+        <p:style>
+          <a:lnRef idx="2">
+            <a:schemeClr val="accent1"/>
+          </a:lnRef>
+          <a:fillRef idx="1">
+            <a:schemeClr val="lt1"/>
+          </a:fillRef>
+          <a:effectRef idx="0">
+            <a:schemeClr val="accent1"/>
+          </a:effectRef>
+          <a:fontRef idx="minor">
+            <a:schemeClr val="dk1"/>
+          </a:fontRef>
+        </p:style>
+        <p:txBody>
+          <a:bodyPr rtlCol="0" anchor="ctr"/>
+          <a:lstStyle/>
+          <a:p>
+            <a:pPr algn="ctr"/>
+            <a:r>
+              <a:rPr lang="en-US" altLang="zh-CN" sz="2800" dirty="0"/>
+              <a:t>40</a:t>
+            </a:r>
+            <a:endParaRPr lang="zh-CN" altLang="en-US" sz="2800" dirty="0"/>
           </a:p>
         </p:txBody>
       </p:sp>
     </p:spTree>
     <p:extLst>
       <p:ext uri="{BB962C8B-B14F-4D97-AF65-F5344CB8AC3E}">
-        <p14:creationId xmlns:p14="http://schemas.microsoft.com/office/powerpoint/2010/main" val="4041249589"/>
+        <p14:creationId xmlns:p14="http://schemas.microsoft.com/office/powerpoint/2010/main" val="3844753745"/>
       </p:ext>
     </p:extLst>
   </p:cSld>
@@ -4117,7 +4639,7 @@
           <p:cNvPr id="2" name="标题 1">
             <a:extLst>
               <a:ext uri="{FF2B5EF4-FFF2-40B4-BE49-F238E27FC236}">
-                <a16:creationId xmlns:a16="http://schemas.microsoft.com/office/drawing/2014/main" id="{FDBDF9CE-045B-4932-BBDF-5C6982733BDC}"/>
+                <a16:creationId xmlns:a16="http://schemas.microsoft.com/office/drawing/2014/main" id="{2DE457B0-39C5-4908-A55D-6DDDD056A976}"/>
               </a:ext>
             </a:extLst>
           </p:cNvPr>
@@ -4128,537 +4650,23 @@
             <p:ph type="title"/>
           </p:nvPr>
         </p:nvSpPr>
-        <p:spPr>
-          <a:xfrm>
-            <a:off x="838200" y="365125"/>
-            <a:ext cx="10515600" cy="1325563"/>
-          </a:xfrm>
-        </p:spPr>
+        <p:spPr/>
         <p:txBody>
           <a:bodyPr/>
           <a:lstStyle/>
           <a:p>
             <a:r>
               <a:rPr lang="en-US" altLang="zh-CN" dirty="0"/>
-              <a:t>Share data</a:t>
+              <a:t>Data Dispersion 1/</a:t>
             </a:r>
             <a:endParaRPr lang="zh-CN" altLang="en-US" dirty="0"/>
-          </a:p>
-        </p:txBody>
-      </p:sp>
-      <p:sp>
-        <p:nvSpPr>
-          <p:cNvPr id="14" name="矩形: 剪去对角 13">
-            <a:extLst>
-              <a:ext uri="{FF2B5EF4-FFF2-40B4-BE49-F238E27FC236}">
-                <a16:creationId xmlns:a16="http://schemas.microsoft.com/office/drawing/2014/main" id="{3E638F6C-32BE-40C6-B744-2348D5177696}"/>
-              </a:ext>
-            </a:extLst>
-          </p:cNvPr>
-          <p:cNvSpPr/>
-          <p:nvPr/>
-        </p:nvSpPr>
-        <p:spPr>
-          <a:xfrm>
-            <a:off x="5497288" y="2575583"/>
-            <a:ext cx="1922286" cy="1054376"/>
-          </a:xfrm>
-          <a:prstGeom prst="snip2DiagRect">
-            <a:avLst/>
-          </a:prstGeom>
-        </p:spPr>
-        <p:style>
-          <a:lnRef idx="2">
-            <a:schemeClr val="accent1"/>
-          </a:lnRef>
-          <a:fillRef idx="1">
-            <a:schemeClr val="lt1"/>
-          </a:fillRef>
-          <a:effectRef idx="0">
-            <a:schemeClr val="accent1"/>
-          </a:effectRef>
-          <a:fontRef idx="minor">
-            <a:schemeClr val="dk1"/>
-          </a:fontRef>
-        </p:style>
-        <p:txBody>
-          <a:bodyPr rtlCol="0" anchor="ctr"/>
-          <a:lstStyle/>
-          <a:p>
-            <a:pPr algn="ctr"/>
-            <a:r>
-              <a:rPr lang="en-US" altLang="zh-CN" sz="2800" dirty="0"/>
-              <a:t>Set local epoch </a:t>
-            </a:r>
-            <a:r>
-              <a:rPr lang="en-US" altLang="zh-CN" sz="2800" dirty="0" err="1"/>
-              <a:t>iid</a:t>
-            </a:r>
-            <a:endParaRPr lang="zh-CN" altLang="en-US" sz="2800" dirty="0"/>
-          </a:p>
-        </p:txBody>
-      </p:sp>
-      <p:sp>
-        <p:nvSpPr>
-          <p:cNvPr id="15" name="矩形: 剪去对角 14">
-            <a:extLst>
-              <a:ext uri="{FF2B5EF4-FFF2-40B4-BE49-F238E27FC236}">
-                <a16:creationId xmlns:a16="http://schemas.microsoft.com/office/drawing/2014/main" id="{AB9D54BA-6241-452D-BB88-3F78E91FAE1B}"/>
-              </a:ext>
-            </a:extLst>
-          </p:cNvPr>
-          <p:cNvSpPr/>
-          <p:nvPr/>
-        </p:nvSpPr>
-        <p:spPr>
-          <a:xfrm>
-            <a:off x="5497288" y="3905620"/>
-            <a:ext cx="1922286" cy="1305045"/>
-          </a:xfrm>
-          <a:prstGeom prst="snip2DiagRect">
-            <a:avLst/>
-          </a:prstGeom>
-        </p:spPr>
-        <p:style>
-          <a:lnRef idx="2">
-            <a:schemeClr val="accent1"/>
-          </a:lnRef>
-          <a:fillRef idx="1">
-            <a:schemeClr val="lt1"/>
-          </a:fillRef>
-          <a:effectRef idx="0">
-            <a:schemeClr val="accent1"/>
-          </a:effectRef>
-          <a:fontRef idx="minor">
-            <a:schemeClr val="dk1"/>
-          </a:fontRef>
-        </p:style>
-        <p:txBody>
-          <a:bodyPr rtlCol="0" anchor="ctr"/>
-          <a:lstStyle/>
-          <a:p>
-            <a:pPr algn="ctr"/>
-            <a:r>
-              <a:rPr lang="en-US" altLang="zh-CN" sz="2800" dirty="0"/>
-              <a:t>Not set local epoch </a:t>
-            </a:r>
-            <a:r>
-              <a:rPr lang="en-US" altLang="zh-CN" sz="2800" dirty="0" err="1"/>
-              <a:t>iid</a:t>
-            </a:r>
-            <a:endParaRPr lang="zh-CN" altLang="en-US" sz="2800" dirty="0"/>
-          </a:p>
-        </p:txBody>
-      </p:sp>
-      <p:sp>
-        <p:nvSpPr>
-          <p:cNvPr id="16" name="矩形: 圆角 15">
-            <a:extLst>
-              <a:ext uri="{FF2B5EF4-FFF2-40B4-BE49-F238E27FC236}">
-                <a16:creationId xmlns:a16="http://schemas.microsoft.com/office/drawing/2014/main" id="{F77A4BDE-4A2C-4FB7-B040-5B7884896C5D}"/>
-              </a:ext>
-            </a:extLst>
-          </p:cNvPr>
-          <p:cNvSpPr/>
-          <p:nvPr/>
-        </p:nvSpPr>
-        <p:spPr>
-          <a:xfrm>
-            <a:off x="9816573" y="2109248"/>
-            <a:ext cx="1630445" cy="669302"/>
-          </a:xfrm>
-          <a:prstGeom prst="roundRect">
-            <a:avLst/>
-          </a:prstGeom>
-        </p:spPr>
-        <p:style>
-          <a:lnRef idx="2">
-            <a:schemeClr val="accent1">
-              <a:shade val="50000"/>
-            </a:schemeClr>
-          </a:lnRef>
-          <a:fillRef idx="1">
-            <a:schemeClr val="accent1"/>
-          </a:fillRef>
-          <a:effectRef idx="0">
-            <a:schemeClr val="accent1"/>
-          </a:effectRef>
-          <a:fontRef idx="minor">
-            <a:schemeClr val="lt1"/>
-          </a:fontRef>
-        </p:style>
-        <p:txBody>
-          <a:bodyPr rtlCol="0" anchor="ctr"/>
-          <a:lstStyle/>
-          <a:p>
-            <a:pPr algn="ctr"/>
-            <a:r>
-              <a:rPr lang="en-US" altLang="zh-CN" sz="2800" dirty="0"/>
-              <a:t>Share</a:t>
-            </a:r>
-            <a:endParaRPr lang="zh-CN" altLang="en-US" sz="2800" dirty="0"/>
-          </a:p>
-        </p:txBody>
-      </p:sp>
-      <p:sp>
-        <p:nvSpPr>
-          <p:cNvPr id="21" name="矩形: 剪去对角 20">
-            <a:extLst>
-              <a:ext uri="{FF2B5EF4-FFF2-40B4-BE49-F238E27FC236}">
-                <a16:creationId xmlns:a16="http://schemas.microsoft.com/office/drawing/2014/main" id="{C40624E6-4BF1-4C83-9F3C-5BD583F04DF9}"/>
-              </a:ext>
-            </a:extLst>
-          </p:cNvPr>
-          <p:cNvSpPr/>
-          <p:nvPr/>
-        </p:nvSpPr>
-        <p:spPr>
-          <a:xfrm>
-            <a:off x="10111353" y="3175901"/>
-            <a:ext cx="1075444" cy="575034"/>
-          </a:xfrm>
-          <a:prstGeom prst="snip2DiagRect">
-            <a:avLst/>
-          </a:prstGeom>
-        </p:spPr>
-        <p:style>
-          <a:lnRef idx="2">
-            <a:schemeClr val="accent1"/>
-          </a:lnRef>
-          <a:fillRef idx="1">
-            <a:schemeClr val="lt1"/>
-          </a:fillRef>
-          <a:effectRef idx="0">
-            <a:schemeClr val="accent1"/>
-          </a:effectRef>
-          <a:fontRef idx="minor">
-            <a:schemeClr val="dk1"/>
-          </a:fontRef>
-        </p:style>
-        <p:txBody>
-          <a:bodyPr rtlCol="0" anchor="ctr"/>
-          <a:lstStyle/>
-          <a:p>
-            <a:pPr algn="ctr"/>
-            <a:r>
-              <a:rPr lang="en-US" altLang="zh-CN" sz="2800" dirty="0"/>
-              <a:t>100</a:t>
-            </a:r>
-            <a:endParaRPr lang="zh-CN" altLang="en-US" sz="2800" dirty="0"/>
-          </a:p>
-        </p:txBody>
-      </p:sp>
-      <p:sp>
-        <p:nvSpPr>
-          <p:cNvPr id="22" name="矩形: 剪去对角 21">
-            <a:extLst>
-              <a:ext uri="{FF2B5EF4-FFF2-40B4-BE49-F238E27FC236}">
-                <a16:creationId xmlns:a16="http://schemas.microsoft.com/office/drawing/2014/main" id="{20BEE9A9-1D81-4B97-8049-0A7504581AD8}"/>
-              </a:ext>
-            </a:extLst>
-          </p:cNvPr>
-          <p:cNvSpPr/>
-          <p:nvPr/>
-        </p:nvSpPr>
-        <p:spPr>
-          <a:xfrm>
-            <a:off x="10111353" y="3978750"/>
-            <a:ext cx="1075444" cy="575034"/>
-          </a:xfrm>
-          <a:prstGeom prst="snip2DiagRect">
-            <a:avLst/>
-          </a:prstGeom>
-        </p:spPr>
-        <p:style>
-          <a:lnRef idx="2">
-            <a:schemeClr val="accent1"/>
-          </a:lnRef>
-          <a:fillRef idx="1">
-            <a:schemeClr val="lt1"/>
-          </a:fillRef>
-          <a:effectRef idx="0">
-            <a:schemeClr val="accent1"/>
-          </a:effectRef>
-          <a:fontRef idx="minor">
-            <a:schemeClr val="dk1"/>
-          </a:fontRef>
-        </p:style>
-        <p:txBody>
-          <a:bodyPr rtlCol="0" anchor="ctr"/>
-          <a:lstStyle/>
-          <a:p>
-            <a:pPr algn="ctr"/>
-            <a:r>
-              <a:rPr lang="en-US" altLang="zh-CN" sz="2800" dirty="0"/>
-              <a:t>400</a:t>
-            </a:r>
-            <a:endParaRPr lang="zh-CN" altLang="en-US" sz="2800" dirty="0"/>
-          </a:p>
-        </p:txBody>
-      </p:sp>
-      <p:sp>
-        <p:nvSpPr>
-          <p:cNvPr id="23" name="矩形: 剪去对角 22">
-            <a:extLst>
-              <a:ext uri="{FF2B5EF4-FFF2-40B4-BE49-F238E27FC236}">
-                <a16:creationId xmlns:a16="http://schemas.microsoft.com/office/drawing/2014/main" id="{F67BD3EA-7C76-4540-8C1E-1FCD768C99E3}"/>
-              </a:ext>
-            </a:extLst>
-          </p:cNvPr>
-          <p:cNvSpPr/>
-          <p:nvPr/>
-        </p:nvSpPr>
-        <p:spPr>
-          <a:xfrm>
-            <a:off x="10111353" y="4786167"/>
-            <a:ext cx="1075444" cy="575034"/>
-          </a:xfrm>
-          <a:prstGeom prst="snip2DiagRect">
-            <a:avLst/>
-          </a:prstGeom>
-        </p:spPr>
-        <p:style>
-          <a:lnRef idx="2">
-            <a:schemeClr val="accent1"/>
-          </a:lnRef>
-          <a:fillRef idx="1">
-            <a:schemeClr val="lt1"/>
-          </a:fillRef>
-          <a:effectRef idx="0">
-            <a:schemeClr val="accent1"/>
-          </a:effectRef>
-          <a:fontRef idx="minor">
-            <a:schemeClr val="dk1"/>
-          </a:fontRef>
-        </p:style>
-        <p:txBody>
-          <a:bodyPr rtlCol="0" anchor="ctr"/>
-          <a:lstStyle/>
-          <a:p>
-            <a:pPr algn="ctr"/>
-            <a:r>
-              <a:rPr lang="en-US" altLang="zh-CN" sz="2800" dirty="0"/>
-              <a:t>800</a:t>
-            </a:r>
-            <a:endParaRPr lang="zh-CN" altLang="en-US" sz="2800" dirty="0"/>
-          </a:p>
-        </p:txBody>
-      </p:sp>
-      <p:sp>
-        <p:nvSpPr>
-          <p:cNvPr id="24" name="矩形: 圆角 23">
-            <a:extLst>
-              <a:ext uri="{FF2B5EF4-FFF2-40B4-BE49-F238E27FC236}">
-                <a16:creationId xmlns:a16="http://schemas.microsoft.com/office/drawing/2014/main" id="{1E73C9A8-71E9-4C93-86B0-2323DA95204F}"/>
-              </a:ext>
-            </a:extLst>
-          </p:cNvPr>
-          <p:cNvSpPr/>
-          <p:nvPr/>
-        </p:nvSpPr>
-        <p:spPr>
-          <a:xfrm>
-            <a:off x="7865099" y="2109248"/>
-            <a:ext cx="1737675" cy="669302"/>
-          </a:xfrm>
-          <a:prstGeom prst="roundRect">
-            <a:avLst/>
-          </a:prstGeom>
-        </p:spPr>
-        <p:style>
-          <a:lnRef idx="2">
-            <a:schemeClr val="accent1">
-              <a:shade val="50000"/>
-            </a:schemeClr>
-          </a:lnRef>
-          <a:fillRef idx="1">
-            <a:schemeClr val="accent1"/>
-          </a:fillRef>
-          <a:effectRef idx="0">
-            <a:schemeClr val="accent1"/>
-          </a:effectRef>
-          <a:fontRef idx="minor">
-            <a:schemeClr val="lt1"/>
-          </a:fontRef>
-        </p:style>
-        <p:txBody>
-          <a:bodyPr rtlCol="0" anchor="ctr"/>
-          <a:lstStyle/>
-          <a:p>
-            <a:pPr algn="ctr"/>
-            <a:r>
-              <a:rPr lang="en-US" altLang="zh-CN" sz="2800" dirty="0"/>
-              <a:t>If </a:t>
-            </a:r>
-            <a:r>
-              <a:rPr lang="en-US" altLang="zh-CN" sz="2800" dirty="0" err="1"/>
-              <a:t>iid</a:t>
-            </a:r>
-            <a:r>
-              <a:rPr lang="en-US" altLang="zh-CN" sz="2800" dirty="0"/>
-              <a:t>?</a:t>
-            </a:r>
-            <a:endParaRPr lang="zh-CN" altLang="en-US" sz="2800" dirty="0"/>
-          </a:p>
-        </p:txBody>
-      </p:sp>
-      <p:sp>
-        <p:nvSpPr>
-          <p:cNvPr id="25" name="矩形: 剪去对角 24">
-            <a:extLst>
-              <a:ext uri="{FF2B5EF4-FFF2-40B4-BE49-F238E27FC236}">
-                <a16:creationId xmlns:a16="http://schemas.microsoft.com/office/drawing/2014/main" id="{388376CB-4CDA-4194-B873-E9EF858B6F38}"/>
-              </a:ext>
-            </a:extLst>
-          </p:cNvPr>
-          <p:cNvSpPr/>
-          <p:nvPr/>
-        </p:nvSpPr>
-        <p:spPr>
-          <a:xfrm>
-            <a:off x="8207602" y="3175901"/>
-            <a:ext cx="1075444" cy="575034"/>
-          </a:xfrm>
-          <a:prstGeom prst="snip2DiagRect">
-            <a:avLst/>
-          </a:prstGeom>
-        </p:spPr>
-        <p:style>
-          <a:lnRef idx="2">
-            <a:schemeClr val="accent1"/>
-          </a:lnRef>
-          <a:fillRef idx="1">
-            <a:schemeClr val="lt1"/>
-          </a:fillRef>
-          <a:effectRef idx="0">
-            <a:schemeClr val="accent1"/>
-          </a:effectRef>
-          <a:fontRef idx="minor">
-            <a:schemeClr val="dk1"/>
-          </a:fontRef>
-        </p:style>
-        <p:txBody>
-          <a:bodyPr rtlCol="0" anchor="ctr"/>
-          <a:lstStyle/>
-          <a:p>
-            <a:pPr algn="ctr"/>
-            <a:r>
-              <a:rPr lang="en-US" altLang="zh-CN" sz="2800" b="1" dirty="0"/>
-              <a:t>1</a:t>
-            </a:r>
-            <a:endParaRPr lang="zh-CN" altLang="en-US" sz="2800" b="1" dirty="0"/>
-          </a:p>
-        </p:txBody>
-      </p:sp>
-      <p:sp>
-        <p:nvSpPr>
-          <p:cNvPr id="26" name="矩形: 剪去对角 25">
-            <a:extLst>
-              <a:ext uri="{FF2B5EF4-FFF2-40B4-BE49-F238E27FC236}">
-                <a16:creationId xmlns:a16="http://schemas.microsoft.com/office/drawing/2014/main" id="{52C01889-ABA6-4F15-BFBA-8D00E00209A6}"/>
-              </a:ext>
-            </a:extLst>
-          </p:cNvPr>
-          <p:cNvSpPr/>
-          <p:nvPr/>
-        </p:nvSpPr>
-        <p:spPr>
-          <a:xfrm>
-            <a:off x="8207602" y="3978750"/>
-            <a:ext cx="1075444" cy="575034"/>
-          </a:xfrm>
-          <a:prstGeom prst="snip2DiagRect">
-            <a:avLst/>
-          </a:prstGeom>
-        </p:spPr>
-        <p:style>
-          <a:lnRef idx="2">
-            <a:schemeClr val="accent1"/>
-          </a:lnRef>
-          <a:fillRef idx="1">
-            <a:schemeClr val="lt1"/>
-          </a:fillRef>
-          <a:effectRef idx="0">
-            <a:schemeClr val="accent1"/>
-          </a:effectRef>
-          <a:fontRef idx="minor">
-            <a:schemeClr val="dk1"/>
-          </a:fontRef>
-        </p:style>
-        <p:txBody>
-          <a:bodyPr rtlCol="0" anchor="ctr"/>
-          <a:lstStyle/>
-          <a:p>
-            <a:pPr algn="ctr"/>
-            <a:r>
-              <a:rPr lang="en-US" altLang="zh-CN" sz="2800" dirty="0" err="1"/>
-              <a:t>iid</a:t>
-            </a:r>
-            <a:endParaRPr lang="zh-CN" altLang="en-US" sz="2800" dirty="0"/>
-          </a:p>
-        </p:txBody>
-      </p:sp>
-      <p:sp>
-        <p:nvSpPr>
-          <p:cNvPr id="18" name="内容占位符 2">
-            <a:extLst>
-              <a:ext uri="{FF2B5EF4-FFF2-40B4-BE49-F238E27FC236}">
-                <a16:creationId xmlns:a16="http://schemas.microsoft.com/office/drawing/2014/main" id="{56C950D2-8D9B-45FC-8E96-24C8D6C0E423}"/>
-              </a:ext>
-            </a:extLst>
-          </p:cNvPr>
-          <p:cNvSpPr>
-            <a:spLocks noGrp="1"/>
-          </p:cNvSpPr>
-          <p:nvPr>
-            <p:ph idx="1"/>
-          </p:nvPr>
-        </p:nvSpPr>
-        <p:spPr>
-          <a:xfrm>
-            <a:off x="838200" y="1825625"/>
-            <a:ext cx="3488703" cy="4351338"/>
-          </a:xfrm>
-        </p:spPr>
-        <p:txBody>
-          <a:bodyPr/>
-          <a:lstStyle/>
-          <a:p>
-            <a:r>
-              <a:rPr lang="en-US" altLang="zh-CN" dirty="0"/>
-              <a:t>40 worker nodes</a:t>
-            </a:r>
-          </a:p>
-          <a:p>
-            <a:r>
-              <a:rPr lang="en-US" altLang="zh-CN" dirty="0"/>
-              <a:t>4000 training data</a:t>
-            </a:r>
-          </a:p>
-          <a:p>
-            <a:r>
-              <a:rPr lang="en-US" altLang="zh-CN" dirty="0"/>
-              <a:t>10000 testing data</a:t>
-            </a:r>
-          </a:p>
-          <a:p>
-            <a:r>
-              <a:rPr lang="en-US" altLang="zh-CN" dirty="0"/>
-              <a:t>Early stop = 500</a:t>
-            </a:r>
-          </a:p>
-          <a:p>
-            <a:r>
-              <a:rPr lang="en-US" altLang="zh-CN" dirty="0"/>
-              <a:t>Local step = 1</a:t>
-            </a:r>
           </a:p>
         </p:txBody>
       </p:sp>
     </p:spTree>
     <p:extLst>
       <p:ext uri="{BB962C8B-B14F-4D97-AF65-F5344CB8AC3E}">
-        <p14:creationId xmlns:p14="http://schemas.microsoft.com/office/powerpoint/2010/main" val="4234437779"/>
+        <p14:creationId xmlns:p14="http://schemas.microsoft.com/office/powerpoint/2010/main" val="4041249589"/>
       </p:ext>
     </p:extLst>
   </p:cSld>
@@ -4690,7 +4698,7 @@
           <p:cNvPr id="2" name="标题 1">
             <a:extLst>
               <a:ext uri="{FF2B5EF4-FFF2-40B4-BE49-F238E27FC236}">
-                <a16:creationId xmlns:a16="http://schemas.microsoft.com/office/drawing/2014/main" id="{2D11BB3A-A2C8-41D7-AAF7-824B7B5CEF02}"/>
+                <a16:creationId xmlns:a16="http://schemas.microsoft.com/office/drawing/2014/main" id="{FDBDF9CE-045B-4932-BBDF-5C6982733BDC}"/>
               </a:ext>
             </a:extLst>
           </p:cNvPr>
@@ -4701,14 +4709,19 @@
             <p:ph type="title"/>
           </p:nvPr>
         </p:nvSpPr>
-        <p:spPr/>
+        <p:spPr>
+          <a:xfrm>
+            <a:off x="838200" y="365125"/>
+            <a:ext cx="10515600" cy="1325563"/>
+          </a:xfrm>
+        </p:spPr>
         <p:txBody>
           <a:bodyPr/>
           <a:lstStyle/>
           <a:p>
             <a:r>
               <a:rPr lang="en-US" altLang="zh-CN" dirty="0"/>
-              <a:t>Share data1 1/</a:t>
+              <a:t>Share data</a:t>
             </a:r>
             <a:endParaRPr lang="zh-CN" altLang="en-US" dirty="0"/>
           </a:p>
@@ -4716,10 +4729,462 @@
       </p:sp>
       <p:sp>
         <p:nvSpPr>
-          <p:cNvPr id="3" name="内容占位符 2">
-            <a:extLst>
-              <a:ext uri="{FF2B5EF4-FFF2-40B4-BE49-F238E27FC236}">
-                <a16:creationId xmlns:a16="http://schemas.microsoft.com/office/drawing/2014/main" id="{F67BA83A-DC2E-43C8-815B-0C64D481F405}"/>
+          <p:cNvPr id="14" name="矩形: 剪去对角 13">
+            <a:extLst>
+              <a:ext uri="{FF2B5EF4-FFF2-40B4-BE49-F238E27FC236}">
+                <a16:creationId xmlns:a16="http://schemas.microsoft.com/office/drawing/2014/main" id="{3E638F6C-32BE-40C6-B744-2348D5177696}"/>
+              </a:ext>
+            </a:extLst>
+          </p:cNvPr>
+          <p:cNvSpPr/>
+          <p:nvPr/>
+        </p:nvSpPr>
+        <p:spPr>
+          <a:xfrm>
+            <a:off x="5497288" y="2575583"/>
+            <a:ext cx="1922286" cy="1054376"/>
+          </a:xfrm>
+          <a:prstGeom prst="snip2DiagRect">
+            <a:avLst/>
+          </a:prstGeom>
+        </p:spPr>
+        <p:style>
+          <a:lnRef idx="2">
+            <a:schemeClr val="accent1"/>
+          </a:lnRef>
+          <a:fillRef idx="1">
+            <a:schemeClr val="lt1"/>
+          </a:fillRef>
+          <a:effectRef idx="0">
+            <a:schemeClr val="accent1"/>
+          </a:effectRef>
+          <a:fontRef idx="minor">
+            <a:schemeClr val="dk1"/>
+          </a:fontRef>
+        </p:style>
+        <p:txBody>
+          <a:bodyPr rtlCol="0" anchor="ctr"/>
+          <a:lstStyle/>
+          <a:p>
+            <a:pPr algn="ctr"/>
+            <a:r>
+              <a:rPr lang="en-US" altLang="zh-CN" sz="2800" dirty="0"/>
+              <a:t>Set local epoch </a:t>
+            </a:r>
+            <a:r>
+              <a:rPr lang="en-US" altLang="zh-CN" sz="2800" dirty="0" err="1"/>
+              <a:t>iid</a:t>
+            </a:r>
+            <a:endParaRPr lang="zh-CN" altLang="en-US" sz="2800" dirty="0"/>
+          </a:p>
+        </p:txBody>
+      </p:sp>
+      <p:sp>
+        <p:nvSpPr>
+          <p:cNvPr id="15" name="矩形: 剪去对角 14">
+            <a:extLst>
+              <a:ext uri="{FF2B5EF4-FFF2-40B4-BE49-F238E27FC236}">
+                <a16:creationId xmlns:a16="http://schemas.microsoft.com/office/drawing/2014/main" id="{AB9D54BA-6241-452D-BB88-3F78E91FAE1B}"/>
+              </a:ext>
+            </a:extLst>
+          </p:cNvPr>
+          <p:cNvSpPr/>
+          <p:nvPr/>
+        </p:nvSpPr>
+        <p:spPr>
+          <a:xfrm>
+            <a:off x="5497288" y="3905620"/>
+            <a:ext cx="1922286" cy="1305045"/>
+          </a:xfrm>
+          <a:prstGeom prst="snip2DiagRect">
+            <a:avLst/>
+          </a:prstGeom>
+        </p:spPr>
+        <p:style>
+          <a:lnRef idx="2">
+            <a:schemeClr val="accent1"/>
+          </a:lnRef>
+          <a:fillRef idx="1">
+            <a:schemeClr val="lt1"/>
+          </a:fillRef>
+          <a:effectRef idx="0">
+            <a:schemeClr val="accent1"/>
+          </a:effectRef>
+          <a:fontRef idx="minor">
+            <a:schemeClr val="dk1"/>
+          </a:fontRef>
+        </p:style>
+        <p:txBody>
+          <a:bodyPr rtlCol="0" anchor="ctr"/>
+          <a:lstStyle/>
+          <a:p>
+            <a:pPr algn="ctr"/>
+            <a:r>
+              <a:rPr lang="en-US" altLang="zh-CN" sz="2800" dirty="0"/>
+              <a:t>Not set local epoch </a:t>
+            </a:r>
+            <a:r>
+              <a:rPr lang="en-US" altLang="zh-CN" sz="2800" dirty="0" err="1"/>
+              <a:t>iid</a:t>
+            </a:r>
+            <a:endParaRPr lang="zh-CN" altLang="en-US" sz="2800" dirty="0"/>
+          </a:p>
+        </p:txBody>
+      </p:sp>
+      <p:sp>
+        <p:nvSpPr>
+          <p:cNvPr id="16" name="矩形: 圆角 15">
+            <a:extLst>
+              <a:ext uri="{FF2B5EF4-FFF2-40B4-BE49-F238E27FC236}">
+                <a16:creationId xmlns:a16="http://schemas.microsoft.com/office/drawing/2014/main" id="{F77A4BDE-4A2C-4FB7-B040-5B7884896C5D}"/>
+              </a:ext>
+            </a:extLst>
+          </p:cNvPr>
+          <p:cNvSpPr/>
+          <p:nvPr/>
+        </p:nvSpPr>
+        <p:spPr>
+          <a:xfrm>
+            <a:off x="9816573" y="2109248"/>
+            <a:ext cx="1630445" cy="669302"/>
+          </a:xfrm>
+          <a:prstGeom prst="roundRect">
+            <a:avLst/>
+          </a:prstGeom>
+        </p:spPr>
+        <p:style>
+          <a:lnRef idx="2">
+            <a:schemeClr val="accent1">
+              <a:shade val="50000"/>
+            </a:schemeClr>
+          </a:lnRef>
+          <a:fillRef idx="1">
+            <a:schemeClr val="accent1"/>
+          </a:fillRef>
+          <a:effectRef idx="0">
+            <a:schemeClr val="accent1"/>
+          </a:effectRef>
+          <a:fontRef idx="minor">
+            <a:schemeClr val="lt1"/>
+          </a:fontRef>
+        </p:style>
+        <p:txBody>
+          <a:bodyPr rtlCol="0" anchor="ctr"/>
+          <a:lstStyle/>
+          <a:p>
+            <a:pPr algn="ctr"/>
+            <a:r>
+              <a:rPr lang="en-US" altLang="zh-CN" sz="2800" dirty="0"/>
+              <a:t>Share</a:t>
+            </a:r>
+            <a:endParaRPr lang="zh-CN" altLang="en-US" sz="2800" dirty="0"/>
+          </a:p>
+        </p:txBody>
+      </p:sp>
+      <p:sp>
+        <p:nvSpPr>
+          <p:cNvPr id="21" name="矩形: 剪去对角 20">
+            <a:extLst>
+              <a:ext uri="{FF2B5EF4-FFF2-40B4-BE49-F238E27FC236}">
+                <a16:creationId xmlns:a16="http://schemas.microsoft.com/office/drawing/2014/main" id="{C40624E6-4BF1-4C83-9F3C-5BD583F04DF9}"/>
+              </a:ext>
+            </a:extLst>
+          </p:cNvPr>
+          <p:cNvSpPr/>
+          <p:nvPr/>
+        </p:nvSpPr>
+        <p:spPr>
+          <a:xfrm>
+            <a:off x="10111353" y="3175901"/>
+            <a:ext cx="1075444" cy="575034"/>
+          </a:xfrm>
+          <a:prstGeom prst="snip2DiagRect">
+            <a:avLst/>
+          </a:prstGeom>
+        </p:spPr>
+        <p:style>
+          <a:lnRef idx="2">
+            <a:schemeClr val="accent1"/>
+          </a:lnRef>
+          <a:fillRef idx="1">
+            <a:schemeClr val="lt1"/>
+          </a:fillRef>
+          <a:effectRef idx="0">
+            <a:schemeClr val="accent1"/>
+          </a:effectRef>
+          <a:fontRef idx="minor">
+            <a:schemeClr val="dk1"/>
+          </a:fontRef>
+        </p:style>
+        <p:txBody>
+          <a:bodyPr rtlCol="0" anchor="ctr"/>
+          <a:lstStyle/>
+          <a:p>
+            <a:pPr algn="ctr"/>
+            <a:r>
+              <a:rPr lang="en-US" altLang="zh-CN" sz="2800" dirty="0"/>
+              <a:t>100</a:t>
+            </a:r>
+            <a:endParaRPr lang="zh-CN" altLang="en-US" sz="2800" dirty="0"/>
+          </a:p>
+        </p:txBody>
+      </p:sp>
+      <p:sp>
+        <p:nvSpPr>
+          <p:cNvPr id="22" name="矩形: 剪去对角 21">
+            <a:extLst>
+              <a:ext uri="{FF2B5EF4-FFF2-40B4-BE49-F238E27FC236}">
+                <a16:creationId xmlns:a16="http://schemas.microsoft.com/office/drawing/2014/main" id="{20BEE9A9-1D81-4B97-8049-0A7504581AD8}"/>
+              </a:ext>
+            </a:extLst>
+          </p:cNvPr>
+          <p:cNvSpPr/>
+          <p:nvPr/>
+        </p:nvSpPr>
+        <p:spPr>
+          <a:xfrm>
+            <a:off x="10111353" y="3978750"/>
+            <a:ext cx="1075444" cy="575034"/>
+          </a:xfrm>
+          <a:prstGeom prst="snip2DiagRect">
+            <a:avLst/>
+          </a:prstGeom>
+        </p:spPr>
+        <p:style>
+          <a:lnRef idx="2">
+            <a:schemeClr val="accent1"/>
+          </a:lnRef>
+          <a:fillRef idx="1">
+            <a:schemeClr val="lt1"/>
+          </a:fillRef>
+          <a:effectRef idx="0">
+            <a:schemeClr val="accent1"/>
+          </a:effectRef>
+          <a:fontRef idx="minor">
+            <a:schemeClr val="dk1"/>
+          </a:fontRef>
+        </p:style>
+        <p:txBody>
+          <a:bodyPr rtlCol="0" anchor="ctr"/>
+          <a:lstStyle/>
+          <a:p>
+            <a:pPr algn="ctr"/>
+            <a:r>
+              <a:rPr lang="en-US" altLang="zh-CN" sz="2800" dirty="0"/>
+              <a:t>400</a:t>
+            </a:r>
+            <a:endParaRPr lang="zh-CN" altLang="en-US" sz="2800" dirty="0"/>
+          </a:p>
+        </p:txBody>
+      </p:sp>
+      <p:sp>
+        <p:nvSpPr>
+          <p:cNvPr id="23" name="矩形: 剪去对角 22">
+            <a:extLst>
+              <a:ext uri="{FF2B5EF4-FFF2-40B4-BE49-F238E27FC236}">
+                <a16:creationId xmlns:a16="http://schemas.microsoft.com/office/drawing/2014/main" id="{F67BD3EA-7C76-4540-8C1E-1FCD768C99E3}"/>
+              </a:ext>
+            </a:extLst>
+          </p:cNvPr>
+          <p:cNvSpPr/>
+          <p:nvPr/>
+        </p:nvSpPr>
+        <p:spPr>
+          <a:xfrm>
+            <a:off x="10111353" y="4786167"/>
+            <a:ext cx="1075444" cy="575034"/>
+          </a:xfrm>
+          <a:prstGeom prst="snip2DiagRect">
+            <a:avLst/>
+          </a:prstGeom>
+        </p:spPr>
+        <p:style>
+          <a:lnRef idx="2">
+            <a:schemeClr val="accent1"/>
+          </a:lnRef>
+          <a:fillRef idx="1">
+            <a:schemeClr val="lt1"/>
+          </a:fillRef>
+          <a:effectRef idx="0">
+            <a:schemeClr val="accent1"/>
+          </a:effectRef>
+          <a:fontRef idx="minor">
+            <a:schemeClr val="dk1"/>
+          </a:fontRef>
+        </p:style>
+        <p:txBody>
+          <a:bodyPr rtlCol="0" anchor="ctr"/>
+          <a:lstStyle/>
+          <a:p>
+            <a:pPr algn="ctr"/>
+            <a:r>
+              <a:rPr lang="en-US" altLang="zh-CN" sz="2800" dirty="0"/>
+              <a:t>800</a:t>
+            </a:r>
+            <a:endParaRPr lang="zh-CN" altLang="en-US" sz="2800" dirty="0"/>
+          </a:p>
+        </p:txBody>
+      </p:sp>
+      <p:sp>
+        <p:nvSpPr>
+          <p:cNvPr id="24" name="矩形: 圆角 23">
+            <a:extLst>
+              <a:ext uri="{FF2B5EF4-FFF2-40B4-BE49-F238E27FC236}">
+                <a16:creationId xmlns:a16="http://schemas.microsoft.com/office/drawing/2014/main" id="{1E73C9A8-71E9-4C93-86B0-2323DA95204F}"/>
+              </a:ext>
+            </a:extLst>
+          </p:cNvPr>
+          <p:cNvSpPr/>
+          <p:nvPr/>
+        </p:nvSpPr>
+        <p:spPr>
+          <a:xfrm>
+            <a:off x="7865099" y="2109248"/>
+            <a:ext cx="1737675" cy="669302"/>
+          </a:xfrm>
+          <a:prstGeom prst="roundRect">
+            <a:avLst/>
+          </a:prstGeom>
+        </p:spPr>
+        <p:style>
+          <a:lnRef idx="2">
+            <a:schemeClr val="accent1">
+              <a:shade val="50000"/>
+            </a:schemeClr>
+          </a:lnRef>
+          <a:fillRef idx="1">
+            <a:schemeClr val="accent1"/>
+          </a:fillRef>
+          <a:effectRef idx="0">
+            <a:schemeClr val="accent1"/>
+          </a:effectRef>
+          <a:fontRef idx="minor">
+            <a:schemeClr val="lt1"/>
+          </a:fontRef>
+        </p:style>
+        <p:txBody>
+          <a:bodyPr rtlCol="0" anchor="ctr"/>
+          <a:lstStyle/>
+          <a:p>
+            <a:pPr algn="ctr"/>
+            <a:r>
+              <a:rPr lang="en-US" altLang="zh-CN" sz="2800" dirty="0"/>
+              <a:t>If </a:t>
+            </a:r>
+            <a:r>
+              <a:rPr lang="en-US" altLang="zh-CN" sz="2800" dirty="0" err="1"/>
+              <a:t>iid</a:t>
+            </a:r>
+            <a:r>
+              <a:rPr lang="en-US" altLang="zh-CN" sz="2800" dirty="0"/>
+              <a:t>?</a:t>
+            </a:r>
+            <a:endParaRPr lang="zh-CN" altLang="en-US" sz="2800" dirty="0"/>
+          </a:p>
+        </p:txBody>
+      </p:sp>
+      <p:sp>
+        <p:nvSpPr>
+          <p:cNvPr id="25" name="矩形: 剪去对角 24">
+            <a:extLst>
+              <a:ext uri="{FF2B5EF4-FFF2-40B4-BE49-F238E27FC236}">
+                <a16:creationId xmlns:a16="http://schemas.microsoft.com/office/drawing/2014/main" id="{388376CB-4CDA-4194-B873-E9EF858B6F38}"/>
+              </a:ext>
+            </a:extLst>
+          </p:cNvPr>
+          <p:cNvSpPr/>
+          <p:nvPr/>
+        </p:nvSpPr>
+        <p:spPr>
+          <a:xfrm>
+            <a:off x="8207602" y="3175901"/>
+            <a:ext cx="1075444" cy="575034"/>
+          </a:xfrm>
+          <a:prstGeom prst="snip2DiagRect">
+            <a:avLst/>
+          </a:prstGeom>
+        </p:spPr>
+        <p:style>
+          <a:lnRef idx="2">
+            <a:schemeClr val="accent1"/>
+          </a:lnRef>
+          <a:fillRef idx="1">
+            <a:schemeClr val="lt1"/>
+          </a:fillRef>
+          <a:effectRef idx="0">
+            <a:schemeClr val="accent1"/>
+          </a:effectRef>
+          <a:fontRef idx="minor">
+            <a:schemeClr val="dk1"/>
+          </a:fontRef>
+        </p:style>
+        <p:txBody>
+          <a:bodyPr rtlCol="0" anchor="ctr"/>
+          <a:lstStyle/>
+          <a:p>
+            <a:pPr algn="ctr"/>
+            <a:r>
+              <a:rPr lang="en-US" altLang="zh-CN" sz="2800" b="1" dirty="0"/>
+              <a:t>1</a:t>
+            </a:r>
+            <a:endParaRPr lang="zh-CN" altLang="en-US" sz="2800" b="1" dirty="0"/>
+          </a:p>
+        </p:txBody>
+      </p:sp>
+      <p:sp>
+        <p:nvSpPr>
+          <p:cNvPr id="26" name="矩形: 剪去对角 25">
+            <a:extLst>
+              <a:ext uri="{FF2B5EF4-FFF2-40B4-BE49-F238E27FC236}">
+                <a16:creationId xmlns:a16="http://schemas.microsoft.com/office/drawing/2014/main" id="{52C01889-ABA6-4F15-BFBA-8D00E00209A6}"/>
+              </a:ext>
+            </a:extLst>
+          </p:cNvPr>
+          <p:cNvSpPr/>
+          <p:nvPr/>
+        </p:nvSpPr>
+        <p:spPr>
+          <a:xfrm>
+            <a:off x="8207602" y="3978750"/>
+            <a:ext cx="1075444" cy="575034"/>
+          </a:xfrm>
+          <a:prstGeom prst="snip2DiagRect">
+            <a:avLst/>
+          </a:prstGeom>
+        </p:spPr>
+        <p:style>
+          <a:lnRef idx="2">
+            <a:schemeClr val="accent1"/>
+          </a:lnRef>
+          <a:fillRef idx="1">
+            <a:schemeClr val="lt1"/>
+          </a:fillRef>
+          <a:effectRef idx="0">
+            <a:schemeClr val="accent1"/>
+          </a:effectRef>
+          <a:fontRef idx="minor">
+            <a:schemeClr val="dk1"/>
+          </a:fontRef>
+        </p:style>
+        <p:txBody>
+          <a:bodyPr rtlCol="0" anchor="ctr"/>
+          <a:lstStyle/>
+          <a:p>
+            <a:pPr algn="ctr"/>
+            <a:r>
+              <a:rPr lang="en-US" altLang="zh-CN" sz="2800" dirty="0" err="1"/>
+              <a:t>iid</a:t>
+            </a:r>
+            <a:endParaRPr lang="zh-CN" altLang="en-US" sz="2800" dirty="0"/>
+          </a:p>
+        </p:txBody>
+      </p:sp>
+      <p:sp>
+        <p:nvSpPr>
+          <p:cNvPr id="18" name="内容占位符 2">
+            <a:extLst>
+              <a:ext uri="{FF2B5EF4-FFF2-40B4-BE49-F238E27FC236}">
+                <a16:creationId xmlns:a16="http://schemas.microsoft.com/office/drawing/2014/main" id="{56C950D2-8D9B-45FC-8E96-24C8D6C0E423}"/>
               </a:ext>
             </a:extLst>
           </p:cNvPr>
@@ -4730,19 +5195,51 @@
             <p:ph idx="1"/>
           </p:nvPr>
         </p:nvSpPr>
-        <p:spPr/>
+        <p:spPr>
+          <a:xfrm>
+            <a:off x="838200" y="1825625"/>
+            <a:ext cx="3488703" cy="4351338"/>
+          </a:xfrm>
+        </p:spPr>
         <p:txBody>
           <a:bodyPr/>
           <a:lstStyle/>
           <a:p>
-            <a:endParaRPr lang="zh-CN" altLang="en-US"/>
+            <a:r>
+              <a:rPr lang="en-US" altLang="zh-CN" dirty="0"/>
+              <a:t>40 worker nodes</a:t>
+            </a:r>
+          </a:p>
+          <a:p>
+            <a:r>
+              <a:rPr lang="en-US" altLang="zh-CN" dirty="0"/>
+              <a:t>4000 training data</a:t>
+            </a:r>
+          </a:p>
+          <a:p>
+            <a:r>
+              <a:rPr lang="en-US" altLang="zh-CN" dirty="0"/>
+              <a:t>10000 testing data</a:t>
+            </a:r>
+          </a:p>
+          <a:p>
+            <a:r>
+              <a:rPr lang="en-US" altLang="zh-CN" dirty="0"/>
+              <a:t>Early stop = 500</a:t>
+            </a:r>
+          </a:p>
+          <a:p>
+            <a:r>
+              <a:rPr lang="en-US" altLang="zh-CN" dirty="0"/>
+              <a:t>Local step = 1</a:t>
+            </a:r>
           </a:p>
         </p:txBody>
       </p:sp>
     </p:spTree>
     <p:extLst>
       <p:ext uri="{BB962C8B-B14F-4D97-AF65-F5344CB8AC3E}">
-        <p14:creationId xmlns:p14="http://schemas.microsoft.com/office/powerpoint/2010/main" val="3879912538"/>
+        <p14:creationId xmlns:p14="http://schemas.microsoft.com/office/powerpoint/2010/main" val="4234437779"/>
       </p:ext>
     </p:extLst>
   </p:cSld>
@@ -4774,7 +5271,7 @@
           <p:cNvPr id="2" name="标题 1">
             <a:extLst>
               <a:ext uri="{FF2B5EF4-FFF2-40B4-BE49-F238E27FC236}">
-                <a16:creationId xmlns:a16="http://schemas.microsoft.com/office/drawing/2014/main" id="{FDBDF9CE-045B-4932-BBDF-5C6982733BDC}"/>
+                <a16:creationId xmlns:a16="http://schemas.microsoft.com/office/drawing/2014/main" id="{2D11BB3A-A2C8-41D7-AAF7-824B7B5CEF02}"/>
               </a:ext>
             </a:extLst>
           </p:cNvPr>
@@ -4792,663 +5289,16 @@
           <a:p>
             <a:r>
               <a:rPr lang="en-US" altLang="zh-CN" dirty="0"/>
-              <a:t>Delayed Update</a:t>
+              <a:t>Share data1 1/</a:t>
             </a:r>
             <a:endParaRPr lang="zh-CN" altLang="en-US" dirty="0"/>
-          </a:p>
-        </p:txBody>
-      </p:sp>
-      <p:sp>
-        <p:nvSpPr>
-          <p:cNvPr id="4" name="内容占位符 2">
-            <a:extLst>
-              <a:ext uri="{FF2B5EF4-FFF2-40B4-BE49-F238E27FC236}">
-                <a16:creationId xmlns:a16="http://schemas.microsoft.com/office/drawing/2014/main" id="{C3C4E09F-7D67-4FDD-BA22-4228F3AD6322}"/>
-              </a:ext>
-            </a:extLst>
-          </p:cNvPr>
-          <p:cNvSpPr>
-            <a:spLocks noGrp="1"/>
-          </p:cNvSpPr>
-          <p:nvPr>
-            <p:ph idx="1"/>
-          </p:nvPr>
-        </p:nvSpPr>
-        <p:spPr>
-          <a:xfrm>
-            <a:off x="838200" y="1825625"/>
-            <a:ext cx="3488703" cy="4351338"/>
-          </a:xfrm>
-        </p:spPr>
-        <p:txBody>
-          <a:bodyPr/>
-          <a:lstStyle/>
-          <a:p>
-            <a:r>
-              <a:rPr lang="en-US" altLang="zh-CN" dirty="0"/>
-              <a:t>40 worker nodes</a:t>
-            </a:r>
-          </a:p>
-          <a:p>
-            <a:r>
-              <a:rPr lang="en-US" altLang="zh-CN" dirty="0"/>
-              <a:t>4000 training data</a:t>
-            </a:r>
-          </a:p>
-          <a:p>
-            <a:r>
-              <a:rPr lang="en-US" altLang="zh-CN" dirty="0"/>
-              <a:t>10000 testing data</a:t>
-            </a:r>
-          </a:p>
-          <a:p>
-            <a:r>
-              <a:rPr lang="en-US" altLang="zh-CN" dirty="0"/>
-              <a:t>Early stop = 500</a:t>
-            </a:r>
-          </a:p>
-          <a:p>
-            <a:r>
-              <a:rPr lang="en-US" altLang="zh-CN" dirty="0"/>
-              <a:t>Local step = 1</a:t>
-            </a:r>
-          </a:p>
-        </p:txBody>
-      </p:sp>
-      <p:sp>
-        <p:nvSpPr>
-          <p:cNvPr id="5" name="矩形: 圆角 4">
-            <a:extLst>
-              <a:ext uri="{FF2B5EF4-FFF2-40B4-BE49-F238E27FC236}">
-                <a16:creationId xmlns:a16="http://schemas.microsoft.com/office/drawing/2014/main" id="{868D413E-6E22-4398-852A-3CAE5A7CAE3A}"/>
-              </a:ext>
-            </a:extLst>
-          </p:cNvPr>
-          <p:cNvSpPr/>
-          <p:nvPr/>
-        </p:nvSpPr>
-        <p:spPr>
-          <a:xfrm>
-            <a:off x="4454953" y="2344278"/>
-            <a:ext cx="1718822" cy="669302"/>
-          </a:xfrm>
-          <a:prstGeom prst="roundRect">
-            <a:avLst/>
-          </a:prstGeom>
-        </p:spPr>
-        <p:style>
-          <a:lnRef idx="2">
-            <a:schemeClr val="accent1">
-              <a:shade val="50000"/>
-            </a:schemeClr>
-          </a:lnRef>
-          <a:fillRef idx="1">
-            <a:schemeClr val="accent1"/>
-          </a:fillRef>
-          <a:effectRef idx="0">
-            <a:schemeClr val="accent1"/>
-          </a:effectRef>
-          <a:fontRef idx="minor">
-            <a:schemeClr val="lt1"/>
-          </a:fontRef>
-        </p:style>
-        <p:txBody>
-          <a:bodyPr rtlCol="0" anchor="ctr"/>
-          <a:lstStyle/>
-          <a:p>
-            <a:pPr algn="ctr"/>
-            <a:r>
-              <a:rPr lang="en-US" altLang="zh-CN" sz="2800" dirty="0"/>
-              <a:t>If </a:t>
-            </a:r>
-            <a:r>
-              <a:rPr lang="en-US" altLang="zh-CN" sz="2800" dirty="0" err="1"/>
-              <a:t>iid</a:t>
-            </a:r>
-            <a:r>
-              <a:rPr lang="en-US" altLang="zh-CN" sz="2800" dirty="0"/>
-              <a:t>?</a:t>
-            </a:r>
-            <a:endParaRPr lang="zh-CN" altLang="en-US" sz="2800" dirty="0"/>
-          </a:p>
-        </p:txBody>
-      </p:sp>
-      <p:sp>
-        <p:nvSpPr>
-          <p:cNvPr id="6" name="矩形: 剪去对角 5">
-            <a:extLst>
-              <a:ext uri="{FF2B5EF4-FFF2-40B4-BE49-F238E27FC236}">
-                <a16:creationId xmlns:a16="http://schemas.microsoft.com/office/drawing/2014/main" id="{04AFBB55-D737-4A30-8406-FDD002372014}"/>
-              </a:ext>
-            </a:extLst>
-          </p:cNvPr>
-          <p:cNvSpPr/>
-          <p:nvPr/>
-        </p:nvSpPr>
-        <p:spPr>
-          <a:xfrm>
-            <a:off x="4788028" y="3432782"/>
-            <a:ext cx="1075444" cy="575034"/>
-          </a:xfrm>
-          <a:prstGeom prst="snip2DiagRect">
-            <a:avLst/>
-          </a:prstGeom>
-        </p:spPr>
-        <p:style>
-          <a:lnRef idx="2">
-            <a:schemeClr val="accent1"/>
-          </a:lnRef>
-          <a:fillRef idx="1">
-            <a:schemeClr val="lt1"/>
-          </a:fillRef>
-          <a:effectRef idx="0">
-            <a:schemeClr val="accent1"/>
-          </a:effectRef>
-          <a:fontRef idx="minor">
-            <a:schemeClr val="dk1"/>
-          </a:fontRef>
-        </p:style>
-        <p:txBody>
-          <a:bodyPr rtlCol="0" anchor="ctr"/>
-          <a:lstStyle/>
-          <a:p>
-            <a:pPr algn="ctr"/>
-            <a:r>
-              <a:rPr lang="en-US" altLang="zh-CN" sz="2800" dirty="0"/>
-              <a:t>2</a:t>
-            </a:r>
-            <a:endParaRPr lang="zh-CN" altLang="en-US" sz="2800" dirty="0"/>
-          </a:p>
-        </p:txBody>
-      </p:sp>
-      <p:sp>
-        <p:nvSpPr>
-          <p:cNvPr id="7" name="矩形: 剪去对角 6">
-            <a:extLst>
-              <a:ext uri="{FF2B5EF4-FFF2-40B4-BE49-F238E27FC236}">
-                <a16:creationId xmlns:a16="http://schemas.microsoft.com/office/drawing/2014/main" id="{12454626-78AE-40E3-9B45-E4B0B4C84560}"/>
-              </a:ext>
-            </a:extLst>
-          </p:cNvPr>
-          <p:cNvSpPr/>
-          <p:nvPr/>
-        </p:nvSpPr>
-        <p:spPr>
-          <a:xfrm>
-            <a:off x="4788028" y="4235631"/>
-            <a:ext cx="1075444" cy="575034"/>
-          </a:xfrm>
-          <a:prstGeom prst="snip2DiagRect">
-            <a:avLst/>
-          </a:prstGeom>
-        </p:spPr>
-        <p:style>
-          <a:lnRef idx="2">
-            <a:schemeClr val="accent1"/>
-          </a:lnRef>
-          <a:fillRef idx="1">
-            <a:schemeClr val="lt1"/>
-          </a:fillRef>
-          <a:effectRef idx="0">
-            <a:schemeClr val="accent1"/>
-          </a:effectRef>
-          <a:fontRef idx="minor">
-            <a:schemeClr val="dk1"/>
-          </a:fontRef>
-        </p:style>
-        <p:txBody>
-          <a:bodyPr rtlCol="0" anchor="ctr"/>
-          <a:lstStyle/>
-          <a:p>
-            <a:pPr algn="ctr"/>
-            <a:r>
-              <a:rPr lang="en-US" altLang="zh-CN" sz="2800" dirty="0"/>
-              <a:t>5</a:t>
-            </a:r>
-            <a:endParaRPr lang="zh-CN" altLang="en-US" sz="2800" dirty="0"/>
-          </a:p>
-        </p:txBody>
-      </p:sp>
-      <p:sp>
-        <p:nvSpPr>
-          <p:cNvPr id="8" name="矩形: 剪去对角 7">
-            <a:extLst>
-              <a:ext uri="{FF2B5EF4-FFF2-40B4-BE49-F238E27FC236}">
-                <a16:creationId xmlns:a16="http://schemas.microsoft.com/office/drawing/2014/main" id="{538CD5B3-6E2D-40E9-A95B-B08ACAB4BE2F}"/>
-              </a:ext>
-            </a:extLst>
-          </p:cNvPr>
-          <p:cNvSpPr/>
-          <p:nvPr/>
-        </p:nvSpPr>
-        <p:spPr>
-          <a:xfrm>
-            <a:off x="4788028" y="5038481"/>
-            <a:ext cx="1075444" cy="575034"/>
-          </a:xfrm>
-          <a:prstGeom prst="snip2DiagRect">
-            <a:avLst/>
-          </a:prstGeom>
-        </p:spPr>
-        <p:style>
-          <a:lnRef idx="2">
-            <a:schemeClr val="accent1"/>
-          </a:lnRef>
-          <a:fillRef idx="1">
-            <a:schemeClr val="lt1"/>
-          </a:fillRef>
-          <a:effectRef idx="0">
-            <a:schemeClr val="accent1"/>
-          </a:effectRef>
-          <a:fontRef idx="minor">
-            <a:schemeClr val="dk1"/>
-          </a:fontRef>
-        </p:style>
-        <p:txBody>
-          <a:bodyPr rtlCol="0" anchor="ctr"/>
-          <a:lstStyle/>
-          <a:p>
-            <a:pPr algn="ctr"/>
-            <a:r>
-              <a:rPr lang="en-US" altLang="zh-CN" sz="2800" dirty="0" err="1"/>
-              <a:t>iid</a:t>
-            </a:r>
-            <a:endParaRPr lang="zh-CN" altLang="en-US" sz="2800" dirty="0"/>
-          </a:p>
-        </p:txBody>
-      </p:sp>
-      <p:sp>
-        <p:nvSpPr>
-          <p:cNvPr id="9" name="矩形: 圆角 8">
-            <a:extLst>
-              <a:ext uri="{FF2B5EF4-FFF2-40B4-BE49-F238E27FC236}">
-                <a16:creationId xmlns:a16="http://schemas.microsoft.com/office/drawing/2014/main" id="{B8879A69-5B42-4C9E-8210-C28B970C2325}"/>
-              </a:ext>
-            </a:extLst>
-          </p:cNvPr>
-          <p:cNvSpPr/>
-          <p:nvPr/>
-        </p:nvSpPr>
-        <p:spPr>
-          <a:xfrm>
-            <a:off x="6634116" y="1928858"/>
-            <a:ext cx="2170520" cy="1084722"/>
-          </a:xfrm>
-          <a:prstGeom prst="roundRect">
-            <a:avLst/>
-          </a:prstGeom>
-        </p:spPr>
-        <p:style>
-          <a:lnRef idx="2">
-            <a:schemeClr val="accent1">
-              <a:shade val="50000"/>
-            </a:schemeClr>
-          </a:lnRef>
-          <a:fillRef idx="1">
-            <a:schemeClr val="accent1"/>
-          </a:fillRef>
-          <a:effectRef idx="0">
-            <a:schemeClr val="accent1"/>
-          </a:effectRef>
-          <a:fontRef idx="minor">
-            <a:schemeClr val="lt1"/>
-          </a:fontRef>
-        </p:style>
-        <p:txBody>
-          <a:bodyPr rtlCol="0" anchor="ctr"/>
-          <a:lstStyle/>
-          <a:p>
-            <a:pPr algn="ctr"/>
-            <a:r>
-              <a:rPr lang="en-US" altLang="zh-CN" sz="2800" dirty="0"/>
-              <a:t>Delay Proportion</a:t>
-            </a:r>
-            <a:endParaRPr lang="zh-CN" altLang="en-US" sz="2800" dirty="0"/>
-          </a:p>
-        </p:txBody>
-      </p:sp>
-      <p:sp>
-        <p:nvSpPr>
-          <p:cNvPr id="10" name="矩形: 圆角 9">
-            <a:extLst>
-              <a:ext uri="{FF2B5EF4-FFF2-40B4-BE49-F238E27FC236}">
-                <a16:creationId xmlns:a16="http://schemas.microsoft.com/office/drawing/2014/main" id="{CA16E15D-C82B-40E3-BCA1-0B982FEB0A8E}"/>
-              </a:ext>
-            </a:extLst>
-          </p:cNvPr>
-          <p:cNvSpPr/>
-          <p:nvPr/>
-        </p:nvSpPr>
-        <p:spPr>
-          <a:xfrm>
-            <a:off x="9183280" y="1928858"/>
-            <a:ext cx="2170520" cy="1084722"/>
-          </a:xfrm>
-          <a:prstGeom prst="roundRect">
-            <a:avLst/>
-          </a:prstGeom>
-        </p:spPr>
-        <p:style>
-          <a:lnRef idx="2">
-            <a:schemeClr val="accent1">
-              <a:shade val="50000"/>
-            </a:schemeClr>
-          </a:lnRef>
-          <a:fillRef idx="1">
-            <a:schemeClr val="accent1"/>
-          </a:fillRef>
-          <a:effectRef idx="0">
-            <a:schemeClr val="accent1"/>
-          </a:effectRef>
-          <a:fontRef idx="minor">
-            <a:schemeClr val="lt1"/>
-          </a:fontRef>
-        </p:style>
-        <p:txBody>
-          <a:bodyPr rtlCol="0" anchor="ctr"/>
-          <a:lstStyle/>
-          <a:p>
-            <a:pPr algn="ctr"/>
-            <a:r>
-              <a:rPr lang="en-US" altLang="zh-CN" sz="2800" dirty="0"/>
-              <a:t>Delay Speed</a:t>
-            </a:r>
-            <a:endParaRPr lang="zh-CN" altLang="en-US" sz="2800" dirty="0"/>
-          </a:p>
-        </p:txBody>
-      </p:sp>
-      <p:sp>
-        <p:nvSpPr>
-          <p:cNvPr id="11" name="矩形: 剪去对角 10">
-            <a:extLst>
-              <a:ext uri="{FF2B5EF4-FFF2-40B4-BE49-F238E27FC236}">
-                <a16:creationId xmlns:a16="http://schemas.microsoft.com/office/drawing/2014/main" id="{D2E72A95-5CD2-4D55-A7F1-B46420C741BE}"/>
-              </a:ext>
-            </a:extLst>
-          </p:cNvPr>
-          <p:cNvSpPr/>
-          <p:nvPr/>
-        </p:nvSpPr>
-        <p:spPr>
-          <a:xfrm>
-            <a:off x="7221714" y="3429000"/>
-            <a:ext cx="1075444" cy="575034"/>
-          </a:xfrm>
-          <a:prstGeom prst="snip2DiagRect">
-            <a:avLst/>
-          </a:prstGeom>
-        </p:spPr>
-        <p:style>
-          <a:lnRef idx="2">
-            <a:schemeClr val="accent1"/>
-          </a:lnRef>
-          <a:fillRef idx="1">
-            <a:schemeClr val="lt1"/>
-          </a:fillRef>
-          <a:effectRef idx="0">
-            <a:schemeClr val="accent1"/>
-          </a:effectRef>
-          <a:fontRef idx="minor">
-            <a:schemeClr val="dk1"/>
-          </a:fontRef>
-        </p:style>
-        <p:txBody>
-          <a:bodyPr rtlCol="0" anchor="ctr"/>
-          <a:lstStyle/>
-          <a:p>
-            <a:pPr algn="ctr"/>
-            <a:r>
-              <a:rPr lang="en-US" altLang="zh-CN" sz="2800" dirty="0"/>
-              <a:t>20%</a:t>
-            </a:r>
-            <a:endParaRPr lang="zh-CN" altLang="en-US" sz="2800" dirty="0"/>
-          </a:p>
-        </p:txBody>
-      </p:sp>
-      <p:sp>
-        <p:nvSpPr>
-          <p:cNvPr id="12" name="矩形: 剪去对角 11">
-            <a:extLst>
-              <a:ext uri="{FF2B5EF4-FFF2-40B4-BE49-F238E27FC236}">
-                <a16:creationId xmlns:a16="http://schemas.microsoft.com/office/drawing/2014/main" id="{C8E1A706-25AD-4962-ADE6-78A2503BE983}"/>
-              </a:ext>
-            </a:extLst>
-          </p:cNvPr>
-          <p:cNvSpPr/>
-          <p:nvPr/>
-        </p:nvSpPr>
-        <p:spPr>
-          <a:xfrm>
-            <a:off x="7221714" y="4231849"/>
-            <a:ext cx="1075444" cy="575034"/>
-          </a:xfrm>
-          <a:prstGeom prst="snip2DiagRect">
-            <a:avLst/>
-          </a:prstGeom>
-        </p:spPr>
-        <p:style>
-          <a:lnRef idx="2">
-            <a:schemeClr val="accent1"/>
-          </a:lnRef>
-          <a:fillRef idx="1">
-            <a:schemeClr val="lt1"/>
-          </a:fillRef>
-          <a:effectRef idx="0">
-            <a:schemeClr val="accent1"/>
-          </a:effectRef>
-          <a:fontRef idx="minor">
-            <a:schemeClr val="dk1"/>
-          </a:fontRef>
-        </p:style>
-        <p:txBody>
-          <a:bodyPr rtlCol="0" anchor="ctr"/>
-          <a:lstStyle/>
-          <a:p>
-            <a:pPr algn="ctr"/>
-            <a:r>
-              <a:rPr lang="en-US" altLang="zh-CN" sz="2800" dirty="0"/>
-              <a:t>50%</a:t>
-            </a:r>
-            <a:endParaRPr lang="zh-CN" altLang="en-US" sz="2800" dirty="0"/>
-          </a:p>
-        </p:txBody>
-      </p:sp>
-      <p:sp>
-        <p:nvSpPr>
-          <p:cNvPr id="13" name="矩形: 剪去对角 12">
-            <a:extLst>
-              <a:ext uri="{FF2B5EF4-FFF2-40B4-BE49-F238E27FC236}">
-                <a16:creationId xmlns:a16="http://schemas.microsoft.com/office/drawing/2014/main" id="{40C9B294-F06F-48AA-83F4-C784638C1AE7}"/>
-              </a:ext>
-            </a:extLst>
-          </p:cNvPr>
-          <p:cNvSpPr/>
-          <p:nvPr/>
-        </p:nvSpPr>
-        <p:spPr>
-          <a:xfrm>
-            <a:off x="7221714" y="5034699"/>
-            <a:ext cx="1075444" cy="575034"/>
-          </a:xfrm>
-          <a:prstGeom prst="snip2DiagRect">
-            <a:avLst/>
-          </a:prstGeom>
-        </p:spPr>
-        <p:style>
-          <a:lnRef idx="2">
-            <a:schemeClr val="accent1"/>
-          </a:lnRef>
-          <a:fillRef idx="1">
-            <a:schemeClr val="lt1"/>
-          </a:fillRef>
-          <a:effectRef idx="0">
-            <a:schemeClr val="accent1"/>
-          </a:effectRef>
-          <a:fontRef idx="minor">
-            <a:schemeClr val="dk1"/>
-          </a:fontRef>
-        </p:style>
-        <p:txBody>
-          <a:bodyPr rtlCol="0" anchor="ctr"/>
-          <a:lstStyle/>
-          <a:p>
-            <a:pPr algn="ctr"/>
-            <a:r>
-              <a:rPr lang="en-US" altLang="zh-CN" sz="2800" dirty="0"/>
-              <a:t>80%</a:t>
-            </a:r>
-            <a:endParaRPr lang="zh-CN" altLang="en-US" sz="2800" dirty="0"/>
-          </a:p>
-        </p:txBody>
-      </p:sp>
-      <p:sp>
-        <p:nvSpPr>
-          <p:cNvPr id="14" name="矩形: 剪去对角 13">
-            <a:extLst>
-              <a:ext uri="{FF2B5EF4-FFF2-40B4-BE49-F238E27FC236}">
-                <a16:creationId xmlns:a16="http://schemas.microsoft.com/office/drawing/2014/main" id="{0865B9C5-3540-4A97-B2E1-A3C163F414D0}"/>
-              </a:ext>
-            </a:extLst>
-          </p:cNvPr>
-          <p:cNvSpPr/>
-          <p:nvPr/>
-        </p:nvSpPr>
-        <p:spPr>
-          <a:xfrm>
-            <a:off x="9655400" y="3429000"/>
-            <a:ext cx="1075444" cy="575034"/>
-          </a:xfrm>
-          <a:prstGeom prst="snip2DiagRect">
-            <a:avLst/>
-          </a:prstGeom>
-        </p:spPr>
-        <p:style>
-          <a:lnRef idx="2">
-            <a:schemeClr val="accent1"/>
-          </a:lnRef>
-          <a:fillRef idx="1">
-            <a:schemeClr val="lt1"/>
-          </a:fillRef>
-          <a:effectRef idx="0">
-            <a:schemeClr val="accent1"/>
-          </a:effectRef>
-          <a:fontRef idx="minor">
-            <a:schemeClr val="dk1"/>
-          </a:fontRef>
-        </p:style>
-        <p:txBody>
-          <a:bodyPr rtlCol="0" anchor="ctr"/>
-          <a:lstStyle/>
-          <a:p>
-            <a:pPr algn="ctr"/>
-            <a:r>
-              <a:rPr lang="en-US" altLang="zh-CN" sz="2800" dirty="0"/>
-              <a:t>3</a:t>
-            </a:r>
-            <a:endParaRPr lang="zh-CN" altLang="en-US" sz="2800" dirty="0"/>
-          </a:p>
-        </p:txBody>
-      </p:sp>
-      <p:sp>
-        <p:nvSpPr>
-          <p:cNvPr id="15" name="矩形: 剪去对角 14">
-            <a:extLst>
-              <a:ext uri="{FF2B5EF4-FFF2-40B4-BE49-F238E27FC236}">
-                <a16:creationId xmlns:a16="http://schemas.microsoft.com/office/drawing/2014/main" id="{AB262FBE-A8F8-4379-8E2D-4BF82FE8CD99}"/>
-              </a:ext>
-            </a:extLst>
-          </p:cNvPr>
-          <p:cNvSpPr/>
-          <p:nvPr/>
-        </p:nvSpPr>
-        <p:spPr>
-          <a:xfrm>
-            <a:off x="9655400" y="4231849"/>
-            <a:ext cx="1075444" cy="575034"/>
-          </a:xfrm>
-          <a:prstGeom prst="snip2DiagRect">
-            <a:avLst/>
-          </a:prstGeom>
-        </p:spPr>
-        <p:style>
-          <a:lnRef idx="2">
-            <a:schemeClr val="accent1"/>
-          </a:lnRef>
-          <a:fillRef idx="1">
-            <a:schemeClr val="lt1"/>
-          </a:fillRef>
-          <a:effectRef idx="0">
-            <a:schemeClr val="accent1"/>
-          </a:effectRef>
-          <a:fontRef idx="minor">
-            <a:schemeClr val="dk1"/>
-          </a:fontRef>
-        </p:style>
-        <p:txBody>
-          <a:bodyPr rtlCol="0" anchor="ctr"/>
-          <a:lstStyle/>
-          <a:p>
-            <a:pPr algn="ctr"/>
-            <a:r>
-              <a:rPr lang="en-US" altLang="zh-CN" sz="2800" dirty="0"/>
-              <a:t>12</a:t>
-            </a:r>
-            <a:endParaRPr lang="zh-CN" altLang="en-US" sz="2800" dirty="0"/>
-          </a:p>
-        </p:txBody>
-      </p:sp>
-      <p:sp>
-        <p:nvSpPr>
-          <p:cNvPr id="16" name="矩形: 剪去对角 15">
-            <a:extLst>
-              <a:ext uri="{FF2B5EF4-FFF2-40B4-BE49-F238E27FC236}">
-                <a16:creationId xmlns:a16="http://schemas.microsoft.com/office/drawing/2014/main" id="{0E9B05BB-7327-4FF9-9B25-F601DA032445}"/>
-              </a:ext>
-            </a:extLst>
-          </p:cNvPr>
-          <p:cNvSpPr/>
-          <p:nvPr/>
-        </p:nvSpPr>
-        <p:spPr>
-          <a:xfrm>
-            <a:off x="9655400" y="5034699"/>
-            <a:ext cx="1075444" cy="575034"/>
-          </a:xfrm>
-          <a:prstGeom prst="snip2DiagRect">
-            <a:avLst/>
-          </a:prstGeom>
-        </p:spPr>
-        <p:style>
-          <a:lnRef idx="2">
-            <a:schemeClr val="accent1"/>
-          </a:lnRef>
-          <a:fillRef idx="1">
-            <a:schemeClr val="lt1"/>
-          </a:fillRef>
-          <a:effectRef idx="0">
-            <a:schemeClr val="accent1"/>
-          </a:effectRef>
-          <a:fontRef idx="minor">
-            <a:schemeClr val="dk1"/>
-          </a:fontRef>
-        </p:style>
-        <p:txBody>
-          <a:bodyPr rtlCol="0" anchor="ctr"/>
-          <a:lstStyle/>
-          <a:p>
-            <a:pPr algn="ctr"/>
-            <a:r>
-              <a:rPr lang="en-US" altLang="zh-CN" sz="2800" dirty="0"/>
-              <a:t>30</a:t>
-            </a:r>
-            <a:endParaRPr lang="zh-CN" altLang="en-US" sz="2800" dirty="0"/>
           </a:p>
         </p:txBody>
       </p:sp>
     </p:spTree>
     <p:extLst>
       <p:ext uri="{BB962C8B-B14F-4D97-AF65-F5344CB8AC3E}">
-        <p14:creationId xmlns:p14="http://schemas.microsoft.com/office/powerpoint/2010/main" val="2650658434"/>
+        <p14:creationId xmlns:p14="http://schemas.microsoft.com/office/powerpoint/2010/main" val="3879912538"/>
       </p:ext>
     </p:extLst>
   </p:cSld>
@@ -5498,52 +5348,663 @@
           <a:p>
             <a:r>
               <a:rPr lang="en-US" altLang="zh-CN" dirty="0"/>
-              <a:t>Delayed Update1 1/2</a:t>
+              <a:t>Delayed Update</a:t>
             </a:r>
             <a:endParaRPr lang="zh-CN" altLang="en-US" dirty="0"/>
           </a:p>
         </p:txBody>
       </p:sp>
-      <p:pic>
-        <p:nvPicPr>
-          <p:cNvPr id="6" name="图片 5" descr="手机屏幕截图&#10;&#10;描述已自动生成">
-            <a:extLst>
-              <a:ext uri="{FF2B5EF4-FFF2-40B4-BE49-F238E27FC236}">
-                <a16:creationId xmlns:a16="http://schemas.microsoft.com/office/drawing/2014/main" id="{775A995D-17A8-4A89-BB47-2547865083BD}"/>
-              </a:ext>
-            </a:extLst>
-          </p:cNvPr>
-          <p:cNvPicPr>
-            <a:picLocks noChangeAspect="1"/>
-          </p:cNvPicPr>
+      <p:sp>
+        <p:nvSpPr>
+          <p:cNvPr id="4" name="内容占位符 2">
+            <a:extLst>
+              <a:ext uri="{FF2B5EF4-FFF2-40B4-BE49-F238E27FC236}">
+                <a16:creationId xmlns:a16="http://schemas.microsoft.com/office/drawing/2014/main" id="{C3C4E09F-7D67-4FDD-BA22-4228F3AD6322}"/>
+              </a:ext>
+            </a:extLst>
+          </p:cNvPr>
+          <p:cNvSpPr>
+            <a:spLocks noGrp="1"/>
+          </p:cNvSpPr>
+          <p:nvPr>
+            <p:ph idx="1"/>
+          </p:nvPr>
+        </p:nvSpPr>
+        <p:spPr>
+          <a:xfrm>
+            <a:off x="838200" y="1825625"/>
+            <a:ext cx="3488703" cy="4351338"/>
+          </a:xfrm>
+        </p:spPr>
+        <p:txBody>
+          <a:bodyPr/>
+          <a:lstStyle/>
+          <a:p>
+            <a:r>
+              <a:rPr lang="en-US" altLang="zh-CN" dirty="0"/>
+              <a:t>40 worker nodes</a:t>
+            </a:r>
+          </a:p>
+          <a:p>
+            <a:r>
+              <a:rPr lang="en-US" altLang="zh-CN" dirty="0"/>
+              <a:t>4000 training data</a:t>
+            </a:r>
+          </a:p>
+          <a:p>
+            <a:r>
+              <a:rPr lang="en-US" altLang="zh-CN" dirty="0"/>
+              <a:t>10000 testing data</a:t>
+            </a:r>
+          </a:p>
+          <a:p>
+            <a:r>
+              <a:rPr lang="en-US" altLang="zh-CN" dirty="0"/>
+              <a:t>Early stop = 500</a:t>
+            </a:r>
+          </a:p>
+          <a:p>
+            <a:r>
+              <a:rPr lang="en-US" altLang="zh-CN" dirty="0"/>
+              <a:t>Local step = 1</a:t>
+            </a:r>
+          </a:p>
+        </p:txBody>
+      </p:sp>
+      <p:sp>
+        <p:nvSpPr>
+          <p:cNvPr id="5" name="矩形: 圆角 4">
+            <a:extLst>
+              <a:ext uri="{FF2B5EF4-FFF2-40B4-BE49-F238E27FC236}">
+                <a16:creationId xmlns:a16="http://schemas.microsoft.com/office/drawing/2014/main" id="{868D413E-6E22-4398-852A-3CAE5A7CAE3A}"/>
+              </a:ext>
+            </a:extLst>
+          </p:cNvPr>
+          <p:cNvSpPr/>
           <p:nvPr/>
-        </p:nvPicPr>
-        <p:blipFill>
-          <a:blip r:embed="rId2">
-            <a:extLst>
-              <a:ext uri="{28A0092B-C50C-407E-A947-70E740481C1C}">
-                <a14:useLocalDpi xmlns:a14="http://schemas.microsoft.com/office/drawing/2010/main" val="0"/>
-              </a:ext>
-            </a:extLst>
-          </a:blip>
-          <a:stretch>
-            <a:fillRect/>
-          </a:stretch>
-        </p:blipFill>
-        <p:spPr>
-          <a:xfrm>
-            <a:off x="0" y="1690688"/>
-            <a:ext cx="12192000" cy="4370717"/>
-          </a:xfrm>
-          <a:prstGeom prst="rect">
+        </p:nvSpPr>
+        <p:spPr>
+          <a:xfrm>
+            <a:off x="4454953" y="2344278"/>
+            <a:ext cx="1718822" cy="669302"/>
+          </a:xfrm>
+          <a:prstGeom prst="roundRect">
             <a:avLst/>
           </a:prstGeom>
         </p:spPr>
-      </p:pic>
+        <p:style>
+          <a:lnRef idx="2">
+            <a:schemeClr val="accent1">
+              <a:shade val="50000"/>
+            </a:schemeClr>
+          </a:lnRef>
+          <a:fillRef idx="1">
+            <a:schemeClr val="accent1"/>
+          </a:fillRef>
+          <a:effectRef idx="0">
+            <a:schemeClr val="accent1"/>
+          </a:effectRef>
+          <a:fontRef idx="minor">
+            <a:schemeClr val="lt1"/>
+          </a:fontRef>
+        </p:style>
+        <p:txBody>
+          <a:bodyPr rtlCol="0" anchor="ctr"/>
+          <a:lstStyle/>
+          <a:p>
+            <a:pPr algn="ctr"/>
+            <a:r>
+              <a:rPr lang="en-US" altLang="zh-CN" sz="2800" dirty="0"/>
+              <a:t>If </a:t>
+            </a:r>
+            <a:r>
+              <a:rPr lang="en-US" altLang="zh-CN" sz="2800" dirty="0" err="1"/>
+              <a:t>iid</a:t>
+            </a:r>
+            <a:r>
+              <a:rPr lang="en-US" altLang="zh-CN" sz="2800" dirty="0"/>
+              <a:t>?</a:t>
+            </a:r>
+            <a:endParaRPr lang="zh-CN" altLang="en-US" sz="2800" dirty="0"/>
+          </a:p>
+        </p:txBody>
+      </p:sp>
+      <p:sp>
+        <p:nvSpPr>
+          <p:cNvPr id="6" name="矩形: 剪去对角 5">
+            <a:extLst>
+              <a:ext uri="{FF2B5EF4-FFF2-40B4-BE49-F238E27FC236}">
+                <a16:creationId xmlns:a16="http://schemas.microsoft.com/office/drawing/2014/main" id="{04AFBB55-D737-4A30-8406-FDD002372014}"/>
+              </a:ext>
+            </a:extLst>
+          </p:cNvPr>
+          <p:cNvSpPr/>
+          <p:nvPr/>
+        </p:nvSpPr>
+        <p:spPr>
+          <a:xfrm>
+            <a:off x="4788028" y="3432782"/>
+            <a:ext cx="1075444" cy="575034"/>
+          </a:xfrm>
+          <a:prstGeom prst="snip2DiagRect">
+            <a:avLst/>
+          </a:prstGeom>
+        </p:spPr>
+        <p:style>
+          <a:lnRef idx="2">
+            <a:schemeClr val="accent1"/>
+          </a:lnRef>
+          <a:fillRef idx="1">
+            <a:schemeClr val="lt1"/>
+          </a:fillRef>
+          <a:effectRef idx="0">
+            <a:schemeClr val="accent1"/>
+          </a:effectRef>
+          <a:fontRef idx="minor">
+            <a:schemeClr val="dk1"/>
+          </a:fontRef>
+        </p:style>
+        <p:txBody>
+          <a:bodyPr rtlCol="0" anchor="ctr"/>
+          <a:lstStyle/>
+          <a:p>
+            <a:pPr algn="ctr"/>
+            <a:r>
+              <a:rPr lang="en-US" altLang="zh-CN" sz="2800" dirty="0"/>
+              <a:t>2</a:t>
+            </a:r>
+            <a:endParaRPr lang="zh-CN" altLang="en-US" sz="2800" dirty="0"/>
+          </a:p>
+        </p:txBody>
+      </p:sp>
+      <p:sp>
+        <p:nvSpPr>
+          <p:cNvPr id="7" name="矩形: 剪去对角 6">
+            <a:extLst>
+              <a:ext uri="{FF2B5EF4-FFF2-40B4-BE49-F238E27FC236}">
+                <a16:creationId xmlns:a16="http://schemas.microsoft.com/office/drawing/2014/main" id="{12454626-78AE-40E3-9B45-E4B0B4C84560}"/>
+              </a:ext>
+            </a:extLst>
+          </p:cNvPr>
+          <p:cNvSpPr/>
+          <p:nvPr/>
+        </p:nvSpPr>
+        <p:spPr>
+          <a:xfrm>
+            <a:off x="4788028" y="4235631"/>
+            <a:ext cx="1075444" cy="575034"/>
+          </a:xfrm>
+          <a:prstGeom prst="snip2DiagRect">
+            <a:avLst/>
+          </a:prstGeom>
+        </p:spPr>
+        <p:style>
+          <a:lnRef idx="2">
+            <a:schemeClr val="accent1"/>
+          </a:lnRef>
+          <a:fillRef idx="1">
+            <a:schemeClr val="lt1"/>
+          </a:fillRef>
+          <a:effectRef idx="0">
+            <a:schemeClr val="accent1"/>
+          </a:effectRef>
+          <a:fontRef idx="minor">
+            <a:schemeClr val="dk1"/>
+          </a:fontRef>
+        </p:style>
+        <p:txBody>
+          <a:bodyPr rtlCol="0" anchor="ctr"/>
+          <a:lstStyle/>
+          <a:p>
+            <a:pPr algn="ctr"/>
+            <a:r>
+              <a:rPr lang="en-US" altLang="zh-CN" sz="2800" dirty="0"/>
+              <a:t>5</a:t>
+            </a:r>
+            <a:endParaRPr lang="zh-CN" altLang="en-US" sz="2800" dirty="0"/>
+          </a:p>
+        </p:txBody>
+      </p:sp>
+      <p:sp>
+        <p:nvSpPr>
+          <p:cNvPr id="8" name="矩形: 剪去对角 7">
+            <a:extLst>
+              <a:ext uri="{FF2B5EF4-FFF2-40B4-BE49-F238E27FC236}">
+                <a16:creationId xmlns:a16="http://schemas.microsoft.com/office/drawing/2014/main" id="{538CD5B3-6E2D-40E9-A95B-B08ACAB4BE2F}"/>
+              </a:ext>
+            </a:extLst>
+          </p:cNvPr>
+          <p:cNvSpPr/>
+          <p:nvPr/>
+        </p:nvSpPr>
+        <p:spPr>
+          <a:xfrm>
+            <a:off x="4788028" y="5038481"/>
+            <a:ext cx="1075444" cy="575034"/>
+          </a:xfrm>
+          <a:prstGeom prst="snip2DiagRect">
+            <a:avLst/>
+          </a:prstGeom>
+        </p:spPr>
+        <p:style>
+          <a:lnRef idx="2">
+            <a:schemeClr val="accent1"/>
+          </a:lnRef>
+          <a:fillRef idx="1">
+            <a:schemeClr val="lt1"/>
+          </a:fillRef>
+          <a:effectRef idx="0">
+            <a:schemeClr val="accent1"/>
+          </a:effectRef>
+          <a:fontRef idx="minor">
+            <a:schemeClr val="dk1"/>
+          </a:fontRef>
+        </p:style>
+        <p:txBody>
+          <a:bodyPr rtlCol="0" anchor="ctr"/>
+          <a:lstStyle/>
+          <a:p>
+            <a:pPr algn="ctr"/>
+            <a:r>
+              <a:rPr lang="en-US" altLang="zh-CN" sz="2800" dirty="0" err="1"/>
+              <a:t>iid</a:t>
+            </a:r>
+            <a:endParaRPr lang="zh-CN" altLang="en-US" sz="2800" dirty="0"/>
+          </a:p>
+        </p:txBody>
+      </p:sp>
+      <p:sp>
+        <p:nvSpPr>
+          <p:cNvPr id="9" name="矩形: 圆角 8">
+            <a:extLst>
+              <a:ext uri="{FF2B5EF4-FFF2-40B4-BE49-F238E27FC236}">
+                <a16:creationId xmlns:a16="http://schemas.microsoft.com/office/drawing/2014/main" id="{B8879A69-5B42-4C9E-8210-C28B970C2325}"/>
+              </a:ext>
+            </a:extLst>
+          </p:cNvPr>
+          <p:cNvSpPr/>
+          <p:nvPr/>
+        </p:nvSpPr>
+        <p:spPr>
+          <a:xfrm>
+            <a:off x="6634116" y="1928858"/>
+            <a:ext cx="2170520" cy="1084722"/>
+          </a:xfrm>
+          <a:prstGeom prst="roundRect">
+            <a:avLst/>
+          </a:prstGeom>
+        </p:spPr>
+        <p:style>
+          <a:lnRef idx="2">
+            <a:schemeClr val="accent1">
+              <a:shade val="50000"/>
+            </a:schemeClr>
+          </a:lnRef>
+          <a:fillRef idx="1">
+            <a:schemeClr val="accent1"/>
+          </a:fillRef>
+          <a:effectRef idx="0">
+            <a:schemeClr val="accent1"/>
+          </a:effectRef>
+          <a:fontRef idx="minor">
+            <a:schemeClr val="lt1"/>
+          </a:fontRef>
+        </p:style>
+        <p:txBody>
+          <a:bodyPr rtlCol="0" anchor="ctr"/>
+          <a:lstStyle/>
+          <a:p>
+            <a:pPr algn="ctr"/>
+            <a:r>
+              <a:rPr lang="en-US" altLang="zh-CN" sz="2800" dirty="0"/>
+              <a:t>Delay Proportion</a:t>
+            </a:r>
+            <a:endParaRPr lang="zh-CN" altLang="en-US" sz="2800" dirty="0"/>
+          </a:p>
+        </p:txBody>
+      </p:sp>
+      <p:sp>
+        <p:nvSpPr>
+          <p:cNvPr id="10" name="矩形: 圆角 9">
+            <a:extLst>
+              <a:ext uri="{FF2B5EF4-FFF2-40B4-BE49-F238E27FC236}">
+                <a16:creationId xmlns:a16="http://schemas.microsoft.com/office/drawing/2014/main" id="{CA16E15D-C82B-40E3-BCA1-0B982FEB0A8E}"/>
+              </a:ext>
+            </a:extLst>
+          </p:cNvPr>
+          <p:cNvSpPr/>
+          <p:nvPr/>
+        </p:nvSpPr>
+        <p:spPr>
+          <a:xfrm>
+            <a:off x="9183280" y="1928858"/>
+            <a:ext cx="2170520" cy="1084722"/>
+          </a:xfrm>
+          <a:prstGeom prst="roundRect">
+            <a:avLst/>
+          </a:prstGeom>
+        </p:spPr>
+        <p:style>
+          <a:lnRef idx="2">
+            <a:schemeClr val="accent1">
+              <a:shade val="50000"/>
+            </a:schemeClr>
+          </a:lnRef>
+          <a:fillRef idx="1">
+            <a:schemeClr val="accent1"/>
+          </a:fillRef>
+          <a:effectRef idx="0">
+            <a:schemeClr val="accent1"/>
+          </a:effectRef>
+          <a:fontRef idx="minor">
+            <a:schemeClr val="lt1"/>
+          </a:fontRef>
+        </p:style>
+        <p:txBody>
+          <a:bodyPr rtlCol="0" anchor="ctr"/>
+          <a:lstStyle/>
+          <a:p>
+            <a:pPr algn="ctr"/>
+            <a:r>
+              <a:rPr lang="en-US" altLang="zh-CN" sz="2800" dirty="0"/>
+              <a:t>Delay Speed</a:t>
+            </a:r>
+            <a:endParaRPr lang="zh-CN" altLang="en-US" sz="2800" dirty="0"/>
+          </a:p>
+        </p:txBody>
+      </p:sp>
+      <p:sp>
+        <p:nvSpPr>
+          <p:cNvPr id="11" name="矩形: 剪去对角 10">
+            <a:extLst>
+              <a:ext uri="{FF2B5EF4-FFF2-40B4-BE49-F238E27FC236}">
+                <a16:creationId xmlns:a16="http://schemas.microsoft.com/office/drawing/2014/main" id="{D2E72A95-5CD2-4D55-A7F1-B46420C741BE}"/>
+              </a:ext>
+            </a:extLst>
+          </p:cNvPr>
+          <p:cNvSpPr/>
+          <p:nvPr/>
+        </p:nvSpPr>
+        <p:spPr>
+          <a:xfrm>
+            <a:off x="7221714" y="3429000"/>
+            <a:ext cx="1075444" cy="575034"/>
+          </a:xfrm>
+          <a:prstGeom prst="snip2DiagRect">
+            <a:avLst/>
+          </a:prstGeom>
+        </p:spPr>
+        <p:style>
+          <a:lnRef idx="2">
+            <a:schemeClr val="accent1"/>
+          </a:lnRef>
+          <a:fillRef idx="1">
+            <a:schemeClr val="lt1"/>
+          </a:fillRef>
+          <a:effectRef idx="0">
+            <a:schemeClr val="accent1"/>
+          </a:effectRef>
+          <a:fontRef idx="minor">
+            <a:schemeClr val="dk1"/>
+          </a:fontRef>
+        </p:style>
+        <p:txBody>
+          <a:bodyPr rtlCol="0" anchor="ctr"/>
+          <a:lstStyle/>
+          <a:p>
+            <a:pPr algn="ctr"/>
+            <a:r>
+              <a:rPr lang="en-US" altLang="zh-CN" sz="2800" dirty="0"/>
+              <a:t>20%</a:t>
+            </a:r>
+            <a:endParaRPr lang="zh-CN" altLang="en-US" sz="2800" dirty="0"/>
+          </a:p>
+        </p:txBody>
+      </p:sp>
+      <p:sp>
+        <p:nvSpPr>
+          <p:cNvPr id="12" name="矩形: 剪去对角 11">
+            <a:extLst>
+              <a:ext uri="{FF2B5EF4-FFF2-40B4-BE49-F238E27FC236}">
+                <a16:creationId xmlns:a16="http://schemas.microsoft.com/office/drawing/2014/main" id="{C8E1A706-25AD-4962-ADE6-78A2503BE983}"/>
+              </a:ext>
+            </a:extLst>
+          </p:cNvPr>
+          <p:cNvSpPr/>
+          <p:nvPr/>
+        </p:nvSpPr>
+        <p:spPr>
+          <a:xfrm>
+            <a:off x="7221714" y="4231849"/>
+            <a:ext cx="1075444" cy="575034"/>
+          </a:xfrm>
+          <a:prstGeom prst="snip2DiagRect">
+            <a:avLst/>
+          </a:prstGeom>
+        </p:spPr>
+        <p:style>
+          <a:lnRef idx="2">
+            <a:schemeClr val="accent1"/>
+          </a:lnRef>
+          <a:fillRef idx="1">
+            <a:schemeClr val="lt1"/>
+          </a:fillRef>
+          <a:effectRef idx="0">
+            <a:schemeClr val="accent1"/>
+          </a:effectRef>
+          <a:fontRef idx="minor">
+            <a:schemeClr val="dk1"/>
+          </a:fontRef>
+        </p:style>
+        <p:txBody>
+          <a:bodyPr rtlCol="0" anchor="ctr"/>
+          <a:lstStyle/>
+          <a:p>
+            <a:pPr algn="ctr"/>
+            <a:r>
+              <a:rPr lang="en-US" altLang="zh-CN" sz="2800" dirty="0"/>
+              <a:t>50%</a:t>
+            </a:r>
+            <a:endParaRPr lang="zh-CN" altLang="en-US" sz="2800" dirty="0"/>
+          </a:p>
+        </p:txBody>
+      </p:sp>
+      <p:sp>
+        <p:nvSpPr>
+          <p:cNvPr id="13" name="矩形: 剪去对角 12">
+            <a:extLst>
+              <a:ext uri="{FF2B5EF4-FFF2-40B4-BE49-F238E27FC236}">
+                <a16:creationId xmlns:a16="http://schemas.microsoft.com/office/drawing/2014/main" id="{40C9B294-F06F-48AA-83F4-C784638C1AE7}"/>
+              </a:ext>
+            </a:extLst>
+          </p:cNvPr>
+          <p:cNvSpPr/>
+          <p:nvPr/>
+        </p:nvSpPr>
+        <p:spPr>
+          <a:xfrm>
+            <a:off x="7221714" y="5034699"/>
+            <a:ext cx="1075444" cy="575034"/>
+          </a:xfrm>
+          <a:prstGeom prst="snip2DiagRect">
+            <a:avLst/>
+          </a:prstGeom>
+        </p:spPr>
+        <p:style>
+          <a:lnRef idx="2">
+            <a:schemeClr val="accent1"/>
+          </a:lnRef>
+          <a:fillRef idx="1">
+            <a:schemeClr val="lt1"/>
+          </a:fillRef>
+          <a:effectRef idx="0">
+            <a:schemeClr val="accent1"/>
+          </a:effectRef>
+          <a:fontRef idx="minor">
+            <a:schemeClr val="dk1"/>
+          </a:fontRef>
+        </p:style>
+        <p:txBody>
+          <a:bodyPr rtlCol="0" anchor="ctr"/>
+          <a:lstStyle/>
+          <a:p>
+            <a:pPr algn="ctr"/>
+            <a:r>
+              <a:rPr lang="en-US" altLang="zh-CN" sz="2800" dirty="0"/>
+              <a:t>80%</a:t>
+            </a:r>
+            <a:endParaRPr lang="zh-CN" altLang="en-US" sz="2800" dirty="0"/>
+          </a:p>
+        </p:txBody>
+      </p:sp>
+      <p:sp>
+        <p:nvSpPr>
+          <p:cNvPr id="14" name="矩形: 剪去对角 13">
+            <a:extLst>
+              <a:ext uri="{FF2B5EF4-FFF2-40B4-BE49-F238E27FC236}">
+                <a16:creationId xmlns:a16="http://schemas.microsoft.com/office/drawing/2014/main" id="{0865B9C5-3540-4A97-B2E1-A3C163F414D0}"/>
+              </a:ext>
+            </a:extLst>
+          </p:cNvPr>
+          <p:cNvSpPr/>
+          <p:nvPr/>
+        </p:nvSpPr>
+        <p:spPr>
+          <a:xfrm>
+            <a:off x="9655400" y="3429000"/>
+            <a:ext cx="1075444" cy="575034"/>
+          </a:xfrm>
+          <a:prstGeom prst="snip2DiagRect">
+            <a:avLst/>
+          </a:prstGeom>
+        </p:spPr>
+        <p:style>
+          <a:lnRef idx="2">
+            <a:schemeClr val="accent1"/>
+          </a:lnRef>
+          <a:fillRef idx="1">
+            <a:schemeClr val="lt1"/>
+          </a:fillRef>
+          <a:effectRef idx="0">
+            <a:schemeClr val="accent1"/>
+          </a:effectRef>
+          <a:fontRef idx="minor">
+            <a:schemeClr val="dk1"/>
+          </a:fontRef>
+        </p:style>
+        <p:txBody>
+          <a:bodyPr rtlCol="0" anchor="ctr"/>
+          <a:lstStyle/>
+          <a:p>
+            <a:pPr algn="ctr"/>
+            <a:r>
+              <a:rPr lang="en-US" altLang="zh-CN" sz="2800" dirty="0"/>
+              <a:t>3</a:t>
+            </a:r>
+            <a:endParaRPr lang="zh-CN" altLang="en-US" sz="2800" dirty="0"/>
+          </a:p>
+        </p:txBody>
+      </p:sp>
+      <p:sp>
+        <p:nvSpPr>
+          <p:cNvPr id="15" name="矩形: 剪去对角 14">
+            <a:extLst>
+              <a:ext uri="{FF2B5EF4-FFF2-40B4-BE49-F238E27FC236}">
+                <a16:creationId xmlns:a16="http://schemas.microsoft.com/office/drawing/2014/main" id="{AB262FBE-A8F8-4379-8E2D-4BF82FE8CD99}"/>
+              </a:ext>
+            </a:extLst>
+          </p:cNvPr>
+          <p:cNvSpPr/>
+          <p:nvPr/>
+        </p:nvSpPr>
+        <p:spPr>
+          <a:xfrm>
+            <a:off x="9655400" y="4231849"/>
+            <a:ext cx="1075444" cy="575034"/>
+          </a:xfrm>
+          <a:prstGeom prst="snip2DiagRect">
+            <a:avLst/>
+          </a:prstGeom>
+        </p:spPr>
+        <p:style>
+          <a:lnRef idx="2">
+            <a:schemeClr val="accent1"/>
+          </a:lnRef>
+          <a:fillRef idx="1">
+            <a:schemeClr val="lt1"/>
+          </a:fillRef>
+          <a:effectRef idx="0">
+            <a:schemeClr val="accent1"/>
+          </a:effectRef>
+          <a:fontRef idx="minor">
+            <a:schemeClr val="dk1"/>
+          </a:fontRef>
+        </p:style>
+        <p:txBody>
+          <a:bodyPr rtlCol="0" anchor="ctr"/>
+          <a:lstStyle/>
+          <a:p>
+            <a:pPr algn="ctr"/>
+            <a:r>
+              <a:rPr lang="en-US" altLang="zh-CN" sz="2800" dirty="0"/>
+              <a:t>12</a:t>
+            </a:r>
+            <a:endParaRPr lang="zh-CN" altLang="en-US" sz="2800" dirty="0"/>
+          </a:p>
+        </p:txBody>
+      </p:sp>
+      <p:sp>
+        <p:nvSpPr>
+          <p:cNvPr id="16" name="矩形: 剪去对角 15">
+            <a:extLst>
+              <a:ext uri="{FF2B5EF4-FFF2-40B4-BE49-F238E27FC236}">
+                <a16:creationId xmlns:a16="http://schemas.microsoft.com/office/drawing/2014/main" id="{0E9B05BB-7327-4FF9-9B25-F601DA032445}"/>
+              </a:ext>
+            </a:extLst>
+          </p:cNvPr>
+          <p:cNvSpPr/>
+          <p:nvPr/>
+        </p:nvSpPr>
+        <p:spPr>
+          <a:xfrm>
+            <a:off x="9655400" y="5034699"/>
+            <a:ext cx="1075444" cy="575034"/>
+          </a:xfrm>
+          <a:prstGeom prst="snip2DiagRect">
+            <a:avLst/>
+          </a:prstGeom>
+        </p:spPr>
+        <p:style>
+          <a:lnRef idx="2">
+            <a:schemeClr val="accent1"/>
+          </a:lnRef>
+          <a:fillRef idx="1">
+            <a:schemeClr val="lt1"/>
+          </a:fillRef>
+          <a:effectRef idx="0">
+            <a:schemeClr val="accent1"/>
+          </a:effectRef>
+          <a:fontRef idx="minor">
+            <a:schemeClr val="dk1"/>
+          </a:fontRef>
+        </p:style>
+        <p:txBody>
+          <a:bodyPr rtlCol="0" anchor="ctr"/>
+          <a:lstStyle/>
+          <a:p>
+            <a:pPr algn="ctr"/>
+            <a:r>
+              <a:rPr lang="en-US" altLang="zh-CN" sz="2800" dirty="0"/>
+              <a:t>30</a:t>
+            </a:r>
+            <a:endParaRPr lang="zh-CN" altLang="en-US" sz="2800" dirty="0"/>
+          </a:p>
+        </p:txBody>
+      </p:sp>
     </p:spTree>
     <p:extLst>
       <p:ext uri="{BB962C8B-B14F-4D97-AF65-F5344CB8AC3E}">
-        <p14:creationId xmlns:p14="http://schemas.microsoft.com/office/powerpoint/2010/main" val="238331857"/>
+        <p14:creationId xmlns:p14="http://schemas.microsoft.com/office/powerpoint/2010/main" val="2650658434"/>
       </p:ext>
     </p:extLst>
   </p:cSld>
@@ -5593,7 +6054,7 @@
           <a:p>
             <a:r>
               <a:rPr lang="en-US" altLang="zh-CN" dirty="0"/>
-              <a:t>Delayed Update1 2/2</a:t>
+              <a:t>Delayed Update1 1/5</a:t>
             </a:r>
             <a:endParaRPr lang="zh-CN" altLang="en-US" dirty="0"/>
           </a:p>
@@ -5601,10 +6062,10 @@
       </p:sp>
       <p:pic>
         <p:nvPicPr>
-          <p:cNvPr id="6" name="图片 5" descr="手机屏幕截图&#10;&#10;描述已自动生成">
-            <a:extLst>
-              <a:ext uri="{FF2B5EF4-FFF2-40B4-BE49-F238E27FC236}">
-                <a16:creationId xmlns:a16="http://schemas.microsoft.com/office/drawing/2014/main" id="{CBBA7258-5979-447B-BBFF-CA1A76998E28}"/>
+          <p:cNvPr id="4" name="图片 3" descr="手机屏幕截图&#10;&#10;描述已自动生成">
+            <a:extLst>
+              <a:ext uri="{FF2B5EF4-FFF2-40B4-BE49-F238E27FC236}">
+                <a16:creationId xmlns:a16="http://schemas.microsoft.com/office/drawing/2014/main" id="{E477B7D8-D874-4840-91C7-39B6C071AF15}"/>
               </a:ext>
             </a:extLst>
           </p:cNvPr>
@@ -5638,7 +6099,7 @@
     </p:spTree>
     <p:extLst>
       <p:ext uri="{BB962C8B-B14F-4D97-AF65-F5344CB8AC3E}">
-        <p14:creationId xmlns:p14="http://schemas.microsoft.com/office/powerpoint/2010/main" val="1138602258"/>
+        <p14:creationId xmlns:p14="http://schemas.microsoft.com/office/powerpoint/2010/main" val="238331857"/>
       </p:ext>
     </p:extLst>
   </p:cSld>
@@ -5688,12 +6149,154 @@
           <a:p>
             <a:r>
               <a:rPr lang="en-US" altLang="zh-CN" dirty="0"/>
-              <a:t>Delayed Update2 1/</a:t>
+              <a:t>Delayed Update1 2/5</a:t>
             </a:r>
             <a:endParaRPr lang="zh-CN" altLang="en-US" dirty="0"/>
           </a:p>
         </p:txBody>
       </p:sp>
+      <p:pic>
+        <p:nvPicPr>
+          <p:cNvPr id="4" name="图片 3" descr="手机屏幕截图&#10;&#10;描述已自动生成">
+            <a:extLst>
+              <a:ext uri="{FF2B5EF4-FFF2-40B4-BE49-F238E27FC236}">
+                <a16:creationId xmlns:a16="http://schemas.microsoft.com/office/drawing/2014/main" id="{162D177B-9D80-4AEE-B343-62A50E1CC098}"/>
+              </a:ext>
+            </a:extLst>
+          </p:cNvPr>
+          <p:cNvPicPr>
+            <a:picLocks noChangeAspect="1"/>
+          </p:cNvPicPr>
+          <p:nvPr/>
+        </p:nvPicPr>
+        <p:blipFill>
+          <a:blip r:embed="rId2">
+            <a:extLst>
+              <a:ext uri="{28A0092B-C50C-407E-A947-70E740481C1C}">
+                <a14:useLocalDpi xmlns:a14="http://schemas.microsoft.com/office/drawing/2010/main" val="0"/>
+              </a:ext>
+            </a:extLst>
+          </a:blip>
+          <a:stretch>
+            <a:fillRect/>
+          </a:stretch>
+        </p:blipFill>
+        <p:spPr>
+          <a:xfrm>
+            <a:off x="0" y="1690688"/>
+            <a:ext cx="12192000" cy="4324709"/>
+          </a:xfrm>
+          <a:prstGeom prst="rect">
+            <a:avLst/>
+          </a:prstGeom>
+        </p:spPr>
+      </p:pic>
+    </p:spTree>
+    <p:extLst>
+      <p:ext uri="{BB962C8B-B14F-4D97-AF65-F5344CB8AC3E}">
+        <p14:creationId xmlns:p14="http://schemas.microsoft.com/office/powerpoint/2010/main" val="1138602258"/>
+      </p:ext>
+    </p:extLst>
+  </p:cSld>
+  <p:clrMapOvr>
+    <a:masterClrMapping/>
+  </p:clrMapOvr>
+</p:sld>
+</file>
+
+<file path=ppt/slides/slide19.xml><?xml version="1.0" encoding="utf-8"?>
+<p:sld xmlns:a="http://schemas.openxmlformats.org/drawingml/2006/main" xmlns:r="http://schemas.openxmlformats.org/officeDocument/2006/relationships" xmlns:p="http://schemas.openxmlformats.org/presentationml/2006/main">
+  <p:cSld>
+    <p:spTree>
+      <p:nvGrpSpPr>
+        <p:cNvPr id="1" name=""/>
+        <p:cNvGrpSpPr/>
+        <p:nvPr/>
+      </p:nvGrpSpPr>
+      <p:grpSpPr>
+        <a:xfrm>
+          <a:off x="0" y="0"/>
+          <a:ext cx="0" cy="0"/>
+          <a:chOff x="0" y="0"/>
+          <a:chExt cx="0" cy="0"/>
+        </a:xfrm>
+      </p:grpSpPr>
+      <p:sp>
+        <p:nvSpPr>
+          <p:cNvPr id="2" name="标题 1">
+            <a:extLst>
+              <a:ext uri="{FF2B5EF4-FFF2-40B4-BE49-F238E27FC236}">
+                <a16:creationId xmlns:a16="http://schemas.microsoft.com/office/drawing/2014/main" id="{FDBDF9CE-045B-4932-BBDF-5C6982733BDC}"/>
+              </a:ext>
+            </a:extLst>
+          </p:cNvPr>
+          <p:cNvSpPr>
+            <a:spLocks noGrp="1"/>
+          </p:cNvSpPr>
+          <p:nvPr>
+            <p:ph type="title"/>
+          </p:nvPr>
+        </p:nvSpPr>
+        <p:spPr/>
+        <p:txBody>
+          <a:bodyPr/>
+          <a:lstStyle/>
+          <a:p>
+            <a:r>
+              <a:rPr lang="en-US" altLang="zh-CN" dirty="0"/>
+              <a:t>Delayed Update1 3/5</a:t>
+            </a:r>
+            <a:endParaRPr lang="zh-CN" altLang="en-US" dirty="0"/>
+          </a:p>
+        </p:txBody>
+      </p:sp>
+      <p:pic>
+        <p:nvPicPr>
+          <p:cNvPr id="2050" name="Picture 2">
+            <a:extLst>
+              <a:ext uri="{FF2B5EF4-FFF2-40B4-BE49-F238E27FC236}">
+                <a16:creationId xmlns:a16="http://schemas.microsoft.com/office/drawing/2014/main" id="{B9CC0C22-33D7-4F60-A55E-22CFF952844E}"/>
+              </a:ext>
+            </a:extLst>
+          </p:cNvPr>
+          <p:cNvPicPr>
+            <a:picLocks noChangeAspect="1" noChangeArrowheads="1"/>
+          </p:cNvPicPr>
+          <p:nvPr/>
+        </p:nvPicPr>
+        <p:blipFill>
+          <a:blip r:embed="rId2">
+            <a:extLst>
+              <a:ext uri="{28A0092B-C50C-407E-A947-70E740481C1C}">
+                <a14:useLocalDpi xmlns:a14="http://schemas.microsoft.com/office/drawing/2010/main" val="0"/>
+              </a:ext>
+            </a:extLst>
+          </a:blip>
+          <a:srcRect/>
+          <a:stretch>
+            <a:fillRect/>
+          </a:stretch>
+        </p:blipFill>
+        <p:spPr bwMode="auto">
+          <a:xfrm>
+            <a:off x="0" y="1690688"/>
+            <a:ext cx="12192000" cy="4324709"/>
+          </a:xfrm>
+          <a:prstGeom prst="rect">
+            <a:avLst/>
+          </a:prstGeom>
+          <a:noFill/>
+          <a:extLst>
+            <a:ext uri="{909E8E84-426E-40DD-AFC4-6F175D3DCCD1}">
+              <a14:hiddenFill xmlns:a14="http://schemas.microsoft.com/office/drawing/2010/main">
+                <a:solidFill>
+                  <a:srgbClr val="FFFFFF"/>
+                </a:solidFill>
+              </a14:hiddenFill>
+            </a:ext>
+          </a:extLst>
+        </p:spPr>
+      </p:pic>
     </p:spTree>
     <p:extLst>
       <p:ext uri="{BB962C8B-B14F-4D97-AF65-F5344CB8AC3E}">
@@ -5729,7 +6332,7 @@
           <p:cNvPr id="2" name="标题 1">
             <a:extLst>
               <a:ext uri="{FF2B5EF4-FFF2-40B4-BE49-F238E27FC236}">
-                <a16:creationId xmlns:a16="http://schemas.microsoft.com/office/drawing/2014/main" id="{FDBDF9CE-045B-4932-BBDF-5C6982733BDC}"/>
+                <a16:creationId xmlns:a16="http://schemas.microsoft.com/office/drawing/2014/main" id="{E30CB5E7-B811-4F7B-8084-7DA736C2925E}"/>
               </a:ext>
             </a:extLst>
           </p:cNvPr>
@@ -5738,6 +6341,35 @@
           </p:cNvSpPr>
           <p:nvPr>
             <p:ph type="title"/>
+          </p:nvPr>
+        </p:nvSpPr>
+        <p:spPr/>
+        <p:txBody>
+          <a:bodyPr/>
+          <a:lstStyle/>
+          <a:p>
+            <a:r>
+              <a:rPr lang="en-US" altLang="zh-CN" dirty="0"/>
+              <a:t>Index </a:t>
+            </a:r>
+            <a:endParaRPr lang="zh-CN" altLang="en-US" dirty="0"/>
+          </a:p>
+        </p:txBody>
+      </p:sp>
+      <p:sp>
+        <p:nvSpPr>
+          <p:cNvPr id="3" name="内容占位符 2">
+            <a:extLst>
+              <a:ext uri="{FF2B5EF4-FFF2-40B4-BE49-F238E27FC236}">
+                <a16:creationId xmlns:a16="http://schemas.microsoft.com/office/drawing/2014/main" id="{E0EBB5AF-500D-45A9-BA5F-A3993EF4846C}"/>
+              </a:ext>
+            </a:extLst>
+          </p:cNvPr>
+          <p:cNvSpPr>
+            <a:spLocks noGrp="1"/>
+          </p:cNvSpPr>
+          <p:nvPr>
+            <p:ph idx="1"/>
           </p:nvPr>
         </p:nvSpPr>
         <p:spPr/>
@@ -5749,16 +6381,111 @@
               <a:rPr lang="en-US" altLang="zh-CN" dirty="0"/>
               <a:t>Non – Fed performance</a:t>
             </a:r>
+          </a:p>
+          <a:p>
+            <a:r>
+              <a:rPr lang="en-US" altLang="zh-CN" dirty="0"/>
+              <a:t>Local steps</a:t>
+            </a:r>
+          </a:p>
+          <a:p>
+            <a:r>
+              <a:rPr lang="en-US" altLang="zh-CN" dirty="0"/>
+              <a:t>Evaluate methods</a:t>
+            </a:r>
+          </a:p>
+          <a:p>
+            <a:r>
+              <a:rPr lang="en-US" altLang="zh-CN" dirty="0"/>
+              <a:t>Bad node (return randomized weights)</a:t>
+            </a:r>
+          </a:p>
+          <a:p>
+            <a:r>
+              <a:rPr lang="en-US" altLang="zh-CN" dirty="0"/>
+              <a:t>Data Dispersion</a:t>
+            </a:r>
+          </a:p>
+          <a:p>
+            <a:r>
+              <a:rPr lang="en-US" altLang="zh-CN" dirty="0"/>
+              <a:t>Share data</a:t>
+            </a:r>
+          </a:p>
+          <a:p>
+            <a:r>
+              <a:rPr lang="en-US" altLang="zh-CN" dirty="0"/>
+              <a:t>Delayed Update</a:t>
+            </a:r>
+            <a:endParaRPr lang="zh-CN" altLang="en-US" dirty="0"/>
+          </a:p>
+        </p:txBody>
+      </p:sp>
+    </p:spTree>
+    <p:extLst>
+      <p:ext uri="{BB962C8B-B14F-4D97-AF65-F5344CB8AC3E}">
+        <p14:creationId xmlns:p14="http://schemas.microsoft.com/office/powerpoint/2010/main" val="249497808"/>
+      </p:ext>
+    </p:extLst>
+  </p:cSld>
+  <p:clrMapOvr>
+    <a:masterClrMapping/>
+  </p:clrMapOvr>
+</p:sld>
+</file>
+
+<file path=ppt/slides/slide20.xml><?xml version="1.0" encoding="utf-8"?>
+<p:sld xmlns:a="http://schemas.openxmlformats.org/drawingml/2006/main" xmlns:r="http://schemas.openxmlformats.org/officeDocument/2006/relationships" xmlns:p="http://schemas.openxmlformats.org/presentationml/2006/main">
+  <p:cSld>
+    <p:spTree>
+      <p:nvGrpSpPr>
+        <p:cNvPr id="1" name=""/>
+        <p:cNvGrpSpPr/>
+        <p:nvPr/>
+      </p:nvGrpSpPr>
+      <p:grpSpPr>
+        <a:xfrm>
+          <a:off x="0" y="0"/>
+          <a:ext cx="0" cy="0"/>
+          <a:chOff x="0" y="0"/>
+          <a:chExt cx="0" cy="0"/>
+        </a:xfrm>
+      </p:grpSpPr>
+      <p:sp>
+        <p:nvSpPr>
+          <p:cNvPr id="2" name="标题 1">
+            <a:extLst>
+              <a:ext uri="{FF2B5EF4-FFF2-40B4-BE49-F238E27FC236}">
+                <a16:creationId xmlns:a16="http://schemas.microsoft.com/office/drawing/2014/main" id="{FDBDF9CE-045B-4932-BBDF-5C6982733BDC}"/>
+              </a:ext>
+            </a:extLst>
+          </p:cNvPr>
+          <p:cNvSpPr>
+            <a:spLocks noGrp="1"/>
+          </p:cNvSpPr>
+          <p:nvPr>
+            <p:ph type="title"/>
+          </p:nvPr>
+        </p:nvSpPr>
+        <p:spPr/>
+        <p:txBody>
+          <a:bodyPr/>
+          <a:lstStyle/>
+          <a:p>
+            <a:r>
+              <a:rPr lang="en-US" altLang="zh-CN" dirty="0"/>
+              <a:t>Delayed Update1 4/5</a:t>
+            </a:r>
             <a:endParaRPr lang="zh-CN" altLang="en-US" dirty="0"/>
           </a:p>
         </p:txBody>
       </p:sp>
       <p:pic>
         <p:nvPicPr>
-          <p:cNvPr id="4" name="图片 3" descr="截图里有图片&#10;&#10;描述已自动生成">
-            <a:extLst>
-              <a:ext uri="{FF2B5EF4-FFF2-40B4-BE49-F238E27FC236}">
-                <a16:creationId xmlns:a16="http://schemas.microsoft.com/office/drawing/2014/main" id="{0480443C-C8DC-4D69-AC05-5CFFE7471883}"/>
+          <p:cNvPr id="4" name="图片 3" descr="手机屏幕截图&#10;&#10;描述已自动生成">
+            <a:extLst>
+              <a:ext uri="{FF2B5EF4-FFF2-40B4-BE49-F238E27FC236}">
+                <a16:creationId xmlns:a16="http://schemas.microsoft.com/office/drawing/2014/main" id="{DDF2D216-6006-44AA-9142-DAB7B1950EFD}"/>
               </a:ext>
             </a:extLst>
           </p:cNvPr>
@@ -5781,8 +6508,8 @@
         </p:blipFill>
         <p:spPr>
           <a:xfrm>
-            <a:off x="838200" y="1479106"/>
-            <a:ext cx="9036911" cy="4662742"/>
+            <a:off x="0" y="1690688"/>
+            <a:ext cx="12192000" cy="4324709"/>
           </a:xfrm>
           <a:prstGeom prst="rect">
             <a:avLst/>
@@ -5792,7 +6519,888 @@
     </p:spTree>
     <p:extLst>
       <p:ext uri="{BB962C8B-B14F-4D97-AF65-F5344CB8AC3E}">
-        <p14:creationId xmlns:p14="http://schemas.microsoft.com/office/powerpoint/2010/main" val="2372598020"/>
+        <p14:creationId xmlns:p14="http://schemas.microsoft.com/office/powerpoint/2010/main" val="2543341189"/>
+      </p:ext>
+    </p:extLst>
+  </p:cSld>
+  <p:clrMapOvr>
+    <a:masterClrMapping/>
+  </p:clrMapOvr>
+</p:sld>
+</file>
+
+<file path=ppt/slides/slide21.xml><?xml version="1.0" encoding="utf-8"?>
+<p:sld xmlns:a="http://schemas.openxmlformats.org/drawingml/2006/main" xmlns:r="http://schemas.openxmlformats.org/officeDocument/2006/relationships" xmlns:p="http://schemas.openxmlformats.org/presentationml/2006/main">
+  <p:cSld>
+    <p:spTree>
+      <p:nvGrpSpPr>
+        <p:cNvPr id="1" name=""/>
+        <p:cNvGrpSpPr/>
+        <p:nvPr/>
+      </p:nvGrpSpPr>
+      <p:grpSpPr>
+        <a:xfrm>
+          <a:off x="0" y="0"/>
+          <a:ext cx="0" cy="0"/>
+          <a:chOff x="0" y="0"/>
+          <a:chExt cx="0" cy="0"/>
+        </a:xfrm>
+      </p:grpSpPr>
+      <p:sp>
+        <p:nvSpPr>
+          <p:cNvPr id="2" name="标题 1">
+            <a:extLst>
+              <a:ext uri="{FF2B5EF4-FFF2-40B4-BE49-F238E27FC236}">
+                <a16:creationId xmlns:a16="http://schemas.microsoft.com/office/drawing/2014/main" id="{FDBDF9CE-045B-4932-BBDF-5C6982733BDC}"/>
+              </a:ext>
+            </a:extLst>
+          </p:cNvPr>
+          <p:cNvSpPr>
+            <a:spLocks noGrp="1"/>
+          </p:cNvSpPr>
+          <p:nvPr>
+            <p:ph type="title"/>
+          </p:nvPr>
+        </p:nvSpPr>
+        <p:spPr/>
+        <p:txBody>
+          <a:bodyPr/>
+          <a:lstStyle/>
+          <a:p>
+            <a:r>
+              <a:rPr lang="en-US" altLang="zh-CN" dirty="0"/>
+              <a:t>Delayed Update1 5/5</a:t>
+            </a:r>
+            <a:endParaRPr lang="zh-CN" altLang="en-US" dirty="0"/>
+          </a:p>
+        </p:txBody>
+      </p:sp>
+      <p:pic>
+        <p:nvPicPr>
+          <p:cNvPr id="3074" name="Picture 2">
+            <a:extLst>
+              <a:ext uri="{FF2B5EF4-FFF2-40B4-BE49-F238E27FC236}">
+                <a16:creationId xmlns:a16="http://schemas.microsoft.com/office/drawing/2014/main" id="{5869DA56-A187-4A85-8354-37D449D4EDD1}"/>
+              </a:ext>
+            </a:extLst>
+          </p:cNvPr>
+          <p:cNvPicPr>
+            <a:picLocks noChangeAspect="1" noChangeArrowheads="1"/>
+          </p:cNvPicPr>
+          <p:nvPr/>
+        </p:nvPicPr>
+        <p:blipFill>
+          <a:blip r:embed="rId2">
+            <a:extLst>
+              <a:ext uri="{28A0092B-C50C-407E-A947-70E740481C1C}">
+                <a14:useLocalDpi xmlns:a14="http://schemas.microsoft.com/office/drawing/2010/main" val="0"/>
+              </a:ext>
+            </a:extLst>
+          </a:blip>
+          <a:srcRect/>
+          <a:stretch>
+            <a:fillRect/>
+          </a:stretch>
+        </p:blipFill>
+        <p:spPr bwMode="auto">
+          <a:xfrm>
+            <a:off x="-11724" y="1690688"/>
+            <a:ext cx="12203724" cy="4328868"/>
+          </a:xfrm>
+          <a:prstGeom prst="rect">
+            <a:avLst/>
+          </a:prstGeom>
+          <a:noFill/>
+          <a:extLst>
+            <a:ext uri="{909E8E84-426E-40DD-AFC4-6F175D3DCCD1}">
+              <a14:hiddenFill xmlns:a14="http://schemas.microsoft.com/office/drawing/2010/main">
+                <a:solidFill>
+                  <a:srgbClr val="FFFFFF"/>
+                </a:solidFill>
+              </a14:hiddenFill>
+            </a:ext>
+          </a:extLst>
+        </p:spPr>
+      </p:pic>
+      <p:sp>
+        <p:nvSpPr>
+          <p:cNvPr id="3" name="文本框 2">
+            <a:extLst>
+              <a:ext uri="{FF2B5EF4-FFF2-40B4-BE49-F238E27FC236}">
+                <a16:creationId xmlns:a16="http://schemas.microsoft.com/office/drawing/2014/main" id="{9A9A0CEC-C2ED-4144-9784-6C5D8B5993CB}"/>
+              </a:ext>
+            </a:extLst>
+          </p:cNvPr>
+          <p:cNvSpPr txBox="1"/>
+          <p:nvPr/>
+        </p:nvSpPr>
+        <p:spPr>
+          <a:xfrm>
+            <a:off x="452487" y="6287679"/>
+            <a:ext cx="3667026" cy="369332"/>
+          </a:xfrm>
+          <a:prstGeom prst="rect">
+            <a:avLst/>
+          </a:prstGeom>
+          <a:noFill/>
+        </p:spPr>
+        <p:txBody>
+          <a:bodyPr wrap="square" rtlCol="0">
+            <a:spAutoFit/>
+          </a:bodyPr>
+          <a:lstStyle/>
+          <a:p>
+            <a:r>
+              <a:rPr lang="en-US" altLang="zh-CN" dirty="0"/>
+              <a:t>Why 2c behaves differently?</a:t>
+            </a:r>
+            <a:endParaRPr lang="zh-CN" altLang="en-US" dirty="0"/>
+          </a:p>
+        </p:txBody>
+      </p:sp>
+    </p:spTree>
+    <p:extLst>
+      <p:ext uri="{BB962C8B-B14F-4D97-AF65-F5344CB8AC3E}">
+        <p14:creationId xmlns:p14="http://schemas.microsoft.com/office/powerpoint/2010/main" val="1309238028"/>
+      </p:ext>
+    </p:extLst>
+  </p:cSld>
+  <p:clrMapOvr>
+    <a:masterClrMapping/>
+  </p:clrMapOvr>
+</p:sld>
+</file>
+
+<file path=ppt/slides/slide22.xml><?xml version="1.0" encoding="utf-8"?>
+<p:sld xmlns:a="http://schemas.openxmlformats.org/drawingml/2006/main" xmlns:r="http://schemas.openxmlformats.org/officeDocument/2006/relationships" xmlns:p="http://schemas.openxmlformats.org/presentationml/2006/main">
+  <p:cSld>
+    <p:spTree>
+      <p:nvGrpSpPr>
+        <p:cNvPr id="1" name=""/>
+        <p:cNvGrpSpPr/>
+        <p:nvPr/>
+      </p:nvGrpSpPr>
+      <p:grpSpPr>
+        <a:xfrm>
+          <a:off x="0" y="0"/>
+          <a:ext cx="0" cy="0"/>
+          <a:chOff x="0" y="0"/>
+          <a:chExt cx="0" cy="0"/>
+        </a:xfrm>
+      </p:grpSpPr>
+      <p:sp>
+        <p:nvSpPr>
+          <p:cNvPr id="2" name="标题 1">
+            <a:extLst>
+              <a:ext uri="{FF2B5EF4-FFF2-40B4-BE49-F238E27FC236}">
+                <a16:creationId xmlns:a16="http://schemas.microsoft.com/office/drawing/2014/main" id="{FDBDF9CE-045B-4932-BBDF-5C6982733BDC}"/>
+              </a:ext>
+            </a:extLst>
+          </p:cNvPr>
+          <p:cNvSpPr>
+            <a:spLocks noGrp="1"/>
+          </p:cNvSpPr>
+          <p:nvPr>
+            <p:ph type="title"/>
+          </p:nvPr>
+        </p:nvSpPr>
+        <p:spPr/>
+        <p:txBody>
+          <a:bodyPr/>
+          <a:lstStyle/>
+          <a:p>
+            <a:r>
+              <a:rPr lang="en-US" altLang="zh-CN" dirty="0"/>
+              <a:t>Delayed Update2 1/4</a:t>
+            </a:r>
+            <a:endParaRPr lang="zh-CN" altLang="en-US" dirty="0"/>
+          </a:p>
+        </p:txBody>
+      </p:sp>
+      <p:pic>
+        <p:nvPicPr>
+          <p:cNvPr id="6" name="图片 5">
+            <a:extLst>
+              <a:ext uri="{FF2B5EF4-FFF2-40B4-BE49-F238E27FC236}">
+                <a16:creationId xmlns:a16="http://schemas.microsoft.com/office/drawing/2014/main" id="{C5807BE3-A9C6-48A5-98FC-341269B3172C}"/>
+              </a:ext>
+            </a:extLst>
+          </p:cNvPr>
+          <p:cNvPicPr>
+            <a:picLocks noChangeAspect="1"/>
+          </p:cNvPicPr>
+          <p:nvPr/>
+        </p:nvPicPr>
+        <p:blipFill>
+          <a:blip r:embed="rId2">
+            <a:extLst>
+              <a:ext uri="{28A0092B-C50C-407E-A947-70E740481C1C}">
+                <a14:useLocalDpi xmlns:a14="http://schemas.microsoft.com/office/drawing/2010/main" val="0"/>
+              </a:ext>
+            </a:extLst>
+          </a:blip>
+          <a:stretch>
+            <a:fillRect/>
+          </a:stretch>
+        </p:blipFill>
+        <p:spPr>
+          <a:xfrm>
+            <a:off x="0" y="1690688"/>
+            <a:ext cx="12192000" cy="4324709"/>
+          </a:xfrm>
+          <a:prstGeom prst="rect">
+            <a:avLst/>
+          </a:prstGeom>
+        </p:spPr>
+      </p:pic>
+      <p:sp>
+        <p:nvSpPr>
+          <p:cNvPr id="7" name="文本框 6">
+            <a:extLst>
+              <a:ext uri="{FF2B5EF4-FFF2-40B4-BE49-F238E27FC236}">
+                <a16:creationId xmlns:a16="http://schemas.microsoft.com/office/drawing/2014/main" id="{0F12012F-9567-427C-8EAF-A3A3F07554E1}"/>
+              </a:ext>
+            </a:extLst>
+          </p:cNvPr>
+          <p:cNvSpPr txBox="1"/>
+          <p:nvPr/>
+        </p:nvSpPr>
+        <p:spPr>
+          <a:xfrm>
+            <a:off x="527901" y="6183984"/>
+            <a:ext cx="4958499" cy="369332"/>
+          </a:xfrm>
+          <a:prstGeom prst="rect">
+            <a:avLst/>
+          </a:prstGeom>
+          <a:noFill/>
+        </p:spPr>
+        <p:txBody>
+          <a:bodyPr wrap="square" rtlCol="0">
+            <a:spAutoFit/>
+          </a:bodyPr>
+          <a:lstStyle/>
+          <a:p>
+            <a:r>
+              <a:rPr lang="en-US" altLang="zh-CN" dirty="0"/>
+              <a:t>Why 2c.speed12 worse than the other two??</a:t>
+            </a:r>
+            <a:endParaRPr lang="zh-CN" altLang="en-US" dirty="0"/>
+          </a:p>
+        </p:txBody>
+      </p:sp>
+    </p:spTree>
+    <p:extLst>
+      <p:ext uri="{BB962C8B-B14F-4D97-AF65-F5344CB8AC3E}">
+        <p14:creationId xmlns:p14="http://schemas.microsoft.com/office/powerpoint/2010/main" val="144395660"/>
+      </p:ext>
+    </p:extLst>
+  </p:cSld>
+  <p:clrMapOvr>
+    <a:masterClrMapping/>
+  </p:clrMapOvr>
+</p:sld>
+</file>
+
+<file path=ppt/slides/slide23.xml><?xml version="1.0" encoding="utf-8"?>
+<p:sld xmlns:a="http://schemas.openxmlformats.org/drawingml/2006/main" xmlns:r="http://schemas.openxmlformats.org/officeDocument/2006/relationships" xmlns:p="http://schemas.openxmlformats.org/presentationml/2006/main">
+  <p:cSld>
+    <p:spTree>
+      <p:nvGrpSpPr>
+        <p:cNvPr id="1" name=""/>
+        <p:cNvGrpSpPr/>
+        <p:nvPr/>
+      </p:nvGrpSpPr>
+      <p:grpSpPr>
+        <a:xfrm>
+          <a:off x="0" y="0"/>
+          <a:ext cx="0" cy="0"/>
+          <a:chOff x="0" y="0"/>
+          <a:chExt cx="0" cy="0"/>
+        </a:xfrm>
+      </p:grpSpPr>
+      <p:sp>
+        <p:nvSpPr>
+          <p:cNvPr id="2" name="标题 1">
+            <a:extLst>
+              <a:ext uri="{FF2B5EF4-FFF2-40B4-BE49-F238E27FC236}">
+                <a16:creationId xmlns:a16="http://schemas.microsoft.com/office/drawing/2014/main" id="{FDBDF9CE-045B-4932-BBDF-5C6982733BDC}"/>
+              </a:ext>
+            </a:extLst>
+          </p:cNvPr>
+          <p:cNvSpPr>
+            <a:spLocks noGrp="1"/>
+          </p:cNvSpPr>
+          <p:nvPr>
+            <p:ph type="title"/>
+          </p:nvPr>
+        </p:nvSpPr>
+        <p:spPr/>
+        <p:txBody>
+          <a:bodyPr/>
+          <a:lstStyle/>
+          <a:p>
+            <a:r>
+              <a:rPr lang="en-US" altLang="zh-CN" dirty="0"/>
+              <a:t>Delayed Update2 2/4</a:t>
+            </a:r>
+            <a:endParaRPr lang="zh-CN" altLang="en-US" dirty="0"/>
+          </a:p>
+        </p:txBody>
+      </p:sp>
+      <p:pic>
+        <p:nvPicPr>
+          <p:cNvPr id="6" name="图片 5" descr="手机屏幕截图&#10;&#10;描述已自动生成">
+            <a:extLst>
+              <a:ext uri="{FF2B5EF4-FFF2-40B4-BE49-F238E27FC236}">
+                <a16:creationId xmlns:a16="http://schemas.microsoft.com/office/drawing/2014/main" id="{325B6CE2-4B96-4E6C-8283-8DC0BC8F2FD4}"/>
+              </a:ext>
+            </a:extLst>
+          </p:cNvPr>
+          <p:cNvPicPr>
+            <a:picLocks noChangeAspect="1"/>
+          </p:cNvPicPr>
+          <p:nvPr/>
+        </p:nvPicPr>
+        <p:blipFill>
+          <a:blip r:embed="rId2">
+            <a:extLst>
+              <a:ext uri="{28A0092B-C50C-407E-A947-70E740481C1C}">
+                <a14:useLocalDpi xmlns:a14="http://schemas.microsoft.com/office/drawing/2010/main" val="0"/>
+              </a:ext>
+            </a:extLst>
+          </a:blip>
+          <a:stretch>
+            <a:fillRect/>
+          </a:stretch>
+        </p:blipFill>
+        <p:spPr>
+          <a:xfrm>
+            <a:off x="0" y="1690688"/>
+            <a:ext cx="12192000" cy="4324709"/>
+          </a:xfrm>
+          <a:prstGeom prst="rect">
+            <a:avLst/>
+          </a:prstGeom>
+        </p:spPr>
+      </p:pic>
+      <p:sp>
+        <p:nvSpPr>
+          <p:cNvPr id="7" name="文本框 6">
+            <a:extLst>
+              <a:ext uri="{FF2B5EF4-FFF2-40B4-BE49-F238E27FC236}">
+                <a16:creationId xmlns:a16="http://schemas.microsoft.com/office/drawing/2014/main" id="{950F9E7B-B991-4A25-9840-7449EE4F1A63}"/>
+              </a:ext>
+            </a:extLst>
+          </p:cNvPr>
+          <p:cNvSpPr txBox="1"/>
+          <p:nvPr/>
+        </p:nvSpPr>
+        <p:spPr>
+          <a:xfrm>
+            <a:off x="527901" y="6183984"/>
+            <a:ext cx="4958499" cy="369332"/>
+          </a:xfrm>
+          <a:prstGeom prst="rect">
+            <a:avLst/>
+          </a:prstGeom>
+          <a:noFill/>
+        </p:spPr>
+        <p:txBody>
+          <a:bodyPr wrap="square" rtlCol="0">
+            <a:spAutoFit/>
+          </a:bodyPr>
+          <a:lstStyle/>
+          <a:p>
+            <a:r>
+              <a:rPr lang="en-US" altLang="zh-CN" dirty="0"/>
+              <a:t>Why 2c.speed12 worse than the other two??</a:t>
+            </a:r>
+            <a:endParaRPr lang="zh-CN" altLang="en-US" dirty="0"/>
+          </a:p>
+        </p:txBody>
+      </p:sp>
+    </p:spTree>
+    <p:extLst>
+      <p:ext uri="{BB962C8B-B14F-4D97-AF65-F5344CB8AC3E}">
+        <p14:creationId xmlns:p14="http://schemas.microsoft.com/office/powerpoint/2010/main" val="16932016"/>
+      </p:ext>
+    </p:extLst>
+  </p:cSld>
+  <p:clrMapOvr>
+    <a:masterClrMapping/>
+  </p:clrMapOvr>
+</p:sld>
+</file>
+
+<file path=ppt/slides/slide24.xml><?xml version="1.0" encoding="utf-8"?>
+<p:sld xmlns:a="http://schemas.openxmlformats.org/drawingml/2006/main" xmlns:r="http://schemas.openxmlformats.org/officeDocument/2006/relationships" xmlns:p="http://schemas.openxmlformats.org/presentationml/2006/main">
+  <p:cSld>
+    <p:spTree>
+      <p:nvGrpSpPr>
+        <p:cNvPr id="1" name=""/>
+        <p:cNvGrpSpPr/>
+        <p:nvPr/>
+      </p:nvGrpSpPr>
+      <p:grpSpPr>
+        <a:xfrm>
+          <a:off x="0" y="0"/>
+          <a:ext cx="0" cy="0"/>
+          <a:chOff x="0" y="0"/>
+          <a:chExt cx="0" cy="0"/>
+        </a:xfrm>
+      </p:grpSpPr>
+      <p:sp>
+        <p:nvSpPr>
+          <p:cNvPr id="2" name="标题 1">
+            <a:extLst>
+              <a:ext uri="{FF2B5EF4-FFF2-40B4-BE49-F238E27FC236}">
+                <a16:creationId xmlns:a16="http://schemas.microsoft.com/office/drawing/2014/main" id="{FDBDF9CE-045B-4932-BBDF-5C6982733BDC}"/>
+              </a:ext>
+            </a:extLst>
+          </p:cNvPr>
+          <p:cNvSpPr>
+            <a:spLocks noGrp="1"/>
+          </p:cNvSpPr>
+          <p:nvPr>
+            <p:ph type="title"/>
+          </p:nvPr>
+        </p:nvSpPr>
+        <p:spPr/>
+        <p:txBody>
+          <a:bodyPr/>
+          <a:lstStyle/>
+          <a:p>
+            <a:r>
+              <a:rPr lang="en-US" altLang="zh-CN" dirty="0"/>
+              <a:t>Delayed Update2 3/4</a:t>
+            </a:r>
+            <a:endParaRPr lang="zh-CN" altLang="en-US" dirty="0"/>
+          </a:p>
+        </p:txBody>
+      </p:sp>
+      <p:pic>
+        <p:nvPicPr>
+          <p:cNvPr id="6" name="图片 5" descr="一些文字和图片的手机截图&#10;&#10;描述已自动生成">
+            <a:extLst>
+              <a:ext uri="{FF2B5EF4-FFF2-40B4-BE49-F238E27FC236}">
+                <a16:creationId xmlns:a16="http://schemas.microsoft.com/office/drawing/2014/main" id="{DA0A920B-9BCB-4403-A165-DEB48CE86DA9}"/>
+              </a:ext>
+            </a:extLst>
+          </p:cNvPr>
+          <p:cNvPicPr>
+            <a:picLocks noChangeAspect="1"/>
+          </p:cNvPicPr>
+          <p:nvPr/>
+        </p:nvPicPr>
+        <p:blipFill>
+          <a:blip r:embed="rId3">
+            <a:extLst>
+              <a:ext uri="{28A0092B-C50C-407E-A947-70E740481C1C}">
+                <a14:useLocalDpi xmlns:a14="http://schemas.microsoft.com/office/drawing/2010/main" val="0"/>
+              </a:ext>
+            </a:extLst>
+          </a:blip>
+          <a:stretch>
+            <a:fillRect/>
+          </a:stretch>
+        </p:blipFill>
+        <p:spPr>
+          <a:xfrm>
+            <a:off x="0" y="1690688"/>
+            <a:ext cx="12192000" cy="4324709"/>
+          </a:xfrm>
+          <a:prstGeom prst="rect">
+            <a:avLst/>
+          </a:prstGeom>
+        </p:spPr>
+      </p:pic>
+    </p:spTree>
+    <p:extLst>
+      <p:ext uri="{BB962C8B-B14F-4D97-AF65-F5344CB8AC3E}">
+        <p14:creationId xmlns:p14="http://schemas.microsoft.com/office/powerpoint/2010/main" val="4122319261"/>
+      </p:ext>
+    </p:extLst>
+  </p:cSld>
+  <p:clrMapOvr>
+    <a:masterClrMapping/>
+  </p:clrMapOvr>
+</p:sld>
+</file>
+
+<file path=ppt/slides/slide25.xml><?xml version="1.0" encoding="utf-8"?>
+<p:sld xmlns:a="http://schemas.openxmlformats.org/drawingml/2006/main" xmlns:r="http://schemas.openxmlformats.org/officeDocument/2006/relationships" xmlns:p="http://schemas.openxmlformats.org/presentationml/2006/main">
+  <p:cSld>
+    <p:spTree>
+      <p:nvGrpSpPr>
+        <p:cNvPr id="1" name=""/>
+        <p:cNvGrpSpPr/>
+        <p:nvPr/>
+      </p:nvGrpSpPr>
+      <p:grpSpPr>
+        <a:xfrm>
+          <a:off x="0" y="0"/>
+          <a:ext cx="0" cy="0"/>
+          <a:chOff x="0" y="0"/>
+          <a:chExt cx="0" cy="0"/>
+        </a:xfrm>
+      </p:grpSpPr>
+      <p:sp>
+        <p:nvSpPr>
+          <p:cNvPr id="2" name="标题 1">
+            <a:extLst>
+              <a:ext uri="{FF2B5EF4-FFF2-40B4-BE49-F238E27FC236}">
+                <a16:creationId xmlns:a16="http://schemas.microsoft.com/office/drawing/2014/main" id="{FDBDF9CE-045B-4932-BBDF-5C6982733BDC}"/>
+              </a:ext>
+            </a:extLst>
+          </p:cNvPr>
+          <p:cNvSpPr>
+            <a:spLocks noGrp="1"/>
+          </p:cNvSpPr>
+          <p:nvPr>
+            <p:ph type="title"/>
+          </p:nvPr>
+        </p:nvSpPr>
+        <p:spPr/>
+        <p:txBody>
+          <a:bodyPr/>
+          <a:lstStyle/>
+          <a:p>
+            <a:r>
+              <a:rPr lang="en-US" altLang="zh-CN" dirty="0"/>
+              <a:t>Delayed Update2 4/4</a:t>
+            </a:r>
+            <a:endParaRPr lang="zh-CN" altLang="en-US" dirty="0"/>
+          </a:p>
+        </p:txBody>
+      </p:sp>
+      <p:pic>
+        <p:nvPicPr>
+          <p:cNvPr id="6" name="图片 5" descr="手机屏幕截图&#10;&#10;描述已自动生成">
+            <a:extLst>
+              <a:ext uri="{FF2B5EF4-FFF2-40B4-BE49-F238E27FC236}">
+                <a16:creationId xmlns:a16="http://schemas.microsoft.com/office/drawing/2014/main" id="{8160BAA1-AA7A-4812-BB2F-8F7D2D5A052F}"/>
+              </a:ext>
+            </a:extLst>
+          </p:cNvPr>
+          <p:cNvPicPr>
+            <a:picLocks noChangeAspect="1"/>
+          </p:cNvPicPr>
+          <p:nvPr/>
+        </p:nvPicPr>
+        <p:blipFill>
+          <a:blip r:embed="rId3">
+            <a:extLst>
+              <a:ext uri="{28A0092B-C50C-407E-A947-70E740481C1C}">
+                <a14:useLocalDpi xmlns:a14="http://schemas.microsoft.com/office/drawing/2010/main" val="0"/>
+              </a:ext>
+            </a:extLst>
+          </a:blip>
+          <a:stretch>
+            <a:fillRect/>
+          </a:stretch>
+        </p:blipFill>
+        <p:spPr>
+          <a:xfrm>
+            <a:off x="0" y="1690688"/>
+            <a:ext cx="12192000" cy="4324709"/>
+          </a:xfrm>
+          <a:prstGeom prst="rect">
+            <a:avLst/>
+          </a:prstGeom>
+        </p:spPr>
+      </p:pic>
+    </p:spTree>
+    <p:extLst>
+      <p:ext uri="{BB962C8B-B14F-4D97-AF65-F5344CB8AC3E}">
+        <p14:creationId xmlns:p14="http://schemas.microsoft.com/office/powerpoint/2010/main" val="3847275610"/>
+      </p:ext>
+    </p:extLst>
+  </p:cSld>
+  <p:clrMapOvr>
+    <a:masterClrMapping/>
+  </p:clrMapOvr>
+</p:sld>
+</file>
+
+<file path=ppt/slides/slide26.xml><?xml version="1.0" encoding="utf-8"?>
+<p:sld xmlns:a="http://schemas.openxmlformats.org/drawingml/2006/main" xmlns:r="http://schemas.openxmlformats.org/officeDocument/2006/relationships" xmlns:p="http://schemas.openxmlformats.org/presentationml/2006/main">
+  <p:cSld>
+    <p:spTree>
+      <p:nvGrpSpPr>
+        <p:cNvPr id="1" name=""/>
+        <p:cNvGrpSpPr/>
+        <p:nvPr/>
+      </p:nvGrpSpPr>
+      <p:grpSpPr>
+        <a:xfrm>
+          <a:off x="0" y="0"/>
+          <a:ext cx="0" cy="0"/>
+          <a:chOff x="0" y="0"/>
+          <a:chExt cx="0" cy="0"/>
+        </a:xfrm>
+      </p:grpSpPr>
+      <p:sp>
+        <p:nvSpPr>
+          <p:cNvPr id="2" name="标题 1">
+            <a:extLst>
+              <a:ext uri="{FF2B5EF4-FFF2-40B4-BE49-F238E27FC236}">
+                <a16:creationId xmlns:a16="http://schemas.microsoft.com/office/drawing/2014/main" id="{504CA388-722A-45D0-8393-FEF0260A7830}"/>
+              </a:ext>
+            </a:extLst>
+          </p:cNvPr>
+          <p:cNvSpPr>
+            <a:spLocks noGrp="1"/>
+          </p:cNvSpPr>
+          <p:nvPr>
+            <p:ph type="title"/>
+          </p:nvPr>
+        </p:nvSpPr>
+        <p:spPr/>
+        <p:txBody>
+          <a:bodyPr/>
+          <a:lstStyle/>
+          <a:p>
+            <a:endParaRPr lang="zh-CN" altLang="en-US"/>
+          </a:p>
+        </p:txBody>
+      </p:sp>
+      <p:sp>
+        <p:nvSpPr>
+          <p:cNvPr id="3" name="内容占位符 2">
+            <a:extLst>
+              <a:ext uri="{FF2B5EF4-FFF2-40B4-BE49-F238E27FC236}">
+                <a16:creationId xmlns:a16="http://schemas.microsoft.com/office/drawing/2014/main" id="{7A866C07-6CDE-4D9A-AFD8-4BB9320A8D6D}"/>
+              </a:ext>
+            </a:extLst>
+          </p:cNvPr>
+          <p:cNvSpPr>
+            <a:spLocks noGrp="1"/>
+          </p:cNvSpPr>
+          <p:nvPr>
+            <p:ph idx="1"/>
+          </p:nvPr>
+        </p:nvSpPr>
+        <p:spPr/>
+        <p:txBody>
+          <a:bodyPr/>
+          <a:lstStyle/>
+          <a:p>
+            <a:endParaRPr lang="zh-CN" altLang="en-US"/>
+          </a:p>
+        </p:txBody>
+      </p:sp>
+    </p:spTree>
+    <p:extLst>
+      <p:ext uri="{BB962C8B-B14F-4D97-AF65-F5344CB8AC3E}">
+        <p14:creationId xmlns:p14="http://schemas.microsoft.com/office/powerpoint/2010/main" val="3913427699"/>
+      </p:ext>
+    </p:extLst>
+  </p:cSld>
+  <p:clrMapOvr>
+    <a:masterClrMapping/>
+  </p:clrMapOvr>
+</p:sld>
+</file>
+
+<file path=ppt/slides/slide27.xml><?xml version="1.0" encoding="utf-8"?>
+<p:sld xmlns:a="http://schemas.openxmlformats.org/drawingml/2006/main" xmlns:r="http://schemas.openxmlformats.org/officeDocument/2006/relationships" xmlns:p="http://schemas.openxmlformats.org/presentationml/2006/main">
+  <p:cSld>
+    <p:spTree>
+      <p:nvGrpSpPr>
+        <p:cNvPr id="1" name=""/>
+        <p:cNvGrpSpPr/>
+        <p:nvPr/>
+      </p:nvGrpSpPr>
+      <p:grpSpPr>
+        <a:xfrm>
+          <a:off x="0" y="0"/>
+          <a:ext cx="0" cy="0"/>
+          <a:chOff x="0" y="0"/>
+          <a:chExt cx="0" cy="0"/>
+        </a:xfrm>
+      </p:grpSpPr>
+      <p:sp>
+        <p:nvSpPr>
+          <p:cNvPr id="2" name="标题 1">
+            <a:extLst>
+              <a:ext uri="{FF2B5EF4-FFF2-40B4-BE49-F238E27FC236}">
+                <a16:creationId xmlns:a16="http://schemas.microsoft.com/office/drawing/2014/main" id="{A483EF9E-92DF-4463-A96C-B881A7347836}"/>
+              </a:ext>
+            </a:extLst>
+          </p:cNvPr>
+          <p:cNvSpPr>
+            <a:spLocks noGrp="1"/>
+          </p:cNvSpPr>
+          <p:nvPr>
+            <p:ph type="title"/>
+          </p:nvPr>
+        </p:nvSpPr>
+        <p:spPr/>
+        <p:txBody>
+          <a:bodyPr/>
+          <a:lstStyle/>
+          <a:p>
+            <a:r>
+              <a:rPr lang="en-US" altLang="zh-CN" dirty="0" err="1"/>
+              <a:t>Bioinfo</a:t>
+            </a:r>
+            <a:r>
+              <a:rPr lang="en-US" altLang="zh-CN" dirty="0"/>
+              <a:t>-task acc</a:t>
+            </a:r>
+            <a:endParaRPr lang="zh-CN" altLang="en-US" dirty="0"/>
+          </a:p>
+        </p:txBody>
+      </p:sp>
+      <p:pic>
+        <p:nvPicPr>
+          <p:cNvPr id="5" name="图片 4" descr="手机屏幕截图&#10;&#10;描述已自动生成">
+            <a:extLst>
+              <a:ext uri="{FF2B5EF4-FFF2-40B4-BE49-F238E27FC236}">
+                <a16:creationId xmlns:a16="http://schemas.microsoft.com/office/drawing/2014/main" id="{F637A9A2-EE80-4183-84E9-BE5D1BDA438C}"/>
+              </a:ext>
+            </a:extLst>
+          </p:cNvPr>
+          <p:cNvPicPr>
+            <a:picLocks noChangeAspect="1"/>
+          </p:cNvPicPr>
+          <p:nvPr/>
+        </p:nvPicPr>
+        <p:blipFill>
+          <a:blip r:embed="rId2">
+            <a:extLst>
+              <a:ext uri="{28A0092B-C50C-407E-A947-70E740481C1C}">
+                <a14:useLocalDpi xmlns:a14="http://schemas.microsoft.com/office/drawing/2010/main" val="0"/>
+              </a:ext>
+            </a:extLst>
+          </a:blip>
+          <a:stretch>
+            <a:fillRect/>
+          </a:stretch>
+        </p:blipFill>
+        <p:spPr>
+          <a:xfrm>
+            <a:off x="6909693" y="3079325"/>
+            <a:ext cx="4801694" cy="3150318"/>
+          </a:xfrm>
+          <a:prstGeom prst="rect">
+            <a:avLst/>
+          </a:prstGeom>
+        </p:spPr>
+      </p:pic>
+      <p:sp>
+        <p:nvSpPr>
+          <p:cNvPr id="6" name="文本框 5">
+            <a:extLst>
+              <a:ext uri="{FF2B5EF4-FFF2-40B4-BE49-F238E27FC236}">
+                <a16:creationId xmlns:a16="http://schemas.microsoft.com/office/drawing/2014/main" id="{AFE2EE67-7BCD-4B84-870F-F7790A7F1DF4}"/>
+              </a:ext>
+            </a:extLst>
+          </p:cNvPr>
+          <p:cNvSpPr txBox="1"/>
+          <p:nvPr/>
+        </p:nvSpPr>
+        <p:spPr>
+          <a:xfrm>
+            <a:off x="7560297" y="2630078"/>
+            <a:ext cx="763572" cy="369332"/>
+          </a:xfrm>
+          <a:prstGeom prst="rect">
+            <a:avLst/>
+          </a:prstGeom>
+          <a:noFill/>
+        </p:spPr>
+        <p:txBody>
+          <a:bodyPr wrap="square" rtlCol="0">
+            <a:spAutoFit/>
+          </a:bodyPr>
+          <a:lstStyle/>
+          <a:p>
+            <a:r>
+              <a:rPr lang="en-US" altLang="zh-CN" dirty="0"/>
+              <a:t>SGD</a:t>
+            </a:r>
+            <a:endParaRPr lang="zh-CN" altLang="en-US" dirty="0"/>
+          </a:p>
+        </p:txBody>
+      </p:sp>
+      <p:pic>
+        <p:nvPicPr>
+          <p:cNvPr id="8" name="图片 7" descr="地图的截图&#10;&#10;描述已自动生成">
+            <a:extLst>
+              <a:ext uri="{FF2B5EF4-FFF2-40B4-BE49-F238E27FC236}">
+                <a16:creationId xmlns:a16="http://schemas.microsoft.com/office/drawing/2014/main" id="{16368AC7-D9B6-4173-AA7C-7C2AACDB2A5C}"/>
+              </a:ext>
+            </a:extLst>
+          </p:cNvPr>
+          <p:cNvPicPr>
+            <a:picLocks noChangeAspect="1"/>
+          </p:cNvPicPr>
+          <p:nvPr/>
+        </p:nvPicPr>
+        <p:blipFill>
+          <a:blip r:embed="rId3">
+            <a:extLst>
+              <a:ext uri="{28A0092B-C50C-407E-A947-70E740481C1C}">
+                <a14:useLocalDpi xmlns:a14="http://schemas.microsoft.com/office/drawing/2010/main" val="0"/>
+              </a:ext>
+            </a:extLst>
+          </a:blip>
+          <a:stretch>
+            <a:fillRect/>
+          </a:stretch>
+        </p:blipFill>
+        <p:spPr>
+          <a:xfrm>
+            <a:off x="838200" y="3079325"/>
+            <a:ext cx="4725477" cy="3150318"/>
+          </a:xfrm>
+          <a:prstGeom prst="rect">
+            <a:avLst/>
+          </a:prstGeom>
+        </p:spPr>
+      </p:pic>
+      <p:sp>
+        <p:nvSpPr>
+          <p:cNvPr id="9" name="文本框 8">
+            <a:extLst>
+              <a:ext uri="{FF2B5EF4-FFF2-40B4-BE49-F238E27FC236}">
+                <a16:creationId xmlns:a16="http://schemas.microsoft.com/office/drawing/2014/main" id="{8BC5BBF6-A39B-4514-8A1F-6B30EB57802E}"/>
+              </a:ext>
+            </a:extLst>
+          </p:cNvPr>
+          <p:cNvSpPr txBox="1"/>
+          <p:nvPr/>
+        </p:nvSpPr>
+        <p:spPr>
+          <a:xfrm>
+            <a:off x="1274190" y="2630079"/>
+            <a:ext cx="1139072" cy="369332"/>
+          </a:xfrm>
+          <a:prstGeom prst="rect">
+            <a:avLst/>
+          </a:prstGeom>
+          <a:noFill/>
+        </p:spPr>
+        <p:txBody>
+          <a:bodyPr wrap="square" rtlCol="0">
+            <a:spAutoFit/>
+          </a:bodyPr>
+          <a:lstStyle/>
+          <a:p>
+            <a:r>
+              <a:rPr lang="en-US" altLang="zh-CN" dirty="0"/>
+              <a:t>ADAM</a:t>
+            </a:r>
+            <a:endParaRPr lang="zh-CN" altLang="en-US" dirty="0"/>
+          </a:p>
+        </p:txBody>
+      </p:sp>
+    </p:spTree>
+    <p:extLst>
+      <p:ext uri="{BB962C8B-B14F-4D97-AF65-F5344CB8AC3E}">
+        <p14:creationId xmlns:p14="http://schemas.microsoft.com/office/powerpoint/2010/main" val="3534073232"/>
       </p:ext>
     </p:extLst>
   </p:cSld>
@@ -5842,415 +7450,52 @@
           <a:p>
             <a:r>
               <a:rPr lang="en-US" altLang="zh-CN" dirty="0"/>
-              <a:t>Local steps</a:t>
+              <a:t>Non – Fed performance</a:t>
             </a:r>
             <a:endParaRPr lang="zh-CN" altLang="en-US" dirty="0"/>
           </a:p>
         </p:txBody>
       </p:sp>
-      <p:sp>
-        <p:nvSpPr>
-          <p:cNvPr id="3" name="内容占位符 2">
-            <a:extLst>
-              <a:ext uri="{FF2B5EF4-FFF2-40B4-BE49-F238E27FC236}">
-                <a16:creationId xmlns:a16="http://schemas.microsoft.com/office/drawing/2014/main" id="{F1450C29-D857-46FA-8467-2F45E5945D4D}"/>
-              </a:ext>
-            </a:extLst>
-          </p:cNvPr>
-          <p:cNvSpPr>
-            <a:spLocks noGrp="1"/>
-          </p:cNvSpPr>
-          <p:nvPr>
-            <p:ph idx="1"/>
-          </p:nvPr>
-        </p:nvSpPr>
-        <p:spPr>
-          <a:xfrm>
-            <a:off x="838199" y="1825625"/>
-            <a:ext cx="3828069" cy="3971860"/>
-          </a:xfrm>
-        </p:spPr>
-        <p:txBody>
-          <a:bodyPr/>
-          <a:lstStyle/>
-          <a:p>
-            <a:r>
-              <a:rPr lang="en-US" altLang="zh-CN" dirty="0"/>
-              <a:t>10 worker nodes</a:t>
-            </a:r>
-          </a:p>
-          <a:p>
-            <a:r>
-              <a:rPr lang="en-US" altLang="zh-CN" dirty="0"/>
-              <a:t>4000 training data</a:t>
-            </a:r>
-          </a:p>
-          <a:p>
-            <a:r>
-              <a:rPr lang="en-US" altLang="zh-CN" dirty="0"/>
-              <a:t>10000 testing data</a:t>
-            </a:r>
-          </a:p>
-          <a:p>
-            <a:r>
-              <a:rPr lang="en-US" altLang="zh-CN" dirty="0"/>
-              <a:t>Early stop = 500</a:t>
-            </a:r>
-          </a:p>
-        </p:txBody>
-      </p:sp>
-      <p:sp>
-        <p:nvSpPr>
-          <p:cNvPr id="11" name="矩形: 圆角 10">
-            <a:extLst>
-              <a:ext uri="{FF2B5EF4-FFF2-40B4-BE49-F238E27FC236}">
-                <a16:creationId xmlns:a16="http://schemas.microsoft.com/office/drawing/2014/main" id="{BB6A09BB-E39A-4CF8-A9EB-68C4A1E0AE5F}"/>
-              </a:ext>
-            </a:extLst>
-          </p:cNvPr>
-          <p:cNvSpPr/>
+      <p:pic>
+        <p:nvPicPr>
+          <p:cNvPr id="4" name="图片 3" descr="截图里有图片&#10;&#10;描述已自动生成">
+            <a:extLst>
+              <a:ext uri="{FF2B5EF4-FFF2-40B4-BE49-F238E27FC236}">
+                <a16:creationId xmlns:a16="http://schemas.microsoft.com/office/drawing/2014/main" id="{0480443C-C8DC-4D69-AC05-5CFFE7471883}"/>
+              </a:ext>
+            </a:extLst>
+          </p:cNvPr>
+          <p:cNvPicPr>
+            <a:picLocks noChangeAspect="1"/>
+          </p:cNvPicPr>
           <p:nvPr/>
-        </p:nvSpPr>
-        <p:spPr>
-          <a:xfrm>
-            <a:off x="8594103" y="2375556"/>
-            <a:ext cx="2185447" cy="669302"/>
-          </a:xfrm>
-          <a:prstGeom prst="roundRect">
+        </p:nvPicPr>
+        <p:blipFill>
+          <a:blip r:embed="rId2">
+            <a:extLst>
+              <a:ext uri="{28A0092B-C50C-407E-A947-70E740481C1C}">
+                <a14:useLocalDpi xmlns:a14="http://schemas.microsoft.com/office/drawing/2010/main" val="0"/>
+              </a:ext>
+            </a:extLst>
+          </a:blip>
+          <a:stretch>
+            <a:fillRect/>
+          </a:stretch>
+        </p:blipFill>
+        <p:spPr>
+          <a:xfrm>
+            <a:off x="838200" y="1479106"/>
+            <a:ext cx="9036911" cy="4662742"/>
+          </a:xfrm>
+          <a:prstGeom prst="rect">
             <a:avLst/>
           </a:prstGeom>
         </p:spPr>
-        <p:style>
-          <a:lnRef idx="2">
-            <a:schemeClr val="accent1">
-              <a:shade val="50000"/>
-            </a:schemeClr>
-          </a:lnRef>
-          <a:fillRef idx="1">
-            <a:schemeClr val="accent1"/>
-          </a:fillRef>
-          <a:effectRef idx="0">
-            <a:schemeClr val="accent1"/>
-          </a:effectRef>
-          <a:fontRef idx="minor">
-            <a:schemeClr val="lt1"/>
-          </a:fontRef>
-        </p:style>
-        <p:txBody>
-          <a:bodyPr rtlCol="0" anchor="ctr"/>
-          <a:lstStyle/>
-          <a:p>
-            <a:pPr algn="ctr"/>
-            <a:r>
-              <a:rPr lang="en-US" altLang="zh-CN" sz="2800" dirty="0"/>
-              <a:t>Local Steps</a:t>
-            </a:r>
-            <a:endParaRPr lang="zh-CN" altLang="en-US" sz="2800" dirty="0"/>
-          </a:p>
-        </p:txBody>
-      </p:sp>
-      <p:sp>
-        <p:nvSpPr>
-          <p:cNvPr id="12" name="矩形: 圆角 11">
-            <a:extLst>
-              <a:ext uri="{FF2B5EF4-FFF2-40B4-BE49-F238E27FC236}">
-                <a16:creationId xmlns:a16="http://schemas.microsoft.com/office/drawing/2014/main" id="{647F7A39-B05E-4155-8DED-F26723C4F441}"/>
-              </a:ext>
-            </a:extLst>
-          </p:cNvPr>
-          <p:cNvSpPr/>
-          <p:nvPr/>
-        </p:nvSpPr>
-        <p:spPr>
-          <a:xfrm>
-            <a:off x="6095999" y="2375556"/>
-            <a:ext cx="2185447" cy="669302"/>
-          </a:xfrm>
-          <a:prstGeom prst="roundRect">
-            <a:avLst/>
-          </a:prstGeom>
-        </p:spPr>
-        <p:style>
-          <a:lnRef idx="2">
-            <a:schemeClr val="accent1">
-              <a:shade val="50000"/>
-            </a:schemeClr>
-          </a:lnRef>
-          <a:fillRef idx="1">
-            <a:schemeClr val="accent1"/>
-          </a:fillRef>
-          <a:effectRef idx="0">
-            <a:schemeClr val="accent1"/>
-          </a:effectRef>
-          <a:fontRef idx="minor">
-            <a:schemeClr val="lt1"/>
-          </a:fontRef>
-        </p:style>
-        <p:txBody>
-          <a:bodyPr rtlCol="0" anchor="ctr"/>
-          <a:lstStyle/>
-          <a:p>
-            <a:pPr algn="ctr"/>
-            <a:r>
-              <a:rPr lang="en-US" altLang="zh-CN" sz="2800" dirty="0"/>
-              <a:t>If </a:t>
-            </a:r>
-            <a:r>
-              <a:rPr lang="en-US" altLang="zh-CN" sz="2800" dirty="0" err="1"/>
-              <a:t>iid</a:t>
-            </a:r>
-            <a:r>
-              <a:rPr lang="en-US" altLang="zh-CN" sz="2800" dirty="0"/>
-              <a:t>?</a:t>
-            </a:r>
-            <a:endParaRPr lang="zh-CN" altLang="en-US" sz="2800" dirty="0"/>
-          </a:p>
-        </p:txBody>
-      </p:sp>
-      <p:sp>
-        <p:nvSpPr>
-          <p:cNvPr id="13" name="矩形: 剪去对角 12">
-            <a:extLst>
-              <a:ext uri="{FF2B5EF4-FFF2-40B4-BE49-F238E27FC236}">
-                <a16:creationId xmlns:a16="http://schemas.microsoft.com/office/drawing/2014/main" id="{CFB1562F-DA16-4C8B-8904-7DD965AF0AF8}"/>
-              </a:ext>
-            </a:extLst>
-          </p:cNvPr>
-          <p:cNvSpPr/>
-          <p:nvPr/>
-        </p:nvSpPr>
-        <p:spPr>
-          <a:xfrm>
-            <a:off x="6645108" y="3442209"/>
-            <a:ext cx="1075444" cy="575034"/>
-          </a:xfrm>
-          <a:prstGeom prst="snip2DiagRect">
-            <a:avLst/>
-          </a:prstGeom>
-        </p:spPr>
-        <p:style>
-          <a:lnRef idx="2">
-            <a:schemeClr val="accent1"/>
-          </a:lnRef>
-          <a:fillRef idx="1">
-            <a:schemeClr val="lt1"/>
-          </a:fillRef>
-          <a:effectRef idx="0">
-            <a:schemeClr val="accent1"/>
-          </a:effectRef>
-          <a:fontRef idx="minor">
-            <a:schemeClr val="dk1"/>
-          </a:fontRef>
-        </p:style>
-        <p:txBody>
-          <a:bodyPr rtlCol="0" anchor="ctr"/>
-          <a:lstStyle/>
-          <a:p>
-            <a:pPr algn="ctr"/>
-            <a:r>
-              <a:rPr lang="en-US" altLang="zh-CN" sz="2800" dirty="0"/>
-              <a:t>2</a:t>
-            </a:r>
-            <a:endParaRPr lang="zh-CN" altLang="en-US" sz="2800" dirty="0"/>
-          </a:p>
-        </p:txBody>
-      </p:sp>
-      <p:sp>
-        <p:nvSpPr>
-          <p:cNvPr id="14" name="矩形: 剪去对角 13">
-            <a:extLst>
-              <a:ext uri="{FF2B5EF4-FFF2-40B4-BE49-F238E27FC236}">
-                <a16:creationId xmlns:a16="http://schemas.microsoft.com/office/drawing/2014/main" id="{9BBEBB58-E528-41E6-B4F0-6482F8AA6ADA}"/>
-              </a:ext>
-            </a:extLst>
-          </p:cNvPr>
-          <p:cNvSpPr/>
-          <p:nvPr/>
-        </p:nvSpPr>
-        <p:spPr>
-          <a:xfrm>
-            <a:off x="6645108" y="4245058"/>
-            <a:ext cx="1075444" cy="575034"/>
-          </a:xfrm>
-          <a:prstGeom prst="snip2DiagRect">
-            <a:avLst/>
-          </a:prstGeom>
-        </p:spPr>
-        <p:style>
-          <a:lnRef idx="2">
-            <a:schemeClr val="accent1"/>
-          </a:lnRef>
-          <a:fillRef idx="1">
-            <a:schemeClr val="lt1"/>
-          </a:fillRef>
-          <a:effectRef idx="0">
-            <a:schemeClr val="accent1"/>
-          </a:effectRef>
-          <a:fontRef idx="minor">
-            <a:schemeClr val="dk1"/>
-          </a:fontRef>
-        </p:style>
-        <p:txBody>
-          <a:bodyPr rtlCol="0" anchor="ctr"/>
-          <a:lstStyle/>
-          <a:p>
-            <a:pPr algn="ctr"/>
-            <a:r>
-              <a:rPr lang="en-US" altLang="zh-CN" sz="2800" dirty="0"/>
-              <a:t>5</a:t>
-            </a:r>
-            <a:endParaRPr lang="zh-CN" altLang="en-US" sz="2800" dirty="0"/>
-          </a:p>
-        </p:txBody>
-      </p:sp>
-      <p:sp>
-        <p:nvSpPr>
-          <p:cNvPr id="15" name="矩形: 剪去对角 14">
-            <a:extLst>
-              <a:ext uri="{FF2B5EF4-FFF2-40B4-BE49-F238E27FC236}">
-                <a16:creationId xmlns:a16="http://schemas.microsoft.com/office/drawing/2014/main" id="{197CEE7A-CDB7-4C31-A5F5-882075D737CC}"/>
-              </a:ext>
-            </a:extLst>
-          </p:cNvPr>
-          <p:cNvSpPr/>
-          <p:nvPr/>
-        </p:nvSpPr>
-        <p:spPr>
-          <a:xfrm>
-            <a:off x="6645108" y="5047908"/>
-            <a:ext cx="1075444" cy="575034"/>
-          </a:xfrm>
-          <a:prstGeom prst="snip2DiagRect">
-            <a:avLst/>
-          </a:prstGeom>
-        </p:spPr>
-        <p:style>
-          <a:lnRef idx="2">
-            <a:schemeClr val="accent1"/>
-          </a:lnRef>
-          <a:fillRef idx="1">
-            <a:schemeClr val="lt1"/>
-          </a:fillRef>
-          <a:effectRef idx="0">
-            <a:schemeClr val="accent1"/>
-          </a:effectRef>
-          <a:fontRef idx="minor">
-            <a:schemeClr val="dk1"/>
-          </a:fontRef>
-        </p:style>
-        <p:txBody>
-          <a:bodyPr rtlCol="0" anchor="ctr"/>
-          <a:lstStyle/>
-          <a:p>
-            <a:pPr algn="ctr"/>
-            <a:r>
-              <a:rPr lang="en-US" altLang="zh-CN" sz="2800" dirty="0" err="1"/>
-              <a:t>iid</a:t>
-            </a:r>
-            <a:endParaRPr lang="zh-CN" altLang="en-US" sz="2800" dirty="0"/>
-          </a:p>
-        </p:txBody>
-      </p:sp>
-      <p:sp>
-        <p:nvSpPr>
-          <p:cNvPr id="16" name="矩形: 剪去对角 15">
-            <a:extLst>
-              <a:ext uri="{FF2B5EF4-FFF2-40B4-BE49-F238E27FC236}">
-                <a16:creationId xmlns:a16="http://schemas.microsoft.com/office/drawing/2014/main" id="{63F090C4-5453-4721-AA90-1BE03DBFD5E7}"/>
-              </a:ext>
-            </a:extLst>
-          </p:cNvPr>
-          <p:cNvSpPr/>
-          <p:nvPr/>
-        </p:nvSpPr>
-        <p:spPr>
-          <a:xfrm>
-            <a:off x="9149104" y="3442209"/>
-            <a:ext cx="1075444" cy="575034"/>
-          </a:xfrm>
-          <a:prstGeom prst="snip2DiagRect">
-            <a:avLst/>
-          </a:prstGeom>
-        </p:spPr>
-        <p:style>
-          <a:lnRef idx="2">
-            <a:schemeClr val="accent1"/>
-          </a:lnRef>
-          <a:fillRef idx="1">
-            <a:schemeClr val="lt1"/>
-          </a:fillRef>
-          <a:effectRef idx="0">
-            <a:schemeClr val="accent1"/>
-          </a:effectRef>
-          <a:fontRef idx="minor">
-            <a:schemeClr val="dk1"/>
-          </a:fontRef>
-        </p:style>
-        <p:txBody>
-          <a:bodyPr rtlCol="0" anchor="ctr"/>
-          <a:lstStyle/>
-          <a:p>
-            <a:pPr algn="ctr"/>
-            <a:r>
-              <a:rPr lang="en-US" altLang="zh-CN" sz="2800" dirty="0"/>
-              <a:t>1</a:t>
-            </a:r>
-            <a:endParaRPr lang="zh-CN" altLang="en-US" sz="2800" dirty="0"/>
-          </a:p>
-        </p:txBody>
-      </p:sp>
-      <p:sp>
-        <p:nvSpPr>
-          <p:cNvPr id="17" name="矩形: 剪去对角 16">
-            <a:extLst>
-              <a:ext uri="{FF2B5EF4-FFF2-40B4-BE49-F238E27FC236}">
-                <a16:creationId xmlns:a16="http://schemas.microsoft.com/office/drawing/2014/main" id="{EBB9ECC2-4BE0-484E-9FA0-356588EEFDCF}"/>
-              </a:ext>
-            </a:extLst>
-          </p:cNvPr>
-          <p:cNvSpPr/>
-          <p:nvPr/>
-        </p:nvSpPr>
-        <p:spPr>
-          <a:xfrm>
-            <a:off x="9149104" y="4245058"/>
-            <a:ext cx="1075444" cy="575034"/>
-          </a:xfrm>
-          <a:prstGeom prst="snip2DiagRect">
-            <a:avLst/>
-          </a:prstGeom>
-        </p:spPr>
-        <p:style>
-          <a:lnRef idx="2">
-            <a:schemeClr val="accent1"/>
-          </a:lnRef>
-          <a:fillRef idx="1">
-            <a:schemeClr val="lt1"/>
-          </a:fillRef>
-          <a:effectRef idx="0">
-            <a:schemeClr val="accent1"/>
-          </a:effectRef>
-          <a:fontRef idx="minor">
-            <a:schemeClr val="dk1"/>
-          </a:fontRef>
-        </p:style>
-        <p:txBody>
-          <a:bodyPr rtlCol="0" anchor="ctr"/>
-          <a:lstStyle/>
-          <a:p>
-            <a:pPr algn="ctr"/>
-            <a:r>
-              <a:rPr lang="en-US" altLang="zh-CN" sz="2800" dirty="0"/>
-              <a:t>10</a:t>
-            </a:r>
-            <a:endParaRPr lang="zh-CN" altLang="en-US" sz="2800" dirty="0"/>
-          </a:p>
-        </p:txBody>
-      </p:sp>
+      </p:pic>
     </p:spTree>
     <p:extLst>
       <p:ext uri="{BB962C8B-B14F-4D97-AF65-F5344CB8AC3E}">
-        <p14:creationId xmlns:p14="http://schemas.microsoft.com/office/powerpoint/2010/main" val="3373451495"/>
+        <p14:creationId xmlns:p14="http://schemas.microsoft.com/office/powerpoint/2010/main" val="2372598020"/>
       </p:ext>
     </p:extLst>
   </p:cSld>
@@ -6282,7 +7527,7 @@
           <p:cNvPr id="2" name="标题 1">
             <a:extLst>
               <a:ext uri="{FF2B5EF4-FFF2-40B4-BE49-F238E27FC236}">
-                <a16:creationId xmlns:a16="http://schemas.microsoft.com/office/drawing/2014/main" id="{D15922FB-169F-42B0-B56F-4A33AF7AFCF8}"/>
+                <a16:creationId xmlns:a16="http://schemas.microsoft.com/office/drawing/2014/main" id="{FDBDF9CE-045B-4932-BBDF-5C6982733BDC}"/>
               </a:ext>
             </a:extLst>
           </p:cNvPr>
@@ -6300,52 +7545,415 @@
           <a:p>
             <a:r>
               <a:rPr lang="en-US" altLang="zh-CN" dirty="0"/>
-              <a:t>Local steps 1/2</a:t>
+              <a:t>Local steps</a:t>
             </a:r>
             <a:endParaRPr lang="zh-CN" altLang="en-US" dirty="0"/>
           </a:p>
         </p:txBody>
       </p:sp>
-      <p:pic>
-        <p:nvPicPr>
-          <p:cNvPr id="4" name="图片 3" descr="手机屏幕截图&#10;&#10;描述已自动生成">
-            <a:extLst>
-              <a:ext uri="{FF2B5EF4-FFF2-40B4-BE49-F238E27FC236}">
-                <a16:creationId xmlns:a16="http://schemas.microsoft.com/office/drawing/2014/main" id="{5D6C4DC2-EC74-45A8-A90D-5F06DE65F7D6}"/>
-              </a:ext>
-            </a:extLst>
-          </p:cNvPr>
-          <p:cNvPicPr>
-            <a:picLocks noChangeAspect="1"/>
-          </p:cNvPicPr>
+      <p:sp>
+        <p:nvSpPr>
+          <p:cNvPr id="3" name="内容占位符 2">
+            <a:extLst>
+              <a:ext uri="{FF2B5EF4-FFF2-40B4-BE49-F238E27FC236}">
+                <a16:creationId xmlns:a16="http://schemas.microsoft.com/office/drawing/2014/main" id="{F1450C29-D857-46FA-8467-2F45E5945D4D}"/>
+              </a:ext>
+            </a:extLst>
+          </p:cNvPr>
+          <p:cNvSpPr>
+            <a:spLocks noGrp="1"/>
+          </p:cNvSpPr>
+          <p:nvPr>
+            <p:ph idx="1"/>
+          </p:nvPr>
+        </p:nvSpPr>
+        <p:spPr>
+          <a:xfrm>
+            <a:off x="838199" y="1825625"/>
+            <a:ext cx="3828069" cy="3971860"/>
+          </a:xfrm>
+        </p:spPr>
+        <p:txBody>
+          <a:bodyPr/>
+          <a:lstStyle/>
+          <a:p>
+            <a:r>
+              <a:rPr lang="en-US" altLang="zh-CN" dirty="0"/>
+              <a:t>10 worker nodes</a:t>
+            </a:r>
+          </a:p>
+          <a:p>
+            <a:r>
+              <a:rPr lang="en-US" altLang="zh-CN" dirty="0"/>
+              <a:t>4000 training data</a:t>
+            </a:r>
+          </a:p>
+          <a:p>
+            <a:r>
+              <a:rPr lang="en-US" altLang="zh-CN" dirty="0"/>
+              <a:t>10000 testing data</a:t>
+            </a:r>
+          </a:p>
+          <a:p>
+            <a:r>
+              <a:rPr lang="en-US" altLang="zh-CN" dirty="0"/>
+              <a:t>Early stop = 500</a:t>
+            </a:r>
+          </a:p>
+        </p:txBody>
+      </p:sp>
+      <p:sp>
+        <p:nvSpPr>
+          <p:cNvPr id="11" name="矩形: 圆角 10">
+            <a:extLst>
+              <a:ext uri="{FF2B5EF4-FFF2-40B4-BE49-F238E27FC236}">
+                <a16:creationId xmlns:a16="http://schemas.microsoft.com/office/drawing/2014/main" id="{BB6A09BB-E39A-4CF8-A9EB-68C4A1E0AE5F}"/>
+              </a:ext>
+            </a:extLst>
+          </p:cNvPr>
+          <p:cNvSpPr/>
           <p:nvPr/>
-        </p:nvPicPr>
-        <p:blipFill>
-          <a:blip r:embed="rId2">
-            <a:extLst>
-              <a:ext uri="{28A0092B-C50C-407E-A947-70E740481C1C}">
-                <a14:useLocalDpi xmlns:a14="http://schemas.microsoft.com/office/drawing/2010/main" val="0"/>
-              </a:ext>
-            </a:extLst>
-          </a:blip>
-          <a:stretch>
-            <a:fillRect/>
-          </a:stretch>
-        </p:blipFill>
-        <p:spPr>
-          <a:xfrm>
-            <a:off x="0" y="1690688"/>
-            <a:ext cx="12192000" cy="4370717"/>
-          </a:xfrm>
-          <a:prstGeom prst="rect">
+        </p:nvSpPr>
+        <p:spPr>
+          <a:xfrm>
+            <a:off x="8594103" y="2375556"/>
+            <a:ext cx="2185447" cy="669302"/>
+          </a:xfrm>
+          <a:prstGeom prst="roundRect">
             <a:avLst/>
           </a:prstGeom>
         </p:spPr>
-      </p:pic>
+        <p:style>
+          <a:lnRef idx="2">
+            <a:schemeClr val="accent1">
+              <a:shade val="50000"/>
+            </a:schemeClr>
+          </a:lnRef>
+          <a:fillRef idx="1">
+            <a:schemeClr val="accent1"/>
+          </a:fillRef>
+          <a:effectRef idx="0">
+            <a:schemeClr val="accent1"/>
+          </a:effectRef>
+          <a:fontRef idx="minor">
+            <a:schemeClr val="lt1"/>
+          </a:fontRef>
+        </p:style>
+        <p:txBody>
+          <a:bodyPr rtlCol="0" anchor="ctr"/>
+          <a:lstStyle/>
+          <a:p>
+            <a:pPr algn="ctr"/>
+            <a:r>
+              <a:rPr lang="en-US" altLang="zh-CN" sz="2800" dirty="0"/>
+              <a:t>Local Steps</a:t>
+            </a:r>
+            <a:endParaRPr lang="zh-CN" altLang="en-US" sz="2800" dirty="0"/>
+          </a:p>
+        </p:txBody>
+      </p:sp>
+      <p:sp>
+        <p:nvSpPr>
+          <p:cNvPr id="12" name="矩形: 圆角 11">
+            <a:extLst>
+              <a:ext uri="{FF2B5EF4-FFF2-40B4-BE49-F238E27FC236}">
+                <a16:creationId xmlns:a16="http://schemas.microsoft.com/office/drawing/2014/main" id="{647F7A39-B05E-4155-8DED-F26723C4F441}"/>
+              </a:ext>
+            </a:extLst>
+          </p:cNvPr>
+          <p:cNvSpPr/>
+          <p:nvPr/>
+        </p:nvSpPr>
+        <p:spPr>
+          <a:xfrm>
+            <a:off x="6095999" y="2375556"/>
+            <a:ext cx="2185447" cy="669302"/>
+          </a:xfrm>
+          <a:prstGeom prst="roundRect">
+            <a:avLst/>
+          </a:prstGeom>
+        </p:spPr>
+        <p:style>
+          <a:lnRef idx="2">
+            <a:schemeClr val="accent1">
+              <a:shade val="50000"/>
+            </a:schemeClr>
+          </a:lnRef>
+          <a:fillRef idx="1">
+            <a:schemeClr val="accent1"/>
+          </a:fillRef>
+          <a:effectRef idx="0">
+            <a:schemeClr val="accent1"/>
+          </a:effectRef>
+          <a:fontRef idx="minor">
+            <a:schemeClr val="lt1"/>
+          </a:fontRef>
+        </p:style>
+        <p:txBody>
+          <a:bodyPr rtlCol="0" anchor="ctr"/>
+          <a:lstStyle/>
+          <a:p>
+            <a:pPr algn="ctr"/>
+            <a:r>
+              <a:rPr lang="en-US" altLang="zh-CN" sz="2800" dirty="0"/>
+              <a:t>If </a:t>
+            </a:r>
+            <a:r>
+              <a:rPr lang="en-US" altLang="zh-CN" sz="2800" dirty="0" err="1"/>
+              <a:t>iid</a:t>
+            </a:r>
+            <a:r>
+              <a:rPr lang="en-US" altLang="zh-CN" sz="2800" dirty="0"/>
+              <a:t>?</a:t>
+            </a:r>
+            <a:endParaRPr lang="zh-CN" altLang="en-US" sz="2800" dirty="0"/>
+          </a:p>
+        </p:txBody>
+      </p:sp>
+      <p:sp>
+        <p:nvSpPr>
+          <p:cNvPr id="13" name="矩形: 剪去对角 12">
+            <a:extLst>
+              <a:ext uri="{FF2B5EF4-FFF2-40B4-BE49-F238E27FC236}">
+                <a16:creationId xmlns:a16="http://schemas.microsoft.com/office/drawing/2014/main" id="{CFB1562F-DA16-4C8B-8904-7DD965AF0AF8}"/>
+              </a:ext>
+            </a:extLst>
+          </p:cNvPr>
+          <p:cNvSpPr/>
+          <p:nvPr/>
+        </p:nvSpPr>
+        <p:spPr>
+          <a:xfrm>
+            <a:off x="6645108" y="3442209"/>
+            <a:ext cx="1075444" cy="575034"/>
+          </a:xfrm>
+          <a:prstGeom prst="snip2DiagRect">
+            <a:avLst/>
+          </a:prstGeom>
+        </p:spPr>
+        <p:style>
+          <a:lnRef idx="2">
+            <a:schemeClr val="accent1"/>
+          </a:lnRef>
+          <a:fillRef idx="1">
+            <a:schemeClr val="lt1"/>
+          </a:fillRef>
+          <a:effectRef idx="0">
+            <a:schemeClr val="accent1"/>
+          </a:effectRef>
+          <a:fontRef idx="minor">
+            <a:schemeClr val="dk1"/>
+          </a:fontRef>
+        </p:style>
+        <p:txBody>
+          <a:bodyPr rtlCol="0" anchor="ctr"/>
+          <a:lstStyle/>
+          <a:p>
+            <a:pPr algn="ctr"/>
+            <a:r>
+              <a:rPr lang="en-US" altLang="zh-CN" sz="2800" dirty="0"/>
+              <a:t>2</a:t>
+            </a:r>
+            <a:endParaRPr lang="zh-CN" altLang="en-US" sz="2800" dirty="0"/>
+          </a:p>
+        </p:txBody>
+      </p:sp>
+      <p:sp>
+        <p:nvSpPr>
+          <p:cNvPr id="14" name="矩形: 剪去对角 13">
+            <a:extLst>
+              <a:ext uri="{FF2B5EF4-FFF2-40B4-BE49-F238E27FC236}">
+                <a16:creationId xmlns:a16="http://schemas.microsoft.com/office/drawing/2014/main" id="{9BBEBB58-E528-41E6-B4F0-6482F8AA6ADA}"/>
+              </a:ext>
+            </a:extLst>
+          </p:cNvPr>
+          <p:cNvSpPr/>
+          <p:nvPr/>
+        </p:nvSpPr>
+        <p:spPr>
+          <a:xfrm>
+            <a:off x="6645108" y="4245058"/>
+            <a:ext cx="1075444" cy="575034"/>
+          </a:xfrm>
+          <a:prstGeom prst="snip2DiagRect">
+            <a:avLst/>
+          </a:prstGeom>
+        </p:spPr>
+        <p:style>
+          <a:lnRef idx="2">
+            <a:schemeClr val="accent1"/>
+          </a:lnRef>
+          <a:fillRef idx="1">
+            <a:schemeClr val="lt1"/>
+          </a:fillRef>
+          <a:effectRef idx="0">
+            <a:schemeClr val="accent1"/>
+          </a:effectRef>
+          <a:fontRef idx="minor">
+            <a:schemeClr val="dk1"/>
+          </a:fontRef>
+        </p:style>
+        <p:txBody>
+          <a:bodyPr rtlCol="0" anchor="ctr"/>
+          <a:lstStyle/>
+          <a:p>
+            <a:pPr algn="ctr"/>
+            <a:r>
+              <a:rPr lang="en-US" altLang="zh-CN" sz="2800" dirty="0"/>
+              <a:t>5</a:t>
+            </a:r>
+            <a:endParaRPr lang="zh-CN" altLang="en-US" sz="2800" dirty="0"/>
+          </a:p>
+        </p:txBody>
+      </p:sp>
+      <p:sp>
+        <p:nvSpPr>
+          <p:cNvPr id="15" name="矩形: 剪去对角 14">
+            <a:extLst>
+              <a:ext uri="{FF2B5EF4-FFF2-40B4-BE49-F238E27FC236}">
+                <a16:creationId xmlns:a16="http://schemas.microsoft.com/office/drawing/2014/main" id="{197CEE7A-CDB7-4C31-A5F5-882075D737CC}"/>
+              </a:ext>
+            </a:extLst>
+          </p:cNvPr>
+          <p:cNvSpPr/>
+          <p:nvPr/>
+        </p:nvSpPr>
+        <p:spPr>
+          <a:xfrm>
+            <a:off x="6645108" y="5047908"/>
+            <a:ext cx="1075444" cy="575034"/>
+          </a:xfrm>
+          <a:prstGeom prst="snip2DiagRect">
+            <a:avLst/>
+          </a:prstGeom>
+        </p:spPr>
+        <p:style>
+          <a:lnRef idx="2">
+            <a:schemeClr val="accent1"/>
+          </a:lnRef>
+          <a:fillRef idx="1">
+            <a:schemeClr val="lt1"/>
+          </a:fillRef>
+          <a:effectRef idx="0">
+            <a:schemeClr val="accent1"/>
+          </a:effectRef>
+          <a:fontRef idx="minor">
+            <a:schemeClr val="dk1"/>
+          </a:fontRef>
+        </p:style>
+        <p:txBody>
+          <a:bodyPr rtlCol="0" anchor="ctr"/>
+          <a:lstStyle/>
+          <a:p>
+            <a:pPr algn="ctr"/>
+            <a:r>
+              <a:rPr lang="en-US" altLang="zh-CN" sz="2800" dirty="0" err="1"/>
+              <a:t>iid</a:t>
+            </a:r>
+            <a:endParaRPr lang="zh-CN" altLang="en-US" sz="2800" dirty="0"/>
+          </a:p>
+        </p:txBody>
+      </p:sp>
+      <p:sp>
+        <p:nvSpPr>
+          <p:cNvPr id="16" name="矩形: 剪去对角 15">
+            <a:extLst>
+              <a:ext uri="{FF2B5EF4-FFF2-40B4-BE49-F238E27FC236}">
+                <a16:creationId xmlns:a16="http://schemas.microsoft.com/office/drawing/2014/main" id="{63F090C4-5453-4721-AA90-1BE03DBFD5E7}"/>
+              </a:ext>
+            </a:extLst>
+          </p:cNvPr>
+          <p:cNvSpPr/>
+          <p:nvPr/>
+        </p:nvSpPr>
+        <p:spPr>
+          <a:xfrm>
+            <a:off x="9149104" y="3442209"/>
+            <a:ext cx="1075444" cy="575034"/>
+          </a:xfrm>
+          <a:prstGeom prst="snip2DiagRect">
+            <a:avLst/>
+          </a:prstGeom>
+        </p:spPr>
+        <p:style>
+          <a:lnRef idx="2">
+            <a:schemeClr val="accent1"/>
+          </a:lnRef>
+          <a:fillRef idx="1">
+            <a:schemeClr val="lt1"/>
+          </a:fillRef>
+          <a:effectRef idx="0">
+            <a:schemeClr val="accent1"/>
+          </a:effectRef>
+          <a:fontRef idx="minor">
+            <a:schemeClr val="dk1"/>
+          </a:fontRef>
+        </p:style>
+        <p:txBody>
+          <a:bodyPr rtlCol="0" anchor="ctr"/>
+          <a:lstStyle/>
+          <a:p>
+            <a:pPr algn="ctr"/>
+            <a:r>
+              <a:rPr lang="en-US" altLang="zh-CN" sz="2800" dirty="0"/>
+              <a:t>1</a:t>
+            </a:r>
+            <a:endParaRPr lang="zh-CN" altLang="en-US" sz="2800" dirty="0"/>
+          </a:p>
+        </p:txBody>
+      </p:sp>
+      <p:sp>
+        <p:nvSpPr>
+          <p:cNvPr id="17" name="矩形: 剪去对角 16">
+            <a:extLst>
+              <a:ext uri="{FF2B5EF4-FFF2-40B4-BE49-F238E27FC236}">
+                <a16:creationId xmlns:a16="http://schemas.microsoft.com/office/drawing/2014/main" id="{EBB9ECC2-4BE0-484E-9FA0-356588EEFDCF}"/>
+              </a:ext>
+            </a:extLst>
+          </p:cNvPr>
+          <p:cNvSpPr/>
+          <p:nvPr/>
+        </p:nvSpPr>
+        <p:spPr>
+          <a:xfrm>
+            <a:off x="9149104" y="4245058"/>
+            <a:ext cx="1075444" cy="575034"/>
+          </a:xfrm>
+          <a:prstGeom prst="snip2DiagRect">
+            <a:avLst/>
+          </a:prstGeom>
+        </p:spPr>
+        <p:style>
+          <a:lnRef idx="2">
+            <a:schemeClr val="accent1"/>
+          </a:lnRef>
+          <a:fillRef idx="1">
+            <a:schemeClr val="lt1"/>
+          </a:fillRef>
+          <a:effectRef idx="0">
+            <a:schemeClr val="accent1"/>
+          </a:effectRef>
+          <a:fontRef idx="minor">
+            <a:schemeClr val="dk1"/>
+          </a:fontRef>
+        </p:style>
+        <p:txBody>
+          <a:bodyPr rtlCol="0" anchor="ctr"/>
+          <a:lstStyle/>
+          <a:p>
+            <a:pPr algn="ctr"/>
+            <a:r>
+              <a:rPr lang="en-US" altLang="zh-CN" sz="2800" dirty="0"/>
+              <a:t>10</a:t>
+            </a:r>
+            <a:endParaRPr lang="zh-CN" altLang="en-US" sz="2800" dirty="0"/>
+          </a:p>
+        </p:txBody>
+      </p:sp>
     </p:spTree>
     <p:extLst>
       <p:ext uri="{BB962C8B-B14F-4D97-AF65-F5344CB8AC3E}">
-        <p14:creationId xmlns:p14="http://schemas.microsoft.com/office/powerpoint/2010/main" val="899143522"/>
+        <p14:creationId xmlns:p14="http://schemas.microsoft.com/office/powerpoint/2010/main" val="3373451495"/>
       </p:ext>
     </p:extLst>
   </p:cSld>
@@ -6395,7 +8003,7 @@
           <a:p>
             <a:r>
               <a:rPr lang="en-US" altLang="zh-CN" dirty="0"/>
-              <a:t>Local steps 2/2</a:t>
+              <a:t>Local steps 1/2</a:t>
             </a:r>
             <a:endParaRPr lang="zh-CN" altLang="en-US" dirty="0"/>
           </a:p>
@@ -6403,10 +8011,10 @@
       </p:sp>
       <p:pic>
         <p:nvPicPr>
-          <p:cNvPr id="7" name="图片 6" descr="手机屏幕截图&#10;&#10;描述已自动生成">
-            <a:extLst>
-              <a:ext uri="{FF2B5EF4-FFF2-40B4-BE49-F238E27FC236}">
-                <a16:creationId xmlns:a16="http://schemas.microsoft.com/office/drawing/2014/main" id="{55C2789E-5C8C-4493-AC51-E434DCE9E7DB}"/>
+          <p:cNvPr id="4" name="图片 3" descr="手机屏幕截图&#10;&#10;描述已自动生成">
+            <a:extLst>
+              <a:ext uri="{FF2B5EF4-FFF2-40B4-BE49-F238E27FC236}">
+                <a16:creationId xmlns:a16="http://schemas.microsoft.com/office/drawing/2014/main" id="{5D6C4DC2-EC74-45A8-A90D-5F06DE65F7D6}"/>
               </a:ext>
             </a:extLst>
           </p:cNvPr>
@@ -6430,7 +8038,7 @@
         <p:spPr>
           <a:xfrm>
             <a:off x="0" y="1690688"/>
-            <a:ext cx="12192000" cy="4324709"/>
+            <a:ext cx="12192000" cy="4370717"/>
           </a:xfrm>
           <a:prstGeom prst="rect">
             <a:avLst/>
@@ -6440,7 +8048,7 @@
     </p:spTree>
     <p:extLst>
       <p:ext uri="{BB962C8B-B14F-4D97-AF65-F5344CB8AC3E}">
-        <p14:creationId xmlns:p14="http://schemas.microsoft.com/office/powerpoint/2010/main" val="1087850858"/>
+        <p14:creationId xmlns:p14="http://schemas.microsoft.com/office/powerpoint/2010/main" val="899143522"/>
       </p:ext>
     </p:extLst>
   </p:cSld>
@@ -6472,7 +8080,7 @@
           <p:cNvPr id="2" name="标题 1">
             <a:extLst>
               <a:ext uri="{FF2B5EF4-FFF2-40B4-BE49-F238E27FC236}">
-                <a16:creationId xmlns:a16="http://schemas.microsoft.com/office/drawing/2014/main" id="{FDBDF9CE-045B-4932-BBDF-5C6982733BDC}"/>
+                <a16:creationId xmlns:a16="http://schemas.microsoft.com/office/drawing/2014/main" id="{D15922FB-169F-42B0-B56F-4A33AF7AFCF8}"/>
               </a:ext>
             </a:extLst>
           </p:cNvPr>
@@ -6483,495 +8091,59 @@
             <p:ph type="title"/>
           </p:nvPr>
         </p:nvSpPr>
-        <p:spPr>
-          <a:xfrm>
-            <a:off x="838200" y="365125"/>
-            <a:ext cx="10515600" cy="1325563"/>
-          </a:xfrm>
-        </p:spPr>
+        <p:spPr/>
         <p:txBody>
           <a:bodyPr/>
           <a:lstStyle/>
           <a:p>
             <a:r>
               <a:rPr lang="en-US" altLang="zh-CN" dirty="0"/>
-              <a:t>Evaluate methods</a:t>
+              <a:t>Local steps 2/2</a:t>
             </a:r>
             <a:endParaRPr lang="zh-CN" altLang="en-US" dirty="0"/>
           </a:p>
         </p:txBody>
       </p:sp>
-      <p:sp>
-        <p:nvSpPr>
-          <p:cNvPr id="3" name="内容占位符 2">
-            <a:extLst>
-              <a:ext uri="{FF2B5EF4-FFF2-40B4-BE49-F238E27FC236}">
-                <a16:creationId xmlns:a16="http://schemas.microsoft.com/office/drawing/2014/main" id="{F1450C29-D857-46FA-8467-2F45E5945D4D}"/>
-              </a:ext>
-            </a:extLst>
-          </p:cNvPr>
-          <p:cNvSpPr>
-            <a:spLocks noGrp="1"/>
-          </p:cNvSpPr>
-          <p:nvPr>
-            <p:ph idx="1"/>
-          </p:nvPr>
-        </p:nvSpPr>
-        <p:spPr>
-          <a:xfrm>
-            <a:off x="838200" y="1825625"/>
-            <a:ext cx="3488703" cy="4351338"/>
-          </a:xfrm>
-        </p:spPr>
-        <p:txBody>
-          <a:bodyPr/>
-          <a:lstStyle/>
-          <a:p>
-            <a:r>
-              <a:rPr lang="en-US" altLang="zh-CN" dirty="0"/>
-              <a:t>10 worker nodes</a:t>
-            </a:r>
-          </a:p>
-          <a:p>
-            <a:r>
-              <a:rPr lang="en-US" altLang="zh-CN" dirty="0"/>
-              <a:t>4000 training data</a:t>
-            </a:r>
-          </a:p>
-          <a:p>
-            <a:r>
-              <a:rPr lang="en-US" altLang="zh-CN" dirty="0"/>
-              <a:t>10000 testing data</a:t>
-            </a:r>
-          </a:p>
-          <a:p>
-            <a:r>
-              <a:rPr lang="en-US" altLang="zh-CN" dirty="0"/>
-              <a:t>Early stop = 500</a:t>
-            </a:r>
-          </a:p>
-          <a:p>
-            <a:r>
-              <a:rPr lang="en-US" altLang="zh-CN" dirty="0"/>
-              <a:t>Local step = 1</a:t>
-            </a:r>
-          </a:p>
-        </p:txBody>
-      </p:sp>
-      <p:sp>
-        <p:nvSpPr>
-          <p:cNvPr id="5" name="矩形: 圆角 4">
-            <a:extLst>
-              <a:ext uri="{FF2B5EF4-FFF2-40B4-BE49-F238E27FC236}">
-                <a16:creationId xmlns:a16="http://schemas.microsoft.com/office/drawing/2014/main" id="{996E3386-A65C-4825-8D85-4890CD7BB2C4}"/>
-              </a:ext>
-            </a:extLst>
-          </p:cNvPr>
-          <p:cNvSpPr/>
+      <p:pic>
+        <p:nvPicPr>
+          <p:cNvPr id="7" name="图片 6" descr="手机屏幕截图&#10;&#10;描述已自动生成">
+            <a:extLst>
+              <a:ext uri="{FF2B5EF4-FFF2-40B4-BE49-F238E27FC236}">
+                <a16:creationId xmlns:a16="http://schemas.microsoft.com/office/drawing/2014/main" id="{55C2789E-5C8C-4493-AC51-E434DCE9E7DB}"/>
+              </a:ext>
+            </a:extLst>
+          </p:cNvPr>
+          <p:cNvPicPr>
+            <a:picLocks noChangeAspect="1"/>
+          </p:cNvPicPr>
           <p:nvPr/>
-        </p:nvSpPr>
-        <p:spPr>
-          <a:xfrm>
-            <a:off x="7585435" y="1913643"/>
-            <a:ext cx="2185447" cy="669302"/>
-          </a:xfrm>
-          <a:prstGeom prst="roundRect">
+        </p:nvPicPr>
+        <p:blipFill>
+          <a:blip r:embed="rId2">
+            <a:extLst>
+              <a:ext uri="{28A0092B-C50C-407E-A947-70E740481C1C}">
+                <a14:useLocalDpi xmlns:a14="http://schemas.microsoft.com/office/drawing/2010/main" val="0"/>
+              </a:ext>
+            </a:extLst>
+          </a:blip>
+          <a:stretch>
+            <a:fillRect/>
+          </a:stretch>
+        </p:blipFill>
+        <p:spPr>
+          <a:xfrm>
+            <a:off x="0" y="1690688"/>
+            <a:ext cx="12192000" cy="4324709"/>
+          </a:xfrm>
+          <a:prstGeom prst="rect">
             <a:avLst/>
           </a:prstGeom>
         </p:spPr>
-        <p:style>
-          <a:lnRef idx="2">
-            <a:schemeClr val="accent1">
-              <a:shade val="50000"/>
-            </a:schemeClr>
-          </a:lnRef>
-          <a:fillRef idx="1">
-            <a:schemeClr val="accent1"/>
-          </a:fillRef>
-          <a:effectRef idx="0">
-            <a:schemeClr val="accent1"/>
-          </a:effectRef>
-          <a:fontRef idx="minor">
-            <a:schemeClr val="lt1"/>
-          </a:fontRef>
-        </p:style>
-        <p:txBody>
-          <a:bodyPr rtlCol="0" anchor="ctr"/>
-          <a:lstStyle/>
-          <a:p>
-            <a:pPr algn="ctr"/>
-            <a:r>
-              <a:rPr lang="en-US" altLang="zh-CN" sz="2800" dirty="0"/>
-              <a:t>Evaluate</a:t>
-            </a:r>
-            <a:endParaRPr lang="zh-CN" altLang="en-US" sz="2800" dirty="0"/>
-          </a:p>
-        </p:txBody>
-      </p:sp>
-      <p:sp>
-        <p:nvSpPr>
-          <p:cNvPr id="6" name="矩形: 圆角 5">
-            <a:extLst>
-              <a:ext uri="{FF2B5EF4-FFF2-40B4-BE49-F238E27FC236}">
-                <a16:creationId xmlns:a16="http://schemas.microsoft.com/office/drawing/2014/main" id="{3B2CBE93-8119-43E3-AEDA-6DF38C068839}"/>
-              </a:ext>
-            </a:extLst>
-          </p:cNvPr>
-          <p:cNvSpPr/>
-          <p:nvPr/>
-        </p:nvSpPr>
-        <p:spPr>
-          <a:xfrm>
-            <a:off x="5087331" y="1913643"/>
-            <a:ext cx="2185447" cy="669302"/>
-          </a:xfrm>
-          <a:prstGeom prst="roundRect">
-            <a:avLst/>
-          </a:prstGeom>
-        </p:spPr>
-        <p:style>
-          <a:lnRef idx="2">
-            <a:schemeClr val="accent1">
-              <a:shade val="50000"/>
-            </a:schemeClr>
-          </a:lnRef>
-          <a:fillRef idx="1">
-            <a:schemeClr val="accent1"/>
-          </a:fillRef>
-          <a:effectRef idx="0">
-            <a:schemeClr val="accent1"/>
-          </a:effectRef>
-          <a:fontRef idx="minor">
-            <a:schemeClr val="lt1"/>
-          </a:fontRef>
-        </p:style>
-        <p:txBody>
-          <a:bodyPr rtlCol="0" anchor="ctr"/>
-          <a:lstStyle/>
-          <a:p>
-            <a:pPr algn="ctr"/>
-            <a:r>
-              <a:rPr lang="en-US" altLang="zh-CN" sz="2800" dirty="0"/>
-              <a:t>If </a:t>
-            </a:r>
-            <a:r>
-              <a:rPr lang="en-US" altLang="zh-CN" sz="2800" dirty="0" err="1"/>
-              <a:t>iid</a:t>
-            </a:r>
-            <a:r>
-              <a:rPr lang="en-US" altLang="zh-CN" sz="2800" dirty="0"/>
-              <a:t>?</a:t>
-            </a:r>
-            <a:endParaRPr lang="zh-CN" altLang="en-US" sz="2800" dirty="0"/>
-          </a:p>
-        </p:txBody>
-      </p:sp>
-      <p:sp>
-        <p:nvSpPr>
-          <p:cNvPr id="7" name="矩形: 剪去对角 6">
-            <a:extLst>
-              <a:ext uri="{FF2B5EF4-FFF2-40B4-BE49-F238E27FC236}">
-                <a16:creationId xmlns:a16="http://schemas.microsoft.com/office/drawing/2014/main" id="{35F10668-2383-4708-B682-F98E48B383F6}"/>
-              </a:ext>
-            </a:extLst>
-          </p:cNvPr>
-          <p:cNvSpPr/>
-          <p:nvPr/>
-        </p:nvSpPr>
-        <p:spPr>
-          <a:xfrm>
-            <a:off x="5636440" y="2980296"/>
-            <a:ext cx="1075444" cy="575034"/>
-          </a:xfrm>
-          <a:prstGeom prst="snip2DiagRect">
-            <a:avLst/>
-          </a:prstGeom>
-        </p:spPr>
-        <p:style>
-          <a:lnRef idx="2">
-            <a:schemeClr val="accent1"/>
-          </a:lnRef>
-          <a:fillRef idx="1">
-            <a:schemeClr val="lt1"/>
-          </a:fillRef>
-          <a:effectRef idx="0">
-            <a:schemeClr val="accent1"/>
-          </a:effectRef>
-          <a:fontRef idx="minor">
-            <a:schemeClr val="dk1"/>
-          </a:fontRef>
-        </p:style>
-        <p:txBody>
-          <a:bodyPr rtlCol="0" anchor="ctr"/>
-          <a:lstStyle/>
-          <a:p>
-            <a:pPr algn="ctr"/>
-            <a:r>
-              <a:rPr lang="en-US" altLang="zh-CN" sz="2800" dirty="0"/>
-              <a:t>2</a:t>
-            </a:r>
-            <a:endParaRPr lang="zh-CN" altLang="en-US" sz="2800" dirty="0"/>
-          </a:p>
-        </p:txBody>
-      </p:sp>
-      <p:sp>
-        <p:nvSpPr>
-          <p:cNvPr id="8" name="矩形: 剪去对角 7">
-            <a:extLst>
-              <a:ext uri="{FF2B5EF4-FFF2-40B4-BE49-F238E27FC236}">
-                <a16:creationId xmlns:a16="http://schemas.microsoft.com/office/drawing/2014/main" id="{9C38B94B-50DB-4599-9E48-E70566385DFC}"/>
-              </a:ext>
-            </a:extLst>
-          </p:cNvPr>
-          <p:cNvSpPr/>
-          <p:nvPr/>
-        </p:nvSpPr>
-        <p:spPr>
-          <a:xfrm>
-            <a:off x="5636440" y="3783145"/>
-            <a:ext cx="1075444" cy="575034"/>
-          </a:xfrm>
-          <a:prstGeom prst="snip2DiagRect">
-            <a:avLst/>
-          </a:prstGeom>
-        </p:spPr>
-        <p:style>
-          <a:lnRef idx="2">
-            <a:schemeClr val="accent1"/>
-          </a:lnRef>
-          <a:fillRef idx="1">
-            <a:schemeClr val="lt1"/>
-          </a:fillRef>
-          <a:effectRef idx="0">
-            <a:schemeClr val="accent1"/>
-          </a:effectRef>
-          <a:fontRef idx="minor">
-            <a:schemeClr val="dk1"/>
-          </a:fontRef>
-        </p:style>
-        <p:txBody>
-          <a:bodyPr rtlCol="0" anchor="ctr"/>
-          <a:lstStyle/>
-          <a:p>
-            <a:pPr algn="ctr"/>
-            <a:r>
-              <a:rPr lang="en-US" altLang="zh-CN" sz="2800" dirty="0"/>
-              <a:t>5</a:t>
-            </a:r>
-            <a:endParaRPr lang="zh-CN" altLang="en-US" sz="2800" dirty="0"/>
-          </a:p>
-        </p:txBody>
-      </p:sp>
-      <p:sp>
-        <p:nvSpPr>
-          <p:cNvPr id="9" name="矩形: 剪去对角 8">
-            <a:extLst>
-              <a:ext uri="{FF2B5EF4-FFF2-40B4-BE49-F238E27FC236}">
-                <a16:creationId xmlns:a16="http://schemas.microsoft.com/office/drawing/2014/main" id="{B9BA5710-385D-4777-909C-AD9CF504F2D4}"/>
-              </a:ext>
-            </a:extLst>
-          </p:cNvPr>
-          <p:cNvSpPr/>
-          <p:nvPr/>
-        </p:nvSpPr>
-        <p:spPr>
-          <a:xfrm>
-            <a:off x="5636440" y="4585995"/>
-            <a:ext cx="1075444" cy="575034"/>
-          </a:xfrm>
-          <a:prstGeom prst="snip2DiagRect">
-            <a:avLst/>
-          </a:prstGeom>
-        </p:spPr>
-        <p:style>
-          <a:lnRef idx="2">
-            <a:schemeClr val="accent1"/>
-          </a:lnRef>
-          <a:fillRef idx="1">
-            <a:schemeClr val="lt1"/>
-          </a:fillRef>
-          <a:effectRef idx="0">
-            <a:schemeClr val="accent1"/>
-          </a:effectRef>
-          <a:fontRef idx="minor">
-            <a:schemeClr val="dk1"/>
-          </a:fontRef>
-        </p:style>
-        <p:txBody>
-          <a:bodyPr rtlCol="0" anchor="ctr"/>
-          <a:lstStyle/>
-          <a:p>
-            <a:pPr algn="ctr"/>
-            <a:r>
-              <a:rPr lang="en-US" altLang="zh-CN" sz="2800" dirty="0" err="1"/>
-              <a:t>iid</a:t>
-            </a:r>
-            <a:endParaRPr lang="zh-CN" altLang="en-US" sz="2800" dirty="0"/>
-          </a:p>
-        </p:txBody>
-      </p:sp>
-      <p:sp>
-        <p:nvSpPr>
-          <p:cNvPr id="10" name="矩形: 剪去对角 9">
-            <a:extLst>
-              <a:ext uri="{FF2B5EF4-FFF2-40B4-BE49-F238E27FC236}">
-                <a16:creationId xmlns:a16="http://schemas.microsoft.com/office/drawing/2014/main" id="{F93E1A87-E238-4217-A635-767346535398}"/>
-              </a:ext>
-            </a:extLst>
-          </p:cNvPr>
-          <p:cNvSpPr/>
-          <p:nvPr/>
-        </p:nvSpPr>
-        <p:spPr>
-          <a:xfrm>
-            <a:off x="7585435" y="2980296"/>
-            <a:ext cx="2111214" cy="575034"/>
-          </a:xfrm>
-          <a:prstGeom prst="snip2DiagRect">
-            <a:avLst/>
-          </a:prstGeom>
-        </p:spPr>
-        <p:style>
-          <a:lnRef idx="2">
-            <a:schemeClr val="accent1"/>
-          </a:lnRef>
-          <a:fillRef idx="1">
-            <a:schemeClr val="lt1"/>
-          </a:fillRef>
-          <a:effectRef idx="0">
-            <a:schemeClr val="accent1"/>
-          </a:effectRef>
-          <a:fontRef idx="minor">
-            <a:schemeClr val="dk1"/>
-          </a:fontRef>
-        </p:style>
-        <p:txBody>
-          <a:bodyPr rtlCol="0" anchor="ctr"/>
-          <a:lstStyle/>
-          <a:p>
-            <a:pPr algn="ctr"/>
-            <a:r>
-              <a:rPr lang="en-US" altLang="zh-CN" sz="2800" dirty="0"/>
-              <a:t>Central</a:t>
-            </a:r>
-            <a:endParaRPr lang="zh-CN" altLang="en-US" sz="2800" dirty="0"/>
-          </a:p>
-        </p:txBody>
-      </p:sp>
-      <p:sp>
-        <p:nvSpPr>
-          <p:cNvPr id="12" name="矩形: 剪去对角 11">
-            <a:extLst>
-              <a:ext uri="{FF2B5EF4-FFF2-40B4-BE49-F238E27FC236}">
-                <a16:creationId xmlns:a16="http://schemas.microsoft.com/office/drawing/2014/main" id="{2585EF06-8BBC-4818-87AB-FAA8BA4E0406}"/>
-              </a:ext>
-            </a:extLst>
-          </p:cNvPr>
-          <p:cNvSpPr/>
-          <p:nvPr/>
-        </p:nvSpPr>
-        <p:spPr>
-          <a:xfrm>
-            <a:off x="7585434" y="3783145"/>
-            <a:ext cx="3597897" cy="802850"/>
-          </a:xfrm>
-          <a:prstGeom prst="snip2DiagRect">
-            <a:avLst/>
-          </a:prstGeom>
-        </p:spPr>
-        <p:style>
-          <a:lnRef idx="2">
-            <a:schemeClr val="accent1"/>
-          </a:lnRef>
-          <a:fillRef idx="1">
-            <a:schemeClr val="lt1"/>
-          </a:fillRef>
-          <a:effectRef idx="0">
-            <a:schemeClr val="accent1"/>
-          </a:effectRef>
-          <a:fontRef idx="minor">
-            <a:schemeClr val="dk1"/>
-          </a:fontRef>
-        </p:style>
-        <p:txBody>
-          <a:bodyPr rtlCol="0" anchor="ctr"/>
-          <a:lstStyle/>
-          <a:p>
-            <a:pPr algn="ctr"/>
-            <a:r>
-              <a:rPr lang="en-US" altLang="zh-CN" sz="2400" dirty="0"/>
-              <a:t>Node – this epoch</a:t>
-            </a:r>
-          </a:p>
-          <a:p>
-            <a:pPr algn="ctr"/>
-            <a:r>
-              <a:rPr lang="en-US" altLang="zh-CN" sz="2400" dirty="0"/>
-              <a:t>(before average model)</a:t>
-            </a:r>
-            <a:endParaRPr lang="zh-CN" altLang="en-US" sz="2400" dirty="0"/>
-          </a:p>
-        </p:txBody>
-      </p:sp>
-      <p:sp>
-        <p:nvSpPr>
-          <p:cNvPr id="13" name="矩形: 剪去对角 12">
-            <a:extLst>
-              <a:ext uri="{FF2B5EF4-FFF2-40B4-BE49-F238E27FC236}">
-                <a16:creationId xmlns:a16="http://schemas.microsoft.com/office/drawing/2014/main" id="{7B38DE94-9CA6-487C-B25A-DB89C409F65E}"/>
-              </a:ext>
-            </a:extLst>
-          </p:cNvPr>
-          <p:cNvSpPr/>
-          <p:nvPr/>
-        </p:nvSpPr>
-        <p:spPr>
-          <a:xfrm>
-            <a:off x="7585434" y="4813810"/>
-            <a:ext cx="3597897" cy="802850"/>
-          </a:xfrm>
-          <a:prstGeom prst="snip2DiagRect">
-            <a:avLst/>
-          </a:prstGeom>
-        </p:spPr>
-        <p:style>
-          <a:lnRef idx="2">
-            <a:schemeClr val="accent1"/>
-          </a:lnRef>
-          <a:fillRef idx="1">
-            <a:schemeClr val="lt1"/>
-          </a:fillRef>
-          <a:effectRef idx="0">
-            <a:schemeClr val="accent1"/>
-          </a:effectRef>
-          <a:fontRef idx="minor">
-            <a:schemeClr val="dk1"/>
-          </a:fontRef>
-        </p:style>
-        <p:txBody>
-          <a:bodyPr rtlCol="0" anchor="ctr"/>
-          <a:lstStyle/>
-          <a:p>
-            <a:pPr algn="ctr"/>
-            <a:r>
-              <a:rPr lang="en-US" altLang="zh-CN" sz="2400" dirty="0"/>
-              <a:t>Node – last epoch</a:t>
-            </a:r>
-          </a:p>
-          <a:p>
-            <a:pPr algn="ctr"/>
-            <a:r>
-              <a:rPr lang="en-US" altLang="zh-CN" sz="2400" dirty="0"/>
-              <a:t>(after average model)</a:t>
-            </a:r>
-            <a:endParaRPr lang="zh-CN" altLang="en-US" sz="2400" dirty="0"/>
-          </a:p>
-        </p:txBody>
-      </p:sp>
+      </p:pic>
     </p:spTree>
     <p:extLst>
       <p:ext uri="{BB962C8B-B14F-4D97-AF65-F5344CB8AC3E}">
-        <p14:creationId xmlns:p14="http://schemas.microsoft.com/office/powerpoint/2010/main" val="1456233125"/>
+        <p14:creationId xmlns:p14="http://schemas.microsoft.com/office/powerpoint/2010/main" val="1087850858"/>
       </p:ext>
     </p:extLst>
   </p:cSld>
@@ -7003,7 +8175,7 @@
           <p:cNvPr id="2" name="标题 1">
             <a:extLst>
               <a:ext uri="{FF2B5EF4-FFF2-40B4-BE49-F238E27FC236}">
-                <a16:creationId xmlns:a16="http://schemas.microsoft.com/office/drawing/2014/main" id="{B9F4BB03-6ADB-4866-846C-AA16BF9B2096}"/>
+                <a16:creationId xmlns:a16="http://schemas.microsoft.com/office/drawing/2014/main" id="{FDBDF9CE-045B-4932-BBDF-5C6982733BDC}"/>
               </a:ext>
             </a:extLst>
           </p:cNvPr>
@@ -7014,70 +8186,495 @@
             <p:ph type="title"/>
           </p:nvPr>
         </p:nvSpPr>
-        <p:spPr/>
+        <p:spPr>
+          <a:xfrm>
+            <a:off x="838200" y="365125"/>
+            <a:ext cx="10515600" cy="1325563"/>
+          </a:xfrm>
+        </p:spPr>
         <p:txBody>
           <a:bodyPr/>
           <a:lstStyle/>
           <a:p>
             <a:r>
               <a:rPr lang="en-US" altLang="zh-CN" dirty="0"/>
-              <a:t>Evaluate methods 1/1</a:t>
+              <a:t>Evaluate methods</a:t>
             </a:r>
             <a:endParaRPr lang="zh-CN" altLang="en-US" dirty="0"/>
           </a:p>
         </p:txBody>
       </p:sp>
-      <p:pic>
-        <p:nvPicPr>
-          <p:cNvPr id="1026" name="Picture 2">
-            <a:extLst>
-              <a:ext uri="{FF2B5EF4-FFF2-40B4-BE49-F238E27FC236}">
-                <a16:creationId xmlns:a16="http://schemas.microsoft.com/office/drawing/2014/main" id="{5E1627DC-66ED-4DA3-AD93-C29C3D2BB488}"/>
-              </a:ext>
-            </a:extLst>
-          </p:cNvPr>
-          <p:cNvPicPr>
-            <a:picLocks noChangeAspect="1" noChangeArrowheads="1"/>
-          </p:cNvPicPr>
+      <p:sp>
+        <p:nvSpPr>
+          <p:cNvPr id="3" name="内容占位符 2">
+            <a:extLst>
+              <a:ext uri="{FF2B5EF4-FFF2-40B4-BE49-F238E27FC236}">
+                <a16:creationId xmlns:a16="http://schemas.microsoft.com/office/drawing/2014/main" id="{F1450C29-D857-46FA-8467-2F45E5945D4D}"/>
+              </a:ext>
+            </a:extLst>
+          </p:cNvPr>
+          <p:cNvSpPr>
+            <a:spLocks noGrp="1"/>
+          </p:cNvSpPr>
+          <p:nvPr>
+            <p:ph idx="1"/>
+          </p:nvPr>
+        </p:nvSpPr>
+        <p:spPr>
+          <a:xfrm>
+            <a:off x="838200" y="1825625"/>
+            <a:ext cx="3488703" cy="4351338"/>
+          </a:xfrm>
+        </p:spPr>
+        <p:txBody>
+          <a:bodyPr/>
+          <a:lstStyle/>
+          <a:p>
+            <a:r>
+              <a:rPr lang="en-US" altLang="zh-CN" dirty="0"/>
+              <a:t>10 worker nodes</a:t>
+            </a:r>
+          </a:p>
+          <a:p>
+            <a:r>
+              <a:rPr lang="en-US" altLang="zh-CN" dirty="0"/>
+              <a:t>4000 training data</a:t>
+            </a:r>
+          </a:p>
+          <a:p>
+            <a:r>
+              <a:rPr lang="en-US" altLang="zh-CN" dirty="0"/>
+              <a:t>10000 testing data</a:t>
+            </a:r>
+          </a:p>
+          <a:p>
+            <a:r>
+              <a:rPr lang="en-US" altLang="zh-CN" dirty="0"/>
+              <a:t>Early stop = 500</a:t>
+            </a:r>
+          </a:p>
+          <a:p>
+            <a:r>
+              <a:rPr lang="en-US" altLang="zh-CN" dirty="0"/>
+              <a:t>Local step = 1</a:t>
+            </a:r>
+          </a:p>
+        </p:txBody>
+      </p:sp>
+      <p:sp>
+        <p:nvSpPr>
+          <p:cNvPr id="5" name="矩形: 圆角 4">
+            <a:extLst>
+              <a:ext uri="{FF2B5EF4-FFF2-40B4-BE49-F238E27FC236}">
+                <a16:creationId xmlns:a16="http://schemas.microsoft.com/office/drawing/2014/main" id="{996E3386-A65C-4825-8D85-4890CD7BB2C4}"/>
+              </a:ext>
+            </a:extLst>
+          </p:cNvPr>
+          <p:cNvSpPr/>
           <p:nvPr/>
-        </p:nvPicPr>
-        <p:blipFill>
-          <a:blip r:embed="rId2">
-            <a:extLst>
-              <a:ext uri="{28A0092B-C50C-407E-A947-70E740481C1C}">
-                <a14:useLocalDpi xmlns:a14="http://schemas.microsoft.com/office/drawing/2010/main" val="0"/>
-              </a:ext>
-            </a:extLst>
-          </a:blip>
-          <a:srcRect/>
-          <a:stretch>
-            <a:fillRect/>
-          </a:stretch>
-        </p:blipFill>
-        <p:spPr bwMode="auto">
-          <a:xfrm>
-            <a:off x="-1440" y="1690688"/>
-            <a:ext cx="12193440" cy="4338490"/>
-          </a:xfrm>
-          <a:prstGeom prst="rect">
+        </p:nvSpPr>
+        <p:spPr>
+          <a:xfrm>
+            <a:off x="7585435" y="1913643"/>
+            <a:ext cx="2185447" cy="669302"/>
+          </a:xfrm>
+          <a:prstGeom prst="roundRect">
             <a:avLst/>
           </a:prstGeom>
-          <a:noFill/>
-          <a:extLst>
-            <a:ext uri="{909E8E84-426E-40DD-AFC4-6F175D3DCCD1}">
-              <a14:hiddenFill xmlns:a14="http://schemas.microsoft.com/office/drawing/2010/main">
-                <a:solidFill>
-                  <a:srgbClr val="FFFFFF"/>
-                </a:solidFill>
-              </a14:hiddenFill>
-            </a:ext>
-          </a:extLst>
-        </p:spPr>
-      </p:pic>
+        </p:spPr>
+        <p:style>
+          <a:lnRef idx="2">
+            <a:schemeClr val="accent1">
+              <a:shade val="50000"/>
+            </a:schemeClr>
+          </a:lnRef>
+          <a:fillRef idx="1">
+            <a:schemeClr val="accent1"/>
+          </a:fillRef>
+          <a:effectRef idx="0">
+            <a:schemeClr val="accent1"/>
+          </a:effectRef>
+          <a:fontRef idx="minor">
+            <a:schemeClr val="lt1"/>
+          </a:fontRef>
+        </p:style>
+        <p:txBody>
+          <a:bodyPr rtlCol="0" anchor="ctr"/>
+          <a:lstStyle/>
+          <a:p>
+            <a:pPr algn="ctr"/>
+            <a:r>
+              <a:rPr lang="en-US" altLang="zh-CN" sz="2800" dirty="0"/>
+              <a:t>Evaluate</a:t>
+            </a:r>
+            <a:endParaRPr lang="zh-CN" altLang="en-US" sz="2800" dirty="0"/>
+          </a:p>
+        </p:txBody>
+      </p:sp>
+      <p:sp>
+        <p:nvSpPr>
+          <p:cNvPr id="6" name="矩形: 圆角 5">
+            <a:extLst>
+              <a:ext uri="{FF2B5EF4-FFF2-40B4-BE49-F238E27FC236}">
+                <a16:creationId xmlns:a16="http://schemas.microsoft.com/office/drawing/2014/main" id="{3B2CBE93-8119-43E3-AEDA-6DF38C068839}"/>
+              </a:ext>
+            </a:extLst>
+          </p:cNvPr>
+          <p:cNvSpPr/>
+          <p:nvPr/>
+        </p:nvSpPr>
+        <p:spPr>
+          <a:xfrm>
+            <a:off x="5087331" y="1913643"/>
+            <a:ext cx="2185447" cy="669302"/>
+          </a:xfrm>
+          <a:prstGeom prst="roundRect">
+            <a:avLst/>
+          </a:prstGeom>
+        </p:spPr>
+        <p:style>
+          <a:lnRef idx="2">
+            <a:schemeClr val="accent1">
+              <a:shade val="50000"/>
+            </a:schemeClr>
+          </a:lnRef>
+          <a:fillRef idx="1">
+            <a:schemeClr val="accent1"/>
+          </a:fillRef>
+          <a:effectRef idx="0">
+            <a:schemeClr val="accent1"/>
+          </a:effectRef>
+          <a:fontRef idx="minor">
+            <a:schemeClr val="lt1"/>
+          </a:fontRef>
+        </p:style>
+        <p:txBody>
+          <a:bodyPr rtlCol="0" anchor="ctr"/>
+          <a:lstStyle/>
+          <a:p>
+            <a:pPr algn="ctr"/>
+            <a:r>
+              <a:rPr lang="en-US" altLang="zh-CN" sz="2800" dirty="0"/>
+              <a:t>If </a:t>
+            </a:r>
+            <a:r>
+              <a:rPr lang="en-US" altLang="zh-CN" sz="2800" dirty="0" err="1"/>
+              <a:t>iid</a:t>
+            </a:r>
+            <a:r>
+              <a:rPr lang="en-US" altLang="zh-CN" sz="2800" dirty="0"/>
+              <a:t>?</a:t>
+            </a:r>
+            <a:endParaRPr lang="zh-CN" altLang="en-US" sz="2800" dirty="0"/>
+          </a:p>
+        </p:txBody>
+      </p:sp>
+      <p:sp>
+        <p:nvSpPr>
+          <p:cNvPr id="7" name="矩形: 剪去对角 6">
+            <a:extLst>
+              <a:ext uri="{FF2B5EF4-FFF2-40B4-BE49-F238E27FC236}">
+                <a16:creationId xmlns:a16="http://schemas.microsoft.com/office/drawing/2014/main" id="{35F10668-2383-4708-B682-F98E48B383F6}"/>
+              </a:ext>
+            </a:extLst>
+          </p:cNvPr>
+          <p:cNvSpPr/>
+          <p:nvPr/>
+        </p:nvSpPr>
+        <p:spPr>
+          <a:xfrm>
+            <a:off x="5636440" y="2980296"/>
+            <a:ext cx="1075444" cy="575034"/>
+          </a:xfrm>
+          <a:prstGeom prst="snip2DiagRect">
+            <a:avLst/>
+          </a:prstGeom>
+        </p:spPr>
+        <p:style>
+          <a:lnRef idx="2">
+            <a:schemeClr val="accent1"/>
+          </a:lnRef>
+          <a:fillRef idx="1">
+            <a:schemeClr val="lt1"/>
+          </a:fillRef>
+          <a:effectRef idx="0">
+            <a:schemeClr val="accent1"/>
+          </a:effectRef>
+          <a:fontRef idx="minor">
+            <a:schemeClr val="dk1"/>
+          </a:fontRef>
+        </p:style>
+        <p:txBody>
+          <a:bodyPr rtlCol="0" anchor="ctr"/>
+          <a:lstStyle/>
+          <a:p>
+            <a:pPr algn="ctr"/>
+            <a:r>
+              <a:rPr lang="en-US" altLang="zh-CN" sz="2800" dirty="0"/>
+              <a:t>2</a:t>
+            </a:r>
+            <a:endParaRPr lang="zh-CN" altLang="en-US" sz="2800" dirty="0"/>
+          </a:p>
+        </p:txBody>
+      </p:sp>
+      <p:sp>
+        <p:nvSpPr>
+          <p:cNvPr id="8" name="矩形: 剪去对角 7">
+            <a:extLst>
+              <a:ext uri="{FF2B5EF4-FFF2-40B4-BE49-F238E27FC236}">
+                <a16:creationId xmlns:a16="http://schemas.microsoft.com/office/drawing/2014/main" id="{9C38B94B-50DB-4599-9E48-E70566385DFC}"/>
+              </a:ext>
+            </a:extLst>
+          </p:cNvPr>
+          <p:cNvSpPr/>
+          <p:nvPr/>
+        </p:nvSpPr>
+        <p:spPr>
+          <a:xfrm>
+            <a:off x="5636440" y="3783145"/>
+            <a:ext cx="1075444" cy="575034"/>
+          </a:xfrm>
+          <a:prstGeom prst="snip2DiagRect">
+            <a:avLst/>
+          </a:prstGeom>
+        </p:spPr>
+        <p:style>
+          <a:lnRef idx="2">
+            <a:schemeClr val="accent1"/>
+          </a:lnRef>
+          <a:fillRef idx="1">
+            <a:schemeClr val="lt1"/>
+          </a:fillRef>
+          <a:effectRef idx="0">
+            <a:schemeClr val="accent1"/>
+          </a:effectRef>
+          <a:fontRef idx="minor">
+            <a:schemeClr val="dk1"/>
+          </a:fontRef>
+        </p:style>
+        <p:txBody>
+          <a:bodyPr rtlCol="0" anchor="ctr"/>
+          <a:lstStyle/>
+          <a:p>
+            <a:pPr algn="ctr"/>
+            <a:r>
+              <a:rPr lang="en-US" altLang="zh-CN" sz="2800" dirty="0"/>
+              <a:t>5</a:t>
+            </a:r>
+            <a:endParaRPr lang="zh-CN" altLang="en-US" sz="2800" dirty="0"/>
+          </a:p>
+        </p:txBody>
+      </p:sp>
+      <p:sp>
+        <p:nvSpPr>
+          <p:cNvPr id="9" name="矩形: 剪去对角 8">
+            <a:extLst>
+              <a:ext uri="{FF2B5EF4-FFF2-40B4-BE49-F238E27FC236}">
+                <a16:creationId xmlns:a16="http://schemas.microsoft.com/office/drawing/2014/main" id="{B9BA5710-385D-4777-909C-AD9CF504F2D4}"/>
+              </a:ext>
+            </a:extLst>
+          </p:cNvPr>
+          <p:cNvSpPr/>
+          <p:nvPr/>
+        </p:nvSpPr>
+        <p:spPr>
+          <a:xfrm>
+            <a:off x="5636440" y="4585995"/>
+            <a:ext cx="1075444" cy="575034"/>
+          </a:xfrm>
+          <a:prstGeom prst="snip2DiagRect">
+            <a:avLst/>
+          </a:prstGeom>
+        </p:spPr>
+        <p:style>
+          <a:lnRef idx="2">
+            <a:schemeClr val="accent1"/>
+          </a:lnRef>
+          <a:fillRef idx="1">
+            <a:schemeClr val="lt1"/>
+          </a:fillRef>
+          <a:effectRef idx="0">
+            <a:schemeClr val="accent1"/>
+          </a:effectRef>
+          <a:fontRef idx="minor">
+            <a:schemeClr val="dk1"/>
+          </a:fontRef>
+        </p:style>
+        <p:txBody>
+          <a:bodyPr rtlCol="0" anchor="ctr"/>
+          <a:lstStyle/>
+          <a:p>
+            <a:pPr algn="ctr"/>
+            <a:r>
+              <a:rPr lang="en-US" altLang="zh-CN" sz="2800" dirty="0" err="1"/>
+              <a:t>iid</a:t>
+            </a:r>
+            <a:endParaRPr lang="zh-CN" altLang="en-US" sz="2800" dirty="0"/>
+          </a:p>
+        </p:txBody>
+      </p:sp>
+      <p:sp>
+        <p:nvSpPr>
+          <p:cNvPr id="10" name="矩形: 剪去对角 9">
+            <a:extLst>
+              <a:ext uri="{FF2B5EF4-FFF2-40B4-BE49-F238E27FC236}">
+                <a16:creationId xmlns:a16="http://schemas.microsoft.com/office/drawing/2014/main" id="{F93E1A87-E238-4217-A635-767346535398}"/>
+              </a:ext>
+            </a:extLst>
+          </p:cNvPr>
+          <p:cNvSpPr/>
+          <p:nvPr/>
+        </p:nvSpPr>
+        <p:spPr>
+          <a:xfrm>
+            <a:off x="7585435" y="2980296"/>
+            <a:ext cx="2111214" cy="575034"/>
+          </a:xfrm>
+          <a:prstGeom prst="snip2DiagRect">
+            <a:avLst/>
+          </a:prstGeom>
+        </p:spPr>
+        <p:style>
+          <a:lnRef idx="2">
+            <a:schemeClr val="accent1"/>
+          </a:lnRef>
+          <a:fillRef idx="1">
+            <a:schemeClr val="lt1"/>
+          </a:fillRef>
+          <a:effectRef idx="0">
+            <a:schemeClr val="accent1"/>
+          </a:effectRef>
+          <a:fontRef idx="minor">
+            <a:schemeClr val="dk1"/>
+          </a:fontRef>
+        </p:style>
+        <p:txBody>
+          <a:bodyPr rtlCol="0" anchor="ctr"/>
+          <a:lstStyle/>
+          <a:p>
+            <a:pPr algn="ctr"/>
+            <a:r>
+              <a:rPr lang="en-US" altLang="zh-CN" sz="2800" dirty="0"/>
+              <a:t>Central</a:t>
+            </a:r>
+            <a:endParaRPr lang="zh-CN" altLang="en-US" sz="2800" dirty="0"/>
+          </a:p>
+        </p:txBody>
+      </p:sp>
+      <p:sp>
+        <p:nvSpPr>
+          <p:cNvPr id="12" name="矩形: 剪去对角 11">
+            <a:extLst>
+              <a:ext uri="{FF2B5EF4-FFF2-40B4-BE49-F238E27FC236}">
+                <a16:creationId xmlns:a16="http://schemas.microsoft.com/office/drawing/2014/main" id="{2585EF06-8BBC-4818-87AB-FAA8BA4E0406}"/>
+              </a:ext>
+            </a:extLst>
+          </p:cNvPr>
+          <p:cNvSpPr/>
+          <p:nvPr/>
+        </p:nvSpPr>
+        <p:spPr>
+          <a:xfrm>
+            <a:off x="7585434" y="3783145"/>
+            <a:ext cx="3597897" cy="802850"/>
+          </a:xfrm>
+          <a:prstGeom prst="snip2DiagRect">
+            <a:avLst/>
+          </a:prstGeom>
+        </p:spPr>
+        <p:style>
+          <a:lnRef idx="2">
+            <a:schemeClr val="accent1"/>
+          </a:lnRef>
+          <a:fillRef idx="1">
+            <a:schemeClr val="lt1"/>
+          </a:fillRef>
+          <a:effectRef idx="0">
+            <a:schemeClr val="accent1"/>
+          </a:effectRef>
+          <a:fontRef idx="minor">
+            <a:schemeClr val="dk1"/>
+          </a:fontRef>
+        </p:style>
+        <p:txBody>
+          <a:bodyPr rtlCol="0" anchor="ctr"/>
+          <a:lstStyle/>
+          <a:p>
+            <a:pPr algn="ctr"/>
+            <a:r>
+              <a:rPr lang="en-US" altLang="zh-CN" sz="2400" dirty="0"/>
+              <a:t>Node – this epoch</a:t>
+            </a:r>
+          </a:p>
+          <a:p>
+            <a:pPr algn="ctr"/>
+            <a:r>
+              <a:rPr lang="en-US" altLang="zh-CN" sz="2400" dirty="0"/>
+              <a:t>(before average model)</a:t>
+            </a:r>
+            <a:endParaRPr lang="zh-CN" altLang="en-US" sz="2400" dirty="0"/>
+          </a:p>
+        </p:txBody>
+      </p:sp>
+      <p:sp>
+        <p:nvSpPr>
+          <p:cNvPr id="13" name="矩形: 剪去对角 12">
+            <a:extLst>
+              <a:ext uri="{FF2B5EF4-FFF2-40B4-BE49-F238E27FC236}">
+                <a16:creationId xmlns:a16="http://schemas.microsoft.com/office/drawing/2014/main" id="{7B38DE94-9CA6-487C-B25A-DB89C409F65E}"/>
+              </a:ext>
+            </a:extLst>
+          </p:cNvPr>
+          <p:cNvSpPr/>
+          <p:nvPr/>
+        </p:nvSpPr>
+        <p:spPr>
+          <a:xfrm>
+            <a:off x="7585434" y="4813810"/>
+            <a:ext cx="3597897" cy="802850"/>
+          </a:xfrm>
+          <a:prstGeom prst="snip2DiagRect">
+            <a:avLst/>
+          </a:prstGeom>
+        </p:spPr>
+        <p:style>
+          <a:lnRef idx="2">
+            <a:schemeClr val="accent1"/>
+          </a:lnRef>
+          <a:fillRef idx="1">
+            <a:schemeClr val="lt1"/>
+          </a:fillRef>
+          <a:effectRef idx="0">
+            <a:schemeClr val="accent1"/>
+          </a:effectRef>
+          <a:fontRef idx="minor">
+            <a:schemeClr val="dk1"/>
+          </a:fontRef>
+        </p:style>
+        <p:txBody>
+          <a:bodyPr rtlCol="0" anchor="ctr"/>
+          <a:lstStyle/>
+          <a:p>
+            <a:pPr algn="ctr"/>
+            <a:r>
+              <a:rPr lang="en-US" altLang="zh-CN" sz="2400" dirty="0"/>
+              <a:t>Node – last epoch</a:t>
+            </a:r>
+          </a:p>
+          <a:p>
+            <a:pPr algn="ctr"/>
+            <a:r>
+              <a:rPr lang="en-US" altLang="zh-CN" sz="2400" dirty="0"/>
+              <a:t>(after average model)</a:t>
+            </a:r>
+            <a:endParaRPr lang="zh-CN" altLang="en-US" sz="2400" dirty="0"/>
+          </a:p>
+        </p:txBody>
+      </p:sp>
     </p:spTree>
     <p:extLst>
       <p:ext uri="{BB962C8B-B14F-4D97-AF65-F5344CB8AC3E}">
-        <p14:creationId xmlns:p14="http://schemas.microsoft.com/office/powerpoint/2010/main" val="2790151684"/>
+        <p14:creationId xmlns:p14="http://schemas.microsoft.com/office/powerpoint/2010/main" val="1456233125"/>
       </p:ext>
     </p:extLst>
   </p:cSld>
@@ -7109,7 +8706,7 @@
           <p:cNvPr id="2" name="标题 1">
             <a:extLst>
               <a:ext uri="{FF2B5EF4-FFF2-40B4-BE49-F238E27FC236}">
-                <a16:creationId xmlns:a16="http://schemas.microsoft.com/office/drawing/2014/main" id="{FDBDF9CE-045B-4932-BBDF-5C6982733BDC}"/>
+                <a16:creationId xmlns:a16="http://schemas.microsoft.com/office/drawing/2014/main" id="{B9F4BB03-6ADB-4866-846C-AA16BF9B2096}"/>
               </a:ext>
             </a:extLst>
           </p:cNvPr>
@@ -7127,427 +8724,63 @@
           <a:p>
             <a:r>
               <a:rPr lang="en-US" altLang="zh-CN" dirty="0"/>
-              <a:t>Bad node (return randomized weights)</a:t>
+              <a:t>Evaluate methods 1/1</a:t>
             </a:r>
             <a:endParaRPr lang="zh-CN" altLang="en-US" dirty="0"/>
           </a:p>
         </p:txBody>
       </p:sp>
-      <p:sp>
-        <p:nvSpPr>
-          <p:cNvPr id="4" name="内容占位符 2">
-            <a:extLst>
-              <a:ext uri="{FF2B5EF4-FFF2-40B4-BE49-F238E27FC236}">
-                <a16:creationId xmlns:a16="http://schemas.microsoft.com/office/drawing/2014/main" id="{DA7F61BA-6C80-407C-A979-9C123EF0FF1F}"/>
-              </a:ext>
-            </a:extLst>
-          </p:cNvPr>
-          <p:cNvSpPr>
-            <a:spLocks noGrp="1"/>
-          </p:cNvSpPr>
-          <p:nvPr>
-            <p:ph idx="1"/>
-          </p:nvPr>
-        </p:nvSpPr>
-        <p:spPr>
-          <a:xfrm>
-            <a:off x="838200" y="1825625"/>
-            <a:ext cx="3488703" cy="4351338"/>
-          </a:xfrm>
-        </p:spPr>
-        <p:txBody>
-          <a:bodyPr/>
-          <a:lstStyle/>
-          <a:p>
-            <a:r>
-              <a:rPr lang="en-US" altLang="zh-CN" dirty="0"/>
-              <a:t>10 worker nodes</a:t>
-            </a:r>
-          </a:p>
-          <a:p>
-            <a:r>
-              <a:rPr lang="en-US" altLang="zh-CN" dirty="0"/>
-              <a:t>4000 training data</a:t>
-            </a:r>
-          </a:p>
-          <a:p>
-            <a:r>
-              <a:rPr lang="en-US" altLang="zh-CN" dirty="0"/>
-              <a:t>10000 testing data</a:t>
-            </a:r>
-          </a:p>
-          <a:p>
-            <a:r>
-              <a:rPr lang="en-US" altLang="zh-CN" dirty="0"/>
-              <a:t>Early stop = 500</a:t>
-            </a:r>
-          </a:p>
-          <a:p>
-            <a:r>
-              <a:rPr lang="en-US" altLang="zh-CN" dirty="0"/>
-              <a:t>Local step = 1</a:t>
-            </a:r>
-          </a:p>
-          <a:p>
-            <a:r>
-              <a:rPr lang="en-US" altLang="zh-CN" dirty="0"/>
-              <a:t>Bad node: 1</a:t>
-            </a:r>
-          </a:p>
-        </p:txBody>
-      </p:sp>
-      <p:sp>
-        <p:nvSpPr>
-          <p:cNvPr id="5" name="矩形: 圆角 4">
-            <a:extLst>
-              <a:ext uri="{FF2B5EF4-FFF2-40B4-BE49-F238E27FC236}">
-                <a16:creationId xmlns:a16="http://schemas.microsoft.com/office/drawing/2014/main" id="{2C0C6171-A32D-47D7-B5B1-498F0EE23EA3}"/>
-              </a:ext>
-            </a:extLst>
-          </p:cNvPr>
-          <p:cNvSpPr/>
+      <p:pic>
+        <p:nvPicPr>
+          <p:cNvPr id="3" name="Picture 2">
+            <a:extLst>
+              <a:ext uri="{FF2B5EF4-FFF2-40B4-BE49-F238E27FC236}">
+                <a16:creationId xmlns:a16="http://schemas.microsoft.com/office/drawing/2014/main" id="{88CF05D4-71ED-46D0-AAFD-E06971FCEC56}"/>
+              </a:ext>
+            </a:extLst>
+          </p:cNvPr>
+          <p:cNvPicPr>
+            <a:picLocks noChangeAspect="1" noChangeArrowheads="1"/>
+          </p:cNvPicPr>
           <p:nvPr/>
-        </p:nvSpPr>
-        <p:spPr>
-          <a:xfrm>
-            <a:off x="8594103" y="2375556"/>
-            <a:ext cx="2185447" cy="669302"/>
-          </a:xfrm>
-          <a:prstGeom prst="roundRect">
+        </p:nvPicPr>
+        <p:blipFill>
+          <a:blip r:embed="rId2">
+            <a:extLst>
+              <a:ext uri="{28A0092B-C50C-407E-A947-70E740481C1C}">
+                <a14:useLocalDpi xmlns:a14="http://schemas.microsoft.com/office/drawing/2010/main" val="0"/>
+              </a:ext>
+            </a:extLst>
+          </a:blip>
+          <a:srcRect/>
+          <a:stretch>
+            <a:fillRect/>
+          </a:stretch>
+        </p:blipFill>
+        <p:spPr bwMode="auto">
+          <a:xfrm>
+            <a:off x="0" y="1690688"/>
+            <a:ext cx="12192000" cy="4288299"/>
+          </a:xfrm>
+          <a:prstGeom prst="rect">
             <a:avLst/>
           </a:prstGeom>
-        </p:spPr>
-        <p:style>
-          <a:lnRef idx="2">
-            <a:schemeClr val="accent1">
-              <a:shade val="50000"/>
-            </a:schemeClr>
-          </a:lnRef>
-          <a:fillRef idx="1">
-            <a:schemeClr val="accent1"/>
-          </a:fillRef>
-          <a:effectRef idx="0">
-            <a:schemeClr val="accent1"/>
-          </a:effectRef>
-          <a:fontRef idx="minor">
-            <a:schemeClr val="lt1"/>
-          </a:fontRef>
-        </p:style>
-        <p:txBody>
-          <a:bodyPr rtlCol="0" anchor="ctr"/>
-          <a:lstStyle/>
-          <a:p>
-            <a:pPr algn="ctr"/>
-            <a:r>
-              <a:rPr lang="en-US" altLang="zh-CN" sz="2800" dirty="0"/>
-              <a:t>Node Size</a:t>
-            </a:r>
-            <a:endParaRPr lang="zh-CN" altLang="en-US" sz="2800" dirty="0"/>
-          </a:p>
-        </p:txBody>
-      </p:sp>
-      <p:sp>
-        <p:nvSpPr>
-          <p:cNvPr id="6" name="矩形: 圆角 5">
-            <a:extLst>
-              <a:ext uri="{FF2B5EF4-FFF2-40B4-BE49-F238E27FC236}">
-                <a16:creationId xmlns:a16="http://schemas.microsoft.com/office/drawing/2014/main" id="{3BA7398F-9500-4725-82C8-D19801691190}"/>
-              </a:ext>
-            </a:extLst>
-          </p:cNvPr>
-          <p:cNvSpPr/>
-          <p:nvPr/>
-        </p:nvSpPr>
-        <p:spPr>
-          <a:xfrm>
-            <a:off x="6095999" y="2375556"/>
-            <a:ext cx="2185447" cy="669302"/>
-          </a:xfrm>
-          <a:prstGeom prst="roundRect">
-            <a:avLst/>
-          </a:prstGeom>
-        </p:spPr>
-        <p:style>
-          <a:lnRef idx="2">
-            <a:schemeClr val="accent1">
-              <a:shade val="50000"/>
-            </a:schemeClr>
-          </a:lnRef>
-          <a:fillRef idx="1">
-            <a:schemeClr val="accent1"/>
-          </a:fillRef>
-          <a:effectRef idx="0">
-            <a:schemeClr val="accent1"/>
-          </a:effectRef>
-          <a:fontRef idx="minor">
-            <a:schemeClr val="lt1"/>
-          </a:fontRef>
-        </p:style>
-        <p:txBody>
-          <a:bodyPr rtlCol="0" anchor="ctr"/>
-          <a:lstStyle/>
-          <a:p>
-            <a:pPr algn="ctr"/>
-            <a:r>
-              <a:rPr lang="en-US" altLang="zh-CN" sz="2800" dirty="0"/>
-              <a:t>If </a:t>
-            </a:r>
-            <a:r>
-              <a:rPr lang="en-US" altLang="zh-CN" sz="2800" dirty="0" err="1"/>
-              <a:t>iid</a:t>
-            </a:r>
-            <a:r>
-              <a:rPr lang="en-US" altLang="zh-CN" sz="2800" dirty="0"/>
-              <a:t>?</a:t>
-            </a:r>
-            <a:endParaRPr lang="zh-CN" altLang="en-US" sz="2800" dirty="0"/>
-          </a:p>
-        </p:txBody>
-      </p:sp>
-      <p:sp>
-        <p:nvSpPr>
-          <p:cNvPr id="7" name="矩形: 剪去对角 6">
-            <a:extLst>
-              <a:ext uri="{FF2B5EF4-FFF2-40B4-BE49-F238E27FC236}">
-                <a16:creationId xmlns:a16="http://schemas.microsoft.com/office/drawing/2014/main" id="{B4213758-A28F-4E10-BB26-380F54E5EC1D}"/>
-              </a:ext>
-            </a:extLst>
-          </p:cNvPr>
-          <p:cNvSpPr/>
-          <p:nvPr/>
-        </p:nvSpPr>
-        <p:spPr>
-          <a:xfrm>
-            <a:off x="6645108" y="3442209"/>
-            <a:ext cx="1075444" cy="575034"/>
-          </a:xfrm>
-          <a:prstGeom prst="snip2DiagRect">
-            <a:avLst/>
-          </a:prstGeom>
-        </p:spPr>
-        <p:style>
-          <a:lnRef idx="2">
-            <a:schemeClr val="accent1"/>
-          </a:lnRef>
-          <a:fillRef idx="1">
-            <a:schemeClr val="lt1"/>
-          </a:fillRef>
-          <a:effectRef idx="0">
-            <a:schemeClr val="accent1"/>
-          </a:effectRef>
-          <a:fontRef idx="minor">
-            <a:schemeClr val="dk1"/>
-          </a:fontRef>
-        </p:style>
-        <p:txBody>
-          <a:bodyPr rtlCol="0" anchor="ctr"/>
-          <a:lstStyle/>
-          <a:p>
-            <a:pPr algn="ctr"/>
-            <a:r>
-              <a:rPr lang="en-US" altLang="zh-CN" sz="2800" dirty="0"/>
-              <a:t>2</a:t>
-            </a:r>
-            <a:endParaRPr lang="zh-CN" altLang="en-US" sz="2800" dirty="0"/>
-          </a:p>
-        </p:txBody>
-      </p:sp>
-      <p:sp>
-        <p:nvSpPr>
-          <p:cNvPr id="8" name="矩形: 剪去对角 7">
-            <a:extLst>
-              <a:ext uri="{FF2B5EF4-FFF2-40B4-BE49-F238E27FC236}">
-                <a16:creationId xmlns:a16="http://schemas.microsoft.com/office/drawing/2014/main" id="{318B6878-E18C-49C0-A824-55A2A9675CCE}"/>
-              </a:ext>
-            </a:extLst>
-          </p:cNvPr>
-          <p:cNvSpPr/>
-          <p:nvPr/>
-        </p:nvSpPr>
-        <p:spPr>
-          <a:xfrm>
-            <a:off x="6645108" y="4245058"/>
-            <a:ext cx="1075444" cy="575034"/>
-          </a:xfrm>
-          <a:prstGeom prst="snip2DiagRect">
-            <a:avLst/>
-          </a:prstGeom>
-        </p:spPr>
-        <p:style>
-          <a:lnRef idx="2">
-            <a:schemeClr val="accent1"/>
-          </a:lnRef>
-          <a:fillRef idx="1">
-            <a:schemeClr val="lt1"/>
-          </a:fillRef>
-          <a:effectRef idx="0">
-            <a:schemeClr val="accent1"/>
-          </a:effectRef>
-          <a:fontRef idx="minor">
-            <a:schemeClr val="dk1"/>
-          </a:fontRef>
-        </p:style>
-        <p:txBody>
-          <a:bodyPr rtlCol="0" anchor="ctr"/>
-          <a:lstStyle/>
-          <a:p>
-            <a:pPr algn="ctr"/>
-            <a:r>
-              <a:rPr lang="en-US" altLang="zh-CN" sz="2800" dirty="0"/>
-              <a:t>5</a:t>
-            </a:r>
-            <a:endParaRPr lang="zh-CN" altLang="en-US" sz="2800" dirty="0"/>
-          </a:p>
-        </p:txBody>
-      </p:sp>
-      <p:sp>
-        <p:nvSpPr>
-          <p:cNvPr id="9" name="矩形: 剪去对角 8">
-            <a:extLst>
-              <a:ext uri="{FF2B5EF4-FFF2-40B4-BE49-F238E27FC236}">
-                <a16:creationId xmlns:a16="http://schemas.microsoft.com/office/drawing/2014/main" id="{8F0ED510-AE87-403B-B060-624ACFFA4582}"/>
-              </a:ext>
-            </a:extLst>
-          </p:cNvPr>
-          <p:cNvSpPr/>
-          <p:nvPr/>
-        </p:nvSpPr>
-        <p:spPr>
-          <a:xfrm>
-            <a:off x="6645108" y="5047908"/>
-            <a:ext cx="1075444" cy="575034"/>
-          </a:xfrm>
-          <a:prstGeom prst="snip2DiagRect">
-            <a:avLst/>
-          </a:prstGeom>
-        </p:spPr>
-        <p:style>
-          <a:lnRef idx="2">
-            <a:schemeClr val="accent1"/>
-          </a:lnRef>
-          <a:fillRef idx="1">
-            <a:schemeClr val="lt1"/>
-          </a:fillRef>
-          <a:effectRef idx="0">
-            <a:schemeClr val="accent1"/>
-          </a:effectRef>
-          <a:fontRef idx="minor">
-            <a:schemeClr val="dk1"/>
-          </a:fontRef>
-        </p:style>
-        <p:txBody>
-          <a:bodyPr rtlCol="0" anchor="ctr"/>
-          <a:lstStyle/>
-          <a:p>
-            <a:pPr algn="ctr"/>
-            <a:r>
-              <a:rPr lang="en-US" altLang="zh-CN" sz="2800" dirty="0" err="1"/>
-              <a:t>iid</a:t>
-            </a:r>
-            <a:endParaRPr lang="zh-CN" altLang="en-US" sz="2800" dirty="0"/>
-          </a:p>
-        </p:txBody>
-      </p:sp>
-      <p:sp>
-        <p:nvSpPr>
-          <p:cNvPr id="10" name="矩形: 剪去对角 9">
-            <a:extLst>
-              <a:ext uri="{FF2B5EF4-FFF2-40B4-BE49-F238E27FC236}">
-                <a16:creationId xmlns:a16="http://schemas.microsoft.com/office/drawing/2014/main" id="{B658D814-820B-48E6-ADD5-F7800C136344}"/>
-              </a:ext>
-            </a:extLst>
-          </p:cNvPr>
-          <p:cNvSpPr/>
-          <p:nvPr/>
-        </p:nvSpPr>
-        <p:spPr>
-          <a:xfrm>
-            <a:off x="9149104" y="3442209"/>
-            <a:ext cx="1075444" cy="575034"/>
-          </a:xfrm>
-          <a:prstGeom prst="snip2DiagRect">
-            <a:avLst/>
-          </a:prstGeom>
-        </p:spPr>
-        <p:style>
-          <a:lnRef idx="2">
-            <a:schemeClr val="accent1"/>
-          </a:lnRef>
-          <a:fillRef idx="1">
-            <a:schemeClr val="lt1"/>
-          </a:fillRef>
-          <a:effectRef idx="0">
-            <a:schemeClr val="accent1"/>
-          </a:effectRef>
-          <a:fontRef idx="minor">
-            <a:schemeClr val="dk1"/>
-          </a:fontRef>
-        </p:style>
-        <p:txBody>
-          <a:bodyPr rtlCol="0" anchor="ctr"/>
-          <a:lstStyle/>
-          <a:p>
-            <a:pPr algn="ctr"/>
-            <a:r>
-              <a:rPr lang="en-US" altLang="zh-CN" sz="2800" dirty="0"/>
-              <a:t>40</a:t>
-            </a:r>
-            <a:endParaRPr lang="zh-CN" altLang="en-US" sz="2800" dirty="0"/>
-          </a:p>
-        </p:txBody>
-      </p:sp>
-      <p:sp>
-        <p:nvSpPr>
-          <p:cNvPr id="11" name="矩形: 剪去对角 10">
-            <a:extLst>
-              <a:ext uri="{FF2B5EF4-FFF2-40B4-BE49-F238E27FC236}">
-                <a16:creationId xmlns:a16="http://schemas.microsoft.com/office/drawing/2014/main" id="{2CF787D8-169E-4FB3-BBA6-300A1006AEC9}"/>
-              </a:ext>
-            </a:extLst>
-          </p:cNvPr>
-          <p:cNvSpPr/>
-          <p:nvPr/>
-        </p:nvSpPr>
-        <p:spPr>
-          <a:xfrm>
-            <a:off x="9149104" y="4245058"/>
-            <a:ext cx="1075444" cy="575034"/>
-          </a:xfrm>
-          <a:prstGeom prst="snip2DiagRect">
-            <a:avLst/>
-          </a:prstGeom>
-        </p:spPr>
-        <p:style>
-          <a:lnRef idx="2">
-            <a:schemeClr val="accent1"/>
-          </a:lnRef>
-          <a:fillRef idx="1">
-            <a:schemeClr val="lt1"/>
-          </a:fillRef>
-          <a:effectRef idx="0">
-            <a:schemeClr val="accent1"/>
-          </a:effectRef>
-          <a:fontRef idx="minor">
-            <a:schemeClr val="dk1"/>
-          </a:fontRef>
-        </p:style>
-        <p:txBody>
-          <a:bodyPr rtlCol="0" anchor="ctr"/>
-          <a:lstStyle/>
-          <a:p>
-            <a:pPr algn="ctr"/>
-            <a:r>
-              <a:rPr lang="en-US" altLang="zh-CN" sz="2800" dirty="0"/>
-              <a:t>400</a:t>
-            </a:r>
-            <a:endParaRPr lang="zh-CN" altLang="en-US" sz="2800" dirty="0"/>
-          </a:p>
-        </p:txBody>
-      </p:sp>
+          <a:noFill/>
+          <a:extLst>
+            <a:ext uri="{909E8E84-426E-40DD-AFC4-6F175D3DCCD1}">
+              <a14:hiddenFill xmlns:a14="http://schemas.microsoft.com/office/drawing/2010/main">
+                <a:solidFill>
+                  <a:srgbClr val="FFFFFF"/>
+                </a:solidFill>
+              </a14:hiddenFill>
+            </a:ext>
+          </a:extLst>
+        </p:spPr>
+      </p:pic>
     </p:spTree>
     <p:extLst>
       <p:ext uri="{BB962C8B-B14F-4D97-AF65-F5344CB8AC3E}">
-        <p14:creationId xmlns:p14="http://schemas.microsoft.com/office/powerpoint/2010/main" val="1996882241"/>
+        <p14:creationId xmlns:p14="http://schemas.microsoft.com/office/powerpoint/2010/main" val="2790151684"/>
       </p:ext>
     </p:extLst>
   </p:cSld>
@@ -7579,7 +8812,7 @@
           <p:cNvPr id="2" name="标题 1">
             <a:extLst>
               <a:ext uri="{FF2B5EF4-FFF2-40B4-BE49-F238E27FC236}">
-                <a16:creationId xmlns:a16="http://schemas.microsoft.com/office/drawing/2014/main" id="{86024D0A-2059-4658-924A-C1ED2407772F}"/>
+                <a16:creationId xmlns:a16="http://schemas.microsoft.com/office/drawing/2014/main" id="{FDBDF9CE-045B-4932-BBDF-5C6982733BDC}"/>
               </a:ext>
             </a:extLst>
           </p:cNvPr>
@@ -7597,52 +8830,427 @@
           <a:p>
             <a:r>
               <a:rPr lang="en-US" altLang="zh-CN" dirty="0"/>
-              <a:t>Bad node 1/2</a:t>
+              <a:t>Bad node (return randomized weights)</a:t>
             </a:r>
             <a:endParaRPr lang="zh-CN" altLang="en-US" dirty="0"/>
           </a:p>
         </p:txBody>
       </p:sp>
-      <p:pic>
-        <p:nvPicPr>
-          <p:cNvPr id="4" name="图片 3" descr="社交网络的手机截图&#10;&#10;描述已自动生成">
-            <a:extLst>
-              <a:ext uri="{FF2B5EF4-FFF2-40B4-BE49-F238E27FC236}">
-                <a16:creationId xmlns:a16="http://schemas.microsoft.com/office/drawing/2014/main" id="{D38049F9-9BE6-4FBA-8790-A4F229BADE13}"/>
-              </a:ext>
-            </a:extLst>
-          </p:cNvPr>
-          <p:cNvPicPr>
-            <a:picLocks noChangeAspect="1"/>
-          </p:cNvPicPr>
+      <p:sp>
+        <p:nvSpPr>
+          <p:cNvPr id="4" name="内容占位符 2">
+            <a:extLst>
+              <a:ext uri="{FF2B5EF4-FFF2-40B4-BE49-F238E27FC236}">
+                <a16:creationId xmlns:a16="http://schemas.microsoft.com/office/drawing/2014/main" id="{DA7F61BA-6C80-407C-A979-9C123EF0FF1F}"/>
+              </a:ext>
+            </a:extLst>
+          </p:cNvPr>
+          <p:cNvSpPr>
+            <a:spLocks noGrp="1"/>
+          </p:cNvSpPr>
+          <p:nvPr>
+            <p:ph idx="1"/>
+          </p:nvPr>
+        </p:nvSpPr>
+        <p:spPr>
+          <a:xfrm>
+            <a:off x="838200" y="1825625"/>
+            <a:ext cx="3488703" cy="4351338"/>
+          </a:xfrm>
+        </p:spPr>
+        <p:txBody>
+          <a:bodyPr/>
+          <a:lstStyle/>
+          <a:p>
+            <a:r>
+              <a:rPr lang="en-US" altLang="zh-CN" dirty="0"/>
+              <a:t>10 worker nodes</a:t>
+            </a:r>
+          </a:p>
+          <a:p>
+            <a:r>
+              <a:rPr lang="en-US" altLang="zh-CN" dirty="0"/>
+              <a:t>4000 training data</a:t>
+            </a:r>
+          </a:p>
+          <a:p>
+            <a:r>
+              <a:rPr lang="en-US" altLang="zh-CN" dirty="0"/>
+              <a:t>10000 testing data</a:t>
+            </a:r>
+          </a:p>
+          <a:p>
+            <a:r>
+              <a:rPr lang="en-US" altLang="zh-CN" dirty="0"/>
+              <a:t>Early stop = 500</a:t>
+            </a:r>
+          </a:p>
+          <a:p>
+            <a:r>
+              <a:rPr lang="en-US" altLang="zh-CN" dirty="0"/>
+              <a:t>Local step = 1</a:t>
+            </a:r>
+          </a:p>
+          <a:p>
+            <a:r>
+              <a:rPr lang="en-US" altLang="zh-CN" dirty="0"/>
+              <a:t>Bad node: 1</a:t>
+            </a:r>
+          </a:p>
+        </p:txBody>
+      </p:sp>
+      <p:sp>
+        <p:nvSpPr>
+          <p:cNvPr id="5" name="矩形: 圆角 4">
+            <a:extLst>
+              <a:ext uri="{FF2B5EF4-FFF2-40B4-BE49-F238E27FC236}">
+                <a16:creationId xmlns:a16="http://schemas.microsoft.com/office/drawing/2014/main" id="{2C0C6171-A32D-47D7-B5B1-498F0EE23EA3}"/>
+              </a:ext>
+            </a:extLst>
+          </p:cNvPr>
+          <p:cNvSpPr/>
           <p:nvPr/>
-        </p:nvPicPr>
-        <p:blipFill>
-          <a:blip r:embed="rId2">
-            <a:extLst>
-              <a:ext uri="{28A0092B-C50C-407E-A947-70E740481C1C}">
-                <a14:useLocalDpi xmlns:a14="http://schemas.microsoft.com/office/drawing/2010/main" val="0"/>
-              </a:ext>
-            </a:extLst>
-          </a:blip>
-          <a:stretch>
-            <a:fillRect/>
-          </a:stretch>
-        </p:blipFill>
-        <p:spPr>
-          <a:xfrm>
-            <a:off x="0" y="1690688"/>
-            <a:ext cx="12192000" cy="4370717"/>
-          </a:xfrm>
-          <a:prstGeom prst="rect">
+        </p:nvSpPr>
+        <p:spPr>
+          <a:xfrm>
+            <a:off x="8594103" y="2375556"/>
+            <a:ext cx="2185447" cy="669302"/>
+          </a:xfrm>
+          <a:prstGeom prst="roundRect">
             <a:avLst/>
           </a:prstGeom>
         </p:spPr>
-      </p:pic>
+        <p:style>
+          <a:lnRef idx="2">
+            <a:schemeClr val="accent1">
+              <a:shade val="50000"/>
+            </a:schemeClr>
+          </a:lnRef>
+          <a:fillRef idx="1">
+            <a:schemeClr val="accent1"/>
+          </a:fillRef>
+          <a:effectRef idx="0">
+            <a:schemeClr val="accent1"/>
+          </a:effectRef>
+          <a:fontRef idx="minor">
+            <a:schemeClr val="lt1"/>
+          </a:fontRef>
+        </p:style>
+        <p:txBody>
+          <a:bodyPr rtlCol="0" anchor="ctr"/>
+          <a:lstStyle/>
+          <a:p>
+            <a:pPr algn="ctr"/>
+            <a:r>
+              <a:rPr lang="en-US" altLang="zh-CN" sz="2800" dirty="0"/>
+              <a:t>Node Size</a:t>
+            </a:r>
+            <a:endParaRPr lang="zh-CN" altLang="en-US" sz="2800" dirty="0"/>
+          </a:p>
+        </p:txBody>
+      </p:sp>
+      <p:sp>
+        <p:nvSpPr>
+          <p:cNvPr id="6" name="矩形: 圆角 5">
+            <a:extLst>
+              <a:ext uri="{FF2B5EF4-FFF2-40B4-BE49-F238E27FC236}">
+                <a16:creationId xmlns:a16="http://schemas.microsoft.com/office/drawing/2014/main" id="{3BA7398F-9500-4725-82C8-D19801691190}"/>
+              </a:ext>
+            </a:extLst>
+          </p:cNvPr>
+          <p:cNvSpPr/>
+          <p:nvPr/>
+        </p:nvSpPr>
+        <p:spPr>
+          <a:xfrm>
+            <a:off x="6095999" y="2375556"/>
+            <a:ext cx="2185447" cy="669302"/>
+          </a:xfrm>
+          <a:prstGeom prst="roundRect">
+            <a:avLst/>
+          </a:prstGeom>
+        </p:spPr>
+        <p:style>
+          <a:lnRef idx="2">
+            <a:schemeClr val="accent1">
+              <a:shade val="50000"/>
+            </a:schemeClr>
+          </a:lnRef>
+          <a:fillRef idx="1">
+            <a:schemeClr val="accent1"/>
+          </a:fillRef>
+          <a:effectRef idx="0">
+            <a:schemeClr val="accent1"/>
+          </a:effectRef>
+          <a:fontRef idx="minor">
+            <a:schemeClr val="lt1"/>
+          </a:fontRef>
+        </p:style>
+        <p:txBody>
+          <a:bodyPr rtlCol="0" anchor="ctr"/>
+          <a:lstStyle/>
+          <a:p>
+            <a:pPr algn="ctr"/>
+            <a:r>
+              <a:rPr lang="en-US" altLang="zh-CN" sz="2800" dirty="0"/>
+              <a:t>If </a:t>
+            </a:r>
+            <a:r>
+              <a:rPr lang="en-US" altLang="zh-CN" sz="2800" dirty="0" err="1"/>
+              <a:t>iid</a:t>
+            </a:r>
+            <a:r>
+              <a:rPr lang="en-US" altLang="zh-CN" sz="2800" dirty="0"/>
+              <a:t>?</a:t>
+            </a:r>
+            <a:endParaRPr lang="zh-CN" altLang="en-US" sz="2800" dirty="0"/>
+          </a:p>
+        </p:txBody>
+      </p:sp>
+      <p:sp>
+        <p:nvSpPr>
+          <p:cNvPr id="7" name="矩形: 剪去对角 6">
+            <a:extLst>
+              <a:ext uri="{FF2B5EF4-FFF2-40B4-BE49-F238E27FC236}">
+                <a16:creationId xmlns:a16="http://schemas.microsoft.com/office/drawing/2014/main" id="{B4213758-A28F-4E10-BB26-380F54E5EC1D}"/>
+              </a:ext>
+            </a:extLst>
+          </p:cNvPr>
+          <p:cNvSpPr/>
+          <p:nvPr/>
+        </p:nvSpPr>
+        <p:spPr>
+          <a:xfrm>
+            <a:off x="6645108" y="3442209"/>
+            <a:ext cx="1075444" cy="575034"/>
+          </a:xfrm>
+          <a:prstGeom prst="snip2DiagRect">
+            <a:avLst/>
+          </a:prstGeom>
+        </p:spPr>
+        <p:style>
+          <a:lnRef idx="2">
+            <a:schemeClr val="accent1"/>
+          </a:lnRef>
+          <a:fillRef idx="1">
+            <a:schemeClr val="lt1"/>
+          </a:fillRef>
+          <a:effectRef idx="0">
+            <a:schemeClr val="accent1"/>
+          </a:effectRef>
+          <a:fontRef idx="minor">
+            <a:schemeClr val="dk1"/>
+          </a:fontRef>
+        </p:style>
+        <p:txBody>
+          <a:bodyPr rtlCol="0" anchor="ctr"/>
+          <a:lstStyle/>
+          <a:p>
+            <a:pPr algn="ctr"/>
+            <a:r>
+              <a:rPr lang="en-US" altLang="zh-CN" sz="2800" dirty="0"/>
+              <a:t>2</a:t>
+            </a:r>
+            <a:endParaRPr lang="zh-CN" altLang="en-US" sz="2800" dirty="0"/>
+          </a:p>
+        </p:txBody>
+      </p:sp>
+      <p:sp>
+        <p:nvSpPr>
+          <p:cNvPr id="8" name="矩形: 剪去对角 7">
+            <a:extLst>
+              <a:ext uri="{FF2B5EF4-FFF2-40B4-BE49-F238E27FC236}">
+                <a16:creationId xmlns:a16="http://schemas.microsoft.com/office/drawing/2014/main" id="{318B6878-E18C-49C0-A824-55A2A9675CCE}"/>
+              </a:ext>
+            </a:extLst>
+          </p:cNvPr>
+          <p:cNvSpPr/>
+          <p:nvPr/>
+        </p:nvSpPr>
+        <p:spPr>
+          <a:xfrm>
+            <a:off x="6645108" y="4245058"/>
+            <a:ext cx="1075444" cy="575034"/>
+          </a:xfrm>
+          <a:prstGeom prst="snip2DiagRect">
+            <a:avLst/>
+          </a:prstGeom>
+        </p:spPr>
+        <p:style>
+          <a:lnRef idx="2">
+            <a:schemeClr val="accent1"/>
+          </a:lnRef>
+          <a:fillRef idx="1">
+            <a:schemeClr val="lt1"/>
+          </a:fillRef>
+          <a:effectRef idx="0">
+            <a:schemeClr val="accent1"/>
+          </a:effectRef>
+          <a:fontRef idx="minor">
+            <a:schemeClr val="dk1"/>
+          </a:fontRef>
+        </p:style>
+        <p:txBody>
+          <a:bodyPr rtlCol="0" anchor="ctr"/>
+          <a:lstStyle/>
+          <a:p>
+            <a:pPr algn="ctr"/>
+            <a:r>
+              <a:rPr lang="en-US" altLang="zh-CN" sz="2800" dirty="0"/>
+              <a:t>5</a:t>
+            </a:r>
+            <a:endParaRPr lang="zh-CN" altLang="en-US" sz="2800" dirty="0"/>
+          </a:p>
+        </p:txBody>
+      </p:sp>
+      <p:sp>
+        <p:nvSpPr>
+          <p:cNvPr id="9" name="矩形: 剪去对角 8">
+            <a:extLst>
+              <a:ext uri="{FF2B5EF4-FFF2-40B4-BE49-F238E27FC236}">
+                <a16:creationId xmlns:a16="http://schemas.microsoft.com/office/drawing/2014/main" id="{8F0ED510-AE87-403B-B060-624ACFFA4582}"/>
+              </a:ext>
+            </a:extLst>
+          </p:cNvPr>
+          <p:cNvSpPr/>
+          <p:nvPr/>
+        </p:nvSpPr>
+        <p:spPr>
+          <a:xfrm>
+            <a:off x="6645108" y="5047908"/>
+            <a:ext cx="1075444" cy="575034"/>
+          </a:xfrm>
+          <a:prstGeom prst="snip2DiagRect">
+            <a:avLst/>
+          </a:prstGeom>
+        </p:spPr>
+        <p:style>
+          <a:lnRef idx="2">
+            <a:schemeClr val="accent1"/>
+          </a:lnRef>
+          <a:fillRef idx="1">
+            <a:schemeClr val="lt1"/>
+          </a:fillRef>
+          <a:effectRef idx="0">
+            <a:schemeClr val="accent1"/>
+          </a:effectRef>
+          <a:fontRef idx="minor">
+            <a:schemeClr val="dk1"/>
+          </a:fontRef>
+        </p:style>
+        <p:txBody>
+          <a:bodyPr rtlCol="0" anchor="ctr"/>
+          <a:lstStyle/>
+          <a:p>
+            <a:pPr algn="ctr"/>
+            <a:r>
+              <a:rPr lang="en-US" altLang="zh-CN" sz="2800" dirty="0" err="1"/>
+              <a:t>iid</a:t>
+            </a:r>
+            <a:endParaRPr lang="zh-CN" altLang="en-US" sz="2800" dirty="0"/>
+          </a:p>
+        </p:txBody>
+      </p:sp>
+      <p:sp>
+        <p:nvSpPr>
+          <p:cNvPr id="10" name="矩形: 剪去对角 9">
+            <a:extLst>
+              <a:ext uri="{FF2B5EF4-FFF2-40B4-BE49-F238E27FC236}">
+                <a16:creationId xmlns:a16="http://schemas.microsoft.com/office/drawing/2014/main" id="{B658D814-820B-48E6-ADD5-F7800C136344}"/>
+              </a:ext>
+            </a:extLst>
+          </p:cNvPr>
+          <p:cNvSpPr/>
+          <p:nvPr/>
+        </p:nvSpPr>
+        <p:spPr>
+          <a:xfrm>
+            <a:off x="9149104" y="3442209"/>
+            <a:ext cx="1075444" cy="575034"/>
+          </a:xfrm>
+          <a:prstGeom prst="snip2DiagRect">
+            <a:avLst/>
+          </a:prstGeom>
+        </p:spPr>
+        <p:style>
+          <a:lnRef idx="2">
+            <a:schemeClr val="accent1"/>
+          </a:lnRef>
+          <a:fillRef idx="1">
+            <a:schemeClr val="lt1"/>
+          </a:fillRef>
+          <a:effectRef idx="0">
+            <a:schemeClr val="accent1"/>
+          </a:effectRef>
+          <a:fontRef idx="minor">
+            <a:schemeClr val="dk1"/>
+          </a:fontRef>
+        </p:style>
+        <p:txBody>
+          <a:bodyPr rtlCol="0" anchor="ctr"/>
+          <a:lstStyle/>
+          <a:p>
+            <a:pPr algn="ctr"/>
+            <a:r>
+              <a:rPr lang="en-US" altLang="zh-CN" sz="2800" dirty="0"/>
+              <a:t>40</a:t>
+            </a:r>
+            <a:endParaRPr lang="zh-CN" altLang="en-US" sz="2800" dirty="0"/>
+          </a:p>
+        </p:txBody>
+      </p:sp>
+      <p:sp>
+        <p:nvSpPr>
+          <p:cNvPr id="11" name="矩形: 剪去对角 10">
+            <a:extLst>
+              <a:ext uri="{FF2B5EF4-FFF2-40B4-BE49-F238E27FC236}">
+                <a16:creationId xmlns:a16="http://schemas.microsoft.com/office/drawing/2014/main" id="{2CF787D8-169E-4FB3-BBA6-300A1006AEC9}"/>
+              </a:ext>
+            </a:extLst>
+          </p:cNvPr>
+          <p:cNvSpPr/>
+          <p:nvPr/>
+        </p:nvSpPr>
+        <p:spPr>
+          <a:xfrm>
+            <a:off x="9149104" y="4245058"/>
+            <a:ext cx="1075444" cy="575034"/>
+          </a:xfrm>
+          <a:prstGeom prst="snip2DiagRect">
+            <a:avLst/>
+          </a:prstGeom>
+        </p:spPr>
+        <p:style>
+          <a:lnRef idx="2">
+            <a:schemeClr val="accent1"/>
+          </a:lnRef>
+          <a:fillRef idx="1">
+            <a:schemeClr val="lt1"/>
+          </a:fillRef>
+          <a:effectRef idx="0">
+            <a:schemeClr val="accent1"/>
+          </a:effectRef>
+          <a:fontRef idx="minor">
+            <a:schemeClr val="dk1"/>
+          </a:fontRef>
+        </p:style>
+        <p:txBody>
+          <a:bodyPr rtlCol="0" anchor="ctr"/>
+          <a:lstStyle/>
+          <a:p>
+            <a:pPr algn="ctr"/>
+            <a:r>
+              <a:rPr lang="en-US" altLang="zh-CN" sz="2800" dirty="0"/>
+              <a:t>400</a:t>
+            </a:r>
+            <a:endParaRPr lang="zh-CN" altLang="en-US" sz="2800" dirty="0"/>
+          </a:p>
+        </p:txBody>
+      </p:sp>
     </p:spTree>
     <p:extLst>
       <p:ext uri="{BB962C8B-B14F-4D97-AF65-F5344CB8AC3E}">
-        <p14:creationId xmlns:p14="http://schemas.microsoft.com/office/powerpoint/2010/main" val="482722294"/>
+        <p14:creationId xmlns:p14="http://schemas.microsoft.com/office/powerpoint/2010/main" val="1996882241"/>
       </p:ext>
     </p:extLst>
   </p:cSld>
@@ -7945,4 +9553,299 @@
     </a:ext>
   </a:extLst>
 </a:theme>
+</file>
+
+<file path=ppt/theme/theme2.xml><?xml version="1.0" encoding="utf-8"?>
+<a:theme xmlns:a="http://schemas.openxmlformats.org/drawingml/2006/main" name="Office 主题​​">
+  <a:themeElements>
+    <a:clrScheme name="Office">
+      <a:dk1>
+        <a:sysClr val="windowText" lastClr="000000"/>
+      </a:dk1>
+      <a:lt1>
+        <a:sysClr val="window" lastClr="FFFFFF"/>
+      </a:lt1>
+      <a:dk2>
+        <a:srgbClr val="44546A"/>
+      </a:dk2>
+      <a:lt2>
+        <a:srgbClr val="E7E6E6"/>
+      </a:lt2>
+      <a:accent1>
+        <a:srgbClr val="4472C4"/>
+      </a:accent1>
+      <a:accent2>
+        <a:srgbClr val="ED7D31"/>
+      </a:accent2>
+      <a:accent3>
+        <a:srgbClr val="A5A5A5"/>
+      </a:accent3>
+      <a:accent4>
+        <a:srgbClr val="FFC000"/>
+      </a:accent4>
+      <a:accent5>
+        <a:srgbClr val="5B9BD5"/>
+      </a:accent5>
+      <a:accent6>
+        <a:srgbClr val="70AD47"/>
+      </a:accent6>
+      <a:hlink>
+        <a:srgbClr val="0563C1"/>
+      </a:hlink>
+      <a:folHlink>
+        <a:srgbClr val="954F72"/>
+      </a:folHlink>
+    </a:clrScheme>
+    <a:fontScheme name="Office">
+      <a:majorFont>
+        <a:latin typeface="等线 Light" panose="020F0302020204030204"/>
+        <a:ea typeface=""/>
+        <a:cs typeface=""/>
+        <a:font script="Jpan" typeface="游ゴシック Light"/>
+        <a:font script="Hang" typeface="맑은 고딕"/>
+        <a:font script="Hans" typeface="等线 Light"/>
+        <a:font script="Hant" typeface="新細明體"/>
+        <a:font script="Arab" typeface="Times New Roman"/>
+        <a:font script="Hebr" typeface="Times New Roman"/>
+        <a:font script="Thai" typeface="Angsana New"/>
+        <a:font script="Ethi" typeface="Nyala"/>
+        <a:font script="Beng" typeface="Vrinda"/>
+        <a:font script="Gujr" typeface="Shruti"/>
+        <a:font script="Khmr" typeface="MoolBoran"/>
+        <a:font script="Knda" typeface="Tunga"/>
+        <a:font script="Guru" typeface="Raavi"/>
+        <a:font script="Cans" typeface="Euphemia"/>
+        <a:font script="Cher" typeface="Plantagenet Cherokee"/>
+        <a:font script="Yiii" typeface="Microsoft Yi Baiti"/>
+        <a:font script="Tibt" typeface="Microsoft Himalaya"/>
+        <a:font script="Thaa" typeface="MV Boli"/>
+        <a:font script="Deva" typeface="Mangal"/>
+        <a:font script="Telu" typeface="Gautami"/>
+        <a:font script="Taml" typeface="Latha"/>
+        <a:font script="Syrc" typeface="Estrangelo Edessa"/>
+        <a:font script="Orya" typeface="Kalinga"/>
+        <a:font script="Mlym" typeface="Kartika"/>
+        <a:font script="Laoo" typeface="DokChampa"/>
+        <a:font script="Sinh" typeface="Iskoola Pota"/>
+        <a:font script="Mong" typeface="Mongolian Baiti"/>
+        <a:font script="Viet" typeface="Times New Roman"/>
+        <a:font script="Uigh" typeface="Microsoft Uighur"/>
+        <a:font script="Geor" typeface="Sylfaen"/>
+        <a:font script="Armn" typeface="Arial"/>
+        <a:font script="Bugi" typeface="Leelawadee UI"/>
+        <a:font script="Bopo" typeface="Microsoft JhengHei"/>
+        <a:font script="Java" typeface="Javanese Text"/>
+        <a:font script="Lisu" typeface="Segoe UI"/>
+        <a:font script="Mymr" typeface="Myanmar Text"/>
+        <a:font script="Nkoo" typeface="Ebrima"/>
+        <a:font script="Olck" typeface="Nirmala UI"/>
+        <a:font script="Osma" typeface="Ebrima"/>
+        <a:font script="Phag" typeface="Phagspa"/>
+        <a:font script="Syrn" typeface="Estrangelo Edessa"/>
+        <a:font script="Syrj" typeface="Estrangelo Edessa"/>
+        <a:font script="Syre" typeface="Estrangelo Edessa"/>
+        <a:font script="Sora" typeface="Nirmala UI"/>
+        <a:font script="Tale" typeface="Microsoft Tai Le"/>
+        <a:font script="Talu" typeface="Microsoft New Tai Lue"/>
+        <a:font script="Tfng" typeface="Ebrima"/>
+      </a:majorFont>
+      <a:minorFont>
+        <a:latin typeface="等线" panose="020F0502020204030204"/>
+        <a:ea typeface=""/>
+        <a:cs typeface=""/>
+        <a:font script="Jpan" typeface="游ゴシック"/>
+        <a:font script="Hang" typeface="맑은 고딕"/>
+        <a:font script="Hans" typeface="等线"/>
+        <a:font script="Hant" typeface="新細明體"/>
+        <a:font script="Arab" typeface="Arial"/>
+        <a:font script="Hebr" typeface="Arial"/>
+        <a:font script="Thai" typeface="Cordia New"/>
+        <a:font script="Ethi" typeface="Nyala"/>
+        <a:font script="Beng" typeface="Vrinda"/>
+        <a:font script="Gujr" typeface="Shruti"/>
+        <a:font script="Khmr" typeface="DaunPenh"/>
+        <a:font script="Knda" typeface="Tunga"/>
+        <a:font script="Guru" typeface="Raavi"/>
+        <a:font script="Cans" typeface="Euphemia"/>
+        <a:font script="Cher" typeface="Plantagenet Cherokee"/>
+        <a:font script="Yiii" typeface="Microsoft Yi Baiti"/>
+        <a:font script="Tibt" typeface="Microsoft Himalaya"/>
+        <a:font script="Thaa" typeface="MV Boli"/>
+        <a:font script="Deva" typeface="Mangal"/>
+        <a:font script="Telu" typeface="Gautami"/>
+        <a:font script="Taml" typeface="Latha"/>
+        <a:font script="Syrc" typeface="Estrangelo Edessa"/>
+        <a:font script="Orya" typeface="Kalinga"/>
+        <a:font script="Mlym" typeface="Kartika"/>
+        <a:font script="Laoo" typeface="DokChampa"/>
+        <a:font script="Sinh" typeface="Iskoola Pota"/>
+        <a:font script="Mong" typeface="Mongolian Baiti"/>
+        <a:font script="Viet" typeface="Arial"/>
+        <a:font script="Uigh" typeface="Microsoft Uighur"/>
+        <a:font script="Geor" typeface="Sylfaen"/>
+        <a:font script="Armn" typeface="Arial"/>
+        <a:font script="Bugi" typeface="Leelawadee UI"/>
+        <a:font script="Bopo" typeface="Microsoft JhengHei"/>
+        <a:font script="Java" typeface="Javanese Text"/>
+        <a:font script="Lisu" typeface="Segoe UI"/>
+        <a:font script="Mymr" typeface="Myanmar Text"/>
+        <a:font script="Nkoo" typeface="Ebrima"/>
+        <a:font script="Olck" typeface="Nirmala UI"/>
+        <a:font script="Osma" typeface="Ebrima"/>
+        <a:font script="Phag" typeface="Phagspa"/>
+        <a:font script="Syrn" typeface="Estrangelo Edessa"/>
+        <a:font script="Syrj" typeface="Estrangelo Edessa"/>
+        <a:font script="Syre" typeface="Estrangelo Edessa"/>
+        <a:font script="Sora" typeface="Nirmala UI"/>
+        <a:font script="Tale" typeface="Microsoft Tai Le"/>
+        <a:font script="Talu" typeface="Microsoft New Tai Lue"/>
+        <a:font script="Tfng" typeface="Ebrima"/>
+      </a:minorFont>
+    </a:fontScheme>
+    <a:fmtScheme name="Office">
+      <a:fillStyleLst>
+        <a:solidFill>
+          <a:schemeClr val="phClr"/>
+        </a:solidFill>
+        <a:gradFill rotWithShape="1">
+          <a:gsLst>
+            <a:gs pos="0">
+              <a:schemeClr val="phClr">
+                <a:lumMod val="110000"/>
+                <a:satMod val="105000"/>
+                <a:tint val="67000"/>
+              </a:schemeClr>
+            </a:gs>
+            <a:gs pos="50000">
+              <a:schemeClr val="phClr">
+                <a:lumMod val="105000"/>
+                <a:satMod val="103000"/>
+                <a:tint val="73000"/>
+              </a:schemeClr>
+            </a:gs>
+            <a:gs pos="100000">
+              <a:schemeClr val="phClr">
+                <a:lumMod val="105000"/>
+                <a:satMod val="109000"/>
+                <a:tint val="81000"/>
+              </a:schemeClr>
+            </a:gs>
+          </a:gsLst>
+          <a:lin ang="5400000" scaled="0"/>
+        </a:gradFill>
+        <a:gradFill rotWithShape="1">
+          <a:gsLst>
+            <a:gs pos="0">
+              <a:schemeClr val="phClr">
+                <a:satMod val="103000"/>
+                <a:lumMod val="102000"/>
+                <a:tint val="94000"/>
+              </a:schemeClr>
+            </a:gs>
+            <a:gs pos="50000">
+              <a:schemeClr val="phClr">
+                <a:satMod val="110000"/>
+                <a:lumMod val="100000"/>
+                <a:shade val="100000"/>
+              </a:schemeClr>
+            </a:gs>
+            <a:gs pos="100000">
+              <a:schemeClr val="phClr">
+                <a:lumMod val="99000"/>
+                <a:satMod val="120000"/>
+                <a:shade val="78000"/>
+              </a:schemeClr>
+            </a:gs>
+          </a:gsLst>
+          <a:lin ang="5400000" scaled="0"/>
+        </a:gradFill>
+      </a:fillStyleLst>
+      <a:lnStyleLst>
+        <a:ln w="6350" cap="flat" cmpd="sng" algn="ctr">
+          <a:solidFill>
+            <a:schemeClr val="phClr"/>
+          </a:solidFill>
+          <a:prstDash val="solid"/>
+          <a:miter lim="800000"/>
+        </a:ln>
+        <a:ln w="12700" cap="flat" cmpd="sng" algn="ctr">
+          <a:solidFill>
+            <a:schemeClr val="phClr"/>
+          </a:solidFill>
+          <a:prstDash val="solid"/>
+          <a:miter lim="800000"/>
+        </a:ln>
+        <a:ln w="19050" cap="flat" cmpd="sng" algn="ctr">
+          <a:solidFill>
+            <a:schemeClr val="phClr"/>
+          </a:solidFill>
+          <a:prstDash val="solid"/>
+          <a:miter lim="800000"/>
+        </a:ln>
+      </a:lnStyleLst>
+      <a:effectStyleLst>
+        <a:effectStyle>
+          <a:effectLst/>
+        </a:effectStyle>
+        <a:effectStyle>
+          <a:effectLst/>
+        </a:effectStyle>
+        <a:effectStyle>
+          <a:effectLst>
+            <a:outerShdw blurRad="57150" dist="19050" dir="5400000" algn="ctr" rotWithShape="0">
+              <a:srgbClr val="000000">
+                <a:alpha val="63000"/>
+              </a:srgbClr>
+            </a:outerShdw>
+          </a:effectLst>
+        </a:effectStyle>
+      </a:effectStyleLst>
+      <a:bgFillStyleLst>
+        <a:solidFill>
+          <a:schemeClr val="phClr"/>
+        </a:solidFill>
+        <a:solidFill>
+          <a:schemeClr val="phClr">
+            <a:tint val="95000"/>
+            <a:satMod val="170000"/>
+          </a:schemeClr>
+        </a:solidFill>
+        <a:gradFill rotWithShape="1">
+          <a:gsLst>
+            <a:gs pos="0">
+              <a:schemeClr val="phClr">
+                <a:tint val="93000"/>
+                <a:satMod val="150000"/>
+                <a:shade val="98000"/>
+                <a:lumMod val="102000"/>
+              </a:schemeClr>
+            </a:gs>
+            <a:gs pos="50000">
+              <a:schemeClr val="phClr">
+                <a:tint val="98000"/>
+                <a:satMod val="130000"/>
+                <a:shade val="90000"/>
+                <a:lumMod val="103000"/>
+              </a:schemeClr>
+            </a:gs>
+            <a:gs pos="100000">
+              <a:schemeClr val="phClr">
+                <a:shade val="63000"/>
+                <a:satMod val="120000"/>
+              </a:schemeClr>
+            </a:gs>
+          </a:gsLst>
+          <a:lin ang="5400000" scaled="0"/>
+        </a:gradFill>
+      </a:bgFillStyleLst>
+    </a:fmtScheme>
+  </a:themeElements>
+  <a:objectDefaults/>
+  <a:extraClrSchemeLst/>
+  <a:extLst>
+    <a:ext uri="{05A4C25C-085E-4340-85A3-A5531E510DB2}">
+      <thm15:themeFamily xmlns:thm15="http://schemas.microsoft.com/office/thememl/2012/main" name="Office Theme" id="{62F939B6-93AF-4DB8-9C6B-D6C7DFDC589F}" vid="{4A3C46E8-61CC-4603-A589-7422A47A8E4A}"/>
+    </a:ext>
+  </a:extLst>
+</a:theme>
 </file>
--- a/Cifar10/TestResults.pptx
+++ b/Cifar10/TestResults.pptx
@@ -5,7 +5,7 @@
     <p:sldMasterId id="2147483648" r:id="rId1"/>
   </p:sldMasterIdLst>
   <p:notesMasterIdLst>
-    <p:notesMasterId r:id="rId29"/>
+    <p:notesMasterId r:id="rId34"/>
   </p:notesMasterIdLst>
   <p:sldIdLst>
     <p:sldId id="256" r:id="rId2"/>
@@ -22,19 +22,24 @@
     <p:sldId id="261" r:id="rId13"/>
     <p:sldId id="279" r:id="rId14"/>
     <p:sldId id="262" r:id="rId15"/>
-    <p:sldId id="280" r:id="rId16"/>
-    <p:sldId id="263" r:id="rId17"/>
-    <p:sldId id="266" r:id="rId18"/>
-    <p:sldId id="282" r:id="rId19"/>
-    <p:sldId id="281" r:id="rId20"/>
-    <p:sldId id="286" r:id="rId21"/>
-    <p:sldId id="287" r:id="rId22"/>
-    <p:sldId id="285" r:id="rId23"/>
-    <p:sldId id="288" r:id="rId24"/>
-    <p:sldId id="291" r:id="rId25"/>
-    <p:sldId id="289" r:id="rId26"/>
-    <p:sldId id="292" r:id="rId27"/>
-    <p:sldId id="283" r:id="rId28"/>
+    <p:sldId id="294" r:id="rId16"/>
+    <p:sldId id="280" r:id="rId17"/>
+    <p:sldId id="295" r:id="rId18"/>
+    <p:sldId id="296" r:id="rId19"/>
+    <p:sldId id="297" r:id="rId20"/>
+    <p:sldId id="298" r:id="rId21"/>
+    <p:sldId id="263" r:id="rId22"/>
+    <p:sldId id="266" r:id="rId23"/>
+    <p:sldId id="282" r:id="rId24"/>
+    <p:sldId id="281" r:id="rId25"/>
+    <p:sldId id="286" r:id="rId26"/>
+    <p:sldId id="287" r:id="rId27"/>
+    <p:sldId id="285" r:id="rId28"/>
+    <p:sldId id="288" r:id="rId29"/>
+    <p:sldId id="291" r:id="rId30"/>
+    <p:sldId id="289" r:id="rId31"/>
+    <p:sldId id="292" r:id="rId32"/>
+    <p:sldId id="283" r:id="rId33"/>
   </p:sldIdLst>
   <p:sldSz cx="12192000" cy="6858000"/>
   <p:notesSz cx="6858000" cy="9144000"/>
@@ -223,7 +228,7 @@
           <a:p>
             <a:fld id="{50C6A5AE-AC47-4011-81CD-01C98B10AD8D}" type="datetimeFigureOut">
               <a:rPr lang="zh-CN" altLang="en-US" smtClean="0"/>
-              <a:t>2020/5/4</a:t>
+              <a:t>2020/5/5</a:t>
             </a:fld>
             <a:endParaRPr lang="zh-CN" altLang="en-US"/>
           </a:p>
@@ -567,7 +572,7 @@
           <a:p>
             <a:fld id="{8454D21D-5965-4AFE-A4CD-8D0F7C8AAB39}" type="slidenum">
               <a:rPr lang="zh-CN" altLang="en-US" smtClean="0"/>
-              <a:t>24</a:t>
+              <a:t>29</a:t>
             </a:fld>
             <a:endParaRPr lang="zh-CN" altLang="en-US"/>
           </a:p>
@@ -669,7 +674,7 @@
           <a:p>
             <a:fld id="{8454D21D-5965-4AFE-A4CD-8D0F7C8AAB39}" type="slidenum">
               <a:rPr lang="zh-CN" altLang="en-US" smtClean="0"/>
-              <a:t>25</a:t>
+              <a:t>30</a:t>
             </a:fld>
             <a:endParaRPr lang="zh-CN" altLang="en-US"/>
           </a:p>
@@ -835,7 +840,7 @@
           <a:p>
             <a:fld id="{7D6B30A6-CDC2-4BFC-8644-0135E23227B7}" type="datetimeFigureOut">
               <a:rPr lang="zh-CN" altLang="en-US" smtClean="0"/>
-              <a:t>2020/5/4</a:t>
+              <a:t>2020/5/5</a:t>
             </a:fld>
             <a:endParaRPr lang="zh-CN" altLang="en-US"/>
           </a:p>
@@ -1033,7 +1038,7 @@
           <a:p>
             <a:fld id="{7D6B30A6-CDC2-4BFC-8644-0135E23227B7}" type="datetimeFigureOut">
               <a:rPr lang="zh-CN" altLang="en-US" smtClean="0"/>
-              <a:t>2020/5/4</a:t>
+              <a:t>2020/5/5</a:t>
             </a:fld>
             <a:endParaRPr lang="zh-CN" altLang="en-US"/>
           </a:p>
@@ -1241,7 +1246,7 @@
           <a:p>
             <a:fld id="{7D6B30A6-CDC2-4BFC-8644-0135E23227B7}" type="datetimeFigureOut">
               <a:rPr lang="zh-CN" altLang="en-US" smtClean="0"/>
-              <a:t>2020/5/4</a:t>
+              <a:t>2020/5/5</a:t>
             </a:fld>
             <a:endParaRPr lang="zh-CN" altLang="en-US"/>
           </a:p>
@@ -1439,7 +1444,7 @@
           <a:p>
             <a:fld id="{7D6B30A6-CDC2-4BFC-8644-0135E23227B7}" type="datetimeFigureOut">
               <a:rPr lang="zh-CN" altLang="en-US" smtClean="0"/>
-              <a:t>2020/5/4</a:t>
+              <a:t>2020/5/5</a:t>
             </a:fld>
             <a:endParaRPr lang="zh-CN" altLang="en-US"/>
           </a:p>
@@ -1714,7 +1719,7 @@
           <a:p>
             <a:fld id="{7D6B30A6-CDC2-4BFC-8644-0135E23227B7}" type="datetimeFigureOut">
               <a:rPr lang="zh-CN" altLang="en-US" smtClean="0"/>
-              <a:t>2020/5/4</a:t>
+              <a:t>2020/5/5</a:t>
             </a:fld>
             <a:endParaRPr lang="zh-CN" altLang="en-US"/>
           </a:p>
@@ -1979,7 +1984,7 @@
           <a:p>
             <a:fld id="{7D6B30A6-CDC2-4BFC-8644-0135E23227B7}" type="datetimeFigureOut">
               <a:rPr lang="zh-CN" altLang="en-US" smtClean="0"/>
-              <a:t>2020/5/4</a:t>
+              <a:t>2020/5/5</a:t>
             </a:fld>
             <a:endParaRPr lang="zh-CN" altLang="en-US"/>
           </a:p>
@@ -2391,7 +2396,7 @@
           <a:p>
             <a:fld id="{7D6B30A6-CDC2-4BFC-8644-0135E23227B7}" type="datetimeFigureOut">
               <a:rPr lang="zh-CN" altLang="en-US" smtClean="0"/>
-              <a:t>2020/5/4</a:t>
+              <a:t>2020/5/5</a:t>
             </a:fld>
             <a:endParaRPr lang="zh-CN" altLang="en-US"/>
           </a:p>
@@ -2532,7 +2537,7 @@
           <a:p>
             <a:fld id="{7D6B30A6-CDC2-4BFC-8644-0135E23227B7}" type="datetimeFigureOut">
               <a:rPr lang="zh-CN" altLang="en-US" smtClean="0"/>
-              <a:t>2020/5/4</a:t>
+              <a:t>2020/5/5</a:t>
             </a:fld>
             <a:endParaRPr lang="zh-CN" altLang="en-US"/>
           </a:p>
@@ -2645,7 +2650,7 @@
           <a:p>
             <a:fld id="{7D6B30A6-CDC2-4BFC-8644-0135E23227B7}" type="datetimeFigureOut">
               <a:rPr lang="zh-CN" altLang="en-US" smtClean="0"/>
-              <a:t>2020/5/4</a:t>
+              <a:t>2020/5/5</a:t>
             </a:fld>
             <a:endParaRPr lang="zh-CN" altLang="en-US"/>
           </a:p>
@@ -2956,7 +2961,7 @@
           <a:p>
             <a:fld id="{7D6B30A6-CDC2-4BFC-8644-0135E23227B7}" type="datetimeFigureOut">
               <a:rPr lang="zh-CN" altLang="en-US" smtClean="0"/>
-              <a:t>2020/5/4</a:t>
+              <a:t>2020/5/5</a:t>
             </a:fld>
             <a:endParaRPr lang="zh-CN" altLang="en-US"/>
           </a:p>
@@ -3244,7 +3249,7 @@
           <a:p>
             <a:fld id="{7D6B30A6-CDC2-4BFC-8644-0135E23227B7}" type="datetimeFigureOut">
               <a:rPr lang="zh-CN" altLang="en-US" smtClean="0"/>
-              <a:t>2020/5/4</a:t>
+              <a:t>2020/5/5</a:t>
             </a:fld>
             <a:endParaRPr lang="zh-CN" altLang="en-US"/>
           </a:p>
@@ -3485,7 +3490,7 @@
           <a:p>
             <a:fld id="{7D6B30A6-CDC2-4BFC-8644-0135E23227B7}" type="datetimeFigureOut">
               <a:rPr lang="zh-CN" altLang="en-US" smtClean="0"/>
-              <a:t>2020/5/4</a:t>
+              <a:t>2020/5/5</a:t>
             </a:fld>
             <a:endParaRPr lang="zh-CN" altLang="en-US"/>
           </a:p>
@@ -3952,7 +3957,11 @@
           <a:bodyPr/>
           <a:lstStyle/>
           <a:p>
-            <a:endParaRPr lang="zh-CN" altLang="en-US"/>
+            <a:r>
+              <a:rPr lang="en-US" altLang="zh-CN" dirty="0"/>
+              <a:t>2020/5/6</a:t>
+            </a:r>
+            <a:endParaRPr lang="zh-CN" altLang="en-US" dirty="0"/>
           </a:p>
         </p:txBody>
       </p:sp>
@@ -5289,16 +5298,63 @@
           <a:p>
             <a:r>
               <a:rPr lang="en-US" altLang="zh-CN" dirty="0"/>
-              <a:t>Share data1 1/</a:t>
+              <a:t>Share data1 1/4</a:t>
             </a:r>
             <a:endParaRPr lang="zh-CN" altLang="en-US" dirty="0"/>
           </a:p>
         </p:txBody>
       </p:sp>
+      <p:pic>
+        <p:nvPicPr>
+          <p:cNvPr id="1026" name="Picture 2">
+            <a:extLst>
+              <a:ext uri="{FF2B5EF4-FFF2-40B4-BE49-F238E27FC236}">
+                <a16:creationId xmlns:a16="http://schemas.microsoft.com/office/drawing/2014/main" id="{FBEBBC33-1FBB-4F9B-BF13-8475E915DB18}"/>
+              </a:ext>
+            </a:extLst>
+          </p:cNvPr>
+          <p:cNvPicPr>
+            <a:picLocks noChangeAspect="1" noChangeArrowheads="1"/>
+          </p:cNvPicPr>
+          <p:nvPr/>
+        </p:nvPicPr>
+        <p:blipFill>
+          <a:blip r:embed="rId2">
+            <a:extLst>
+              <a:ext uri="{28A0092B-C50C-407E-A947-70E740481C1C}">
+                <a14:useLocalDpi xmlns:a14="http://schemas.microsoft.com/office/drawing/2010/main" val="0"/>
+              </a:ext>
+            </a:extLst>
+          </a:blip>
+          <a:srcRect/>
+          <a:stretch>
+            <a:fillRect/>
+          </a:stretch>
+        </p:blipFill>
+        <p:spPr bwMode="auto">
+          <a:xfrm>
+            <a:off x="0" y="1690688"/>
+            <a:ext cx="12203721" cy="4328867"/>
+          </a:xfrm>
+          <a:prstGeom prst="rect">
+            <a:avLst/>
+          </a:prstGeom>
+          <a:noFill/>
+          <a:extLst>
+            <a:ext uri="{909E8E84-426E-40DD-AFC4-6F175D3DCCD1}">
+              <a14:hiddenFill xmlns:a14="http://schemas.microsoft.com/office/drawing/2010/main">
+                <a:solidFill>
+                  <a:srgbClr val="FFFFFF"/>
+                </a:solidFill>
+              </a14:hiddenFill>
+            </a:ext>
+          </a:extLst>
+        </p:spPr>
+      </p:pic>
     </p:spTree>
     <p:extLst>
       <p:ext uri="{BB962C8B-B14F-4D97-AF65-F5344CB8AC3E}">
-        <p14:creationId xmlns:p14="http://schemas.microsoft.com/office/powerpoint/2010/main" val="3879912538"/>
+        <p14:creationId xmlns:p14="http://schemas.microsoft.com/office/powerpoint/2010/main" val="1958610085"/>
       </p:ext>
     </p:extLst>
   </p:cSld>
@@ -5330,7 +5386,7 @@
           <p:cNvPr id="2" name="标题 1">
             <a:extLst>
               <a:ext uri="{FF2B5EF4-FFF2-40B4-BE49-F238E27FC236}">
-                <a16:creationId xmlns:a16="http://schemas.microsoft.com/office/drawing/2014/main" id="{FDBDF9CE-045B-4932-BBDF-5C6982733BDC}"/>
+                <a16:creationId xmlns:a16="http://schemas.microsoft.com/office/drawing/2014/main" id="{2D11BB3A-A2C8-41D7-AAF7-824B7B5CEF02}"/>
               </a:ext>
             </a:extLst>
           </p:cNvPr>
@@ -5348,663 +5404,52 @@
           <a:p>
             <a:r>
               <a:rPr lang="en-US" altLang="zh-CN" dirty="0"/>
-              <a:t>Delayed Update</a:t>
+              <a:t>Share data1 2/4</a:t>
             </a:r>
             <a:endParaRPr lang="zh-CN" altLang="en-US" dirty="0"/>
           </a:p>
         </p:txBody>
       </p:sp>
-      <p:sp>
-        <p:nvSpPr>
-          <p:cNvPr id="4" name="内容占位符 2">
-            <a:extLst>
-              <a:ext uri="{FF2B5EF4-FFF2-40B4-BE49-F238E27FC236}">
-                <a16:creationId xmlns:a16="http://schemas.microsoft.com/office/drawing/2014/main" id="{C3C4E09F-7D67-4FDD-BA22-4228F3AD6322}"/>
-              </a:ext>
-            </a:extLst>
-          </p:cNvPr>
-          <p:cNvSpPr>
-            <a:spLocks noGrp="1"/>
-          </p:cNvSpPr>
-          <p:nvPr>
-            <p:ph idx="1"/>
-          </p:nvPr>
-        </p:nvSpPr>
-        <p:spPr>
-          <a:xfrm>
-            <a:off x="838200" y="1825625"/>
-            <a:ext cx="3488703" cy="4351338"/>
-          </a:xfrm>
-        </p:spPr>
-        <p:txBody>
-          <a:bodyPr/>
-          <a:lstStyle/>
-          <a:p>
-            <a:r>
-              <a:rPr lang="en-US" altLang="zh-CN" dirty="0"/>
-              <a:t>40 worker nodes</a:t>
-            </a:r>
-          </a:p>
-          <a:p>
-            <a:r>
-              <a:rPr lang="en-US" altLang="zh-CN" dirty="0"/>
-              <a:t>4000 training data</a:t>
-            </a:r>
-          </a:p>
-          <a:p>
-            <a:r>
-              <a:rPr lang="en-US" altLang="zh-CN" dirty="0"/>
-              <a:t>10000 testing data</a:t>
-            </a:r>
-          </a:p>
-          <a:p>
-            <a:r>
-              <a:rPr lang="en-US" altLang="zh-CN" dirty="0"/>
-              <a:t>Early stop = 500</a:t>
-            </a:r>
-          </a:p>
-          <a:p>
-            <a:r>
-              <a:rPr lang="en-US" altLang="zh-CN" dirty="0"/>
-              <a:t>Local step = 1</a:t>
-            </a:r>
-          </a:p>
-        </p:txBody>
-      </p:sp>
-      <p:sp>
-        <p:nvSpPr>
-          <p:cNvPr id="5" name="矩形: 圆角 4">
-            <a:extLst>
-              <a:ext uri="{FF2B5EF4-FFF2-40B4-BE49-F238E27FC236}">
-                <a16:creationId xmlns:a16="http://schemas.microsoft.com/office/drawing/2014/main" id="{868D413E-6E22-4398-852A-3CAE5A7CAE3A}"/>
-              </a:ext>
-            </a:extLst>
-          </p:cNvPr>
-          <p:cNvSpPr/>
+      <p:pic>
+        <p:nvPicPr>
+          <p:cNvPr id="4" name="图片 3">
+            <a:extLst>
+              <a:ext uri="{FF2B5EF4-FFF2-40B4-BE49-F238E27FC236}">
+                <a16:creationId xmlns:a16="http://schemas.microsoft.com/office/drawing/2014/main" id="{431FE8A0-58FF-461D-8817-0EFDB8180795}"/>
+              </a:ext>
+            </a:extLst>
+          </p:cNvPr>
+          <p:cNvPicPr>
+            <a:picLocks noChangeAspect="1"/>
+          </p:cNvPicPr>
           <p:nvPr/>
-        </p:nvSpPr>
-        <p:spPr>
-          <a:xfrm>
-            <a:off x="4454953" y="2344278"/>
-            <a:ext cx="1718822" cy="669302"/>
-          </a:xfrm>
-          <a:prstGeom prst="roundRect">
+        </p:nvPicPr>
+        <p:blipFill>
+          <a:blip r:embed="rId2">
+            <a:extLst>
+              <a:ext uri="{28A0092B-C50C-407E-A947-70E740481C1C}">
+                <a14:useLocalDpi xmlns:a14="http://schemas.microsoft.com/office/drawing/2010/main" val="0"/>
+              </a:ext>
+            </a:extLst>
+          </a:blip>
+          <a:stretch>
+            <a:fillRect/>
+          </a:stretch>
+        </p:blipFill>
+        <p:spPr>
+          <a:xfrm>
+            <a:off x="0" y="1690688"/>
+            <a:ext cx="12192000" cy="4324709"/>
+          </a:xfrm>
+          <a:prstGeom prst="rect">
             <a:avLst/>
           </a:prstGeom>
         </p:spPr>
-        <p:style>
-          <a:lnRef idx="2">
-            <a:schemeClr val="accent1">
-              <a:shade val="50000"/>
-            </a:schemeClr>
-          </a:lnRef>
-          <a:fillRef idx="1">
-            <a:schemeClr val="accent1"/>
-          </a:fillRef>
-          <a:effectRef idx="0">
-            <a:schemeClr val="accent1"/>
-          </a:effectRef>
-          <a:fontRef idx="minor">
-            <a:schemeClr val="lt1"/>
-          </a:fontRef>
-        </p:style>
-        <p:txBody>
-          <a:bodyPr rtlCol="0" anchor="ctr"/>
-          <a:lstStyle/>
-          <a:p>
-            <a:pPr algn="ctr"/>
-            <a:r>
-              <a:rPr lang="en-US" altLang="zh-CN" sz="2800" dirty="0"/>
-              <a:t>If </a:t>
-            </a:r>
-            <a:r>
-              <a:rPr lang="en-US" altLang="zh-CN" sz="2800" dirty="0" err="1"/>
-              <a:t>iid</a:t>
-            </a:r>
-            <a:r>
-              <a:rPr lang="en-US" altLang="zh-CN" sz="2800" dirty="0"/>
-              <a:t>?</a:t>
-            </a:r>
-            <a:endParaRPr lang="zh-CN" altLang="en-US" sz="2800" dirty="0"/>
-          </a:p>
-        </p:txBody>
-      </p:sp>
-      <p:sp>
-        <p:nvSpPr>
-          <p:cNvPr id="6" name="矩形: 剪去对角 5">
-            <a:extLst>
-              <a:ext uri="{FF2B5EF4-FFF2-40B4-BE49-F238E27FC236}">
-                <a16:creationId xmlns:a16="http://schemas.microsoft.com/office/drawing/2014/main" id="{04AFBB55-D737-4A30-8406-FDD002372014}"/>
-              </a:ext>
-            </a:extLst>
-          </p:cNvPr>
-          <p:cNvSpPr/>
-          <p:nvPr/>
-        </p:nvSpPr>
-        <p:spPr>
-          <a:xfrm>
-            <a:off x="4788028" y="3432782"/>
-            <a:ext cx="1075444" cy="575034"/>
-          </a:xfrm>
-          <a:prstGeom prst="snip2DiagRect">
-            <a:avLst/>
-          </a:prstGeom>
-        </p:spPr>
-        <p:style>
-          <a:lnRef idx="2">
-            <a:schemeClr val="accent1"/>
-          </a:lnRef>
-          <a:fillRef idx="1">
-            <a:schemeClr val="lt1"/>
-          </a:fillRef>
-          <a:effectRef idx="0">
-            <a:schemeClr val="accent1"/>
-          </a:effectRef>
-          <a:fontRef idx="minor">
-            <a:schemeClr val="dk1"/>
-          </a:fontRef>
-        </p:style>
-        <p:txBody>
-          <a:bodyPr rtlCol="0" anchor="ctr"/>
-          <a:lstStyle/>
-          <a:p>
-            <a:pPr algn="ctr"/>
-            <a:r>
-              <a:rPr lang="en-US" altLang="zh-CN" sz="2800" dirty="0"/>
-              <a:t>2</a:t>
-            </a:r>
-            <a:endParaRPr lang="zh-CN" altLang="en-US" sz="2800" dirty="0"/>
-          </a:p>
-        </p:txBody>
-      </p:sp>
-      <p:sp>
-        <p:nvSpPr>
-          <p:cNvPr id="7" name="矩形: 剪去对角 6">
-            <a:extLst>
-              <a:ext uri="{FF2B5EF4-FFF2-40B4-BE49-F238E27FC236}">
-                <a16:creationId xmlns:a16="http://schemas.microsoft.com/office/drawing/2014/main" id="{12454626-78AE-40E3-9B45-E4B0B4C84560}"/>
-              </a:ext>
-            </a:extLst>
-          </p:cNvPr>
-          <p:cNvSpPr/>
-          <p:nvPr/>
-        </p:nvSpPr>
-        <p:spPr>
-          <a:xfrm>
-            <a:off x="4788028" y="4235631"/>
-            <a:ext cx="1075444" cy="575034"/>
-          </a:xfrm>
-          <a:prstGeom prst="snip2DiagRect">
-            <a:avLst/>
-          </a:prstGeom>
-        </p:spPr>
-        <p:style>
-          <a:lnRef idx="2">
-            <a:schemeClr val="accent1"/>
-          </a:lnRef>
-          <a:fillRef idx="1">
-            <a:schemeClr val="lt1"/>
-          </a:fillRef>
-          <a:effectRef idx="0">
-            <a:schemeClr val="accent1"/>
-          </a:effectRef>
-          <a:fontRef idx="minor">
-            <a:schemeClr val="dk1"/>
-          </a:fontRef>
-        </p:style>
-        <p:txBody>
-          <a:bodyPr rtlCol="0" anchor="ctr"/>
-          <a:lstStyle/>
-          <a:p>
-            <a:pPr algn="ctr"/>
-            <a:r>
-              <a:rPr lang="en-US" altLang="zh-CN" sz="2800" dirty="0"/>
-              <a:t>5</a:t>
-            </a:r>
-            <a:endParaRPr lang="zh-CN" altLang="en-US" sz="2800" dirty="0"/>
-          </a:p>
-        </p:txBody>
-      </p:sp>
-      <p:sp>
-        <p:nvSpPr>
-          <p:cNvPr id="8" name="矩形: 剪去对角 7">
-            <a:extLst>
-              <a:ext uri="{FF2B5EF4-FFF2-40B4-BE49-F238E27FC236}">
-                <a16:creationId xmlns:a16="http://schemas.microsoft.com/office/drawing/2014/main" id="{538CD5B3-6E2D-40E9-A95B-B08ACAB4BE2F}"/>
-              </a:ext>
-            </a:extLst>
-          </p:cNvPr>
-          <p:cNvSpPr/>
-          <p:nvPr/>
-        </p:nvSpPr>
-        <p:spPr>
-          <a:xfrm>
-            <a:off x="4788028" y="5038481"/>
-            <a:ext cx="1075444" cy="575034"/>
-          </a:xfrm>
-          <a:prstGeom prst="snip2DiagRect">
-            <a:avLst/>
-          </a:prstGeom>
-        </p:spPr>
-        <p:style>
-          <a:lnRef idx="2">
-            <a:schemeClr val="accent1"/>
-          </a:lnRef>
-          <a:fillRef idx="1">
-            <a:schemeClr val="lt1"/>
-          </a:fillRef>
-          <a:effectRef idx="0">
-            <a:schemeClr val="accent1"/>
-          </a:effectRef>
-          <a:fontRef idx="minor">
-            <a:schemeClr val="dk1"/>
-          </a:fontRef>
-        </p:style>
-        <p:txBody>
-          <a:bodyPr rtlCol="0" anchor="ctr"/>
-          <a:lstStyle/>
-          <a:p>
-            <a:pPr algn="ctr"/>
-            <a:r>
-              <a:rPr lang="en-US" altLang="zh-CN" sz="2800" dirty="0" err="1"/>
-              <a:t>iid</a:t>
-            </a:r>
-            <a:endParaRPr lang="zh-CN" altLang="en-US" sz="2800" dirty="0"/>
-          </a:p>
-        </p:txBody>
-      </p:sp>
-      <p:sp>
-        <p:nvSpPr>
-          <p:cNvPr id="9" name="矩形: 圆角 8">
-            <a:extLst>
-              <a:ext uri="{FF2B5EF4-FFF2-40B4-BE49-F238E27FC236}">
-                <a16:creationId xmlns:a16="http://schemas.microsoft.com/office/drawing/2014/main" id="{B8879A69-5B42-4C9E-8210-C28B970C2325}"/>
-              </a:ext>
-            </a:extLst>
-          </p:cNvPr>
-          <p:cNvSpPr/>
-          <p:nvPr/>
-        </p:nvSpPr>
-        <p:spPr>
-          <a:xfrm>
-            <a:off x="6634116" y="1928858"/>
-            <a:ext cx="2170520" cy="1084722"/>
-          </a:xfrm>
-          <a:prstGeom prst="roundRect">
-            <a:avLst/>
-          </a:prstGeom>
-        </p:spPr>
-        <p:style>
-          <a:lnRef idx="2">
-            <a:schemeClr val="accent1">
-              <a:shade val="50000"/>
-            </a:schemeClr>
-          </a:lnRef>
-          <a:fillRef idx="1">
-            <a:schemeClr val="accent1"/>
-          </a:fillRef>
-          <a:effectRef idx="0">
-            <a:schemeClr val="accent1"/>
-          </a:effectRef>
-          <a:fontRef idx="minor">
-            <a:schemeClr val="lt1"/>
-          </a:fontRef>
-        </p:style>
-        <p:txBody>
-          <a:bodyPr rtlCol="0" anchor="ctr"/>
-          <a:lstStyle/>
-          <a:p>
-            <a:pPr algn="ctr"/>
-            <a:r>
-              <a:rPr lang="en-US" altLang="zh-CN" sz="2800" dirty="0"/>
-              <a:t>Delay Proportion</a:t>
-            </a:r>
-            <a:endParaRPr lang="zh-CN" altLang="en-US" sz="2800" dirty="0"/>
-          </a:p>
-        </p:txBody>
-      </p:sp>
-      <p:sp>
-        <p:nvSpPr>
-          <p:cNvPr id="10" name="矩形: 圆角 9">
-            <a:extLst>
-              <a:ext uri="{FF2B5EF4-FFF2-40B4-BE49-F238E27FC236}">
-                <a16:creationId xmlns:a16="http://schemas.microsoft.com/office/drawing/2014/main" id="{CA16E15D-C82B-40E3-BCA1-0B982FEB0A8E}"/>
-              </a:ext>
-            </a:extLst>
-          </p:cNvPr>
-          <p:cNvSpPr/>
-          <p:nvPr/>
-        </p:nvSpPr>
-        <p:spPr>
-          <a:xfrm>
-            <a:off x="9183280" y="1928858"/>
-            <a:ext cx="2170520" cy="1084722"/>
-          </a:xfrm>
-          <a:prstGeom prst="roundRect">
-            <a:avLst/>
-          </a:prstGeom>
-        </p:spPr>
-        <p:style>
-          <a:lnRef idx="2">
-            <a:schemeClr val="accent1">
-              <a:shade val="50000"/>
-            </a:schemeClr>
-          </a:lnRef>
-          <a:fillRef idx="1">
-            <a:schemeClr val="accent1"/>
-          </a:fillRef>
-          <a:effectRef idx="0">
-            <a:schemeClr val="accent1"/>
-          </a:effectRef>
-          <a:fontRef idx="minor">
-            <a:schemeClr val="lt1"/>
-          </a:fontRef>
-        </p:style>
-        <p:txBody>
-          <a:bodyPr rtlCol="0" anchor="ctr"/>
-          <a:lstStyle/>
-          <a:p>
-            <a:pPr algn="ctr"/>
-            <a:r>
-              <a:rPr lang="en-US" altLang="zh-CN" sz="2800" dirty="0"/>
-              <a:t>Delay Speed</a:t>
-            </a:r>
-            <a:endParaRPr lang="zh-CN" altLang="en-US" sz="2800" dirty="0"/>
-          </a:p>
-        </p:txBody>
-      </p:sp>
-      <p:sp>
-        <p:nvSpPr>
-          <p:cNvPr id="11" name="矩形: 剪去对角 10">
-            <a:extLst>
-              <a:ext uri="{FF2B5EF4-FFF2-40B4-BE49-F238E27FC236}">
-                <a16:creationId xmlns:a16="http://schemas.microsoft.com/office/drawing/2014/main" id="{D2E72A95-5CD2-4D55-A7F1-B46420C741BE}"/>
-              </a:ext>
-            </a:extLst>
-          </p:cNvPr>
-          <p:cNvSpPr/>
-          <p:nvPr/>
-        </p:nvSpPr>
-        <p:spPr>
-          <a:xfrm>
-            <a:off x="7221714" y="3429000"/>
-            <a:ext cx="1075444" cy="575034"/>
-          </a:xfrm>
-          <a:prstGeom prst="snip2DiagRect">
-            <a:avLst/>
-          </a:prstGeom>
-        </p:spPr>
-        <p:style>
-          <a:lnRef idx="2">
-            <a:schemeClr val="accent1"/>
-          </a:lnRef>
-          <a:fillRef idx="1">
-            <a:schemeClr val="lt1"/>
-          </a:fillRef>
-          <a:effectRef idx="0">
-            <a:schemeClr val="accent1"/>
-          </a:effectRef>
-          <a:fontRef idx="minor">
-            <a:schemeClr val="dk1"/>
-          </a:fontRef>
-        </p:style>
-        <p:txBody>
-          <a:bodyPr rtlCol="0" anchor="ctr"/>
-          <a:lstStyle/>
-          <a:p>
-            <a:pPr algn="ctr"/>
-            <a:r>
-              <a:rPr lang="en-US" altLang="zh-CN" sz="2800" dirty="0"/>
-              <a:t>20%</a:t>
-            </a:r>
-            <a:endParaRPr lang="zh-CN" altLang="en-US" sz="2800" dirty="0"/>
-          </a:p>
-        </p:txBody>
-      </p:sp>
-      <p:sp>
-        <p:nvSpPr>
-          <p:cNvPr id="12" name="矩形: 剪去对角 11">
-            <a:extLst>
-              <a:ext uri="{FF2B5EF4-FFF2-40B4-BE49-F238E27FC236}">
-                <a16:creationId xmlns:a16="http://schemas.microsoft.com/office/drawing/2014/main" id="{C8E1A706-25AD-4962-ADE6-78A2503BE983}"/>
-              </a:ext>
-            </a:extLst>
-          </p:cNvPr>
-          <p:cNvSpPr/>
-          <p:nvPr/>
-        </p:nvSpPr>
-        <p:spPr>
-          <a:xfrm>
-            <a:off x="7221714" y="4231849"/>
-            <a:ext cx="1075444" cy="575034"/>
-          </a:xfrm>
-          <a:prstGeom prst="snip2DiagRect">
-            <a:avLst/>
-          </a:prstGeom>
-        </p:spPr>
-        <p:style>
-          <a:lnRef idx="2">
-            <a:schemeClr val="accent1"/>
-          </a:lnRef>
-          <a:fillRef idx="1">
-            <a:schemeClr val="lt1"/>
-          </a:fillRef>
-          <a:effectRef idx="0">
-            <a:schemeClr val="accent1"/>
-          </a:effectRef>
-          <a:fontRef idx="minor">
-            <a:schemeClr val="dk1"/>
-          </a:fontRef>
-        </p:style>
-        <p:txBody>
-          <a:bodyPr rtlCol="0" anchor="ctr"/>
-          <a:lstStyle/>
-          <a:p>
-            <a:pPr algn="ctr"/>
-            <a:r>
-              <a:rPr lang="en-US" altLang="zh-CN" sz="2800" dirty="0"/>
-              <a:t>50%</a:t>
-            </a:r>
-            <a:endParaRPr lang="zh-CN" altLang="en-US" sz="2800" dirty="0"/>
-          </a:p>
-        </p:txBody>
-      </p:sp>
-      <p:sp>
-        <p:nvSpPr>
-          <p:cNvPr id="13" name="矩形: 剪去对角 12">
-            <a:extLst>
-              <a:ext uri="{FF2B5EF4-FFF2-40B4-BE49-F238E27FC236}">
-                <a16:creationId xmlns:a16="http://schemas.microsoft.com/office/drawing/2014/main" id="{40C9B294-F06F-48AA-83F4-C784638C1AE7}"/>
-              </a:ext>
-            </a:extLst>
-          </p:cNvPr>
-          <p:cNvSpPr/>
-          <p:nvPr/>
-        </p:nvSpPr>
-        <p:spPr>
-          <a:xfrm>
-            <a:off x="7221714" y="5034699"/>
-            <a:ext cx="1075444" cy="575034"/>
-          </a:xfrm>
-          <a:prstGeom prst="snip2DiagRect">
-            <a:avLst/>
-          </a:prstGeom>
-        </p:spPr>
-        <p:style>
-          <a:lnRef idx="2">
-            <a:schemeClr val="accent1"/>
-          </a:lnRef>
-          <a:fillRef idx="1">
-            <a:schemeClr val="lt1"/>
-          </a:fillRef>
-          <a:effectRef idx="0">
-            <a:schemeClr val="accent1"/>
-          </a:effectRef>
-          <a:fontRef idx="minor">
-            <a:schemeClr val="dk1"/>
-          </a:fontRef>
-        </p:style>
-        <p:txBody>
-          <a:bodyPr rtlCol="0" anchor="ctr"/>
-          <a:lstStyle/>
-          <a:p>
-            <a:pPr algn="ctr"/>
-            <a:r>
-              <a:rPr lang="en-US" altLang="zh-CN" sz="2800" dirty="0"/>
-              <a:t>80%</a:t>
-            </a:r>
-            <a:endParaRPr lang="zh-CN" altLang="en-US" sz="2800" dirty="0"/>
-          </a:p>
-        </p:txBody>
-      </p:sp>
-      <p:sp>
-        <p:nvSpPr>
-          <p:cNvPr id="14" name="矩形: 剪去对角 13">
-            <a:extLst>
-              <a:ext uri="{FF2B5EF4-FFF2-40B4-BE49-F238E27FC236}">
-                <a16:creationId xmlns:a16="http://schemas.microsoft.com/office/drawing/2014/main" id="{0865B9C5-3540-4A97-B2E1-A3C163F414D0}"/>
-              </a:ext>
-            </a:extLst>
-          </p:cNvPr>
-          <p:cNvSpPr/>
-          <p:nvPr/>
-        </p:nvSpPr>
-        <p:spPr>
-          <a:xfrm>
-            <a:off x="9655400" y="3429000"/>
-            <a:ext cx="1075444" cy="575034"/>
-          </a:xfrm>
-          <a:prstGeom prst="snip2DiagRect">
-            <a:avLst/>
-          </a:prstGeom>
-        </p:spPr>
-        <p:style>
-          <a:lnRef idx="2">
-            <a:schemeClr val="accent1"/>
-          </a:lnRef>
-          <a:fillRef idx="1">
-            <a:schemeClr val="lt1"/>
-          </a:fillRef>
-          <a:effectRef idx="0">
-            <a:schemeClr val="accent1"/>
-          </a:effectRef>
-          <a:fontRef idx="minor">
-            <a:schemeClr val="dk1"/>
-          </a:fontRef>
-        </p:style>
-        <p:txBody>
-          <a:bodyPr rtlCol="0" anchor="ctr"/>
-          <a:lstStyle/>
-          <a:p>
-            <a:pPr algn="ctr"/>
-            <a:r>
-              <a:rPr lang="en-US" altLang="zh-CN" sz="2800" dirty="0"/>
-              <a:t>3</a:t>
-            </a:r>
-            <a:endParaRPr lang="zh-CN" altLang="en-US" sz="2800" dirty="0"/>
-          </a:p>
-        </p:txBody>
-      </p:sp>
-      <p:sp>
-        <p:nvSpPr>
-          <p:cNvPr id="15" name="矩形: 剪去对角 14">
-            <a:extLst>
-              <a:ext uri="{FF2B5EF4-FFF2-40B4-BE49-F238E27FC236}">
-                <a16:creationId xmlns:a16="http://schemas.microsoft.com/office/drawing/2014/main" id="{AB262FBE-A8F8-4379-8E2D-4BF82FE8CD99}"/>
-              </a:ext>
-            </a:extLst>
-          </p:cNvPr>
-          <p:cNvSpPr/>
-          <p:nvPr/>
-        </p:nvSpPr>
-        <p:spPr>
-          <a:xfrm>
-            <a:off x="9655400" y="4231849"/>
-            <a:ext cx="1075444" cy="575034"/>
-          </a:xfrm>
-          <a:prstGeom prst="snip2DiagRect">
-            <a:avLst/>
-          </a:prstGeom>
-        </p:spPr>
-        <p:style>
-          <a:lnRef idx="2">
-            <a:schemeClr val="accent1"/>
-          </a:lnRef>
-          <a:fillRef idx="1">
-            <a:schemeClr val="lt1"/>
-          </a:fillRef>
-          <a:effectRef idx="0">
-            <a:schemeClr val="accent1"/>
-          </a:effectRef>
-          <a:fontRef idx="minor">
-            <a:schemeClr val="dk1"/>
-          </a:fontRef>
-        </p:style>
-        <p:txBody>
-          <a:bodyPr rtlCol="0" anchor="ctr"/>
-          <a:lstStyle/>
-          <a:p>
-            <a:pPr algn="ctr"/>
-            <a:r>
-              <a:rPr lang="en-US" altLang="zh-CN" sz="2800" dirty="0"/>
-              <a:t>12</a:t>
-            </a:r>
-            <a:endParaRPr lang="zh-CN" altLang="en-US" sz="2800" dirty="0"/>
-          </a:p>
-        </p:txBody>
-      </p:sp>
-      <p:sp>
-        <p:nvSpPr>
-          <p:cNvPr id="16" name="矩形: 剪去对角 15">
-            <a:extLst>
-              <a:ext uri="{FF2B5EF4-FFF2-40B4-BE49-F238E27FC236}">
-                <a16:creationId xmlns:a16="http://schemas.microsoft.com/office/drawing/2014/main" id="{0E9B05BB-7327-4FF9-9B25-F601DA032445}"/>
-              </a:ext>
-            </a:extLst>
-          </p:cNvPr>
-          <p:cNvSpPr/>
-          <p:nvPr/>
-        </p:nvSpPr>
-        <p:spPr>
-          <a:xfrm>
-            <a:off x="9655400" y="5034699"/>
-            <a:ext cx="1075444" cy="575034"/>
-          </a:xfrm>
-          <a:prstGeom prst="snip2DiagRect">
-            <a:avLst/>
-          </a:prstGeom>
-        </p:spPr>
-        <p:style>
-          <a:lnRef idx="2">
-            <a:schemeClr val="accent1"/>
-          </a:lnRef>
-          <a:fillRef idx="1">
-            <a:schemeClr val="lt1"/>
-          </a:fillRef>
-          <a:effectRef idx="0">
-            <a:schemeClr val="accent1"/>
-          </a:effectRef>
-          <a:fontRef idx="minor">
-            <a:schemeClr val="dk1"/>
-          </a:fontRef>
-        </p:style>
-        <p:txBody>
-          <a:bodyPr rtlCol="0" anchor="ctr"/>
-          <a:lstStyle/>
-          <a:p>
-            <a:pPr algn="ctr"/>
-            <a:r>
-              <a:rPr lang="en-US" altLang="zh-CN" sz="2800" dirty="0"/>
-              <a:t>30</a:t>
-            </a:r>
-            <a:endParaRPr lang="zh-CN" altLang="en-US" sz="2800" dirty="0"/>
-          </a:p>
-        </p:txBody>
-      </p:sp>
+      </p:pic>
     </p:spTree>
     <p:extLst>
       <p:ext uri="{BB962C8B-B14F-4D97-AF65-F5344CB8AC3E}">
-        <p14:creationId xmlns:p14="http://schemas.microsoft.com/office/powerpoint/2010/main" val="2650658434"/>
+        <p14:creationId xmlns:p14="http://schemas.microsoft.com/office/powerpoint/2010/main" val="3879912538"/>
       </p:ext>
     </p:extLst>
   </p:cSld>
@@ -6036,7 +5481,7 @@
           <p:cNvPr id="2" name="标题 1">
             <a:extLst>
               <a:ext uri="{FF2B5EF4-FFF2-40B4-BE49-F238E27FC236}">
-                <a16:creationId xmlns:a16="http://schemas.microsoft.com/office/drawing/2014/main" id="{FDBDF9CE-045B-4932-BBDF-5C6982733BDC}"/>
+                <a16:creationId xmlns:a16="http://schemas.microsoft.com/office/drawing/2014/main" id="{2D11BB3A-A2C8-41D7-AAF7-824B7B5CEF02}"/>
               </a:ext>
             </a:extLst>
           </p:cNvPr>
@@ -6054,7 +5499,7 @@
           <a:p>
             <a:r>
               <a:rPr lang="en-US" altLang="zh-CN" dirty="0"/>
-              <a:t>Delayed Update1 1/5</a:t>
+              <a:t>Share data1 3/4</a:t>
             </a:r>
             <a:endParaRPr lang="zh-CN" altLang="en-US" dirty="0"/>
           </a:p>
@@ -6062,10 +5507,10 @@
       </p:sp>
       <p:pic>
         <p:nvPicPr>
-          <p:cNvPr id="4" name="图片 3" descr="手机屏幕截图&#10;&#10;描述已自动生成">
-            <a:extLst>
-              <a:ext uri="{FF2B5EF4-FFF2-40B4-BE49-F238E27FC236}">
-                <a16:creationId xmlns:a16="http://schemas.microsoft.com/office/drawing/2014/main" id="{E477B7D8-D874-4840-91C7-39B6C071AF15}"/>
+          <p:cNvPr id="4" name="图片 3">
+            <a:extLst>
+              <a:ext uri="{FF2B5EF4-FFF2-40B4-BE49-F238E27FC236}">
+                <a16:creationId xmlns:a16="http://schemas.microsoft.com/office/drawing/2014/main" id="{95080435-1DED-4344-8B90-542B7B7D3AB0}"/>
               </a:ext>
             </a:extLst>
           </p:cNvPr>
@@ -6089,7 +5534,7 @@
         <p:spPr>
           <a:xfrm>
             <a:off x="0" y="1690688"/>
-            <a:ext cx="12192000" cy="4324709"/>
+            <a:ext cx="12192000" cy="4316565"/>
           </a:xfrm>
           <a:prstGeom prst="rect">
             <a:avLst/>
@@ -6099,7 +5544,7 @@
     </p:spTree>
     <p:extLst>
       <p:ext uri="{BB962C8B-B14F-4D97-AF65-F5344CB8AC3E}">
-        <p14:creationId xmlns:p14="http://schemas.microsoft.com/office/powerpoint/2010/main" val="238331857"/>
+        <p14:creationId xmlns:p14="http://schemas.microsoft.com/office/powerpoint/2010/main" val="1892863817"/>
       </p:ext>
     </p:extLst>
   </p:cSld>
@@ -6131,7 +5576,7 @@
           <p:cNvPr id="2" name="标题 1">
             <a:extLst>
               <a:ext uri="{FF2B5EF4-FFF2-40B4-BE49-F238E27FC236}">
-                <a16:creationId xmlns:a16="http://schemas.microsoft.com/office/drawing/2014/main" id="{FDBDF9CE-045B-4932-BBDF-5C6982733BDC}"/>
+                <a16:creationId xmlns:a16="http://schemas.microsoft.com/office/drawing/2014/main" id="{2D11BB3A-A2C8-41D7-AAF7-824B7B5CEF02}"/>
               </a:ext>
             </a:extLst>
           </p:cNvPr>
@@ -6149,7 +5594,7 @@
           <a:p>
             <a:r>
               <a:rPr lang="en-US" altLang="zh-CN" dirty="0"/>
-              <a:t>Delayed Update1 2/5</a:t>
+              <a:t>Share data1 4/4</a:t>
             </a:r>
             <a:endParaRPr lang="zh-CN" altLang="en-US" dirty="0"/>
           </a:p>
@@ -6157,10 +5602,10 @@
       </p:sp>
       <p:pic>
         <p:nvPicPr>
-          <p:cNvPr id="4" name="图片 3" descr="手机屏幕截图&#10;&#10;描述已自动生成">
-            <a:extLst>
-              <a:ext uri="{FF2B5EF4-FFF2-40B4-BE49-F238E27FC236}">
-                <a16:creationId xmlns:a16="http://schemas.microsoft.com/office/drawing/2014/main" id="{162D177B-9D80-4AEE-B343-62A50E1CC098}"/>
+          <p:cNvPr id="4" name="图片 3">
+            <a:extLst>
+              <a:ext uri="{FF2B5EF4-FFF2-40B4-BE49-F238E27FC236}">
+                <a16:creationId xmlns:a16="http://schemas.microsoft.com/office/drawing/2014/main" id="{FCC94621-47F7-4B76-B7AE-3A45EF2B35BB}"/>
               </a:ext>
             </a:extLst>
           </p:cNvPr>
@@ -6194,7 +5639,7 @@
     </p:spTree>
     <p:extLst>
       <p:ext uri="{BB962C8B-B14F-4D97-AF65-F5344CB8AC3E}">
-        <p14:creationId xmlns:p14="http://schemas.microsoft.com/office/powerpoint/2010/main" val="1138602258"/>
+        <p14:creationId xmlns:p14="http://schemas.microsoft.com/office/powerpoint/2010/main" val="433906679"/>
       </p:ext>
     </p:extLst>
   </p:cSld>
@@ -6226,7 +5671,7 @@
           <p:cNvPr id="2" name="标题 1">
             <a:extLst>
               <a:ext uri="{FF2B5EF4-FFF2-40B4-BE49-F238E27FC236}">
-                <a16:creationId xmlns:a16="http://schemas.microsoft.com/office/drawing/2014/main" id="{FDBDF9CE-045B-4932-BBDF-5C6982733BDC}"/>
+                <a16:creationId xmlns:a16="http://schemas.microsoft.com/office/drawing/2014/main" id="{2D11BB3A-A2C8-41D7-AAF7-824B7B5CEF02}"/>
               </a:ext>
             </a:extLst>
           </p:cNvPr>
@@ -6244,7 +5689,7 @@
           <a:p>
             <a:r>
               <a:rPr lang="en-US" altLang="zh-CN" dirty="0"/>
-              <a:t>Delayed Update1 3/5</a:t>
+              <a:t>Share data2 1/</a:t>
             </a:r>
             <a:endParaRPr lang="zh-CN" altLang="en-US" dirty="0"/>
           </a:p>
@@ -6255,7 +5700,7 @@
           <p:cNvPr id="2050" name="Picture 2">
             <a:extLst>
               <a:ext uri="{FF2B5EF4-FFF2-40B4-BE49-F238E27FC236}">
-                <a16:creationId xmlns:a16="http://schemas.microsoft.com/office/drawing/2014/main" id="{B9CC0C22-33D7-4F60-A55E-22CFF952844E}"/>
+                <a16:creationId xmlns:a16="http://schemas.microsoft.com/office/drawing/2014/main" id="{5137ECE9-E773-46D0-BA7B-1AEAA1C12711}"/>
               </a:ext>
             </a:extLst>
           </p:cNvPr>
@@ -6279,8 +5724,8 @@
         </p:blipFill>
         <p:spPr bwMode="auto">
           <a:xfrm>
-            <a:off x="0" y="1690688"/>
-            <a:ext cx="12192000" cy="4324709"/>
+            <a:off x="14852" y="1690688"/>
+            <a:ext cx="12177148" cy="4319441"/>
           </a:xfrm>
           <a:prstGeom prst="rect">
             <a:avLst/>
@@ -6300,7 +5745,7 @@
     </p:spTree>
     <p:extLst>
       <p:ext uri="{BB962C8B-B14F-4D97-AF65-F5344CB8AC3E}">
-        <p14:creationId xmlns:p14="http://schemas.microsoft.com/office/powerpoint/2010/main" val="4056667734"/>
+        <p14:creationId xmlns:p14="http://schemas.microsoft.com/office/powerpoint/2010/main" val="1454654361"/>
       </p:ext>
     </p:extLst>
   </p:cSld>
@@ -6456,7 +5901,7 @@
           <p:cNvPr id="2" name="标题 1">
             <a:extLst>
               <a:ext uri="{FF2B5EF4-FFF2-40B4-BE49-F238E27FC236}">
-                <a16:creationId xmlns:a16="http://schemas.microsoft.com/office/drawing/2014/main" id="{FDBDF9CE-045B-4932-BBDF-5C6982733BDC}"/>
+                <a16:creationId xmlns:a16="http://schemas.microsoft.com/office/drawing/2014/main" id="{2D11BB3A-A2C8-41D7-AAF7-824B7B5CEF02}"/>
               </a:ext>
             </a:extLst>
           </p:cNvPr>
@@ -6474,7 +5919,7 @@
           <a:p>
             <a:r>
               <a:rPr lang="en-US" altLang="zh-CN" dirty="0"/>
-              <a:t>Delayed Update1 4/5</a:t>
+              <a:t>Share data2 1/2</a:t>
             </a:r>
             <a:endParaRPr lang="zh-CN" altLang="en-US" dirty="0"/>
           </a:p>
@@ -6482,15 +5927,15 @@
       </p:sp>
       <p:pic>
         <p:nvPicPr>
-          <p:cNvPr id="4" name="图片 3" descr="手机屏幕截图&#10;&#10;描述已自动生成">
-            <a:extLst>
-              <a:ext uri="{FF2B5EF4-FFF2-40B4-BE49-F238E27FC236}">
-                <a16:creationId xmlns:a16="http://schemas.microsoft.com/office/drawing/2014/main" id="{DDF2D216-6006-44AA-9142-DAB7B1950EFD}"/>
+          <p:cNvPr id="1026" name="Picture 2">
+            <a:extLst>
+              <a:ext uri="{FF2B5EF4-FFF2-40B4-BE49-F238E27FC236}">
+                <a16:creationId xmlns:a16="http://schemas.microsoft.com/office/drawing/2014/main" id="{E7227AB7-3ABF-47C2-A2CC-D180C66EBE3D}"/>
               </a:ext>
             </a:extLst>
           </p:cNvPr>
           <p:cNvPicPr>
-            <a:picLocks noChangeAspect="1"/>
+            <a:picLocks noChangeAspect="1" noChangeArrowheads="1"/>
           </p:cNvPicPr>
           <p:nvPr/>
         </p:nvPicPr>
@@ -6502,24 +5947,35 @@
               </a:ext>
             </a:extLst>
           </a:blip>
+          <a:srcRect/>
           <a:stretch>
             <a:fillRect/>
           </a:stretch>
         </p:blipFill>
-        <p:spPr>
+        <p:spPr bwMode="auto">
           <a:xfrm>
             <a:off x="0" y="1690688"/>
-            <a:ext cx="12192000" cy="4324709"/>
+            <a:ext cx="12192000" cy="4324710"/>
           </a:xfrm>
           <a:prstGeom prst="rect">
             <a:avLst/>
           </a:prstGeom>
+          <a:noFill/>
+          <a:extLst>
+            <a:ext uri="{909E8E84-426E-40DD-AFC4-6F175D3DCCD1}">
+              <a14:hiddenFill xmlns:a14="http://schemas.microsoft.com/office/drawing/2010/main">
+                <a:solidFill>
+                  <a:srgbClr val="FFFFFF"/>
+                </a:solidFill>
+              </a14:hiddenFill>
+            </a:ext>
+          </a:extLst>
         </p:spPr>
       </p:pic>
     </p:spTree>
     <p:extLst>
       <p:ext uri="{BB962C8B-B14F-4D97-AF65-F5344CB8AC3E}">
-        <p14:creationId xmlns:p14="http://schemas.microsoft.com/office/powerpoint/2010/main" val="2543341189"/>
+        <p14:creationId xmlns:p14="http://schemas.microsoft.com/office/powerpoint/2010/main" val="616836927"/>
       </p:ext>
     </p:extLst>
   </p:cSld>
@@ -6569,99 +6025,663 @@
           <a:p>
             <a:r>
               <a:rPr lang="en-US" altLang="zh-CN" dirty="0"/>
-              <a:t>Delayed Update1 5/5</a:t>
+              <a:t>Delayed Update</a:t>
             </a:r>
             <a:endParaRPr lang="zh-CN" altLang="en-US" dirty="0"/>
           </a:p>
         </p:txBody>
       </p:sp>
-      <p:pic>
-        <p:nvPicPr>
-          <p:cNvPr id="3074" name="Picture 2">
-            <a:extLst>
-              <a:ext uri="{FF2B5EF4-FFF2-40B4-BE49-F238E27FC236}">
-                <a16:creationId xmlns:a16="http://schemas.microsoft.com/office/drawing/2014/main" id="{5869DA56-A187-4A85-8354-37D449D4EDD1}"/>
-              </a:ext>
-            </a:extLst>
-          </p:cNvPr>
-          <p:cNvPicPr>
-            <a:picLocks noChangeAspect="1" noChangeArrowheads="1"/>
-          </p:cNvPicPr>
+      <p:sp>
+        <p:nvSpPr>
+          <p:cNvPr id="4" name="内容占位符 2">
+            <a:extLst>
+              <a:ext uri="{FF2B5EF4-FFF2-40B4-BE49-F238E27FC236}">
+                <a16:creationId xmlns:a16="http://schemas.microsoft.com/office/drawing/2014/main" id="{C3C4E09F-7D67-4FDD-BA22-4228F3AD6322}"/>
+              </a:ext>
+            </a:extLst>
+          </p:cNvPr>
+          <p:cNvSpPr>
+            <a:spLocks noGrp="1"/>
+          </p:cNvSpPr>
+          <p:nvPr>
+            <p:ph idx="1"/>
+          </p:nvPr>
+        </p:nvSpPr>
+        <p:spPr>
+          <a:xfrm>
+            <a:off x="838200" y="1825625"/>
+            <a:ext cx="3488703" cy="4351338"/>
+          </a:xfrm>
+        </p:spPr>
+        <p:txBody>
+          <a:bodyPr/>
+          <a:lstStyle/>
+          <a:p>
+            <a:r>
+              <a:rPr lang="en-US" altLang="zh-CN" dirty="0"/>
+              <a:t>40 worker nodes</a:t>
+            </a:r>
+          </a:p>
+          <a:p>
+            <a:r>
+              <a:rPr lang="en-US" altLang="zh-CN" dirty="0"/>
+              <a:t>4000 training data</a:t>
+            </a:r>
+          </a:p>
+          <a:p>
+            <a:r>
+              <a:rPr lang="en-US" altLang="zh-CN" dirty="0"/>
+              <a:t>10000 testing data</a:t>
+            </a:r>
+          </a:p>
+          <a:p>
+            <a:r>
+              <a:rPr lang="en-US" altLang="zh-CN" dirty="0"/>
+              <a:t>Early stop = 500</a:t>
+            </a:r>
+          </a:p>
+          <a:p>
+            <a:r>
+              <a:rPr lang="en-US" altLang="zh-CN" dirty="0"/>
+              <a:t>Local step = 1</a:t>
+            </a:r>
+          </a:p>
+        </p:txBody>
+      </p:sp>
+      <p:sp>
+        <p:nvSpPr>
+          <p:cNvPr id="5" name="矩形: 圆角 4">
+            <a:extLst>
+              <a:ext uri="{FF2B5EF4-FFF2-40B4-BE49-F238E27FC236}">
+                <a16:creationId xmlns:a16="http://schemas.microsoft.com/office/drawing/2014/main" id="{868D413E-6E22-4398-852A-3CAE5A7CAE3A}"/>
+              </a:ext>
+            </a:extLst>
+          </p:cNvPr>
+          <p:cNvSpPr/>
           <p:nvPr/>
-        </p:nvPicPr>
-        <p:blipFill>
-          <a:blip r:embed="rId2">
-            <a:extLst>
-              <a:ext uri="{28A0092B-C50C-407E-A947-70E740481C1C}">
-                <a14:useLocalDpi xmlns:a14="http://schemas.microsoft.com/office/drawing/2010/main" val="0"/>
-              </a:ext>
-            </a:extLst>
-          </a:blip>
-          <a:srcRect/>
-          <a:stretch>
-            <a:fillRect/>
-          </a:stretch>
-        </p:blipFill>
-        <p:spPr bwMode="auto">
-          <a:xfrm>
-            <a:off x="-11724" y="1690688"/>
-            <a:ext cx="12203724" cy="4328868"/>
-          </a:xfrm>
-          <a:prstGeom prst="rect">
+        </p:nvSpPr>
+        <p:spPr>
+          <a:xfrm>
+            <a:off x="4454953" y="2344278"/>
+            <a:ext cx="1718822" cy="669302"/>
+          </a:xfrm>
+          <a:prstGeom prst="roundRect">
             <a:avLst/>
           </a:prstGeom>
-          <a:noFill/>
-          <a:extLst>
-            <a:ext uri="{909E8E84-426E-40DD-AFC4-6F175D3DCCD1}">
-              <a14:hiddenFill xmlns:a14="http://schemas.microsoft.com/office/drawing/2010/main">
-                <a:solidFill>
-                  <a:srgbClr val="FFFFFF"/>
-                </a:solidFill>
-              </a14:hiddenFill>
-            </a:ext>
-          </a:extLst>
-        </p:spPr>
-      </p:pic>
-      <p:sp>
-        <p:nvSpPr>
-          <p:cNvPr id="3" name="文本框 2">
-            <a:extLst>
-              <a:ext uri="{FF2B5EF4-FFF2-40B4-BE49-F238E27FC236}">
-                <a16:creationId xmlns:a16="http://schemas.microsoft.com/office/drawing/2014/main" id="{9A9A0CEC-C2ED-4144-9784-6C5D8B5993CB}"/>
-              </a:ext>
-            </a:extLst>
-          </p:cNvPr>
-          <p:cNvSpPr txBox="1"/>
+        </p:spPr>
+        <p:style>
+          <a:lnRef idx="2">
+            <a:schemeClr val="accent1">
+              <a:shade val="50000"/>
+            </a:schemeClr>
+          </a:lnRef>
+          <a:fillRef idx="1">
+            <a:schemeClr val="accent1"/>
+          </a:fillRef>
+          <a:effectRef idx="0">
+            <a:schemeClr val="accent1"/>
+          </a:effectRef>
+          <a:fontRef idx="minor">
+            <a:schemeClr val="lt1"/>
+          </a:fontRef>
+        </p:style>
+        <p:txBody>
+          <a:bodyPr rtlCol="0" anchor="ctr"/>
+          <a:lstStyle/>
+          <a:p>
+            <a:pPr algn="ctr"/>
+            <a:r>
+              <a:rPr lang="en-US" altLang="zh-CN" sz="2800" dirty="0"/>
+              <a:t>If </a:t>
+            </a:r>
+            <a:r>
+              <a:rPr lang="en-US" altLang="zh-CN" sz="2800" dirty="0" err="1"/>
+              <a:t>iid</a:t>
+            </a:r>
+            <a:r>
+              <a:rPr lang="en-US" altLang="zh-CN" sz="2800" dirty="0"/>
+              <a:t>?</a:t>
+            </a:r>
+            <a:endParaRPr lang="zh-CN" altLang="en-US" sz="2800" dirty="0"/>
+          </a:p>
+        </p:txBody>
+      </p:sp>
+      <p:sp>
+        <p:nvSpPr>
+          <p:cNvPr id="6" name="矩形: 剪去对角 5">
+            <a:extLst>
+              <a:ext uri="{FF2B5EF4-FFF2-40B4-BE49-F238E27FC236}">
+                <a16:creationId xmlns:a16="http://schemas.microsoft.com/office/drawing/2014/main" id="{04AFBB55-D737-4A30-8406-FDD002372014}"/>
+              </a:ext>
+            </a:extLst>
+          </p:cNvPr>
+          <p:cNvSpPr/>
           <p:nvPr/>
         </p:nvSpPr>
         <p:spPr>
           <a:xfrm>
-            <a:off x="452487" y="6287679"/>
-            <a:ext cx="3667026" cy="369332"/>
-          </a:xfrm>
-          <a:prstGeom prst="rect">
+            <a:off x="4788028" y="3432782"/>
+            <a:ext cx="1075444" cy="575034"/>
+          </a:xfrm>
+          <a:prstGeom prst="snip2DiagRect">
             <a:avLst/>
           </a:prstGeom>
-          <a:noFill/>
-        </p:spPr>
-        <p:txBody>
-          <a:bodyPr wrap="square" rtlCol="0">
-            <a:spAutoFit/>
-          </a:bodyPr>
-          <a:lstStyle/>
-          <a:p>
-            <a:r>
-              <a:rPr lang="en-US" altLang="zh-CN" dirty="0"/>
-              <a:t>Why 2c behaves differently?</a:t>
-            </a:r>
-            <a:endParaRPr lang="zh-CN" altLang="en-US" dirty="0"/>
+        </p:spPr>
+        <p:style>
+          <a:lnRef idx="2">
+            <a:schemeClr val="accent1"/>
+          </a:lnRef>
+          <a:fillRef idx="1">
+            <a:schemeClr val="lt1"/>
+          </a:fillRef>
+          <a:effectRef idx="0">
+            <a:schemeClr val="accent1"/>
+          </a:effectRef>
+          <a:fontRef idx="minor">
+            <a:schemeClr val="dk1"/>
+          </a:fontRef>
+        </p:style>
+        <p:txBody>
+          <a:bodyPr rtlCol="0" anchor="ctr"/>
+          <a:lstStyle/>
+          <a:p>
+            <a:pPr algn="ctr"/>
+            <a:r>
+              <a:rPr lang="en-US" altLang="zh-CN" sz="2800" dirty="0"/>
+              <a:t>2</a:t>
+            </a:r>
+            <a:endParaRPr lang="zh-CN" altLang="en-US" sz="2800" dirty="0"/>
+          </a:p>
+        </p:txBody>
+      </p:sp>
+      <p:sp>
+        <p:nvSpPr>
+          <p:cNvPr id="7" name="矩形: 剪去对角 6">
+            <a:extLst>
+              <a:ext uri="{FF2B5EF4-FFF2-40B4-BE49-F238E27FC236}">
+                <a16:creationId xmlns:a16="http://schemas.microsoft.com/office/drawing/2014/main" id="{12454626-78AE-40E3-9B45-E4B0B4C84560}"/>
+              </a:ext>
+            </a:extLst>
+          </p:cNvPr>
+          <p:cNvSpPr/>
+          <p:nvPr/>
+        </p:nvSpPr>
+        <p:spPr>
+          <a:xfrm>
+            <a:off x="4788028" y="4235631"/>
+            <a:ext cx="1075444" cy="575034"/>
+          </a:xfrm>
+          <a:prstGeom prst="snip2DiagRect">
+            <a:avLst/>
+          </a:prstGeom>
+        </p:spPr>
+        <p:style>
+          <a:lnRef idx="2">
+            <a:schemeClr val="accent1"/>
+          </a:lnRef>
+          <a:fillRef idx="1">
+            <a:schemeClr val="lt1"/>
+          </a:fillRef>
+          <a:effectRef idx="0">
+            <a:schemeClr val="accent1"/>
+          </a:effectRef>
+          <a:fontRef idx="minor">
+            <a:schemeClr val="dk1"/>
+          </a:fontRef>
+        </p:style>
+        <p:txBody>
+          <a:bodyPr rtlCol="0" anchor="ctr"/>
+          <a:lstStyle/>
+          <a:p>
+            <a:pPr algn="ctr"/>
+            <a:r>
+              <a:rPr lang="en-US" altLang="zh-CN" sz="2800" dirty="0"/>
+              <a:t>5</a:t>
+            </a:r>
+            <a:endParaRPr lang="zh-CN" altLang="en-US" sz="2800" dirty="0"/>
+          </a:p>
+        </p:txBody>
+      </p:sp>
+      <p:sp>
+        <p:nvSpPr>
+          <p:cNvPr id="8" name="矩形: 剪去对角 7">
+            <a:extLst>
+              <a:ext uri="{FF2B5EF4-FFF2-40B4-BE49-F238E27FC236}">
+                <a16:creationId xmlns:a16="http://schemas.microsoft.com/office/drawing/2014/main" id="{538CD5B3-6E2D-40E9-A95B-B08ACAB4BE2F}"/>
+              </a:ext>
+            </a:extLst>
+          </p:cNvPr>
+          <p:cNvSpPr/>
+          <p:nvPr/>
+        </p:nvSpPr>
+        <p:spPr>
+          <a:xfrm>
+            <a:off x="4788028" y="5038481"/>
+            <a:ext cx="1075444" cy="575034"/>
+          </a:xfrm>
+          <a:prstGeom prst="snip2DiagRect">
+            <a:avLst/>
+          </a:prstGeom>
+        </p:spPr>
+        <p:style>
+          <a:lnRef idx="2">
+            <a:schemeClr val="accent1"/>
+          </a:lnRef>
+          <a:fillRef idx="1">
+            <a:schemeClr val="lt1"/>
+          </a:fillRef>
+          <a:effectRef idx="0">
+            <a:schemeClr val="accent1"/>
+          </a:effectRef>
+          <a:fontRef idx="minor">
+            <a:schemeClr val="dk1"/>
+          </a:fontRef>
+        </p:style>
+        <p:txBody>
+          <a:bodyPr rtlCol="0" anchor="ctr"/>
+          <a:lstStyle/>
+          <a:p>
+            <a:pPr algn="ctr"/>
+            <a:r>
+              <a:rPr lang="en-US" altLang="zh-CN" sz="2800" dirty="0" err="1"/>
+              <a:t>iid</a:t>
+            </a:r>
+            <a:endParaRPr lang="zh-CN" altLang="en-US" sz="2800" dirty="0"/>
+          </a:p>
+        </p:txBody>
+      </p:sp>
+      <p:sp>
+        <p:nvSpPr>
+          <p:cNvPr id="9" name="矩形: 圆角 8">
+            <a:extLst>
+              <a:ext uri="{FF2B5EF4-FFF2-40B4-BE49-F238E27FC236}">
+                <a16:creationId xmlns:a16="http://schemas.microsoft.com/office/drawing/2014/main" id="{B8879A69-5B42-4C9E-8210-C28B970C2325}"/>
+              </a:ext>
+            </a:extLst>
+          </p:cNvPr>
+          <p:cNvSpPr/>
+          <p:nvPr/>
+        </p:nvSpPr>
+        <p:spPr>
+          <a:xfrm>
+            <a:off x="6634116" y="1928858"/>
+            <a:ext cx="2170520" cy="1084722"/>
+          </a:xfrm>
+          <a:prstGeom prst="roundRect">
+            <a:avLst/>
+          </a:prstGeom>
+        </p:spPr>
+        <p:style>
+          <a:lnRef idx="2">
+            <a:schemeClr val="accent1">
+              <a:shade val="50000"/>
+            </a:schemeClr>
+          </a:lnRef>
+          <a:fillRef idx="1">
+            <a:schemeClr val="accent1"/>
+          </a:fillRef>
+          <a:effectRef idx="0">
+            <a:schemeClr val="accent1"/>
+          </a:effectRef>
+          <a:fontRef idx="minor">
+            <a:schemeClr val="lt1"/>
+          </a:fontRef>
+        </p:style>
+        <p:txBody>
+          <a:bodyPr rtlCol="0" anchor="ctr"/>
+          <a:lstStyle/>
+          <a:p>
+            <a:pPr algn="ctr"/>
+            <a:r>
+              <a:rPr lang="en-US" altLang="zh-CN" sz="2800" dirty="0"/>
+              <a:t>Delay Proportion</a:t>
+            </a:r>
+            <a:endParaRPr lang="zh-CN" altLang="en-US" sz="2800" dirty="0"/>
+          </a:p>
+        </p:txBody>
+      </p:sp>
+      <p:sp>
+        <p:nvSpPr>
+          <p:cNvPr id="10" name="矩形: 圆角 9">
+            <a:extLst>
+              <a:ext uri="{FF2B5EF4-FFF2-40B4-BE49-F238E27FC236}">
+                <a16:creationId xmlns:a16="http://schemas.microsoft.com/office/drawing/2014/main" id="{CA16E15D-C82B-40E3-BCA1-0B982FEB0A8E}"/>
+              </a:ext>
+            </a:extLst>
+          </p:cNvPr>
+          <p:cNvSpPr/>
+          <p:nvPr/>
+        </p:nvSpPr>
+        <p:spPr>
+          <a:xfrm>
+            <a:off x="9183280" y="1928858"/>
+            <a:ext cx="2170520" cy="1084722"/>
+          </a:xfrm>
+          <a:prstGeom prst="roundRect">
+            <a:avLst/>
+          </a:prstGeom>
+        </p:spPr>
+        <p:style>
+          <a:lnRef idx="2">
+            <a:schemeClr val="accent1">
+              <a:shade val="50000"/>
+            </a:schemeClr>
+          </a:lnRef>
+          <a:fillRef idx="1">
+            <a:schemeClr val="accent1"/>
+          </a:fillRef>
+          <a:effectRef idx="0">
+            <a:schemeClr val="accent1"/>
+          </a:effectRef>
+          <a:fontRef idx="minor">
+            <a:schemeClr val="lt1"/>
+          </a:fontRef>
+        </p:style>
+        <p:txBody>
+          <a:bodyPr rtlCol="0" anchor="ctr"/>
+          <a:lstStyle/>
+          <a:p>
+            <a:pPr algn="ctr"/>
+            <a:r>
+              <a:rPr lang="en-US" altLang="zh-CN" sz="2800" dirty="0"/>
+              <a:t>Delay Speed</a:t>
+            </a:r>
+            <a:endParaRPr lang="zh-CN" altLang="en-US" sz="2800" dirty="0"/>
+          </a:p>
+        </p:txBody>
+      </p:sp>
+      <p:sp>
+        <p:nvSpPr>
+          <p:cNvPr id="11" name="矩形: 剪去对角 10">
+            <a:extLst>
+              <a:ext uri="{FF2B5EF4-FFF2-40B4-BE49-F238E27FC236}">
+                <a16:creationId xmlns:a16="http://schemas.microsoft.com/office/drawing/2014/main" id="{D2E72A95-5CD2-4D55-A7F1-B46420C741BE}"/>
+              </a:ext>
+            </a:extLst>
+          </p:cNvPr>
+          <p:cNvSpPr/>
+          <p:nvPr/>
+        </p:nvSpPr>
+        <p:spPr>
+          <a:xfrm>
+            <a:off x="7221714" y="3429000"/>
+            <a:ext cx="1075444" cy="575034"/>
+          </a:xfrm>
+          <a:prstGeom prst="snip2DiagRect">
+            <a:avLst/>
+          </a:prstGeom>
+        </p:spPr>
+        <p:style>
+          <a:lnRef idx="2">
+            <a:schemeClr val="accent1"/>
+          </a:lnRef>
+          <a:fillRef idx="1">
+            <a:schemeClr val="lt1"/>
+          </a:fillRef>
+          <a:effectRef idx="0">
+            <a:schemeClr val="accent1"/>
+          </a:effectRef>
+          <a:fontRef idx="minor">
+            <a:schemeClr val="dk1"/>
+          </a:fontRef>
+        </p:style>
+        <p:txBody>
+          <a:bodyPr rtlCol="0" anchor="ctr"/>
+          <a:lstStyle/>
+          <a:p>
+            <a:pPr algn="ctr"/>
+            <a:r>
+              <a:rPr lang="en-US" altLang="zh-CN" sz="2800" dirty="0"/>
+              <a:t>20%</a:t>
+            </a:r>
+            <a:endParaRPr lang="zh-CN" altLang="en-US" sz="2800" dirty="0"/>
+          </a:p>
+        </p:txBody>
+      </p:sp>
+      <p:sp>
+        <p:nvSpPr>
+          <p:cNvPr id="12" name="矩形: 剪去对角 11">
+            <a:extLst>
+              <a:ext uri="{FF2B5EF4-FFF2-40B4-BE49-F238E27FC236}">
+                <a16:creationId xmlns:a16="http://schemas.microsoft.com/office/drawing/2014/main" id="{C8E1A706-25AD-4962-ADE6-78A2503BE983}"/>
+              </a:ext>
+            </a:extLst>
+          </p:cNvPr>
+          <p:cNvSpPr/>
+          <p:nvPr/>
+        </p:nvSpPr>
+        <p:spPr>
+          <a:xfrm>
+            <a:off x="7221714" y="4231849"/>
+            <a:ext cx="1075444" cy="575034"/>
+          </a:xfrm>
+          <a:prstGeom prst="snip2DiagRect">
+            <a:avLst/>
+          </a:prstGeom>
+        </p:spPr>
+        <p:style>
+          <a:lnRef idx="2">
+            <a:schemeClr val="accent1"/>
+          </a:lnRef>
+          <a:fillRef idx="1">
+            <a:schemeClr val="lt1"/>
+          </a:fillRef>
+          <a:effectRef idx="0">
+            <a:schemeClr val="accent1"/>
+          </a:effectRef>
+          <a:fontRef idx="minor">
+            <a:schemeClr val="dk1"/>
+          </a:fontRef>
+        </p:style>
+        <p:txBody>
+          <a:bodyPr rtlCol="0" anchor="ctr"/>
+          <a:lstStyle/>
+          <a:p>
+            <a:pPr algn="ctr"/>
+            <a:r>
+              <a:rPr lang="en-US" altLang="zh-CN" sz="2800" dirty="0"/>
+              <a:t>50%</a:t>
+            </a:r>
+            <a:endParaRPr lang="zh-CN" altLang="en-US" sz="2800" dirty="0"/>
+          </a:p>
+        </p:txBody>
+      </p:sp>
+      <p:sp>
+        <p:nvSpPr>
+          <p:cNvPr id="13" name="矩形: 剪去对角 12">
+            <a:extLst>
+              <a:ext uri="{FF2B5EF4-FFF2-40B4-BE49-F238E27FC236}">
+                <a16:creationId xmlns:a16="http://schemas.microsoft.com/office/drawing/2014/main" id="{40C9B294-F06F-48AA-83F4-C784638C1AE7}"/>
+              </a:ext>
+            </a:extLst>
+          </p:cNvPr>
+          <p:cNvSpPr/>
+          <p:nvPr/>
+        </p:nvSpPr>
+        <p:spPr>
+          <a:xfrm>
+            <a:off x="7221714" y="5034699"/>
+            <a:ext cx="1075444" cy="575034"/>
+          </a:xfrm>
+          <a:prstGeom prst="snip2DiagRect">
+            <a:avLst/>
+          </a:prstGeom>
+        </p:spPr>
+        <p:style>
+          <a:lnRef idx="2">
+            <a:schemeClr val="accent1"/>
+          </a:lnRef>
+          <a:fillRef idx="1">
+            <a:schemeClr val="lt1"/>
+          </a:fillRef>
+          <a:effectRef idx="0">
+            <a:schemeClr val="accent1"/>
+          </a:effectRef>
+          <a:fontRef idx="minor">
+            <a:schemeClr val="dk1"/>
+          </a:fontRef>
+        </p:style>
+        <p:txBody>
+          <a:bodyPr rtlCol="0" anchor="ctr"/>
+          <a:lstStyle/>
+          <a:p>
+            <a:pPr algn="ctr"/>
+            <a:r>
+              <a:rPr lang="en-US" altLang="zh-CN" sz="2800" dirty="0"/>
+              <a:t>80%</a:t>
+            </a:r>
+            <a:endParaRPr lang="zh-CN" altLang="en-US" sz="2800" dirty="0"/>
+          </a:p>
+        </p:txBody>
+      </p:sp>
+      <p:sp>
+        <p:nvSpPr>
+          <p:cNvPr id="14" name="矩形: 剪去对角 13">
+            <a:extLst>
+              <a:ext uri="{FF2B5EF4-FFF2-40B4-BE49-F238E27FC236}">
+                <a16:creationId xmlns:a16="http://schemas.microsoft.com/office/drawing/2014/main" id="{0865B9C5-3540-4A97-B2E1-A3C163F414D0}"/>
+              </a:ext>
+            </a:extLst>
+          </p:cNvPr>
+          <p:cNvSpPr/>
+          <p:nvPr/>
+        </p:nvSpPr>
+        <p:spPr>
+          <a:xfrm>
+            <a:off x="9655400" y="3429000"/>
+            <a:ext cx="1075444" cy="575034"/>
+          </a:xfrm>
+          <a:prstGeom prst="snip2DiagRect">
+            <a:avLst/>
+          </a:prstGeom>
+        </p:spPr>
+        <p:style>
+          <a:lnRef idx="2">
+            <a:schemeClr val="accent1"/>
+          </a:lnRef>
+          <a:fillRef idx="1">
+            <a:schemeClr val="lt1"/>
+          </a:fillRef>
+          <a:effectRef idx="0">
+            <a:schemeClr val="accent1"/>
+          </a:effectRef>
+          <a:fontRef idx="minor">
+            <a:schemeClr val="dk1"/>
+          </a:fontRef>
+        </p:style>
+        <p:txBody>
+          <a:bodyPr rtlCol="0" anchor="ctr"/>
+          <a:lstStyle/>
+          <a:p>
+            <a:pPr algn="ctr"/>
+            <a:r>
+              <a:rPr lang="en-US" altLang="zh-CN" sz="2800" dirty="0"/>
+              <a:t>3</a:t>
+            </a:r>
+            <a:endParaRPr lang="zh-CN" altLang="en-US" sz="2800" dirty="0"/>
+          </a:p>
+        </p:txBody>
+      </p:sp>
+      <p:sp>
+        <p:nvSpPr>
+          <p:cNvPr id="15" name="矩形: 剪去对角 14">
+            <a:extLst>
+              <a:ext uri="{FF2B5EF4-FFF2-40B4-BE49-F238E27FC236}">
+                <a16:creationId xmlns:a16="http://schemas.microsoft.com/office/drawing/2014/main" id="{AB262FBE-A8F8-4379-8E2D-4BF82FE8CD99}"/>
+              </a:ext>
+            </a:extLst>
+          </p:cNvPr>
+          <p:cNvSpPr/>
+          <p:nvPr/>
+        </p:nvSpPr>
+        <p:spPr>
+          <a:xfrm>
+            <a:off x="9655400" y="4231849"/>
+            <a:ext cx="1075444" cy="575034"/>
+          </a:xfrm>
+          <a:prstGeom prst="snip2DiagRect">
+            <a:avLst/>
+          </a:prstGeom>
+        </p:spPr>
+        <p:style>
+          <a:lnRef idx="2">
+            <a:schemeClr val="accent1"/>
+          </a:lnRef>
+          <a:fillRef idx="1">
+            <a:schemeClr val="lt1"/>
+          </a:fillRef>
+          <a:effectRef idx="0">
+            <a:schemeClr val="accent1"/>
+          </a:effectRef>
+          <a:fontRef idx="minor">
+            <a:schemeClr val="dk1"/>
+          </a:fontRef>
+        </p:style>
+        <p:txBody>
+          <a:bodyPr rtlCol="0" anchor="ctr"/>
+          <a:lstStyle/>
+          <a:p>
+            <a:pPr algn="ctr"/>
+            <a:r>
+              <a:rPr lang="en-US" altLang="zh-CN" sz="2800" dirty="0"/>
+              <a:t>12</a:t>
+            </a:r>
+            <a:endParaRPr lang="zh-CN" altLang="en-US" sz="2800" dirty="0"/>
+          </a:p>
+        </p:txBody>
+      </p:sp>
+      <p:sp>
+        <p:nvSpPr>
+          <p:cNvPr id="16" name="矩形: 剪去对角 15">
+            <a:extLst>
+              <a:ext uri="{FF2B5EF4-FFF2-40B4-BE49-F238E27FC236}">
+                <a16:creationId xmlns:a16="http://schemas.microsoft.com/office/drawing/2014/main" id="{0E9B05BB-7327-4FF9-9B25-F601DA032445}"/>
+              </a:ext>
+            </a:extLst>
+          </p:cNvPr>
+          <p:cNvSpPr/>
+          <p:nvPr/>
+        </p:nvSpPr>
+        <p:spPr>
+          <a:xfrm>
+            <a:off x="9655400" y="5034699"/>
+            <a:ext cx="1075444" cy="575034"/>
+          </a:xfrm>
+          <a:prstGeom prst="snip2DiagRect">
+            <a:avLst/>
+          </a:prstGeom>
+        </p:spPr>
+        <p:style>
+          <a:lnRef idx="2">
+            <a:schemeClr val="accent1"/>
+          </a:lnRef>
+          <a:fillRef idx="1">
+            <a:schemeClr val="lt1"/>
+          </a:fillRef>
+          <a:effectRef idx="0">
+            <a:schemeClr val="accent1"/>
+          </a:effectRef>
+          <a:fontRef idx="minor">
+            <a:schemeClr val="dk1"/>
+          </a:fontRef>
+        </p:style>
+        <p:txBody>
+          <a:bodyPr rtlCol="0" anchor="ctr"/>
+          <a:lstStyle/>
+          <a:p>
+            <a:pPr algn="ctr"/>
+            <a:r>
+              <a:rPr lang="en-US" altLang="zh-CN" sz="2800" dirty="0"/>
+              <a:t>30</a:t>
+            </a:r>
+            <a:endParaRPr lang="zh-CN" altLang="en-US" sz="2800" dirty="0"/>
           </a:p>
         </p:txBody>
       </p:sp>
     </p:spTree>
     <p:extLst>
       <p:ext uri="{BB962C8B-B14F-4D97-AF65-F5344CB8AC3E}">
-        <p14:creationId xmlns:p14="http://schemas.microsoft.com/office/powerpoint/2010/main" val="1309238028"/>
+        <p14:creationId xmlns:p14="http://schemas.microsoft.com/office/powerpoint/2010/main" val="2650658434"/>
       </p:ext>
     </p:extLst>
   </p:cSld>
@@ -6711,7 +6731,7 @@
           <a:p>
             <a:r>
               <a:rPr lang="en-US" altLang="zh-CN" dirty="0"/>
-              <a:t>Delayed Update2 1/4</a:t>
+              <a:t>Delayed Update1 1/5</a:t>
             </a:r>
             <a:endParaRPr lang="zh-CN" altLang="en-US" dirty="0"/>
           </a:p>
@@ -6719,10 +6739,10 @@
       </p:sp>
       <p:pic>
         <p:nvPicPr>
-          <p:cNvPr id="6" name="图片 5">
-            <a:extLst>
-              <a:ext uri="{FF2B5EF4-FFF2-40B4-BE49-F238E27FC236}">
-                <a16:creationId xmlns:a16="http://schemas.microsoft.com/office/drawing/2014/main" id="{C5807BE3-A9C6-48A5-98FC-341269B3172C}"/>
+          <p:cNvPr id="4" name="图片 3" descr="手机屏幕截图&#10;&#10;描述已自动生成">
+            <a:extLst>
+              <a:ext uri="{FF2B5EF4-FFF2-40B4-BE49-F238E27FC236}">
+                <a16:creationId xmlns:a16="http://schemas.microsoft.com/office/drawing/2014/main" id="{E477B7D8-D874-4840-91C7-39B6C071AF15}"/>
               </a:ext>
             </a:extLst>
           </p:cNvPr>
@@ -6753,46 +6773,10 @@
           </a:prstGeom>
         </p:spPr>
       </p:pic>
-      <p:sp>
-        <p:nvSpPr>
-          <p:cNvPr id="7" name="文本框 6">
-            <a:extLst>
-              <a:ext uri="{FF2B5EF4-FFF2-40B4-BE49-F238E27FC236}">
-                <a16:creationId xmlns:a16="http://schemas.microsoft.com/office/drawing/2014/main" id="{0F12012F-9567-427C-8EAF-A3A3F07554E1}"/>
-              </a:ext>
-            </a:extLst>
-          </p:cNvPr>
-          <p:cNvSpPr txBox="1"/>
-          <p:nvPr/>
-        </p:nvSpPr>
-        <p:spPr>
-          <a:xfrm>
-            <a:off x="527901" y="6183984"/>
-            <a:ext cx="4958499" cy="369332"/>
-          </a:xfrm>
-          <a:prstGeom prst="rect">
-            <a:avLst/>
-          </a:prstGeom>
-          <a:noFill/>
-        </p:spPr>
-        <p:txBody>
-          <a:bodyPr wrap="square" rtlCol="0">
-            <a:spAutoFit/>
-          </a:bodyPr>
-          <a:lstStyle/>
-          <a:p>
-            <a:r>
-              <a:rPr lang="en-US" altLang="zh-CN" dirty="0"/>
-              <a:t>Why 2c.speed12 worse than the other two??</a:t>
-            </a:r>
-            <a:endParaRPr lang="zh-CN" altLang="en-US" dirty="0"/>
-          </a:p>
-        </p:txBody>
-      </p:sp>
     </p:spTree>
     <p:extLst>
       <p:ext uri="{BB962C8B-B14F-4D97-AF65-F5344CB8AC3E}">
-        <p14:creationId xmlns:p14="http://schemas.microsoft.com/office/powerpoint/2010/main" val="144395660"/>
+        <p14:creationId xmlns:p14="http://schemas.microsoft.com/office/powerpoint/2010/main" val="238331857"/>
       </p:ext>
     </p:extLst>
   </p:cSld>
@@ -6842,7 +6826,7 @@
           <a:p>
             <a:r>
               <a:rPr lang="en-US" altLang="zh-CN" dirty="0"/>
-              <a:t>Delayed Update2 2/4</a:t>
+              <a:t>Delayed Update1 2/5</a:t>
             </a:r>
             <a:endParaRPr lang="zh-CN" altLang="en-US" dirty="0"/>
           </a:p>
@@ -6850,10 +6834,10 @@
       </p:sp>
       <p:pic>
         <p:nvPicPr>
-          <p:cNvPr id="6" name="图片 5" descr="手机屏幕截图&#10;&#10;描述已自动生成">
-            <a:extLst>
-              <a:ext uri="{FF2B5EF4-FFF2-40B4-BE49-F238E27FC236}">
-                <a16:creationId xmlns:a16="http://schemas.microsoft.com/office/drawing/2014/main" id="{325B6CE2-4B96-4E6C-8283-8DC0BC8F2FD4}"/>
+          <p:cNvPr id="4" name="图片 3" descr="手机屏幕截图&#10;&#10;描述已自动生成">
+            <a:extLst>
+              <a:ext uri="{FF2B5EF4-FFF2-40B4-BE49-F238E27FC236}">
+                <a16:creationId xmlns:a16="http://schemas.microsoft.com/office/drawing/2014/main" id="{162D177B-9D80-4AEE-B343-62A50E1CC098}"/>
               </a:ext>
             </a:extLst>
           </p:cNvPr>
@@ -6884,46 +6868,10 @@
           </a:prstGeom>
         </p:spPr>
       </p:pic>
-      <p:sp>
-        <p:nvSpPr>
-          <p:cNvPr id="7" name="文本框 6">
-            <a:extLst>
-              <a:ext uri="{FF2B5EF4-FFF2-40B4-BE49-F238E27FC236}">
-                <a16:creationId xmlns:a16="http://schemas.microsoft.com/office/drawing/2014/main" id="{950F9E7B-B991-4A25-9840-7449EE4F1A63}"/>
-              </a:ext>
-            </a:extLst>
-          </p:cNvPr>
-          <p:cNvSpPr txBox="1"/>
-          <p:nvPr/>
-        </p:nvSpPr>
-        <p:spPr>
-          <a:xfrm>
-            <a:off x="527901" y="6183984"/>
-            <a:ext cx="4958499" cy="369332"/>
-          </a:xfrm>
-          <a:prstGeom prst="rect">
-            <a:avLst/>
-          </a:prstGeom>
-          <a:noFill/>
-        </p:spPr>
-        <p:txBody>
-          <a:bodyPr wrap="square" rtlCol="0">
-            <a:spAutoFit/>
-          </a:bodyPr>
-          <a:lstStyle/>
-          <a:p>
-            <a:r>
-              <a:rPr lang="en-US" altLang="zh-CN" dirty="0"/>
-              <a:t>Why 2c.speed12 worse than the other two??</a:t>
-            </a:r>
-            <a:endParaRPr lang="zh-CN" altLang="en-US" dirty="0"/>
-          </a:p>
-        </p:txBody>
-      </p:sp>
     </p:spTree>
     <p:extLst>
       <p:ext uri="{BB962C8B-B14F-4D97-AF65-F5344CB8AC3E}">
-        <p14:creationId xmlns:p14="http://schemas.microsoft.com/office/powerpoint/2010/main" val="16932016"/>
+        <p14:creationId xmlns:p14="http://schemas.microsoft.com/office/powerpoint/2010/main" val="1138602258"/>
       </p:ext>
     </p:extLst>
   </p:cSld>
@@ -6973,7 +6921,7 @@
           <a:p>
             <a:r>
               <a:rPr lang="en-US" altLang="zh-CN" dirty="0"/>
-              <a:t>Delayed Update2 3/4</a:t>
+              <a:t>Delayed Update1 3/5</a:t>
             </a:r>
             <a:endParaRPr lang="zh-CN" altLang="en-US" dirty="0"/>
           </a:p>
@@ -6981,31 +6929,32 @@
       </p:sp>
       <p:pic>
         <p:nvPicPr>
-          <p:cNvPr id="6" name="图片 5" descr="一些文字和图片的手机截图&#10;&#10;描述已自动生成">
-            <a:extLst>
-              <a:ext uri="{FF2B5EF4-FFF2-40B4-BE49-F238E27FC236}">
-                <a16:creationId xmlns:a16="http://schemas.microsoft.com/office/drawing/2014/main" id="{DA0A920B-9BCB-4403-A165-DEB48CE86DA9}"/>
+          <p:cNvPr id="2050" name="Picture 2">
+            <a:extLst>
+              <a:ext uri="{FF2B5EF4-FFF2-40B4-BE49-F238E27FC236}">
+                <a16:creationId xmlns:a16="http://schemas.microsoft.com/office/drawing/2014/main" id="{B9CC0C22-33D7-4F60-A55E-22CFF952844E}"/>
               </a:ext>
             </a:extLst>
           </p:cNvPr>
           <p:cNvPicPr>
-            <a:picLocks noChangeAspect="1"/>
+            <a:picLocks noChangeAspect="1" noChangeArrowheads="1"/>
           </p:cNvPicPr>
           <p:nvPr/>
         </p:nvPicPr>
         <p:blipFill>
-          <a:blip r:embed="rId3">
+          <a:blip r:embed="rId2">
             <a:extLst>
               <a:ext uri="{28A0092B-C50C-407E-A947-70E740481C1C}">
                 <a14:useLocalDpi xmlns:a14="http://schemas.microsoft.com/office/drawing/2010/main" val="0"/>
               </a:ext>
             </a:extLst>
           </a:blip>
+          <a:srcRect/>
           <a:stretch>
             <a:fillRect/>
           </a:stretch>
         </p:blipFill>
-        <p:spPr>
+        <p:spPr bwMode="auto">
           <a:xfrm>
             <a:off x="0" y="1690688"/>
             <a:ext cx="12192000" cy="4324709"/>
@@ -7013,12 +6962,22 @@
           <a:prstGeom prst="rect">
             <a:avLst/>
           </a:prstGeom>
+          <a:noFill/>
+          <a:extLst>
+            <a:ext uri="{909E8E84-426E-40DD-AFC4-6F175D3DCCD1}">
+              <a14:hiddenFill xmlns:a14="http://schemas.microsoft.com/office/drawing/2010/main">
+                <a:solidFill>
+                  <a:srgbClr val="FFFFFF"/>
+                </a:solidFill>
+              </a14:hiddenFill>
+            </a:ext>
+          </a:extLst>
         </p:spPr>
       </p:pic>
     </p:spTree>
     <p:extLst>
       <p:ext uri="{BB962C8B-B14F-4D97-AF65-F5344CB8AC3E}">
-        <p14:creationId xmlns:p14="http://schemas.microsoft.com/office/powerpoint/2010/main" val="4122319261"/>
+        <p14:creationId xmlns:p14="http://schemas.microsoft.com/office/powerpoint/2010/main" val="4056667734"/>
       </p:ext>
     </p:extLst>
   </p:cSld>
@@ -7068,7 +7027,7 @@
           <a:p>
             <a:r>
               <a:rPr lang="en-US" altLang="zh-CN" dirty="0"/>
-              <a:t>Delayed Update2 4/4</a:t>
+              <a:t>Delayed Update1 4/5</a:t>
             </a:r>
             <a:endParaRPr lang="zh-CN" altLang="en-US" dirty="0"/>
           </a:p>
@@ -7076,10 +7035,10 @@
       </p:sp>
       <p:pic>
         <p:nvPicPr>
-          <p:cNvPr id="6" name="图片 5" descr="手机屏幕截图&#10;&#10;描述已自动生成">
-            <a:extLst>
-              <a:ext uri="{FF2B5EF4-FFF2-40B4-BE49-F238E27FC236}">
-                <a16:creationId xmlns:a16="http://schemas.microsoft.com/office/drawing/2014/main" id="{8160BAA1-AA7A-4812-BB2F-8F7D2D5A052F}"/>
+          <p:cNvPr id="4" name="图片 3" descr="手机屏幕截图&#10;&#10;描述已自动生成">
+            <a:extLst>
+              <a:ext uri="{FF2B5EF4-FFF2-40B4-BE49-F238E27FC236}">
+                <a16:creationId xmlns:a16="http://schemas.microsoft.com/office/drawing/2014/main" id="{DDF2D216-6006-44AA-9142-DAB7B1950EFD}"/>
               </a:ext>
             </a:extLst>
           </p:cNvPr>
@@ -7089,7 +7048,7 @@
           <p:nvPr/>
         </p:nvPicPr>
         <p:blipFill>
-          <a:blip r:embed="rId3">
+          <a:blip r:embed="rId2">
             <a:extLst>
               <a:ext uri="{28A0092B-C50C-407E-A947-70E740481C1C}">
                 <a14:useLocalDpi xmlns:a14="http://schemas.microsoft.com/office/drawing/2010/main" val="0"/>
@@ -7113,7 +7072,7 @@
     </p:spTree>
     <p:extLst>
       <p:ext uri="{BB962C8B-B14F-4D97-AF65-F5344CB8AC3E}">
-        <p14:creationId xmlns:p14="http://schemas.microsoft.com/office/powerpoint/2010/main" val="3847275610"/>
+        <p14:creationId xmlns:p14="http://schemas.microsoft.com/office/powerpoint/2010/main" val="2543341189"/>
       </p:ext>
     </p:extLst>
   </p:cSld>
@@ -7145,7 +7104,7 @@
           <p:cNvPr id="2" name="标题 1">
             <a:extLst>
               <a:ext uri="{FF2B5EF4-FFF2-40B4-BE49-F238E27FC236}">
-                <a16:creationId xmlns:a16="http://schemas.microsoft.com/office/drawing/2014/main" id="{504CA388-722A-45D0-8393-FEF0260A7830}"/>
+                <a16:creationId xmlns:a16="http://schemas.microsoft.com/office/drawing/2014/main" id="{FDBDF9CE-045B-4932-BBDF-5C6982733BDC}"/>
               </a:ext>
             </a:extLst>
           </p:cNvPr>
@@ -7161,39 +7120,101 @@
           <a:bodyPr/>
           <a:lstStyle/>
           <a:p>
-            <a:endParaRPr lang="zh-CN" altLang="en-US"/>
-          </a:p>
-        </p:txBody>
-      </p:sp>
-      <p:sp>
-        <p:nvSpPr>
-          <p:cNvPr id="3" name="内容占位符 2">
-            <a:extLst>
-              <a:ext uri="{FF2B5EF4-FFF2-40B4-BE49-F238E27FC236}">
-                <a16:creationId xmlns:a16="http://schemas.microsoft.com/office/drawing/2014/main" id="{7A866C07-6CDE-4D9A-AFD8-4BB9320A8D6D}"/>
-              </a:ext>
-            </a:extLst>
-          </p:cNvPr>
-          <p:cNvSpPr>
-            <a:spLocks noGrp="1"/>
-          </p:cNvSpPr>
-          <p:nvPr>
-            <p:ph idx="1"/>
-          </p:nvPr>
-        </p:nvSpPr>
-        <p:spPr/>
-        <p:txBody>
-          <a:bodyPr/>
-          <a:lstStyle/>
-          <a:p>
-            <a:endParaRPr lang="zh-CN" altLang="en-US"/>
+            <a:r>
+              <a:rPr lang="en-US" altLang="zh-CN" dirty="0"/>
+              <a:t>Delayed Update1 5/5</a:t>
+            </a:r>
+            <a:endParaRPr lang="zh-CN" altLang="en-US" dirty="0"/>
+          </a:p>
+        </p:txBody>
+      </p:sp>
+      <p:pic>
+        <p:nvPicPr>
+          <p:cNvPr id="3074" name="Picture 2">
+            <a:extLst>
+              <a:ext uri="{FF2B5EF4-FFF2-40B4-BE49-F238E27FC236}">
+                <a16:creationId xmlns:a16="http://schemas.microsoft.com/office/drawing/2014/main" id="{5869DA56-A187-4A85-8354-37D449D4EDD1}"/>
+              </a:ext>
+            </a:extLst>
+          </p:cNvPr>
+          <p:cNvPicPr>
+            <a:picLocks noChangeAspect="1" noChangeArrowheads="1"/>
+          </p:cNvPicPr>
+          <p:nvPr/>
+        </p:nvPicPr>
+        <p:blipFill>
+          <a:blip r:embed="rId2">
+            <a:extLst>
+              <a:ext uri="{28A0092B-C50C-407E-A947-70E740481C1C}">
+                <a14:useLocalDpi xmlns:a14="http://schemas.microsoft.com/office/drawing/2010/main" val="0"/>
+              </a:ext>
+            </a:extLst>
+          </a:blip>
+          <a:srcRect/>
+          <a:stretch>
+            <a:fillRect/>
+          </a:stretch>
+        </p:blipFill>
+        <p:spPr bwMode="auto">
+          <a:xfrm>
+            <a:off x="-11724" y="1690688"/>
+            <a:ext cx="12203724" cy="4328868"/>
+          </a:xfrm>
+          <a:prstGeom prst="rect">
+            <a:avLst/>
+          </a:prstGeom>
+          <a:noFill/>
+          <a:extLst>
+            <a:ext uri="{909E8E84-426E-40DD-AFC4-6F175D3DCCD1}">
+              <a14:hiddenFill xmlns:a14="http://schemas.microsoft.com/office/drawing/2010/main">
+                <a:solidFill>
+                  <a:srgbClr val="FFFFFF"/>
+                </a:solidFill>
+              </a14:hiddenFill>
+            </a:ext>
+          </a:extLst>
+        </p:spPr>
+      </p:pic>
+      <p:sp>
+        <p:nvSpPr>
+          <p:cNvPr id="3" name="文本框 2">
+            <a:extLst>
+              <a:ext uri="{FF2B5EF4-FFF2-40B4-BE49-F238E27FC236}">
+                <a16:creationId xmlns:a16="http://schemas.microsoft.com/office/drawing/2014/main" id="{9A9A0CEC-C2ED-4144-9784-6C5D8B5993CB}"/>
+              </a:ext>
+            </a:extLst>
+          </p:cNvPr>
+          <p:cNvSpPr txBox="1"/>
+          <p:nvPr/>
+        </p:nvSpPr>
+        <p:spPr>
+          <a:xfrm>
+            <a:off x="452487" y="6287679"/>
+            <a:ext cx="3667026" cy="369332"/>
+          </a:xfrm>
+          <a:prstGeom prst="rect">
+            <a:avLst/>
+          </a:prstGeom>
+          <a:noFill/>
+        </p:spPr>
+        <p:txBody>
+          <a:bodyPr wrap="square" rtlCol="0">
+            <a:spAutoFit/>
+          </a:bodyPr>
+          <a:lstStyle/>
+          <a:p>
+            <a:r>
+              <a:rPr lang="en-US" altLang="zh-CN" dirty="0"/>
+              <a:t>Why 2c behaves differently?</a:t>
+            </a:r>
+            <a:endParaRPr lang="zh-CN" altLang="en-US" dirty="0"/>
           </a:p>
         </p:txBody>
       </p:sp>
     </p:spTree>
     <p:extLst>
       <p:ext uri="{BB962C8B-B14F-4D97-AF65-F5344CB8AC3E}">
-        <p14:creationId xmlns:p14="http://schemas.microsoft.com/office/powerpoint/2010/main" val="3913427699"/>
+        <p14:creationId xmlns:p14="http://schemas.microsoft.com/office/powerpoint/2010/main" val="1309238028"/>
       </p:ext>
     </p:extLst>
   </p:cSld>
@@ -7225,7 +7246,7 @@
           <p:cNvPr id="2" name="标题 1">
             <a:extLst>
               <a:ext uri="{FF2B5EF4-FFF2-40B4-BE49-F238E27FC236}">
-                <a16:creationId xmlns:a16="http://schemas.microsoft.com/office/drawing/2014/main" id="{A483EF9E-92DF-4463-A96C-B881A7347836}"/>
+                <a16:creationId xmlns:a16="http://schemas.microsoft.com/office/drawing/2014/main" id="{FDBDF9CE-045B-4932-BBDF-5C6982733BDC}"/>
               </a:ext>
             </a:extLst>
           </p:cNvPr>
@@ -7242,12 +7263,8 @@
           <a:lstStyle/>
           <a:p>
             <a:r>
-              <a:rPr lang="en-US" altLang="zh-CN" dirty="0" err="1"/>
-              <a:t>Bioinfo</a:t>
-            </a:r>
-            <a:r>
               <a:rPr lang="en-US" altLang="zh-CN" dirty="0"/>
-              <a:t>-task acc</a:t>
+              <a:t>Delayed Update2 1/4</a:t>
             </a:r>
             <a:endParaRPr lang="zh-CN" altLang="en-US" dirty="0"/>
           </a:p>
@@ -7255,10 +7272,10 @@
       </p:sp>
       <p:pic>
         <p:nvPicPr>
-          <p:cNvPr id="5" name="图片 4" descr="手机屏幕截图&#10;&#10;描述已自动生成">
-            <a:extLst>
-              <a:ext uri="{FF2B5EF4-FFF2-40B4-BE49-F238E27FC236}">
-                <a16:creationId xmlns:a16="http://schemas.microsoft.com/office/drawing/2014/main" id="{F637A9A2-EE80-4183-84E9-BE5D1BDA438C}"/>
+          <p:cNvPr id="6" name="图片 5">
+            <a:extLst>
+              <a:ext uri="{FF2B5EF4-FFF2-40B4-BE49-F238E27FC236}">
+                <a16:creationId xmlns:a16="http://schemas.microsoft.com/office/drawing/2014/main" id="{C5807BE3-A9C6-48A5-98FC-341269B3172C}"/>
               </a:ext>
             </a:extLst>
           </p:cNvPr>
@@ -7281,8 +7298,8 @@
         </p:blipFill>
         <p:spPr>
           <a:xfrm>
-            <a:off x="6909693" y="3079325"/>
-            <a:ext cx="4801694" cy="3150318"/>
+            <a:off x="0" y="1690688"/>
+            <a:ext cx="12192000" cy="4324709"/>
           </a:xfrm>
           <a:prstGeom prst="rect">
             <a:avLst/>
@@ -7291,10 +7308,10 @@
       </p:pic>
       <p:sp>
         <p:nvSpPr>
-          <p:cNvPr id="6" name="文本框 5">
-            <a:extLst>
-              <a:ext uri="{FF2B5EF4-FFF2-40B4-BE49-F238E27FC236}">
-                <a16:creationId xmlns:a16="http://schemas.microsoft.com/office/drawing/2014/main" id="{AFE2EE67-7BCD-4B84-870F-F7790A7F1DF4}"/>
+          <p:cNvPr id="7" name="文本框 6">
+            <a:extLst>
+              <a:ext uri="{FF2B5EF4-FFF2-40B4-BE49-F238E27FC236}">
+                <a16:creationId xmlns:a16="http://schemas.microsoft.com/office/drawing/2014/main" id="{0F12012F-9567-427C-8EAF-A3A3F07554E1}"/>
               </a:ext>
             </a:extLst>
           </p:cNvPr>
@@ -7303,8 +7320,8 @@
         </p:nvSpPr>
         <p:spPr>
           <a:xfrm>
-            <a:off x="7560297" y="2630078"/>
-            <a:ext cx="763572" cy="369332"/>
+            <a:off x="527901" y="6183984"/>
+            <a:ext cx="4958499" cy="369332"/>
           </a:xfrm>
           <a:prstGeom prst="rect">
             <a:avLst/>
@@ -7319,7 +7336,66 @@
           <a:p>
             <a:r>
               <a:rPr lang="en-US" altLang="zh-CN" dirty="0"/>
-              <a:t>SGD</a:t>
+              <a:t>Why 2c.speed12 worse than the other two??</a:t>
+            </a:r>
+            <a:endParaRPr lang="zh-CN" altLang="en-US" dirty="0"/>
+          </a:p>
+        </p:txBody>
+      </p:sp>
+    </p:spTree>
+    <p:extLst>
+      <p:ext uri="{BB962C8B-B14F-4D97-AF65-F5344CB8AC3E}">
+        <p14:creationId xmlns:p14="http://schemas.microsoft.com/office/powerpoint/2010/main" val="144395660"/>
+      </p:ext>
+    </p:extLst>
+  </p:cSld>
+  <p:clrMapOvr>
+    <a:masterClrMapping/>
+  </p:clrMapOvr>
+</p:sld>
+</file>
+
+<file path=ppt/slides/slide28.xml><?xml version="1.0" encoding="utf-8"?>
+<p:sld xmlns:a="http://schemas.openxmlformats.org/drawingml/2006/main" xmlns:r="http://schemas.openxmlformats.org/officeDocument/2006/relationships" xmlns:p="http://schemas.openxmlformats.org/presentationml/2006/main">
+  <p:cSld>
+    <p:spTree>
+      <p:nvGrpSpPr>
+        <p:cNvPr id="1" name=""/>
+        <p:cNvGrpSpPr/>
+        <p:nvPr/>
+      </p:nvGrpSpPr>
+      <p:grpSpPr>
+        <a:xfrm>
+          <a:off x="0" y="0"/>
+          <a:ext cx="0" cy="0"/>
+          <a:chOff x="0" y="0"/>
+          <a:chExt cx="0" cy="0"/>
+        </a:xfrm>
+      </p:grpSpPr>
+      <p:sp>
+        <p:nvSpPr>
+          <p:cNvPr id="2" name="标题 1">
+            <a:extLst>
+              <a:ext uri="{FF2B5EF4-FFF2-40B4-BE49-F238E27FC236}">
+                <a16:creationId xmlns:a16="http://schemas.microsoft.com/office/drawing/2014/main" id="{FDBDF9CE-045B-4932-BBDF-5C6982733BDC}"/>
+              </a:ext>
+            </a:extLst>
+          </p:cNvPr>
+          <p:cNvSpPr>
+            <a:spLocks noGrp="1"/>
+          </p:cNvSpPr>
+          <p:nvPr>
+            <p:ph type="title"/>
+          </p:nvPr>
+        </p:nvSpPr>
+        <p:spPr/>
+        <p:txBody>
+          <a:bodyPr/>
+          <a:lstStyle/>
+          <a:p>
+            <a:r>
+              <a:rPr lang="en-US" altLang="zh-CN" dirty="0"/>
+              <a:t>Delayed Update2 2/4</a:t>
             </a:r>
             <a:endParaRPr lang="zh-CN" altLang="en-US" dirty="0"/>
           </a:p>
@@ -7327,10 +7403,141 @@
       </p:sp>
       <p:pic>
         <p:nvPicPr>
-          <p:cNvPr id="8" name="图片 7" descr="地图的截图&#10;&#10;描述已自动生成">
-            <a:extLst>
-              <a:ext uri="{FF2B5EF4-FFF2-40B4-BE49-F238E27FC236}">
-                <a16:creationId xmlns:a16="http://schemas.microsoft.com/office/drawing/2014/main" id="{16368AC7-D9B6-4173-AA7C-7C2AACDB2A5C}"/>
+          <p:cNvPr id="6" name="图片 5" descr="手机屏幕截图&#10;&#10;描述已自动生成">
+            <a:extLst>
+              <a:ext uri="{FF2B5EF4-FFF2-40B4-BE49-F238E27FC236}">
+                <a16:creationId xmlns:a16="http://schemas.microsoft.com/office/drawing/2014/main" id="{325B6CE2-4B96-4E6C-8283-8DC0BC8F2FD4}"/>
+              </a:ext>
+            </a:extLst>
+          </p:cNvPr>
+          <p:cNvPicPr>
+            <a:picLocks noChangeAspect="1"/>
+          </p:cNvPicPr>
+          <p:nvPr/>
+        </p:nvPicPr>
+        <p:blipFill>
+          <a:blip r:embed="rId2">
+            <a:extLst>
+              <a:ext uri="{28A0092B-C50C-407E-A947-70E740481C1C}">
+                <a14:useLocalDpi xmlns:a14="http://schemas.microsoft.com/office/drawing/2010/main" val="0"/>
+              </a:ext>
+            </a:extLst>
+          </a:blip>
+          <a:stretch>
+            <a:fillRect/>
+          </a:stretch>
+        </p:blipFill>
+        <p:spPr>
+          <a:xfrm>
+            <a:off x="0" y="1690688"/>
+            <a:ext cx="12192000" cy="4324709"/>
+          </a:xfrm>
+          <a:prstGeom prst="rect">
+            <a:avLst/>
+          </a:prstGeom>
+        </p:spPr>
+      </p:pic>
+      <p:sp>
+        <p:nvSpPr>
+          <p:cNvPr id="7" name="文本框 6">
+            <a:extLst>
+              <a:ext uri="{FF2B5EF4-FFF2-40B4-BE49-F238E27FC236}">
+                <a16:creationId xmlns:a16="http://schemas.microsoft.com/office/drawing/2014/main" id="{950F9E7B-B991-4A25-9840-7449EE4F1A63}"/>
+              </a:ext>
+            </a:extLst>
+          </p:cNvPr>
+          <p:cNvSpPr txBox="1"/>
+          <p:nvPr/>
+        </p:nvSpPr>
+        <p:spPr>
+          <a:xfrm>
+            <a:off x="527901" y="6183984"/>
+            <a:ext cx="4958499" cy="369332"/>
+          </a:xfrm>
+          <a:prstGeom prst="rect">
+            <a:avLst/>
+          </a:prstGeom>
+          <a:noFill/>
+        </p:spPr>
+        <p:txBody>
+          <a:bodyPr wrap="square" rtlCol="0">
+            <a:spAutoFit/>
+          </a:bodyPr>
+          <a:lstStyle/>
+          <a:p>
+            <a:r>
+              <a:rPr lang="en-US" altLang="zh-CN" dirty="0"/>
+              <a:t>Why 2c.speed12 worse than the other two??</a:t>
+            </a:r>
+            <a:endParaRPr lang="zh-CN" altLang="en-US" dirty="0"/>
+          </a:p>
+        </p:txBody>
+      </p:sp>
+    </p:spTree>
+    <p:extLst>
+      <p:ext uri="{BB962C8B-B14F-4D97-AF65-F5344CB8AC3E}">
+        <p14:creationId xmlns:p14="http://schemas.microsoft.com/office/powerpoint/2010/main" val="16932016"/>
+      </p:ext>
+    </p:extLst>
+  </p:cSld>
+  <p:clrMapOvr>
+    <a:masterClrMapping/>
+  </p:clrMapOvr>
+</p:sld>
+</file>
+
+<file path=ppt/slides/slide29.xml><?xml version="1.0" encoding="utf-8"?>
+<p:sld xmlns:a="http://schemas.openxmlformats.org/drawingml/2006/main" xmlns:r="http://schemas.openxmlformats.org/officeDocument/2006/relationships" xmlns:p="http://schemas.openxmlformats.org/presentationml/2006/main">
+  <p:cSld>
+    <p:spTree>
+      <p:nvGrpSpPr>
+        <p:cNvPr id="1" name=""/>
+        <p:cNvGrpSpPr/>
+        <p:nvPr/>
+      </p:nvGrpSpPr>
+      <p:grpSpPr>
+        <a:xfrm>
+          <a:off x="0" y="0"/>
+          <a:ext cx="0" cy="0"/>
+          <a:chOff x="0" y="0"/>
+          <a:chExt cx="0" cy="0"/>
+        </a:xfrm>
+      </p:grpSpPr>
+      <p:sp>
+        <p:nvSpPr>
+          <p:cNvPr id="2" name="标题 1">
+            <a:extLst>
+              <a:ext uri="{FF2B5EF4-FFF2-40B4-BE49-F238E27FC236}">
+                <a16:creationId xmlns:a16="http://schemas.microsoft.com/office/drawing/2014/main" id="{FDBDF9CE-045B-4932-BBDF-5C6982733BDC}"/>
+              </a:ext>
+            </a:extLst>
+          </p:cNvPr>
+          <p:cNvSpPr>
+            <a:spLocks noGrp="1"/>
+          </p:cNvSpPr>
+          <p:nvPr>
+            <p:ph type="title"/>
+          </p:nvPr>
+        </p:nvSpPr>
+        <p:spPr/>
+        <p:txBody>
+          <a:bodyPr/>
+          <a:lstStyle/>
+          <a:p>
+            <a:r>
+              <a:rPr lang="en-US" altLang="zh-CN" dirty="0"/>
+              <a:t>Delayed Update2 3/4</a:t>
+            </a:r>
+            <a:endParaRPr lang="zh-CN" altLang="en-US" dirty="0"/>
+          </a:p>
+        </p:txBody>
+      </p:sp>
+      <p:pic>
+        <p:nvPicPr>
+          <p:cNvPr id="6" name="图片 5" descr="一些文字和图片的手机截图&#10;&#10;描述已自动生成">
+            <a:extLst>
+              <a:ext uri="{FF2B5EF4-FFF2-40B4-BE49-F238E27FC236}">
+                <a16:creationId xmlns:a16="http://schemas.microsoft.com/office/drawing/2014/main" id="{DA0A920B-9BCB-4403-A165-DEB48CE86DA9}"/>
               </a:ext>
             </a:extLst>
           </p:cNvPr>
@@ -7353,54 +7560,18 @@
         </p:blipFill>
         <p:spPr>
           <a:xfrm>
-            <a:off x="838200" y="3079325"/>
-            <a:ext cx="4725477" cy="3150318"/>
+            <a:off x="0" y="1690688"/>
+            <a:ext cx="12192000" cy="4324709"/>
           </a:xfrm>
           <a:prstGeom prst="rect">
             <a:avLst/>
           </a:prstGeom>
         </p:spPr>
       </p:pic>
-      <p:sp>
-        <p:nvSpPr>
-          <p:cNvPr id="9" name="文本框 8">
-            <a:extLst>
-              <a:ext uri="{FF2B5EF4-FFF2-40B4-BE49-F238E27FC236}">
-                <a16:creationId xmlns:a16="http://schemas.microsoft.com/office/drawing/2014/main" id="{8BC5BBF6-A39B-4514-8A1F-6B30EB57802E}"/>
-              </a:ext>
-            </a:extLst>
-          </p:cNvPr>
-          <p:cNvSpPr txBox="1"/>
-          <p:nvPr/>
-        </p:nvSpPr>
-        <p:spPr>
-          <a:xfrm>
-            <a:off x="1274190" y="2630079"/>
-            <a:ext cx="1139072" cy="369332"/>
-          </a:xfrm>
-          <a:prstGeom prst="rect">
-            <a:avLst/>
-          </a:prstGeom>
-          <a:noFill/>
-        </p:spPr>
-        <p:txBody>
-          <a:bodyPr wrap="square" rtlCol="0">
-            <a:spAutoFit/>
-          </a:bodyPr>
-          <a:lstStyle/>
-          <a:p>
-            <a:r>
-              <a:rPr lang="en-US" altLang="zh-CN" dirty="0"/>
-              <a:t>ADAM</a:t>
-            </a:r>
-            <a:endParaRPr lang="zh-CN" altLang="en-US" dirty="0"/>
-          </a:p>
-        </p:txBody>
-      </p:sp>
     </p:spTree>
     <p:extLst>
       <p:ext uri="{BB962C8B-B14F-4D97-AF65-F5344CB8AC3E}">
-        <p14:creationId xmlns:p14="http://schemas.microsoft.com/office/powerpoint/2010/main" val="3534073232"/>
+        <p14:creationId xmlns:p14="http://schemas.microsoft.com/office/powerpoint/2010/main" val="4122319261"/>
       </p:ext>
     </p:extLst>
   </p:cSld>
@@ -7496,6 +7667,388 @@
     <p:extLst>
       <p:ext uri="{BB962C8B-B14F-4D97-AF65-F5344CB8AC3E}">
         <p14:creationId xmlns:p14="http://schemas.microsoft.com/office/powerpoint/2010/main" val="2372598020"/>
+      </p:ext>
+    </p:extLst>
+  </p:cSld>
+  <p:clrMapOvr>
+    <a:masterClrMapping/>
+  </p:clrMapOvr>
+</p:sld>
+</file>
+
+<file path=ppt/slides/slide30.xml><?xml version="1.0" encoding="utf-8"?>
+<p:sld xmlns:a="http://schemas.openxmlformats.org/drawingml/2006/main" xmlns:r="http://schemas.openxmlformats.org/officeDocument/2006/relationships" xmlns:p="http://schemas.openxmlformats.org/presentationml/2006/main">
+  <p:cSld>
+    <p:spTree>
+      <p:nvGrpSpPr>
+        <p:cNvPr id="1" name=""/>
+        <p:cNvGrpSpPr/>
+        <p:nvPr/>
+      </p:nvGrpSpPr>
+      <p:grpSpPr>
+        <a:xfrm>
+          <a:off x="0" y="0"/>
+          <a:ext cx="0" cy="0"/>
+          <a:chOff x="0" y="0"/>
+          <a:chExt cx="0" cy="0"/>
+        </a:xfrm>
+      </p:grpSpPr>
+      <p:sp>
+        <p:nvSpPr>
+          <p:cNvPr id="2" name="标题 1">
+            <a:extLst>
+              <a:ext uri="{FF2B5EF4-FFF2-40B4-BE49-F238E27FC236}">
+                <a16:creationId xmlns:a16="http://schemas.microsoft.com/office/drawing/2014/main" id="{FDBDF9CE-045B-4932-BBDF-5C6982733BDC}"/>
+              </a:ext>
+            </a:extLst>
+          </p:cNvPr>
+          <p:cNvSpPr>
+            <a:spLocks noGrp="1"/>
+          </p:cNvSpPr>
+          <p:nvPr>
+            <p:ph type="title"/>
+          </p:nvPr>
+        </p:nvSpPr>
+        <p:spPr/>
+        <p:txBody>
+          <a:bodyPr/>
+          <a:lstStyle/>
+          <a:p>
+            <a:r>
+              <a:rPr lang="en-US" altLang="zh-CN" dirty="0"/>
+              <a:t>Delayed Update2 4/4</a:t>
+            </a:r>
+            <a:endParaRPr lang="zh-CN" altLang="en-US" dirty="0"/>
+          </a:p>
+        </p:txBody>
+      </p:sp>
+      <p:pic>
+        <p:nvPicPr>
+          <p:cNvPr id="6" name="图片 5" descr="手机屏幕截图&#10;&#10;描述已自动生成">
+            <a:extLst>
+              <a:ext uri="{FF2B5EF4-FFF2-40B4-BE49-F238E27FC236}">
+                <a16:creationId xmlns:a16="http://schemas.microsoft.com/office/drawing/2014/main" id="{8160BAA1-AA7A-4812-BB2F-8F7D2D5A052F}"/>
+              </a:ext>
+            </a:extLst>
+          </p:cNvPr>
+          <p:cNvPicPr>
+            <a:picLocks noChangeAspect="1"/>
+          </p:cNvPicPr>
+          <p:nvPr/>
+        </p:nvPicPr>
+        <p:blipFill>
+          <a:blip r:embed="rId3">
+            <a:extLst>
+              <a:ext uri="{28A0092B-C50C-407E-A947-70E740481C1C}">
+                <a14:useLocalDpi xmlns:a14="http://schemas.microsoft.com/office/drawing/2010/main" val="0"/>
+              </a:ext>
+            </a:extLst>
+          </a:blip>
+          <a:stretch>
+            <a:fillRect/>
+          </a:stretch>
+        </p:blipFill>
+        <p:spPr>
+          <a:xfrm>
+            <a:off x="0" y="1690688"/>
+            <a:ext cx="12192000" cy="4324709"/>
+          </a:xfrm>
+          <a:prstGeom prst="rect">
+            <a:avLst/>
+          </a:prstGeom>
+        </p:spPr>
+      </p:pic>
+    </p:spTree>
+    <p:extLst>
+      <p:ext uri="{BB962C8B-B14F-4D97-AF65-F5344CB8AC3E}">
+        <p14:creationId xmlns:p14="http://schemas.microsoft.com/office/powerpoint/2010/main" val="3847275610"/>
+      </p:ext>
+    </p:extLst>
+  </p:cSld>
+  <p:clrMapOvr>
+    <a:masterClrMapping/>
+  </p:clrMapOvr>
+</p:sld>
+</file>
+
+<file path=ppt/slides/slide31.xml><?xml version="1.0" encoding="utf-8"?>
+<p:sld xmlns:a="http://schemas.openxmlformats.org/drawingml/2006/main" xmlns:r="http://schemas.openxmlformats.org/officeDocument/2006/relationships" xmlns:p="http://schemas.openxmlformats.org/presentationml/2006/main">
+  <p:cSld>
+    <p:spTree>
+      <p:nvGrpSpPr>
+        <p:cNvPr id="1" name=""/>
+        <p:cNvGrpSpPr/>
+        <p:nvPr/>
+      </p:nvGrpSpPr>
+      <p:grpSpPr>
+        <a:xfrm>
+          <a:off x="0" y="0"/>
+          <a:ext cx="0" cy="0"/>
+          <a:chOff x="0" y="0"/>
+          <a:chExt cx="0" cy="0"/>
+        </a:xfrm>
+      </p:grpSpPr>
+      <p:sp>
+        <p:nvSpPr>
+          <p:cNvPr id="2" name="标题 1">
+            <a:extLst>
+              <a:ext uri="{FF2B5EF4-FFF2-40B4-BE49-F238E27FC236}">
+                <a16:creationId xmlns:a16="http://schemas.microsoft.com/office/drawing/2014/main" id="{504CA388-722A-45D0-8393-FEF0260A7830}"/>
+              </a:ext>
+            </a:extLst>
+          </p:cNvPr>
+          <p:cNvSpPr>
+            <a:spLocks noGrp="1"/>
+          </p:cNvSpPr>
+          <p:nvPr>
+            <p:ph type="title"/>
+          </p:nvPr>
+        </p:nvSpPr>
+        <p:spPr/>
+        <p:txBody>
+          <a:bodyPr/>
+          <a:lstStyle/>
+          <a:p>
+            <a:endParaRPr lang="zh-CN" altLang="en-US"/>
+          </a:p>
+        </p:txBody>
+      </p:sp>
+      <p:sp>
+        <p:nvSpPr>
+          <p:cNvPr id="3" name="内容占位符 2">
+            <a:extLst>
+              <a:ext uri="{FF2B5EF4-FFF2-40B4-BE49-F238E27FC236}">
+                <a16:creationId xmlns:a16="http://schemas.microsoft.com/office/drawing/2014/main" id="{7A866C07-6CDE-4D9A-AFD8-4BB9320A8D6D}"/>
+              </a:ext>
+            </a:extLst>
+          </p:cNvPr>
+          <p:cNvSpPr>
+            <a:spLocks noGrp="1"/>
+          </p:cNvSpPr>
+          <p:nvPr>
+            <p:ph idx="1"/>
+          </p:nvPr>
+        </p:nvSpPr>
+        <p:spPr/>
+        <p:txBody>
+          <a:bodyPr/>
+          <a:lstStyle/>
+          <a:p>
+            <a:endParaRPr lang="zh-CN" altLang="en-US"/>
+          </a:p>
+        </p:txBody>
+      </p:sp>
+    </p:spTree>
+    <p:extLst>
+      <p:ext uri="{BB962C8B-B14F-4D97-AF65-F5344CB8AC3E}">
+        <p14:creationId xmlns:p14="http://schemas.microsoft.com/office/powerpoint/2010/main" val="3913427699"/>
+      </p:ext>
+    </p:extLst>
+  </p:cSld>
+  <p:clrMapOvr>
+    <a:masterClrMapping/>
+  </p:clrMapOvr>
+</p:sld>
+</file>
+
+<file path=ppt/slides/slide32.xml><?xml version="1.0" encoding="utf-8"?>
+<p:sld xmlns:a="http://schemas.openxmlformats.org/drawingml/2006/main" xmlns:r="http://schemas.openxmlformats.org/officeDocument/2006/relationships" xmlns:p="http://schemas.openxmlformats.org/presentationml/2006/main">
+  <p:cSld>
+    <p:spTree>
+      <p:nvGrpSpPr>
+        <p:cNvPr id="1" name=""/>
+        <p:cNvGrpSpPr/>
+        <p:nvPr/>
+      </p:nvGrpSpPr>
+      <p:grpSpPr>
+        <a:xfrm>
+          <a:off x="0" y="0"/>
+          <a:ext cx="0" cy="0"/>
+          <a:chOff x="0" y="0"/>
+          <a:chExt cx="0" cy="0"/>
+        </a:xfrm>
+      </p:grpSpPr>
+      <p:sp>
+        <p:nvSpPr>
+          <p:cNvPr id="2" name="标题 1">
+            <a:extLst>
+              <a:ext uri="{FF2B5EF4-FFF2-40B4-BE49-F238E27FC236}">
+                <a16:creationId xmlns:a16="http://schemas.microsoft.com/office/drawing/2014/main" id="{A483EF9E-92DF-4463-A96C-B881A7347836}"/>
+              </a:ext>
+            </a:extLst>
+          </p:cNvPr>
+          <p:cNvSpPr>
+            <a:spLocks noGrp="1"/>
+          </p:cNvSpPr>
+          <p:nvPr>
+            <p:ph type="title"/>
+          </p:nvPr>
+        </p:nvSpPr>
+        <p:spPr/>
+        <p:txBody>
+          <a:bodyPr/>
+          <a:lstStyle/>
+          <a:p>
+            <a:r>
+              <a:rPr lang="en-US" altLang="zh-CN" dirty="0" err="1"/>
+              <a:t>Bioinfo</a:t>
+            </a:r>
+            <a:r>
+              <a:rPr lang="en-US" altLang="zh-CN" dirty="0"/>
+              <a:t>-task acc</a:t>
+            </a:r>
+            <a:endParaRPr lang="zh-CN" altLang="en-US" dirty="0"/>
+          </a:p>
+        </p:txBody>
+      </p:sp>
+      <p:pic>
+        <p:nvPicPr>
+          <p:cNvPr id="5" name="图片 4" descr="手机屏幕截图&#10;&#10;描述已自动生成">
+            <a:extLst>
+              <a:ext uri="{FF2B5EF4-FFF2-40B4-BE49-F238E27FC236}">
+                <a16:creationId xmlns:a16="http://schemas.microsoft.com/office/drawing/2014/main" id="{F637A9A2-EE80-4183-84E9-BE5D1BDA438C}"/>
+              </a:ext>
+            </a:extLst>
+          </p:cNvPr>
+          <p:cNvPicPr>
+            <a:picLocks noChangeAspect="1"/>
+          </p:cNvPicPr>
+          <p:nvPr/>
+        </p:nvPicPr>
+        <p:blipFill>
+          <a:blip r:embed="rId2">
+            <a:extLst>
+              <a:ext uri="{28A0092B-C50C-407E-A947-70E740481C1C}">
+                <a14:useLocalDpi xmlns:a14="http://schemas.microsoft.com/office/drawing/2010/main" val="0"/>
+              </a:ext>
+            </a:extLst>
+          </a:blip>
+          <a:stretch>
+            <a:fillRect/>
+          </a:stretch>
+        </p:blipFill>
+        <p:spPr>
+          <a:xfrm>
+            <a:off x="6909693" y="3079325"/>
+            <a:ext cx="4801694" cy="3150318"/>
+          </a:xfrm>
+          <a:prstGeom prst="rect">
+            <a:avLst/>
+          </a:prstGeom>
+        </p:spPr>
+      </p:pic>
+      <p:sp>
+        <p:nvSpPr>
+          <p:cNvPr id="6" name="文本框 5">
+            <a:extLst>
+              <a:ext uri="{FF2B5EF4-FFF2-40B4-BE49-F238E27FC236}">
+                <a16:creationId xmlns:a16="http://schemas.microsoft.com/office/drawing/2014/main" id="{AFE2EE67-7BCD-4B84-870F-F7790A7F1DF4}"/>
+              </a:ext>
+            </a:extLst>
+          </p:cNvPr>
+          <p:cNvSpPr txBox="1"/>
+          <p:nvPr/>
+        </p:nvSpPr>
+        <p:spPr>
+          <a:xfrm>
+            <a:off x="7560297" y="2630078"/>
+            <a:ext cx="763572" cy="369332"/>
+          </a:xfrm>
+          <a:prstGeom prst="rect">
+            <a:avLst/>
+          </a:prstGeom>
+          <a:noFill/>
+        </p:spPr>
+        <p:txBody>
+          <a:bodyPr wrap="square" rtlCol="0">
+            <a:spAutoFit/>
+          </a:bodyPr>
+          <a:lstStyle/>
+          <a:p>
+            <a:r>
+              <a:rPr lang="en-US" altLang="zh-CN" dirty="0"/>
+              <a:t>SGD</a:t>
+            </a:r>
+            <a:endParaRPr lang="zh-CN" altLang="en-US" dirty="0"/>
+          </a:p>
+        </p:txBody>
+      </p:sp>
+      <p:pic>
+        <p:nvPicPr>
+          <p:cNvPr id="8" name="图片 7" descr="地图的截图&#10;&#10;描述已自动生成">
+            <a:extLst>
+              <a:ext uri="{FF2B5EF4-FFF2-40B4-BE49-F238E27FC236}">
+                <a16:creationId xmlns:a16="http://schemas.microsoft.com/office/drawing/2014/main" id="{16368AC7-D9B6-4173-AA7C-7C2AACDB2A5C}"/>
+              </a:ext>
+            </a:extLst>
+          </p:cNvPr>
+          <p:cNvPicPr>
+            <a:picLocks noChangeAspect="1"/>
+          </p:cNvPicPr>
+          <p:nvPr/>
+        </p:nvPicPr>
+        <p:blipFill>
+          <a:blip r:embed="rId3">
+            <a:extLst>
+              <a:ext uri="{28A0092B-C50C-407E-A947-70E740481C1C}">
+                <a14:useLocalDpi xmlns:a14="http://schemas.microsoft.com/office/drawing/2010/main" val="0"/>
+              </a:ext>
+            </a:extLst>
+          </a:blip>
+          <a:stretch>
+            <a:fillRect/>
+          </a:stretch>
+        </p:blipFill>
+        <p:spPr>
+          <a:xfrm>
+            <a:off x="838200" y="3079325"/>
+            <a:ext cx="4725477" cy="3150318"/>
+          </a:xfrm>
+          <a:prstGeom prst="rect">
+            <a:avLst/>
+          </a:prstGeom>
+        </p:spPr>
+      </p:pic>
+      <p:sp>
+        <p:nvSpPr>
+          <p:cNvPr id="9" name="文本框 8">
+            <a:extLst>
+              <a:ext uri="{FF2B5EF4-FFF2-40B4-BE49-F238E27FC236}">
+                <a16:creationId xmlns:a16="http://schemas.microsoft.com/office/drawing/2014/main" id="{8BC5BBF6-A39B-4514-8A1F-6B30EB57802E}"/>
+              </a:ext>
+            </a:extLst>
+          </p:cNvPr>
+          <p:cNvSpPr txBox="1"/>
+          <p:nvPr/>
+        </p:nvSpPr>
+        <p:spPr>
+          <a:xfrm>
+            <a:off x="1274190" y="2630079"/>
+            <a:ext cx="1139072" cy="369332"/>
+          </a:xfrm>
+          <a:prstGeom prst="rect">
+            <a:avLst/>
+          </a:prstGeom>
+          <a:noFill/>
+        </p:spPr>
+        <p:txBody>
+          <a:bodyPr wrap="square" rtlCol="0">
+            <a:spAutoFit/>
+          </a:bodyPr>
+          <a:lstStyle/>
+          <a:p>
+            <a:r>
+              <a:rPr lang="en-US" altLang="zh-CN" dirty="0"/>
+              <a:t>ADAM</a:t>
+            </a:r>
+            <a:endParaRPr lang="zh-CN" altLang="en-US" dirty="0"/>
+          </a:p>
+        </p:txBody>
+      </p:sp>
+    </p:spTree>
+    <p:extLst>
+      <p:ext uri="{BB962C8B-B14F-4D97-AF65-F5344CB8AC3E}">
+        <p14:creationId xmlns:p14="http://schemas.microsoft.com/office/powerpoint/2010/main" val="3534073232"/>
       </p:ext>
     </p:extLst>
   </p:cSld>
@@ -8777,6 +9330,50 @@
           </a:extLst>
         </p:spPr>
       </p:pic>
+      <p:sp>
+        <p:nvSpPr>
+          <p:cNvPr id="4" name="文本框 3">
+            <a:extLst>
+              <a:ext uri="{FF2B5EF4-FFF2-40B4-BE49-F238E27FC236}">
+                <a16:creationId xmlns:a16="http://schemas.microsoft.com/office/drawing/2014/main" id="{2592D6CE-241A-43F0-B119-FC689ED0B73C}"/>
+              </a:ext>
+            </a:extLst>
+          </p:cNvPr>
+          <p:cNvSpPr txBox="1"/>
+          <p:nvPr/>
+        </p:nvSpPr>
+        <p:spPr>
+          <a:xfrm>
+            <a:off x="1357460" y="6306532"/>
+            <a:ext cx="5656082" cy="369332"/>
+          </a:xfrm>
+          <a:prstGeom prst="rect">
+            <a:avLst/>
+          </a:prstGeom>
+          <a:noFill/>
+        </p:spPr>
+        <p:txBody>
+          <a:bodyPr wrap="square" rtlCol="0">
+            <a:spAutoFit/>
+          </a:bodyPr>
+          <a:lstStyle/>
+          <a:p>
+            <a:r>
+              <a:rPr lang="en-US" altLang="zh-CN" dirty="0" err="1"/>
+              <a:t>Node_EVAL_lastEPO</a:t>
+            </a:r>
+            <a:r>
+              <a:rPr lang="en-US" altLang="zh-CN" dirty="0"/>
+              <a:t> perfectly covered by </a:t>
+            </a:r>
+            <a:r>
+              <a:rPr lang="en-US" altLang="zh-CN" dirty="0" err="1"/>
+              <a:t>central_EVAL</a:t>
+            </a:r>
+            <a:endParaRPr lang="zh-CN" altLang="en-US" dirty="0"/>
+          </a:p>
+        </p:txBody>
+      </p:sp>
     </p:spTree>
     <p:extLst>
       <p:ext uri="{BB962C8B-B14F-4D97-AF65-F5344CB8AC3E}">

--- a/Cifar10/TestResults.pptx
+++ b/Cifar10/TestResults.pptx
@@ -5,7 +5,7 @@
     <p:sldMasterId id="2147483648" r:id="rId1"/>
   </p:sldMasterIdLst>
   <p:notesMasterIdLst>
-    <p:notesMasterId r:id="rId34"/>
+    <p:notesMasterId r:id="rId33"/>
   </p:notesMasterIdLst>
   <p:sldIdLst>
     <p:sldId id="256" r:id="rId2"/>
@@ -20,26 +20,25 @@
     <p:sldId id="275" r:id="rId11"/>
     <p:sldId id="274" r:id="rId12"/>
     <p:sldId id="261" r:id="rId13"/>
-    <p:sldId id="279" r:id="rId14"/>
-    <p:sldId id="262" r:id="rId15"/>
-    <p:sldId id="294" r:id="rId16"/>
-    <p:sldId id="280" r:id="rId17"/>
-    <p:sldId id="295" r:id="rId18"/>
-    <p:sldId id="296" r:id="rId19"/>
-    <p:sldId id="297" r:id="rId20"/>
-    <p:sldId id="298" r:id="rId21"/>
-    <p:sldId id="263" r:id="rId22"/>
-    <p:sldId id="266" r:id="rId23"/>
-    <p:sldId id="282" r:id="rId24"/>
-    <p:sldId id="281" r:id="rId25"/>
-    <p:sldId id="286" r:id="rId26"/>
-    <p:sldId id="287" r:id="rId27"/>
-    <p:sldId id="285" r:id="rId28"/>
-    <p:sldId id="288" r:id="rId29"/>
-    <p:sldId id="291" r:id="rId30"/>
-    <p:sldId id="289" r:id="rId31"/>
-    <p:sldId id="292" r:id="rId32"/>
-    <p:sldId id="283" r:id="rId33"/>
+    <p:sldId id="299" r:id="rId14"/>
+    <p:sldId id="279" r:id="rId15"/>
+    <p:sldId id="262" r:id="rId16"/>
+    <p:sldId id="294" r:id="rId17"/>
+    <p:sldId id="280" r:id="rId18"/>
+    <p:sldId id="295" r:id="rId19"/>
+    <p:sldId id="296" r:id="rId20"/>
+    <p:sldId id="297" r:id="rId21"/>
+    <p:sldId id="298" r:id="rId22"/>
+    <p:sldId id="263" r:id="rId23"/>
+    <p:sldId id="266" r:id="rId24"/>
+    <p:sldId id="282" r:id="rId25"/>
+    <p:sldId id="281" r:id="rId26"/>
+    <p:sldId id="286" r:id="rId27"/>
+    <p:sldId id="287" r:id="rId28"/>
+    <p:sldId id="285" r:id="rId29"/>
+    <p:sldId id="288" r:id="rId30"/>
+    <p:sldId id="291" r:id="rId31"/>
+    <p:sldId id="289" r:id="rId32"/>
   </p:sldIdLst>
   <p:sldSz cx="12192000" cy="6858000"/>
   <p:notesSz cx="6858000" cy="9144000"/>
@@ -228,7 +227,7 @@
           <a:p>
             <a:fld id="{50C6A5AE-AC47-4011-81CD-01C98B10AD8D}" type="datetimeFigureOut">
               <a:rPr lang="zh-CN" altLang="en-US" smtClean="0"/>
-              <a:t>2020/5/5</a:t>
+              <a:t>2020/5/6</a:t>
             </a:fld>
             <a:endParaRPr lang="zh-CN" altLang="en-US"/>
           </a:p>
@@ -572,7 +571,7 @@
           <a:p>
             <a:fld id="{8454D21D-5965-4AFE-A4CD-8D0F7C8AAB39}" type="slidenum">
               <a:rPr lang="zh-CN" altLang="en-US" smtClean="0"/>
-              <a:t>29</a:t>
+              <a:t>30</a:t>
             </a:fld>
             <a:endParaRPr lang="zh-CN" altLang="en-US"/>
           </a:p>
@@ -674,7 +673,7 @@
           <a:p>
             <a:fld id="{8454D21D-5965-4AFE-A4CD-8D0F7C8AAB39}" type="slidenum">
               <a:rPr lang="zh-CN" altLang="en-US" smtClean="0"/>
-              <a:t>30</a:t>
+              <a:t>31</a:t>
             </a:fld>
             <a:endParaRPr lang="zh-CN" altLang="en-US"/>
           </a:p>
@@ -840,7 +839,7 @@
           <a:p>
             <a:fld id="{7D6B30A6-CDC2-4BFC-8644-0135E23227B7}" type="datetimeFigureOut">
               <a:rPr lang="zh-CN" altLang="en-US" smtClean="0"/>
-              <a:t>2020/5/5</a:t>
+              <a:t>2020/5/6</a:t>
             </a:fld>
             <a:endParaRPr lang="zh-CN" altLang="en-US"/>
           </a:p>
@@ -1038,7 +1037,7 @@
           <a:p>
             <a:fld id="{7D6B30A6-CDC2-4BFC-8644-0135E23227B7}" type="datetimeFigureOut">
               <a:rPr lang="zh-CN" altLang="en-US" smtClean="0"/>
-              <a:t>2020/5/5</a:t>
+              <a:t>2020/5/6</a:t>
             </a:fld>
             <a:endParaRPr lang="zh-CN" altLang="en-US"/>
           </a:p>
@@ -1246,7 +1245,7 @@
           <a:p>
             <a:fld id="{7D6B30A6-CDC2-4BFC-8644-0135E23227B7}" type="datetimeFigureOut">
               <a:rPr lang="zh-CN" altLang="en-US" smtClean="0"/>
-              <a:t>2020/5/5</a:t>
+              <a:t>2020/5/6</a:t>
             </a:fld>
             <a:endParaRPr lang="zh-CN" altLang="en-US"/>
           </a:p>
@@ -1444,7 +1443,7 @@
           <a:p>
             <a:fld id="{7D6B30A6-CDC2-4BFC-8644-0135E23227B7}" type="datetimeFigureOut">
               <a:rPr lang="zh-CN" altLang="en-US" smtClean="0"/>
-              <a:t>2020/5/5</a:t>
+              <a:t>2020/5/6</a:t>
             </a:fld>
             <a:endParaRPr lang="zh-CN" altLang="en-US"/>
           </a:p>
@@ -1719,7 +1718,7 @@
           <a:p>
             <a:fld id="{7D6B30A6-CDC2-4BFC-8644-0135E23227B7}" type="datetimeFigureOut">
               <a:rPr lang="zh-CN" altLang="en-US" smtClean="0"/>
-              <a:t>2020/5/5</a:t>
+              <a:t>2020/5/6</a:t>
             </a:fld>
             <a:endParaRPr lang="zh-CN" altLang="en-US"/>
           </a:p>
@@ -1984,7 +1983,7 @@
           <a:p>
             <a:fld id="{7D6B30A6-CDC2-4BFC-8644-0135E23227B7}" type="datetimeFigureOut">
               <a:rPr lang="zh-CN" altLang="en-US" smtClean="0"/>
-              <a:t>2020/5/5</a:t>
+              <a:t>2020/5/6</a:t>
             </a:fld>
             <a:endParaRPr lang="zh-CN" altLang="en-US"/>
           </a:p>
@@ -2396,7 +2395,7 @@
           <a:p>
             <a:fld id="{7D6B30A6-CDC2-4BFC-8644-0135E23227B7}" type="datetimeFigureOut">
               <a:rPr lang="zh-CN" altLang="en-US" smtClean="0"/>
-              <a:t>2020/5/5</a:t>
+              <a:t>2020/5/6</a:t>
             </a:fld>
             <a:endParaRPr lang="zh-CN" altLang="en-US"/>
           </a:p>
@@ -2537,7 +2536,7 @@
           <a:p>
             <a:fld id="{7D6B30A6-CDC2-4BFC-8644-0135E23227B7}" type="datetimeFigureOut">
               <a:rPr lang="zh-CN" altLang="en-US" smtClean="0"/>
-              <a:t>2020/5/5</a:t>
+              <a:t>2020/5/6</a:t>
             </a:fld>
             <a:endParaRPr lang="zh-CN" altLang="en-US"/>
           </a:p>
@@ -2650,7 +2649,7 @@
           <a:p>
             <a:fld id="{7D6B30A6-CDC2-4BFC-8644-0135E23227B7}" type="datetimeFigureOut">
               <a:rPr lang="zh-CN" altLang="en-US" smtClean="0"/>
-              <a:t>2020/5/5</a:t>
+              <a:t>2020/5/6</a:t>
             </a:fld>
             <a:endParaRPr lang="zh-CN" altLang="en-US"/>
           </a:p>
@@ -2961,7 +2960,7 @@
           <a:p>
             <a:fld id="{7D6B30A6-CDC2-4BFC-8644-0135E23227B7}" type="datetimeFigureOut">
               <a:rPr lang="zh-CN" altLang="en-US" smtClean="0"/>
-              <a:t>2020/5/5</a:t>
+              <a:t>2020/5/6</a:t>
             </a:fld>
             <a:endParaRPr lang="zh-CN" altLang="en-US"/>
           </a:p>
@@ -3249,7 +3248,7 @@
           <a:p>
             <a:fld id="{7D6B30A6-CDC2-4BFC-8644-0135E23227B7}" type="datetimeFigureOut">
               <a:rPr lang="zh-CN" altLang="en-US" smtClean="0"/>
-              <a:t>2020/5/5</a:t>
+              <a:t>2020/5/6</a:t>
             </a:fld>
             <a:endParaRPr lang="zh-CN" altLang="en-US"/>
           </a:p>
@@ -3490,7 +3489,7 @@
           <a:p>
             <a:fld id="{7D6B30A6-CDC2-4BFC-8644-0135E23227B7}" type="datetimeFigureOut">
               <a:rPr lang="zh-CN" altLang="en-US" smtClean="0"/>
-              <a:t>2020/5/5</a:t>
+              <a:t>2020/5/6</a:t>
             </a:fld>
             <a:endParaRPr lang="zh-CN" altLang="en-US"/>
           </a:p>
@@ -4208,7 +4207,7 @@
           <a:p>
             <a:r>
               <a:rPr lang="en-US" altLang="zh-CN" dirty="0"/>
-              <a:t>Data Dispersion</a:t>
+              <a:t>Data Dispersion *rerunning</a:t>
             </a:r>
             <a:endParaRPr lang="zh-CN" altLang="en-US" dirty="0"/>
           </a:p>
@@ -4666,16 +4665,52 @@
           <a:p>
             <a:r>
               <a:rPr lang="en-US" altLang="zh-CN" dirty="0"/>
-              <a:t>Data Dispersion 1/</a:t>
+              <a:t>Data Dispersion 1/2 (old)</a:t>
             </a:r>
             <a:endParaRPr lang="zh-CN" altLang="en-US" dirty="0"/>
           </a:p>
         </p:txBody>
       </p:sp>
+      <p:pic>
+        <p:nvPicPr>
+          <p:cNvPr id="4" name="图片 3" descr="地图的截图&#10;&#10;描述已自动生成">
+            <a:extLst>
+              <a:ext uri="{FF2B5EF4-FFF2-40B4-BE49-F238E27FC236}">
+                <a16:creationId xmlns:a16="http://schemas.microsoft.com/office/drawing/2014/main" id="{DFB5D2BD-71BD-44CA-BEFF-81832CB6FB06}"/>
+              </a:ext>
+            </a:extLst>
+          </p:cNvPr>
+          <p:cNvPicPr>
+            <a:picLocks noChangeAspect="1"/>
+          </p:cNvPicPr>
+          <p:nvPr/>
+        </p:nvPicPr>
+        <p:blipFill>
+          <a:blip r:embed="rId2">
+            <a:extLst>
+              <a:ext uri="{28A0092B-C50C-407E-A947-70E740481C1C}">
+                <a14:useLocalDpi xmlns:a14="http://schemas.microsoft.com/office/drawing/2010/main" val="0"/>
+              </a:ext>
+            </a:extLst>
+          </a:blip>
+          <a:stretch>
+            <a:fillRect/>
+          </a:stretch>
+        </p:blipFill>
+        <p:spPr>
+          <a:xfrm>
+            <a:off x="0" y="1690688"/>
+            <a:ext cx="12192000" cy="4324709"/>
+          </a:xfrm>
+          <a:prstGeom prst="rect">
+            <a:avLst/>
+          </a:prstGeom>
+        </p:spPr>
+      </p:pic>
     </p:spTree>
     <p:extLst>
       <p:ext uri="{BB962C8B-B14F-4D97-AF65-F5344CB8AC3E}">
-        <p14:creationId xmlns:p14="http://schemas.microsoft.com/office/powerpoint/2010/main" val="4041249589"/>
+        <p14:creationId xmlns:p14="http://schemas.microsoft.com/office/powerpoint/2010/main" val="261973107"/>
       </p:ext>
     </p:extLst>
   </p:cSld>
@@ -4707,7 +4742,7 @@
           <p:cNvPr id="2" name="标题 1">
             <a:extLst>
               <a:ext uri="{FF2B5EF4-FFF2-40B4-BE49-F238E27FC236}">
-                <a16:creationId xmlns:a16="http://schemas.microsoft.com/office/drawing/2014/main" id="{FDBDF9CE-045B-4932-BBDF-5C6982733BDC}"/>
+                <a16:creationId xmlns:a16="http://schemas.microsoft.com/office/drawing/2014/main" id="{2DE457B0-39C5-4908-A55D-6DDDD056A976}"/>
               </a:ext>
             </a:extLst>
           </p:cNvPr>
@@ -4718,537 +4753,53 @@
             <p:ph type="title"/>
           </p:nvPr>
         </p:nvSpPr>
-        <p:spPr>
-          <a:xfrm>
-            <a:off x="838200" y="365125"/>
-            <a:ext cx="10515600" cy="1325563"/>
-          </a:xfrm>
-        </p:spPr>
+        <p:spPr/>
         <p:txBody>
           <a:bodyPr/>
           <a:lstStyle/>
           <a:p>
             <a:r>
               <a:rPr lang="en-US" altLang="zh-CN" dirty="0"/>
-              <a:t>Share data</a:t>
+              <a:t>Data Dispersion 2/2 (old)</a:t>
             </a:r>
             <a:endParaRPr lang="zh-CN" altLang="en-US" dirty="0"/>
           </a:p>
         </p:txBody>
       </p:sp>
-      <p:sp>
-        <p:nvSpPr>
-          <p:cNvPr id="14" name="矩形: 剪去对角 13">
-            <a:extLst>
-              <a:ext uri="{FF2B5EF4-FFF2-40B4-BE49-F238E27FC236}">
-                <a16:creationId xmlns:a16="http://schemas.microsoft.com/office/drawing/2014/main" id="{3E638F6C-32BE-40C6-B744-2348D5177696}"/>
-              </a:ext>
-            </a:extLst>
-          </p:cNvPr>
-          <p:cNvSpPr/>
+      <p:pic>
+        <p:nvPicPr>
+          <p:cNvPr id="7" name="图片 6">
+            <a:extLst>
+              <a:ext uri="{FF2B5EF4-FFF2-40B4-BE49-F238E27FC236}">
+                <a16:creationId xmlns:a16="http://schemas.microsoft.com/office/drawing/2014/main" id="{5C933CC9-4E7C-40FA-B085-946FA9824C48}"/>
+              </a:ext>
+            </a:extLst>
+          </p:cNvPr>
+          <p:cNvPicPr>
+            <a:picLocks noChangeAspect="1"/>
+          </p:cNvPicPr>
           <p:nvPr/>
-        </p:nvSpPr>
-        <p:spPr>
-          <a:xfrm>
-            <a:off x="5497288" y="2575583"/>
-            <a:ext cx="1922286" cy="1054376"/>
-          </a:xfrm>
-          <a:prstGeom prst="snip2DiagRect">
+        </p:nvPicPr>
+        <p:blipFill>
+          <a:blip r:embed="rId2"/>
+          <a:stretch>
+            <a:fillRect/>
+          </a:stretch>
+        </p:blipFill>
+        <p:spPr>
+          <a:xfrm>
+            <a:off x="0" y="1690688"/>
+            <a:ext cx="12192000" cy="4341854"/>
+          </a:xfrm>
+          <a:prstGeom prst="rect">
             <a:avLst/>
           </a:prstGeom>
         </p:spPr>
-        <p:style>
-          <a:lnRef idx="2">
-            <a:schemeClr val="accent1"/>
-          </a:lnRef>
-          <a:fillRef idx="1">
-            <a:schemeClr val="lt1"/>
-          </a:fillRef>
-          <a:effectRef idx="0">
-            <a:schemeClr val="accent1"/>
-          </a:effectRef>
-          <a:fontRef idx="minor">
-            <a:schemeClr val="dk1"/>
-          </a:fontRef>
-        </p:style>
-        <p:txBody>
-          <a:bodyPr rtlCol="0" anchor="ctr"/>
-          <a:lstStyle/>
-          <a:p>
-            <a:pPr algn="ctr"/>
-            <a:r>
-              <a:rPr lang="en-US" altLang="zh-CN" sz="2800" dirty="0"/>
-              <a:t>Set local epoch </a:t>
-            </a:r>
-            <a:r>
-              <a:rPr lang="en-US" altLang="zh-CN" sz="2800" dirty="0" err="1"/>
-              <a:t>iid</a:t>
-            </a:r>
-            <a:endParaRPr lang="zh-CN" altLang="en-US" sz="2800" dirty="0"/>
-          </a:p>
-        </p:txBody>
-      </p:sp>
-      <p:sp>
-        <p:nvSpPr>
-          <p:cNvPr id="15" name="矩形: 剪去对角 14">
-            <a:extLst>
-              <a:ext uri="{FF2B5EF4-FFF2-40B4-BE49-F238E27FC236}">
-                <a16:creationId xmlns:a16="http://schemas.microsoft.com/office/drawing/2014/main" id="{AB9D54BA-6241-452D-BB88-3F78E91FAE1B}"/>
-              </a:ext>
-            </a:extLst>
-          </p:cNvPr>
-          <p:cNvSpPr/>
-          <p:nvPr/>
-        </p:nvSpPr>
-        <p:spPr>
-          <a:xfrm>
-            <a:off x="5497288" y="3905620"/>
-            <a:ext cx="1922286" cy="1305045"/>
-          </a:xfrm>
-          <a:prstGeom prst="snip2DiagRect">
-            <a:avLst/>
-          </a:prstGeom>
-        </p:spPr>
-        <p:style>
-          <a:lnRef idx="2">
-            <a:schemeClr val="accent1"/>
-          </a:lnRef>
-          <a:fillRef idx="1">
-            <a:schemeClr val="lt1"/>
-          </a:fillRef>
-          <a:effectRef idx="0">
-            <a:schemeClr val="accent1"/>
-          </a:effectRef>
-          <a:fontRef idx="minor">
-            <a:schemeClr val="dk1"/>
-          </a:fontRef>
-        </p:style>
-        <p:txBody>
-          <a:bodyPr rtlCol="0" anchor="ctr"/>
-          <a:lstStyle/>
-          <a:p>
-            <a:pPr algn="ctr"/>
-            <a:r>
-              <a:rPr lang="en-US" altLang="zh-CN" sz="2800" dirty="0"/>
-              <a:t>Not set local epoch </a:t>
-            </a:r>
-            <a:r>
-              <a:rPr lang="en-US" altLang="zh-CN" sz="2800" dirty="0" err="1"/>
-              <a:t>iid</a:t>
-            </a:r>
-            <a:endParaRPr lang="zh-CN" altLang="en-US" sz="2800" dirty="0"/>
-          </a:p>
-        </p:txBody>
-      </p:sp>
-      <p:sp>
-        <p:nvSpPr>
-          <p:cNvPr id="16" name="矩形: 圆角 15">
-            <a:extLst>
-              <a:ext uri="{FF2B5EF4-FFF2-40B4-BE49-F238E27FC236}">
-                <a16:creationId xmlns:a16="http://schemas.microsoft.com/office/drawing/2014/main" id="{F77A4BDE-4A2C-4FB7-B040-5B7884896C5D}"/>
-              </a:ext>
-            </a:extLst>
-          </p:cNvPr>
-          <p:cNvSpPr/>
-          <p:nvPr/>
-        </p:nvSpPr>
-        <p:spPr>
-          <a:xfrm>
-            <a:off x="9816573" y="2109248"/>
-            <a:ext cx="1630445" cy="669302"/>
-          </a:xfrm>
-          <a:prstGeom prst="roundRect">
-            <a:avLst/>
-          </a:prstGeom>
-        </p:spPr>
-        <p:style>
-          <a:lnRef idx="2">
-            <a:schemeClr val="accent1">
-              <a:shade val="50000"/>
-            </a:schemeClr>
-          </a:lnRef>
-          <a:fillRef idx="1">
-            <a:schemeClr val="accent1"/>
-          </a:fillRef>
-          <a:effectRef idx="0">
-            <a:schemeClr val="accent1"/>
-          </a:effectRef>
-          <a:fontRef idx="minor">
-            <a:schemeClr val="lt1"/>
-          </a:fontRef>
-        </p:style>
-        <p:txBody>
-          <a:bodyPr rtlCol="0" anchor="ctr"/>
-          <a:lstStyle/>
-          <a:p>
-            <a:pPr algn="ctr"/>
-            <a:r>
-              <a:rPr lang="en-US" altLang="zh-CN" sz="2800" dirty="0"/>
-              <a:t>Share</a:t>
-            </a:r>
-            <a:endParaRPr lang="zh-CN" altLang="en-US" sz="2800" dirty="0"/>
-          </a:p>
-        </p:txBody>
-      </p:sp>
-      <p:sp>
-        <p:nvSpPr>
-          <p:cNvPr id="21" name="矩形: 剪去对角 20">
-            <a:extLst>
-              <a:ext uri="{FF2B5EF4-FFF2-40B4-BE49-F238E27FC236}">
-                <a16:creationId xmlns:a16="http://schemas.microsoft.com/office/drawing/2014/main" id="{C40624E6-4BF1-4C83-9F3C-5BD583F04DF9}"/>
-              </a:ext>
-            </a:extLst>
-          </p:cNvPr>
-          <p:cNvSpPr/>
-          <p:nvPr/>
-        </p:nvSpPr>
-        <p:spPr>
-          <a:xfrm>
-            <a:off x="10111353" y="3175901"/>
-            <a:ext cx="1075444" cy="575034"/>
-          </a:xfrm>
-          <a:prstGeom prst="snip2DiagRect">
-            <a:avLst/>
-          </a:prstGeom>
-        </p:spPr>
-        <p:style>
-          <a:lnRef idx="2">
-            <a:schemeClr val="accent1"/>
-          </a:lnRef>
-          <a:fillRef idx="1">
-            <a:schemeClr val="lt1"/>
-          </a:fillRef>
-          <a:effectRef idx="0">
-            <a:schemeClr val="accent1"/>
-          </a:effectRef>
-          <a:fontRef idx="minor">
-            <a:schemeClr val="dk1"/>
-          </a:fontRef>
-        </p:style>
-        <p:txBody>
-          <a:bodyPr rtlCol="0" anchor="ctr"/>
-          <a:lstStyle/>
-          <a:p>
-            <a:pPr algn="ctr"/>
-            <a:r>
-              <a:rPr lang="en-US" altLang="zh-CN" sz="2800" dirty="0"/>
-              <a:t>100</a:t>
-            </a:r>
-            <a:endParaRPr lang="zh-CN" altLang="en-US" sz="2800" dirty="0"/>
-          </a:p>
-        </p:txBody>
-      </p:sp>
-      <p:sp>
-        <p:nvSpPr>
-          <p:cNvPr id="22" name="矩形: 剪去对角 21">
-            <a:extLst>
-              <a:ext uri="{FF2B5EF4-FFF2-40B4-BE49-F238E27FC236}">
-                <a16:creationId xmlns:a16="http://schemas.microsoft.com/office/drawing/2014/main" id="{20BEE9A9-1D81-4B97-8049-0A7504581AD8}"/>
-              </a:ext>
-            </a:extLst>
-          </p:cNvPr>
-          <p:cNvSpPr/>
-          <p:nvPr/>
-        </p:nvSpPr>
-        <p:spPr>
-          <a:xfrm>
-            <a:off x="10111353" y="3978750"/>
-            <a:ext cx="1075444" cy="575034"/>
-          </a:xfrm>
-          <a:prstGeom prst="snip2DiagRect">
-            <a:avLst/>
-          </a:prstGeom>
-        </p:spPr>
-        <p:style>
-          <a:lnRef idx="2">
-            <a:schemeClr val="accent1"/>
-          </a:lnRef>
-          <a:fillRef idx="1">
-            <a:schemeClr val="lt1"/>
-          </a:fillRef>
-          <a:effectRef idx="0">
-            <a:schemeClr val="accent1"/>
-          </a:effectRef>
-          <a:fontRef idx="minor">
-            <a:schemeClr val="dk1"/>
-          </a:fontRef>
-        </p:style>
-        <p:txBody>
-          <a:bodyPr rtlCol="0" anchor="ctr"/>
-          <a:lstStyle/>
-          <a:p>
-            <a:pPr algn="ctr"/>
-            <a:r>
-              <a:rPr lang="en-US" altLang="zh-CN" sz="2800" dirty="0"/>
-              <a:t>400</a:t>
-            </a:r>
-            <a:endParaRPr lang="zh-CN" altLang="en-US" sz="2800" dirty="0"/>
-          </a:p>
-        </p:txBody>
-      </p:sp>
-      <p:sp>
-        <p:nvSpPr>
-          <p:cNvPr id="23" name="矩形: 剪去对角 22">
-            <a:extLst>
-              <a:ext uri="{FF2B5EF4-FFF2-40B4-BE49-F238E27FC236}">
-                <a16:creationId xmlns:a16="http://schemas.microsoft.com/office/drawing/2014/main" id="{F67BD3EA-7C76-4540-8C1E-1FCD768C99E3}"/>
-              </a:ext>
-            </a:extLst>
-          </p:cNvPr>
-          <p:cNvSpPr/>
-          <p:nvPr/>
-        </p:nvSpPr>
-        <p:spPr>
-          <a:xfrm>
-            <a:off x="10111353" y="4786167"/>
-            <a:ext cx="1075444" cy="575034"/>
-          </a:xfrm>
-          <a:prstGeom prst="snip2DiagRect">
-            <a:avLst/>
-          </a:prstGeom>
-        </p:spPr>
-        <p:style>
-          <a:lnRef idx="2">
-            <a:schemeClr val="accent1"/>
-          </a:lnRef>
-          <a:fillRef idx="1">
-            <a:schemeClr val="lt1"/>
-          </a:fillRef>
-          <a:effectRef idx="0">
-            <a:schemeClr val="accent1"/>
-          </a:effectRef>
-          <a:fontRef idx="minor">
-            <a:schemeClr val="dk1"/>
-          </a:fontRef>
-        </p:style>
-        <p:txBody>
-          <a:bodyPr rtlCol="0" anchor="ctr"/>
-          <a:lstStyle/>
-          <a:p>
-            <a:pPr algn="ctr"/>
-            <a:r>
-              <a:rPr lang="en-US" altLang="zh-CN" sz="2800" dirty="0"/>
-              <a:t>800</a:t>
-            </a:r>
-            <a:endParaRPr lang="zh-CN" altLang="en-US" sz="2800" dirty="0"/>
-          </a:p>
-        </p:txBody>
-      </p:sp>
-      <p:sp>
-        <p:nvSpPr>
-          <p:cNvPr id="24" name="矩形: 圆角 23">
-            <a:extLst>
-              <a:ext uri="{FF2B5EF4-FFF2-40B4-BE49-F238E27FC236}">
-                <a16:creationId xmlns:a16="http://schemas.microsoft.com/office/drawing/2014/main" id="{1E73C9A8-71E9-4C93-86B0-2323DA95204F}"/>
-              </a:ext>
-            </a:extLst>
-          </p:cNvPr>
-          <p:cNvSpPr/>
-          <p:nvPr/>
-        </p:nvSpPr>
-        <p:spPr>
-          <a:xfrm>
-            <a:off x="7865099" y="2109248"/>
-            <a:ext cx="1737675" cy="669302"/>
-          </a:xfrm>
-          <a:prstGeom prst="roundRect">
-            <a:avLst/>
-          </a:prstGeom>
-        </p:spPr>
-        <p:style>
-          <a:lnRef idx="2">
-            <a:schemeClr val="accent1">
-              <a:shade val="50000"/>
-            </a:schemeClr>
-          </a:lnRef>
-          <a:fillRef idx="1">
-            <a:schemeClr val="accent1"/>
-          </a:fillRef>
-          <a:effectRef idx="0">
-            <a:schemeClr val="accent1"/>
-          </a:effectRef>
-          <a:fontRef idx="minor">
-            <a:schemeClr val="lt1"/>
-          </a:fontRef>
-        </p:style>
-        <p:txBody>
-          <a:bodyPr rtlCol="0" anchor="ctr"/>
-          <a:lstStyle/>
-          <a:p>
-            <a:pPr algn="ctr"/>
-            <a:r>
-              <a:rPr lang="en-US" altLang="zh-CN" sz="2800" dirty="0"/>
-              <a:t>If </a:t>
-            </a:r>
-            <a:r>
-              <a:rPr lang="en-US" altLang="zh-CN" sz="2800" dirty="0" err="1"/>
-              <a:t>iid</a:t>
-            </a:r>
-            <a:r>
-              <a:rPr lang="en-US" altLang="zh-CN" sz="2800" dirty="0"/>
-              <a:t>?</a:t>
-            </a:r>
-            <a:endParaRPr lang="zh-CN" altLang="en-US" sz="2800" dirty="0"/>
-          </a:p>
-        </p:txBody>
-      </p:sp>
-      <p:sp>
-        <p:nvSpPr>
-          <p:cNvPr id="25" name="矩形: 剪去对角 24">
-            <a:extLst>
-              <a:ext uri="{FF2B5EF4-FFF2-40B4-BE49-F238E27FC236}">
-                <a16:creationId xmlns:a16="http://schemas.microsoft.com/office/drawing/2014/main" id="{388376CB-4CDA-4194-B873-E9EF858B6F38}"/>
-              </a:ext>
-            </a:extLst>
-          </p:cNvPr>
-          <p:cNvSpPr/>
-          <p:nvPr/>
-        </p:nvSpPr>
-        <p:spPr>
-          <a:xfrm>
-            <a:off x="8207602" y="3175901"/>
-            <a:ext cx="1075444" cy="575034"/>
-          </a:xfrm>
-          <a:prstGeom prst="snip2DiagRect">
-            <a:avLst/>
-          </a:prstGeom>
-        </p:spPr>
-        <p:style>
-          <a:lnRef idx="2">
-            <a:schemeClr val="accent1"/>
-          </a:lnRef>
-          <a:fillRef idx="1">
-            <a:schemeClr val="lt1"/>
-          </a:fillRef>
-          <a:effectRef idx="0">
-            <a:schemeClr val="accent1"/>
-          </a:effectRef>
-          <a:fontRef idx="minor">
-            <a:schemeClr val="dk1"/>
-          </a:fontRef>
-        </p:style>
-        <p:txBody>
-          <a:bodyPr rtlCol="0" anchor="ctr"/>
-          <a:lstStyle/>
-          <a:p>
-            <a:pPr algn="ctr"/>
-            <a:r>
-              <a:rPr lang="en-US" altLang="zh-CN" sz="2800" b="1" dirty="0"/>
-              <a:t>1</a:t>
-            </a:r>
-            <a:endParaRPr lang="zh-CN" altLang="en-US" sz="2800" b="1" dirty="0"/>
-          </a:p>
-        </p:txBody>
-      </p:sp>
-      <p:sp>
-        <p:nvSpPr>
-          <p:cNvPr id="26" name="矩形: 剪去对角 25">
-            <a:extLst>
-              <a:ext uri="{FF2B5EF4-FFF2-40B4-BE49-F238E27FC236}">
-                <a16:creationId xmlns:a16="http://schemas.microsoft.com/office/drawing/2014/main" id="{52C01889-ABA6-4F15-BFBA-8D00E00209A6}"/>
-              </a:ext>
-            </a:extLst>
-          </p:cNvPr>
-          <p:cNvSpPr/>
-          <p:nvPr/>
-        </p:nvSpPr>
-        <p:spPr>
-          <a:xfrm>
-            <a:off x="8207602" y="3978750"/>
-            <a:ext cx="1075444" cy="575034"/>
-          </a:xfrm>
-          <a:prstGeom prst="snip2DiagRect">
-            <a:avLst/>
-          </a:prstGeom>
-        </p:spPr>
-        <p:style>
-          <a:lnRef idx="2">
-            <a:schemeClr val="accent1"/>
-          </a:lnRef>
-          <a:fillRef idx="1">
-            <a:schemeClr val="lt1"/>
-          </a:fillRef>
-          <a:effectRef idx="0">
-            <a:schemeClr val="accent1"/>
-          </a:effectRef>
-          <a:fontRef idx="minor">
-            <a:schemeClr val="dk1"/>
-          </a:fontRef>
-        </p:style>
-        <p:txBody>
-          <a:bodyPr rtlCol="0" anchor="ctr"/>
-          <a:lstStyle/>
-          <a:p>
-            <a:pPr algn="ctr"/>
-            <a:r>
-              <a:rPr lang="en-US" altLang="zh-CN" sz="2800" dirty="0" err="1"/>
-              <a:t>iid</a:t>
-            </a:r>
-            <a:endParaRPr lang="zh-CN" altLang="en-US" sz="2800" dirty="0"/>
-          </a:p>
-        </p:txBody>
-      </p:sp>
-      <p:sp>
-        <p:nvSpPr>
-          <p:cNvPr id="18" name="内容占位符 2">
-            <a:extLst>
-              <a:ext uri="{FF2B5EF4-FFF2-40B4-BE49-F238E27FC236}">
-                <a16:creationId xmlns:a16="http://schemas.microsoft.com/office/drawing/2014/main" id="{56C950D2-8D9B-45FC-8E96-24C8D6C0E423}"/>
-              </a:ext>
-            </a:extLst>
-          </p:cNvPr>
-          <p:cNvSpPr>
-            <a:spLocks noGrp="1"/>
-          </p:cNvSpPr>
-          <p:nvPr>
-            <p:ph idx="1"/>
-          </p:nvPr>
-        </p:nvSpPr>
-        <p:spPr>
-          <a:xfrm>
-            <a:off x="838200" y="1825625"/>
-            <a:ext cx="3488703" cy="4351338"/>
-          </a:xfrm>
-        </p:spPr>
-        <p:txBody>
-          <a:bodyPr/>
-          <a:lstStyle/>
-          <a:p>
-            <a:r>
-              <a:rPr lang="en-US" altLang="zh-CN" dirty="0"/>
-              <a:t>40 worker nodes</a:t>
-            </a:r>
-          </a:p>
-          <a:p>
-            <a:r>
-              <a:rPr lang="en-US" altLang="zh-CN" dirty="0"/>
-              <a:t>4000 training data</a:t>
-            </a:r>
-          </a:p>
-          <a:p>
-            <a:r>
-              <a:rPr lang="en-US" altLang="zh-CN" dirty="0"/>
-              <a:t>10000 testing data</a:t>
-            </a:r>
-          </a:p>
-          <a:p>
-            <a:r>
-              <a:rPr lang="en-US" altLang="zh-CN" dirty="0"/>
-              <a:t>Early stop = 500</a:t>
-            </a:r>
-          </a:p>
-          <a:p>
-            <a:r>
-              <a:rPr lang="en-US" altLang="zh-CN" dirty="0"/>
-              <a:t>Local step = 1</a:t>
-            </a:r>
-          </a:p>
-        </p:txBody>
-      </p:sp>
+      </p:pic>
     </p:spTree>
     <p:extLst>
       <p:ext uri="{BB962C8B-B14F-4D97-AF65-F5344CB8AC3E}">
-        <p14:creationId xmlns:p14="http://schemas.microsoft.com/office/powerpoint/2010/main" val="4234437779"/>
+        <p14:creationId xmlns:p14="http://schemas.microsoft.com/office/powerpoint/2010/main" val="4041249589"/>
       </p:ext>
     </p:extLst>
   </p:cSld>
@@ -5280,7 +4831,7 @@
           <p:cNvPr id="2" name="标题 1">
             <a:extLst>
               <a:ext uri="{FF2B5EF4-FFF2-40B4-BE49-F238E27FC236}">
-                <a16:creationId xmlns:a16="http://schemas.microsoft.com/office/drawing/2014/main" id="{2D11BB3A-A2C8-41D7-AAF7-824B7B5CEF02}"/>
+                <a16:creationId xmlns:a16="http://schemas.microsoft.com/office/drawing/2014/main" id="{FDBDF9CE-045B-4932-BBDF-5C6982733BDC}"/>
               </a:ext>
             </a:extLst>
           </p:cNvPr>
@@ -5291,70 +4842,537 @@
             <p:ph type="title"/>
           </p:nvPr>
         </p:nvSpPr>
-        <p:spPr/>
+        <p:spPr>
+          <a:xfrm>
+            <a:off x="838200" y="365125"/>
+            <a:ext cx="10515600" cy="1325563"/>
+          </a:xfrm>
+        </p:spPr>
         <p:txBody>
           <a:bodyPr/>
           <a:lstStyle/>
           <a:p>
             <a:r>
               <a:rPr lang="en-US" altLang="zh-CN" dirty="0"/>
-              <a:t>Share data1 1/4</a:t>
+              <a:t>Share data</a:t>
             </a:r>
             <a:endParaRPr lang="zh-CN" altLang="en-US" dirty="0"/>
           </a:p>
         </p:txBody>
       </p:sp>
-      <p:pic>
-        <p:nvPicPr>
-          <p:cNvPr id="1026" name="Picture 2">
-            <a:extLst>
-              <a:ext uri="{FF2B5EF4-FFF2-40B4-BE49-F238E27FC236}">
-                <a16:creationId xmlns:a16="http://schemas.microsoft.com/office/drawing/2014/main" id="{FBEBBC33-1FBB-4F9B-BF13-8475E915DB18}"/>
-              </a:ext>
-            </a:extLst>
-          </p:cNvPr>
-          <p:cNvPicPr>
-            <a:picLocks noChangeAspect="1" noChangeArrowheads="1"/>
-          </p:cNvPicPr>
+      <p:sp>
+        <p:nvSpPr>
+          <p:cNvPr id="14" name="矩形: 剪去对角 13">
+            <a:extLst>
+              <a:ext uri="{FF2B5EF4-FFF2-40B4-BE49-F238E27FC236}">
+                <a16:creationId xmlns:a16="http://schemas.microsoft.com/office/drawing/2014/main" id="{3E638F6C-32BE-40C6-B744-2348D5177696}"/>
+              </a:ext>
+            </a:extLst>
+          </p:cNvPr>
+          <p:cNvSpPr/>
           <p:nvPr/>
-        </p:nvPicPr>
-        <p:blipFill>
-          <a:blip r:embed="rId2">
-            <a:extLst>
-              <a:ext uri="{28A0092B-C50C-407E-A947-70E740481C1C}">
-                <a14:useLocalDpi xmlns:a14="http://schemas.microsoft.com/office/drawing/2010/main" val="0"/>
-              </a:ext>
-            </a:extLst>
-          </a:blip>
-          <a:srcRect/>
-          <a:stretch>
-            <a:fillRect/>
-          </a:stretch>
-        </p:blipFill>
-        <p:spPr bwMode="auto">
-          <a:xfrm>
-            <a:off x="0" y="1690688"/>
-            <a:ext cx="12203721" cy="4328867"/>
-          </a:xfrm>
-          <a:prstGeom prst="rect">
+        </p:nvSpPr>
+        <p:spPr>
+          <a:xfrm>
+            <a:off x="5497288" y="2575583"/>
+            <a:ext cx="1922286" cy="1054376"/>
+          </a:xfrm>
+          <a:prstGeom prst="snip2DiagRect">
             <a:avLst/>
           </a:prstGeom>
-          <a:noFill/>
-          <a:extLst>
-            <a:ext uri="{909E8E84-426E-40DD-AFC4-6F175D3DCCD1}">
-              <a14:hiddenFill xmlns:a14="http://schemas.microsoft.com/office/drawing/2010/main">
-                <a:solidFill>
-                  <a:srgbClr val="FFFFFF"/>
-                </a:solidFill>
-              </a14:hiddenFill>
-            </a:ext>
-          </a:extLst>
-        </p:spPr>
-      </p:pic>
+        </p:spPr>
+        <p:style>
+          <a:lnRef idx="2">
+            <a:schemeClr val="accent1"/>
+          </a:lnRef>
+          <a:fillRef idx="1">
+            <a:schemeClr val="lt1"/>
+          </a:fillRef>
+          <a:effectRef idx="0">
+            <a:schemeClr val="accent1"/>
+          </a:effectRef>
+          <a:fontRef idx="minor">
+            <a:schemeClr val="dk1"/>
+          </a:fontRef>
+        </p:style>
+        <p:txBody>
+          <a:bodyPr rtlCol="0" anchor="ctr"/>
+          <a:lstStyle/>
+          <a:p>
+            <a:pPr algn="ctr"/>
+            <a:r>
+              <a:rPr lang="en-US" altLang="zh-CN" sz="2800" dirty="0"/>
+              <a:t>Set local epoch </a:t>
+            </a:r>
+            <a:r>
+              <a:rPr lang="en-US" altLang="zh-CN" sz="2800" dirty="0" err="1"/>
+              <a:t>iid</a:t>
+            </a:r>
+            <a:endParaRPr lang="zh-CN" altLang="en-US" sz="2800" dirty="0"/>
+          </a:p>
+        </p:txBody>
+      </p:sp>
+      <p:sp>
+        <p:nvSpPr>
+          <p:cNvPr id="15" name="矩形: 剪去对角 14">
+            <a:extLst>
+              <a:ext uri="{FF2B5EF4-FFF2-40B4-BE49-F238E27FC236}">
+                <a16:creationId xmlns:a16="http://schemas.microsoft.com/office/drawing/2014/main" id="{AB9D54BA-6241-452D-BB88-3F78E91FAE1B}"/>
+              </a:ext>
+            </a:extLst>
+          </p:cNvPr>
+          <p:cNvSpPr/>
+          <p:nvPr/>
+        </p:nvSpPr>
+        <p:spPr>
+          <a:xfrm>
+            <a:off x="5497288" y="3905620"/>
+            <a:ext cx="1922286" cy="1305045"/>
+          </a:xfrm>
+          <a:prstGeom prst="snip2DiagRect">
+            <a:avLst/>
+          </a:prstGeom>
+        </p:spPr>
+        <p:style>
+          <a:lnRef idx="2">
+            <a:schemeClr val="accent1"/>
+          </a:lnRef>
+          <a:fillRef idx="1">
+            <a:schemeClr val="lt1"/>
+          </a:fillRef>
+          <a:effectRef idx="0">
+            <a:schemeClr val="accent1"/>
+          </a:effectRef>
+          <a:fontRef idx="minor">
+            <a:schemeClr val="dk1"/>
+          </a:fontRef>
+        </p:style>
+        <p:txBody>
+          <a:bodyPr rtlCol="0" anchor="ctr"/>
+          <a:lstStyle/>
+          <a:p>
+            <a:pPr algn="ctr"/>
+            <a:r>
+              <a:rPr lang="en-US" altLang="zh-CN" sz="2800" dirty="0"/>
+              <a:t>Not set local epoch </a:t>
+            </a:r>
+            <a:r>
+              <a:rPr lang="en-US" altLang="zh-CN" sz="2800" dirty="0" err="1"/>
+              <a:t>iid</a:t>
+            </a:r>
+            <a:endParaRPr lang="zh-CN" altLang="en-US" sz="2800" dirty="0"/>
+          </a:p>
+        </p:txBody>
+      </p:sp>
+      <p:sp>
+        <p:nvSpPr>
+          <p:cNvPr id="16" name="矩形: 圆角 15">
+            <a:extLst>
+              <a:ext uri="{FF2B5EF4-FFF2-40B4-BE49-F238E27FC236}">
+                <a16:creationId xmlns:a16="http://schemas.microsoft.com/office/drawing/2014/main" id="{F77A4BDE-4A2C-4FB7-B040-5B7884896C5D}"/>
+              </a:ext>
+            </a:extLst>
+          </p:cNvPr>
+          <p:cNvSpPr/>
+          <p:nvPr/>
+        </p:nvSpPr>
+        <p:spPr>
+          <a:xfrm>
+            <a:off x="9816573" y="2109248"/>
+            <a:ext cx="1630445" cy="669302"/>
+          </a:xfrm>
+          <a:prstGeom prst="roundRect">
+            <a:avLst/>
+          </a:prstGeom>
+        </p:spPr>
+        <p:style>
+          <a:lnRef idx="2">
+            <a:schemeClr val="accent1">
+              <a:shade val="50000"/>
+            </a:schemeClr>
+          </a:lnRef>
+          <a:fillRef idx="1">
+            <a:schemeClr val="accent1"/>
+          </a:fillRef>
+          <a:effectRef idx="0">
+            <a:schemeClr val="accent1"/>
+          </a:effectRef>
+          <a:fontRef idx="minor">
+            <a:schemeClr val="lt1"/>
+          </a:fontRef>
+        </p:style>
+        <p:txBody>
+          <a:bodyPr rtlCol="0" anchor="ctr"/>
+          <a:lstStyle/>
+          <a:p>
+            <a:pPr algn="ctr"/>
+            <a:r>
+              <a:rPr lang="en-US" altLang="zh-CN" sz="2800" dirty="0"/>
+              <a:t>Share</a:t>
+            </a:r>
+            <a:endParaRPr lang="zh-CN" altLang="en-US" sz="2800" dirty="0"/>
+          </a:p>
+        </p:txBody>
+      </p:sp>
+      <p:sp>
+        <p:nvSpPr>
+          <p:cNvPr id="21" name="矩形: 剪去对角 20">
+            <a:extLst>
+              <a:ext uri="{FF2B5EF4-FFF2-40B4-BE49-F238E27FC236}">
+                <a16:creationId xmlns:a16="http://schemas.microsoft.com/office/drawing/2014/main" id="{C40624E6-4BF1-4C83-9F3C-5BD583F04DF9}"/>
+              </a:ext>
+            </a:extLst>
+          </p:cNvPr>
+          <p:cNvSpPr/>
+          <p:nvPr/>
+        </p:nvSpPr>
+        <p:spPr>
+          <a:xfrm>
+            <a:off x="10111353" y="3175901"/>
+            <a:ext cx="1075444" cy="575034"/>
+          </a:xfrm>
+          <a:prstGeom prst="snip2DiagRect">
+            <a:avLst/>
+          </a:prstGeom>
+        </p:spPr>
+        <p:style>
+          <a:lnRef idx="2">
+            <a:schemeClr val="accent1"/>
+          </a:lnRef>
+          <a:fillRef idx="1">
+            <a:schemeClr val="lt1"/>
+          </a:fillRef>
+          <a:effectRef idx="0">
+            <a:schemeClr val="accent1"/>
+          </a:effectRef>
+          <a:fontRef idx="minor">
+            <a:schemeClr val="dk1"/>
+          </a:fontRef>
+        </p:style>
+        <p:txBody>
+          <a:bodyPr rtlCol="0" anchor="ctr"/>
+          <a:lstStyle/>
+          <a:p>
+            <a:pPr algn="ctr"/>
+            <a:r>
+              <a:rPr lang="en-US" altLang="zh-CN" sz="2800" dirty="0"/>
+              <a:t>100</a:t>
+            </a:r>
+            <a:endParaRPr lang="zh-CN" altLang="en-US" sz="2800" dirty="0"/>
+          </a:p>
+        </p:txBody>
+      </p:sp>
+      <p:sp>
+        <p:nvSpPr>
+          <p:cNvPr id="22" name="矩形: 剪去对角 21">
+            <a:extLst>
+              <a:ext uri="{FF2B5EF4-FFF2-40B4-BE49-F238E27FC236}">
+                <a16:creationId xmlns:a16="http://schemas.microsoft.com/office/drawing/2014/main" id="{20BEE9A9-1D81-4B97-8049-0A7504581AD8}"/>
+              </a:ext>
+            </a:extLst>
+          </p:cNvPr>
+          <p:cNvSpPr/>
+          <p:nvPr/>
+        </p:nvSpPr>
+        <p:spPr>
+          <a:xfrm>
+            <a:off x="10111353" y="3978750"/>
+            <a:ext cx="1075444" cy="575034"/>
+          </a:xfrm>
+          <a:prstGeom prst="snip2DiagRect">
+            <a:avLst/>
+          </a:prstGeom>
+        </p:spPr>
+        <p:style>
+          <a:lnRef idx="2">
+            <a:schemeClr val="accent1"/>
+          </a:lnRef>
+          <a:fillRef idx="1">
+            <a:schemeClr val="lt1"/>
+          </a:fillRef>
+          <a:effectRef idx="0">
+            <a:schemeClr val="accent1"/>
+          </a:effectRef>
+          <a:fontRef idx="minor">
+            <a:schemeClr val="dk1"/>
+          </a:fontRef>
+        </p:style>
+        <p:txBody>
+          <a:bodyPr rtlCol="0" anchor="ctr"/>
+          <a:lstStyle/>
+          <a:p>
+            <a:pPr algn="ctr"/>
+            <a:r>
+              <a:rPr lang="en-US" altLang="zh-CN" sz="2800" dirty="0"/>
+              <a:t>400</a:t>
+            </a:r>
+            <a:endParaRPr lang="zh-CN" altLang="en-US" sz="2800" dirty="0"/>
+          </a:p>
+        </p:txBody>
+      </p:sp>
+      <p:sp>
+        <p:nvSpPr>
+          <p:cNvPr id="23" name="矩形: 剪去对角 22">
+            <a:extLst>
+              <a:ext uri="{FF2B5EF4-FFF2-40B4-BE49-F238E27FC236}">
+                <a16:creationId xmlns:a16="http://schemas.microsoft.com/office/drawing/2014/main" id="{F67BD3EA-7C76-4540-8C1E-1FCD768C99E3}"/>
+              </a:ext>
+            </a:extLst>
+          </p:cNvPr>
+          <p:cNvSpPr/>
+          <p:nvPr/>
+        </p:nvSpPr>
+        <p:spPr>
+          <a:xfrm>
+            <a:off x="10111353" y="4786167"/>
+            <a:ext cx="1075444" cy="575034"/>
+          </a:xfrm>
+          <a:prstGeom prst="snip2DiagRect">
+            <a:avLst/>
+          </a:prstGeom>
+        </p:spPr>
+        <p:style>
+          <a:lnRef idx="2">
+            <a:schemeClr val="accent1"/>
+          </a:lnRef>
+          <a:fillRef idx="1">
+            <a:schemeClr val="lt1"/>
+          </a:fillRef>
+          <a:effectRef idx="0">
+            <a:schemeClr val="accent1"/>
+          </a:effectRef>
+          <a:fontRef idx="minor">
+            <a:schemeClr val="dk1"/>
+          </a:fontRef>
+        </p:style>
+        <p:txBody>
+          <a:bodyPr rtlCol="0" anchor="ctr"/>
+          <a:lstStyle/>
+          <a:p>
+            <a:pPr algn="ctr"/>
+            <a:r>
+              <a:rPr lang="en-US" altLang="zh-CN" sz="2800" dirty="0"/>
+              <a:t>800</a:t>
+            </a:r>
+            <a:endParaRPr lang="zh-CN" altLang="en-US" sz="2800" dirty="0"/>
+          </a:p>
+        </p:txBody>
+      </p:sp>
+      <p:sp>
+        <p:nvSpPr>
+          <p:cNvPr id="24" name="矩形: 圆角 23">
+            <a:extLst>
+              <a:ext uri="{FF2B5EF4-FFF2-40B4-BE49-F238E27FC236}">
+                <a16:creationId xmlns:a16="http://schemas.microsoft.com/office/drawing/2014/main" id="{1E73C9A8-71E9-4C93-86B0-2323DA95204F}"/>
+              </a:ext>
+            </a:extLst>
+          </p:cNvPr>
+          <p:cNvSpPr/>
+          <p:nvPr/>
+        </p:nvSpPr>
+        <p:spPr>
+          <a:xfrm>
+            <a:off x="7865099" y="2109248"/>
+            <a:ext cx="1737675" cy="669302"/>
+          </a:xfrm>
+          <a:prstGeom prst="roundRect">
+            <a:avLst/>
+          </a:prstGeom>
+        </p:spPr>
+        <p:style>
+          <a:lnRef idx="2">
+            <a:schemeClr val="accent1">
+              <a:shade val="50000"/>
+            </a:schemeClr>
+          </a:lnRef>
+          <a:fillRef idx="1">
+            <a:schemeClr val="accent1"/>
+          </a:fillRef>
+          <a:effectRef idx="0">
+            <a:schemeClr val="accent1"/>
+          </a:effectRef>
+          <a:fontRef idx="minor">
+            <a:schemeClr val="lt1"/>
+          </a:fontRef>
+        </p:style>
+        <p:txBody>
+          <a:bodyPr rtlCol="0" anchor="ctr"/>
+          <a:lstStyle/>
+          <a:p>
+            <a:pPr algn="ctr"/>
+            <a:r>
+              <a:rPr lang="en-US" altLang="zh-CN" sz="2800" dirty="0"/>
+              <a:t>If </a:t>
+            </a:r>
+            <a:r>
+              <a:rPr lang="en-US" altLang="zh-CN" sz="2800" dirty="0" err="1"/>
+              <a:t>iid</a:t>
+            </a:r>
+            <a:r>
+              <a:rPr lang="en-US" altLang="zh-CN" sz="2800" dirty="0"/>
+              <a:t>?</a:t>
+            </a:r>
+            <a:endParaRPr lang="zh-CN" altLang="en-US" sz="2800" dirty="0"/>
+          </a:p>
+        </p:txBody>
+      </p:sp>
+      <p:sp>
+        <p:nvSpPr>
+          <p:cNvPr id="25" name="矩形: 剪去对角 24">
+            <a:extLst>
+              <a:ext uri="{FF2B5EF4-FFF2-40B4-BE49-F238E27FC236}">
+                <a16:creationId xmlns:a16="http://schemas.microsoft.com/office/drawing/2014/main" id="{388376CB-4CDA-4194-B873-E9EF858B6F38}"/>
+              </a:ext>
+            </a:extLst>
+          </p:cNvPr>
+          <p:cNvSpPr/>
+          <p:nvPr/>
+        </p:nvSpPr>
+        <p:spPr>
+          <a:xfrm>
+            <a:off x="8207602" y="3175901"/>
+            <a:ext cx="1075444" cy="575034"/>
+          </a:xfrm>
+          <a:prstGeom prst="snip2DiagRect">
+            <a:avLst/>
+          </a:prstGeom>
+        </p:spPr>
+        <p:style>
+          <a:lnRef idx="2">
+            <a:schemeClr val="accent1"/>
+          </a:lnRef>
+          <a:fillRef idx="1">
+            <a:schemeClr val="lt1"/>
+          </a:fillRef>
+          <a:effectRef idx="0">
+            <a:schemeClr val="accent1"/>
+          </a:effectRef>
+          <a:fontRef idx="minor">
+            <a:schemeClr val="dk1"/>
+          </a:fontRef>
+        </p:style>
+        <p:txBody>
+          <a:bodyPr rtlCol="0" anchor="ctr"/>
+          <a:lstStyle/>
+          <a:p>
+            <a:pPr algn="ctr"/>
+            <a:r>
+              <a:rPr lang="en-US" altLang="zh-CN" sz="2800" b="1" dirty="0"/>
+              <a:t>1</a:t>
+            </a:r>
+            <a:endParaRPr lang="zh-CN" altLang="en-US" sz="2800" b="1" dirty="0"/>
+          </a:p>
+        </p:txBody>
+      </p:sp>
+      <p:sp>
+        <p:nvSpPr>
+          <p:cNvPr id="26" name="矩形: 剪去对角 25">
+            <a:extLst>
+              <a:ext uri="{FF2B5EF4-FFF2-40B4-BE49-F238E27FC236}">
+                <a16:creationId xmlns:a16="http://schemas.microsoft.com/office/drawing/2014/main" id="{52C01889-ABA6-4F15-BFBA-8D00E00209A6}"/>
+              </a:ext>
+            </a:extLst>
+          </p:cNvPr>
+          <p:cNvSpPr/>
+          <p:nvPr/>
+        </p:nvSpPr>
+        <p:spPr>
+          <a:xfrm>
+            <a:off x="8207602" y="3978750"/>
+            <a:ext cx="1075444" cy="575034"/>
+          </a:xfrm>
+          <a:prstGeom prst="snip2DiagRect">
+            <a:avLst/>
+          </a:prstGeom>
+        </p:spPr>
+        <p:style>
+          <a:lnRef idx="2">
+            <a:schemeClr val="accent1"/>
+          </a:lnRef>
+          <a:fillRef idx="1">
+            <a:schemeClr val="lt1"/>
+          </a:fillRef>
+          <a:effectRef idx="0">
+            <a:schemeClr val="accent1"/>
+          </a:effectRef>
+          <a:fontRef idx="minor">
+            <a:schemeClr val="dk1"/>
+          </a:fontRef>
+        </p:style>
+        <p:txBody>
+          <a:bodyPr rtlCol="0" anchor="ctr"/>
+          <a:lstStyle/>
+          <a:p>
+            <a:pPr algn="ctr"/>
+            <a:r>
+              <a:rPr lang="en-US" altLang="zh-CN" sz="2800" dirty="0" err="1"/>
+              <a:t>iid</a:t>
+            </a:r>
+            <a:endParaRPr lang="zh-CN" altLang="en-US" sz="2800" dirty="0"/>
+          </a:p>
+        </p:txBody>
+      </p:sp>
+      <p:sp>
+        <p:nvSpPr>
+          <p:cNvPr id="18" name="内容占位符 2">
+            <a:extLst>
+              <a:ext uri="{FF2B5EF4-FFF2-40B4-BE49-F238E27FC236}">
+                <a16:creationId xmlns:a16="http://schemas.microsoft.com/office/drawing/2014/main" id="{56C950D2-8D9B-45FC-8E96-24C8D6C0E423}"/>
+              </a:ext>
+            </a:extLst>
+          </p:cNvPr>
+          <p:cNvSpPr>
+            <a:spLocks noGrp="1"/>
+          </p:cNvSpPr>
+          <p:nvPr>
+            <p:ph idx="1"/>
+          </p:nvPr>
+        </p:nvSpPr>
+        <p:spPr>
+          <a:xfrm>
+            <a:off x="838200" y="1825625"/>
+            <a:ext cx="3488703" cy="4351338"/>
+          </a:xfrm>
+        </p:spPr>
+        <p:txBody>
+          <a:bodyPr/>
+          <a:lstStyle/>
+          <a:p>
+            <a:r>
+              <a:rPr lang="en-US" altLang="zh-CN" dirty="0"/>
+              <a:t>40 worker nodes</a:t>
+            </a:r>
+          </a:p>
+          <a:p>
+            <a:r>
+              <a:rPr lang="en-US" altLang="zh-CN" dirty="0"/>
+              <a:t>4000 training data</a:t>
+            </a:r>
+          </a:p>
+          <a:p>
+            <a:r>
+              <a:rPr lang="en-US" altLang="zh-CN" dirty="0"/>
+              <a:t>10000 testing data</a:t>
+            </a:r>
+          </a:p>
+          <a:p>
+            <a:r>
+              <a:rPr lang="en-US" altLang="zh-CN" dirty="0"/>
+              <a:t>Early stop = 500</a:t>
+            </a:r>
+          </a:p>
+          <a:p>
+            <a:r>
+              <a:rPr lang="en-US" altLang="zh-CN" dirty="0"/>
+              <a:t>Local step = 1</a:t>
+            </a:r>
+          </a:p>
+        </p:txBody>
+      </p:sp>
     </p:spTree>
     <p:extLst>
       <p:ext uri="{BB962C8B-B14F-4D97-AF65-F5344CB8AC3E}">
-        <p14:creationId xmlns:p14="http://schemas.microsoft.com/office/powerpoint/2010/main" val="1958610085"/>
+        <p14:creationId xmlns:p14="http://schemas.microsoft.com/office/powerpoint/2010/main" val="4234437779"/>
       </p:ext>
     </p:extLst>
   </p:cSld>
@@ -5404,7 +5422,7 @@
           <a:p>
             <a:r>
               <a:rPr lang="en-US" altLang="zh-CN" dirty="0"/>
-              <a:t>Share data1 2/4</a:t>
+              <a:t>Share data1 1/4</a:t>
             </a:r>
             <a:endParaRPr lang="zh-CN" altLang="en-US" dirty="0"/>
           </a:p>
@@ -5412,15 +5430,15 @@
       </p:sp>
       <p:pic>
         <p:nvPicPr>
-          <p:cNvPr id="4" name="图片 3">
-            <a:extLst>
-              <a:ext uri="{FF2B5EF4-FFF2-40B4-BE49-F238E27FC236}">
-                <a16:creationId xmlns:a16="http://schemas.microsoft.com/office/drawing/2014/main" id="{431FE8A0-58FF-461D-8817-0EFDB8180795}"/>
+          <p:cNvPr id="1026" name="Picture 2">
+            <a:extLst>
+              <a:ext uri="{FF2B5EF4-FFF2-40B4-BE49-F238E27FC236}">
+                <a16:creationId xmlns:a16="http://schemas.microsoft.com/office/drawing/2014/main" id="{FBEBBC33-1FBB-4F9B-BF13-8475E915DB18}"/>
               </a:ext>
             </a:extLst>
           </p:cNvPr>
           <p:cNvPicPr>
-            <a:picLocks noChangeAspect="1"/>
+            <a:picLocks noChangeAspect="1" noChangeArrowheads="1"/>
           </p:cNvPicPr>
           <p:nvPr/>
         </p:nvPicPr>
@@ -5432,24 +5450,35 @@
               </a:ext>
             </a:extLst>
           </a:blip>
+          <a:srcRect/>
           <a:stretch>
             <a:fillRect/>
           </a:stretch>
         </p:blipFill>
-        <p:spPr>
+        <p:spPr bwMode="auto">
           <a:xfrm>
             <a:off x="0" y="1690688"/>
-            <a:ext cx="12192000" cy="4324709"/>
+            <a:ext cx="12203721" cy="4328867"/>
           </a:xfrm>
           <a:prstGeom prst="rect">
             <a:avLst/>
           </a:prstGeom>
+          <a:noFill/>
+          <a:extLst>
+            <a:ext uri="{909E8E84-426E-40DD-AFC4-6F175D3DCCD1}">
+              <a14:hiddenFill xmlns:a14="http://schemas.microsoft.com/office/drawing/2010/main">
+                <a:solidFill>
+                  <a:srgbClr val="FFFFFF"/>
+                </a:solidFill>
+              </a14:hiddenFill>
+            </a:ext>
+          </a:extLst>
         </p:spPr>
       </p:pic>
     </p:spTree>
     <p:extLst>
       <p:ext uri="{BB962C8B-B14F-4D97-AF65-F5344CB8AC3E}">
-        <p14:creationId xmlns:p14="http://schemas.microsoft.com/office/powerpoint/2010/main" val="3879912538"/>
+        <p14:creationId xmlns:p14="http://schemas.microsoft.com/office/powerpoint/2010/main" val="1958610085"/>
       </p:ext>
     </p:extLst>
   </p:cSld>
@@ -5499,7 +5528,7 @@
           <a:p>
             <a:r>
               <a:rPr lang="en-US" altLang="zh-CN" dirty="0"/>
-              <a:t>Share data1 3/4</a:t>
+              <a:t>Share data1 2/4</a:t>
             </a:r>
             <a:endParaRPr lang="zh-CN" altLang="en-US" dirty="0"/>
           </a:p>
@@ -5510,7 +5539,7 @@
           <p:cNvPr id="4" name="图片 3">
             <a:extLst>
               <a:ext uri="{FF2B5EF4-FFF2-40B4-BE49-F238E27FC236}">
-                <a16:creationId xmlns:a16="http://schemas.microsoft.com/office/drawing/2014/main" id="{95080435-1DED-4344-8B90-542B7B7D3AB0}"/>
+                <a16:creationId xmlns:a16="http://schemas.microsoft.com/office/drawing/2014/main" id="{431FE8A0-58FF-461D-8817-0EFDB8180795}"/>
               </a:ext>
             </a:extLst>
           </p:cNvPr>
@@ -5534,7 +5563,7 @@
         <p:spPr>
           <a:xfrm>
             <a:off x="0" y="1690688"/>
-            <a:ext cx="12192000" cy="4316565"/>
+            <a:ext cx="12192000" cy="4324709"/>
           </a:xfrm>
           <a:prstGeom prst="rect">
             <a:avLst/>
@@ -5544,7 +5573,7 @@
     </p:spTree>
     <p:extLst>
       <p:ext uri="{BB962C8B-B14F-4D97-AF65-F5344CB8AC3E}">
-        <p14:creationId xmlns:p14="http://schemas.microsoft.com/office/powerpoint/2010/main" val="1892863817"/>
+        <p14:creationId xmlns:p14="http://schemas.microsoft.com/office/powerpoint/2010/main" val="3879912538"/>
       </p:ext>
     </p:extLst>
   </p:cSld>
@@ -5594,7 +5623,7 @@
           <a:p>
             <a:r>
               <a:rPr lang="en-US" altLang="zh-CN" dirty="0"/>
-              <a:t>Share data1 4/4</a:t>
+              <a:t>Share data1 3/4</a:t>
             </a:r>
             <a:endParaRPr lang="zh-CN" altLang="en-US" dirty="0"/>
           </a:p>
@@ -5605,7 +5634,7 @@
           <p:cNvPr id="4" name="图片 3">
             <a:extLst>
               <a:ext uri="{FF2B5EF4-FFF2-40B4-BE49-F238E27FC236}">
-                <a16:creationId xmlns:a16="http://schemas.microsoft.com/office/drawing/2014/main" id="{FCC94621-47F7-4B76-B7AE-3A45EF2B35BB}"/>
+                <a16:creationId xmlns:a16="http://schemas.microsoft.com/office/drawing/2014/main" id="{95080435-1DED-4344-8B90-542B7B7D3AB0}"/>
               </a:ext>
             </a:extLst>
           </p:cNvPr>
@@ -5629,7 +5658,7 @@
         <p:spPr>
           <a:xfrm>
             <a:off x="0" y="1690688"/>
-            <a:ext cx="12192000" cy="4324709"/>
+            <a:ext cx="12192000" cy="4316565"/>
           </a:xfrm>
           <a:prstGeom prst="rect">
             <a:avLst/>
@@ -5639,7 +5668,7 @@
     </p:spTree>
     <p:extLst>
       <p:ext uri="{BB962C8B-B14F-4D97-AF65-F5344CB8AC3E}">
-        <p14:creationId xmlns:p14="http://schemas.microsoft.com/office/powerpoint/2010/main" val="433906679"/>
+        <p14:creationId xmlns:p14="http://schemas.microsoft.com/office/powerpoint/2010/main" val="1892863817"/>
       </p:ext>
     </p:extLst>
   </p:cSld>
@@ -5689,7 +5718,7 @@
           <a:p>
             <a:r>
               <a:rPr lang="en-US" altLang="zh-CN" dirty="0"/>
-              <a:t>Share data2 1/</a:t>
+              <a:t>Share data1 4/4</a:t>
             </a:r>
             <a:endParaRPr lang="zh-CN" altLang="en-US" dirty="0"/>
           </a:p>
@@ -5697,15 +5726,15 @@
       </p:sp>
       <p:pic>
         <p:nvPicPr>
-          <p:cNvPr id="2050" name="Picture 2">
-            <a:extLst>
-              <a:ext uri="{FF2B5EF4-FFF2-40B4-BE49-F238E27FC236}">
-                <a16:creationId xmlns:a16="http://schemas.microsoft.com/office/drawing/2014/main" id="{5137ECE9-E773-46D0-BA7B-1AEAA1C12711}"/>
+          <p:cNvPr id="4" name="图片 3">
+            <a:extLst>
+              <a:ext uri="{FF2B5EF4-FFF2-40B4-BE49-F238E27FC236}">
+                <a16:creationId xmlns:a16="http://schemas.microsoft.com/office/drawing/2014/main" id="{FCC94621-47F7-4B76-B7AE-3A45EF2B35BB}"/>
               </a:ext>
             </a:extLst>
           </p:cNvPr>
           <p:cNvPicPr>
-            <a:picLocks noChangeAspect="1" noChangeArrowheads="1"/>
+            <a:picLocks noChangeAspect="1"/>
           </p:cNvPicPr>
           <p:nvPr/>
         </p:nvPicPr>
@@ -5717,35 +5746,24 @@
               </a:ext>
             </a:extLst>
           </a:blip>
-          <a:srcRect/>
           <a:stretch>
             <a:fillRect/>
           </a:stretch>
         </p:blipFill>
-        <p:spPr bwMode="auto">
-          <a:xfrm>
-            <a:off x="14852" y="1690688"/>
-            <a:ext cx="12177148" cy="4319441"/>
+        <p:spPr>
+          <a:xfrm>
+            <a:off x="0" y="1690688"/>
+            <a:ext cx="12192000" cy="4324709"/>
           </a:xfrm>
           <a:prstGeom prst="rect">
             <a:avLst/>
           </a:prstGeom>
-          <a:noFill/>
-          <a:extLst>
-            <a:ext uri="{909E8E84-426E-40DD-AFC4-6F175D3DCCD1}">
-              <a14:hiddenFill xmlns:a14="http://schemas.microsoft.com/office/drawing/2010/main">
-                <a:solidFill>
-                  <a:srgbClr val="FFFFFF"/>
-                </a:solidFill>
-              </a14:hiddenFill>
-            </a:ext>
-          </a:extLst>
         </p:spPr>
       </p:pic>
     </p:spTree>
     <p:extLst>
       <p:ext uri="{BB962C8B-B14F-4D97-AF65-F5344CB8AC3E}">
-        <p14:creationId xmlns:p14="http://schemas.microsoft.com/office/powerpoint/2010/main" val="1454654361"/>
+        <p14:creationId xmlns:p14="http://schemas.microsoft.com/office/powerpoint/2010/main" val="433906679"/>
       </p:ext>
     </p:extLst>
   </p:cSld>
@@ -5927,10 +5945,10 @@
       </p:sp>
       <p:pic>
         <p:nvPicPr>
-          <p:cNvPr id="1026" name="Picture 2">
-            <a:extLst>
-              <a:ext uri="{FF2B5EF4-FFF2-40B4-BE49-F238E27FC236}">
-                <a16:creationId xmlns:a16="http://schemas.microsoft.com/office/drawing/2014/main" id="{E7227AB7-3ABF-47C2-A2CC-D180C66EBE3D}"/>
+          <p:cNvPr id="2050" name="Picture 2">
+            <a:extLst>
+              <a:ext uri="{FF2B5EF4-FFF2-40B4-BE49-F238E27FC236}">
+                <a16:creationId xmlns:a16="http://schemas.microsoft.com/office/drawing/2014/main" id="{5137ECE9-E773-46D0-BA7B-1AEAA1C12711}"/>
               </a:ext>
             </a:extLst>
           </p:cNvPr>
@@ -5954,8 +5972,8 @@
         </p:blipFill>
         <p:spPr bwMode="auto">
           <a:xfrm>
-            <a:off x="0" y="1690688"/>
-            <a:ext cx="12192000" cy="4324710"/>
+            <a:off x="14852" y="1690688"/>
+            <a:ext cx="12177148" cy="4319441"/>
           </a:xfrm>
           <a:prstGeom prst="rect">
             <a:avLst/>
@@ -5975,7 +5993,7 @@
     </p:spTree>
     <p:extLst>
       <p:ext uri="{BB962C8B-B14F-4D97-AF65-F5344CB8AC3E}">
-        <p14:creationId xmlns:p14="http://schemas.microsoft.com/office/powerpoint/2010/main" val="616836927"/>
+        <p14:creationId xmlns:p14="http://schemas.microsoft.com/office/powerpoint/2010/main" val="1454654361"/>
       </p:ext>
     </p:extLst>
   </p:cSld>
@@ -6007,7 +6025,7 @@
           <p:cNvPr id="2" name="标题 1">
             <a:extLst>
               <a:ext uri="{FF2B5EF4-FFF2-40B4-BE49-F238E27FC236}">
-                <a16:creationId xmlns:a16="http://schemas.microsoft.com/office/drawing/2014/main" id="{FDBDF9CE-045B-4932-BBDF-5C6982733BDC}"/>
+                <a16:creationId xmlns:a16="http://schemas.microsoft.com/office/drawing/2014/main" id="{2D11BB3A-A2C8-41D7-AAF7-824B7B5CEF02}"/>
               </a:ext>
             </a:extLst>
           </p:cNvPr>
@@ -6025,663 +6043,63 @@
           <a:p>
             <a:r>
               <a:rPr lang="en-US" altLang="zh-CN" dirty="0"/>
-              <a:t>Delayed Update</a:t>
+              <a:t>Share data2 1/2</a:t>
             </a:r>
             <a:endParaRPr lang="zh-CN" altLang="en-US" dirty="0"/>
           </a:p>
         </p:txBody>
       </p:sp>
-      <p:sp>
-        <p:nvSpPr>
-          <p:cNvPr id="4" name="内容占位符 2">
-            <a:extLst>
-              <a:ext uri="{FF2B5EF4-FFF2-40B4-BE49-F238E27FC236}">
-                <a16:creationId xmlns:a16="http://schemas.microsoft.com/office/drawing/2014/main" id="{C3C4E09F-7D67-4FDD-BA22-4228F3AD6322}"/>
-              </a:ext>
-            </a:extLst>
-          </p:cNvPr>
-          <p:cNvSpPr>
-            <a:spLocks noGrp="1"/>
-          </p:cNvSpPr>
-          <p:nvPr>
-            <p:ph idx="1"/>
-          </p:nvPr>
-        </p:nvSpPr>
-        <p:spPr>
-          <a:xfrm>
-            <a:off x="838200" y="1825625"/>
-            <a:ext cx="3488703" cy="4351338"/>
-          </a:xfrm>
-        </p:spPr>
-        <p:txBody>
-          <a:bodyPr/>
-          <a:lstStyle/>
-          <a:p>
-            <a:r>
-              <a:rPr lang="en-US" altLang="zh-CN" dirty="0"/>
-              <a:t>40 worker nodes</a:t>
-            </a:r>
-          </a:p>
-          <a:p>
-            <a:r>
-              <a:rPr lang="en-US" altLang="zh-CN" dirty="0"/>
-              <a:t>4000 training data</a:t>
-            </a:r>
-          </a:p>
-          <a:p>
-            <a:r>
-              <a:rPr lang="en-US" altLang="zh-CN" dirty="0"/>
-              <a:t>10000 testing data</a:t>
-            </a:r>
-          </a:p>
-          <a:p>
-            <a:r>
-              <a:rPr lang="en-US" altLang="zh-CN" dirty="0"/>
-              <a:t>Early stop = 500</a:t>
-            </a:r>
-          </a:p>
-          <a:p>
-            <a:r>
-              <a:rPr lang="en-US" altLang="zh-CN" dirty="0"/>
-              <a:t>Local step = 1</a:t>
-            </a:r>
-          </a:p>
-        </p:txBody>
-      </p:sp>
-      <p:sp>
-        <p:nvSpPr>
-          <p:cNvPr id="5" name="矩形: 圆角 4">
-            <a:extLst>
-              <a:ext uri="{FF2B5EF4-FFF2-40B4-BE49-F238E27FC236}">
-                <a16:creationId xmlns:a16="http://schemas.microsoft.com/office/drawing/2014/main" id="{868D413E-6E22-4398-852A-3CAE5A7CAE3A}"/>
-              </a:ext>
-            </a:extLst>
-          </p:cNvPr>
-          <p:cNvSpPr/>
+      <p:pic>
+        <p:nvPicPr>
+          <p:cNvPr id="1026" name="Picture 2">
+            <a:extLst>
+              <a:ext uri="{FF2B5EF4-FFF2-40B4-BE49-F238E27FC236}">
+                <a16:creationId xmlns:a16="http://schemas.microsoft.com/office/drawing/2014/main" id="{E7227AB7-3ABF-47C2-A2CC-D180C66EBE3D}"/>
+              </a:ext>
+            </a:extLst>
+          </p:cNvPr>
+          <p:cNvPicPr>
+            <a:picLocks noChangeAspect="1" noChangeArrowheads="1"/>
+          </p:cNvPicPr>
           <p:nvPr/>
-        </p:nvSpPr>
-        <p:spPr>
-          <a:xfrm>
-            <a:off x="4454953" y="2344278"/>
-            <a:ext cx="1718822" cy="669302"/>
-          </a:xfrm>
-          <a:prstGeom prst="roundRect">
+        </p:nvPicPr>
+        <p:blipFill>
+          <a:blip r:embed="rId2">
+            <a:extLst>
+              <a:ext uri="{28A0092B-C50C-407E-A947-70E740481C1C}">
+                <a14:useLocalDpi xmlns:a14="http://schemas.microsoft.com/office/drawing/2010/main" val="0"/>
+              </a:ext>
+            </a:extLst>
+          </a:blip>
+          <a:srcRect/>
+          <a:stretch>
+            <a:fillRect/>
+          </a:stretch>
+        </p:blipFill>
+        <p:spPr bwMode="auto">
+          <a:xfrm>
+            <a:off x="0" y="1690688"/>
+            <a:ext cx="12192000" cy="4324710"/>
+          </a:xfrm>
+          <a:prstGeom prst="rect">
             <a:avLst/>
           </a:prstGeom>
-        </p:spPr>
-        <p:style>
-          <a:lnRef idx="2">
-            <a:schemeClr val="accent1">
-              <a:shade val="50000"/>
-            </a:schemeClr>
-          </a:lnRef>
-          <a:fillRef idx="1">
-            <a:schemeClr val="accent1"/>
-          </a:fillRef>
-          <a:effectRef idx="0">
-            <a:schemeClr val="accent1"/>
-          </a:effectRef>
-          <a:fontRef idx="minor">
-            <a:schemeClr val="lt1"/>
-          </a:fontRef>
-        </p:style>
-        <p:txBody>
-          <a:bodyPr rtlCol="0" anchor="ctr"/>
-          <a:lstStyle/>
-          <a:p>
-            <a:pPr algn="ctr"/>
-            <a:r>
-              <a:rPr lang="en-US" altLang="zh-CN" sz="2800" dirty="0"/>
-              <a:t>If </a:t>
-            </a:r>
-            <a:r>
-              <a:rPr lang="en-US" altLang="zh-CN" sz="2800" dirty="0" err="1"/>
-              <a:t>iid</a:t>
-            </a:r>
-            <a:r>
-              <a:rPr lang="en-US" altLang="zh-CN" sz="2800" dirty="0"/>
-              <a:t>?</a:t>
-            </a:r>
-            <a:endParaRPr lang="zh-CN" altLang="en-US" sz="2800" dirty="0"/>
-          </a:p>
-        </p:txBody>
-      </p:sp>
-      <p:sp>
-        <p:nvSpPr>
-          <p:cNvPr id="6" name="矩形: 剪去对角 5">
-            <a:extLst>
-              <a:ext uri="{FF2B5EF4-FFF2-40B4-BE49-F238E27FC236}">
-                <a16:creationId xmlns:a16="http://schemas.microsoft.com/office/drawing/2014/main" id="{04AFBB55-D737-4A30-8406-FDD002372014}"/>
-              </a:ext>
-            </a:extLst>
-          </p:cNvPr>
-          <p:cNvSpPr/>
-          <p:nvPr/>
-        </p:nvSpPr>
-        <p:spPr>
-          <a:xfrm>
-            <a:off x="4788028" y="3432782"/>
-            <a:ext cx="1075444" cy="575034"/>
-          </a:xfrm>
-          <a:prstGeom prst="snip2DiagRect">
-            <a:avLst/>
-          </a:prstGeom>
-        </p:spPr>
-        <p:style>
-          <a:lnRef idx="2">
-            <a:schemeClr val="accent1"/>
-          </a:lnRef>
-          <a:fillRef idx="1">
-            <a:schemeClr val="lt1"/>
-          </a:fillRef>
-          <a:effectRef idx="0">
-            <a:schemeClr val="accent1"/>
-          </a:effectRef>
-          <a:fontRef idx="minor">
-            <a:schemeClr val="dk1"/>
-          </a:fontRef>
-        </p:style>
-        <p:txBody>
-          <a:bodyPr rtlCol="0" anchor="ctr"/>
-          <a:lstStyle/>
-          <a:p>
-            <a:pPr algn="ctr"/>
-            <a:r>
-              <a:rPr lang="en-US" altLang="zh-CN" sz="2800" dirty="0"/>
-              <a:t>2</a:t>
-            </a:r>
-            <a:endParaRPr lang="zh-CN" altLang="en-US" sz="2800" dirty="0"/>
-          </a:p>
-        </p:txBody>
-      </p:sp>
-      <p:sp>
-        <p:nvSpPr>
-          <p:cNvPr id="7" name="矩形: 剪去对角 6">
-            <a:extLst>
-              <a:ext uri="{FF2B5EF4-FFF2-40B4-BE49-F238E27FC236}">
-                <a16:creationId xmlns:a16="http://schemas.microsoft.com/office/drawing/2014/main" id="{12454626-78AE-40E3-9B45-E4B0B4C84560}"/>
-              </a:ext>
-            </a:extLst>
-          </p:cNvPr>
-          <p:cNvSpPr/>
-          <p:nvPr/>
-        </p:nvSpPr>
-        <p:spPr>
-          <a:xfrm>
-            <a:off x="4788028" y="4235631"/>
-            <a:ext cx="1075444" cy="575034"/>
-          </a:xfrm>
-          <a:prstGeom prst="snip2DiagRect">
-            <a:avLst/>
-          </a:prstGeom>
-        </p:spPr>
-        <p:style>
-          <a:lnRef idx="2">
-            <a:schemeClr val="accent1"/>
-          </a:lnRef>
-          <a:fillRef idx="1">
-            <a:schemeClr val="lt1"/>
-          </a:fillRef>
-          <a:effectRef idx="0">
-            <a:schemeClr val="accent1"/>
-          </a:effectRef>
-          <a:fontRef idx="minor">
-            <a:schemeClr val="dk1"/>
-          </a:fontRef>
-        </p:style>
-        <p:txBody>
-          <a:bodyPr rtlCol="0" anchor="ctr"/>
-          <a:lstStyle/>
-          <a:p>
-            <a:pPr algn="ctr"/>
-            <a:r>
-              <a:rPr lang="en-US" altLang="zh-CN" sz="2800" dirty="0"/>
-              <a:t>5</a:t>
-            </a:r>
-            <a:endParaRPr lang="zh-CN" altLang="en-US" sz="2800" dirty="0"/>
-          </a:p>
-        </p:txBody>
-      </p:sp>
-      <p:sp>
-        <p:nvSpPr>
-          <p:cNvPr id="8" name="矩形: 剪去对角 7">
-            <a:extLst>
-              <a:ext uri="{FF2B5EF4-FFF2-40B4-BE49-F238E27FC236}">
-                <a16:creationId xmlns:a16="http://schemas.microsoft.com/office/drawing/2014/main" id="{538CD5B3-6E2D-40E9-A95B-B08ACAB4BE2F}"/>
-              </a:ext>
-            </a:extLst>
-          </p:cNvPr>
-          <p:cNvSpPr/>
-          <p:nvPr/>
-        </p:nvSpPr>
-        <p:spPr>
-          <a:xfrm>
-            <a:off x="4788028" y="5038481"/>
-            <a:ext cx="1075444" cy="575034"/>
-          </a:xfrm>
-          <a:prstGeom prst="snip2DiagRect">
-            <a:avLst/>
-          </a:prstGeom>
-        </p:spPr>
-        <p:style>
-          <a:lnRef idx="2">
-            <a:schemeClr val="accent1"/>
-          </a:lnRef>
-          <a:fillRef idx="1">
-            <a:schemeClr val="lt1"/>
-          </a:fillRef>
-          <a:effectRef idx="0">
-            <a:schemeClr val="accent1"/>
-          </a:effectRef>
-          <a:fontRef idx="minor">
-            <a:schemeClr val="dk1"/>
-          </a:fontRef>
-        </p:style>
-        <p:txBody>
-          <a:bodyPr rtlCol="0" anchor="ctr"/>
-          <a:lstStyle/>
-          <a:p>
-            <a:pPr algn="ctr"/>
-            <a:r>
-              <a:rPr lang="en-US" altLang="zh-CN" sz="2800" dirty="0" err="1"/>
-              <a:t>iid</a:t>
-            </a:r>
-            <a:endParaRPr lang="zh-CN" altLang="en-US" sz="2800" dirty="0"/>
-          </a:p>
-        </p:txBody>
-      </p:sp>
-      <p:sp>
-        <p:nvSpPr>
-          <p:cNvPr id="9" name="矩形: 圆角 8">
-            <a:extLst>
-              <a:ext uri="{FF2B5EF4-FFF2-40B4-BE49-F238E27FC236}">
-                <a16:creationId xmlns:a16="http://schemas.microsoft.com/office/drawing/2014/main" id="{B8879A69-5B42-4C9E-8210-C28B970C2325}"/>
-              </a:ext>
-            </a:extLst>
-          </p:cNvPr>
-          <p:cNvSpPr/>
-          <p:nvPr/>
-        </p:nvSpPr>
-        <p:spPr>
-          <a:xfrm>
-            <a:off x="6634116" y="1928858"/>
-            <a:ext cx="2170520" cy="1084722"/>
-          </a:xfrm>
-          <a:prstGeom prst="roundRect">
-            <a:avLst/>
-          </a:prstGeom>
-        </p:spPr>
-        <p:style>
-          <a:lnRef idx="2">
-            <a:schemeClr val="accent1">
-              <a:shade val="50000"/>
-            </a:schemeClr>
-          </a:lnRef>
-          <a:fillRef idx="1">
-            <a:schemeClr val="accent1"/>
-          </a:fillRef>
-          <a:effectRef idx="0">
-            <a:schemeClr val="accent1"/>
-          </a:effectRef>
-          <a:fontRef idx="minor">
-            <a:schemeClr val="lt1"/>
-          </a:fontRef>
-        </p:style>
-        <p:txBody>
-          <a:bodyPr rtlCol="0" anchor="ctr"/>
-          <a:lstStyle/>
-          <a:p>
-            <a:pPr algn="ctr"/>
-            <a:r>
-              <a:rPr lang="en-US" altLang="zh-CN" sz="2800" dirty="0"/>
-              <a:t>Delay Proportion</a:t>
-            </a:r>
-            <a:endParaRPr lang="zh-CN" altLang="en-US" sz="2800" dirty="0"/>
-          </a:p>
-        </p:txBody>
-      </p:sp>
-      <p:sp>
-        <p:nvSpPr>
-          <p:cNvPr id="10" name="矩形: 圆角 9">
-            <a:extLst>
-              <a:ext uri="{FF2B5EF4-FFF2-40B4-BE49-F238E27FC236}">
-                <a16:creationId xmlns:a16="http://schemas.microsoft.com/office/drawing/2014/main" id="{CA16E15D-C82B-40E3-BCA1-0B982FEB0A8E}"/>
-              </a:ext>
-            </a:extLst>
-          </p:cNvPr>
-          <p:cNvSpPr/>
-          <p:nvPr/>
-        </p:nvSpPr>
-        <p:spPr>
-          <a:xfrm>
-            <a:off x="9183280" y="1928858"/>
-            <a:ext cx="2170520" cy="1084722"/>
-          </a:xfrm>
-          <a:prstGeom prst="roundRect">
-            <a:avLst/>
-          </a:prstGeom>
-        </p:spPr>
-        <p:style>
-          <a:lnRef idx="2">
-            <a:schemeClr val="accent1">
-              <a:shade val="50000"/>
-            </a:schemeClr>
-          </a:lnRef>
-          <a:fillRef idx="1">
-            <a:schemeClr val="accent1"/>
-          </a:fillRef>
-          <a:effectRef idx="0">
-            <a:schemeClr val="accent1"/>
-          </a:effectRef>
-          <a:fontRef idx="minor">
-            <a:schemeClr val="lt1"/>
-          </a:fontRef>
-        </p:style>
-        <p:txBody>
-          <a:bodyPr rtlCol="0" anchor="ctr"/>
-          <a:lstStyle/>
-          <a:p>
-            <a:pPr algn="ctr"/>
-            <a:r>
-              <a:rPr lang="en-US" altLang="zh-CN" sz="2800" dirty="0"/>
-              <a:t>Delay Speed</a:t>
-            </a:r>
-            <a:endParaRPr lang="zh-CN" altLang="en-US" sz="2800" dirty="0"/>
-          </a:p>
-        </p:txBody>
-      </p:sp>
-      <p:sp>
-        <p:nvSpPr>
-          <p:cNvPr id="11" name="矩形: 剪去对角 10">
-            <a:extLst>
-              <a:ext uri="{FF2B5EF4-FFF2-40B4-BE49-F238E27FC236}">
-                <a16:creationId xmlns:a16="http://schemas.microsoft.com/office/drawing/2014/main" id="{D2E72A95-5CD2-4D55-A7F1-B46420C741BE}"/>
-              </a:ext>
-            </a:extLst>
-          </p:cNvPr>
-          <p:cNvSpPr/>
-          <p:nvPr/>
-        </p:nvSpPr>
-        <p:spPr>
-          <a:xfrm>
-            <a:off x="7221714" y="3429000"/>
-            <a:ext cx="1075444" cy="575034"/>
-          </a:xfrm>
-          <a:prstGeom prst="snip2DiagRect">
-            <a:avLst/>
-          </a:prstGeom>
-        </p:spPr>
-        <p:style>
-          <a:lnRef idx="2">
-            <a:schemeClr val="accent1"/>
-          </a:lnRef>
-          <a:fillRef idx="1">
-            <a:schemeClr val="lt1"/>
-          </a:fillRef>
-          <a:effectRef idx="0">
-            <a:schemeClr val="accent1"/>
-          </a:effectRef>
-          <a:fontRef idx="minor">
-            <a:schemeClr val="dk1"/>
-          </a:fontRef>
-        </p:style>
-        <p:txBody>
-          <a:bodyPr rtlCol="0" anchor="ctr"/>
-          <a:lstStyle/>
-          <a:p>
-            <a:pPr algn="ctr"/>
-            <a:r>
-              <a:rPr lang="en-US" altLang="zh-CN" sz="2800" dirty="0"/>
-              <a:t>20%</a:t>
-            </a:r>
-            <a:endParaRPr lang="zh-CN" altLang="en-US" sz="2800" dirty="0"/>
-          </a:p>
-        </p:txBody>
-      </p:sp>
-      <p:sp>
-        <p:nvSpPr>
-          <p:cNvPr id="12" name="矩形: 剪去对角 11">
-            <a:extLst>
-              <a:ext uri="{FF2B5EF4-FFF2-40B4-BE49-F238E27FC236}">
-                <a16:creationId xmlns:a16="http://schemas.microsoft.com/office/drawing/2014/main" id="{C8E1A706-25AD-4962-ADE6-78A2503BE983}"/>
-              </a:ext>
-            </a:extLst>
-          </p:cNvPr>
-          <p:cNvSpPr/>
-          <p:nvPr/>
-        </p:nvSpPr>
-        <p:spPr>
-          <a:xfrm>
-            <a:off x="7221714" y="4231849"/>
-            <a:ext cx="1075444" cy="575034"/>
-          </a:xfrm>
-          <a:prstGeom prst="snip2DiagRect">
-            <a:avLst/>
-          </a:prstGeom>
-        </p:spPr>
-        <p:style>
-          <a:lnRef idx="2">
-            <a:schemeClr val="accent1"/>
-          </a:lnRef>
-          <a:fillRef idx="1">
-            <a:schemeClr val="lt1"/>
-          </a:fillRef>
-          <a:effectRef idx="0">
-            <a:schemeClr val="accent1"/>
-          </a:effectRef>
-          <a:fontRef idx="minor">
-            <a:schemeClr val="dk1"/>
-          </a:fontRef>
-        </p:style>
-        <p:txBody>
-          <a:bodyPr rtlCol="0" anchor="ctr"/>
-          <a:lstStyle/>
-          <a:p>
-            <a:pPr algn="ctr"/>
-            <a:r>
-              <a:rPr lang="en-US" altLang="zh-CN" sz="2800" dirty="0"/>
-              <a:t>50%</a:t>
-            </a:r>
-            <a:endParaRPr lang="zh-CN" altLang="en-US" sz="2800" dirty="0"/>
-          </a:p>
-        </p:txBody>
-      </p:sp>
-      <p:sp>
-        <p:nvSpPr>
-          <p:cNvPr id="13" name="矩形: 剪去对角 12">
-            <a:extLst>
-              <a:ext uri="{FF2B5EF4-FFF2-40B4-BE49-F238E27FC236}">
-                <a16:creationId xmlns:a16="http://schemas.microsoft.com/office/drawing/2014/main" id="{40C9B294-F06F-48AA-83F4-C784638C1AE7}"/>
-              </a:ext>
-            </a:extLst>
-          </p:cNvPr>
-          <p:cNvSpPr/>
-          <p:nvPr/>
-        </p:nvSpPr>
-        <p:spPr>
-          <a:xfrm>
-            <a:off x="7221714" y="5034699"/>
-            <a:ext cx="1075444" cy="575034"/>
-          </a:xfrm>
-          <a:prstGeom prst="snip2DiagRect">
-            <a:avLst/>
-          </a:prstGeom>
-        </p:spPr>
-        <p:style>
-          <a:lnRef idx="2">
-            <a:schemeClr val="accent1"/>
-          </a:lnRef>
-          <a:fillRef idx="1">
-            <a:schemeClr val="lt1"/>
-          </a:fillRef>
-          <a:effectRef idx="0">
-            <a:schemeClr val="accent1"/>
-          </a:effectRef>
-          <a:fontRef idx="minor">
-            <a:schemeClr val="dk1"/>
-          </a:fontRef>
-        </p:style>
-        <p:txBody>
-          <a:bodyPr rtlCol="0" anchor="ctr"/>
-          <a:lstStyle/>
-          <a:p>
-            <a:pPr algn="ctr"/>
-            <a:r>
-              <a:rPr lang="en-US" altLang="zh-CN" sz="2800" dirty="0"/>
-              <a:t>80%</a:t>
-            </a:r>
-            <a:endParaRPr lang="zh-CN" altLang="en-US" sz="2800" dirty="0"/>
-          </a:p>
-        </p:txBody>
-      </p:sp>
-      <p:sp>
-        <p:nvSpPr>
-          <p:cNvPr id="14" name="矩形: 剪去对角 13">
-            <a:extLst>
-              <a:ext uri="{FF2B5EF4-FFF2-40B4-BE49-F238E27FC236}">
-                <a16:creationId xmlns:a16="http://schemas.microsoft.com/office/drawing/2014/main" id="{0865B9C5-3540-4A97-B2E1-A3C163F414D0}"/>
-              </a:ext>
-            </a:extLst>
-          </p:cNvPr>
-          <p:cNvSpPr/>
-          <p:nvPr/>
-        </p:nvSpPr>
-        <p:spPr>
-          <a:xfrm>
-            <a:off x="9655400" y="3429000"/>
-            <a:ext cx="1075444" cy="575034"/>
-          </a:xfrm>
-          <a:prstGeom prst="snip2DiagRect">
-            <a:avLst/>
-          </a:prstGeom>
-        </p:spPr>
-        <p:style>
-          <a:lnRef idx="2">
-            <a:schemeClr val="accent1"/>
-          </a:lnRef>
-          <a:fillRef idx="1">
-            <a:schemeClr val="lt1"/>
-          </a:fillRef>
-          <a:effectRef idx="0">
-            <a:schemeClr val="accent1"/>
-          </a:effectRef>
-          <a:fontRef idx="minor">
-            <a:schemeClr val="dk1"/>
-          </a:fontRef>
-        </p:style>
-        <p:txBody>
-          <a:bodyPr rtlCol="0" anchor="ctr"/>
-          <a:lstStyle/>
-          <a:p>
-            <a:pPr algn="ctr"/>
-            <a:r>
-              <a:rPr lang="en-US" altLang="zh-CN" sz="2800" dirty="0"/>
-              <a:t>3</a:t>
-            </a:r>
-            <a:endParaRPr lang="zh-CN" altLang="en-US" sz="2800" dirty="0"/>
-          </a:p>
-        </p:txBody>
-      </p:sp>
-      <p:sp>
-        <p:nvSpPr>
-          <p:cNvPr id="15" name="矩形: 剪去对角 14">
-            <a:extLst>
-              <a:ext uri="{FF2B5EF4-FFF2-40B4-BE49-F238E27FC236}">
-                <a16:creationId xmlns:a16="http://schemas.microsoft.com/office/drawing/2014/main" id="{AB262FBE-A8F8-4379-8E2D-4BF82FE8CD99}"/>
-              </a:ext>
-            </a:extLst>
-          </p:cNvPr>
-          <p:cNvSpPr/>
-          <p:nvPr/>
-        </p:nvSpPr>
-        <p:spPr>
-          <a:xfrm>
-            <a:off x="9655400" y="4231849"/>
-            <a:ext cx="1075444" cy="575034"/>
-          </a:xfrm>
-          <a:prstGeom prst="snip2DiagRect">
-            <a:avLst/>
-          </a:prstGeom>
-        </p:spPr>
-        <p:style>
-          <a:lnRef idx="2">
-            <a:schemeClr val="accent1"/>
-          </a:lnRef>
-          <a:fillRef idx="1">
-            <a:schemeClr val="lt1"/>
-          </a:fillRef>
-          <a:effectRef idx="0">
-            <a:schemeClr val="accent1"/>
-          </a:effectRef>
-          <a:fontRef idx="minor">
-            <a:schemeClr val="dk1"/>
-          </a:fontRef>
-        </p:style>
-        <p:txBody>
-          <a:bodyPr rtlCol="0" anchor="ctr"/>
-          <a:lstStyle/>
-          <a:p>
-            <a:pPr algn="ctr"/>
-            <a:r>
-              <a:rPr lang="en-US" altLang="zh-CN" sz="2800" dirty="0"/>
-              <a:t>12</a:t>
-            </a:r>
-            <a:endParaRPr lang="zh-CN" altLang="en-US" sz="2800" dirty="0"/>
-          </a:p>
-        </p:txBody>
-      </p:sp>
-      <p:sp>
-        <p:nvSpPr>
-          <p:cNvPr id="16" name="矩形: 剪去对角 15">
-            <a:extLst>
-              <a:ext uri="{FF2B5EF4-FFF2-40B4-BE49-F238E27FC236}">
-                <a16:creationId xmlns:a16="http://schemas.microsoft.com/office/drawing/2014/main" id="{0E9B05BB-7327-4FF9-9B25-F601DA032445}"/>
-              </a:ext>
-            </a:extLst>
-          </p:cNvPr>
-          <p:cNvSpPr/>
-          <p:nvPr/>
-        </p:nvSpPr>
-        <p:spPr>
-          <a:xfrm>
-            <a:off x="9655400" y="5034699"/>
-            <a:ext cx="1075444" cy="575034"/>
-          </a:xfrm>
-          <a:prstGeom prst="snip2DiagRect">
-            <a:avLst/>
-          </a:prstGeom>
-        </p:spPr>
-        <p:style>
-          <a:lnRef idx="2">
-            <a:schemeClr val="accent1"/>
-          </a:lnRef>
-          <a:fillRef idx="1">
-            <a:schemeClr val="lt1"/>
-          </a:fillRef>
-          <a:effectRef idx="0">
-            <a:schemeClr val="accent1"/>
-          </a:effectRef>
-          <a:fontRef idx="minor">
-            <a:schemeClr val="dk1"/>
-          </a:fontRef>
-        </p:style>
-        <p:txBody>
-          <a:bodyPr rtlCol="0" anchor="ctr"/>
-          <a:lstStyle/>
-          <a:p>
-            <a:pPr algn="ctr"/>
-            <a:r>
-              <a:rPr lang="en-US" altLang="zh-CN" sz="2800" dirty="0"/>
-              <a:t>30</a:t>
-            </a:r>
-            <a:endParaRPr lang="zh-CN" altLang="en-US" sz="2800" dirty="0"/>
-          </a:p>
-        </p:txBody>
-      </p:sp>
+          <a:noFill/>
+          <a:extLst>
+            <a:ext uri="{909E8E84-426E-40DD-AFC4-6F175D3DCCD1}">
+              <a14:hiddenFill xmlns:a14="http://schemas.microsoft.com/office/drawing/2010/main">
+                <a:solidFill>
+                  <a:srgbClr val="FFFFFF"/>
+                </a:solidFill>
+              </a14:hiddenFill>
+            </a:ext>
+          </a:extLst>
+        </p:spPr>
+      </p:pic>
     </p:spTree>
     <p:extLst>
       <p:ext uri="{BB962C8B-B14F-4D97-AF65-F5344CB8AC3E}">
-        <p14:creationId xmlns:p14="http://schemas.microsoft.com/office/powerpoint/2010/main" val="2650658434"/>
+        <p14:creationId xmlns:p14="http://schemas.microsoft.com/office/powerpoint/2010/main" val="616836927"/>
       </p:ext>
     </p:extLst>
   </p:cSld>
@@ -6731,52 +6149,663 @@
           <a:p>
             <a:r>
               <a:rPr lang="en-US" altLang="zh-CN" dirty="0"/>
-              <a:t>Delayed Update1 1/5</a:t>
+              <a:t>Delayed Update</a:t>
             </a:r>
             <a:endParaRPr lang="zh-CN" altLang="en-US" dirty="0"/>
           </a:p>
         </p:txBody>
       </p:sp>
-      <p:pic>
-        <p:nvPicPr>
-          <p:cNvPr id="4" name="图片 3" descr="手机屏幕截图&#10;&#10;描述已自动生成">
-            <a:extLst>
-              <a:ext uri="{FF2B5EF4-FFF2-40B4-BE49-F238E27FC236}">
-                <a16:creationId xmlns:a16="http://schemas.microsoft.com/office/drawing/2014/main" id="{E477B7D8-D874-4840-91C7-39B6C071AF15}"/>
-              </a:ext>
-            </a:extLst>
-          </p:cNvPr>
-          <p:cNvPicPr>
-            <a:picLocks noChangeAspect="1"/>
-          </p:cNvPicPr>
+      <p:sp>
+        <p:nvSpPr>
+          <p:cNvPr id="4" name="内容占位符 2">
+            <a:extLst>
+              <a:ext uri="{FF2B5EF4-FFF2-40B4-BE49-F238E27FC236}">
+                <a16:creationId xmlns:a16="http://schemas.microsoft.com/office/drawing/2014/main" id="{C3C4E09F-7D67-4FDD-BA22-4228F3AD6322}"/>
+              </a:ext>
+            </a:extLst>
+          </p:cNvPr>
+          <p:cNvSpPr>
+            <a:spLocks noGrp="1"/>
+          </p:cNvSpPr>
+          <p:nvPr>
+            <p:ph idx="1"/>
+          </p:nvPr>
+        </p:nvSpPr>
+        <p:spPr>
+          <a:xfrm>
+            <a:off x="838200" y="1825625"/>
+            <a:ext cx="3488703" cy="4351338"/>
+          </a:xfrm>
+        </p:spPr>
+        <p:txBody>
+          <a:bodyPr/>
+          <a:lstStyle/>
+          <a:p>
+            <a:r>
+              <a:rPr lang="en-US" altLang="zh-CN" dirty="0"/>
+              <a:t>40 worker nodes</a:t>
+            </a:r>
+          </a:p>
+          <a:p>
+            <a:r>
+              <a:rPr lang="en-US" altLang="zh-CN" dirty="0"/>
+              <a:t>4000 training data</a:t>
+            </a:r>
+          </a:p>
+          <a:p>
+            <a:r>
+              <a:rPr lang="en-US" altLang="zh-CN" dirty="0"/>
+              <a:t>10000 testing data</a:t>
+            </a:r>
+          </a:p>
+          <a:p>
+            <a:r>
+              <a:rPr lang="en-US" altLang="zh-CN" dirty="0"/>
+              <a:t>Early stop = 500</a:t>
+            </a:r>
+          </a:p>
+          <a:p>
+            <a:r>
+              <a:rPr lang="en-US" altLang="zh-CN" dirty="0"/>
+              <a:t>Local step = 1</a:t>
+            </a:r>
+          </a:p>
+        </p:txBody>
+      </p:sp>
+      <p:sp>
+        <p:nvSpPr>
+          <p:cNvPr id="5" name="矩形: 圆角 4">
+            <a:extLst>
+              <a:ext uri="{FF2B5EF4-FFF2-40B4-BE49-F238E27FC236}">
+                <a16:creationId xmlns:a16="http://schemas.microsoft.com/office/drawing/2014/main" id="{868D413E-6E22-4398-852A-3CAE5A7CAE3A}"/>
+              </a:ext>
+            </a:extLst>
+          </p:cNvPr>
+          <p:cNvSpPr/>
           <p:nvPr/>
-        </p:nvPicPr>
-        <p:blipFill>
-          <a:blip r:embed="rId2">
-            <a:extLst>
-              <a:ext uri="{28A0092B-C50C-407E-A947-70E740481C1C}">
-                <a14:useLocalDpi xmlns:a14="http://schemas.microsoft.com/office/drawing/2010/main" val="0"/>
-              </a:ext>
-            </a:extLst>
-          </a:blip>
-          <a:stretch>
-            <a:fillRect/>
-          </a:stretch>
-        </p:blipFill>
-        <p:spPr>
-          <a:xfrm>
-            <a:off x="0" y="1690688"/>
-            <a:ext cx="12192000" cy="4324709"/>
-          </a:xfrm>
-          <a:prstGeom prst="rect">
+        </p:nvSpPr>
+        <p:spPr>
+          <a:xfrm>
+            <a:off x="4454953" y="2344278"/>
+            <a:ext cx="1718822" cy="669302"/>
+          </a:xfrm>
+          <a:prstGeom prst="roundRect">
             <a:avLst/>
           </a:prstGeom>
         </p:spPr>
-      </p:pic>
+        <p:style>
+          <a:lnRef idx="2">
+            <a:schemeClr val="accent1">
+              <a:shade val="50000"/>
+            </a:schemeClr>
+          </a:lnRef>
+          <a:fillRef idx="1">
+            <a:schemeClr val="accent1"/>
+          </a:fillRef>
+          <a:effectRef idx="0">
+            <a:schemeClr val="accent1"/>
+          </a:effectRef>
+          <a:fontRef idx="minor">
+            <a:schemeClr val="lt1"/>
+          </a:fontRef>
+        </p:style>
+        <p:txBody>
+          <a:bodyPr rtlCol="0" anchor="ctr"/>
+          <a:lstStyle/>
+          <a:p>
+            <a:pPr algn="ctr"/>
+            <a:r>
+              <a:rPr lang="en-US" altLang="zh-CN" sz="2800" dirty="0"/>
+              <a:t>If </a:t>
+            </a:r>
+            <a:r>
+              <a:rPr lang="en-US" altLang="zh-CN" sz="2800" dirty="0" err="1"/>
+              <a:t>iid</a:t>
+            </a:r>
+            <a:r>
+              <a:rPr lang="en-US" altLang="zh-CN" sz="2800" dirty="0"/>
+              <a:t>?</a:t>
+            </a:r>
+            <a:endParaRPr lang="zh-CN" altLang="en-US" sz="2800" dirty="0"/>
+          </a:p>
+        </p:txBody>
+      </p:sp>
+      <p:sp>
+        <p:nvSpPr>
+          <p:cNvPr id="6" name="矩形: 剪去对角 5">
+            <a:extLst>
+              <a:ext uri="{FF2B5EF4-FFF2-40B4-BE49-F238E27FC236}">
+                <a16:creationId xmlns:a16="http://schemas.microsoft.com/office/drawing/2014/main" id="{04AFBB55-D737-4A30-8406-FDD002372014}"/>
+              </a:ext>
+            </a:extLst>
+          </p:cNvPr>
+          <p:cNvSpPr/>
+          <p:nvPr/>
+        </p:nvSpPr>
+        <p:spPr>
+          <a:xfrm>
+            <a:off x="4788028" y="3432782"/>
+            <a:ext cx="1075444" cy="575034"/>
+          </a:xfrm>
+          <a:prstGeom prst="snip2DiagRect">
+            <a:avLst/>
+          </a:prstGeom>
+        </p:spPr>
+        <p:style>
+          <a:lnRef idx="2">
+            <a:schemeClr val="accent1"/>
+          </a:lnRef>
+          <a:fillRef idx="1">
+            <a:schemeClr val="lt1"/>
+          </a:fillRef>
+          <a:effectRef idx="0">
+            <a:schemeClr val="accent1"/>
+          </a:effectRef>
+          <a:fontRef idx="minor">
+            <a:schemeClr val="dk1"/>
+          </a:fontRef>
+        </p:style>
+        <p:txBody>
+          <a:bodyPr rtlCol="0" anchor="ctr"/>
+          <a:lstStyle/>
+          <a:p>
+            <a:pPr algn="ctr"/>
+            <a:r>
+              <a:rPr lang="en-US" altLang="zh-CN" sz="2800" dirty="0"/>
+              <a:t>2</a:t>
+            </a:r>
+            <a:endParaRPr lang="zh-CN" altLang="en-US" sz="2800" dirty="0"/>
+          </a:p>
+        </p:txBody>
+      </p:sp>
+      <p:sp>
+        <p:nvSpPr>
+          <p:cNvPr id="7" name="矩形: 剪去对角 6">
+            <a:extLst>
+              <a:ext uri="{FF2B5EF4-FFF2-40B4-BE49-F238E27FC236}">
+                <a16:creationId xmlns:a16="http://schemas.microsoft.com/office/drawing/2014/main" id="{12454626-78AE-40E3-9B45-E4B0B4C84560}"/>
+              </a:ext>
+            </a:extLst>
+          </p:cNvPr>
+          <p:cNvSpPr/>
+          <p:nvPr/>
+        </p:nvSpPr>
+        <p:spPr>
+          <a:xfrm>
+            <a:off x="4788028" y="4235631"/>
+            <a:ext cx="1075444" cy="575034"/>
+          </a:xfrm>
+          <a:prstGeom prst="snip2DiagRect">
+            <a:avLst/>
+          </a:prstGeom>
+        </p:spPr>
+        <p:style>
+          <a:lnRef idx="2">
+            <a:schemeClr val="accent1"/>
+          </a:lnRef>
+          <a:fillRef idx="1">
+            <a:schemeClr val="lt1"/>
+          </a:fillRef>
+          <a:effectRef idx="0">
+            <a:schemeClr val="accent1"/>
+          </a:effectRef>
+          <a:fontRef idx="minor">
+            <a:schemeClr val="dk1"/>
+          </a:fontRef>
+        </p:style>
+        <p:txBody>
+          <a:bodyPr rtlCol="0" anchor="ctr"/>
+          <a:lstStyle/>
+          <a:p>
+            <a:pPr algn="ctr"/>
+            <a:r>
+              <a:rPr lang="en-US" altLang="zh-CN" sz="2800" dirty="0"/>
+              <a:t>5</a:t>
+            </a:r>
+            <a:endParaRPr lang="zh-CN" altLang="en-US" sz="2800" dirty="0"/>
+          </a:p>
+        </p:txBody>
+      </p:sp>
+      <p:sp>
+        <p:nvSpPr>
+          <p:cNvPr id="8" name="矩形: 剪去对角 7">
+            <a:extLst>
+              <a:ext uri="{FF2B5EF4-FFF2-40B4-BE49-F238E27FC236}">
+                <a16:creationId xmlns:a16="http://schemas.microsoft.com/office/drawing/2014/main" id="{538CD5B3-6E2D-40E9-A95B-B08ACAB4BE2F}"/>
+              </a:ext>
+            </a:extLst>
+          </p:cNvPr>
+          <p:cNvSpPr/>
+          <p:nvPr/>
+        </p:nvSpPr>
+        <p:spPr>
+          <a:xfrm>
+            <a:off x="4788028" y="5038481"/>
+            <a:ext cx="1075444" cy="575034"/>
+          </a:xfrm>
+          <a:prstGeom prst="snip2DiagRect">
+            <a:avLst/>
+          </a:prstGeom>
+        </p:spPr>
+        <p:style>
+          <a:lnRef idx="2">
+            <a:schemeClr val="accent1"/>
+          </a:lnRef>
+          <a:fillRef idx="1">
+            <a:schemeClr val="lt1"/>
+          </a:fillRef>
+          <a:effectRef idx="0">
+            <a:schemeClr val="accent1"/>
+          </a:effectRef>
+          <a:fontRef idx="minor">
+            <a:schemeClr val="dk1"/>
+          </a:fontRef>
+        </p:style>
+        <p:txBody>
+          <a:bodyPr rtlCol="0" anchor="ctr"/>
+          <a:lstStyle/>
+          <a:p>
+            <a:pPr algn="ctr"/>
+            <a:r>
+              <a:rPr lang="en-US" altLang="zh-CN" sz="2800" dirty="0" err="1"/>
+              <a:t>iid</a:t>
+            </a:r>
+            <a:endParaRPr lang="zh-CN" altLang="en-US" sz="2800" dirty="0"/>
+          </a:p>
+        </p:txBody>
+      </p:sp>
+      <p:sp>
+        <p:nvSpPr>
+          <p:cNvPr id="9" name="矩形: 圆角 8">
+            <a:extLst>
+              <a:ext uri="{FF2B5EF4-FFF2-40B4-BE49-F238E27FC236}">
+                <a16:creationId xmlns:a16="http://schemas.microsoft.com/office/drawing/2014/main" id="{B8879A69-5B42-4C9E-8210-C28B970C2325}"/>
+              </a:ext>
+            </a:extLst>
+          </p:cNvPr>
+          <p:cNvSpPr/>
+          <p:nvPr/>
+        </p:nvSpPr>
+        <p:spPr>
+          <a:xfrm>
+            <a:off x="6634116" y="1928858"/>
+            <a:ext cx="2170520" cy="1084722"/>
+          </a:xfrm>
+          <a:prstGeom prst="roundRect">
+            <a:avLst/>
+          </a:prstGeom>
+        </p:spPr>
+        <p:style>
+          <a:lnRef idx="2">
+            <a:schemeClr val="accent1">
+              <a:shade val="50000"/>
+            </a:schemeClr>
+          </a:lnRef>
+          <a:fillRef idx="1">
+            <a:schemeClr val="accent1"/>
+          </a:fillRef>
+          <a:effectRef idx="0">
+            <a:schemeClr val="accent1"/>
+          </a:effectRef>
+          <a:fontRef idx="minor">
+            <a:schemeClr val="lt1"/>
+          </a:fontRef>
+        </p:style>
+        <p:txBody>
+          <a:bodyPr rtlCol="0" anchor="ctr"/>
+          <a:lstStyle/>
+          <a:p>
+            <a:pPr algn="ctr"/>
+            <a:r>
+              <a:rPr lang="en-US" altLang="zh-CN" sz="2800" dirty="0"/>
+              <a:t>Delay Proportion</a:t>
+            </a:r>
+            <a:endParaRPr lang="zh-CN" altLang="en-US" sz="2800" dirty="0"/>
+          </a:p>
+        </p:txBody>
+      </p:sp>
+      <p:sp>
+        <p:nvSpPr>
+          <p:cNvPr id="10" name="矩形: 圆角 9">
+            <a:extLst>
+              <a:ext uri="{FF2B5EF4-FFF2-40B4-BE49-F238E27FC236}">
+                <a16:creationId xmlns:a16="http://schemas.microsoft.com/office/drawing/2014/main" id="{CA16E15D-C82B-40E3-BCA1-0B982FEB0A8E}"/>
+              </a:ext>
+            </a:extLst>
+          </p:cNvPr>
+          <p:cNvSpPr/>
+          <p:nvPr/>
+        </p:nvSpPr>
+        <p:spPr>
+          <a:xfrm>
+            <a:off x="9183280" y="1928858"/>
+            <a:ext cx="2170520" cy="1084722"/>
+          </a:xfrm>
+          <a:prstGeom prst="roundRect">
+            <a:avLst/>
+          </a:prstGeom>
+        </p:spPr>
+        <p:style>
+          <a:lnRef idx="2">
+            <a:schemeClr val="accent1">
+              <a:shade val="50000"/>
+            </a:schemeClr>
+          </a:lnRef>
+          <a:fillRef idx="1">
+            <a:schemeClr val="accent1"/>
+          </a:fillRef>
+          <a:effectRef idx="0">
+            <a:schemeClr val="accent1"/>
+          </a:effectRef>
+          <a:fontRef idx="minor">
+            <a:schemeClr val="lt1"/>
+          </a:fontRef>
+        </p:style>
+        <p:txBody>
+          <a:bodyPr rtlCol="0" anchor="ctr"/>
+          <a:lstStyle/>
+          <a:p>
+            <a:pPr algn="ctr"/>
+            <a:r>
+              <a:rPr lang="en-US" altLang="zh-CN" sz="2800" dirty="0"/>
+              <a:t>Delay Speed</a:t>
+            </a:r>
+            <a:endParaRPr lang="zh-CN" altLang="en-US" sz="2800" dirty="0"/>
+          </a:p>
+        </p:txBody>
+      </p:sp>
+      <p:sp>
+        <p:nvSpPr>
+          <p:cNvPr id="11" name="矩形: 剪去对角 10">
+            <a:extLst>
+              <a:ext uri="{FF2B5EF4-FFF2-40B4-BE49-F238E27FC236}">
+                <a16:creationId xmlns:a16="http://schemas.microsoft.com/office/drawing/2014/main" id="{D2E72A95-5CD2-4D55-A7F1-B46420C741BE}"/>
+              </a:ext>
+            </a:extLst>
+          </p:cNvPr>
+          <p:cNvSpPr/>
+          <p:nvPr/>
+        </p:nvSpPr>
+        <p:spPr>
+          <a:xfrm>
+            <a:off x="7221714" y="3429000"/>
+            <a:ext cx="1075444" cy="575034"/>
+          </a:xfrm>
+          <a:prstGeom prst="snip2DiagRect">
+            <a:avLst/>
+          </a:prstGeom>
+        </p:spPr>
+        <p:style>
+          <a:lnRef idx="2">
+            <a:schemeClr val="accent1"/>
+          </a:lnRef>
+          <a:fillRef idx="1">
+            <a:schemeClr val="lt1"/>
+          </a:fillRef>
+          <a:effectRef idx="0">
+            <a:schemeClr val="accent1"/>
+          </a:effectRef>
+          <a:fontRef idx="minor">
+            <a:schemeClr val="dk1"/>
+          </a:fontRef>
+        </p:style>
+        <p:txBody>
+          <a:bodyPr rtlCol="0" anchor="ctr"/>
+          <a:lstStyle/>
+          <a:p>
+            <a:pPr algn="ctr"/>
+            <a:r>
+              <a:rPr lang="en-US" altLang="zh-CN" sz="2800" dirty="0"/>
+              <a:t>20%</a:t>
+            </a:r>
+            <a:endParaRPr lang="zh-CN" altLang="en-US" sz="2800" dirty="0"/>
+          </a:p>
+        </p:txBody>
+      </p:sp>
+      <p:sp>
+        <p:nvSpPr>
+          <p:cNvPr id="12" name="矩形: 剪去对角 11">
+            <a:extLst>
+              <a:ext uri="{FF2B5EF4-FFF2-40B4-BE49-F238E27FC236}">
+                <a16:creationId xmlns:a16="http://schemas.microsoft.com/office/drawing/2014/main" id="{C8E1A706-25AD-4962-ADE6-78A2503BE983}"/>
+              </a:ext>
+            </a:extLst>
+          </p:cNvPr>
+          <p:cNvSpPr/>
+          <p:nvPr/>
+        </p:nvSpPr>
+        <p:spPr>
+          <a:xfrm>
+            <a:off x="7221714" y="4231849"/>
+            <a:ext cx="1075444" cy="575034"/>
+          </a:xfrm>
+          <a:prstGeom prst="snip2DiagRect">
+            <a:avLst/>
+          </a:prstGeom>
+        </p:spPr>
+        <p:style>
+          <a:lnRef idx="2">
+            <a:schemeClr val="accent1"/>
+          </a:lnRef>
+          <a:fillRef idx="1">
+            <a:schemeClr val="lt1"/>
+          </a:fillRef>
+          <a:effectRef idx="0">
+            <a:schemeClr val="accent1"/>
+          </a:effectRef>
+          <a:fontRef idx="minor">
+            <a:schemeClr val="dk1"/>
+          </a:fontRef>
+        </p:style>
+        <p:txBody>
+          <a:bodyPr rtlCol="0" anchor="ctr"/>
+          <a:lstStyle/>
+          <a:p>
+            <a:pPr algn="ctr"/>
+            <a:r>
+              <a:rPr lang="en-US" altLang="zh-CN" sz="2800" dirty="0"/>
+              <a:t>50%</a:t>
+            </a:r>
+            <a:endParaRPr lang="zh-CN" altLang="en-US" sz="2800" dirty="0"/>
+          </a:p>
+        </p:txBody>
+      </p:sp>
+      <p:sp>
+        <p:nvSpPr>
+          <p:cNvPr id="13" name="矩形: 剪去对角 12">
+            <a:extLst>
+              <a:ext uri="{FF2B5EF4-FFF2-40B4-BE49-F238E27FC236}">
+                <a16:creationId xmlns:a16="http://schemas.microsoft.com/office/drawing/2014/main" id="{40C9B294-F06F-48AA-83F4-C784638C1AE7}"/>
+              </a:ext>
+            </a:extLst>
+          </p:cNvPr>
+          <p:cNvSpPr/>
+          <p:nvPr/>
+        </p:nvSpPr>
+        <p:spPr>
+          <a:xfrm>
+            <a:off x="7221714" y="5034699"/>
+            <a:ext cx="1075444" cy="575034"/>
+          </a:xfrm>
+          <a:prstGeom prst="snip2DiagRect">
+            <a:avLst/>
+          </a:prstGeom>
+        </p:spPr>
+        <p:style>
+          <a:lnRef idx="2">
+            <a:schemeClr val="accent1"/>
+          </a:lnRef>
+          <a:fillRef idx="1">
+            <a:schemeClr val="lt1"/>
+          </a:fillRef>
+          <a:effectRef idx="0">
+            <a:schemeClr val="accent1"/>
+          </a:effectRef>
+          <a:fontRef idx="minor">
+            <a:schemeClr val="dk1"/>
+          </a:fontRef>
+        </p:style>
+        <p:txBody>
+          <a:bodyPr rtlCol="0" anchor="ctr"/>
+          <a:lstStyle/>
+          <a:p>
+            <a:pPr algn="ctr"/>
+            <a:r>
+              <a:rPr lang="en-US" altLang="zh-CN" sz="2800" dirty="0"/>
+              <a:t>80%</a:t>
+            </a:r>
+            <a:endParaRPr lang="zh-CN" altLang="en-US" sz="2800" dirty="0"/>
+          </a:p>
+        </p:txBody>
+      </p:sp>
+      <p:sp>
+        <p:nvSpPr>
+          <p:cNvPr id="14" name="矩形: 剪去对角 13">
+            <a:extLst>
+              <a:ext uri="{FF2B5EF4-FFF2-40B4-BE49-F238E27FC236}">
+                <a16:creationId xmlns:a16="http://schemas.microsoft.com/office/drawing/2014/main" id="{0865B9C5-3540-4A97-B2E1-A3C163F414D0}"/>
+              </a:ext>
+            </a:extLst>
+          </p:cNvPr>
+          <p:cNvSpPr/>
+          <p:nvPr/>
+        </p:nvSpPr>
+        <p:spPr>
+          <a:xfrm>
+            <a:off x="9655400" y="3429000"/>
+            <a:ext cx="1075444" cy="575034"/>
+          </a:xfrm>
+          <a:prstGeom prst="snip2DiagRect">
+            <a:avLst/>
+          </a:prstGeom>
+        </p:spPr>
+        <p:style>
+          <a:lnRef idx="2">
+            <a:schemeClr val="accent1"/>
+          </a:lnRef>
+          <a:fillRef idx="1">
+            <a:schemeClr val="lt1"/>
+          </a:fillRef>
+          <a:effectRef idx="0">
+            <a:schemeClr val="accent1"/>
+          </a:effectRef>
+          <a:fontRef idx="minor">
+            <a:schemeClr val="dk1"/>
+          </a:fontRef>
+        </p:style>
+        <p:txBody>
+          <a:bodyPr rtlCol="0" anchor="ctr"/>
+          <a:lstStyle/>
+          <a:p>
+            <a:pPr algn="ctr"/>
+            <a:r>
+              <a:rPr lang="en-US" altLang="zh-CN" sz="2800" dirty="0"/>
+              <a:t>3</a:t>
+            </a:r>
+            <a:endParaRPr lang="zh-CN" altLang="en-US" sz="2800" dirty="0"/>
+          </a:p>
+        </p:txBody>
+      </p:sp>
+      <p:sp>
+        <p:nvSpPr>
+          <p:cNvPr id="15" name="矩形: 剪去对角 14">
+            <a:extLst>
+              <a:ext uri="{FF2B5EF4-FFF2-40B4-BE49-F238E27FC236}">
+                <a16:creationId xmlns:a16="http://schemas.microsoft.com/office/drawing/2014/main" id="{AB262FBE-A8F8-4379-8E2D-4BF82FE8CD99}"/>
+              </a:ext>
+            </a:extLst>
+          </p:cNvPr>
+          <p:cNvSpPr/>
+          <p:nvPr/>
+        </p:nvSpPr>
+        <p:spPr>
+          <a:xfrm>
+            <a:off x="9655400" y="4231849"/>
+            <a:ext cx="1075444" cy="575034"/>
+          </a:xfrm>
+          <a:prstGeom prst="snip2DiagRect">
+            <a:avLst/>
+          </a:prstGeom>
+        </p:spPr>
+        <p:style>
+          <a:lnRef idx="2">
+            <a:schemeClr val="accent1"/>
+          </a:lnRef>
+          <a:fillRef idx="1">
+            <a:schemeClr val="lt1"/>
+          </a:fillRef>
+          <a:effectRef idx="0">
+            <a:schemeClr val="accent1"/>
+          </a:effectRef>
+          <a:fontRef idx="minor">
+            <a:schemeClr val="dk1"/>
+          </a:fontRef>
+        </p:style>
+        <p:txBody>
+          <a:bodyPr rtlCol="0" anchor="ctr"/>
+          <a:lstStyle/>
+          <a:p>
+            <a:pPr algn="ctr"/>
+            <a:r>
+              <a:rPr lang="en-US" altLang="zh-CN" sz="2800" dirty="0"/>
+              <a:t>12</a:t>
+            </a:r>
+            <a:endParaRPr lang="zh-CN" altLang="en-US" sz="2800" dirty="0"/>
+          </a:p>
+        </p:txBody>
+      </p:sp>
+      <p:sp>
+        <p:nvSpPr>
+          <p:cNvPr id="16" name="矩形: 剪去对角 15">
+            <a:extLst>
+              <a:ext uri="{FF2B5EF4-FFF2-40B4-BE49-F238E27FC236}">
+                <a16:creationId xmlns:a16="http://schemas.microsoft.com/office/drawing/2014/main" id="{0E9B05BB-7327-4FF9-9B25-F601DA032445}"/>
+              </a:ext>
+            </a:extLst>
+          </p:cNvPr>
+          <p:cNvSpPr/>
+          <p:nvPr/>
+        </p:nvSpPr>
+        <p:spPr>
+          <a:xfrm>
+            <a:off x="9655400" y="5034699"/>
+            <a:ext cx="1075444" cy="575034"/>
+          </a:xfrm>
+          <a:prstGeom prst="snip2DiagRect">
+            <a:avLst/>
+          </a:prstGeom>
+        </p:spPr>
+        <p:style>
+          <a:lnRef idx="2">
+            <a:schemeClr val="accent1"/>
+          </a:lnRef>
+          <a:fillRef idx="1">
+            <a:schemeClr val="lt1"/>
+          </a:fillRef>
+          <a:effectRef idx="0">
+            <a:schemeClr val="accent1"/>
+          </a:effectRef>
+          <a:fontRef idx="minor">
+            <a:schemeClr val="dk1"/>
+          </a:fontRef>
+        </p:style>
+        <p:txBody>
+          <a:bodyPr rtlCol="0" anchor="ctr"/>
+          <a:lstStyle/>
+          <a:p>
+            <a:pPr algn="ctr"/>
+            <a:r>
+              <a:rPr lang="en-US" altLang="zh-CN" sz="2800" dirty="0"/>
+              <a:t>30</a:t>
+            </a:r>
+            <a:endParaRPr lang="zh-CN" altLang="en-US" sz="2800" dirty="0"/>
+          </a:p>
+        </p:txBody>
+      </p:sp>
     </p:spTree>
     <p:extLst>
       <p:ext uri="{BB962C8B-B14F-4D97-AF65-F5344CB8AC3E}">
-        <p14:creationId xmlns:p14="http://schemas.microsoft.com/office/powerpoint/2010/main" val="238331857"/>
+        <p14:creationId xmlns:p14="http://schemas.microsoft.com/office/powerpoint/2010/main" val="2650658434"/>
       </p:ext>
     </p:extLst>
   </p:cSld>
@@ -6826,7 +6855,7 @@
           <a:p>
             <a:r>
               <a:rPr lang="en-US" altLang="zh-CN" dirty="0"/>
-              <a:t>Delayed Update1 2/5</a:t>
+              <a:t>Delayed Update1 1/5</a:t>
             </a:r>
             <a:endParaRPr lang="zh-CN" altLang="en-US" dirty="0"/>
           </a:p>
@@ -6837,7 +6866,7 @@
           <p:cNvPr id="4" name="图片 3" descr="手机屏幕截图&#10;&#10;描述已自动生成">
             <a:extLst>
               <a:ext uri="{FF2B5EF4-FFF2-40B4-BE49-F238E27FC236}">
-                <a16:creationId xmlns:a16="http://schemas.microsoft.com/office/drawing/2014/main" id="{162D177B-9D80-4AEE-B343-62A50E1CC098}"/>
+                <a16:creationId xmlns:a16="http://schemas.microsoft.com/office/drawing/2014/main" id="{E477B7D8-D874-4840-91C7-39B6C071AF15}"/>
               </a:ext>
             </a:extLst>
           </p:cNvPr>
@@ -6871,7 +6900,7 @@
     </p:spTree>
     <p:extLst>
       <p:ext uri="{BB962C8B-B14F-4D97-AF65-F5344CB8AC3E}">
-        <p14:creationId xmlns:p14="http://schemas.microsoft.com/office/powerpoint/2010/main" val="1138602258"/>
+        <p14:creationId xmlns:p14="http://schemas.microsoft.com/office/powerpoint/2010/main" val="238331857"/>
       </p:ext>
     </p:extLst>
   </p:cSld>
@@ -6921,7 +6950,7 @@
           <a:p>
             <a:r>
               <a:rPr lang="en-US" altLang="zh-CN" dirty="0"/>
-              <a:t>Delayed Update1 3/5</a:t>
+              <a:t>Delayed Update1 2/5</a:t>
             </a:r>
             <a:endParaRPr lang="zh-CN" altLang="en-US" dirty="0"/>
           </a:p>
@@ -6929,15 +6958,15 @@
       </p:sp>
       <p:pic>
         <p:nvPicPr>
-          <p:cNvPr id="2050" name="Picture 2">
-            <a:extLst>
-              <a:ext uri="{FF2B5EF4-FFF2-40B4-BE49-F238E27FC236}">
-                <a16:creationId xmlns:a16="http://schemas.microsoft.com/office/drawing/2014/main" id="{B9CC0C22-33D7-4F60-A55E-22CFF952844E}"/>
+          <p:cNvPr id="4" name="图片 3" descr="手机屏幕截图&#10;&#10;描述已自动生成">
+            <a:extLst>
+              <a:ext uri="{FF2B5EF4-FFF2-40B4-BE49-F238E27FC236}">
+                <a16:creationId xmlns:a16="http://schemas.microsoft.com/office/drawing/2014/main" id="{162D177B-9D80-4AEE-B343-62A50E1CC098}"/>
               </a:ext>
             </a:extLst>
           </p:cNvPr>
           <p:cNvPicPr>
-            <a:picLocks noChangeAspect="1" noChangeArrowheads="1"/>
+            <a:picLocks noChangeAspect="1"/>
           </p:cNvPicPr>
           <p:nvPr/>
         </p:nvPicPr>
@@ -6949,12 +6978,11 @@
               </a:ext>
             </a:extLst>
           </a:blip>
-          <a:srcRect/>
           <a:stretch>
             <a:fillRect/>
           </a:stretch>
         </p:blipFill>
-        <p:spPr bwMode="auto">
+        <p:spPr>
           <a:xfrm>
             <a:off x="0" y="1690688"/>
             <a:ext cx="12192000" cy="4324709"/>
@@ -6962,22 +6990,12 @@
           <a:prstGeom prst="rect">
             <a:avLst/>
           </a:prstGeom>
-          <a:noFill/>
-          <a:extLst>
-            <a:ext uri="{909E8E84-426E-40DD-AFC4-6F175D3DCCD1}">
-              <a14:hiddenFill xmlns:a14="http://schemas.microsoft.com/office/drawing/2010/main">
-                <a:solidFill>
-                  <a:srgbClr val="FFFFFF"/>
-                </a:solidFill>
-              </a14:hiddenFill>
-            </a:ext>
-          </a:extLst>
         </p:spPr>
       </p:pic>
     </p:spTree>
     <p:extLst>
       <p:ext uri="{BB962C8B-B14F-4D97-AF65-F5344CB8AC3E}">
-        <p14:creationId xmlns:p14="http://schemas.microsoft.com/office/powerpoint/2010/main" val="4056667734"/>
+        <p14:creationId xmlns:p14="http://schemas.microsoft.com/office/powerpoint/2010/main" val="1138602258"/>
       </p:ext>
     </p:extLst>
   </p:cSld>
@@ -7027,7 +7045,7 @@
           <a:p>
             <a:r>
               <a:rPr lang="en-US" altLang="zh-CN" dirty="0"/>
-              <a:t>Delayed Update1 4/5</a:t>
+              <a:t>Delayed Update1 3/5</a:t>
             </a:r>
             <a:endParaRPr lang="zh-CN" altLang="en-US" dirty="0"/>
           </a:p>
@@ -7035,15 +7053,15 @@
       </p:sp>
       <p:pic>
         <p:nvPicPr>
-          <p:cNvPr id="4" name="图片 3" descr="手机屏幕截图&#10;&#10;描述已自动生成">
-            <a:extLst>
-              <a:ext uri="{FF2B5EF4-FFF2-40B4-BE49-F238E27FC236}">
-                <a16:creationId xmlns:a16="http://schemas.microsoft.com/office/drawing/2014/main" id="{DDF2D216-6006-44AA-9142-DAB7B1950EFD}"/>
+          <p:cNvPr id="2050" name="Picture 2">
+            <a:extLst>
+              <a:ext uri="{FF2B5EF4-FFF2-40B4-BE49-F238E27FC236}">
+                <a16:creationId xmlns:a16="http://schemas.microsoft.com/office/drawing/2014/main" id="{B9CC0C22-33D7-4F60-A55E-22CFF952844E}"/>
               </a:ext>
             </a:extLst>
           </p:cNvPr>
           <p:cNvPicPr>
-            <a:picLocks noChangeAspect="1"/>
+            <a:picLocks noChangeAspect="1" noChangeArrowheads="1"/>
           </p:cNvPicPr>
           <p:nvPr/>
         </p:nvPicPr>
@@ -7055,11 +7073,12 @@
               </a:ext>
             </a:extLst>
           </a:blip>
+          <a:srcRect/>
           <a:stretch>
             <a:fillRect/>
           </a:stretch>
         </p:blipFill>
-        <p:spPr>
+        <p:spPr bwMode="auto">
           <a:xfrm>
             <a:off x="0" y="1690688"/>
             <a:ext cx="12192000" cy="4324709"/>
@@ -7067,12 +7086,22 @@
           <a:prstGeom prst="rect">
             <a:avLst/>
           </a:prstGeom>
+          <a:noFill/>
+          <a:extLst>
+            <a:ext uri="{909E8E84-426E-40DD-AFC4-6F175D3DCCD1}">
+              <a14:hiddenFill xmlns:a14="http://schemas.microsoft.com/office/drawing/2010/main">
+                <a:solidFill>
+                  <a:srgbClr val="FFFFFF"/>
+                </a:solidFill>
+              </a14:hiddenFill>
+            </a:ext>
+          </a:extLst>
         </p:spPr>
       </p:pic>
     </p:spTree>
     <p:extLst>
       <p:ext uri="{BB962C8B-B14F-4D97-AF65-F5344CB8AC3E}">
-        <p14:creationId xmlns:p14="http://schemas.microsoft.com/office/powerpoint/2010/main" val="2543341189"/>
+        <p14:creationId xmlns:p14="http://schemas.microsoft.com/office/powerpoint/2010/main" val="4056667734"/>
       </p:ext>
     </p:extLst>
   </p:cSld>
@@ -7122,7 +7151,7 @@
           <a:p>
             <a:r>
               <a:rPr lang="en-US" altLang="zh-CN" dirty="0"/>
-              <a:t>Delayed Update1 5/5</a:t>
+              <a:t>Delayed Update1 4/5</a:t>
             </a:r>
             <a:endParaRPr lang="zh-CN" altLang="en-US" dirty="0"/>
           </a:p>
@@ -7130,15 +7159,15 @@
       </p:sp>
       <p:pic>
         <p:nvPicPr>
-          <p:cNvPr id="3074" name="Picture 2">
-            <a:extLst>
-              <a:ext uri="{FF2B5EF4-FFF2-40B4-BE49-F238E27FC236}">
-                <a16:creationId xmlns:a16="http://schemas.microsoft.com/office/drawing/2014/main" id="{5869DA56-A187-4A85-8354-37D449D4EDD1}"/>
+          <p:cNvPr id="4" name="图片 3" descr="手机屏幕截图&#10;&#10;描述已自动生成">
+            <a:extLst>
+              <a:ext uri="{FF2B5EF4-FFF2-40B4-BE49-F238E27FC236}">
+                <a16:creationId xmlns:a16="http://schemas.microsoft.com/office/drawing/2014/main" id="{DDF2D216-6006-44AA-9142-DAB7B1950EFD}"/>
               </a:ext>
             </a:extLst>
           </p:cNvPr>
           <p:cNvPicPr>
-            <a:picLocks noChangeAspect="1" noChangeArrowheads="1"/>
+            <a:picLocks noChangeAspect="1"/>
           </p:cNvPicPr>
           <p:nvPr/>
         </p:nvPicPr>
@@ -7150,71 +7179,24 @@
               </a:ext>
             </a:extLst>
           </a:blip>
-          <a:srcRect/>
           <a:stretch>
             <a:fillRect/>
           </a:stretch>
         </p:blipFill>
-        <p:spPr bwMode="auto">
-          <a:xfrm>
-            <a:off x="-11724" y="1690688"/>
-            <a:ext cx="12203724" cy="4328868"/>
+        <p:spPr>
+          <a:xfrm>
+            <a:off x="0" y="1690688"/>
+            <a:ext cx="12192000" cy="4324709"/>
           </a:xfrm>
           <a:prstGeom prst="rect">
             <a:avLst/>
           </a:prstGeom>
-          <a:noFill/>
-          <a:extLst>
-            <a:ext uri="{909E8E84-426E-40DD-AFC4-6F175D3DCCD1}">
-              <a14:hiddenFill xmlns:a14="http://schemas.microsoft.com/office/drawing/2010/main">
-                <a:solidFill>
-                  <a:srgbClr val="FFFFFF"/>
-                </a:solidFill>
-              </a14:hiddenFill>
-            </a:ext>
-          </a:extLst>
         </p:spPr>
       </p:pic>
-      <p:sp>
-        <p:nvSpPr>
-          <p:cNvPr id="3" name="文本框 2">
-            <a:extLst>
-              <a:ext uri="{FF2B5EF4-FFF2-40B4-BE49-F238E27FC236}">
-                <a16:creationId xmlns:a16="http://schemas.microsoft.com/office/drawing/2014/main" id="{9A9A0CEC-C2ED-4144-9784-6C5D8B5993CB}"/>
-              </a:ext>
-            </a:extLst>
-          </p:cNvPr>
-          <p:cNvSpPr txBox="1"/>
-          <p:nvPr/>
-        </p:nvSpPr>
-        <p:spPr>
-          <a:xfrm>
-            <a:off x="452487" y="6287679"/>
-            <a:ext cx="3667026" cy="369332"/>
-          </a:xfrm>
-          <a:prstGeom prst="rect">
-            <a:avLst/>
-          </a:prstGeom>
-          <a:noFill/>
-        </p:spPr>
-        <p:txBody>
-          <a:bodyPr wrap="square" rtlCol="0">
-            <a:spAutoFit/>
-          </a:bodyPr>
-          <a:lstStyle/>
-          <a:p>
-            <a:r>
-              <a:rPr lang="en-US" altLang="zh-CN" dirty="0"/>
-              <a:t>Why 2c behaves differently?</a:t>
-            </a:r>
-            <a:endParaRPr lang="zh-CN" altLang="en-US" dirty="0"/>
-          </a:p>
-        </p:txBody>
-      </p:sp>
     </p:spTree>
     <p:extLst>
       <p:ext uri="{BB962C8B-B14F-4D97-AF65-F5344CB8AC3E}">
-        <p14:creationId xmlns:p14="http://schemas.microsoft.com/office/powerpoint/2010/main" val="1309238028"/>
+        <p14:creationId xmlns:p14="http://schemas.microsoft.com/office/powerpoint/2010/main" val="2543341189"/>
       </p:ext>
     </p:extLst>
   </p:cSld>
@@ -7264,7 +7246,7 @@
           <a:p>
             <a:r>
               <a:rPr lang="en-US" altLang="zh-CN" dirty="0"/>
-              <a:t>Delayed Update2 1/4</a:t>
+              <a:t>Delayed Update1 5/5</a:t>
             </a:r>
             <a:endParaRPr lang="zh-CN" altLang="en-US" dirty="0"/>
           </a:p>
@@ -7272,15 +7254,15 @@
       </p:sp>
       <p:pic>
         <p:nvPicPr>
-          <p:cNvPr id="6" name="图片 5">
-            <a:extLst>
-              <a:ext uri="{FF2B5EF4-FFF2-40B4-BE49-F238E27FC236}">
-                <a16:creationId xmlns:a16="http://schemas.microsoft.com/office/drawing/2014/main" id="{C5807BE3-A9C6-48A5-98FC-341269B3172C}"/>
+          <p:cNvPr id="3074" name="Picture 2">
+            <a:extLst>
+              <a:ext uri="{FF2B5EF4-FFF2-40B4-BE49-F238E27FC236}">
+                <a16:creationId xmlns:a16="http://schemas.microsoft.com/office/drawing/2014/main" id="{5869DA56-A187-4A85-8354-37D449D4EDD1}"/>
               </a:ext>
             </a:extLst>
           </p:cNvPr>
           <p:cNvPicPr>
-            <a:picLocks noChangeAspect="1"/>
+            <a:picLocks noChangeAspect="1" noChangeArrowheads="1"/>
           </p:cNvPicPr>
           <p:nvPr/>
         </p:nvPicPr>
@@ -7292,41 +7274,52 @@
               </a:ext>
             </a:extLst>
           </a:blip>
+          <a:srcRect/>
           <a:stretch>
             <a:fillRect/>
           </a:stretch>
         </p:blipFill>
-        <p:spPr>
-          <a:xfrm>
-            <a:off x="0" y="1690688"/>
-            <a:ext cx="12192000" cy="4324709"/>
-          </a:xfrm>
-          <a:prstGeom prst="rect">
-            <a:avLst/>
-          </a:prstGeom>
-        </p:spPr>
-      </p:pic>
-      <p:sp>
-        <p:nvSpPr>
-          <p:cNvPr id="7" name="文本框 6">
-            <a:extLst>
-              <a:ext uri="{FF2B5EF4-FFF2-40B4-BE49-F238E27FC236}">
-                <a16:creationId xmlns:a16="http://schemas.microsoft.com/office/drawing/2014/main" id="{0F12012F-9567-427C-8EAF-A3A3F07554E1}"/>
-              </a:ext>
-            </a:extLst>
-          </p:cNvPr>
-          <p:cNvSpPr txBox="1"/>
-          <p:nvPr/>
-        </p:nvSpPr>
-        <p:spPr>
-          <a:xfrm>
-            <a:off x="527901" y="6183984"/>
-            <a:ext cx="4958499" cy="369332"/>
+        <p:spPr bwMode="auto">
+          <a:xfrm>
+            <a:off x="-11724" y="1690688"/>
+            <a:ext cx="12203724" cy="4328868"/>
           </a:xfrm>
           <a:prstGeom prst="rect">
             <a:avLst/>
           </a:prstGeom>
           <a:noFill/>
+          <a:extLst>
+            <a:ext uri="{909E8E84-426E-40DD-AFC4-6F175D3DCCD1}">
+              <a14:hiddenFill xmlns:a14="http://schemas.microsoft.com/office/drawing/2010/main">
+                <a:solidFill>
+                  <a:srgbClr val="FFFFFF"/>
+                </a:solidFill>
+              </a14:hiddenFill>
+            </a:ext>
+          </a:extLst>
+        </p:spPr>
+      </p:pic>
+      <p:sp>
+        <p:nvSpPr>
+          <p:cNvPr id="3" name="文本框 2">
+            <a:extLst>
+              <a:ext uri="{FF2B5EF4-FFF2-40B4-BE49-F238E27FC236}">
+                <a16:creationId xmlns:a16="http://schemas.microsoft.com/office/drawing/2014/main" id="{9A9A0CEC-C2ED-4144-9784-6C5D8B5993CB}"/>
+              </a:ext>
+            </a:extLst>
+          </p:cNvPr>
+          <p:cNvSpPr txBox="1"/>
+          <p:nvPr/>
+        </p:nvSpPr>
+        <p:spPr>
+          <a:xfrm>
+            <a:off x="452487" y="6287679"/>
+            <a:ext cx="3667026" cy="369332"/>
+          </a:xfrm>
+          <a:prstGeom prst="rect">
+            <a:avLst/>
+          </a:prstGeom>
+          <a:noFill/>
         </p:spPr>
         <p:txBody>
           <a:bodyPr wrap="square" rtlCol="0">
@@ -7336,7 +7329,7 @@
           <a:p>
             <a:r>
               <a:rPr lang="en-US" altLang="zh-CN" dirty="0"/>
-              <a:t>Why 2c.speed12 worse than the other two??</a:t>
+              <a:t>Why 2c behaves differently?</a:t>
             </a:r>
             <a:endParaRPr lang="zh-CN" altLang="en-US" dirty="0"/>
           </a:p>
@@ -7345,7 +7338,7 @@
     </p:spTree>
     <p:extLst>
       <p:ext uri="{BB962C8B-B14F-4D97-AF65-F5344CB8AC3E}">
-        <p14:creationId xmlns:p14="http://schemas.microsoft.com/office/powerpoint/2010/main" val="144395660"/>
+        <p14:creationId xmlns:p14="http://schemas.microsoft.com/office/powerpoint/2010/main" val="1309238028"/>
       </p:ext>
     </p:extLst>
   </p:cSld>
@@ -7395,7 +7388,7 @@
           <a:p>
             <a:r>
               <a:rPr lang="en-US" altLang="zh-CN" dirty="0"/>
-              <a:t>Delayed Update2 2/4</a:t>
+              <a:t>Delayed Update2 1/4</a:t>
             </a:r>
             <a:endParaRPr lang="zh-CN" altLang="en-US" dirty="0"/>
           </a:p>
@@ -7403,10 +7396,10 @@
       </p:sp>
       <p:pic>
         <p:nvPicPr>
-          <p:cNvPr id="6" name="图片 5" descr="手机屏幕截图&#10;&#10;描述已自动生成">
-            <a:extLst>
-              <a:ext uri="{FF2B5EF4-FFF2-40B4-BE49-F238E27FC236}">
-                <a16:creationId xmlns:a16="http://schemas.microsoft.com/office/drawing/2014/main" id="{325B6CE2-4B96-4E6C-8283-8DC0BC8F2FD4}"/>
+          <p:cNvPr id="6" name="图片 5">
+            <a:extLst>
+              <a:ext uri="{FF2B5EF4-FFF2-40B4-BE49-F238E27FC236}">
+                <a16:creationId xmlns:a16="http://schemas.microsoft.com/office/drawing/2014/main" id="{C5807BE3-A9C6-48A5-98FC-341269B3172C}"/>
               </a:ext>
             </a:extLst>
           </p:cNvPr>
@@ -7442,7 +7435,7 @@
           <p:cNvPr id="7" name="文本框 6">
             <a:extLst>
               <a:ext uri="{FF2B5EF4-FFF2-40B4-BE49-F238E27FC236}">
-                <a16:creationId xmlns:a16="http://schemas.microsoft.com/office/drawing/2014/main" id="{950F9E7B-B991-4A25-9840-7449EE4F1A63}"/>
+                <a16:creationId xmlns:a16="http://schemas.microsoft.com/office/drawing/2014/main" id="{0F12012F-9567-427C-8EAF-A3A3F07554E1}"/>
               </a:ext>
             </a:extLst>
           </p:cNvPr>
@@ -7476,7 +7469,7 @@
     </p:spTree>
     <p:extLst>
       <p:ext uri="{BB962C8B-B14F-4D97-AF65-F5344CB8AC3E}">
-        <p14:creationId xmlns:p14="http://schemas.microsoft.com/office/powerpoint/2010/main" val="16932016"/>
+        <p14:creationId xmlns:p14="http://schemas.microsoft.com/office/powerpoint/2010/main" val="144395660"/>
       </p:ext>
     </p:extLst>
   </p:cSld>
@@ -7526,7 +7519,7 @@
           <a:p>
             <a:r>
               <a:rPr lang="en-US" altLang="zh-CN" dirty="0"/>
-              <a:t>Delayed Update2 3/4</a:t>
+              <a:t>Delayed Update2 2/4</a:t>
             </a:r>
             <a:endParaRPr lang="zh-CN" altLang="en-US" dirty="0"/>
           </a:p>
@@ -7534,10 +7527,10 @@
       </p:sp>
       <p:pic>
         <p:nvPicPr>
-          <p:cNvPr id="6" name="图片 5" descr="一些文字和图片的手机截图&#10;&#10;描述已自动生成">
-            <a:extLst>
-              <a:ext uri="{FF2B5EF4-FFF2-40B4-BE49-F238E27FC236}">
-                <a16:creationId xmlns:a16="http://schemas.microsoft.com/office/drawing/2014/main" id="{DA0A920B-9BCB-4403-A165-DEB48CE86DA9}"/>
+          <p:cNvPr id="6" name="图片 5" descr="手机屏幕截图&#10;&#10;描述已自动生成">
+            <a:extLst>
+              <a:ext uri="{FF2B5EF4-FFF2-40B4-BE49-F238E27FC236}">
+                <a16:creationId xmlns:a16="http://schemas.microsoft.com/office/drawing/2014/main" id="{325B6CE2-4B96-4E6C-8283-8DC0BC8F2FD4}"/>
               </a:ext>
             </a:extLst>
           </p:cNvPr>
@@ -7547,7 +7540,7 @@
           <p:nvPr/>
         </p:nvPicPr>
         <p:blipFill>
-          <a:blip r:embed="rId3">
+          <a:blip r:embed="rId2">
             <a:extLst>
               <a:ext uri="{28A0092B-C50C-407E-A947-70E740481C1C}">
                 <a14:useLocalDpi xmlns:a14="http://schemas.microsoft.com/office/drawing/2010/main" val="0"/>
@@ -7568,10 +7561,46 @@
           </a:prstGeom>
         </p:spPr>
       </p:pic>
+      <p:sp>
+        <p:nvSpPr>
+          <p:cNvPr id="7" name="文本框 6">
+            <a:extLst>
+              <a:ext uri="{FF2B5EF4-FFF2-40B4-BE49-F238E27FC236}">
+                <a16:creationId xmlns:a16="http://schemas.microsoft.com/office/drawing/2014/main" id="{950F9E7B-B991-4A25-9840-7449EE4F1A63}"/>
+              </a:ext>
+            </a:extLst>
+          </p:cNvPr>
+          <p:cNvSpPr txBox="1"/>
+          <p:nvPr/>
+        </p:nvSpPr>
+        <p:spPr>
+          <a:xfrm>
+            <a:off x="527901" y="6183984"/>
+            <a:ext cx="4958499" cy="369332"/>
+          </a:xfrm>
+          <a:prstGeom prst="rect">
+            <a:avLst/>
+          </a:prstGeom>
+          <a:noFill/>
+        </p:spPr>
+        <p:txBody>
+          <a:bodyPr wrap="square" rtlCol="0">
+            <a:spAutoFit/>
+          </a:bodyPr>
+          <a:lstStyle/>
+          <a:p>
+            <a:r>
+              <a:rPr lang="en-US" altLang="zh-CN" dirty="0"/>
+              <a:t>Why 2c.speed12 worse than the other two??</a:t>
+            </a:r>
+            <a:endParaRPr lang="zh-CN" altLang="en-US" dirty="0"/>
+          </a:p>
+        </p:txBody>
+      </p:sp>
     </p:spTree>
     <p:extLst>
       <p:ext uri="{BB962C8B-B14F-4D97-AF65-F5344CB8AC3E}">
-        <p14:creationId xmlns:p14="http://schemas.microsoft.com/office/powerpoint/2010/main" val="4122319261"/>
+        <p14:creationId xmlns:p14="http://schemas.microsoft.com/office/powerpoint/2010/main" val="16932016"/>
       </p:ext>
     </p:extLst>
   </p:cSld>
@@ -7716,7 +7745,7 @@
           <a:p>
             <a:r>
               <a:rPr lang="en-US" altLang="zh-CN" dirty="0"/>
-              <a:t>Delayed Update2 4/4</a:t>
+              <a:t>Delayed Update2 3/4</a:t>
             </a:r>
             <a:endParaRPr lang="zh-CN" altLang="en-US" dirty="0"/>
           </a:p>
@@ -7724,10 +7753,10 @@
       </p:sp>
       <p:pic>
         <p:nvPicPr>
-          <p:cNvPr id="6" name="图片 5" descr="手机屏幕截图&#10;&#10;描述已自动生成">
-            <a:extLst>
-              <a:ext uri="{FF2B5EF4-FFF2-40B4-BE49-F238E27FC236}">
-                <a16:creationId xmlns:a16="http://schemas.microsoft.com/office/drawing/2014/main" id="{8160BAA1-AA7A-4812-BB2F-8F7D2D5A052F}"/>
+          <p:cNvPr id="6" name="图片 5" descr="一些文字和图片的手机截图&#10;&#10;描述已自动生成">
+            <a:extLst>
+              <a:ext uri="{FF2B5EF4-FFF2-40B4-BE49-F238E27FC236}">
+                <a16:creationId xmlns:a16="http://schemas.microsoft.com/office/drawing/2014/main" id="{DA0A920B-9BCB-4403-A165-DEB48CE86DA9}"/>
               </a:ext>
             </a:extLst>
           </p:cNvPr>
@@ -7761,7 +7790,7 @@
     </p:spTree>
     <p:extLst>
       <p:ext uri="{BB962C8B-B14F-4D97-AF65-F5344CB8AC3E}">
-        <p14:creationId xmlns:p14="http://schemas.microsoft.com/office/powerpoint/2010/main" val="3847275610"/>
+        <p14:creationId xmlns:p14="http://schemas.microsoft.com/office/powerpoint/2010/main" val="4122319261"/>
       </p:ext>
     </p:extLst>
   </p:cSld>
@@ -7793,7 +7822,7 @@
           <p:cNvPr id="2" name="标题 1">
             <a:extLst>
               <a:ext uri="{FF2B5EF4-FFF2-40B4-BE49-F238E27FC236}">
-                <a16:creationId xmlns:a16="http://schemas.microsoft.com/office/drawing/2014/main" id="{504CA388-722A-45D0-8393-FEF0260A7830}"/>
+                <a16:creationId xmlns:a16="http://schemas.microsoft.com/office/drawing/2014/main" id="{FDBDF9CE-045B-4932-BBDF-5C6982733BDC}"/>
               </a:ext>
             </a:extLst>
           </p:cNvPr>
@@ -7809,93 +7838,9 @@
           <a:bodyPr/>
           <a:lstStyle/>
           <a:p>
-            <a:endParaRPr lang="zh-CN" altLang="en-US"/>
-          </a:p>
-        </p:txBody>
-      </p:sp>
-      <p:sp>
-        <p:nvSpPr>
-          <p:cNvPr id="3" name="内容占位符 2">
-            <a:extLst>
-              <a:ext uri="{FF2B5EF4-FFF2-40B4-BE49-F238E27FC236}">
-                <a16:creationId xmlns:a16="http://schemas.microsoft.com/office/drawing/2014/main" id="{7A866C07-6CDE-4D9A-AFD8-4BB9320A8D6D}"/>
-              </a:ext>
-            </a:extLst>
-          </p:cNvPr>
-          <p:cNvSpPr>
-            <a:spLocks noGrp="1"/>
-          </p:cNvSpPr>
-          <p:nvPr>
-            <p:ph idx="1"/>
-          </p:nvPr>
-        </p:nvSpPr>
-        <p:spPr/>
-        <p:txBody>
-          <a:bodyPr/>
-          <a:lstStyle/>
-          <a:p>
-            <a:endParaRPr lang="zh-CN" altLang="en-US"/>
-          </a:p>
-        </p:txBody>
-      </p:sp>
-    </p:spTree>
-    <p:extLst>
-      <p:ext uri="{BB962C8B-B14F-4D97-AF65-F5344CB8AC3E}">
-        <p14:creationId xmlns:p14="http://schemas.microsoft.com/office/powerpoint/2010/main" val="3913427699"/>
-      </p:ext>
-    </p:extLst>
-  </p:cSld>
-  <p:clrMapOvr>
-    <a:masterClrMapping/>
-  </p:clrMapOvr>
-</p:sld>
-</file>
-
-<file path=ppt/slides/slide32.xml><?xml version="1.0" encoding="utf-8"?>
-<p:sld xmlns:a="http://schemas.openxmlformats.org/drawingml/2006/main" xmlns:r="http://schemas.openxmlformats.org/officeDocument/2006/relationships" xmlns:p="http://schemas.openxmlformats.org/presentationml/2006/main">
-  <p:cSld>
-    <p:spTree>
-      <p:nvGrpSpPr>
-        <p:cNvPr id="1" name=""/>
-        <p:cNvGrpSpPr/>
-        <p:nvPr/>
-      </p:nvGrpSpPr>
-      <p:grpSpPr>
-        <a:xfrm>
-          <a:off x="0" y="0"/>
-          <a:ext cx="0" cy="0"/>
-          <a:chOff x="0" y="0"/>
-          <a:chExt cx="0" cy="0"/>
-        </a:xfrm>
-      </p:grpSpPr>
-      <p:sp>
-        <p:nvSpPr>
-          <p:cNvPr id="2" name="标题 1">
-            <a:extLst>
-              <a:ext uri="{FF2B5EF4-FFF2-40B4-BE49-F238E27FC236}">
-                <a16:creationId xmlns:a16="http://schemas.microsoft.com/office/drawing/2014/main" id="{A483EF9E-92DF-4463-A96C-B881A7347836}"/>
-              </a:ext>
-            </a:extLst>
-          </p:cNvPr>
-          <p:cNvSpPr>
-            <a:spLocks noGrp="1"/>
-          </p:cNvSpPr>
-          <p:nvPr>
-            <p:ph type="title"/>
-          </p:nvPr>
-        </p:nvSpPr>
-        <p:spPr/>
-        <p:txBody>
-          <a:bodyPr/>
-          <a:lstStyle/>
-          <a:p>
-            <a:r>
-              <a:rPr lang="en-US" altLang="zh-CN" dirty="0" err="1"/>
-              <a:t>Bioinfo</a:t>
-            </a:r>
             <a:r>
               <a:rPr lang="en-US" altLang="zh-CN" dirty="0"/>
-              <a:t>-task acc</a:t>
+              <a:t>Delayed Update2 4/4</a:t>
             </a:r>
             <a:endParaRPr lang="zh-CN" altLang="en-US" dirty="0"/>
           </a:p>
@@ -7903,82 +7848,10 @@
       </p:sp>
       <p:pic>
         <p:nvPicPr>
-          <p:cNvPr id="5" name="图片 4" descr="手机屏幕截图&#10;&#10;描述已自动生成">
-            <a:extLst>
-              <a:ext uri="{FF2B5EF4-FFF2-40B4-BE49-F238E27FC236}">
-                <a16:creationId xmlns:a16="http://schemas.microsoft.com/office/drawing/2014/main" id="{F637A9A2-EE80-4183-84E9-BE5D1BDA438C}"/>
-              </a:ext>
-            </a:extLst>
-          </p:cNvPr>
-          <p:cNvPicPr>
-            <a:picLocks noChangeAspect="1"/>
-          </p:cNvPicPr>
-          <p:nvPr/>
-        </p:nvPicPr>
-        <p:blipFill>
-          <a:blip r:embed="rId2">
-            <a:extLst>
-              <a:ext uri="{28A0092B-C50C-407E-A947-70E740481C1C}">
-                <a14:useLocalDpi xmlns:a14="http://schemas.microsoft.com/office/drawing/2010/main" val="0"/>
-              </a:ext>
-            </a:extLst>
-          </a:blip>
-          <a:stretch>
-            <a:fillRect/>
-          </a:stretch>
-        </p:blipFill>
-        <p:spPr>
-          <a:xfrm>
-            <a:off x="6909693" y="3079325"/>
-            <a:ext cx="4801694" cy="3150318"/>
-          </a:xfrm>
-          <a:prstGeom prst="rect">
-            <a:avLst/>
-          </a:prstGeom>
-        </p:spPr>
-      </p:pic>
-      <p:sp>
-        <p:nvSpPr>
-          <p:cNvPr id="6" name="文本框 5">
-            <a:extLst>
-              <a:ext uri="{FF2B5EF4-FFF2-40B4-BE49-F238E27FC236}">
-                <a16:creationId xmlns:a16="http://schemas.microsoft.com/office/drawing/2014/main" id="{AFE2EE67-7BCD-4B84-870F-F7790A7F1DF4}"/>
-              </a:ext>
-            </a:extLst>
-          </p:cNvPr>
-          <p:cNvSpPr txBox="1"/>
-          <p:nvPr/>
-        </p:nvSpPr>
-        <p:spPr>
-          <a:xfrm>
-            <a:off x="7560297" y="2630078"/>
-            <a:ext cx="763572" cy="369332"/>
-          </a:xfrm>
-          <a:prstGeom prst="rect">
-            <a:avLst/>
-          </a:prstGeom>
-          <a:noFill/>
-        </p:spPr>
-        <p:txBody>
-          <a:bodyPr wrap="square" rtlCol="0">
-            <a:spAutoFit/>
-          </a:bodyPr>
-          <a:lstStyle/>
-          <a:p>
-            <a:r>
-              <a:rPr lang="en-US" altLang="zh-CN" dirty="0"/>
-              <a:t>SGD</a:t>
-            </a:r>
-            <a:endParaRPr lang="zh-CN" altLang="en-US" dirty="0"/>
-          </a:p>
-        </p:txBody>
-      </p:sp>
-      <p:pic>
-        <p:nvPicPr>
-          <p:cNvPr id="8" name="图片 7" descr="地图的截图&#10;&#10;描述已自动生成">
-            <a:extLst>
-              <a:ext uri="{FF2B5EF4-FFF2-40B4-BE49-F238E27FC236}">
-                <a16:creationId xmlns:a16="http://schemas.microsoft.com/office/drawing/2014/main" id="{16368AC7-D9B6-4173-AA7C-7C2AACDB2A5C}"/>
+          <p:cNvPr id="6" name="图片 5" descr="手机屏幕截图&#10;&#10;描述已自动生成">
+            <a:extLst>
+              <a:ext uri="{FF2B5EF4-FFF2-40B4-BE49-F238E27FC236}">
+                <a16:creationId xmlns:a16="http://schemas.microsoft.com/office/drawing/2014/main" id="{8160BAA1-AA7A-4812-BB2F-8F7D2D5A052F}"/>
               </a:ext>
             </a:extLst>
           </p:cNvPr>
@@ -8001,54 +7874,18 @@
         </p:blipFill>
         <p:spPr>
           <a:xfrm>
-            <a:off x="838200" y="3079325"/>
-            <a:ext cx="4725477" cy="3150318"/>
+            <a:off x="0" y="1690688"/>
+            <a:ext cx="12192000" cy="4324709"/>
           </a:xfrm>
           <a:prstGeom prst="rect">
             <a:avLst/>
           </a:prstGeom>
         </p:spPr>
       </p:pic>
-      <p:sp>
-        <p:nvSpPr>
-          <p:cNvPr id="9" name="文本框 8">
-            <a:extLst>
-              <a:ext uri="{FF2B5EF4-FFF2-40B4-BE49-F238E27FC236}">
-                <a16:creationId xmlns:a16="http://schemas.microsoft.com/office/drawing/2014/main" id="{8BC5BBF6-A39B-4514-8A1F-6B30EB57802E}"/>
-              </a:ext>
-            </a:extLst>
-          </p:cNvPr>
-          <p:cNvSpPr txBox="1"/>
-          <p:nvPr/>
-        </p:nvSpPr>
-        <p:spPr>
-          <a:xfrm>
-            <a:off x="1274190" y="2630079"/>
-            <a:ext cx="1139072" cy="369332"/>
-          </a:xfrm>
-          <a:prstGeom prst="rect">
-            <a:avLst/>
-          </a:prstGeom>
-          <a:noFill/>
-        </p:spPr>
-        <p:txBody>
-          <a:bodyPr wrap="square" rtlCol="0">
-            <a:spAutoFit/>
-          </a:bodyPr>
-          <a:lstStyle/>
-          <a:p>
-            <a:r>
-              <a:rPr lang="en-US" altLang="zh-CN" dirty="0"/>
-              <a:t>ADAM</a:t>
-            </a:r>
-            <a:endParaRPr lang="zh-CN" altLang="en-US" dirty="0"/>
-          </a:p>
-        </p:txBody>
-      </p:sp>
     </p:spTree>
     <p:extLst>
       <p:ext uri="{BB962C8B-B14F-4D97-AF65-F5344CB8AC3E}">
-        <p14:creationId xmlns:p14="http://schemas.microsoft.com/office/powerpoint/2010/main" val="3534073232"/>
+        <p14:creationId xmlns:p14="http://schemas.microsoft.com/office/powerpoint/2010/main" val="3847275610"/>
       </p:ext>
     </p:extLst>
   </p:cSld>

--- a/Cifar10/TestResults.pptx
+++ b/Cifar10/TestResults.pptx
@@ -227,7 +227,7 @@
           <a:p>
             <a:fld id="{50C6A5AE-AC47-4011-81CD-01C98B10AD8D}" type="datetimeFigureOut">
               <a:rPr lang="zh-CN" altLang="en-US" smtClean="0"/>
-              <a:t>2020/5/6</a:t>
+              <a:t>2020/5/7</a:t>
             </a:fld>
             <a:endParaRPr lang="zh-CN" altLang="en-US"/>
           </a:p>
@@ -839,7 +839,7 @@
           <a:p>
             <a:fld id="{7D6B30A6-CDC2-4BFC-8644-0135E23227B7}" type="datetimeFigureOut">
               <a:rPr lang="zh-CN" altLang="en-US" smtClean="0"/>
-              <a:t>2020/5/6</a:t>
+              <a:t>2020/5/7</a:t>
             </a:fld>
             <a:endParaRPr lang="zh-CN" altLang="en-US"/>
           </a:p>
@@ -1037,7 +1037,7 @@
           <a:p>
             <a:fld id="{7D6B30A6-CDC2-4BFC-8644-0135E23227B7}" type="datetimeFigureOut">
               <a:rPr lang="zh-CN" altLang="en-US" smtClean="0"/>
-              <a:t>2020/5/6</a:t>
+              <a:t>2020/5/7</a:t>
             </a:fld>
             <a:endParaRPr lang="zh-CN" altLang="en-US"/>
           </a:p>
@@ -1245,7 +1245,7 @@
           <a:p>
             <a:fld id="{7D6B30A6-CDC2-4BFC-8644-0135E23227B7}" type="datetimeFigureOut">
               <a:rPr lang="zh-CN" altLang="en-US" smtClean="0"/>
-              <a:t>2020/5/6</a:t>
+              <a:t>2020/5/7</a:t>
             </a:fld>
             <a:endParaRPr lang="zh-CN" altLang="en-US"/>
           </a:p>
@@ -1443,7 +1443,7 @@
           <a:p>
             <a:fld id="{7D6B30A6-CDC2-4BFC-8644-0135E23227B7}" type="datetimeFigureOut">
               <a:rPr lang="zh-CN" altLang="en-US" smtClean="0"/>
-              <a:t>2020/5/6</a:t>
+              <a:t>2020/5/7</a:t>
             </a:fld>
             <a:endParaRPr lang="zh-CN" altLang="en-US"/>
           </a:p>
@@ -1718,7 +1718,7 @@
           <a:p>
             <a:fld id="{7D6B30A6-CDC2-4BFC-8644-0135E23227B7}" type="datetimeFigureOut">
               <a:rPr lang="zh-CN" altLang="en-US" smtClean="0"/>
-              <a:t>2020/5/6</a:t>
+              <a:t>2020/5/7</a:t>
             </a:fld>
             <a:endParaRPr lang="zh-CN" altLang="en-US"/>
           </a:p>
@@ -1983,7 +1983,7 @@
           <a:p>
             <a:fld id="{7D6B30A6-CDC2-4BFC-8644-0135E23227B7}" type="datetimeFigureOut">
               <a:rPr lang="zh-CN" altLang="en-US" smtClean="0"/>
-              <a:t>2020/5/6</a:t>
+              <a:t>2020/5/7</a:t>
             </a:fld>
             <a:endParaRPr lang="zh-CN" altLang="en-US"/>
           </a:p>
@@ -2395,7 +2395,7 @@
           <a:p>
             <a:fld id="{7D6B30A6-CDC2-4BFC-8644-0135E23227B7}" type="datetimeFigureOut">
               <a:rPr lang="zh-CN" altLang="en-US" smtClean="0"/>
-              <a:t>2020/5/6</a:t>
+              <a:t>2020/5/7</a:t>
             </a:fld>
             <a:endParaRPr lang="zh-CN" altLang="en-US"/>
           </a:p>
@@ -2536,7 +2536,7 @@
           <a:p>
             <a:fld id="{7D6B30A6-CDC2-4BFC-8644-0135E23227B7}" type="datetimeFigureOut">
               <a:rPr lang="zh-CN" altLang="en-US" smtClean="0"/>
-              <a:t>2020/5/6</a:t>
+              <a:t>2020/5/7</a:t>
             </a:fld>
             <a:endParaRPr lang="zh-CN" altLang="en-US"/>
           </a:p>
@@ -2649,7 +2649,7 @@
           <a:p>
             <a:fld id="{7D6B30A6-CDC2-4BFC-8644-0135E23227B7}" type="datetimeFigureOut">
               <a:rPr lang="zh-CN" altLang="en-US" smtClean="0"/>
-              <a:t>2020/5/6</a:t>
+              <a:t>2020/5/7</a:t>
             </a:fld>
             <a:endParaRPr lang="zh-CN" altLang="en-US"/>
           </a:p>
@@ -2960,7 +2960,7 @@
           <a:p>
             <a:fld id="{7D6B30A6-CDC2-4BFC-8644-0135E23227B7}" type="datetimeFigureOut">
               <a:rPr lang="zh-CN" altLang="en-US" smtClean="0"/>
-              <a:t>2020/5/6</a:t>
+              <a:t>2020/5/7</a:t>
             </a:fld>
             <a:endParaRPr lang="zh-CN" altLang="en-US"/>
           </a:p>
@@ -3248,7 +3248,7 @@
           <a:p>
             <a:fld id="{7D6B30A6-CDC2-4BFC-8644-0135E23227B7}" type="datetimeFigureOut">
               <a:rPr lang="zh-CN" altLang="en-US" smtClean="0"/>
-              <a:t>2020/5/6</a:t>
+              <a:t>2020/5/7</a:t>
             </a:fld>
             <a:endParaRPr lang="zh-CN" altLang="en-US"/>
           </a:p>
@@ -3489,7 +3489,7 @@
           <a:p>
             <a:fld id="{7D6B30A6-CDC2-4BFC-8644-0135E23227B7}" type="datetimeFigureOut">
               <a:rPr lang="zh-CN" altLang="en-US" smtClean="0"/>
-              <a:t>2020/5/6</a:t>
+              <a:t>2020/5/7</a:t>
             </a:fld>
             <a:endParaRPr lang="zh-CN" altLang="en-US"/>
           </a:p>
@@ -3957,8 +3957,8 @@
           <a:lstStyle/>
           <a:p>
             <a:r>
-              <a:rPr lang="en-US" altLang="zh-CN" dirty="0"/>
-              <a:t>2020/5/6</a:t>
+              <a:rPr lang="en-US" altLang="zh-CN"/>
+              <a:t>2020/5/7</a:t>
             </a:r>
             <a:endParaRPr lang="zh-CN" altLang="en-US" dirty="0"/>
           </a:p>
@@ -4207,7 +4207,7 @@
           <a:p>
             <a:r>
               <a:rPr lang="en-US" altLang="zh-CN" dirty="0"/>
-              <a:t>Data Dispersion *rerunning</a:t>
+              <a:t>Data Dispersion</a:t>
             </a:r>
             <a:endParaRPr lang="zh-CN" altLang="en-US" dirty="0"/>
           </a:p>
@@ -4665,7 +4665,7 @@
           <a:p>
             <a:r>
               <a:rPr lang="en-US" altLang="zh-CN" dirty="0"/>
-              <a:t>Data Dispersion 1/2 (old)</a:t>
+              <a:t>Data Dispersion 1/2 </a:t>
             </a:r>
             <a:endParaRPr lang="zh-CN" altLang="en-US" dirty="0"/>
           </a:p>
@@ -4673,10 +4673,10 @@
       </p:sp>
       <p:pic>
         <p:nvPicPr>
-          <p:cNvPr id="4" name="图片 3" descr="地图的截图&#10;&#10;描述已自动生成">
-            <a:extLst>
-              <a:ext uri="{FF2B5EF4-FFF2-40B4-BE49-F238E27FC236}">
-                <a16:creationId xmlns:a16="http://schemas.microsoft.com/office/drawing/2014/main" id="{DFB5D2BD-71BD-44CA-BEFF-81832CB6FB06}"/>
+          <p:cNvPr id="5" name="图片 4" descr="手机屏幕截图&#10;&#10;描述已自动生成">
+            <a:extLst>
+              <a:ext uri="{FF2B5EF4-FFF2-40B4-BE49-F238E27FC236}">
+                <a16:creationId xmlns:a16="http://schemas.microsoft.com/office/drawing/2014/main" id="{9B9D5AA3-139D-4160-BEAE-ACF7EE64FBBD}"/>
               </a:ext>
             </a:extLst>
           </p:cNvPr>
@@ -4760,7 +4760,7 @@
           <a:p>
             <a:r>
               <a:rPr lang="en-US" altLang="zh-CN" dirty="0"/>
-              <a:t>Data Dispersion 2/2 (old)</a:t>
+              <a:t>Data Dispersion 2/2 </a:t>
             </a:r>
             <a:endParaRPr lang="zh-CN" altLang="en-US" dirty="0"/>
           </a:p>
@@ -4768,10 +4768,10 @@
       </p:sp>
       <p:pic>
         <p:nvPicPr>
-          <p:cNvPr id="7" name="图片 6">
-            <a:extLst>
-              <a:ext uri="{FF2B5EF4-FFF2-40B4-BE49-F238E27FC236}">
-                <a16:creationId xmlns:a16="http://schemas.microsoft.com/office/drawing/2014/main" id="{5C933CC9-4E7C-40FA-B085-946FA9824C48}"/>
+          <p:cNvPr id="4" name="图片 3" descr="地图的截图&#10;&#10;描述已自动生成">
+            <a:extLst>
+              <a:ext uri="{FF2B5EF4-FFF2-40B4-BE49-F238E27FC236}">
+                <a16:creationId xmlns:a16="http://schemas.microsoft.com/office/drawing/2014/main" id="{02FEBC24-3169-4DEE-BCBF-F37D849EF691}"/>
               </a:ext>
             </a:extLst>
           </p:cNvPr>
@@ -4781,7 +4781,13 @@
           <p:nvPr/>
         </p:nvPicPr>
         <p:blipFill>
-          <a:blip r:embed="rId2"/>
+          <a:blip r:embed="rId2">
+            <a:extLst>
+              <a:ext uri="{28A0092B-C50C-407E-A947-70E740481C1C}">
+                <a14:useLocalDpi xmlns:a14="http://schemas.microsoft.com/office/drawing/2010/main" val="0"/>
+              </a:ext>
+            </a:extLst>
+          </a:blip>
           <a:stretch>
             <a:fillRect/>
           </a:stretch>
@@ -4789,7 +4795,7 @@
         <p:spPr>
           <a:xfrm>
             <a:off x="0" y="1690688"/>
-            <a:ext cx="12192000" cy="4341854"/>
+            <a:ext cx="12192000" cy="4324709"/>
           </a:xfrm>
           <a:prstGeom prst="rect">
             <a:avLst/>
@@ -6555,10 +6561,10 @@
           <a:p>
             <a:pPr algn="ctr"/>
             <a:r>
-              <a:rPr lang="en-US" altLang="zh-CN" sz="2800" dirty="0"/>
+              <a:rPr lang="en-US" altLang="zh-CN" sz="2800" b="1" dirty="0"/>
               <a:t>20%</a:t>
             </a:r>
-            <a:endParaRPr lang="zh-CN" altLang="en-US" sz="2800" dirty="0"/>
+            <a:endParaRPr lang="zh-CN" altLang="en-US" sz="2800" b="1" dirty="0"/>
           </a:p>
         </p:txBody>
       </p:sp>
@@ -6699,10 +6705,10 @@
           <a:p>
             <a:pPr algn="ctr"/>
             <a:r>
-              <a:rPr lang="en-US" altLang="zh-CN" sz="2800" dirty="0"/>
+              <a:rPr lang="en-US" altLang="zh-CN" sz="2800" b="1" dirty="0"/>
               <a:t>3</a:t>
             </a:r>
-            <a:endParaRPr lang="zh-CN" altLang="en-US" sz="2800" dirty="0"/>
+            <a:endParaRPr lang="zh-CN" altLang="en-US" sz="2800" b="1" dirty="0"/>
           </a:p>
         </p:txBody>
       </p:sp>
@@ -7159,10 +7165,10 @@
       </p:sp>
       <p:pic>
         <p:nvPicPr>
-          <p:cNvPr id="4" name="图片 3" descr="手机屏幕截图&#10;&#10;描述已自动生成">
-            <a:extLst>
-              <a:ext uri="{FF2B5EF4-FFF2-40B4-BE49-F238E27FC236}">
-                <a16:creationId xmlns:a16="http://schemas.microsoft.com/office/drawing/2014/main" id="{DDF2D216-6006-44AA-9142-DAB7B1950EFD}"/>
+          <p:cNvPr id="5" name="图片 4">
+            <a:extLst>
+              <a:ext uri="{FF2B5EF4-FFF2-40B4-BE49-F238E27FC236}">
+                <a16:creationId xmlns:a16="http://schemas.microsoft.com/office/drawing/2014/main" id="{47E96FE4-1153-415F-BDE6-2A39FF4B3F02}"/>
               </a:ext>
             </a:extLst>
           </p:cNvPr>
@@ -8340,6 +8346,74 @@
           </a:p>
         </p:txBody>
       </p:sp>
+      <p:sp>
+        <p:nvSpPr>
+          <p:cNvPr id="4" name="文本框 3">
+            <a:extLst>
+              <a:ext uri="{FF2B5EF4-FFF2-40B4-BE49-F238E27FC236}">
+                <a16:creationId xmlns:a16="http://schemas.microsoft.com/office/drawing/2014/main" id="{20BAD371-C19B-421A-B849-C92B84CFCDFB}"/>
+              </a:ext>
+            </a:extLst>
+          </p:cNvPr>
+          <p:cNvSpPr txBox="1"/>
+          <p:nvPr/>
+        </p:nvSpPr>
+        <p:spPr>
+          <a:xfrm>
+            <a:off x="292231" y="4411744"/>
+            <a:ext cx="4374037" cy="1520678"/>
+          </a:xfrm>
+          <a:prstGeom prst="rect">
+            <a:avLst/>
+          </a:prstGeom>
+          <a:noFill/>
+        </p:spPr>
+        <p:txBody>
+          <a:bodyPr wrap="square" rtlCol="0">
+            <a:spAutoFit/>
+          </a:bodyPr>
+          <a:lstStyle/>
+          <a:p>
+            <a:r>
+              <a:rPr lang="en-US" altLang="zh-CN" dirty="0"/>
+              <a:t>If worker size = 400</a:t>
+            </a:r>
+          </a:p>
+          <a:p>
+            <a:r>
+              <a:rPr lang="en-US" altLang="zh-CN" dirty="0"/>
+              <a:t>e.g.</a:t>
+            </a:r>
+          </a:p>
+          <a:p>
+            <a:r>
+              <a:rPr lang="en-US" altLang="zh-CN" dirty="0"/>
+              <a:t>2c means: class[A,B] * 200</a:t>
+            </a:r>
+          </a:p>
+          <a:p>
+            <a:r>
+              <a:rPr lang="en-US" altLang="zh-CN" dirty="0"/>
+              <a:t>5c means class[A,B,C,D,E] </a:t>
+            </a:r>
+            <a:r>
+              <a:rPr lang="zh-CN" altLang="en-US" dirty="0"/>
+              <a:t>* </a:t>
+            </a:r>
+            <a:r>
+              <a:rPr lang="en-US" altLang="zh-CN" dirty="0"/>
+              <a:t>80</a:t>
+            </a:r>
+          </a:p>
+          <a:p>
+            <a:r>
+              <a:rPr lang="en-US" altLang="zh-CN" dirty="0"/>
+              <a:t>………</a:t>
+            </a:r>
+            <a:endParaRPr lang="zh-CN" altLang="en-US" dirty="0"/>
+          </a:p>
+        </p:txBody>
+      </p:sp>
     </p:spTree>
     <p:extLst>
       <p:ext uri="{BB962C8B-B14F-4D97-AF65-F5344CB8AC3E}">
@@ -9058,6 +9132,49 @@
               <a:t>(after average model)</a:t>
             </a:r>
             <a:endParaRPr lang="zh-CN" altLang="en-US" sz="2400" dirty="0"/>
+          </a:p>
+        </p:txBody>
+      </p:sp>
+      <p:sp>
+        <p:nvSpPr>
+          <p:cNvPr id="4" name="文本框 3">
+            <a:extLst>
+              <a:ext uri="{FF2B5EF4-FFF2-40B4-BE49-F238E27FC236}">
+                <a16:creationId xmlns:a16="http://schemas.microsoft.com/office/drawing/2014/main" id="{DCABF1A3-09C1-4F1B-AE97-1A6FFDF46831}"/>
+              </a:ext>
+            </a:extLst>
+          </p:cNvPr>
+          <p:cNvSpPr txBox="1"/>
+          <p:nvPr/>
+        </p:nvSpPr>
+        <p:spPr>
+          <a:xfrm>
+            <a:off x="216817" y="5623932"/>
+            <a:ext cx="6334812" cy="369332"/>
+          </a:xfrm>
+          <a:prstGeom prst="rect">
+            <a:avLst/>
+          </a:prstGeom>
+          <a:noFill/>
+        </p:spPr>
+        <p:txBody>
+          <a:bodyPr wrap="square" rtlCol="0">
+            <a:spAutoFit/>
+          </a:bodyPr>
+          <a:lstStyle/>
+          <a:p>
+            <a:r>
+              <a:rPr lang="en-US" altLang="zh-CN" dirty="0"/>
+              <a:t>The distributed training data also follows node’s  (2c/5c/</a:t>
+            </a:r>
+            <a:r>
+              <a:rPr lang="en-US" altLang="zh-CN" dirty="0" err="1"/>
+              <a:t>iid</a:t>
+            </a:r>
+            <a:r>
+              <a:rPr lang="en-US" altLang="zh-CN" dirty="0"/>
+              <a:t>)</a:t>
+            </a:r>
           </a:p>
         </p:txBody>
       </p:sp>

--- a/Cifar10/TestResults.pptx
+++ b/Cifar10/TestResults.pptx
@@ -5,7 +5,7 @@
     <p:sldMasterId id="2147483648" r:id="rId1"/>
   </p:sldMasterIdLst>
   <p:notesMasterIdLst>
-    <p:notesMasterId r:id="rId33"/>
+    <p:notesMasterId r:id="rId34"/>
   </p:notesMasterIdLst>
   <p:sldIdLst>
     <p:sldId id="256" r:id="rId2"/>
@@ -39,6 +39,7 @@
     <p:sldId id="288" r:id="rId30"/>
     <p:sldId id="291" r:id="rId31"/>
     <p:sldId id="289" r:id="rId32"/>
+    <p:sldId id="300" r:id="rId33"/>
   </p:sldIdLst>
   <p:sldSz cx="12192000" cy="6858000"/>
   <p:notesSz cx="6858000" cy="9144000"/>
@@ -7892,6 +7893,221 @@
     <p:extLst>
       <p:ext uri="{BB962C8B-B14F-4D97-AF65-F5344CB8AC3E}">
         <p14:creationId xmlns:p14="http://schemas.microsoft.com/office/powerpoint/2010/main" val="3847275610"/>
+      </p:ext>
+    </p:extLst>
+  </p:cSld>
+  <p:clrMapOvr>
+    <a:masterClrMapping/>
+  </p:clrMapOvr>
+</p:sld>
+</file>
+
+<file path=ppt/slides/slide32.xml><?xml version="1.0" encoding="utf-8"?>
+<p:sld xmlns:a="http://schemas.openxmlformats.org/drawingml/2006/main" xmlns:r="http://schemas.openxmlformats.org/officeDocument/2006/relationships" xmlns:p="http://schemas.openxmlformats.org/presentationml/2006/main">
+  <p:cSld>
+    <p:spTree>
+      <p:nvGrpSpPr>
+        <p:cNvPr id="1" name=""/>
+        <p:cNvGrpSpPr/>
+        <p:nvPr/>
+      </p:nvGrpSpPr>
+      <p:grpSpPr>
+        <a:xfrm>
+          <a:off x="0" y="0"/>
+          <a:ext cx="0" cy="0"/>
+          <a:chOff x="0" y="0"/>
+          <a:chExt cx="0" cy="0"/>
+        </a:xfrm>
+      </p:grpSpPr>
+      <p:sp>
+        <p:nvSpPr>
+          <p:cNvPr id="2" name="标题 1">
+            <a:extLst>
+              <a:ext uri="{FF2B5EF4-FFF2-40B4-BE49-F238E27FC236}">
+                <a16:creationId xmlns:a16="http://schemas.microsoft.com/office/drawing/2014/main" id="{FB5A4C8B-4D50-4B68-9745-4D6D04F5CE5B}"/>
+              </a:ext>
+            </a:extLst>
+          </p:cNvPr>
+          <p:cNvSpPr>
+            <a:spLocks noGrp="1"/>
+          </p:cNvSpPr>
+          <p:nvPr>
+            <p:ph type="title"/>
+          </p:nvPr>
+        </p:nvSpPr>
+        <p:spPr/>
+        <p:txBody>
+          <a:bodyPr/>
+          <a:lstStyle/>
+          <a:p>
+            <a:r>
+              <a:rPr lang="en-US" altLang="zh-CN" dirty="0" err="1"/>
+              <a:t>gRPC</a:t>
+            </a:r>
+            <a:r>
+              <a:rPr lang="en-US" altLang="zh-CN" dirty="0"/>
+              <a:t> </a:t>
+            </a:r>
+            <a:r>
+              <a:rPr lang="en-US" altLang="zh-CN" dirty="0" err="1"/>
+              <a:t>bioinfo</a:t>
+            </a:r>
+            <a:r>
+              <a:rPr lang="en-US" altLang="zh-CN" dirty="0"/>
+              <a:t> example (3 class)</a:t>
+            </a:r>
+            <a:endParaRPr lang="zh-CN" altLang="en-US" dirty="0"/>
+          </a:p>
+        </p:txBody>
+      </p:sp>
+      <p:pic>
+        <p:nvPicPr>
+          <p:cNvPr id="5" name="图片 4" descr="图片包含 游戏机&#10;&#10;描述已自动生成">
+            <a:extLst>
+              <a:ext uri="{FF2B5EF4-FFF2-40B4-BE49-F238E27FC236}">
+                <a16:creationId xmlns:a16="http://schemas.microsoft.com/office/drawing/2014/main" id="{B7F33AD8-8249-45AF-B968-FA8002351E25}"/>
+              </a:ext>
+            </a:extLst>
+          </p:cNvPr>
+          <p:cNvPicPr>
+            <a:picLocks noChangeAspect="1"/>
+          </p:cNvPicPr>
+          <p:nvPr/>
+        </p:nvPicPr>
+        <p:blipFill>
+          <a:blip r:embed="rId2">
+            <a:extLst>
+              <a:ext uri="{28A0092B-C50C-407E-A947-70E740481C1C}">
+                <a14:useLocalDpi xmlns:a14="http://schemas.microsoft.com/office/drawing/2010/main" val="0"/>
+              </a:ext>
+            </a:extLst>
+          </a:blip>
+          <a:stretch>
+            <a:fillRect/>
+          </a:stretch>
+        </p:blipFill>
+        <p:spPr>
+          <a:xfrm>
+            <a:off x="6552106" y="2933612"/>
+            <a:ext cx="4801694" cy="3150318"/>
+          </a:xfrm>
+          <a:prstGeom prst="rect">
+            <a:avLst/>
+          </a:prstGeom>
+        </p:spPr>
+      </p:pic>
+      <p:pic>
+        <p:nvPicPr>
+          <p:cNvPr id="7" name="图片 6" descr="手机屏幕截图&#10;&#10;描述已自动生成">
+            <a:extLst>
+              <a:ext uri="{FF2B5EF4-FFF2-40B4-BE49-F238E27FC236}">
+                <a16:creationId xmlns:a16="http://schemas.microsoft.com/office/drawing/2014/main" id="{7286A5F4-E1D4-4CE1-B700-5FD40FA93571}"/>
+              </a:ext>
+            </a:extLst>
+          </p:cNvPr>
+          <p:cNvPicPr>
+            <a:picLocks noChangeAspect="1"/>
+          </p:cNvPicPr>
+          <p:nvPr/>
+        </p:nvPicPr>
+        <p:blipFill>
+          <a:blip r:embed="rId3">
+            <a:extLst>
+              <a:ext uri="{28A0092B-C50C-407E-A947-70E740481C1C}">
+                <a14:useLocalDpi xmlns:a14="http://schemas.microsoft.com/office/drawing/2010/main" val="0"/>
+              </a:ext>
+            </a:extLst>
+          </a:blip>
+          <a:stretch>
+            <a:fillRect/>
+          </a:stretch>
+        </p:blipFill>
+        <p:spPr>
+          <a:xfrm>
+            <a:off x="838200" y="2933612"/>
+            <a:ext cx="4674665" cy="3150318"/>
+          </a:xfrm>
+          <a:prstGeom prst="rect">
+            <a:avLst/>
+          </a:prstGeom>
+        </p:spPr>
+      </p:pic>
+      <p:sp>
+        <p:nvSpPr>
+          <p:cNvPr id="8" name="文本框 7">
+            <a:extLst>
+              <a:ext uri="{FF2B5EF4-FFF2-40B4-BE49-F238E27FC236}">
+                <a16:creationId xmlns:a16="http://schemas.microsoft.com/office/drawing/2014/main" id="{ABF0CD79-FE58-48C2-BBC6-936D869C7DE6}"/>
+              </a:ext>
+            </a:extLst>
+          </p:cNvPr>
+          <p:cNvSpPr txBox="1"/>
+          <p:nvPr/>
+        </p:nvSpPr>
+        <p:spPr>
+          <a:xfrm>
+            <a:off x="1093509" y="2328421"/>
+            <a:ext cx="1819373" cy="369332"/>
+          </a:xfrm>
+          <a:prstGeom prst="rect">
+            <a:avLst/>
+          </a:prstGeom>
+          <a:noFill/>
+        </p:spPr>
+        <p:txBody>
+          <a:bodyPr wrap="square" rtlCol="0">
+            <a:spAutoFit/>
+          </a:bodyPr>
+          <a:lstStyle/>
+          <a:p>
+            <a:r>
+              <a:rPr lang="en-US" altLang="zh-CN" dirty="0"/>
+              <a:t>loss</a:t>
+            </a:r>
+            <a:endParaRPr lang="zh-CN" altLang="en-US" dirty="0"/>
+          </a:p>
+        </p:txBody>
+      </p:sp>
+      <p:sp>
+        <p:nvSpPr>
+          <p:cNvPr id="9" name="文本框 8">
+            <a:extLst>
+              <a:ext uri="{FF2B5EF4-FFF2-40B4-BE49-F238E27FC236}">
+                <a16:creationId xmlns:a16="http://schemas.microsoft.com/office/drawing/2014/main" id="{D510998D-77A7-476C-861D-346E01AF901E}"/>
+              </a:ext>
+            </a:extLst>
+          </p:cNvPr>
+          <p:cNvSpPr txBox="1"/>
+          <p:nvPr/>
+        </p:nvSpPr>
+        <p:spPr>
+          <a:xfrm>
+            <a:off x="7136091" y="2205872"/>
+            <a:ext cx="1159497" cy="369332"/>
+          </a:xfrm>
+          <a:prstGeom prst="rect">
+            <a:avLst/>
+          </a:prstGeom>
+          <a:noFill/>
+        </p:spPr>
+        <p:txBody>
+          <a:bodyPr wrap="square" rtlCol="0">
+            <a:spAutoFit/>
+          </a:bodyPr>
+          <a:lstStyle/>
+          <a:p>
+            <a:r>
+              <a:rPr lang="en-US" altLang="zh-CN" dirty="0"/>
+              <a:t>acc</a:t>
+            </a:r>
+            <a:endParaRPr lang="zh-CN" altLang="en-US" dirty="0"/>
+          </a:p>
+        </p:txBody>
+      </p:sp>
+    </p:spTree>
+    <p:extLst>
+      <p:ext uri="{BB962C8B-B14F-4D97-AF65-F5344CB8AC3E}">
+        <p14:creationId xmlns:p14="http://schemas.microsoft.com/office/powerpoint/2010/main" val="3632250413"/>
       </p:ext>
     </p:extLst>
   </p:cSld>
